--- a/powerpoint/architect/Architectural Perspective for ColdFusion Applications.pptx
+++ b/powerpoint/architect/Architectural Perspective for ColdFusion Applications.pptx
@@ -5,10 +5,10 @@
     <p:sldMasterId id="2147483648" r:id="rId2"/>
   </p:sldMasterIdLst>
   <p:notesMasterIdLst>
-    <p:notesMasterId r:id="rId36"/>
+    <p:notesMasterId r:id="rId39"/>
   </p:notesMasterIdLst>
   <p:handoutMasterIdLst>
-    <p:handoutMasterId r:id="rId37"/>
+    <p:handoutMasterId r:id="rId40"/>
   </p:handoutMasterIdLst>
   <p:sldIdLst>
     <p:sldId id="265" r:id="rId3"/>
@@ -36,19 +36,22 @@
     <p:sldId id="333" r:id="rId25"/>
     <p:sldId id="339" r:id="rId26"/>
     <p:sldId id="344" r:id="rId27"/>
-    <p:sldId id="328" r:id="rId28"/>
-    <p:sldId id="330" r:id="rId29"/>
-    <p:sldId id="315" r:id="rId30"/>
-    <p:sldId id="314" r:id="rId31"/>
-    <p:sldId id="316" r:id="rId32"/>
-    <p:sldId id="317" r:id="rId33"/>
-    <p:sldId id="318" r:id="rId34"/>
-    <p:sldId id="319" r:id="rId35"/>
+    <p:sldId id="346" r:id="rId28"/>
+    <p:sldId id="347" r:id="rId29"/>
+    <p:sldId id="348" r:id="rId30"/>
+    <p:sldId id="328" r:id="rId31"/>
+    <p:sldId id="330" r:id="rId32"/>
+    <p:sldId id="315" r:id="rId33"/>
+    <p:sldId id="314" r:id="rId34"/>
+    <p:sldId id="316" r:id="rId35"/>
+    <p:sldId id="317" r:id="rId36"/>
+    <p:sldId id="318" r:id="rId37"/>
+    <p:sldId id="319" r:id="rId38"/>
   </p:sldIdLst>
   <p:sldSz cx="12188825" cy="6858000"/>
   <p:notesSz cx="6858000" cy="9144000"/>
   <p:custDataLst>
-    <p:tags r:id="rId38"/>
+    <p:tags r:id="rId41"/>
   </p:custDataLst>
   <p:defaultTextStyle>
     <a:defPPr>
@@ -7296,8 +7299,8 @@
     <dgm:cxn modelId="{F871D124-3F80-4DAA-B123-A63E499BF410}" type="presOf" srcId="{158E567A-92C6-4312-99BB-36BF67D3322E}" destId="{FBAACD42-F0D4-4A8E-B0E5-CB5E7940388F}" srcOrd="0" destOrd="0" presId="urn:microsoft.com/office/officeart/2005/8/layout/vList5"/>
     <dgm:cxn modelId="{363926D1-F4EB-44DF-A902-BC6342E9CB4D}" srcId="{53B605DD-09F7-456E-9344-981CB980CFCA}" destId="{6B366523-BD13-4980-948A-3532E0320257}" srcOrd="0" destOrd="0" parTransId="{A12DA69F-53D9-4615-887A-395BF3A52C81}" sibTransId="{459D637C-1CCF-4C6D-BE3A-8F909079702D}"/>
     <dgm:cxn modelId="{A205C2F5-E314-4557-8D9C-341FE497D5B6}" srcId="{C215B975-902B-4EC7-B336-A4AA07B053E8}" destId="{1D837C50-03B3-487F-8F8E-3568AA1F9A77}" srcOrd="2" destOrd="0" parTransId="{39C65D6B-D09E-4169-BF66-93DA259555E4}" sibTransId="{595A53FC-D471-4438-838B-80E2EB548EAA}"/>
+    <dgm:cxn modelId="{F2D9014A-EA80-4DF3-9C63-E586C91A996E}" srcId="{1D837C50-03B3-487F-8F8E-3568AA1F9A77}" destId="{F986D3E2-F64E-43B9-B5D2-F3786AD187D5}" srcOrd="1" destOrd="0" parTransId="{EA38A556-B5F9-4744-8BE5-E46866E3BC28}" sibTransId="{D37A206A-0F42-4A20-ABEA-0545868A81A3}"/>
     <dgm:cxn modelId="{46C45A26-C118-4861-84D8-79EC47598AED}" type="presOf" srcId="{6B366523-BD13-4980-948A-3532E0320257}" destId="{91B9535C-EE9F-4839-8961-649CCD71B09F}" srcOrd="0" destOrd="0" presId="urn:microsoft.com/office/officeart/2005/8/layout/vList5"/>
-    <dgm:cxn modelId="{F2D9014A-EA80-4DF3-9C63-E586C91A996E}" srcId="{1D837C50-03B3-487F-8F8E-3568AA1F9A77}" destId="{F986D3E2-F64E-43B9-B5D2-F3786AD187D5}" srcOrd="1" destOrd="0" parTransId="{EA38A556-B5F9-4744-8BE5-E46866E3BC28}" sibTransId="{D37A206A-0F42-4A20-ABEA-0545868A81A3}"/>
     <dgm:cxn modelId="{E41A588B-DC18-4400-9264-F062A6CCDC14}" srcId="{18EFE592-D47D-4E74-9270-B7746B271244}" destId="{BB4686A7-8E59-4FCB-AE18-30E4452354AC}" srcOrd="1" destOrd="0" parTransId="{32DE0638-7BB7-4E2C-BB9D-4CEC50B48590}" sibTransId="{212B5FA8-1AFC-44CE-98D2-17F324D7233A}"/>
     <dgm:cxn modelId="{8CEF5C1F-EE3F-490D-9414-0CA10CDED090}" srcId="{04188517-C43A-4D98-90DA-EF7D0FB60793}" destId="{E29BA5B4-CDE4-4873-AC07-4791CCCA79E8}" srcOrd="2" destOrd="0" parTransId="{FF364133-2F26-4015-8FDD-C8AB9E067DA6}" sibTransId="{F0A297FC-2741-4E9C-BA05-E6026EBA1D61}"/>
     <dgm:cxn modelId="{31B050C4-1E4C-4C92-B1DF-8660D4062F62}" srcId="{C215B975-902B-4EC7-B336-A4AA07B053E8}" destId="{18EFE592-D47D-4E74-9270-B7746B271244}" srcOrd="0" destOrd="0" parTransId="{F8AF199C-DC39-46A1-9487-F52C7EB0090E}" sibTransId="{A07C37FB-35EA-4C4B-BC11-AC2638EE2DEE}"/>
@@ -7309,8 +7312,8 @@
     <dgm:cxn modelId="{96AB0DE3-DD2C-446F-9D69-FB261C66E85F}" type="presOf" srcId="{C215B975-902B-4EC7-B336-A4AA07B053E8}" destId="{E581B38B-3431-4F2C-A2D5-E0DCD5694718}" srcOrd="0" destOrd="0" presId="urn:microsoft.com/office/officeart/2005/8/layout/vList5"/>
     <dgm:cxn modelId="{7C4D7FF2-FEAB-4B7F-B4E6-90150E89BBC0}" srcId="{53B605DD-09F7-456E-9344-981CB980CFCA}" destId="{AD9421A0-2E86-45D6-AEA1-A1A149576777}" srcOrd="2" destOrd="0" parTransId="{8BB9C9D1-C85D-4575-ABB7-6E832687F0DD}" sibTransId="{7423C02C-A19D-483E-B596-62F42FFC98B1}"/>
     <dgm:cxn modelId="{E966A751-A343-4562-9A54-08CD165FECEF}" srcId="{C215B975-902B-4EC7-B336-A4AA07B053E8}" destId="{04188517-C43A-4D98-90DA-EF7D0FB60793}" srcOrd="3" destOrd="0" parTransId="{E7682CFF-05C2-4817-A175-473DE3271D06}" sibTransId="{85731216-A6B2-4737-B24D-1455AA1C46E3}"/>
+    <dgm:cxn modelId="{66736646-790F-4AA8-A100-23DEE1E19B51}" type="presOf" srcId="{AD9421A0-2E86-45D6-AEA1-A1A149576777}" destId="{91B9535C-EE9F-4839-8961-649CCD71B09F}" srcOrd="0" destOrd="2" presId="urn:microsoft.com/office/officeart/2005/8/layout/vList5"/>
     <dgm:cxn modelId="{EF9EA35D-56AB-4A48-960A-FEC8D91FAE37}" type="presOf" srcId="{04188517-C43A-4D98-90DA-EF7D0FB60793}" destId="{FF391F34-7E05-4F9E-8A3A-0EEEF8821C3B}" srcOrd="0" destOrd="0" presId="urn:microsoft.com/office/officeart/2005/8/layout/vList5"/>
-    <dgm:cxn modelId="{66736646-790F-4AA8-A100-23DEE1E19B51}" type="presOf" srcId="{AD9421A0-2E86-45D6-AEA1-A1A149576777}" destId="{91B9535C-EE9F-4839-8961-649CCD71B09F}" srcOrd="0" destOrd="2" presId="urn:microsoft.com/office/officeart/2005/8/layout/vList5"/>
     <dgm:cxn modelId="{6ADC7BA9-11EA-4526-AD70-513108912C4C}" type="presParOf" srcId="{E581B38B-3431-4F2C-A2D5-E0DCD5694718}" destId="{463FD7FA-F7EB-4B4B-8AC2-166FAA21F44A}" srcOrd="0" destOrd="0" presId="urn:microsoft.com/office/officeart/2005/8/layout/vList5"/>
     <dgm:cxn modelId="{07016AF3-44B5-4299-AED5-F09715F5D89C}" type="presParOf" srcId="{463FD7FA-F7EB-4B4B-8AC2-166FAA21F44A}" destId="{958EC169-86A2-4C34-8555-18A5C31018E5}" srcOrd="0" destOrd="0" presId="urn:microsoft.com/office/officeart/2005/8/layout/vList5"/>
     <dgm:cxn modelId="{BDADAF99-3F69-460B-AF8D-B2921AF433EC}" type="presParOf" srcId="{463FD7FA-F7EB-4B4B-8AC2-166FAA21F44A}" destId="{FBAACD42-F0D4-4A8E-B0E5-CB5E7940388F}" srcOrd="1" destOrd="0" presId="urn:microsoft.com/office/officeart/2005/8/layout/vList5"/>
@@ -22264,7 +22267,7 @@
           <a:p>
             <a:fld id="{59088EAF-6ECA-4616-85EF-35AA19C641F3}" type="datetimeFigureOut">
               <a:rPr lang="en-US"/>
-              <a:t>7/26/2016</a:t>
+              <a:t>8/1/2016</a:t>
             </a:fld>
             <a:endParaRPr/>
           </a:p>
@@ -22429,7 +22432,7 @@
           <a:p>
             <a:fld id="{3ABD2D7A-D230-4F91-BD59-0A39C2703BA8}" type="datetimeFigureOut">
               <a:rPr lang="en-US"/>
-              <a:t>7/26/2016</a:t>
+              <a:t>8/1/2016</a:t>
             </a:fld>
             <a:endParaRPr/>
           </a:p>
@@ -23024,7 +23027,7 @@
           <a:p>
             <a:fld id="{03F41C87-7AD9-4845-A077-840E4A0F3F06}" type="datetimeFigureOut">
               <a:rPr lang="en-US"/>
-              <a:t>7/26/2016</a:t>
+              <a:t>8/1/2016</a:t>
             </a:fld>
             <a:endParaRPr/>
           </a:p>
@@ -23216,7 +23219,7 @@
           <a:p>
             <a:fld id="{03F41C87-7AD9-4845-A077-840E4A0F3F06}" type="datetimeFigureOut">
               <a:rPr lang="en-US"/>
-              <a:t>7/26/2016</a:t>
+              <a:t>8/1/2016</a:t>
             </a:fld>
             <a:endParaRPr/>
           </a:p>
@@ -23405,7 +23408,7 @@
           <a:p>
             <a:fld id="{03F41C87-7AD9-4845-A077-840E4A0F3F06}" type="datetimeFigureOut">
               <a:rPr lang="en-US"/>
-              <a:t>7/26/2016</a:t>
+              <a:t>8/1/2016</a:t>
             </a:fld>
             <a:endParaRPr/>
           </a:p>
@@ -23685,7 +23688,7 @@
           <a:p>
             <a:fld id="{03F41C87-7AD9-4845-A077-840E4A0F3F06}" type="datetimeFigureOut">
               <a:rPr lang="en-US"/>
-              <a:t>7/26/2016</a:t>
+              <a:t>8/1/2016</a:t>
             </a:fld>
             <a:endParaRPr/>
           </a:p>
@@ -23989,7 +23992,7 @@
           <a:p>
             <a:fld id="{03F41C87-7AD9-4845-A077-840E4A0F3F06}" type="datetimeFigureOut">
               <a:rPr lang="en-US"/>
-              <a:t>7/26/2016</a:t>
+              <a:t>8/1/2016</a:t>
             </a:fld>
             <a:endParaRPr/>
           </a:p>
@@ -24445,7 +24448,7 @@
           <a:p>
             <a:fld id="{03F41C87-7AD9-4845-A077-840E4A0F3F06}" type="datetimeFigureOut">
               <a:rPr lang="en-US"/>
-              <a:t>7/26/2016</a:t>
+              <a:t>8/1/2016</a:t>
             </a:fld>
             <a:endParaRPr/>
           </a:p>
@@ -24575,7 +24578,7 @@
           <a:p>
             <a:fld id="{03F41C87-7AD9-4845-A077-840E4A0F3F06}" type="datetimeFigureOut">
               <a:rPr lang="en-US"/>
-              <a:t>7/26/2016</a:t>
+              <a:t>8/1/2016</a:t>
             </a:fld>
             <a:endParaRPr/>
           </a:p>
@@ -24690,7 +24693,7 @@
           <a:p>
             <a:fld id="{03F41C87-7AD9-4845-A077-840E4A0F3F06}" type="datetimeFigureOut">
               <a:rPr lang="en-US"/>
-              <a:t>7/26/2016</a:t>
+              <a:t>8/1/2016</a:t>
             </a:fld>
             <a:endParaRPr/>
           </a:p>
@@ -25012,7 +25015,7 @@
           <a:p>
             <a:fld id="{03F41C87-7AD9-4845-A077-840E4A0F3F06}" type="datetimeFigureOut">
               <a:rPr lang="en-US"/>
-              <a:t>7/26/2016</a:t>
+              <a:t>8/1/2016</a:t>
             </a:fld>
             <a:endParaRPr/>
           </a:p>
@@ -25324,7 +25327,7 @@
             <a:fld id="{03F41C87-7AD9-4845-A077-840E4A0F3F06}" type="datetimeFigureOut">
               <a:rPr lang="en-US"/>
               <a:pPr/>
-              <a:t>7/26/2016</a:t>
+              <a:t>8/1/2016</a:t>
             </a:fld>
             <a:endParaRPr/>
           </a:p>
@@ -25560,7 +25563,7 @@
             <a:fld id="{03F41C87-7AD9-4845-A077-840E4A0F3F06}" type="datetimeFigureOut">
               <a:rPr lang="en-US"/>
               <a:pPr/>
-              <a:t>7/26/2016</a:t>
+              <a:t>8/1/2016</a:t>
             </a:fld>
             <a:endParaRPr/>
           </a:p>
@@ -26024,7 +26027,12 @@
             <p:ph type="ctrTitle"/>
           </p:nvPr>
         </p:nvSpPr>
-        <p:spPr/>
+        <p:spPr>
+          <a:xfrm>
+            <a:off x="3046412" y="1447800"/>
+            <a:ext cx="8229600" cy="2895600"/>
+          </a:xfrm>
+        </p:spPr>
         <p:txBody>
           <a:bodyPr>
             <a:normAutofit/>
@@ -26067,6 +26075,49 @@
           </a:p>
         </p:txBody>
       </p:sp>
+      <p:pic>
+        <p:nvPicPr>
+          <p:cNvPr id="4" name="Picture 3"/>
+          <p:cNvPicPr>
+            <a:picLocks noChangeAspect="1"/>
+          </p:cNvPicPr>
+          <p:nvPr/>
+        </p:nvPicPr>
+        <p:blipFill>
+          <a:blip r:embed="rId2" cstate="print">
+            <a:extLst>
+              <a:ext uri="{28A0092B-C50C-407E-A947-70E740481C1C}">
+                <a14:useLocalDpi xmlns:a14="http://schemas.microsoft.com/office/drawing/2010/main" val="0"/>
+              </a:ext>
+            </a:extLst>
+          </a:blip>
+          <a:stretch>
+            <a:fillRect/>
+          </a:stretch>
+        </p:blipFill>
+        <p:spPr>
+          <a:xfrm>
+            <a:off x="455612" y="2209800"/>
+            <a:ext cx="2438400" cy="1676400"/>
+          </a:xfrm>
+          <a:prstGeom prst="roundRect">
+            <a:avLst>
+              <a:gd name="adj" fmla="val 8594"/>
+            </a:avLst>
+          </a:prstGeom>
+          <a:solidFill>
+            <a:srgbClr val="FFFFFF">
+              <a:shade val="85000"/>
+            </a:srgbClr>
+          </a:solidFill>
+          <a:ln>
+            <a:noFill/>
+          </a:ln>
+          <a:effectLst>
+            <a:reflection blurRad="12700" stA="38000" endPos="28000" dist="5000" dir="5400000" sy="-100000" algn="bl" rotWithShape="0"/>
+          </a:effectLst>
+        </p:spPr>
+      </p:pic>
     </p:spTree>
     <p:extLst>
       <p:ext uri="{BB962C8B-B14F-4D97-AF65-F5344CB8AC3E}">
@@ -29465,54 +29516,6 @@
           </a:p>
         </p:txBody>
       </p:sp>
-      <p:sp>
-        <p:nvSpPr>
-          <p:cNvPr id="6" name="TextBox 5"/>
-          <p:cNvSpPr txBox="1"/>
-          <p:nvPr/>
-        </p:nvSpPr>
-        <p:spPr>
-          <a:xfrm rot="16200000">
-            <a:off x="9625470" y="4375259"/>
-            <a:ext cx="4114799" cy="461665"/>
-          </a:xfrm>
-          <a:prstGeom prst="rect">
-            <a:avLst/>
-          </a:prstGeom>
-          <a:noFill/>
-        </p:spPr>
-        <p:txBody>
-          <a:bodyPr wrap="square" rtlCol="0">
-            <a:spAutoFit/>
-          </a:bodyPr>
-          <a:lstStyle/>
-          <a:p>
-            <a:r>
-              <a:rPr lang="en-US" sz="2400" b="1" spc="50" dirty="0">
-                <a:ln w="9525" cmpd="sng">
-                  <a:solidFill>
-                    <a:schemeClr val="accent1"/>
-                  </a:solidFill>
-                  <a:prstDash val="solid"/>
-                </a:ln>
-                <a:solidFill>
-                  <a:srgbClr val="70AD47">
-                    <a:tint val="1000"/>
-                  </a:srgbClr>
-                </a:solidFill>
-                <a:effectLst>
-                  <a:glow rad="38100">
-                    <a:schemeClr val="accent1">
-                      <a:alpha val="40000"/>
-                    </a:schemeClr>
-                  </a:glow>
-                </a:effectLst>
-              </a:rPr>
-              <a:t>Repository - Database</a:t>
-            </a:r>
-          </a:p>
-        </p:txBody>
-      </p:sp>
       <p:pic>
         <p:nvPicPr>
           <p:cNvPr id="9" name="Picture 8"/>
@@ -29784,6 +29787,45 @@
               <a:t>Software architect vs code</a:t>
             </a:r>
             <a:endParaRPr lang="en-US" dirty="0"/>
+          </a:p>
+        </p:txBody>
+      </p:sp>
+      <p:sp>
+        <p:nvSpPr>
+          <p:cNvPr id="13" name="TextBox 12"/>
+          <p:cNvSpPr txBox="1"/>
+          <p:nvPr/>
+        </p:nvSpPr>
+        <p:spPr>
+          <a:xfrm rot="16200000">
+            <a:off x="8465424" y="3215212"/>
+            <a:ext cx="6434891" cy="461665"/>
+          </a:xfrm>
+          <a:prstGeom prst="rect">
+            <a:avLst/>
+          </a:prstGeom>
+          <a:noFill/>
+        </p:spPr>
+        <p:txBody>
+          <a:bodyPr wrap="square" rtlCol="0" anchor="ctr">
+            <a:spAutoFit/>
+          </a:bodyPr>
+          <a:lstStyle/>
+          <a:p>
+            <a:pPr algn="ctr"/>
+            <a:r>
+              <a:rPr lang="en-US" sz="2400" dirty="0">
+                <a:ln w="0"/>
+                <a:effectLst>
+                  <a:outerShdw blurRad="38100" dist="19050" dir="2700000" algn="tl" rotWithShape="0">
+                    <a:schemeClr val="dk1">
+                      <a:alpha val="40000"/>
+                    </a:schemeClr>
+                  </a:outerShdw>
+                </a:effectLst>
+              </a:rPr>
+              <a:t>Repository - Database</a:t>
+            </a:r>
           </a:p>
         </p:txBody>
       </p:sp>
@@ -30064,8 +30106,8 @@
         </p:nvSpPr>
         <p:spPr>
           <a:xfrm rot="16200000">
-            <a:off x="9625470" y="4375259"/>
-            <a:ext cx="4114799" cy="461665"/>
+            <a:off x="8465424" y="3215212"/>
+            <a:ext cx="6434891" cy="461665"/>
           </a:xfrm>
           <a:prstGeom prst="rect">
             <a:avLst/>
@@ -30073,30 +30115,21 @@
           <a:noFill/>
         </p:spPr>
         <p:txBody>
-          <a:bodyPr wrap="square" rtlCol="0">
+          <a:bodyPr wrap="square" rtlCol="0" anchor="ctr">
             <a:spAutoFit/>
           </a:bodyPr>
           <a:lstStyle/>
           <a:p>
+            <a:pPr algn="ctr"/>
             <a:r>
-              <a:rPr lang="en-US" sz="2400" b="1" spc="50" dirty="0">
-                <a:ln w="9525" cmpd="sng">
-                  <a:solidFill>
-                    <a:schemeClr val="accent1"/>
-                  </a:solidFill>
-                  <a:prstDash val="solid"/>
-                </a:ln>
-                <a:solidFill>
-                  <a:srgbClr val="70AD47">
-                    <a:tint val="1000"/>
-                  </a:srgbClr>
-                </a:solidFill>
+              <a:rPr lang="en-US" sz="2400" dirty="0">
+                <a:ln w="0"/>
                 <a:effectLst>
-                  <a:glow rad="38100">
-                    <a:schemeClr val="accent1">
+                  <a:outerShdw blurRad="38100" dist="19050" dir="2700000" algn="tl" rotWithShape="0">
+                    <a:schemeClr val="dk1">
                       <a:alpha val="40000"/>
                     </a:schemeClr>
-                  </a:glow>
+                  </a:outerShdw>
                 </a:effectLst>
               </a:rPr>
               <a:t>Repository - Database</a:t>
@@ -30162,6 +30195,48 @@
               <a:t>Software architect vs code</a:t>
             </a:r>
             <a:endParaRPr lang="en-US" dirty="0"/>
+          </a:p>
+        </p:txBody>
+      </p:sp>
+      <p:sp>
+        <p:nvSpPr>
+          <p:cNvPr id="2" name="Rectangle 1"/>
+          <p:cNvSpPr/>
+          <p:nvPr/>
+        </p:nvSpPr>
+        <p:spPr>
+          <a:xfrm>
+            <a:off x="2842913" y="2967335"/>
+            <a:ext cx="6502999" cy="923330"/>
+          </a:xfrm>
+          <a:prstGeom prst="rect">
+            <a:avLst/>
+          </a:prstGeom>
+          <a:noFill/>
+        </p:spPr>
+        <p:txBody>
+          <a:bodyPr wrap="none" lIns="91440" tIns="45720" rIns="91440" bIns="45720">
+            <a:spAutoFit/>
+          </a:bodyPr>
+          <a:lstStyle/>
+          <a:p>
+            <a:pPr algn="ctr"/>
+            <a:r>
+              <a:rPr lang="en-US" sz="5400" b="0" cap="none" spc="0" dirty="0">
+                <a:ln w="0"/>
+                <a:solidFill>
+                  <a:schemeClr val="tx1"/>
+                </a:solidFill>
+                <a:effectLst>
+                  <a:outerShdw blurRad="38100" dist="19050" dir="2700000" algn="tl" rotWithShape="0">
+                    <a:schemeClr val="dk1">
+                      <a:alpha val="40000"/>
+                    </a:schemeClr>
+                  </a:outerShdw>
+                </a:effectLst>
+              </a:rPr>
+              <a:t>Repository - Database</a:t>
+            </a:r>
           </a:p>
         </p:txBody>
       </p:sp>
@@ -30489,76 +30564,47 @@
           <a:noFill/>
         </p:spPr>
         <p:txBody>
-          <a:bodyPr wrap="square" rtlCol="0">
+          <a:bodyPr wrap="square" rtlCol="0" anchor="ctr">
             <a:spAutoFit/>
           </a:bodyPr>
           <a:lstStyle/>
           <a:p>
+            <a:pPr algn="ctr"/>
             <a:r>
-              <a:rPr lang="en-US" sz="2400" b="1" spc="50" dirty="0">
-                <a:ln w="9525" cmpd="sng">
-                  <a:solidFill>
-                    <a:schemeClr val="accent1"/>
-                  </a:solidFill>
-                  <a:prstDash val="solid"/>
-                </a:ln>
-                <a:solidFill>
-                  <a:srgbClr val="70AD47">
-                    <a:tint val="1000"/>
-                  </a:srgbClr>
-                </a:solidFill>
+              <a:rPr lang="en-US" sz="2400" dirty="0">
+                <a:ln w="0"/>
                 <a:effectLst>
-                  <a:glow rad="38100">
-                    <a:schemeClr val="accent1">
+                  <a:outerShdw blurRad="38100" dist="19050" dir="2700000" algn="tl" rotWithShape="0">
+                    <a:schemeClr val="dk1">
                       <a:alpha val="40000"/>
                     </a:schemeClr>
-                  </a:glow>
+                  </a:outerShdw>
                 </a:effectLst>
               </a:rPr>
               <a:t>Repository – OOP- </a:t>
             </a:r>
             <a:r>
-              <a:rPr lang="en-US" sz="2400" b="1" spc="50" dirty="0" err="1">
-                <a:ln w="9525" cmpd="sng">
-                  <a:solidFill>
-                    <a:schemeClr val="accent1"/>
-                  </a:solidFill>
-                  <a:prstDash val="solid"/>
-                </a:ln>
-                <a:solidFill>
-                  <a:srgbClr val="70AD47">
-                    <a:tint val="1000"/>
-                  </a:srgbClr>
-                </a:solidFill>
+              <a:rPr lang="en-US" sz="2400" dirty="0" err="1">
+                <a:ln w="0"/>
                 <a:effectLst>
-                  <a:glow rad="38100">
-                    <a:schemeClr val="accent1">
+                  <a:outerShdw blurRad="38100" dist="19050" dir="2700000" algn="tl" rotWithShape="0">
+                    <a:schemeClr val="dk1">
                       <a:alpha val="40000"/>
                     </a:schemeClr>
-                  </a:glow>
+                  </a:outerShdw>
                 </a:effectLst>
               </a:rPr>
               <a:t>AutoGenerated</a:t>
             </a:r>
             <a:r>
-              <a:rPr lang="en-US" sz="2400" b="1" spc="50" dirty="0">
-                <a:ln w="9525" cmpd="sng">
-                  <a:solidFill>
-                    <a:schemeClr val="accent1"/>
-                  </a:solidFill>
-                  <a:prstDash val="solid"/>
-                </a:ln>
-                <a:solidFill>
-                  <a:srgbClr val="70AD47">
-                    <a:tint val="1000"/>
-                  </a:srgbClr>
-                </a:solidFill>
+              <a:rPr lang="en-US" sz="2400" dirty="0">
+                <a:ln w="0"/>
                 <a:effectLst>
-                  <a:glow rad="38100">
-                    <a:schemeClr val="accent1">
+                  <a:outerShdw blurRad="38100" dist="19050" dir="2700000" algn="tl" rotWithShape="0">
+                    <a:schemeClr val="dk1">
                       <a:alpha val="40000"/>
                     </a:schemeClr>
-                  </a:glow>
+                  </a:outerShdw>
                 </a:effectLst>
               </a:rPr>
               <a:t>/Table objects/ DAO</a:t>
@@ -30826,8 +30872,8 @@
         </p:nvSpPr>
         <p:spPr>
           <a:xfrm rot="16200000">
-            <a:off x="8397199" y="3028602"/>
-            <a:ext cx="6633706" cy="830997"/>
+            <a:off x="8397199" y="3213268"/>
+            <a:ext cx="6633706" cy="461665"/>
           </a:xfrm>
           <a:prstGeom prst="rect">
             <a:avLst/>
@@ -30835,79 +30881,24 @@
           <a:noFill/>
         </p:spPr>
         <p:txBody>
-          <a:bodyPr wrap="square" rtlCol="0">
+          <a:bodyPr wrap="square" rtlCol="0" anchor="ctr">
             <a:spAutoFit/>
           </a:bodyPr>
           <a:lstStyle/>
           <a:p>
+            <a:pPr algn="ctr"/>
             <a:r>
-              <a:rPr lang="en-US" sz="2400" b="1" spc="50" dirty="0">
-                <a:ln w="9525" cmpd="sng">
-                  <a:solidFill>
-                    <a:schemeClr val="accent1"/>
-                  </a:solidFill>
-                  <a:prstDash val="solid"/>
-                </a:ln>
-                <a:solidFill>
-                  <a:srgbClr val="70AD47">
-                    <a:tint val="1000"/>
-                  </a:srgbClr>
-                </a:solidFill>
+              <a:rPr lang="en-US" sz="2400" dirty="0">
+                <a:ln w="0"/>
                 <a:effectLst>
-                  <a:glow rad="38100">
-                    <a:schemeClr val="accent1">
+                  <a:outerShdw blurRad="38100" dist="19050" dir="2700000" algn="tl" rotWithShape="0">
+                    <a:schemeClr val="dk1">
                       <a:alpha val="40000"/>
                     </a:schemeClr>
-                  </a:glow>
+                  </a:outerShdw>
                 </a:effectLst>
               </a:rPr>
-              <a:t>Repository – OOP- </a:t>
-            </a:r>
-            <a:r>
-              <a:rPr lang="en-US" sz="2400" b="1" spc="50" dirty="0" err="1">
-                <a:ln w="9525" cmpd="sng">
-                  <a:solidFill>
-                    <a:schemeClr val="accent1"/>
-                  </a:solidFill>
-                  <a:prstDash val="solid"/>
-                </a:ln>
-                <a:solidFill>
-                  <a:srgbClr val="70AD47">
-                    <a:tint val="1000"/>
-                  </a:srgbClr>
-                </a:solidFill>
-                <a:effectLst>
-                  <a:glow rad="38100">
-                    <a:schemeClr val="accent1">
-                      <a:alpha val="40000"/>
-                    </a:schemeClr>
-                  </a:glow>
-                </a:effectLst>
-              </a:rPr>
-              <a:t>AutoGenerated</a:t>
-            </a:r>
-            <a:r>
-              <a:rPr lang="en-US" sz="2400" b="1" spc="50" dirty="0">
-                <a:ln w="9525" cmpd="sng">
-                  <a:solidFill>
-                    <a:schemeClr val="accent1"/>
-                  </a:solidFill>
-                  <a:prstDash val="solid"/>
-                </a:ln>
-                <a:solidFill>
-                  <a:srgbClr val="70AD47">
-                    <a:tint val="1000"/>
-                  </a:srgbClr>
-                </a:solidFill>
-                <a:effectLst>
-                  <a:glow rad="38100">
-                    <a:schemeClr val="accent1">
-                      <a:alpha val="40000"/>
-                    </a:schemeClr>
-                  </a:glow>
-                </a:effectLst>
-              </a:rPr>
-              <a:t>/Table objects/ DAO</a:t>
+              <a:t>Repository – OOP- DAL-Business Entities</a:t>
             </a:r>
           </a:p>
         </p:txBody>
@@ -31039,7 +31030,7 @@
         <p:spPr>
           <a:xfrm>
             <a:off x="504092" y="4876800"/>
-            <a:ext cx="3868367" cy="1477328"/>
+            <a:ext cx="3868367" cy="1200329"/>
           </a:xfrm>
           <a:prstGeom prst="rect">
             <a:avLst/>
@@ -31075,12 +31066,6 @@
               <a:t>4-Output array of table object or query</a:t>
             </a:r>
           </a:p>
-          <a:p>
-            <a:r>
-              <a:rPr lang="en-US" dirty="0"/>
-              <a:t>5- Limited Methods</a:t>
-            </a:r>
-          </a:p>
         </p:txBody>
       </p:sp>
       <p:sp>
@@ -31092,7 +31077,7 @@
         <p:spPr>
           <a:xfrm>
             <a:off x="4588800" y="4876800"/>
-            <a:ext cx="6195927" cy="1477328"/>
+            <a:ext cx="6195927" cy="1200329"/>
           </a:xfrm>
           <a:prstGeom prst="rect">
             <a:avLst/>
@@ -31136,20 +31121,6 @@
               <a:t> or query</a:t>
             </a:r>
           </a:p>
-          <a:p>
-            <a:r>
-              <a:rPr lang="en-US" dirty="0"/>
-              <a:t>5- </a:t>
-            </a:r>
-            <a:r>
-              <a:rPr lang="en-US" dirty="0" err="1"/>
-              <a:t>unLimited</a:t>
-            </a:r>
-            <a:r>
-              <a:rPr lang="en-US" dirty="0"/>
-              <a:t> Methods</a:t>
-            </a:r>
-          </a:p>
         </p:txBody>
       </p:sp>
     </p:spTree>
@@ -31178,6 +31149,1041 @@
 </file>
 
 <file path=ppt/slides/slide26.xml><?xml version="1.0" encoding="utf-8"?>
+<p:sld xmlns:a="http://schemas.openxmlformats.org/drawingml/2006/main" xmlns:r="http://schemas.openxmlformats.org/officeDocument/2006/relationships" xmlns:p="http://schemas.openxmlformats.org/presentationml/2006/main">
+  <p:cSld>
+    <p:spTree>
+      <p:nvGrpSpPr>
+        <p:cNvPr id="1" name=""/>
+        <p:cNvGrpSpPr/>
+        <p:nvPr/>
+      </p:nvGrpSpPr>
+      <p:grpSpPr>
+        <a:xfrm>
+          <a:off x="0" y="0"/>
+          <a:ext cx="0" cy="0"/>
+          <a:chOff x="0" y="0"/>
+          <a:chExt cx="0" cy="0"/>
+        </a:xfrm>
+      </p:grpSpPr>
+      <p:sp>
+        <p:nvSpPr>
+          <p:cNvPr id="17" name="Rectangle 16"/>
+          <p:cNvSpPr/>
+          <p:nvPr/>
+        </p:nvSpPr>
+        <p:spPr>
+          <a:xfrm>
+            <a:off x="11257646" y="0"/>
+            <a:ext cx="912813" cy="6858000"/>
+          </a:xfrm>
+          <a:prstGeom prst="rect">
+            <a:avLst/>
+          </a:prstGeom>
+          <a:solidFill>
+            <a:srgbClr val="C00000"/>
+          </a:solidFill>
+          <a:ln>
+            <a:solidFill>
+              <a:srgbClr val="C00000"/>
+            </a:solidFill>
+          </a:ln>
+        </p:spPr>
+        <p:style>
+          <a:lnRef idx="2">
+            <a:schemeClr val="accent1">
+              <a:shade val="50000"/>
+            </a:schemeClr>
+          </a:lnRef>
+          <a:fillRef idx="1">
+            <a:schemeClr val="accent1"/>
+          </a:fillRef>
+          <a:effectRef idx="0">
+            <a:schemeClr val="accent1"/>
+          </a:effectRef>
+          <a:fontRef idx="minor">
+            <a:schemeClr val="lt1"/>
+          </a:fontRef>
+        </p:style>
+        <p:txBody>
+          <a:bodyPr rtlCol="0" anchor="ctr"/>
+          <a:lstStyle/>
+          <a:p>
+            <a:pPr algn="ctr"/>
+            <a:endParaRPr lang="en-US"/>
+          </a:p>
+        </p:txBody>
+      </p:sp>
+      <p:sp>
+        <p:nvSpPr>
+          <p:cNvPr id="18" name="TextBox 17"/>
+          <p:cNvSpPr txBox="1"/>
+          <p:nvPr/>
+        </p:nvSpPr>
+        <p:spPr>
+          <a:xfrm rot="16200000">
+            <a:off x="8397200" y="3213268"/>
+            <a:ext cx="6633706" cy="461665"/>
+          </a:xfrm>
+          <a:prstGeom prst="rect">
+            <a:avLst/>
+          </a:prstGeom>
+          <a:noFill/>
+        </p:spPr>
+        <p:txBody>
+          <a:bodyPr wrap="square" rtlCol="0" anchor="ctr">
+            <a:spAutoFit/>
+          </a:bodyPr>
+          <a:lstStyle/>
+          <a:p>
+            <a:pPr algn="ctr"/>
+            <a:r>
+              <a:rPr lang="en-US" sz="2400" dirty="0">
+                <a:ln w="0"/>
+                <a:effectLst>
+                  <a:outerShdw blurRad="38100" dist="19050" dir="2700000" algn="tl" rotWithShape="0">
+                    <a:schemeClr val="dk1">
+                      <a:alpha val="40000"/>
+                    </a:schemeClr>
+                  </a:outerShdw>
+                </a:effectLst>
+              </a:rPr>
+              <a:t>Repository – OOP- Business Entities</a:t>
+            </a:r>
+          </a:p>
+        </p:txBody>
+      </p:sp>
+      <p:sp>
+        <p:nvSpPr>
+          <p:cNvPr id="19" name="Title 1"/>
+          <p:cNvSpPr txBox="1">
+            <a:spLocks/>
+          </p:cNvSpPr>
+          <p:nvPr/>
+        </p:nvSpPr>
+        <p:spPr>
+          <a:xfrm>
+            <a:off x="476959" y="127248"/>
+            <a:ext cx="5465053" cy="618530"/>
+          </a:xfrm>
+          <a:prstGeom prst="rect">
+            <a:avLst/>
+          </a:prstGeom>
+        </p:spPr>
+        <p:txBody>
+          <a:bodyPr vert="horz" lIns="91440" tIns="45720" rIns="91440" bIns="45720" rtlCol="0" anchor="b">
+            <a:normAutofit/>
+          </a:bodyPr>
+          <a:lstStyle>
+            <a:lvl1pPr algn="l" defTabSz="914400" rtl="0" eaLnBrk="1" latinLnBrk="0" hangingPunct="1">
+              <a:lnSpc>
+                <a:spcPct val="90000"/>
+              </a:lnSpc>
+              <a:spcBef>
+                <a:spcPct val="0"/>
+              </a:spcBef>
+              <a:buNone/>
+              <a:defRPr sz="3600" kern="1200" spc="100" baseline="0">
+                <a:solidFill>
+                  <a:schemeClr val="tx1"/>
+                </a:solidFill>
+                <a:latin typeface="+mj-lt"/>
+                <a:ea typeface="+mj-ea"/>
+                <a:cs typeface="+mj-cs"/>
+              </a:defRPr>
+            </a:lvl1pPr>
+          </a:lstStyle>
+          <a:p>
+            <a:r>
+              <a:rPr lang="en-US" spc="0" dirty="0">
+                <a:ln w="0"/>
+                <a:solidFill>
+                  <a:schemeClr val="accent1"/>
+                </a:solidFill>
+                <a:effectLst>
+                  <a:outerShdw blurRad="38100" dist="25400" dir="5400000" algn="ctr" rotWithShape="0">
+                    <a:srgbClr val="6E747A">
+                      <a:alpha val="43000"/>
+                    </a:srgbClr>
+                  </a:outerShdw>
+                </a:effectLst>
+              </a:rPr>
+              <a:t>Software architect vs code</a:t>
+            </a:r>
+            <a:endParaRPr lang="en-US" dirty="0"/>
+          </a:p>
+        </p:txBody>
+      </p:sp>
+      <p:pic>
+        <p:nvPicPr>
+          <p:cNvPr id="10" name="Picture 9"/>
+          <p:cNvPicPr>
+            <a:picLocks noChangeAspect="1"/>
+          </p:cNvPicPr>
+          <p:nvPr/>
+        </p:nvPicPr>
+        <p:blipFill>
+          <a:blip r:embed="rId2"/>
+          <a:stretch>
+            <a:fillRect/>
+          </a:stretch>
+        </p:blipFill>
+        <p:spPr>
+          <a:xfrm>
+            <a:off x="489353" y="1449097"/>
+            <a:ext cx="5495435" cy="3085714"/>
+          </a:xfrm>
+          <a:prstGeom prst="roundRect">
+            <a:avLst>
+              <a:gd name="adj" fmla="val 8594"/>
+            </a:avLst>
+          </a:prstGeom>
+          <a:solidFill>
+            <a:srgbClr val="FFFFFF">
+              <a:shade val="85000"/>
+            </a:srgbClr>
+          </a:solidFill>
+          <a:ln>
+            <a:noFill/>
+          </a:ln>
+          <a:effectLst>
+            <a:reflection blurRad="12700" stA="38000" endPos="28000" dist="5000" dir="5400000" sy="-100000" algn="bl" rotWithShape="0"/>
+          </a:effectLst>
+        </p:spPr>
+      </p:pic>
+      <p:sp>
+        <p:nvSpPr>
+          <p:cNvPr id="2" name="Oval 1"/>
+          <p:cNvSpPr/>
+          <p:nvPr/>
+        </p:nvSpPr>
+        <p:spPr>
+          <a:xfrm>
+            <a:off x="1178781" y="3811398"/>
+            <a:ext cx="1029432" cy="304800"/>
+          </a:xfrm>
+          <a:prstGeom prst="ellipse">
+            <a:avLst/>
+          </a:prstGeom>
+          <a:noFill/>
+          <a:ln>
+            <a:solidFill>
+              <a:srgbClr val="FF0000"/>
+            </a:solidFill>
+          </a:ln>
+        </p:spPr>
+        <p:style>
+          <a:lnRef idx="2">
+            <a:schemeClr val="accent1">
+              <a:shade val="50000"/>
+            </a:schemeClr>
+          </a:lnRef>
+          <a:fillRef idx="1">
+            <a:schemeClr val="accent1"/>
+          </a:fillRef>
+          <a:effectRef idx="0">
+            <a:schemeClr val="accent1"/>
+          </a:effectRef>
+          <a:fontRef idx="minor">
+            <a:schemeClr val="lt1"/>
+          </a:fontRef>
+        </p:style>
+        <p:txBody>
+          <a:bodyPr rtlCol="0" anchor="ctr"/>
+          <a:lstStyle/>
+          <a:p>
+            <a:pPr algn="ctr"/>
+            <a:endParaRPr lang="en-US" dirty="0"/>
+          </a:p>
+        </p:txBody>
+      </p:sp>
+      <p:pic>
+        <p:nvPicPr>
+          <p:cNvPr id="4" name="Picture 3"/>
+          <p:cNvPicPr>
+            <a:picLocks noChangeAspect="1"/>
+          </p:cNvPicPr>
+          <p:nvPr/>
+        </p:nvPicPr>
+        <p:blipFill>
+          <a:blip r:embed="rId3"/>
+          <a:stretch>
+            <a:fillRect/>
+          </a:stretch>
+        </p:blipFill>
+        <p:spPr>
+          <a:xfrm>
+            <a:off x="2887941" y="4876800"/>
+            <a:ext cx="6828571" cy="1171429"/>
+          </a:xfrm>
+          <a:prstGeom prst="roundRect">
+            <a:avLst>
+              <a:gd name="adj" fmla="val 8594"/>
+            </a:avLst>
+          </a:prstGeom>
+          <a:solidFill>
+            <a:srgbClr val="FFFFFF">
+              <a:shade val="85000"/>
+            </a:srgbClr>
+          </a:solidFill>
+          <a:ln>
+            <a:noFill/>
+          </a:ln>
+          <a:effectLst>
+            <a:reflection blurRad="12700" stA="38000" endPos="28000" dist="5000" dir="5400000" sy="-100000" algn="bl" rotWithShape="0"/>
+          </a:effectLst>
+        </p:spPr>
+      </p:pic>
+      <p:cxnSp>
+        <p:nvCxnSpPr>
+          <p:cNvPr id="8" name="Straight Arrow Connector 7"/>
+          <p:cNvCxnSpPr/>
+          <p:nvPr/>
+        </p:nvCxnSpPr>
+        <p:spPr>
+          <a:xfrm>
+            <a:off x="1903412" y="4116198"/>
+            <a:ext cx="984529" cy="836802"/>
+          </a:xfrm>
+          <a:prstGeom prst="straightConnector1">
+            <a:avLst/>
+          </a:prstGeom>
+          <a:ln w="38100">
+            <a:solidFill>
+              <a:srgbClr val="FF0000"/>
+            </a:solidFill>
+            <a:tailEnd type="triangle"/>
+          </a:ln>
+        </p:spPr>
+        <p:style>
+          <a:lnRef idx="3">
+            <a:schemeClr val="dk1"/>
+          </a:lnRef>
+          <a:fillRef idx="0">
+            <a:schemeClr val="dk1"/>
+          </a:fillRef>
+          <a:effectRef idx="2">
+            <a:schemeClr val="dk1"/>
+          </a:effectRef>
+          <a:fontRef idx="minor">
+            <a:schemeClr val="tx1"/>
+          </a:fontRef>
+        </p:style>
+      </p:cxnSp>
+      <p:pic>
+        <p:nvPicPr>
+          <p:cNvPr id="9" name="Picture 8"/>
+          <p:cNvPicPr>
+            <a:picLocks noChangeAspect="1"/>
+          </p:cNvPicPr>
+          <p:nvPr/>
+        </p:nvPicPr>
+        <p:blipFill>
+          <a:blip r:embed="rId4"/>
+          <a:stretch>
+            <a:fillRect/>
+          </a:stretch>
+        </p:blipFill>
+        <p:spPr>
+          <a:xfrm>
+            <a:off x="6856412" y="2598153"/>
+            <a:ext cx="3790476" cy="1504762"/>
+          </a:xfrm>
+          <a:prstGeom prst="roundRect">
+            <a:avLst>
+              <a:gd name="adj" fmla="val 8594"/>
+            </a:avLst>
+          </a:prstGeom>
+          <a:solidFill>
+            <a:srgbClr val="FFFFFF">
+              <a:shade val="85000"/>
+            </a:srgbClr>
+          </a:solidFill>
+          <a:ln>
+            <a:noFill/>
+          </a:ln>
+          <a:effectLst>
+            <a:reflection blurRad="12700" stA="38000" endPos="28000" dist="5000" dir="5400000" sy="-100000" algn="bl" rotWithShape="0"/>
+          </a:effectLst>
+        </p:spPr>
+      </p:pic>
+      <p:cxnSp>
+        <p:nvCxnSpPr>
+          <p:cNvPr id="22" name="Straight Arrow Connector 21"/>
+          <p:cNvCxnSpPr>
+            <a:stCxn id="4" idx="0"/>
+          </p:cNvCxnSpPr>
+          <p:nvPr/>
+        </p:nvCxnSpPr>
+        <p:spPr>
+          <a:xfrm flipV="1">
+            <a:off x="6302227" y="3048000"/>
+            <a:ext cx="554185" cy="1828800"/>
+          </a:xfrm>
+          <a:prstGeom prst="straightConnector1">
+            <a:avLst/>
+          </a:prstGeom>
+          <a:ln w="38100">
+            <a:solidFill>
+              <a:srgbClr val="FF0000"/>
+            </a:solidFill>
+            <a:tailEnd type="triangle"/>
+          </a:ln>
+        </p:spPr>
+        <p:style>
+          <a:lnRef idx="3">
+            <a:schemeClr val="dk1"/>
+          </a:lnRef>
+          <a:fillRef idx="0">
+            <a:schemeClr val="dk1"/>
+          </a:fillRef>
+          <a:effectRef idx="2">
+            <a:schemeClr val="dk1"/>
+          </a:effectRef>
+          <a:fontRef idx="minor">
+            <a:schemeClr val="tx1"/>
+          </a:fontRef>
+        </p:style>
+      </p:cxnSp>
+      <p:sp>
+        <p:nvSpPr>
+          <p:cNvPr id="23" name="TextBox 22"/>
+          <p:cNvSpPr txBox="1"/>
+          <p:nvPr/>
+        </p:nvSpPr>
+        <p:spPr>
+          <a:xfrm>
+            <a:off x="476959" y="1030484"/>
+            <a:ext cx="6760453" cy="369332"/>
+          </a:xfrm>
+          <a:prstGeom prst="rect">
+            <a:avLst/>
+          </a:prstGeom>
+          <a:noFill/>
+        </p:spPr>
+        <p:txBody>
+          <a:bodyPr wrap="square" rtlCol="0">
+            <a:spAutoFit/>
+          </a:bodyPr>
+          <a:lstStyle/>
+          <a:p>
+            <a:r>
+              <a:rPr lang="en-US" dirty="0" err="1"/>
+              <a:t>BusinessEntites</a:t>
+            </a:r>
+            <a:r>
+              <a:rPr lang="en-US" dirty="0"/>
+              <a:t> is predefined objects represent services return type.</a:t>
+            </a:r>
+          </a:p>
+        </p:txBody>
+      </p:sp>
+    </p:spTree>
+    <p:extLst>
+      <p:ext uri="{BB962C8B-B14F-4D97-AF65-F5344CB8AC3E}">
+        <p14:creationId xmlns:p14="http://schemas.microsoft.com/office/powerpoint/2010/main" val="3987973263"/>
+      </p:ext>
+    </p:extLst>
+  </p:cSld>
+  <p:clrMapOvr>
+    <a:masterClrMapping/>
+  </p:clrMapOvr>
+  <mc:AlternateContent xmlns:mc="http://schemas.openxmlformats.org/markup-compatibility/2006" xmlns:p14="http://schemas.microsoft.com/office/powerpoint/2010/main">
+    <mc:Choice Requires="p14">
+      <p:transition spd="med" p14:dur="700">
+        <p:fade/>
+      </p:transition>
+    </mc:Choice>
+    <mc:Fallback xmlns="">
+      <p:transition spd="med">
+        <p:fade/>
+      </p:transition>
+    </mc:Fallback>
+  </mc:AlternateContent>
+</p:sld>
+</file>
+
+<file path=ppt/slides/slide27.xml><?xml version="1.0" encoding="utf-8"?>
+<p:sld xmlns:a="http://schemas.openxmlformats.org/drawingml/2006/main" xmlns:r="http://schemas.openxmlformats.org/officeDocument/2006/relationships" xmlns:p="http://schemas.openxmlformats.org/presentationml/2006/main">
+  <p:cSld>
+    <p:spTree>
+      <p:nvGrpSpPr>
+        <p:cNvPr id="1" name=""/>
+        <p:cNvGrpSpPr/>
+        <p:nvPr/>
+      </p:nvGrpSpPr>
+      <p:grpSpPr>
+        <a:xfrm>
+          <a:off x="0" y="0"/>
+          <a:ext cx="0" cy="0"/>
+          <a:chOff x="0" y="0"/>
+          <a:chExt cx="0" cy="0"/>
+        </a:xfrm>
+      </p:grpSpPr>
+      <p:sp>
+        <p:nvSpPr>
+          <p:cNvPr id="17" name="Rectangle 16"/>
+          <p:cNvSpPr/>
+          <p:nvPr/>
+        </p:nvSpPr>
+        <p:spPr>
+          <a:xfrm>
+            <a:off x="11257646" y="0"/>
+            <a:ext cx="912813" cy="6858000"/>
+          </a:xfrm>
+          <a:prstGeom prst="rect">
+            <a:avLst/>
+          </a:prstGeom>
+          <a:solidFill>
+            <a:srgbClr val="C00000"/>
+          </a:solidFill>
+          <a:ln>
+            <a:solidFill>
+              <a:srgbClr val="C00000"/>
+            </a:solidFill>
+          </a:ln>
+        </p:spPr>
+        <p:style>
+          <a:lnRef idx="2">
+            <a:schemeClr val="accent1">
+              <a:shade val="50000"/>
+            </a:schemeClr>
+          </a:lnRef>
+          <a:fillRef idx="1">
+            <a:schemeClr val="accent1"/>
+          </a:fillRef>
+          <a:effectRef idx="0">
+            <a:schemeClr val="accent1"/>
+          </a:effectRef>
+          <a:fontRef idx="minor">
+            <a:schemeClr val="lt1"/>
+          </a:fontRef>
+        </p:style>
+        <p:txBody>
+          <a:bodyPr rtlCol="0" anchor="ctr"/>
+          <a:lstStyle/>
+          <a:p>
+            <a:pPr algn="ctr"/>
+            <a:endParaRPr lang="en-US"/>
+          </a:p>
+        </p:txBody>
+      </p:sp>
+      <p:sp>
+        <p:nvSpPr>
+          <p:cNvPr id="18" name="TextBox 17"/>
+          <p:cNvSpPr txBox="1"/>
+          <p:nvPr/>
+        </p:nvSpPr>
+        <p:spPr>
+          <a:xfrm rot="16200000">
+            <a:off x="8397200" y="3213268"/>
+            <a:ext cx="6633706" cy="461665"/>
+          </a:xfrm>
+          <a:prstGeom prst="rect">
+            <a:avLst/>
+          </a:prstGeom>
+          <a:noFill/>
+        </p:spPr>
+        <p:txBody>
+          <a:bodyPr wrap="square" rtlCol="0" anchor="ctr">
+            <a:spAutoFit/>
+          </a:bodyPr>
+          <a:lstStyle/>
+          <a:p>
+            <a:pPr algn="ctr"/>
+            <a:r>
+              <a:rPr lang="en-US" sz="2400" dirty="0">
+                <a:ln w="0"/>
+                <a:effectLst>
+                  <a:outerShdw blurRad="38100" dist="19050" dir="2700000" algn="tl" rotWithShape="0">
+                    <a:schemeClr val="dk1">
+                      <a:alpha val="40000"/>
+                    </a:schemeClr>
+                  </a:outerShdw>
+                </a:effectLst>
+              </a:rPr>
+              <a:t>Repository – OOP- Inheritance</a:t>
+            </a:r>
+          </a:p>
+        </p:txBody>
+      </p:sp>
+      <p:sp>
+        <p:nvSpPr>
+          <p:cNvPr id="19" name="Title 1"/>
+          <p:cNvSpPr txBox="1">
+            <a:spLocks/>
+          </p:cNvSpPr>
+          <p:nvPr/>
+        </p:nvSpPr>
+        <p:spPr>
+          <a:xfrm>
+            <a:off x="476959" y="127248"/>
+            <a:ext cx="5465053" cy="618530"/>
+          </a:xfrm>
+          <a:prstGeom prst="rect">
+            <a:avLst/>
+          </a:prstGeom>
+        </p:spPr>
+        <p:txBody>
+          <a:bodyPr vert="horz" lIns="91440" tIns="45720" rIns="91440" bIns="45720" rtlCol="0" anchor="b">
+            <a:normAutofit/>
+          </a:bodyPr>
+          <a:lstStyle>
+            <a:lvl1pPr algn="l" defTabSz="914400" rtl="0" eaLnBrk="1" latinLnBrk="0" hangingPunct="1">
+              <a:lnSpc>
+                <a:spcPct val="90000"/>
+              </a:lnSpc>
+              <a:spcBef>
+                <a:spcPct val="0"/>
+              </a:spcBef>
+              <a:buNone/>
+              <a:defRPr sz="3600" kern="1200" spc="100" baseline="0">
+                <a:solidFill>
+                  <a:schemeClr val="tx1"/>
+                </a:solidFill>
+                <a:latin typeface="+mj-lt"/>
+                <a:ea typeface="+mj-ea"/>
+                <a:cs typeface="+mj-cs"/>
+              </a:defRPr>
+            </a:lvl1pPr>
+          </a:lstStyle>
+          <a:p>
+            <a:r>
+              <a:rPr lang="en-US" spc="0" dirty="0">
+                <a:ln w="0"/>
+                <a:solidFill>
+                  <a:schemeClr val="accent1"/>
+                </a:solidFill>
+                <a:effectLst>
+                  <a:outerShdw blurRad="38100" dist="25400" dir="5400000" algn="ctr" rotWithShape="0">
+                    <a:srgbClr val="6E747A">
+                      <a:alpha val="43000"/>
+                    </a:srgbClr>
+                  </a:outerShdw>
+                </a:effectLst>
+              </a:rPr>
+              <a:t>Software architect vs code</a:t>
+            </a:r>
+            <a:endParaRPr lang="en-US" dirty="0"/>
+          </a:p>
+        </p:txBody>
+      </p:sp>
+      <p:sp>
+        <p:nvSpPr>
+          <p:cNvPr id="23" name="TextBox 22"/>
+          <p:cNvSpPr txBox="1"/>
+          <p:nvPr/>
+        </p:nvSpPr>
+        <p:spPr>
+          <a:xfrm>
+            <a:off x="476959" y="741583"/>
+            <a:ext cx="8589253" cy="923330"/>
+          </a:xfrm>
+          <a:prstGeom prst="rect">
+            <a:avLst/>
+          </a:prstGeom>
+          <a:noFill/>
+        </p:spPr>
+        <p:txBody>
+          <a:bodyPr wrap="square" rtlCol="0">
+            <a:spAutoFit/>
+          </a:bodyPr>
+          <a:lstStyle/>
+          <a:p>
+            <a:r>
+              <a:rPr lang="en-US" b="1" dirty="0"/>
+              <a:t>Inheritance</a:t>
+            </a:r>
+            <a:r>
+              <a:rPr lang="en-US" dirty="0"/>
+              <a:t> is a mechanism in which one object acquires all the properties and behaviors of parent object. The idea behind </a:t>
+            </a:r>
+            <a:r>
+              <a:rPr lang="en-US" b="1" dirty="0"/>
+              <a:t>inheritance </a:t>
+            </a:r>
+            <a:r>
+              <a:rPr lang="en-US" dirty="0"/>
+              <a:t>is that you can create new classes that are built upon existing classes. </a:t>
+            </a:r>
+            <a:r>
+              <a:rPr lang="en-US" sz="1200" dirty="0"/>
+              <a:t>(www.</a:t>
+            </a:r>
+            <a:r>
+              <a:rPr lang="en-US" sz="1200" b="1" dirty="0"/>
+              <a:t>java</a:t>
+            </a:r>
+            <a:r>
+              <a:rPr lang="en-US" sz="1200" dirty="0"/>
+              <a:t>tpoint.com/</a:t>
+            </a:r>
+            <a:r>
+              <a:rPr lang="en-US" sz="1200" b="1" dirty="0"/>
+              <a:t>inheritance-in-java)</a:t>
+            </a:r>
+            <a:endParaRPr lang="en-US" dirty="0"/>
+          </a:p>
+        </p:txBody>
+      </p:sp>
+      <p:pic>
+        <p:nvPicPr>
+          <p:cNvPr id="3" name="Picture 2"/>
+          <p:cNvPicPr>
+            <a:picLocks noChangeAspect="1"/>
+          </p:cNvPicPr>
+          <p:nvPr/>
+        </p:nvPicPr>
+        <p:blipFill>
+          <a:blip r:embed="rId2">
+            <a:extLst>
+              <a:ext uri="{28A0092B-C50C-407E-A947-70E740481C1C}">
+                <a14:useLocalDpi xmlns:a14="http://schemas.microsoft.com/office/drawing/2010/main" val="0"/>
+              </a:ext>
+            </a:extLst>
+          </a:blip>
+          <a:stretch>
+            <a:fillRect/>
+          </a:stretch>
+        </p:blipFill>
+        <p:spPr>
+          <a:xfrm>
+            <a:off x="2132012" y="1830183"/>
+            <a:ext cx="7146639" cy="3792483"/>
+          </a:xfrm>
+          <a:prstGeom prst="roundRect">
+            <a:avLst>
+              <a:gd name="adj" fmla="val 8594"/>
+            </a:avLst>
+          </a:prstGeom>
+          <a:solidFill>
+            <a:srgbClr val="FFFFFF">
+              <a:shade val="85000"/>
+            </a:srgbClr>
+          </a:solidFill>
+          <a:ln>
+            <a:noFill/>
+          </a:ln>
+          <a:effectLst>
+            <a:reflection blurRad="12700" stA="38000" endPos="28000" dist="5000" dir="5400000" sy="-100000" algn="bl" rotWithShape="0"/>
+          </a:effectLst>
+        </p:spPr>
+      </p:pic>
+    </p:spTree>
+    <p:extLst>
+      <p:ext uri="{BB962C8B-B14F-4D97-AF65-F5344CB8AC3E}">
+        <p14:creationId xmlns:p14="http://schemas.microsoft.com/office/powerpoint/2010/main" val="2817902733"/>
+      </p:ext>
+    </p:extLst>
+  </p:cSld>
+  <p:clrMapOvr>
+    <a:masterClrMapping/>
+  </p:clrMapOvr>
+  <mc:AlternateContent xmlns:mc="http://schemas.openxmlformats.org/markup-compatibility/2006" xmlns:p14="http://schemas.microsoft.com/office/powerpoint/2010/main">
+    <mc:Choice Requires="p14">
+      <p:transition spd="med" p14:dur="700">
+        <p:fade/>
+      </p:transition>
+    </mc:Choice>
+    <mc:Fallback xmlns="">
+      <p:transition spd="med">
+        <p:fade/>
+      </p:transition>
+    </mc:Fallback>
+  </mc:AlternateContent>
+</p:sld>
+</file>
+
+<file path=ppt/slides/slide28.xml><?xml version="1.0" encoding="utf-8"?>
+<p:sld xmlns:a="http://schemas.openxmlformats.org/drawingml/2006/main" xmlns:r="http://schemas.openxmlformats.org/officeDocument/2006/relationships" xmlns:p="http://schemas.openxmlformats.org/presentationml/2006/main">
+  <p:cSld>
+    <p:spTree>
+      <p:nvGrpSpPr>
+        <p:cNvPr id="1" name=""/>
+        <p:cNvGrpSpPr/>
+        <p:nvPr/>
+      </p:nvGrpSpPr>
+      <p:grpSpPr>
+        <a:xfrm>
+          <a:off x="0" y="0"/>
+          <a:ext cx="0" cy="0"/>
+          <a:chOff x="0" y="0"/>
+          <a:chExt cx="0" cy="0"/>
+        </a:xfrm>
+      </p:grpSpPr>
+      <p:sp>
+        <p:nvSpPr>
+          <p:cNvPr id="17" name="Rectangle 16"/>
+          <p:cNvSpPr/>
+          <p:nvPr/>
+        </p:nvSpPr>
+        <p:spPr>
+          <a:xfrm>
+            <a:off x="11257645" y="15100"/>
+            <a:ext cx="912813" cy="6858000"/>
+          </a:xfrm>
+          <a:prstGeom prst="rect">
+            <a:avLst/>
+          </a:prstGeom>
+          <a:solidFill>
+            <a:schemeClr val="bg2">
+              <a:lumMod val="50000"/>
+              <a:lumOff val="50000"/>
+            </a:schemeClr>
+          </a:solidFill>
+          <a:ln>
+            <a:solidFill>
+              <a:schemeClr val="bg2">
+                <a:lumMod val="50000"/>
+                <a:lumOff val="50000"/>
+              </a:schemeClr>
+            </a:solidFill>
+          </a:ln>
+        </p:spPr>
+        <p:style>
+          <a:lnRef idx="2">
+            <a:schemeClr val="accent1">
+              <a:shade val="50000"/>
+            </a:schemeClr>
+          </a:lnRef>
+          <a:fillRef idx="1">
+            <a:schemeClr val="accent1"/>
+          </a:fillRef>
+          <a:effectRef idx="0">
+            <a:schemeClr val="accent1"/>
+          </a:effectRef>
+          <a:fontRef idx="minor">
+            <a:schemeClr val="lt1"/>
+          </a:fontRef>
+        </p:style>
+        <p:txBody>
+          <a:bodyPr rtlCol="0" anchor="ctr"/>
+          <a:lstStyle/>
+          <a:p>
+            <a:pPr algn="ctr"/>
+            <a:endParaRPr lang="en-US"/>
+          </a:p>
+        </p:txBody>
+      </p:sp>
+      <p:sp>
+        <p:nvSpPr>
+          <p:cNvPr id="18" name="TextBox 17"/>
+          <p:cNvSpPr txBox="1"/>
+          <p:nvPr/>
+        </p:nvSpPr>
+        <p:spPr>
+          <a:xfrm rot="16200000">
+            <a:off x="8397199" y="3213267"/>
+            <a:ext cx="6633706" cy="461665"/>
+          </a:xfrm>
+          <a:prstGeom prst="rect">
+            <a:avLst/>
+          </a:prstGeom>
+          <a:noFill/>
+        </p:spPr>
+        <p:txBody>
+          <a:bodyPr wrap="square" rtlCol="0" anchor="ctr">
+            <a:spAutoFit/>
+          </a:bodyPr>
+          <a:lstStyle/>
+          <a:p>
+            <a:pPr marL="0" lvl="1" algn="ctr"/>
+            <a:r>
+              <a:rPr lang="en-US" sz="2400" dirty="0">
+                <a:ln w="0"/>
+                <a:effectLst>
+                  <a:outerShdw blurRad="38100" dist="19050" dir="2700000" algn="tl" rotWithShape="0">
+                    <a:schemeClr val="dk1">
+                      <a:alpha val="40000"/>
+                    </a:schemeClr>
+                  </a:outerShdw>
+                </a:effectLst>
+              </a:rPr>
+              <a:t>Services-</a:t>
+            </a:r>
+            <a:r>
+              <a:rPr lang="en-US" sz="2000" dirty="0">
+                <a:ln w="0"/>
+                <a:effectLst>
+                  <a:outerShdw blurRad="38100" dist="19050" dir="2700000" algn="tl" rotWithShape="0">
+                    <a:schemeClr val="dk1">
+                      <a:alpha val="40000"/>
+                    </a:schemeClr>
+                  </a:outerShdw>
+                </a:effectLst>
+              </a:rPr>
+              <a:t>COA ( Classic Oriented Architect )</a:t>
+            </a:r>
+          </a:p>
+        </p:txBody>
+      </p:sp>
+      <p:sp>
+        <p:nvSpPr>
+          <p:cNvPr id="19" name="Title 1"/>
+          <p:cNvSpPr txBox="1">
+            <a:spLocks/>
+          </p:cNvSpPr>
+          <p:nvPr/>
+        </p:nvSpPr>
+        <p:spPr>
+          <a:xfrm>
+            <a:off x="476959" y="127248"/>
+            <a:ext cx="5465053" cy="618530"/>
+          </a:xfrm>
+          <a:prstGeom prst="rect">
+            <a:avLst/>
+          </a:prstGeom>
+        </p:spPr>
+        <p:txBody>
+          <a:bodyPr vert="horz" lIns="91440" tIns="45720" rIns="91440" bIns="45720" rtlCol="0" anchor="b">
+            <a:normAutofit/>
+          </a:bodyPr>
+          <a:lstStyle>
+            <a:lvl1pPr algn="l" defTabSz="914400" rtl="0" eaLnBrk="1" latinLnBrk="0" hangingPunct="1">
+              <a:lnSpc>
+                <a:spcPct val="90000"/>
+              </a:lnSpc>
+              <a:spcBef>
+                <a:spcPct val="0"/>
+              </a:spcBef>
+              <a:buNone/>
+              <a:defRPr sz="3600" kern="1200" spc="100" baseline="0">
+                <a:solidFill>
+                  <a:schemeClr val="tx1"/>
+                </a:solidFill>
+                <a:latin typeface="+mj-lt"/>
+                <a:ea typeface="+mj-ea"/>
+                <a:cs typeface="+mj-cs"/>
+              </a:defRPr>
+            </a:lvl1pPr>
+          </a:lstStyle>
+          <a:p>
+            <a:r>
+              <a:rPr lang="en-US" spc="0" dirty="0">
+                <a:ln w="0"/>
+                <a:solidFill>
+                  <a:schemeClr val="accent1"/>
+                </a:solidFill>
+                <a:effectLst>
+                  <a:outerShdw blurRad="38100" dist="25400" dir="5400000" algn="ctr" rotWithShape="0">
+                    <a:srgbClr val="6E747A">
+                      <a:alpha val="43000"/>
+                    </a:srgbClr>
+                  </a:outerShdw>
+                </a:effectLst>
+              </a:rPr>
+              <a:t>Software architect vs code</a:t>
+            </a:r>
+            <a:endParaRPr lang="en-US" dirty="0"/>
+          </a:p>
+        </p:txBody>
+      </p:sp>
+      <p:sp>
+        <p:nvSpPr>
+          <p:cNvPr id="23" name="TextBox 22"/>
+          <p:cNvSpPr txBox="1"/>
+          <p:nvPr/>
+        </p:nvSpPr>
+        <p:spPr>
+          <a:xfrm>
+            <a:off x="476959" y="741583"/>
+            <a:ext cx="10341853" cy="1200329"/>
+          </a:xfrm>
+          <a:prstGeom prst="rect">
+            <a:avLst/>
+          </a:prstGeom>
+          <a:noFill/>
+        </p:spPr>
+        <p:txBody>
+          <a:bodyPr wrap="square" rtlCol="0">
+            <a:spAutoFit/>
+          </a:bodyPr>
+          <a:lstStyle/>
+          <a:p>
+            <a:r>
+              <a:rPr lang="en-US" dirty="0"/>
+              <a:t>A </a:t>
+            </a:r>
+            <a:r>
+              <a:rPr lang="en-US" b="1" dirty="0"/>
+              <a:t>service</a:t>
+            </a:r>
+            <a:r>
+              <a:rPr lang="en-US" dirty="0"/>
+              <a:t>-</a:t>
+            </a:r>
+            <a:r>
+              <a:rPr lang="en-US" b="1" dirty="0"/>
+              <a:t>oriented architecture</a:t>
+            </a:r>
+            <a:r>
+              <a:rPr lang="en-US" dirty="0"/>
+              <a:t> (</a:t>
+            </a:r>
+            <a:r>
+              <a:rPr lang="en-US" b="1" dirty="0"/>
+              <a:t>SOA</a:t>
+            </a:r>
+            <a:r>
+              <a:rPr lang="en-US" dirty="0"/>
+              <a:t>) is an architectural pattern in computer software design in which application components provide services to other components via a communications protocol, typically over a network. The principles of </a:t>
+            </a:r>
+            <a:r>
+              <a:rPr lang="en-US" b="1" dirty="0"/>
+              <a:t>service</a:t>
+            </a:r>
+            <a:r>
+              <a:rPr lang="en-US" dirty="0"/>
+              <a:t>-</a:t>
+            </a:r>
+            <a:r>
+              <a:rPr lang="en-US" b="1" dirty="0"/>
+              <a:t>orientation</a:t>
+            </a:r>
+            <a:r>
+              <a:rPr lang="en-US" dirty="0"/>
+              <a:t> are independent of any vendor, product or technology.</a:t>
+            </a:r>
+            <a:br>
+              <a:rPr lang="en-US" dirty="0"/>
+            </a:br>
+            <a:r>
+              <a:rPr lang="en-US" dirty="0"/>
+              <a:t>(</a:t>
+            </a:r>
+            <a:r>
+              <a:rPr lang="en-US" sz="1200" dirty="0"/>
+              <a:t>https://en.wikipedia.org/wiki/Service-oriented_architecture)</a:t>
+            </a:r>
+            <a:endParaRPr lang="en-US" dirty="0"/>
+          </a:p>
+        </p:txBody>
+      </p:sp>
+    </p:spTree>
+    <p:extLst>
+      <p:ext uri="{BB962C8B-B14F-4D97-AF65-F5344CB8AC3E}">
+        <p14:creationId xmlns:p14="http://schemas.microsoft.com/office/powerpoint/2010/main" val="663236589"/>
+      </p:ext>
+    </p:extLst>
+  </p:cSld>
+  <p:clrMapOvr>
+    <a:masterClrMapping/>
+  </p:clrMapOvr>
+  <mc:AlternateContent xmlns:mc="http://schemas.openxmlformats.org/markup-compatibility/2006" xmlns:p14="http://schemas.microsoft.com/office/powerpoint/2010/main">
+    <mc:Choice Requires="p14">
+      <p:transition spd="med" p14:dur="700">
+        <p:fade/>
+      </p:transition>
+    </mc:Choice>
+    <mc:Fallback xmlns="">
+      <p:transition spd="med">
+        <p:fade/>
+      </p:transition>
+    </mc:Fallback>
+  </mc:AlternateContent>
+</p:sld>
+</file>
+
+<file path=ppt/slides/slide29.xml><?xml version="1.0" encoding="utf-8"?>
 <p:sld xmlns:a="http://schemas.openxmlformats.org/drawingml/2006/main" xmlns:r="http://schemas.openxmlformats.org/officeDocument/2006/relationships" xmlns:p="http://schemas.openxmlformats.org/presentationml/2006/main">
   <p:cSld>
     <p:spTree>
@@ -31338,7 +32344,135 @@
 </p:sld>
 </file>
 
-<file path=ppt/slides/slide27.xml><?xml version="1.0" encoding="utf-8"?>
+<file path=ppt/slides/slide3.xml><?xml version="1.0" encoding="utf-8"?>
+<p:sld xmlns:a="http://schemas.openxmlformats.org/drawingml/2006/main" xmlns:r="http://schemas.openxmlformats.org/officeDocument/2006/relationships" xmlns:p="http://schemas.openxmlformats.org/presentationml/2006/main">
+  <p:cSld>
+    <p:spTree>
+      <p:nvGrpSpPr>
+        <p:cNvPr id="1" name=""/>
+        <p:cNvGrpSpPr/>
+        <p:nvPr/>
+      </p:nvGrpSpPr>
+      <p:grpSpPr>
+        <a:xfrm>
+          <a:off x="0" y="0"/>
+          <a:ext cx="0" cy="0"/>
+          <a:chOff x="0" y="0"/>
+          <a:chExt cx="0" cy="0"/>
+        </a:xfrm>
+      </p:grpSpPr>
+      <p:sp>
+        <p:nvSpPr>
+          <p:cNvPr id="13" name="Title 12"/>
+          <p:cNvSpPr>
+            <a:spLocks noGrp="1"/>
+          </p:cNvSpPr>
+          <p:nvPr>
+            <p:ph type="title"/>
+          </p:nvPr>
+        </p:nvSpPr>
+        <p:spPr>
+          <a:xfrm>
+            <a:off x="1522413" y="381000"/>
+            <a:ext cx="9144001" cy="609600"/>
+          </a:xfrm>
+        </p:spPr>
+        <p:txBody>
+          <a:bodyPr/>
+          <a:lstStyle/>
+          <a:p>
+            <a:r>
+              <a:rPr lang="en-US" spc="0" dirty="0">
+                <a:ln w="0"/>
+                <a:solidFill>
+                  <a:schemeClr val="accent1"/>
+                </a:solidFill>
+                <a:effectLst>
+                  <a:outerShdw blurRad="38100" dist="25400" dir="5400000" algn="ctr" rotWithShape="0">
+                    <a:srgbClr val="6E747A">
+                      <a:alpha val="43000"/>
+                    </a:srgbClr>
+                  </a:outerShdw>
+                </a:effectLst>
+              </a:rPr>
+              <a:t>Subjects to cover</a:t>
+            </a:r>
+          </a:p>
+        </p:txBody>
+      </p:sp>
+      <p:sp>
+        <p:nvSpPr>
+          <p:cNvPr id="14" name="Content Placeholder 13"/>
+          <p:cNvSpPr>
+            <a:spLocks noGrp="1"/>
+          </p:cNvSpPr>
+          <p:nvPr>
+            <p:ph idx="1"/>
+          </p:nvPr>
+        </p:nvSpPr>
+        <p:spPr>
+          <a:xfrm>
+            <a:off x="1522413" y="1904999"/>
+            <a:ext cx="8915399" cy="2362201"/>
+          </a:xfrm>
+        </p:spPr>
+        <p:txBody>
+          <a:bodyPr>
+            <a:normAutofit/>
+          </a:bodyPr>
+          <a:lstStyle/>
+          <a:p>
+            <a:r>
+              <a:rPr lang="en-US" dirty="0"/>
+              <a:t>Questions to answer</a:t>
+            </a:r>
+          </a:p>
+          <a:p>
+            <a:r>
+              <a:rPr lang="en-US" dirty="0"/>
+              <a:t>Software architect vs building architect</a:t>
+            </a:r>
+          </a:p>
+          <a:p>
+            <a:r>
+              <a:rPr lang="en-US" dirty="0"/>
+              <a:t>Software architect vs code</a:t>
+            </a:r>
+          </a:p>
+          <a:p>
+            <a:r>
+              <a:rPr lang="en-US" dirty="0"/>
+              <a:t>My top 10 recommendations for successful ColdFusion application.</a:t>
+            </a:r>
+          </a:p>
+        </p:txBody>
+      </p:sp>
+    </p:spTree>
+    <p:extLst>
+      <p:ext uri="{BB962C8B-B14F-4D97-AF65-F5344CB8AC3E}">
+        <p14:creationId xmlns:p14="http://schemas.microsoft.com/office/powerpoint/2010/main" val="3646468313"/>
+      </p:ext>
+    </p:extLst>
+  </p:cSld>
+  <p:clrMapOvr>
+    <a:masterClrMapping/>
+  </p:clrMapOvr>
+  <mc:AlternateContent xmlns:mc="http://schemas.openxmlformats.org/markup-compatibility/2006" xmlns:p14="http://schemas.microsoft.com/office/powerpoint/2010/main">
+    <mc:Choice Requires="p14">
+      <p:transition spd="med" p14:dur="700">
+        <p:fade/>
+      </p:transition>
+    </mc:Choice>
+    <mc:Fallback xmlns="">
+      <p:transition spd="med">
+        <p:fade/>
+      </p:transition>
+    </mc:Fallback>
+  </mc:AlternateContent>
+</p:sld>
+</file>
+
+<file path=ppt/slides/slide30.xml><?xml version="1.0" encoding="utf-8"?>
 <p:sld xmlns:a="http://schemas.openxmlformats.org/drawingml/2006/main" xmlns:r="http://schemas.openxmlformats.org/officeDocument/2006/relationships" xmlns:p="http://schemas.openxmlformats.org/presentationml/2006/main">
   <p:cSld>
     <p:spTree>
@@ -31576,7 +32710,7 @@
 </p:sld>
 </file>
 
-<file path=ppt/slides/slide28.xml><?xml version="1.0" encoding="utf-8"?>
+<file path=ppt/slides/slide31.xml><?xml version="1.0" encoding="utf-8"?>
 <p:sld xmlns:a="http://schemas.openxmlformats.org/drawingml/2006/main" xmlns:r="http://schemas.openxmlformats.org/officeDocument/2006/relationships" xmlns:p="http://schemas.openxmlformats.org/presentationml/2006/main">
   <p:cSld>
     <p:spTree>
@@ -31746,7 +32880,7 @@
 </p:sld>
 </file>
 
-<file path=ppt/slides/slide29.xml><?xml version="1.0" encoding="utf-8"?>
+<file path=ppt/slides/slide32.xml><?xml version="1.0" encoding="utf-8"?>
 <p:sld xmlns:a="http://schemas.openxmlformats.org/drawingml/2006/main" xmlns:r="http://schemas.openxmlformats.org/officeDocument/2006/relationships" xmlns:p="http://schemas.openxmlformats.org/presentationml/2006/main">
   <p:cSld>
     <p:spTree>
@@ -31826,135 +32960,7 @@
 </p:sld>
 </file>
 
-<file path=ppt/slides/slide3.xml><?xml version="1.0" encoding="utf-8"?>
-<p:sld xmlns:a="http://schemas.openxmlformats.org/drawingml/2006/main" xmlns:r="http://schemas.openxmlformats.org/officeDocument/2006/relationships" xmlns:p="http://schemas.openxmlformats.org/presentationml/2006/main">
-  <p:cSld>
-    <p:spTree>
-      <p:nvGrpSpPr>
-        <p:cNvPr id="1" name=""/>
-        <p:cNvGrpSpPr/>
-        <p:nvPr/>
-      </p:nvGrpSpPr>
-      <p:grpSpPr>
-        <a:xfrm>
-          <a:off x="0" y="0"/>
-          <a:ext cx="0" cy="0"/>
-          <a:chOff x="0" y="0"/>
-          <a:chExt cx="0" cy="0"/>
-        </a:xfrm>
-      </p:grpSpPr>
-      <p:sp>
-        <p:nvSpPr>
-          <p:cNvPr id="13" name="Title 12"/>
-          <p:cNvSpPr>
-            <a:spLocks noGrp="1"/>
-          </p:cNvSpPr>
-          <p:nvPr>
-            <p:ph type="title"/>
-          </p:nvPr>
-        </p:nvSpPr>
-        <p:spPr>
-          <a:xfrm>
-            <a:off x="1522413" y="381000"/>
-            <a:ext cx="9144001" cy="609600"/>
-          </a:xfrm>
-        </p:spPr>
-        <p:txBody>
-          <a:bodyPr/>
-          <a:lstStyle/>
-          <a:p>
-            <a:r>
-              <a:rPr lang="en-US" spc="0" dirty="0">
-                <a:ln w="0"/>
-                <a:solidFill>
-                  <a:schemeClr val="accent1"/>
-                </a:solidFill>
-                <a:effectLst>
-                  <a:outerShdw blurRad="38100" dist="25400" dir="5400000" algn="ctr" rotWithShape="0">
-                    <a:srgbClr val="6E747A">
-                      <a:alpha val="43000"/>
-                    </a:srgbClr>
-                  </a:outerShdw>
-                </a:effectLst>
-              </a:rPr>
-              <a:t>Subjects to cover</a:t>
-            </a:r>
-          </a:p>
-        </p:txBody>
-      </p:sp>
-      <p:sp>
-        <p:nvSpPr>
-          <p:cNvPr id="14" name="Content Placeholder 13"/>
-          <p:cNvSpPr>
-            <a:spLocks noGrp="1"/>
-          </p:cNvSpPr>
-          <p:nvPr>
-            <p:ph idx="1"/>
-          </p:nvPr>
-        </p:nvSpPr>
-        <p:spPr>
-          <a:xfrm>
-            <a:off x="1522413" y="1904999"/>
-            <a:ext cx="8915399" cy="2362201"/>
-          </a:xfrm>
-        </p:spPr>
-        <p:txBody>
-          <a:bodyPr>
-            <a:normAutofit/>
-          </a:bodyPr>
-          <a:lstStyle/>
-          <a:p>
-            <a:r>
-              <a:rPr lang="en-US" dirty="0"/>
-              <a:t>Questions to answer</a:t>
-            </a:r>
-          </a:p>
-          <a:p>
-            <a:r>
-              <a:rPr lang="en-US" dirty="0"/>
-              <a:t>Software architect vs building architect</a:t>
-            </a:r>
-          </a:p>
-          <a:p>
-            <a:r>
-              <a:rPr lang="en-US" dirty="0"/>
-              <a:t>Software architect vs code</a:t>
-            </a:r>
-          </a:p>
-          <a:p>
-            <a:r>
-              <a:rPr lang="en-US" dirty="0"/>
-              <a:t>My top 10 recommendations for successful ColdFusion application.</a:t>
-            </a:r>
-          </a:p>
-        </p:txBody>
-      </p:sp>
-    </p:spTree>
-    <p:extLst>
-      <p:ext uri="{BB962C8B-B14F-4D97-AF65-F5344CB8AC3E}">
-        <p14:creationId xmlns:p14="http://schemas.microsoft.com/office/powerpoint/2010/main" val="3646468313"/>
-      </p:ext>
-    </p:extLst>
-  </p:cSld>
-  <p:clrMapOvr>
-    <a:masterClrMapping/>
-  </p:clrMapOvr>
-  <mc:AlternateContent xmlns:mc="http://schemas.openxmlformats.org/markup-compatibility/2006">
-    <mc:Choice xmlns:p14="http://schemas.microsoft.com/office/powerpoint/2010/main" Requires="p14">
-      <p:transition spd="med" p14:dur="700">
-        <p:fade/>
-      </p:transition>
-    </mc:Choice>
-    <mc:Fallback>
-      <p:transition spd="med">
-        <p:fade/>
-      </p:transition>
-    </mc:Fallback>
-  </mc:AlternateContent>
-</p:sld>
-</file>
-
-<file path=ppt/slides/slide30.xml><?xml version="1.0" encoding="utf-8"?>
+<file path=ppt/slides/slide33.xml><?xml version="1.0" encoding="utf-8"?>
 <p:sld xmlns:a="http://schemas.openxmlformats.org/drawingml/2006/main" xmlns:r="http://schemas.openxmlformats.org/officeDocument/2006/relationships" xmlns:p="http://schemas.openxmlformats.org/presentationml/2006/main">
   <p:cSld>
     <p:spTree>
@@ -32015,7 +33021,7 @@
 </p:sld>
 </file>
 
-<file path=ppt/slides/slide31.xml><?xml version="1.0" encoding="utf-8"?>
+<file path=ppt/slides/slide34.xml><?xml version="1.0" encoding="utf-8"?>
 <p:sld xmlns:a="http://schemas.openxmlformats.org/drawingml/2006/main" xmlns:r="http://schemas.openxmlformats.org/officeDocument/2006/relationships" xmlns:p="http://schemas.openxmlformats.org/presentationml/2006/main">
   <p:cSld>
     <p:spTree>
@@ -32057,7 +33063,7 @@
 </p:sld>
 </file>
 
-<file path=ppt/slides/slide32.xml><?xml version="1.0" encoding="utf-8"?>
+<file path=ppt/slides/slide35.xml><?xml version="1.0" encoding="utf-8"?>
 <p:sld xmlns:a="http://schemas.openxmlformats.org/drawingml/2006/main" xmlns:r="http://schemas.openxmlformats.org/officeDocument/2006/relationships" xmlns:p="http://schemas.openxmlformats.org/presentationml/2006/main">
   <p:cSld>
     <p:spTree>
@@ -32156,7 +33162,7 @@
 </p:sld>
 </file>
 
-<file path=ppt/slides/slide33.xml><?xml version="1.0" encoding="utf-8"?>
+<file path=ppt/slides/slide36.xml><?xml version="1.0" encoding="utf-8"?>
 <p:sld xmlns:a="http://schemas.openxmlformats.org/drawingml/2006/main" xmlns:r="http://schemas.openxmlformats.org/officeDocument/2006/relationships" xmlns:p="http://schemas.openxmlformats.org/presentationml/2006/main">
   <p:cSld>
     <p:spTree>

--- a/powerpoint/architect/Architectural Perspective for ColdFusion Applications.pptx
+++ b/powerpoint/architect/Architectural Perspective for ColdFusion Applications.pptx
@@ -5,10 +5,10 @@
     <p:sldMasterId id="2147483648" r:id="rId2"/>
   </p:sldMasterIdLst>
   <p:notesMasterIdLst>
-    <p:notesMasterId r:id="rId39"/>
+    <p:notesMasterId r:id="rId41"/>
   </p:notesMasterIdLst>
   <p:handoutMasterIdLst>
-    <p:handoutMasterId r:id="rId40"/>
+    <p:handoutMasterId r:id="rId42"/>
   </p:handoutMasterIdLst>
   <p:sldIdLst>
     <p:sldId id="265" r:id="rId3"/>
@@ -39,19 +39,21 @@
     <p:sldId id="346" r:id="rId28"/>
     <p:sldId id="347" r:id="rId29"/>
     <p:sldId id="348" r:id="rId30"/>
-    <p:sldId id="328" r:id="rId31"/>
-    <p:sldId id="330" r:id="rId32"/>
-    <p:sldId id="315" r:id="rId33"/>
-    <p:sldId id="314" r:id="rId34"/>
-    <p:sldId id="316" r:id="rId35"/>
-    <p:sldId id="317" r:id="rId36"/>
-    <p:sldId id="318" r:id="rId37"/>
-    <p:sldId id="319" r:id="rId38"/>
+    <p:sldId id="349" r:id="rId31"/>
+    <p:sldId id="350" r:id="rId32"/>
+    <p:sldId id="328" r:id="rId33"/>
+    <p:sldId id="330" r:id="rId34"/>
+    <p:sldId id="315" r:id="rId35"/>
+    <p:sldId id="314" r:id="rId36"/>
+    <p:sldId id="316" r:id="rId37"/>
+    <p:sldId id="317" r:id="rId38"/>
+    <p:sldId id="318" r:id="rId39"/>
+    <p:sldId id="319" r:id="rId40"/>
   </p:sldIdLst>
   <p:sldSz cx="12188825" cy="6858000"/>
   <p:notesSz cx="6858000" cy="9144000"/>
   <p:custDataLst>
-    <p:tags r:id="rId41"/>
+    <p:tags r:id="rId43"/>
   </p:custDataLst>
   <p:defaultTextStyle>
     <a:defPPr>
@@ -4211,6 +4213,1844 @@
 </file>
 
 <file path=ppt/diagrams/colors6.xml><?xml version="1.0" encoding="utf-8"?>
+<dgm:colorsDef xmlns:dgm="http://schemas.openxmlformats.org/drawingml/2006/diagram" xmlns:a="http://schemas.openxmlformats.org/drawingml/2006/main" uniqueId="urn:microsoft.com/office/officeart/2005/8/colors/colorful1">
+  <dgm:title val=""/>
+  <dgm:desc val=""/>
+  <dgm:catLst>
+    <dgm:cat type="colorful" pri="10100"/>
+  </dgm:catLst>
+  <dgm:styleLbl name="node0">
+    <dgm:fillClrLst meth="repeat">
+      <a:schemeClr val="accent1"/>
+    </dgm:fillClrLst>
+    <dgm:linClrLst meth="repeat">
+      <a:schemeClr val="lt1"/>
+    </dgm:linClrLst>
+    <dgm:effectClrLst/>
+    <dgm:txLinClrLst/>
+    <dgm:txFillClrLst/>
+    <dgm:txEffectClrLst/>
+  </dgm:styleLbl>
+  <dgm:styleLbl name="node1">
+    <dgm:fillClrLst meth="repeat">
+      <a:schemeClr val="accent2"/>
+      <a:schemeClr val="accent3"/>
+      <a:schemeClr val="accent4"/>
+      <a:schemeClr val="accent5"/>
+      <a:schemeClr val="accent6"/>
+    </dgm:fillClrLst>
+    <dgm:linClrLst meth="repeat">
+      <a:schemeClr val="lt1"/>
+    </dgm:linClrLst>
+    <dgm:effectClrLst/>
+    <dgm:txLinClrLst/>
+    <dgm:txFillClrLst/>
+    <dgm:txEffectClrLst/>
+  </dgm:styleLbl>
+  <dgm:styleLbl name="alignNode1">
+    <dgm:fillClrLst meth="repeat">
+      <a:schemeClr val="accent2"/>
+      <a:schemeClr val="accent3"/>
+      <a:schemeClr val="accent4"/>
+      <a:schemeClr val="accent5"/>
+      <a:schemeClr val="accent6"/>
+    </dgm:fillClrLst>
+    <dgm:linClrLst meth="repeat">
+      <a:schemeClr val="accent2"/>
+      <a:schemeClr val="accent3"/>
+      <a:schemeClr val="accent4"/>
+      <a:schemeClr val="accent5"/>
+      <a:schemeClr val="accent6"/>
+    </dgm:linClrLst>
+    <dgm:effectClrLst/>
+    <dgm:txLinClrLst/>
+    <dgm:txFillClrLst/>
+    <dgm:txEffectClrLst/>
+  </dgm:styleLbl>
+  <dgm:styleLbl name="lnNode1">
+    <dgm:fillClrLst meth="repeat">
+      <a:schemeClr val="accent2"/>
+      <a:schemeClr val="accent3"/>
+      <a:schemeClr val="accent4"/>
+      <a:schemeClr val="accent5"/>
+      <a:schemeClr val="accent6"/>
+    </dgm:fillClrLst>
+    <dgm:linClrLst meth="repeat">
+      <a:schemeClr val="lt1"/>
+    </dgm:linClrLst>
+    <dgm:effectClrLst/>
+    <dgm:txLinClrLst/>
+    <dgm:txFillClrLst/>
+    <dgm:txEffectClrLst/>
+  </dgm:styleLbl>
+  <dgm:styleLbl name="vennNode1">
+    <dgm:fillClrLst meth="repeat">
+      <a:schemeClr val="accent2">
+        <a:alpha val="50000"/>
+      </a:schemeClr>
+      <a:schemeClr val="accent3">
+        <a:alpha val="50000"/>
+      </a:schemeClr>
+      <a:schemeClr val="accent4">
+        <a:alpha val="50000"/>
+      </a:schemeClr>
+      <a:schemeClr val="accent5">
+        <a:alpha val="50000"/>
+      </a:schemeClr>
+      <a:schemeClr val="accent6">
+        <a:alpha val="50000"/>
+      </a:schemeClr>
+    </dgm:fillClrLst>
+    <dgm:linClrLst meth="repeat">
+      <a:schemeClr val="lt1"/>
+    </dgm:linClrLst>
+    <dgm:effectClrLst/>
+    <dgm:txLinClrLst/>
+    <dgm:txFillClrLst/>
+    <dgm:txEffectClrLst/>
+  </dgm:styleLbl>
+  <dgm:styleLbl name="node2">
+    <dgm:fillClrLst>
+      <a:schemeClr val="accent2"/>
+    </dgm:fillClrLst>
+    <dgm:linClrLst meth="repeat">
+      <a:schemeClr val="lt1"/>
+    </dgm:linClrLst>
+    <dgm:effectClrLst/>
+    <dgm:txLinClrLst/>
+    <dgm:txFillClrLst/>
+    <dgm:txEffectClrLst/>
+  </dgm:styleLbl>
+  <dgm:styleLbl name="node3">
+    <dgm:fillClrLst>
+      <a:schemeClr val="accent3"/>
+    </dgm:fillClrLst>
+    <dgm:linClrLst meth="repeat">
+      <a:schemeClr val="lt1"/>
+    </dgm:linClrLst>
+    <dgm:effectClrLst/>
+    <dgm:txLinClrLst/>
+    <dgm:txFillClrLst/>
+    <dgm:txEffectClrLst/>
+  </dgm:styleLbl>
+  <dgm:styleLbl name="node4">
+    <dgm:fillClrLst>
+      <a:schemeClr val="accent4"/>
+    </dgm:fillClrLst>
+    <dgm:linClrLst meth="repeat">
+      <a:schemeClr val="lt1"/>
+    </dgm:linClrLst>
+    <dgm:effectClrLst/>
+    <dgm:txLinClrLst/>
+    <dgm:txFillClrLst/>
+    <dgm:txEffectClrLst/>
+  </dgm:styleLbl>
+  <dgm:styleLbl name="fgImgPlace1">
+    <dgm:fillClrLst meth="repeat">
+      <a:schemeClr val="accent2">
+        <a:tint val="50000"/>
+      </a:schemeClr>
+      <a:schemeClr val="accent3">
+        <a:tint val="50000"/>
+      </a:schemeClr>
+      <a:schemeClr val="accent4">
+        <a:tint val="50000"/>
+      </a:schemeClr>
+      <a:schemeClr val="accent5">
+        <a:tint val="50000"/>
+      </a:schemeClr>
+      <a:schemeClr val="accent6">
+        <a:tint val="50000"/>
+      </a:schemeClr>
+    </dgm:fillClrLst>
+    <dgm:linClrLst meth="repeat">
+      <a:schemeClr val="lt1"/>
+    </dgm:linClrLst>
+    <dgm:effectClrLst/>
+    <dgm:txLinClrLst/>
+    <dgm:txFillClrLst meth="repeat">
+      <a:schemeClr val="lt1"/>
+    </dgm:txFillClrLst>
+    <dgm:txEffectClrLst/>
+  </dgm:styleLbl>
+  <dgm:styleLbl name="alignImgPlace1">
+    <dgm:fillClrLst>
+      <a:schemeClr val="accent1">
+        <a:tint val="50000"/>
+      </a:schemeClr>
+      <a:schemeClr val="accent2">
+        <a:tint val="20000"/>
+      </a:schemeClr>
+    </dgm:fillClrLst>
+    <dgm:linClrLst meth="repeat">
+      <a:schemeClr val="lt1"/>
+    </dgm:linClrLst>
+    <dgm:effectClrLst/>
+    <dgm:txLinClrLst/>
+    <dgm:txFillClrLst meth="repeat">
+      <a:schemeClr val="lt1"/>
+    </dgm:txFillClrLst>
+    <dgm:txEffectClrLst/>
+  </dgm:styleLbl>
+  <dgm:styleLbl name="bgImgPlace1">
+    <dgm:fillClrLst>
+      <a:schemeClr val="accent1">
+        <a:tint val="50000"/>
+      </a:schemeClr>
+      <a:schemeClr val="accent2">
+        <a:tint val="20000"/>
+      </a:schemeClr>
+    </dgm:fillClrLst>
+    <dgm:linClrLst meth="repeat">
+      <a:schemeClr val="lt1"/>
+    </dgm:linClrLst>
+    <dgm:effectClrLst/>
+    <dgm:txLinClrLst/>
+    <dgm:txFillClrLst meth="repeat">
+      <a:schemeClr val="lt1"/>
+    </dgm:txFillClrLst>
+    <dgm:txEffectClrLst/>
+  </dgm:styleLbl>
+  <dgm:styleLbl name="sibTrans2D1">
+    <dgm:fillClrLst meth="repeat">
+      <a:schemeClr val="accent2"/>
+      <a:schemeClr val="accent3"/>
+      <a:schemeClr val="accent4"/>
+      <a:schemeClr val="accent5"/>
+      <a:schemeClr val="accent6"/>
+    </dgm:fillClrLst>
+    <dgm:linClrLst meth="cycle">
+      <a:schemeClr val="lt1"/>
+    </dgm:linClrLst>
+    <dgm:effectClrLst/>
+    <dgm:txLinClrLst/>
+    <dgm:txFillClrLst/>
+    <dgm:txEffectClrLst/>
+  </dgm:styleLbl>
+  <dgm:styleLbl name="fgSibTrans2D1">
+    <dgm:fillClrLst meth="repeat">
+      <a:schemeClr val="accent2"/>
+      <a:schemeClr val="accent3"/>
+      <a:schemeClr val="accent4"/>
+      <a:schemeClr val="accent5"/>
+      <a:schemeClr val="accent6"/>
+    </dgm:fillClrLst>
+    <dgm:linClrLst meth="cycle">
+      <a:schemeClr val="lt1"/>
+    </dgm:linClrLst>
+    <dgm:effectClrLst/>
+    <dgm:txLinClrLst/>
+    <dgm:txFillClrLst meth="repeat">
+      <a:schemeClr val="lt1"/>
+    </dgm:txFillClrLst>
+    <dgm:txEffectClrLst/>
+  </dgm:styleLbl>
+  <dgm:styleLbl name="bgSibTrans2D1">
+    <dgm:fillClrLst meth="repeat">
+      <a:schemeClr val="accent2"/>
+      <a:schemeClr val="accent3"/>
+      <a:schemeClr val="accent4"/>
+      <a:schemeClr val="accent5"/>
+      <a:schemeClr val="accent6"/>
+    </dgm:fillClrLst>
+    <dgm:linClrLst meth="cycle">
+      <a:schemeClr val="lt1"/>
+    </dgm:linClrLst>
+    <dgm:effectClrLst/>
+    <dgm:txLinClrLst/>
+    <dgm:txFillClrLst meth="repeat">
+      <a:schemeClr val="lt1"/>
+    </dgm:txFillClrLst>
+    <dgm:txEffectClrLst/>
+  </dgm:styleLbl>
+  <dgm:styleLbl name="sibTrans1D1">
+    <dgm:fillClrLst meth="repeat">
+      <a:schemeClr val="accent2"/>
+      <a:schemeClr val="accent3"/>
+      <a:schemeClr val="accent4"/>
+      <a:schemeClr val="accent5"/>
+      <a:schemeClr val="accent6"/>
+    </dgm:fillClrLst>
+    <dgm:linClrLst meth="repeat">
+      <a:schemeClr val="accent2"/>
+      <a:schemeClr val="accent3"/>
+      <a:schemeClr val="accent4"/>
+      <a:schemeClr val="accent5"/>
+      <a:schemeClr val="accent6"/>
+    </dgm:linClrLst>
+    <dgm:effectClrLst/>
+    <dgm:txLinClrLst/>
+    <dgm:txFillClrLst meth="repeat">
+      <a:schemeClr val="tx1"/>
+    </dgm:txFillClrLst>
+    <dgm:txEffectClrLst/>
+  </dgm:styleLbl>
+  <dgm:styleLbl name="callout">
+    <dgm:fillClrLst meth="repeat">
+      <a:schemeClr val="accent2"/>
+    </dgm:fillClrLst>
+    <dgm:linClrLst meth="repeat">
+      <a:schemeClr val="accent2">
+        <a:tint val="50000"/>
+      </a:schemeClr>
+    </dgm:linClrLst>
+    <dgm:effectClrLst/>
+    <dgm:txLinClrLst/>
+    <dgm:txFillClrLst meth="repeat">
+      <a:schemeClr val="tx1"/>
+    </dgm:txFillClrLst>
+    <dgm:txEffectClrLst/>
+  </dgm:styleLbl>
+  <dgm:styleLbl name="asst0">
+    <dgm:fillClrLst meth="repeat">
+      <a:schemeClr val="accent1"/>
+    </dgm:fillClrLst>
+    <dgm:linClrLst meth="repeat">
+      <a:schemeClr val="lt1"/>
+    </dgm:linClrLst>
+    <dgm:effectClrLst/>
+    <dgm:txLinClrLst/>
+    <dgm:txFillClrLst/>
+    <dgm:txEffectClrLst/>
+  </dgm:styleLbl>
+  <dgm:styleLbl name="asst1">
+    <dgm:fillClrLst meth="repeat">
+      <a:schemeClr val="accent2"/>
+    </dgm:fillClrLst>
+    <dgm:linClrLst meth="repeat">
+      <a:schemeClr val="lt1"/>
+    </dgm:linClrLst>
+    <dgm:effectClrLst/>
+    <dgm:txLinClrLst/>
+    <dgm:txFillClrLst/>
+    <dgm:txEffectClrLst/>
+  </dgm:styleLbl>
+  <dgm:styleLbl name="asst2">
+    <dgm:fillClrLst>
+      <a:schemeClr val="accent3"/>
+    </dgm:fillClrLst>
+    <dgm:linClrLst meth="repeat">
+      <a:schemeClr val="lt1"/>
+    </dgm:linClrLst>
+    <dgm:effectClrLst/>
+    <dgm:txLinClrLst/>
+    <dgm:txFillClrLst/>
+    <dgm:txEffectClrLst/>
+  </dgm:styleLbl>
+  <dgm:styleLbl name="asst3">
+    <dgm:fillClrLst>
+      <a:schemeClr val="accent4"/>
+    </dgm:fillClrLst>
+    <dgm:linClrLst meth="repeat">
+      <a:schemeClr val="lt1"/>
+    </dgm:linClrLst>
+    <dgm:effectClrLst/>
+    <dgm:txLinClrLst/>
+    <dgm:txFillClrLst/>
+    <dgm:txEffectClrLst/>
+  </dgm:styleLbl>
+  <dgm:styleLbl name="asst4">
+    <dgm:fillClrLst>
+      <a:schemeClr val="accent5"/>
+    </dgm:fillClrLst>
+    <dgm:linClrLst meth="repeat">
+      <a:schemeClr val="lt1"/>
+    </dgm:linClrLst>
+    <dgm:effectClrLst/>
+    <dgm:txLinClrLst/>
+    <dgm:txFillClrLst/>
+    <dgm:txEffectClrLst/>
+  </dgm:styleLbl>
+  <dgm:styleLbl name="parChTrans2D1">
+    <dgm:fillClrLst meth="repeat">
+      <a:schemeClr val="accent2"/>
+    </dgm:fillClrLst>
+    <dgm:linClrLst meth="repeat">
+      <a:schemeClr val="lt1"/>
+    </dgm:linClrLst>
+    <dgm:effectClrLst/>
+    <dgm:txLinClrLst/>
+    <dgm:txFillClrLst meth="repeat">
+      <a:schemeClr val="lt1"/>
+    </dgm:txFillClrLst>
+    <dgm:txEffectClrLst/>
+  </dgm:styleLbl>
+  <dgm:styleLbl name="parChTrans2D2">
+    <dgm:fillClrLst meth="repeat">
+      <a:schemeClr val="accent3"/>
+    </dgm:fillClrLst>
+    <dgm:linClrLst meth="repeat">
+      <a:schemeClr val="lt1"/>
+    </dgm:linClrLst>
+    <dgm:effectClrLst/>
+    <dgm:txLinClrLst/>
+    <dgm:txFillClrLst/>
+    <dgm:txEffectClrLst/>
+  </dgm:styleLbl>
+  <dgm:styleLbl name="parChTrans2D3">
+    <dgm:fillClrLst meth="repeat">
+      <a:schemeClr val="accent4"/>
+    </dgm:fillClrLst>
+    <dgm:linClrLst meth="repeat">
+      <a:schemeClr val="lt1"/>
+    </dgm:linClrLst>
+    <dgm:effectClrLst/>
+    <dgm:txLinClrLst/>
+    <dgm:txFillClrLst/>
+    <dgm:txEffectClrLst/>
+  </dgm:styleLbl>
+  <dgm:styleLbl name="parChTrans2D4">
+    <dgm:fillClrLst meth="repeat">
+      <a:schemeClr val="accent5"/>
+    </dgm:fillClrLst>
+    <dgm:linClrLst meth="repeat">
+      <a:schemeClr val="lt1"/>
+    </dgm:linClrLst>
+    <dgm:effectClrLst/>
+    <dgm:txLinClrLst/>
+    <dgm:txFillClrLst meth="repeat">
+      <a:schemeClr val="lt1"/>
+    </dgm:txFillClrLst>
+    <dgm:txEffectClrLst/>
+  </dgm:styleLbl>
+  <dgm:styleLbl name="parChTrans1D1">
+    <dgm:fillClrLst meth="repeat">
+      <a:schemeClr val="accent2"/>
+    </dgm:fillClrLst>
+    <dgm:linClrLst meth="repeat">
+      <a:schemeClr val="accent1"/>
+    </dgm:linClrLst>
+    <dgm:effectClrLst/>
+    <dgm:txLinClrLst/>
+    <dgm:txFillClrLst meth="repeat">
+      <a:schemeClr val="tx1"/>
+    </dgm:txFillClrLst>
+    <dgm:txEffectClrLst/>
+  </dgm:styleLbl>
+  <dgm:styleLbl name="parChTrans1D2">
+    <dgm:fillClrLst meth="repeat">
+      <a:schemeClr val="accent3">
+        <a:tint val="90000"/>
+      </a:schemeClr>
+    </dgm:fillClrLst>
+    <dgm:linClrLst meth="repeat">
+      <a:schemeClr val="accent2"/>
+    </dgm:linClrLst>
+    <dgm:effectClrLst/>
+    <dgm:txLinClrLst/>
+    <dgm:txFillClrLst meth="repeat">
+      <a:schemeClr val="tx1"/>
+    </dgm:txFillClrLst>
+    <dgm:txEffectClrLst/>
+  </dgm:styleLbl>
+  <dgm:styleLbl name="parChTrans1D3">
+    <dgm:fillClrLst meth="repeat">
+      <a:schemeClr val="accent4">
+        <a:tint val="70000"/>
+      </a:schemeClr>
+    </dgm:fillClrLst>
+    <dgm:linClrLst meth="repeat">
+      <a:schemeClr val="accent3"/>
+    </dgm:linClrLst>
+    <dgm:effectClrLst/>
+    <dgm:txLinClrLst/>
+    <dgm:txFillClrLst meth="repeat">
+      <a:schemeClr val="tx1"/>
+    </dgm:txFillClrLst>
+    <dgm:txEffectClrLst/>
+  </dgm:styleLbl>
+  <dgm:styleLbl name="parChTrans1D4">
+    <dgm:fillClrLst meth="repeat">
+      <a:schemeClr val="accent5">
+        <a:tint val="50000"/>
+      </a:schemeClr>
+    </dgm:fillClrLst>
+    <dgm:linClrLst meth="repeat">
+      <a:schemeClr val="accent4"/>
+    </dgm:linClrLst>
+    <dgm:effectClrLst/>
+    <dgm:txLinClrLst/>
+    <dgm:txFillClrLst meth="repeat">
+      <a:schemeClr val="tx1"/>
+    </dgm:txFillClrLst>
+    <dgm:txEffectClrLst/>
+  </dgm:styleLbl>
+  <dgm:styleLbl name="fgAcc1">
+    <dgm:fillClrLst meth="repeat">
+      <a:schemeClr val="lt1">
+        <a:alpha val="90000"/>
+      </a:schemeClr>
+    </dgm:fillClrLst>
+    <dgm:linClrLst meth="repeat">
+      <a:schemeClr val="accent2"/>
+      <a:schemeClr val="accent3"/>
+      <a:schemeClr val="accent4"/>
+      <a:schemeClr val="accent5"/>
+      <a:schemeClr val="accent6"/>
+    </dgm:linClrLst>
+    <dgm:effectClrLst/>
+    <dgm:txLinClrLst/>
+    <dgm:txFillClrLst meth="repeat">
+      <a:schemeClr val="dk1"/>
+    </dgm:txFillClrLst>
+    <dgm:txEffectClrLst/>
+  </dgm:styleLbl>
+  <dgm:styleLbl name="conFgAcc1">
+    <dgm:fillClrLst meth="repeat">
+      <a:schemeClr val="lt1">
+        <a:alpha val="90000"/>
+      </a:schemeClr>
+    </dgm:fillClrLst>
+    <dgm:linClrLst meth="repeat">
+      <a:schemeClr val="accent2"/>
+      <a:schemeClr val="accent3"/>
+      <a:schemeClr val="accent4"/>
+      <a:schemeClr val="accent5"/>
+      <a:schemeClr val="accent6"/>
+    </dgm:linClrLst>
+    <dgm:effectClrLst/>
+    <dgm:txLinClrLst/>
+    <dgm:txFillClrLst meth="repeat">
+      <a:schemeClr val="dk1"/>
+    </dgm:txFillClrLst>
+    <dgm:txEffectClrLst/>
+  </dgm:styleLbl>
+  <dgm:styleLbl name="alignAcc1">
+    <dgm:fillClrLst meth="repeat">
+      <a:schemeClr val="lt1">
+        <a:alpha val="90000"/>
+      </a:schemeClr>
+    </dgm:fillClrLst>
+    <dgm:linClrLst meth="repeat">
+      <a:schemeClr val="accent2"/>
+      <a:schemeClr val="accent3"/>
+      <a:schemeClr val="accent4"/>
+      <a:schemeClr val="accent5"/>
+      <a:schemeClr val="accent6"/>
+    </dgm:linClrLst>
+    <dgm:effectClrLst/>
+    <dgm:txLinClrLst/>
+    <dgm:txFillClrLst meth="repeat">
+      <a:schemeClr val="dk1"/>
+    </dgm:txFillClrLst>
+    <dgm:txEffectClrLst/>
+  </dgm:styleLbl>
+  <dgm:styleLbl name="trAlignAcc1">
+    <dgm:fillClrLst meth="repeat">
+      <a:schemeClr val="lt1">
+        <a:alpha val="40000"/>
+      </a:schemeClr>
+    </dgm:fillClrLst>
+    <dgm:linClrLst meth="repeat">
+      <a:schemeClr val="accent1"/>
+    </dgm:linClrLst>
+    <dgm:effectClrLst/>
+    <dgm:txLinClrLst/>
+    <dgm:txFillClrLst meth="repeat">
+      <a:schemeClr val="dk1"/>
+    </dgm:txFillClrLst>
+    <dgm:txEffectClrLst/>
+  </dgm:styleLbl>
+  <dgm:styleLbl name="bgAcc1">
+    <dgm:fillClrLst meth="repeat">
+      <a:schemeClr val="lt1">
+        <a:alpha val="90000"/>
+      </a:schemeClr>
+    </dgm:fillClrLst>
+    <dgm:linClrLst meth="repeat">
+      <a:schemeClr val="accent2"/>
+      <a:schemeClr val="accent3"/>
+      <a:schemeClr val="accent4"/>
+      <a:schemeClr val="accent5"/>
+      <a:schemeClr val="accent6"/>
+    </dgm:linClrLst>
+    <dgm:effectClrLst/>
+    <dgm:txLinClrLst/>
+    <dgm:txFillClrLst meth="repeat">
+      <a:schemeClr val="dk1"/>
+    </dgm:txFillClrLst>
+    <dgm:txEffectClrLst/>
+  </dgm:styleLbl>
+  <dgm:styleLbl name="solidFgAcc1">
+    <dgm:fillClrLst meth="repeat">
+      <a:schemeClr val="lt1"/>
+    </dgm:fillClrLst>
+    <dgm:linClrLst meth="repeat">
+      <a:schemeClr val="accent2"/>
+      <a:schemeClr val="accent3"/>
+      <a:schemeClr val="accent4"/>
+      <a:schemeClr val="accent5"/>
+      <a:schemeClr val="accent6"/>
+    </dgm:linClrLst>
+    <dgm:effectClrLst/>
+    <dgm:txLinClrLst/>
+    <dgm:txFillClrLst meth="repeat">
+      <a:schemeClr val="dk1"/>
+    </dgm:txFillClrLst>
+    <dgm:txEffectClrLst/>
+  </dgm:styleLbl>
+  <dgm:styleLbl name="solidAlignAcc1">
+    <dgm:fillClrLst meth="repeat">
+      <a:schemeClr val="lt1"/>
+    </dgm:fillClrLst>
+    <dgm:linClrLst meth="repeat">
+      <a:schemeClr val="accent2"/>
+      <a:schemeClr val="accent3"/>
+      <a:schemeClr val="accent4"/>
+      <a:schemeClr val="accent5"/>
+      <a:schemeClr val="accent6"/>
+    </dgm:linClrLst>
+    <dgm:effectClrLst/>
+    <dgm:txLinClrLst/>
+    <dgm:txFillClrLst meth="repeat">
+      <a:schemeClr val="dk1"/>
+    </dgm:txFillClrLst>
+    <dgm:txEffectClrLst/>
+  </dgm:styleLbl>
+  <dgm:styleLbl name="solidBgAcc1">
+    <dgm:fillClrLst meth="repeat">
+      <a:schemeClr val="lt1"/>
+    </dgm:fillClrLst>
+    <dgm:linClrLst meth="repeat">
+      <a:schemeClr val="accent2"/>
+      <a:schemeClr val="accent3"/>
+      <a:schemeClr val="accent4"/>
+      <a:schemeClr val="accent5"/>
+      <a:schemeClr val="accent6"/>
+    </dgm:linClrLst>
+    <dgm:effectClrLst/>
+    <dgm:txLinClrLst/>
+    <dgm:txFillClrLst meth="repeat">
+      <a:schemeClr val="dk1"/>
+    </dgm:txFillClrLst>
+    <dgm:txEffectClrLst/>
+  </dgm:styleLbl>
+  <dgm:styleLbl name="fgAccFollowNode1">
+    <dgm:fillClrLst meth="repeat">
+      <a:schemeClr val="accent2">
+        <a:tint val="40000"/>
+        <a:alpha val="90000"/>
+      </a:schemeClr>
+      <a:schemeClr val="accent3">
+        <a:tint val="40000"/>
+        <a:alpha val="90000"/>
+      </a:schemeClr>
+      <a:schemeClr val="accent4">
+        <a:tint val="40000"/>
+        <a:alpha val="90000"/>
+      </a:schemeClr>
+      <a:schemeClr val="accent5">
+        <a:tint val="40000"/>
+        <a:alpha val="90000"/>
+      </a:schemeClr>
+      <a:schemeClr val="accent6">
+        <a:tint val="40000"/>
+        <a:alpha val="90000"/>
+      </a:schemeClr>
+    </dgm:fillClrLst>
+    <dgm:linClrLst meth="repeat">
+      <a:schemeClr val="accent2">
+        <a:tint val="40000"/>
+        <a:alpha val="90000"/>
+      </a:schemeClr>
+      <a:schemeClr val="accent3">
+        <a:tint val="40000"/>
+        <a:alpha val="90000"/>
+      </a:schemeClr>
+      <a:schemeClr val="accent4">
+        <a:tint val="40000"/>
+        <a:alpha val="90000"/>
+      </a:schemeClr>
+      <a:schemeClr val="accent5">
+        <a:tint val="40000"/>
+        <a:alpha val="90000"/>
+      </a:schemeClr>
+      <a:schemeClr val="accent6">
+        <a:tint val="40000"/>
+        <a:alpha val="90000"/>
+      </a:schemeClr>
+    </dgm:linClrLst>
+    <dgm:effectClrLst/>
+    <dgm:txLinClrLst/>
+    <dgm:txFillClrLst meth="repeat">
+      <a:schemeClr val="dk1"/>
+    </dgm:txFillClrLst>
+    <dgm:txEffectClrLst/>
+  </dgm:styleLbl>
+  <dgm:styleLbl name="alignAccFollowNode1">
+    <dgm:fillClrLst meth="repeat">
+      <a:schemeClr val="accent2">
+        <a:tint val="40000"/>
+        <a:alpha val="90000"/>
+      </a:schemeClr>
+      <a:schemeClr val="accent3">
+        <a:tint val="40000"/>
+        <a:alpha val="90000"/>
+      </a:schemeClr>
+      <a:schemeClr val="accent4">
+        <a:tint val="40000"/>
+        <a:alpha val="90000"/>
+      </a:schemeClr>
+      <a:schemeClr val="accent5">
+        <a:tint val="40000"/>
+        <a:alpha val="90000"/>
+      </a:schemeClr>
+      <a:schemeClr val="accent6">
+        <a:tint val="40000"/>
+        <a:alpha val="90000"/>
+      </a:schemeClr>
+    </dgm:fillClrLst>
+    <dgm:linClrLst meth="repeat">
+      <a:schemeClr val="accent2">
+        <a:tint val="40000"/>
+        <a:alpha val="90000"/>
+      </a:schemeClr>
+      <a:schemeClr val="accent3">
+        <a:tint val="40000"/>
+        <a:alpha val="90000"/>
+      </a:schemeClr>
+      <a:schemeClr val="accent4">
+        <a:tint val="40000"/>
+        <a:alpha val="90000"/>
+      </a:schemeClr>
+      <a:schemeClr val="accent5">
+        <a:tint val="40000"/>
+        <a:alpha val="90000"/>
+      </a:schemeClr>
+      <a:schemeClr val="accent6">
+        <a:tint val="40000"/>
+        <a:alpha val="90000"/>
+      </a:schemeClr>
+    </dgm:linClrLst>
+    <dgm:effectClrLst/>
+    <dgm:txLinClrLst/>
+    <dgm:txFillClrLst meth="repeat">
+      <a:schemeClr val="dk1"/>
+    </dgm:txFillClrLst>
+    <dgm:txEffectClrLst/>
+  </dgm:styleLbl>
+  <dgm:styleLbl name="bgAccFollowNode1">
+    <dgm:fillClrLst meth="repeat">
+      <a:schemeClr val="accent2">
+        <a:tint val="40000"/>
+        <a:alpha val="90000"/>
+      </a:schemeClr>
+      <a:schemeClr val="accent3">
+        <a:tint val="40000"/>
+        <a:alpha val="90000"/>
+      </a:schemeClr>
+      <a:schemeClr val="accent4">
+        <a:tint val="40000"/>
+        <a:alpha val="90000"/>
+      </a:schemeClr>
+      <a:schemeClr val="accent5">
+        <a:tint val="40000"/>
+        <a:alpha val="90000"/>
+      </a:schemeClr>
+      <a:schemeClr val="accent6">
+        <a:tint val="40000"/>
+        <a:alpha val="90000"/>
+      </a:schemeClr>
+    </dgm:fillClrLst>
+    <dgm:linClrLst meth="repeat">
+      <a:schemeClr val="accent2">
+        <a:tint val="40000"/>
+        <a:alpha val="90000"/>
+      </a:schemeClr>
+      <a:schemeClr val="accent3">
+        <a:tint val="40000"/>
+        <a:alpha val="90000"/>
+      </a:schemeClr>
+      <a:schemeClr val="accent4">
+        <a:tint val="40000"/>
+        <a:alpha val="90000"/>
+      </a:schemeClr>
+      <a:schemeClr val="accent5">
+        <a:tint val="40000"/>
+        <a:alpha val="90000"/>
+      </a:schemeClr>
+      <a:schemeClr val="accent6">
+        <a:tint val="40000"/>
+        <a:alpha val="90000"/>
+      </a:schemeClr>
+    </dgm:linClrLst>
+    <dgm:effectClrLst/>
+    <dgm:txLinClrLst/>
+    <dgm:txFillClrLst meth="repeat">
+      <a:schemeClr val="dk1"/>
+    </dgm:txFillClrLst>
+    <dgm:txEffectClrLst/>
+  </dgm:styleLbl>
+  <dgm:styleLbl name="fgAcc0">
+    <dgm:fillClrLst meth="repeat">
+      <a:schemeClr val="lt1">
+        <a:alpha val="90000"/>
+      </a:schemeClr>
+    </dgm:fillClrLst>
+    <dgm:linClrLst>
+      <a:schemeClr val="accent1"/>
+    </dgm:linClrLst>
+    <dgm:effectClrLst/>
+    <dgm:txLinClrLst/>
+    <dgm:txFillClrLst meth="repeat">
+      <a:schemeClr val="dk1"/>
+    </dgm:txFillClrLst>
+    <dgm:txEffectClrLst/>
+  </dgm:styleLbl>
+  <dgm:styleLbl name="fgAcc2">
+    <dgm:fillClrLst meth="repeat">
+      <a:schemeClr val="lt1">
+        <a:alpha val="90000"/>
+      </a:schemeClr>
+    </dgm:fillClrLst>
+    <dgm:linClrLst>
+      <a:schemeClr val="accent2"/>
+    </dgm:linClrLst>
+    <dgm:effectClrLst/>
+    <dgm:txLinClrLst/>
+    <dgm:txFillClrLst meth="repeat">
+      <a:schemeClr val="dk1"/>
+    </dgm:txFillClrLst>
+    <dgm:txEffectClrLst/>
+  </dgm:styleLbl>
+  <dgm:styleLbl name="fgAcc3">
+    <dgm:fillClrLst meth="repeat">
+      <a:schemeClr val="lt1">
+        <a:alpha val="90000"/>
+      </a:schemeClr>
+    </dgm:fillClrLst>
+    <dgm:linClrLst>
+      <a:schemeClr val="accent3"/>
+    </dgm:linClrLst>
+    <dgm:effectClrLst/>
+    <dgm:txLinClrLst/>
+    <dgm:txFillClrLst meth="repeat">
+      <a:schemeClr val="dk1"/>
+    </dgm:txFillClrLst>
+    <dgm:txEffectClrLst/>
+  </dgm:styleLbl>
+  <dgm:styleLbl name="fgAcc4">
+    <dgm:fillClrLst meth="repeat">
+      <a:schemeClr val="lt1">
+        <a:alpha val="90000"/>
+      </a:schemeClr>
+    </dgm:fillClrLst>
+    <dgm:linClrLst>
+      <a:schemeClr val="accent4"/>
+    </dgm:linClrLst>
+    <dgm:effectClrLst/>
+    <dgm:txLinClrLst/>
+    <dgm:txFillClrLst meth="repeat">
+      <a:schemeClr val="dk1"/>
+    </dgm:txFillClrLst>
+    <dgm:txEffectClrLst/>
+  </dgm:styleLbl>
+  <dgm:styleLbl name="bgShp">
+    <dgm:fillClrLst meth="repeat">
+      <a:schemeClr val="accent2">
+        <a:tint val="40000"/>
+      </a:schemeClr>
+    </dgm:fillClrLst>
+    <dgm:linClrLst meth="repeat">
+      <a:schemeClr val="dk1"/>
+    </dgm:linClrLst>
+    <dgm:effectClrLst/>
+    <dgm:txLinClrLst/>
+    <dgm:txFillClrLst meth="repeat">
+      <a:schemeClr val="dk1"/>
+    </dgm:txFillClrLst>
+    <dgm:txEffectClrLst/>
+  </dgm:styleLbl>
+  <dgm:styleLbl name="dkBgShp">
+    <dgm:fillClrLst meth="repeat">
+      <a:schemeClr val="accent2">
+        <a:shade val="90000"/>
+      </a:schemeClr>
+    </dgm:fillClrLst>
+    <dgm:linClrLst meth="repeat">
+      <a:schemeClr val="dk1"/>
+    </dgm:linClrLst>
+    <dgm:effectClrLst/>
+    <dgm:txLinClrLst/>
+    <dgm:txFillClrLst meth="repeat">
+      <a:schemeClr val="lt1"/>
+    </dgm:txFillClrLst>
+    <dgm:txEffectClrLst/>
+  </dgm:styleLbl>
+  <dgm:styleLbl name="trBgShp">
+    <dgm:fillClrLst meth="repeat">
+      <a:schemeClr val="accent1">
+        <a:tint val="50000"/>
+        <a:alpha val="40000"/>
+      </a:schemeClr>
+    </dgm:fillClrLst>
+    <dgm:linClrLst meth="repeat">
+      <a:schemeClr val="accent2"/>
+    </dgm:linClrLst>
+    <dgm:effectClrLst/>
+    <dgm:txLinClrLst/>
+    <dgm:txFillClrLst meth="repeat">
+      <a:schemeClr val="lt1"/>
+    </dgm:txFillClrLst>
+    <dgm:txEffectClrLst/>
+  </dgm:styleLbl>
+  <dgm:styleLbl name="fgShp">
+    <dgm:fillClrLst meth="repeat">
+      <a:schemeClr val="accent2">
+        <a:tint val="40000"/>
+      </a:schemeClr>
+    </dgm:fillClrLst>
+    <dgm:linClrLst meth="repeat">
+      <a:schemeClr val="lt1"/>
+    </dgm:linClrLst>
+    <dgm:effectClrLst/>
+    <dgm:txLinClrLst/>
+    <dgm:txFillClrLst meth="repeat">
+      <a:schemeClr val="dk1"/>
+    </dgm:txFillClrLst>
+    <dgm:txEffectClrLst/>
+  </dgm:styleLbl>
+  <dgm:styleLbl name="revTx">
+    <dgm:fillClrLst meth="repeat">
+      <a:schemeClr val="lt1">
+        <a:alpha val="0"/>
+      </a:schemeClr>
+    </dgm:fillClrLst>
+    <dgm:linClrLst meth="repeat">
+      <a:schemeClr val="dk1">
+        <a:alpha val="0"/>
+      </a:schemeClr>
+    </dgm:linClrLst>
+    <dgm:effectClrLst/>
+    <dgm:txLinClrLst/>
+    <dgm:txFillClrLst meth="repeat">
+      <a:schemeClr val="tx1"/>
+    </dgm:txFillClrLst>
+    <dgm:txEffectClrLst/>
+  </dgm:styleLbl>
+</dgm:colorsDef>
+</file>
+
+<file path=ppt/diagrams/colors7.xml><?xml version="1.0" encoding="utf-8"?>
+<dgm:colorsDef xmlns:dgm="http://schemas.openxmlformats.org/drawingml/2006/diagram" xmlns:a="http://schemas.openxmlformats.org/drawingml/2006/main" uniqueId="urn:microsoft.com/office/officeart/2005/8/colors/colorful1">
+  <dgm:title val=""/>
+  <dgm:desc val=""/>
+  <dgm:catLst>
+    <dgm:cat type="colorful" pri="10100"/>
+  </dgm:catLst>
+  <dgm:styleLbl name="node0">
+    <dgm:fillClrLst meth="repeat">
+      <a:schemeClr val="accent1"/>
+    </dgm:fillClrLst>
+    <dgm:linClrLst meth="repeat">
+      <a:schemeClr val="lt1"/>
+    </dgm:linClrLst>
+    <dgm:effectClrLst/>
+    <dgm:txLinClrLst/>
+    <dgm:txFillClrLst/>
+    <dgm:txEffectClrLst/>
+  </dgm:styleLbl>
+  <dgm:styleLbl name="node1">
+    <dgm:fillClrLst meth="repeat">
+      <a:schemeClr val="accent2"/>
+      <a:schemeClr val="accent3"/>
+      <a:schemeClr val="accent4"/>
+      <a:schemeClr val="accent5"/>
+      <a:schemeClr val="accent6"/>
+    </dgm:fillClrLst>
+    <dgm:linClrLst meth="repeat">
+      <a:schemeClr val="lt1"/>
+    </dgm:linClrLst>
+    <dgm:effectClrLst/>
+    <dgm:txLinClrLst/>
+    <dgm:txFillClrLst/>
+    <dgm:txEffectClrLst/>
+  </dgm:styleLbl>
+  <dgm:styleLbl name="alignNode1">
+    <dgm:fillClrLst meth="repeat">
+      <a:schemeClr val="accent2"/>
+      <a:schemeClr val="accent3"/>
+      <a:schemeClr val="accent4"/>
+      <a:schemeClr val="accent5"/>
+      <a:schemeClr val="accent6"/>
+    </dgm:fillClrLst>
+    <dgm:linClrLst meth="repeat">
+      <a:schemeClr val="accent2"/>
+      <a:schemeClr val="accent3"/>
+      <a:schemeClr val="accent4"/>
+      <a:schemeClr val="accent5"/>
+      <a:schemeClr val="accent6"/>
+    </dgm:linClrLst>
+    <dgm:effectClrLst/>
+    <dgm:txLinClrLst/>
+    <dgm:txFillClrLst/>
+    <dgm:txEffectClrLst/>
+  </dgm:styleLbl>
+  <dgm:styleLbl name="lnNode1">
+    <dgm:fillClrLst meth="repeat">
+      <a:schemeClr val="accent2"/>
+      <a:schemeClr val="accent3"/>
+      <a:schemeClr val="accent4"/>
+      <a:schemeClr val="accent5"/>
+      <a:schemeClr val="accent6"/>
+    </dgm:fillClrLst>
+    <dgm:linClrLst meth="repeat">
+      <a:schemeClr val="lt1"/>
+    </dgm:linClrLst>
+    <dgm:effectClrLst/>
+    <dgm:txLinClrLst/>
+    <dgm:txFillClrLst/>
+    <dgm:txEffectClrLst/>
+  </dgm:styleLbl>
+  <dgm:styleLbl name="vennNode1">
+    <dgm:fillClrLst meth="repeat">
+      <a:schemeClr val="accent2">
+        <a:alpha val="50000"/>
+      </a:schemeClr>
+      <a:schemeClr val="accent3">
+        <a:alpha val="50000"/>
+      </a:schemeClr>
+      <a:schemeClr val="accent4">
+        <a:alpha val="50000"/>
+      </a:schemeClr>
+      <a:schemeClr val="accent5">
+        <a:alpha val="50000"/>
+      </a:schemeClr>
+      <a:schemeClr val="accent6">
+        <a:alpha val="50000"/>
+      </a:schemeClr>
+    </dgm:fillClrLst>
+    <dgm:linClrLst meth="repeat">
+      <a:schemeClr val="lt1"/>
+    </dgm:linClrLst>
+    <dgm:effectClrLst/>
+    <dgm:txLinClrLst/>
+    <dgm:txFillClrLst/>
+    <dgm:txEffectClrLst/>
+  </dgm:styleLbl>
+  <dgm:styleLbl name="node2">
+    <dgm:fillClrLst>
+      <a:schemeClr val="accent2"/>
+    </dgm:fillClrLst>
+    <dgm:linClrLst meth="repeat">
+      <a:schemeClr val="lt1"/>
+    </dgm:linClrLst>
+    <dgm:effectClrLst/>
+    <dgm:txLinClrLst/>
+    <dgm:txFillClrLst/>
+    <dgm:txEffectClrLst/>
+  </dgm:styleLbl>
+  <dgm:styleLbl name="node3">
+    <dgm:fillClrLst>
+      <a:schemeClr val="accent3"/>
+    </dgm:fillClrLst>
+    <dgm:linClrLst meth="repeat">
+      <a:schemeClr val="lt1"/>
+    </dgm:linClrLst>
+    <dgm:effectClrLst/>
+    <dgm:txLinClrLst/>
+    <dgm:txFillClrLst/>
+    <dgm:txEffectClrLst/>
+  </dgm:styleLbl>
+  <dgm:styleLbl name="node4">
+    <dgm:fillClrLst>
+      <a:schemeClr val="accent4"/>
+    </dgm:fillClrLst>
+    <dgm:linClrLst meth="repeat">
+      <a:schemeClr val="lt1"/>
+    </dgm:linClrLst>
+    <dgm:effectClrLst/>
+    <dgm:txLinClrLst/>
+    <dgm:txFillClrLst/>
+    <dgm:txEffectClrLst/>
+  </dgm:styleLbl>
+  <dgm:styleLbl name="fgImgPlace1">
+    <dgm:fillClrLst meth="repeat">
+      <a:schemeClr val="accent2">
+        <a:tint val="50000"/>
+      </a:schemeClr>
+      <a:schemeClr val="accent3">
+        <a:tint val="50000"/>
+      </a:schemeClr>
+      <a:schemeClr val="accent4">
+        <a:tint val="50000"/>
+      </a:schemeClr>
+      <a:schemeClr val="accent5">
+        <a:tint val="50000"/>
+      </a:schemeClr>
+      <a:schemeClr val="accent6">
+        <a:tint val="50000"/>
+      </a:schemeClr>
+    </dgm:fillClrLst>
+    <dgm:linClrLst meth="repeat">
+      <a:schemeClr val="lt1"/>
+    </dgm:linClrLst>
+    <dgm:effectClrLst/>
+    <dgm:txLinClrLst/>
+    <dgm:txFillClrLst meth="repeat">
+      <a:schemeClr val="lt1"/>
+    </dgm:txFillClrLst>
+    <dgm:txEffectClrLst/>
+  </dgm:styleLbl>
+  <dgm:styleLbl name="alignImgPlace1">
+    <dgm:fillClrLst>
+      <a:schemeClr val="accent1">
+        <a:tint val="50000"/>
+      </a:schemeClr>
+      <a:schemeClr val="accent2">
+        <a:tint val="20000"/>
+      </a:schemeClr>
+    </dgm:fillClrLst>
+    <dgm:linClrLst meth="repeat">
+      <a:schemeClr val="lt1"/>
+    </dgm:linClrLst>
+    <dgm:effectClrLst/>
+    <dgm:txLinClrLst/>
+    <dgm:txFillClrLst meth="repeat">
+      <a:schemeClr val="lt1"/>
+    </dgm:txFillClrLst>
+    <dgm:txEffectClrLst/>
+  </dgm:styleLbl>
+  <dgm:styleLbl name="bgImgPlace1">
+    <dgm:fillClrLst>
+      <a:schemeClr val="accent1">
+        <a:tint val="50000"/>
+      </a:schemeClr>
+      <a:schemeClr val="accent2">
+        <a:tint val="20000"/>
+      </a:schemeClr>
+    </dgm:fillClrLst>
+    <dgm:linClrLst meth="repeat">
+      <a:schemeClr val="lt1"/>
+    </dgm:linClrLst>
+    <dgm:effectClrLst/>
+    <dgm:txLinClrLst/>
+    <dgm:txFillClrLst meth="repeat">
+      <a:schemeClr val="lt1"/>
+    </dgm:txFillClrLst>
+    <dgm:txEffectClrLst/>
+  </dgm:styleLbl>
+  <dgm:styleLbl name="sibTrans2D1">
+    <dgm:fillClrLst meth="repeat">
+      <a:schemeClr val="accent2"/>
+      <a:schemeClr val="accent3"/>
+      <a:schemeClr val="accent4"/>
+      <a:schemeClr val="accent5"/>
+      <a:schemeClr val="accent6"/>
+    </dgm:fillClrLst>
+    <dgm:linClrLst meth="cycle">
+      <a:schemeClr val="lt1"/>
+    </dgm:linClrLst>
+    <dgm:effectClrLst/>
+    <dgm:txLinClrLst/>
+    <dgm:txFillClrLst/>
+    <dgm:txEffectClrLst/>
+  </dgm:styleLbl>
+  <dgm:styleLbl name="fgSibTrans2D1">
+    <dgm:fillClrLst meth="repeat">
+      <a:schemeClr val="accent2"/>
+      <a:schemeClr val="accent3"/>
+      <a:schemeClr val="accent4"/>
+      <a:schemeClr val="accent5"/>
+      <a:schemeClr val="accent6"/>
+    </dgm:fillClrLst>
+    <dgm:linClrLst meth="cycle">
+      <a:schemeClr val="lt1"/>
+    </dgm:linClrLst>
+    <dgm:effectClrLst/>
+    <dgm:txLinClrLst/>
+    <dgm:txFillClrLst meth="repeat">
+      <a:schemeClr val="lt1"/>
+    </dgm:txFillClrLst>
+    <dgm:txEffectClrLst/>
+  </dgm:styleLbl>
+  <dgm:styleLbl name="bgSibTrans2D1">
+    <dgm:fillClrLst meth="repeat">
+      <a:schemeClr val="accent2"/>
+      <a:schemeClr val="accent3"/>
+      <a:schemeClr val="accent4"/>
+      <a:schemeClr val="accent5"/>
+      <a:schemeClr val="accent6"/>
+    </dgm:fillClrLst>
+    <dgm:linClrLst meth="cycle">
+      <a:schemeClr val="lt1"/>
+    </dgm:linClrLst>
+    <dgm:effectClrLst/>
+    <dgm:txLinClrLst/>
+    <dgm:txFillClrLst meth="repeat">
+      <a:schemeClr val="lt1"/>
+    </dgm:txFillClrLst>
+    <dgm:txEffectClrLst/>
+  </dgm:styleLbl>
+  <dgm:styleLbl name="sibTrans1D1">
+    <dgm:fillClrLst meth="repeat">
+      <a:schemeClr val="accent2"/>
+      <a:schemeClr val="accent3"/>
+      <a:schemeClr val="accent4"/>
+      <a:schemeClr val="accent5"/>
+      <a:schemeClr val="accent6"/>
+    </dgm:fillClrLst>
+    <dgm:linClrLst meth="repeat">
+      <a:schemeClr val="accent2"/>
+      <a:schemeClr val="accent3"/>
+      <a:schemeClr val="accent4"/>
+      <a:schemeClr val="accent5"/>
+      <a:schemeClr val="accent6"/>
+    </dgm:linClrLst>
+    <dgm:effectClrLst/>
+    <dgm:txLinClrLst/>
+    <dgm:txFillClrLst meth="repeat">
+      <a:schemeClr val="tx1"/>
+    </dgm:txFillClrLst>
+    <dgm:txEffectClrLst/>
+  </dgm:styleLbl>
+  <dgm:styleLbl name="callout">
+    <dgm:fillClrLst meth="repeat">
+      <a:schemeClr val="accent2"/>
+    </dgm:fillClrLst>
+    <dgm:linClrLst meth="repeat">
+      <a:schemeClr val="accent2">
+        <a:tint val="50000"/>
+      </a:schemeClr>
+    </dgm:linClrLst>
+    <dgm:effectClrLst/>
+    <dgm:txLinClrLst/>
+    <dgm:txFillClrLst meth="repeat">
+      <a:schemeClr val="tx1"/>
+    </dgm:txFillClrLst>
+    <dgm:txEffectClrLst/>
+  </dgm:styleLbl>
+  <dgm:styleLbl name="asst0">
+    <dgm:fillClrLst meth="repeat">
+      <a:schemeClr val="accent1"/>
+    </dgm:fillClrLst>
+    <dgm:linClrLst meth="repeat">
+      <a:schemeClr val="lt1"/>
+    </dgm:linClrLst>
+    <dgm:effectClrLst/>
+    <dgm:txLinClrLst/>
+    <dgm:txFillClrLst/>
+    <dgm:txEffectClrLst/>
+  </dgm:styleLbl>
+  <dgm:styleLbl name="asst1">
+    <dgm:fillClrLst meth="repeat">
+      <a:schemeClr val="accent2"/>
+    </dgm:fillClrLst>
+    <dgm:linClrLst meth="repeat">
+      <a:schemeClr val="lt1"/>
+    </dgm:linClrLst>
+    <dgm:effectClrLst/>
+    <dgm:txLinClrLst/>
+    <dgm:txFillClrLst/>
+    <dgm:txEffectClrLst/>
+  </dgm:styleLbl>
+  <dgm:styleLbl name="asst2">
+    <dgm:fillClrLst>
+      <a:schemeClr val="accent3"/>
+    </dgm:fillClrLst>
+    <dgm:linClrLst meth="repeat">
+      <a:schemeClr val="lt1"/>
+    </dgm:linClrLst>
+    <dgm:effectClrLst/>
+    <dgm:txLinClrLst/>
+    <dgm:txFillClrLst/>
+    <dgm:txEffectClrLst/>
+  </dgm:styleLbl>
+  <dgm:styleLbl name="asst3">
+    <dgm:fillClrLst>
+      <a:schemeClr val="accent4"/>
+    </dgm:fillClrLst>
+    <dgm:linClrLst meth="repeat">
+      <a:schemeClr val="lt1"/>
+    </dgm:linClrLst>
+    <dgm:effectClrLst/>
+    <dgm:txLinClrLst/>
+    <dgm:txFillClrLst/>
+    <dgm:txEffectClrLst/>
+  </dgm:styleLbl>
+  <dgm:styleLbl name="asst4">
+    <dgm:fillClrLst>
+      <a:schemeClr val="accent5"/>
+    </dgm:fillClrLst>
+    <dgm:linClrLst meth="repeat">
+      <a:schemeClr val="lt1"/>
+    </dgm:linClrLst>
+    <dgm:effectClrLst/>
+    <dgm:txLinClrLst/>
+    <dgm:txFillClrLst/>
+    <dgm:txEffectClrLst/>
+  </dgm:styleLbl>
+  <dgm:styleLbl name="parChTrans2D1">
+    <dgm:fillClrLst meth="repeat">
+      <a:schemeClr val="accent2"/>
+    </dgm:fillClrLst>
+    <dgm:linClrLst meth="repeat">
+      <a:schemeClr val="lt1"/>
+    </dgm:linClrLst>
+    <dgm:effectClrLst/>
+    <dgm:txLinClrLst/>
+    <dgm:txFillClrLst meth="repeat">
+      <a:schemeClr val="lt1"/>
+    </dgm:txFillClrLst>
+    <dgm:txEffectClrLst/>
+  </dgm:styleLbl>
+  <dgm:styleLbl name="parChTrans2D2">
+    <dgm:fillClrLst meth="repeat">
+      <a:schemeClr val="accent3"/>
+    </dgm:fillClrLst>
+    <dgm:linClrLst meth="repeat">
+      <a:schemeClr val="lt1"/>
+    </dgm:linClrLst>
+    <dgm:effectClrLst/>
+    <dgm:txLinClrLst/>
+    <dgm:txFillClrLst/>
+    <dgm:txEffectClrLst/>
+  </dgm:styleLbl>
+  <dgm:styleLbl name="parChTrans2D3">
+    <dgm:fillClrLst meth="repeat">
+      <a:schemeClr val="accent4"/>
+    </dgm:fillClrLst>
+    <dgm:linClrLst meth="repeat">
+      <a:schemeClr val="lt1"/>
+    </dgm:linClrLst>
+    <dgm:effectClrLst/>
+    <dgm:txLinClrLst/>
+    <dgm:txFillClrLst/>
+    <dgm:txEffectClrLst/>
+  </dgm:styleLbl>
+  <dgm:styleLbl name="parChTrans2D4">
+    <dgm:fillClrLst meth="repeat">
+      <a:schemeClr val="accent5"/>
+    </dgm:fillClrLst>
+    <dgm:linClrLst meth="repeat">
+      <a:schemeClr val="lt1"/>
+    </dgm:linClrLst>
+    <dgm:effectClrLst/>
+    <dgm:txLinClrLst/>
+    <dgm:txFillClrLst meth="repeat">
+      <a:schemeClr val="lt1"/>
+    </dgm:txFillClrLst>
+    <dgm:txEffectClrLst/>
+  </dgm:styleLbl>
+  <dgm:styleLbl name="parChTrans1D1">
+    <dgm:fillClrLst meth="repeat">
+      <a:schemeClr val="accent2"/>
+    </dgm:fillClrLst>
+    <dgm:linClrLst meth="repeat">
+      <a:schemeClr val="accent1"/>
+    </dgm:linClrLst>
+    <dgm:effectClrLst/>
+    <dgm:txLinClrLst/>
+    <dgm:txFillClrLst meth="repeat">
+      <a:schemeClr val="tx1"/>
+    </dgm:txFillClrLst>
+    <dgm:txEffectClrLst/>
+  </dgm:styleLbl>
+  <dgm:styleLbl name="parChTrans1D2">
+    <dgm:fillClrLst meth="repeat">
+      <a:schemeClr val="accent3">
+        <a:tint val="90000"/>
+      </a:schemeClr>
+    </dgm:fillClrLst>
+    <dgm:linClrLst meth="repeat">
+      <a:schemeClr val="accent2"/>
+    </dgm:linClrLst>
+    <dgm:effectClrLst/>
+    <dgm:txLinClrLst/>
+    <dgm:txFillClrLst meth="repeat">
+      <a:schemeClr val="tx1"/>
+    </dgm:txFillClrLst>
+    <dgm:txEffectClrLst/>
+  </dgm:styleLbl>
+  <dgm:styleLbl name="parChTrans1D3">
+    <dgm:fillClrLst meth="repeat">
+      <a:schemeClr val="accent4">
+        <a:tint val="70000"/>
+      </a:schemeClr>
+    </dgm:fillClrLst>
+    <dgm:linClrLst meth="repeat">
+      <a:schemeClr val="accent3"/>
+    </dgm:linClrLst>
+    <dgm:effectClrLst/>
+    <dgm:txLinClrLst/>
+    <dgm:txFillClrLst meth="repeat">
+      <a:schemeClr val="tx1"/>
+    </dgm:txFillClrLst>
+    <dgm:txEffectClrLst/>
+  </dgm:styleLbl>
+  <dgm:styleLbl name="parChTrans1D4">
+    <dgm:fillClrLst meth="repeat">
+      <a:schemeClr val="accent5">
+        <a:tint val="50000"/>
+      </a:schemeClr>
+    </dgm:fillClrLst>
+    <dgm:linClrLst meth="repeat">
+      <a:schemeClr val="accent4"/>
+    </dgm:linClrLst>
+    <dgm:effectClrLst/>
+    <dgm:txLinClrLst/>
+    <dgm:txFillClrLst meth="repeat">
+      <a:schemeClr val="tx1"/>
+    </dgm:txFillClrLst>
+    <dgm:txEffectClrLst/>
+  </dgm:styleLbl>
+  <dgm:styleLbl name="fgAcc1">
+    <dgm:fillClrLst meth="repeat">
+      <a:schemeClr val="lt1">
+        <a:alpha val="90000"/>
+      </a:schemeClr>
+    </dgm:fillClrLst>
+    <dgm:linClrLst meth="repeat">
+      <a:schemeClr val="accent2"/>
+      <a:schemeClr val="accent3"/>
+      <a:schemeClr val="accent4"/>
+      <a:schemeClr val="accent5"/>
+      <a:schemeClr val="accent6"/>
+    </dgm:linClrLst>
+    <dgm:effectClrLst/>
+    <dgm:txLinClrLst/>
+    <dgm:txFillClrLst meth="repeat">
+      <a:schemeClr val="dk1"/>
+    </dgm:txFillClrLst>
+    <dgm:txEffectClrLst/>
+  </dgm:styleLbl>
+  <dgm:styleLbl name="conFgAcc1">
+    <dgm:fillClrLst meth="repeat">
+      <a:schemeClr val="lt1">
+        <a:alpha val="90000"/>
+      </a:schemeClr>
+    </dgm:fillClrLst>
+    <dgm:linClrLst meth="repeat">
+      <a:schemeClr val="accent2"/>
+      <a:schemeClr val="accent3"/>
+      <a:schemeClr val="accent4"/>
+      <a:schemeClr val="accent5"/>
+      <a:schemeClr val="accent6"/>
+    </dgm:linClrLst>
+    <dgm:effectClrLst/>
+    <dgm:txLinClrLst/>
+    <dgm:txFillClrLst meth="repeat">
+      <a:schemeClr val="dk1"/>
+    </dgm:txFillClrLst>
+    <dgm:txEffectClrLst/>
+  </dgm:styleLbl>
+  <dgm:styleLbl name="alignAcc1">
+    <dgm:fillClrLst meth="repeat">
+      <a:schemeClr val="lt1">
+        <a:alpha val="90000"/>
+      </a:schemeClr>
+    </dgm:fillClrLst>
+    <dgm:linClrLst meth="repeat">
+      <a:schemeClr val="accent2"/>
+      <a:schemeClr val="accent3"/>
+      <a:schemeClr val="accent4"/>
+      <a:schemeClr val="accent5"/>
+      <a:schemeClr val="accent6"/>
+    </dgm:linClrLst>
+    <dgm:effectClrLst/>
+    <dgm:txLinClrLst/>
+    <dgm:txFillClrLst meth="repeat">
+      <a:schemeClr val="dk1"/>
+    </dgm:txFillClrLst>
+    <dgm:txEffectClrLst/>
+  </dgm:styleLbl>
+  <dgm:styleLbl name="trAlignAcc1">
+    <dgm:fillClrLst meth="repeat">
+      <a:schemeClr val="lt1">
+        <a:alpha val="40000"/>
+      </a:schemeClr>
+    </dgm:fillClrLst>
+    <dgm:linClrLst meth="repeat">
+      <a:schemeClr val="accent1"/>
+    </dgm:linClrLst>
+    <dgm:effectClrLst/>
+    <dgm:txLinClrLst/>
+    <dgm:txFillClrLst meth="repeat">
+      <a:schemeClr val="dk1"/>
+    </dgm:txFillClrLst>
+    <dgm:txEffectClrLst/>
+  </dgm:styleLbl>
+  <dgm:styleLbl name="bgAcc1">
+    <dgm:fillClrLst meth="repeat">
+      <a:schemeClr val="lt1">
+        <a:alpha val="90000"/>
+      </a:schemeClr>
+    </dgm:fillClrLst>
+    <dgm:linClrLst meth="repeat">
+      <a:schemeClr val="accent2"/>
+      <a:schemeClr val="accent3"/>
+      <a:schemeClr val="accent4"/>
+      <a:schemeClr val="accent5"/>
+      <a:schemeClr val="accent6"/>
+    </dgm:linClrLst>
+    <dgm:effectClrLst/>
+    <dgm:txLinClrLst/>
+    <dgm:txFillClrLst meth="repeat">
+      <a:schemeClr val="dk1"/>
+    </dgm:txFillClrLst>
+    <dgm:txEffectClrLst/>
+  </dgm:styleLbl>
+  <dgm:styleLbl name="solidFgAcc1">
+    <dgm:fillClrLst meth="repeat">
+      <a:schemeClr val="lt1"/>
+    </dgm:fillClrLst>
+    <dgm:linClrLst meth="repeat">
+      <a:schemeClr val="accent2"/>
+      <a:schemeClr val="accent3"/>
+      <a:schemeClr val="accent4"/>
+      <a:schemeClr val="accent5"/>
+      <a:schemeClr val="accent6"/>
+    </dgm:linClrLst>
+    <dgm:effectClrLst/>
+    <dgm:txLinClrLst/>
+    <dgm:txFillClrLst meth="repeat">
+      <a:schemeClr val="dk1"/>
+    </dgm:txFillClrLst>
+    <dgm:txEffectClrLst/>
+  </dgm:styleLbl>
+  <dgm:styleLbl name="solidAlignAcc1">
+    <dgm:fillClrLst meth="repeat">
+      <a:schemeClr val="lt1"/>
+    </dgm:fillClrLst>
+    <dgm:linClrLst meth="repeat">
+      <a:schemeClr val="accent2"/>
+      <a:schemeClr val="accent3"/>
+      <a:schemeClr val="accent4"/>
+      <a:schemeClr val="accent5"/>
+      <a:schemeClr val="accent6"/>
+    </dgm:linClrLst>
+    <dgm:effectClrLst/>
+    <dgm:txLinClrLst/>
+    <dgm:txFillClrLst meth="repeat">
+      <a:schemeClr val="dk1"/>
+    </dgm:txFillClrLst>
+    <dgm:txEffectClrLst/>
+  </dgm:styleLbl>
+  <dgm:styleLbl name="solidBgAcc1">
+    <dgm:fillClrLst meth="repeat">
+      <a:schemeClr val="lt1"/>
+    </dgm:fillClrLst>
+    <dgm:linClrLst meth="repeat">
+      <a:schemeClr val="accent2"/>
+      <a:schemeClr val="accent3"/>
+      <a:schemeClr val="accent4"/>
+      <a:schemeClr val="accent5"/>
+      <a:schemeClr val="accent6"/>
+    </dgm:linClrLst>
+    <dgm:effectClrLst/>
+    <dgm:txLinClrLst/>
+    <dgm:txFillClrLst meth="repeat">
+      <a:schemeClr val="dk1"/>
+    </dgm:txFillClrLst>
+    <dgm:txEffectClrLst/>
+  </dgm:styleLbl>
+  <dgm:styleLbl name="fgAccFollowNode1">
+    <dgm:fillClrLst meth="repeat">
+      <a:schemeClr val="accent2">
+        <a:tint val="40000"/>
+        <a:alpha val="90000"/>
+      </a:schemeClr>
+      <a:schemeClr val="accent3">
+        <a:tint val="40000"/>
+        <a:alpha val="90000"/>
+      </a:schemeClr>
+      <a:schemeClr val="accent4">
+        <a:tint val="40000"/>
+        <a:alpha val="90000"/>
+      </a:schemeClr>
+      <a:schemeClr val="accent5">
+        <a:tint val="40000"/>
+        <a:alpha val="90000"/>
+      </a:schemeClr>
+      <a:schemeClr val="accent6">
+        <a:tint val="40000"/>
+        <a:alpha val="90000"/>
+      </a:schemeClr>
+    </dgm:fillClrLst>
+    <dgm:linClrLst meth="repeat">
+      <a:schemeClr val="accent2">
+        <a:tint val="40000"/>
+        <a:alpha val="90000"/>
+      </a:schemeClr>
+      <a:schemeClr val="accent3">
+        <a:tint val="40000"/>
+        <a:alpha val="90000"/>
+      </a:schemeClr>
+      <a:schemeClr val="accent4">
+        <a:tint val="40000"/>
+        <a:alpha val="90000"/>
+      </a:schemeClr>
+      <a:schemeClr val="accent5">
+        <a:tint val="40000"/>
+        <a:alpha val="90000"/>
+      </a:schemeClr>
+      <a:schemeClr val="accent6">
+        <a:tint val="40000"/>
+        <a:alpha val="90000"/>
+      </a:schemeClr>
+    </dgm:linClrLst>
+    <dgm:effectClrLst/>
+    <dgm:txLinClrLst/>
+    <dgm:txFillClrLst meth="repeat">
+      <a:schemeClr val="dk1"/>
+    </dgm:txFillClrLst>
+    <dgm:txEffectClrLst/>
+  </dgm:styleLbl>
+  <dgm:styleLbl name="alignAccFollowNode1">
+    <dgm:fillClrLst meth="repeat">
+      <a:schemeClr val="accent2">
+        <a:tint val="40000"/>
+        <a:alpha val="90000"/>
+      </a:schemeClr>
+      <a:schemeClr val="accent3">
+        <a:tint val="40000"/>
+        <a:alpha val="90000"/>
+      </a:schemeClr>
+      <a:schemeClr val="accent4">
+        <a:tint val="40000"/>
+        <a:alpha val="90000"/>
+      </a:schemeClr>
+      <a:schemeClr val="accent5">
+        <a:tint val="40000"/>
+        <a:alpha val="90000"/>
+      </a:schemeClr>
+      <a:schemeClr val="accent6">
+        <a:tint val="40000"/>
+        <a:alpha val="90000"/>
+      </a:schemeClr>
+    </dgm:fillClrLst>
+    <dgm:linClrLst meth="repeat">
+      <a:schemeClr val="accent2">
+        <a:tint val="40000"/>
+        <a:alpha val="90000"/>
+      </a:schemeClr>
+      <a:schemeClr val="accent3">
+        <a:tint val="40000"/>
+        <a:alpha val="90000"/>
+      </a:schemeClr>
+      <a:schemeClr val="accent4">
+        <a:tint val="40000"/>
+        <a:alpha val="90000"/>
+      </a:schemeClr>
+      <a:schemeClr val="accent5">
+        <a:tint val="40000"/>
+        <a:alpha val="90000"/>
+      </a:schemeClr>
+      <a:schemeClr val="accent6">
+        <a:tint val="40000"/>
+        <a:alpha val="90000"/>
+      </a:schemeClr>
+    </dgm:linClrLst>
+    <dgm:effectClrLst/>
+    <dgm:txLinClrLst/>
+    <dgm:txFillClrLst meth="repeat">
+      <a:schemeClr val="dk1"/>
+    </dgm:txFillClrLst>
+    <dgm:txEffectClrLst/>
+  </dgm:styleLbl>
+  <dgm:styleLbl name="bgAccFollowNode1">
+    <dgm:fillClrLst meth="repeat">
+      <a:schemeClr val="accent2">
+        <a:tint val="40000"/>
+        <a:alpha val="90000"/>
+      </a:schemeClr>
+      <a:schemeClr val="accent3">
+        <a:tint val="40000"/>
+        <a:alpha val="90000"/>
+      </a:schemeClr>
+      <a:schemeClr val="accent4">
+        <a:tint val="40000"/>
+        <a:alpha val="90000"/>
+      </a:schemeClr>
+      <a:schemeClr val="accent5">
+        <a:tint val="40000"/>
+        <a:alpha val="90000"/>
+      </a:schemeClr>
+      <a:schemeClr val="accent6">
+        <a:tint val="40000"/>
+        <a:alpha val="90000"/>
+      </a:schemeClr>
+    </dgm:fillClrLst>
+    <dgm:linClrLst meth="repeat">
+      <a:schemeClr val="accent2">
+        <a:tint val="40000"/>
+        <a:alpha val="90000"/>
+      </a:schemeClr>
+      <a:schemeClr val="accent3">
+        <a:tint val="40000"/>
+        <a:alpha val="90000"/>
+      </a:schemeClr>
+      <a:schemeClr val="accent4">
+        <a:tint val="40000"/>
+        <a:alpha val="90000"/>
+      </a:schemeClr>
+      <a:schemeClr val="accent5">
+        <a:tint val="40000"/>
+        <a:alpha val="90000"/>
+      </a:schemeClr>
+      <a:schemeClr val="accent6">
+        <a:tint val="40000"/>
+        <a:alpha val="90000"/>
+      </a:schemeClr>
+    </dgm:linClrLst>
+    <dgm:effectClrLst/>
+    <dgm:txLinClrLst/>
+    <dgm:txFillClrLst meth="repeat">
+      <a:schemeClr val="dk1"/>
+    </dgm:txFillClrLst>
+    <dgm:txEffectClrLst/>
+  </dgm:styleLbl>
+  <dgm:styleLbl name="fgAcc0">
+    <dgm:fillClrLst meth="repeat">
+      <a:schemeClr val="lt1">
+        <a:alpha val="90000"/>
+      </a:schemeClr>
+    </dgm:fillClrLst>
+    <dgm:linClrLst>
+      <a:schemeClr val="accent1"/>
+    </dgm:linClrLst>
+    <dgm:effectClrLst/>
+    <dgm:txLinClrLst/>
+    <dgm:txFillClrLst meth="repeat">
+      <a:schemeClr val="dk1"/>
+    </dgm:txFillClrLst>
+    <dgm:txEffectClrLst/>
+  </dgm:styleLbl>
+  <dgm:styleLbl name="fgAcc2">
+    <dgm:fillClrLst meth="repeat">
+      <a:schemeClr val="lt1">
+        <a:alpha val="90000"/>
+      </a:schemeClr>
+    </dgm:fillClrLst>
+    <dgm:linClrLst>
+      <a:schemeClr val="accent2"/>
+    </dgm:linClrLst>
+    <dgm:effectClrLst/>
+    <dgm:txLinClrLst/>
+    <dgm:txFillClrLst meth="repeat">
+      <a:schemeClr val="dk1"/>
+    </dgm:txFillClrLst>
+    <dgm:txEffectClrLst/>
+  </dgm:styleLbl>
+  <dgm:styleLbl name="fgAcc3">
+    <dgm:fillClrLst meth="repeat">
+      <a:schemeClr val="lt1">
+        <a:alpha val="90000"/>
+      </a:schemeClr>
+    </dgm:fillClrLst>
+    <dgm:linClrLst>
+      <a:schemeClr val="accent3"/>
+    </dgm:linClrLst>
+    <dgm:effectClrLst/>
+    <dgm:txLinClrLst/>
+    <dgm:txFillClrLst meth="repeat">
+      <a:schemeClr val="dk1"/>
+    </dgm:txFillClrLst>
+    <dgm:txEffectClrLst/>
+  </dgm:styleLbl>
+  <dgm:styleLbl name="fgAcc4">
+    <dgm:fillClrLst meth="repeat">
+      <a:schemeClr val="lt1">
+        <a:alpha val="90000"/>
+      </a:schemeClr>
+    </dgm:fillClrLst>
+    <dgm:linClrLst>
+      <a:schemeClr val="accent4"/>
+    </dgm:linClrLst>
+    <dgm:effectClrLst/>
+    <dgm:txLinClrLst/>
+    <dgm:txFillClrLst meth="repeat">
+      <a:schemeClr val="dk1"/>
+    </dgm:txFillClrLst>
+    <dgm:txEffectClrLst/>
+  </dgm:styleLbl>
+  <dgm:styleLbl name="bgShp">
+    <dgm:fillClrLst meth="repeat">
+      <a:schemeClr val="accent2">
+        <a:tint val="40000"/>
+      </a:schemeClr>
+    </dgm:fillClrLst>
+    <dgm:linClrLst meth="repeat">
+      <a:schemeClr val="dk1"/>
+    </dgm:linClrLst>
+    <dgm:effectClrLst/>
+    <dgm:txLinClrLst/>
+    <dgm:txFillClrLst meth="repeat">
+      <a:schemeClr val="dk1"/>
+    </dgm:txFillClrLst>
+    <dgm:txEffectClrLst/>
+  </dgm:styleLbl>
+  <dgm:styleLbl name="dkBgShp">
+    <dgm:fillClrLst meth="repeat">
+      <a:schemeClr val="accent2">
+        <a:shade val="90000"/>
+      </a:schemeClr>
+    </dgm:fillClrLst>
+    <dgm:linClrLst meth="repeat">
+      <a:schemeClr val="dk1"/>
+    </dgm:linClrLst>
+    <dgm:effectClrLst/>
+    <dgm:txLinClrLst/>
+    <dgm:txFillClrLst meth="repeat">
+      <a:schemeClr val="lt1"/>
+    </dgm:txFillClrLst>
+    <dgm:txEffectClrLst/>
+  </dgm:styleLbl>
+  <dgm:styleLbl name="trBgShp">
+    <dgm:fillClrLst meth="repeat">
+      <a:schemeClr val="accent1">
+        <a:tint val="50000"/>
+        <a:alpha val="40000"/>
+      </a:schemeClr>
+    </dgm:fillClrLst>
+    <dgm:linClrLst meth="repeat">
+      <a:schemeClr val="accent2"/>
+    </dgm:linClrLst>
+    <dgm:effectClrLst/>
+    <dgm:txLinClrLst/>
+    <dgm:txFillClrLst meth="repeat">
+      <a:schemeClr val="lt1"/>
+    </dgm:txFillClrLst>
+    <dgm:txEffectClrLst/>
+  </dgm:styleLbl>
+  <dgm:styleLbl name="fgShp">
+    <dgm:fillClrLst meth="repeat">
+      <a:schemeClr val="accent2">
+        <a:tint val="40000"/>
+      </a:schemeClr>
+    </dgm:fillClrLst>
+    <dgm:linClrLst meth="repeat">
+      <a:schemeClr val="lt1"/>
+    </dgm:linClrLst>
+    <dgm:effectClrLst/>
+    <dgm:txLinClrLst/>
+    <dgm:txFillClrLst meth="repeat">
+      <a:schemeClr val="dk1"/>
+    </dgm:txFillClrLst>
+    <dgm:txEffectClrLst/>
+  </dgm:styleLbl>
+  <dgm:styleLbl name="revTx">
+    <dgm:fillClrLst meth="repeat">
+      <a:schemeClr val="lt1">
+        <a:alpha val="0"/>
+      </a:schemeClr>
+    </dgm:fillClrLst>
+    <dgm:linClrLst meth="repeat">
+      <a:schemeClr val="dk1">
+        <a:alpha val="0"/>
+      </a:schemeClr>
+    </dgm:linClrLst>
+    <dgm:effectClrLst/>
+    <dgm:txLinClrLst/>
+    <dgm:txFillClrLst meth="repeat">
+      <a:schemeClr val="tx1"/>
+    </dgm:txFillClrLst>
+    <dgm:txEffectClrLst/>
+  </dgm:styleLbl>
+</dgm:colorsDef>
+</file>
+
+<file path=ppt/diagrams/colors8.xml><?xml version="1.0" encoding="utf-8"?>
 <dgm:colorsDef xmlns:dgm="http://schemas.openxmlformats.org/drawingml/2006/diagram" xmlns:a="http://schemas.openxmlformats.org/drawingml/2006/main" uniqueId="urn:microsoft.com/office/officeart/2005/8/colors/accent1_5">
   <dgm:title val=""/>
   <dgm:desc val=""/>
@@ -5090,7 +6930,7 @@
 </dgm:colorsDef>
 </file>
 
-<file path=ppt/diagrams/colors7.xml><?xml version="1.0" encoding="utf-8"?>
+<file path=ppt/diagrams/colors9.xml><?xml version="1.0" encoding="utf-8"?>
 <dgm:colorsDef xmlns:dgm="http://schemas.openxmlformats.org/drawingml/2006/diagram" xmlns:a="http://schemas.openxmlformats.org/drawingml/2006/main" uniqueId="urn:microsoft.com/office/officeart/2005/8/colors/colorful1">
   <dgm:title val=""/>
   <dgm:desc val=""/>
@@ -8102,6 +9942,926 @@
 <file path=ppt/diagrams/data6.xml><?xml version="1.0" encoding="utf-8"?>
 <dgm:dataModel xmlns:dgm="http://schemas.openxmlformats.org/drawingml/2006/diagram" xmlns:a="http://schemas.openxmlformats.org/drawingml/2006/main">
   <dgm:ptLst>
+    <dgm:pt modelId="{48ED9218-D9F0-40B9-BB7B-6165BA4C945C}" type="doc">
+      <dgm:prSet loTypeId="urn:microsoft.com/office/officeart/2005/8/layout/StepDownProcess" loCatId="process" qsTypeId="urn:microsoft.com/office/officeart/2005/8/quickstyle/simple1" qsCatId="simple" csTypeId="urn:microsoft.com/office/officeart/2005/8/colors/colorful1" csCatId="colorful" phldr="1"/>
+      <dgm:spPr/>
+      <dgm:t>
+        <a:bodyPr/>
+        <a:lstStyle/>
+        <a:p>
+          <a:endParaRPr lang="en-US"/>
+        </a:p>
+      </dgm:t>
+    </dgm:pt>
+    <dgm:pt modelId="{15A8DAF9-B112-4FFE-B542-6F1FC7A2B2AD}">
+      <dgm:prSet phldrT="[Text]"/>
+      <dgm:spPr/>
+      <dgm:t>
+        <a:bodyPr/>
+        <a:lstStyle/>
+        <a:p>
+          <a:r>
+            <a:rPr lang="en-US" dirty="0"/>
+            <a:t>UI-Modal</a:t>
+          </a:r>
+        </a:p>
+      </dgm:t>
+    </dgm:pt>
+    <dgm:pt modelId="{636543E9-4E6A-4F87-9F03-4A28AF59A2F9}" type="parTrans" cxnId="{A53B117C-080A-4BCE-B3F4-8678F251DF1F}">
+      <dgm:prSet/>
+      <dgm:spPr/>
+      <dgm:t>
+        <a:bodyPr/>
+        <a:lstStyle/>
+        <a:p>
+          <a:endParaRPr lang="en-US"/>
+        </a:p>
+      </dgm:t>
+    </dgm:pt>
+    <dgm:pt modelId="{359EFE5D-6E23-41E1-95CB-9F14B216B380}" type="sibTrans" cxnId="{A53B117C-080A-4BCE-B3F4-8678F251DF1F}">
+      <dgm:prSet/>
+      <dgm:spPr/>
+      <dgm:t>
+        <a:bodyPr/>
+        <a:lstStyle/>
+        <a:p>
+          <a:endParaRPr lang="en-US"/>
+        </a:p>
+      </dgm:t>
+    </dgm:pt>
+    <dgm:pt modelId="{44C5CD4F-38B1-4ABE-9FB4-E375B0D2D7BA}">
+      <dgm:prSet phldrT="[Text]" custT="1"/>
+      <dgm:spPr/>
+      <dgm:t>
+        <a:bodyPr/>
+        <a:lstStyle/>
+        <a:p>
+          <a:r>
+            <a:rPr lang="en-US" sz="1600" dirty="0" err="1"/>
+            <a:t>ParticipantService</a:t>
+          </a:r>
+          <a:endParaRPr lang="en-US" sz="1600" dirty="0"/>
+        </a:p>
+      </dgm:t>
+    </dgm:pt>
+    <dgm:pt modelId="{EC5BF510-63E9-41D3-9DD0-89906D7B0534}" type="parTrans" cxnId="{BA645E57-FB4B-45AB-B63E-2134AE73AEE1}">
+      <dgm:prSet/>
+      <dgm:spPr/>
+      <dgm:t>
+        <a:bodyPr/>
+        <a:lstStyle/>
+        <a:p>
+          <a:endParaRPr lang="en-US"/>
+        </a:p>
+      </dgm:t>
+    </dgm:pt>
+    <dgm:pt modelId="{A5BF6842-A089-4EFF-A5AD-C3D7AB07682C}" type="sibTrans" cxnId="{BA645E57-FB4B-45AB-B63E-2134AE73AEE1}">
+      <dgm:prSet/>
+      <dgm:spPr/>
+      <dgm:t>
+        <a:bodyPr/>
+        <a:lstStyle/>
+        <a:p>
+          <a:endParaRPr lang="en-US"/>
+        </a:p>
+      </dgm:t>
+    </dgm:pt>
+    <dgm:pt modelId="{ABCCDFF3-AFAC-48A4-8FCB-5EB1CB5007D3}">
+      <dgm:prSet phldrT="[Text]"/>
+      <dgm:spPr/>
+      <dgm:t>
+        <a:bodyPr/>
+        <a:lstStyle/>
+        <a:p>
+          <a:r>
+            <a:rPr lang="en-US" dirty="0" err="1"/>
+            <a:t>ParticipantService</a:t>
+          </a:r>
+          <a:endParaRPr lang="en-US" dirty="0"/>
+        </a:p>
+      </dgm:t>
+    </dgm:pt>
+    <dgm:pt modelId="{034C365D-B1B2-43D6-B7DF-34C7AA1D5B20}" type="parTrans" cxnId="{F3846E9B-D12F-4845-A4FF-C773F302EC76}">
+      <dgm:prSet/>
+      <dgm:spPr/>
+      <dgm:t>
+        <a:bodyPr/>
+        <a:lstStyle/>
+        <a:p>
+          <a:endParaRPr lang="en-US"/>
+        </a:p>
+      </dgm:t>
+    </dgm:pt>
+    <dgm:pt modelId="{334CC1EF-9D2A-4E0F-9FAF-E0B15450FB47}" type="sibTrans" cxnId="{F3846E9B-D12F-4845-A4FF-C773F302EC76}">
+      <dgm:prSet/>
+      <dgm:spPr/>
+      <dgm:t>
+        <a:bodyPr/>
+        <a:lstStyle/>
+        <a:p>
+          <a:endParaRPr lang="en-US"/>
+        </a:p>
+      </dgm:t>
+    </dgm:pt>
+    <dgm:pt modelId="{0E96758E-D482-4586-BF66-A7D0B3710DAC}">
+      <dgm:prSet phldrT="[Text]" custT="1"/>
+      <dgm:spPr/>
+      <dgm:t>
+        <a:bodyPr/>
+        <a:lstStyle/>
+        <a:p>
+          <a:r>
+            <a:rPr lang="en-US" sz="1600" dirty="0" err="1"/>
+            <a:t>ParticipantDAL</a:t>
+          </a:r>
+          <a:endParaRPr lang="en-US" sz="1600" dirty="0"/>
+        </a:p>
+      </dgm:t>
+    </dgm:pt>
+    <dgm:pt modelId="{0A0DFF73-1833-4A24-B92E-AD24F36CCF5B}" type="parTrans" cxnId="{6D099B38-E05C-4E9F-971B-71E05C819B90}">
+      <dgm:prSet/>
+      <dgm:spPr/>
+      <dgm:t>
+        <a:bodyPr/>
+        <a:lstStyle/>
+        <a:p>
+          <a:endParaRPr lang="en-US"/>
+        </a:p>
+      </dgm:t>
+    </dgm:pt>
+    <dgm:pt modelId="{698AFD27-2188-4C4D-9D15-10B0E56E7FAA}" type="sibTrans" cxnId="{6D099B38-E05C-4E9F-971B-71E05C819B90}">
+      <dgm:prSet/>
+      <dgm:spPr/>
+      <dgm:t>
+        <a:bodyPr/>
+        <a:lstStyle/>
+        <a:p>
+          <a:endParaRPr lang="en-US"/>
+        </a:p>
+      </dgm:t>
+    </dgm:pt>
+    <dgm:pt modelId="{658CF994-C8A7-4DAB-AF95-27C7AA054CC7}">
+      <dgm:prSet phldrT="[Text]"/>
+      <dgm:spPr/>
+      <dgm:t>
+        <a:bodyPr/>
+        <a:lstStyle/>
+        <a:p>
+          <a:r>
+            <a:rPr lang="en-US" dirty="0" err="1"/>
+            <a:t>ParticipantDAL</a:t>
+          </a:r>
+          <a:endParaRPr lang="en-US" dirty="0"/>
+        </a:p>
+      </dgm:t>
+    </dgm:pt>
+    <dgm:pt modelId="{328AC8D8-0964-4927-9F12-3FF00129D4E1}" type="parTrans" cxnId="{F14F0B0F-1126-4139-8B90-0DD13651AE92}">
+      <dgm:prSet/>
+      <dgm:spPr/>
+      <dgm:t>
+        <a:bodyPr/>
+        <a:lstStyle/>
+        <a:p>
+          <a:endParaRPr lang="en-US"/>
+        </a:p>
+      </dgm:t>
+    </dgm:pt>
+    <dgm:pt modelId="{359200C2-80AD-4A91-A3EC-43F6526B5001}" type="sibTrans" cxnId="{F14F0B0F-1126-4139-8B90-0DD13651AE92}">
+      <dgm:prSet/>
+      <dgm:spPr/>
+      <dgm:t>
+        <a:bodyPr/>
+        <a:lstStyle/>
+        <a:p>
+          <a:endParaRPr lang="en-US"/>
+        </a:p>
+      </dgm:t>
+    </dgm:pt>
+    <dgm:pt modelId="{439FDBA2-7B56-4297-9C71-F4785B94728D}">
+      <dgm:prSet phldrT="[Text]"/>
+      <dgm:spPr/>
+      <dgm:t>
+        <a:bodyPr/>
+        <a:lstStyle/>
+        <a:p>
+          <a:r>
+            <a:rPr lang="en-US" dirty="0"/>
+            <a:t>Database</a:t>
+          </a:r>
+        </a:p>
+      </dgm:t>
+    </dgm:pt>
+    <dgm:pt modelId="{DADE535C-345E-4068-887F-6E44D32A3688}" type="parTrans" cxnId="{E5617D5B-E3F0-40ED-B9A9-A4F6B19EEBA2}">
+      <dgm:prSet/>
+      <dgm:spPr/>
+      <dgm:t>
+        <a:bodyPr/>
+        <a:lstStyle/>
+        <a:p>
+          <a:endParaRPr lang="en-US"/>
+        </a:p>
+      </dgm:t>
+    </dgm:pt>
+    <dgm:pt modelId="{BF1ACE0C-10E9-48F3-826C-59D8F00FB42A}" type="sibTrans" cxnId="{E5617D5B-E3F0-40ED-B9A9-A4F6B19EEBA2}">
+      <dgm:prSet/>
+      <dgm:spPr/>
+      <dgm:t>
+        <a:bodyPr/>
+        <a:lstStyle/>
+        <a:p>
+          <a:endParaRPr lang="en-US"/>
+        </a:p>
+      </dgm:t>
+    </dgm:pt>
+    <dgm:pt modelId="{78CC5DE6-AF0F-4432-B9C6-D5C1893AC82E}">
+      <dgm:prSet phldrT="[Text]" custT="1"/>
+      <dgm:spPr/>
+      <dgm:t>
+        <a:bodyPr/>
+        <a:lstStyle/>
+        <a:p>
+          <a:r>
+            <a:rPr lang="en-US" sz="1600" dirty="0" err="1"/>
+            <a:t>listParticipant</a:t>
+          </a:r>
+          <a:r>
+            <a:rPr lang="en-US" sz="1600" dirty="0"/>
+            <a:t>()</a:t>
+          </a:r>
+        </a:p>
+      </dgm:t>
+    </dgm:pt>
+    <dgm:pt modelId="{95E98DC0-46EF-40ED-8A2D-FF30BD7A98CD}" type="parTrans" cxnId="{6147EA2C-7444-43BE-80A6-B61B0FD7B534}">
+      <dgm:prSet/>
+      <dgm:spPr/>
+      <dgm:t>
+        <a:bodyPr/>
+        <a:lstStyle/>
+        <a:p>
+          <a:endParaRPr lang="en-US"/>
+        </a:p>
+      </dgm:t>
+    </dgm:pt>
+    <dgm:pt modelId="{BD498A56-9C50-4715-858D-DFC7FBE8D3C4}" type="sibTrans" cxnId="{6147EA2C-7444-43BE-80A6-B61B0FD7B534}">
+      <dgm:prSet/>
+      <dgm:spPr/>
+      <dgm:t>
+        <a:bodyPr/>
+        <a:lstStyle/>
+        <a:p>
+          <a:endParaRPr lang="en-US"/>
+        </a:p>
+      </dgm:t>
+    </dgm:pt>
+    <dgm:pt modelId="{EAF07FD8-BAB8-4B04-B84E-2B422535D611}">
+      <dgm:prSet phldrT="[Text]" custT="1"/>
+      <dgm:spPr/>
+      <dgm:t>
+        <a:bodyPr/>
+        <a:lstStyle/>
+        <a:p>
+          <a:r>
+            <a:rPr lang="en-US" sz="1600" dirty="0"/>
+            <a:t> </a:t>
+          </a:r>
+          <a:r>
+            <a:rPr lang="en-US" sz="1600" dirty="0" err="1"/>
+            <a:t>listParticipants</a:t>
+          </a:r>
+          <a:r>
+            <a:rPr lang="en-US" sz="1600" dirty="0"/>
+            <a:t>()</a:t>
+          </a:r>
+        </a:p>
+      </dgm:t>
+    </dgm:pt>
+    <dgm:pt modelId="{B69F5C29-0BD6-470D-8149-E4C9F7F1E8C0}" type="parTrans" cxnId="{D3B81B05-463C-4E2E-B966-AD4CCB6B1CB9}">
+      <dgm:prSet/>
+      <dgm:spPr/>
+      <dgm:t>
+        <a:bodyPr/>
+        <a:lstStyle/>
+        <a:p>
+          <a:endParaRPr lang="en-US"/>
+        </a:p>
+      </dgm:t>
+    </dgm:pt>
+    <dgm:pt modelId="{3838F162-99CC-4FEC-944D-FAF964967C1E}" type="sibTrans" cxnId="{D3B81B05-463C-4E2E-B966-AD4CCB6B1CB9}">
+      <dgm:prSet/>
+      <dgm:spPr/>
+      <dgm:t>
+        <a:bodyPr/>
+        <a:lstStyle/>
+        <a:p>
+          <a:endParaRPr lang="en-US"/>
+        </a:p>
+      </dgm:t>
+    </dgm:pt>
+    <dgm:pt modelId="{E115E8F5-8D9D-4C4C-800B-E947321BB37A}" type="pres">
+      <dgm:prSet presAssocID="{48ED9218-D9F0-40B9-BB7B-6165BA4C945C}" presName="rootnode" presStyleCnt="0">
+        <dgm:presLayoutVars>
+          <dgm:chMax/>
+          <dgm:chPref/>
+          <dgm:dir/>
+          <dgm:animLvl val="lvl"/>
+        </dgm:presLayoutVars>
+      </dgm:prSet>
+      <dgm:spPr/>
+    </dgm:pt>
+    <dgm:pt modelId="{8FA832B4-9340-4AA1-8B69-F8BE19875B96}" type="pres">
+      <dgm:prSet presAssocID="{15A8DAF9-B112-4FFE-B542-6F1FC7A2B2AD}" presName="composite" presStyleCnt="0"/>
+      <dgm:spPr/>
+    </dgm:pt>
+    <dgm:pt modelId="{AC005A3D-92E0-4EEA-97B4-9DFE9CD8B925}" type="pres">
+      <dgm:prSet presAssocID="{15A8DAF9-B112-4FFE-B542-6F1FC7A2B2AD}" presName="bentUpArrow1" presStyleLbl="alignImgPlace1" presStyleIdx="0" presStyleCnt="2"/>
+      <dgm:spPr/>
+    </dgm:pt>
+    <dgm:pt modelId="{2C1AF177-BBE8-426D-ADEF-7C84A77BD87F}" type="pres">
+      <dgm:prSet presAssocID="{15A8DAF9-B112-4FFE-B542-6F1FC7A2B2AD}" presName="ParentText" presStyleLbl="node1" presStyleIdx="0" presStyleCnt="3">
+        <dgm:presLayoutVars>
+          <dgm:chMax val="1"/>
+          <dgm:chPref val="1"/>
+          <dgm:bulletEnabled val="1"/>
+        </dgm:presLayoutVars>
+      </dgm:prSet>
+      <dgm:spPr/>
+    </dgm:pt>
+    <dgm:pt modelId="{857782CE-9EF5-482D-A255-FA6435D36FD4}" type="pres">
+      <dgm:prSet presAssocID="{15A8DAF9-B112-4FFE-B542-6F1FC7A2B2AD}" presName="ChildText" presStyleLbl="revTx" presStyleIdx="0" presStyleCnt="3" custScaleX="198619" custLinFactNeighborX="57122" custLinFactNeighborY="-5147">
+        <dgm:presLayoutVars>
+          <dgm:chMax val="0"/>
+          <dgm:chPref val="0"/>
+          <dgm:bulletEnabled val="1"/>
+        </dgm:presLayoutVars>
+      </dgm:prSet>
+      <dgm:spPr/>
+    </dgm:pt>
+    <dgm:pt modelId="{472A62B7-FCA4-40EF-8242-42567F13DF36}" type="pres">
+      <dgm:prSet presAssocID="{359EFE5D-6E23-41E1-95CB-9F14B216B380}" presName="sibTrans" presStyleCnt="0"/>
+      <dgm:spPr/>
+    </dgm:pt>
+    <dgm:pt modelId="{21EDA5E4-C524-4939-8A18-7674C4390B82}" type="pres">
+      <dgm:prSet presAssocID="{ABCCDFF3-AFAC-48A4-8FCB-5EB1CB5007D3}" presName="composite" presStyleCnt="0"/>
+      <dgm:spPr/>
+    </dgm:pt>
+    <dgm:pt modelId="{21A1E052-E114-4EA0-B477-C4B9BC555325}" type="pres">
+      <dgm:prSet presAssocID="{ABCCDFF3-AFAC-48A4-8FCB-5EB1CB5007D3}" presName="bentUpArrow1" presStyleLbl="alignImgPlace1" presStyleIdx="1" presStyleCnt="2"/>
+      <dgm:spPr/>
+    </dgm:pt>
+    <dgm:pt modelId="{13590236-58B0-4B42-ACBA-1FD26B32FBB5}" type="pres">
+      <dgm:prSet presAssocID="{ABCCDFF3-AFAC-48A4-8FCB-5EB1CB5007D3}" presName="ParentText" presStyleLbl="node1" presStyleIdx="1" presStyleCnt="3">
+        <dgm:presLayoutVars>
+          <dgm:chMax val="1"/>
+          <dgm:chPref val="1"/>
+          <dgm:bulletEnabled val="1"/>
+        </dgm:presLayoutVars>
+      </dgm:prSet>
+      <dgm:spPr/>
+    </dgm:pt>
+    <dgm:pt modelId="{ADD4E4F7-3CBE-44AD-B10D-0399B1029DA3}" type="pres">
+      <dgm:prSet presAssocID="{ABCCDFF3-AFAC-48A4-8FCB-5EB1CB5007D3}" presName="ChildText" presStyleLbl="revTx" presStyleIdx="1" presStyleCnt="3" custScaleX="129958" custLinFactNeighborX="20176" custLinFactNeighborY="-2584">
+        <dgm:presLayoutVars>
+          <dgm:chMax val="0"/>
+          <dgm:chPref val="0"/>
+          <dgm:bulletEnabled val="1"/>
+        </dgm:presLayoutVars>
+      </dgm:prSet>
+      <dgm:spPr/>
+    </dgm:pt>
+    <dgm:pt modelId="{8E6802B5-8715-4F88-AD46-8D2D1C88CF47}" type="pres">
+      <dgm:prSet presAssocID="{334CC1EF-9D2A-4E0F-9FAF-E0B15450FB47}" presName="sibTrans" presStyleCnt="0"/>
+      <dgm:spPr/>
+    </dgm:pt>
+    <dgm:pt modelId="{BBCA9F2A-5043-4629-8CD8-3DEEB247AAFF}" type="pres">
+      <dgm:prSet presAssocID="{658CF994-C8A7-4DAB-AF95-27C7AA054CC7}" presName="composite" presStyleCnt="0"/>
+      <dgm:spPr/>
+    </dgm:pt>
+    <dgm:pt modelId="{2FFD8078-1D1E-4CD7-9E4C-F8734B094FCC}" type="pres">
+      <dgm:prSet presAssocID="{658CF994-C8A7-4DAB-AF95-27C7AA054CC7}" presName="ParentText" presStyleLbl="node1" presStyleIdx="2" presStyleCnt="3">
+        <dgm:presLayoutVars>
+          <dgm:chMax val="1"/>
+          <dgm:chPref val="1"/>
+          <dgm:bulletEnabled val="1"/>
+        </dgm:presLayoutVars>
+      </dgm:prSet>
+      <dgm:spPr/>
+    </dgm:pt>
+    <dgm:pt modelId="{98D06650-83AE-4CB7-AAB9-E6D83F1A3F8F}" type="pres">
+      <dgm:prSet presAssocID="{658CF994-C8A7-4DAB-AF95-27C7AA054CC7}" presName="FinalChildText" presStyleLbl="revTx" presStyleIdx="2" presStyleCnt="3">
+        <dgm:presLayoutVars>
+          <dgm:chMax val="0"/>
+          <dgm:chPref val="0"/>
+          <dgm:bulletEnabled val="1"/>
+        </dgm:presLayoutVars>
+      </dgm:prSet>
+      <dgm:spPr/>
+    </dgm:pt>
+  </dgm:ptLst>
+  <dgm:cxnLst>
+    <dgm:cxn modelId="{8E02B828-AEB0-4F7F-A2F6-5AC9CC37D87C}" type="presOf" srcId="{15A8DAF9-B112-4FFE-B542-6F1FC7A2B2AD}" destId="{2C1AF177-BBE8-426D-ADEF-7C84A77BD87F}" srcOrd="0" destOrd="0" presId="urn:microsoft.com/office/officeart/2005/8/layout/StepDownProcess"/>
+    <dgm:cxn modelId="{492DFC65-B50C-44AE-888E-A5D27FCC7C7D}" type="presOf" srcId="{48ED9218-D9F0-40B9-BB7B-6165BA4C945C}" destId="{E115E8F5-8D9D-4C4C-800B-E947321BB37A}" srcOrd="0" destOrd="0" presId="urn:microsoft.com/office/officeart/2005/8/layout/StepDownProcess"/>
+    <dgm:cxn modelId="{BA645E57-FB4B-45AB-B63E-2134AE73AEE1}" srcId="{15A8DAF9-B112-4FFE-B542-6F1FC7A2B2AD}" destId="{44C5CD4F-38B1-4ABE-9FB4-E375B0D2D7BA}" srcOrd="0" destOrd="0" parTransId="{EC5BF510-63E9-41D3-9DD0-89906D7B0534}" sibTransId="{A5BF6842-A089-4EFF-A5AD-C3D7AB07682C}"/>
+    <dgm:cxn modelId="{F14F0B0F-1126-4139-8B90-0DD13651AE92}" srcId="{48ED9218-D9F0-40B9-BB7B-6165BA4C945C}" destId="{658CF994-C8A7-4DAB-AF95-27C7AA054CC7}" srcOrd="2" destOrd="0" parTransId="{328AC8D8-0964-4927-9F12-3FF00129D4E1}" sibTransId="{359200C2-80AD-4A91-A3EC-43F6526B5001}"/>
+    <dgm:cxn modelId="{7E714C7E-443A-4A25-8785-93A653B094AD}" type="presOf" srcId="{439FDBA2-7B56-4297-9C71-F4785B94728D}" destId="{98D06650-83AE-4CB7-AAB9-E6D83F1A3F8F}" srcOrd="0" destOrd="0" presId="urn:microsoft.com/office/officeart/2005/8/layout/StepDownProcess"/>
+    <dgm:cxn modelId="{DEEE4C0A-E112-4649-BF0D-58F60DE26237}" type="presOf" srcId="{EAF07FD8-BAB8-4B04-B84E-2B422535D611}" destId="{857782CE-9EF5-482D-A255-FA6435D36FD4}" srcOrd="0" destOrd="1" presId="urn:microsoft.com/office/officeart/2005/8/layout/StepDownProcess"/>
+    <dgm:cxn modelId="{F3846E9B-D12F-4845-A4FF-C773F302EC76}" srcId="{48ED9218-D9F0-40B9-BB7B-6165BA4C945C}" destId="{ABCCDFF3-AFAC-48A4-8FCB-5EB1CB5007D3}" srcOrd="1" destOrd="0" parTransId="{034C365D-B1B2-43D6-B7DF-34C7AA1D5B20}" sibTransId="{334CC1EF-9D2A-4E0F-9FAF-E0B15450FB47}"/>
+    <dgm:cxn modelId="{6D099B38-E05C-4E9F-971B-71E05C819B90}" srcId="{ABCCDFF3-AFAC-48A4-8FCB-5EB1CB5007D3}" destId="{0E96758E-D482-4586-BF66-A7D0B3710DAC}" srcOrd="0" destOrd="0" parTransId="{0A0DFF73-1833-4A24-B92E-AD24F36CCF5B}" sibTransId="{698AFD27-2188-4C4D-9D15-10B0E56E7FAA}"/>
+    <dgm:cxn modelId="{6147EA2C-7444-43BE-80A6-B61B0FD7B534}" srcId="{ABCCDFF3-AFAC-48A4-8FCB-5EB1CB5007D3}" destId="{78CC5DE6-AF0F-4432-B9C6-D5C1893AC82E}" srcOrd="1" destOrd="0" parTransId="{95E98DC0-46EF-40ED-8A2D-FF30BD7A98CD}" sibTransId="{BD498A56-9C50-4715-858D-DFC7FBE8D3C4}"/>
+    <dgm:cxn modelId="{E5617D5B-E3F0-40ED-B9A9-A4F6B19EEBA2}" srcId="{658CF994-C8A7-4DAB-AF95-27C7AA054CC7}" destId="{439FDBA2-7B56-4297-9C71-F4785B94728D}" srcOrd="0" destOrd="0" parTransId="{DADE535C-345E-4068-887F-6E44D32A3688}" sibTransId="{BF1ACE0C-10E9-48F3-826C-59D8F00FB42A}"/>
+    <dgm:cxn modelId="{D3B81B05-463C-4E2E-B966-AD4CCB6B1CB9}" srcId="{15A8DAF9-B112-4FFE-B542-6F1FC7A2B2AD}" destId="{EAF07FD8-BAB8-4B04-B84E-2B422535D611}" srcOrd="1" destOrd="0" parTransId="{B69F5C29-0BD6-470D-8149-E4C9F7F1E8C0}" sibTransId="{3838F162-99CC-4FEC-944D-FAF964967C1E}"/>
+    <dgm:cxn modelId="{71D5DC09-0CB2-40BF-9D30-0F1CE3BC2608}" type="presOf" srcId="{44C5CD4F-38B1-4ABE-9FB4-E375B0D2D7BA}" destId="{857782CE-9EF5-482D-A255-FA6435D36FD4}" srcOrd="0" destOrd="0" presId="urn:microsoft.com/office/officeart/2005/8/layout/StepDownProcess"/>
+    <dgm:cxn modelId="{4F897204-76CD-4CA9-B905-9C3F6F3C9A52}" type="presOf" srcId="{658CF994-C8A7-4DAB-AF95-27C7AA054CC7}" destId="{2FFD8078-1D1E-4CD7-9E4C-F8734B094FCC}" srcOrd="0" destOrd="0" presId="urn:microsoft.com/office/officeart/2005/8/layout/StepDownProcess"/>
+    <dgm:cxn modelId="{5121F184-2E8F-4E58-94D9-00FC5D0C5D84}" type="presOf" srcId="{78CC5DE6-AF0F-4432-B9C6-D5C1893AC82E}" destId="{ADD4E4F7-3CBE-44AD-B10D-0399B1029DA3}" srcOrd="0" destOrd="1" presId="urn:microsoft.com/office/officeart/2005/8/layout/StepDownProcess"/>
+    <dgm:cxn modelId="{A53B117C-080A-4BCE-B3F4-8678F251DF1F}" srcId="{48ED9218-D9F0-40B9-BB7B-6165BA4C945C}" destId="{15A8DAF9-B112-4FFE-B542-6F1FC7A2B2AD}" srcOrd="0" destOrd="0" parTransId="{636543E9-4E6A-4F87-9F03-4A28AF59A2F9}" sibTransId="{359EFE5D-6E23-41E1-95CB-9F14B216B380}"/>
+    <dgm:cxn modelId="{1C2012D6-9747-4F0F-8169-A7CF1E30F2FD}" type="presOf" srcId="{ABCCDFF3-AFAC-48A4-8FCB-5EB1CB5007D3}" destId="{13590236-58B0-4B42-ACBA-1FD26B32FBB5}" srcOrd="0" destOrd="0" presId="urn:microsoft.com/office/officeart/2005/8/layout/StepDownProcess"/>
+    <dgm:cxn modelId="{C2932C3E-1D23-44F7-AB31-7A9F8390FE56}" type="presOf" srcId="{0E96758E-D482-4586-BF66-A7D0B3710DAC}" destId="{ADD4E4F7-3CBE-44AD-B10D-0399B1029DA3}" srcOrd="0" destOrd="0" presId="urn:microsoft.com/office/officeart/2005/8/layout/StepDownProcess"/>
+    <dgm:cxn modelId="{40D352B9-9250-4CAC-BA11-EF440D42CEF1}" type="presParOf" srcId="{E115E8F5-8D9D-4C4C-800B-E947321BB37A}" destId="{8FA832B4-9340-4AA1-8B69-F8BE19875B96}" srcOrd="0" destOrd="0" presId="urn:microsoft.com/office/officeart/2005/8/layout/StepDownProcess"/>
+    <dgm:cxn modelId="{2D75BF78-2F7F-4A76-B6FE-5A52392D6D71}" type="presParOf" srcId="{8FA832B4-9340-4AA1-8B69-F8BE19875B96}" destId="{AC005A3D-92E0-4EEA-97B4-9DFE9CD8B925}" srcOrd="0" destOrd="0" presId="urn:microsoft.com/office/officeart/2005/8/layout/StepDownProcess"/>
+    <dgm:cxn modelId="{2BEAB4B7-0C3F-4600-94C3-357BD5B0DF46}" type="presParOf" srcId="{8FA832B4-9340-4AA1-8B69-F8BE19875B96}" destId="{2C1AF177-BBE8-426D-ADEF-7C84A77BD87F}" srcOrd="1" destOrd="0" presId="urn:microsoft.com/office/officeart/2005/8/layout/StepDownProcess"/>
+    <dgm:cxn modelId="{EC86A258-1839-4713-997B-B84AD1D414D3}" type="presParOf" srcId="{8FA832B4-9340-4AA1-8B69-F8BE19875B96}" destId="{857782CE-9EF5-482D-A255-FA6435D36FD4}" srcOrd="2" destOrd="0" presId="urn:microsoft.com/office/officeart/2005/8/layout/StepDownProcess"/>
+    <dgm:cxn modelId="{845B5867-7D32-45A0-A741-5DE0A9D9A275}" type="presParOf" srcId="{E115E8F5-8D9D-4C4C-800B-E947321BB37A}" destId="{472A62B7-FCA4-40EF-8242-42567F13DF36}" srcOrd="1" destOrd="0" presId="urn:microsoft.com/office/officeart/2005/8/layout/StepDownProcess"/>
+    <dgm:cxn modelId="{3ED8BA8B-3D97-40F2-8A6C-54E7D7852F62}" type="presParOf" srcId="{E115E8F5-8D9D-4C4C-800B-E947321BB37A}" destId="{21EDA5E4-C524-4939-8A18-7674C4390B82}" srcOrd="2" destOrd="0" presId="urn:microsoft.com/office/officeart/2005/8/layout/StepDownProcess"/>
+    <dgm:cxn modelId="{F76B8D3C-5103-45AC-B0D1-A91DF5E0BEE7}" type="presParOf" srcId="{21EDA5E4-C524-4939-8A18-7674C4390B82}" destId="{21A1E052-E114-4EA0-B477-C4B9BC555325}" srcOrd="0" destOrd="0" presId="urn:microsoft.com/office/officeart/2005/8/layout/StepDownProcess"/>
+    <dgm:cxn modelId="{C4B559DE-F336-4A89-AF64-24D788CC1244}" type="presParOf" srcId="{21EDA5E4-C524-4939-8A18-7674C4390B82}" destId="{13590236-58B0-4B42-ACBA-1FD26B32FBB5}" srcOrd="1" destOrd="0" presId="urn:microsoft.com/office/officeart/2005/8/layout/StepDownProcess"/>
+    <dgm:cxn modelId="{0986535D-3311-4467-B375-6DD3BD9A26D9}" type="presParOf" srcId="{21EDA5E4-C524-4939-8A18-7674C4390B82}" destId="{ADD4E4F7-3CBE-44AD-B10D-0399B1029DA3}" srcOrd="2" destOrd="0" presId="urn:microsoft.com/office/officeart/2005/8/layout/StepDownProcess"/>
+    <dgm:cxn modelId="{EFD56C22-96E5-4958-BF66-5651F8DF7562}" type="presParOf" srcId="{E115E8F5-8D9D-4C4C-800B-E947321BB37A}" destId="{8E6802B5-8715-4F88-AD46-8D2D1C88CF47}" srcOrd="3" destOrd="0" presId="urn:microsoft.com/office/officeart/2005/8/layout/StepDownProcess"/>
+    <dgm:cxn modelId="{9FFDD5BD-738F-4C67-9DBA-E01BFBEC244C}" type="presParOf" srcId="{E115E8F5-8D9D-4C4C-800B-E947321BB37A}" destId="{BBCA9F2A-5043-4629-8CD8-3DEEB247AAFF}" srcOrd="4" destOrd="0" presId="urn:microsoft.com/office/officeart/2005/8/layout/StepDownProcess"/>
+    <dgm:cxn modelId="{BEBE93E8-F083-4126-8A6F-D71B3AE719B1}" type="presParOf" srcId="{BBCA9F2A-5043-4629-8CD8-3DEEB247AAFF}" destId="{2FFD8078-1D1E-4CD7-9E4C-F8734B094FCC}" srcOrd="0" destOrd="0" presId="urn:microsoft.com/office/officeart/2005/8/layout/StepDownProcess"/>
+    <dgm:cxn modelId="{35210C3D-A06B-48A8-984D-194E93E28CD9}" type="presParOf" srcId="{BBCA9F2A-5043-4629-8CD8-3DEEB247AAFF}" destId="{98D06650-83AE-4CB7-AAB9-E6D83F1A3F8F}" srcOrd="1" destOrd="0" presId="urn:microsoft.com/office/officeart/2005/8/layout/StepDownProcess"/>
+  </dgm:cxnLst>
+  <dgm:bg/>
+  <dgm:whole/>
+  <dgm:extLst>
+    <a:ext uri="http://schemas.microsoft.com/office/drawing/2008/diagram">
+      <dsp:dataModelExt xmlns:dsp="http://schemas.microsoft.com/office/drawing/2008/diagram" relId="rId7" minVer="http://schemas.openxmlformats.org/drawingml/2006/diagram"/>
+    </a:ext>
+  </dgm:extLst>
+</dgm:dataModel>
+</file>
+
+<file path=ppt/diagrams/data7.xml><?xml version="1.0" encoding="utf-8"?>
+<dgm:dataModel xmlns:dgm="http://schemas.openxmlformats.org/drawingml/2006/diagram" xmlns:a="http://schemas.openxmlformats.org/drawingml/2006/main">
+  <dgm:ptLst>
+    <dgm:pt modelId="{48ED9218-D9F0-40B9-BB7B-6165BA4C945C}" type="doc">
+      <dgm:prSet loTypeId="urn:microsoft.com/office/officeart/2005/8/layout/StepDownProcess" loCatId="process" qsTypeId="urn:microsoft.com/office/officeart/2005/8/quickstyle/simple1" qsCatId="simple" csTypeId="urn:microsoft.com/office/officeart/2005/8/colors/colorful1" csCatId="colorful" phldr="1"/>
+      <dgm:spPr/>
+      <dgm:t>
+        <a:bodyPr/>
+        <a:lstStyle/>
+        <a:p>
+          <a:endParaRPr lang="en-US"/>
+        </a:p>
+      </dgm:t>
+    </dgm:pt>
+    <dgm:pt modelId="{15A8DAF9-B112-4FFE-B542-6F1FC7A2B2AD}">
+      <dgm:prSet phldrT="[Text]"/>
+      <dgm:spPr/>
+      <dgm:t>
+        <a:bodyPr/>
+        <a:lstStyle/>
+        <a:p>
+          <a:r>
+            <a:rPr lang="en-US" dirty="0"/>
+            <a:t>UI-Modal</a:t>
+          </a:r>
+        </a:p>
+      </dgm:t>
+    </dgm:pt>
+    <dgm:pt modelId="{636543E9-4E6A-4F87-9F03-4A28AF59A2F9}" type="parTrans" cxnId="{A53B117C-080A-4BCE-B3F4-8678F251DF1F}">
+      <dgm:prSet/>
+      <dgm:spPr/>
+      <dgm:t>
+        <a:bodyPr/>
+        <a:lstStyle/>
+        <a:p>
+          <a:endParaRPr lang="en-US"/>
+        </a:p>
+      </dgm:t>
+    </dgm:pt>
+    <dgm:pt modelId="{359EFE5D-6E23-41E1-95CB-9F14B216B380}" type="sibTrans" cxnId="{A53B117C-080A-4BCE-B3F4-8678F251DF1F}">
+      <dgm:prSet/>
+      <dgm:spPr/>
+      <dgm:t>
+        <a:bodyPr/>
+        <a:lstStyle/>
+        <a:p>
+          <a:endParaRPr lang="en-US"/>
+        </a:p>
+      </dgm:t>
+    </dgm:pt>
+    <dgm:pt modelId="{44C5CD4F-38B1-4ABE-9FB4-E375B0D2D7BA}">
+      <dgm:prSet phldrT="[Text]" custT="1"/>
+      <dgm:spPr/>
+      <dgm:t>
+        <a:bodyPr/>
+        <a:lstStyle/>
+        <a:p>
+          <a:r>
+            <a:rPr lang="en-US" sz="1600" dirty="0" err="1"/>
+            <a:t>ParticipantService</a:t>
+          </a:r>
+          <a:endParaRPr lang="en-US" sz="1600" dirty="0"/>
+        </a:p>
+      </dgm:t>
+    </dgm:pt>
+    <dgm:pt modelId="{EC5BF510-63E9-41D3-9DD0-89906D7B0534}" type="parTrans" cxnId="{BA645E57-FB4B-45AB-B63E-2134AE73AEE1}">
+      <dgm:prSet/>
+      <dgm:spPr/>
+      <dgm:t>
+        <a:bodyPr/>
+        <a:lstStyle/>
+        <a:p>
+          <a:endParaRPr lang="en-US"/>
+        </a:p>
+      </dgm:t>
+    </dgm:pt>
+    <dgm:pt modelId="{A5BF6842-A089-4EFF-A5AD-C3D7AB07682C}" type="sibTrans" cxnId="{BA645E57-FB4B-45AB-B63E-2134AE73AEE1}">
+      <dgm:prSet/>
+      <dgm:spPr/>
+      <dgm:t>
+        <a:bodyPr/>
+        <a:lstStyle/>
+        <a:p>
+          <a:endParaRPr lang="en-US"/>
+        </a:p>
+      </dgm:t>
+    </dgm:pt>
+    <dgm:pt modelId="{ABCCDFF3-AFAC-48A4-8FCB-5EB1CB5007D3}">
+      <dgm:prSet phldrT="[Text]"/>
+      <dgm:spPr/>
+      <dgm:t>
+        <a:bodyPr/>
+        <a:lstStyle/>
+        <a:p>
+          <a:r>
+            <a:rPr lang="en-US" dirty="0" err="1"/>
+            <a:t>ParticipantService</a:t>
+          </a:r>
+          <a:endParaRPr lang="en-US" dirty="0"/>
+        </a:p>
+      </dgm:t>
+    </dgm:pt>
+    <dgm:pt modelId="{034C365D-B1B2-43D6-B7DF-34C7AA1D5B20}" type="parTrans" cxnId="{F3846E9B-D12F-4845-A4FF-C773F302EC76}">
+      <dgm:prSet/>
+      <dgm:spPr/>
+      <dgm:t>
+        <a:bodyPr/>
+        <a:lstStyle/>
+        <a:p>
+          <a:endParaRPr lang="en-US"/>
+        </a:p>
+      </dgm:t>
+    </dgm:pt>
+    <dgm:pt modelId="{334CC1EF-9D2A-4E0F-9FAF-E0B15450FB47}" type="sibTrans" cxnId="{F3846E9B-D12F-4845-A4FF-C773F302EC76}">
+      <dgm:prSet/>
+      <dgm:spPr/>
+      <dgm:t>
+        <a:bodyPr/>
+        <a:lstStyle/>
+        <a:p>
+          <a:endParaRPr lang="en-US"/>
+        </a:p>
+      </dgm:t>
+    </dgm:pt>
+    <dgm:pt modelId="{0E96758E-D482-4586-BF66-A7D0B3710DAC}">
+      <dgm:prSet phldrT="[Text]" custT="1"/>
+      <dgm:spPr/>
+      <dgm:t>
+        <a:bodyPr/>
+        <a:lstStyle/>
+        <a:p>
+          <a:r>
+            <a:rPr lang="en-US" sz="1600" dirty="0" err="1"/>
+            <a:t>ParticipantDAL</a:t>
+          </a:r>
+          <a:endParaRPr lang="en-US" sz="1600" dirty="0"/>
+        </a:p>
+      </dgm:t>
+    </dgm:pt>
+    <dgm:pt modelId="{0A0DFF73-1833-4A24-B92E-AD24F36CCF5B}" type="parTrans" cxnId="{6D099B38-E05C-4E9F-971B-71E05C819B90}">
+      <dgm:prSet/>
+      <dgm:spPr/>
+      <dgm:t>
+        <a:bodyPr/>
+        <a:lstStyle/>
+        <a:p>
+          <a:endParaRPr lang="en-US"/>
+        </a:p>
+      </dgm:t>
+    </dgm:pt>
+    <dgm:pt modelId="{698AFD27-2188-4C4D-9D15-10B0E56E7FAA}" type="sibTrans" cxnId="{6D099B38-E05C-4E9F-971B-71E05C819B90}">
+      <dgm:prSet/>
+      <dgm:spPr/>
+      <dgm:t>
+        <a:bodyPr/>
+        <a:lstStyle/>
+        <a:p>
+          <a:endParaRPr lang="en-US"/>
+        </a:p>
+      </dgm:t>
+    </dgm:pt>
+    <dgm:pt modelId="{658CF994-C8A7-4DAB-AF95-27C7AA054CC7}">
+      <dgm:prSet phldrT="[Text]"/>
+      <dgm:spPr/>
+      <dgm:t>
+        <a:bodyPr/>
+        <a:lstStyle/>
+        <a:p>
+          <a:r>
+            <a:rPr lang="en-US" dirty="0" err="1"/>
+            <a:t>ParticipantDAL</a:t>
+          </a:r>
+          <a:endParaRPr lang="en-US" dirty="0"/>
+        </a:p>
+      </dgm:t>
+    </dgm:pt>
+    <dgm:pt modelId="{328AC8D8-0964-4927-9F12-3FF00129D4E1}" type="parTrans" cxnId="{F14F0B0F-1126-4139-8B90-0DD13651AE92}">
+      <dgm:prSet/>
+      <dgm:spPr/>
+      <dgm:t>
+        <a:bodyPr/>
+        <a:lstStyle/>
+        <a:p>
+          <a:endParaRPr lang="en-US"/>
+        </a:p>
+      </dgm:t>
+    </dgm:pt>
+    <dgm:pt modelId="{359200C2-80AD-4A91-A3EC-43F6526B5001}" type="sibTrans" cxnId="{F14F0B0F-1126-4139-8B90-0DD13651AE92}">
+      <dgm:prSet/>
+      <dgm:spPr/>
+      <dgm:t>
+        <a:bodyPr/>
+        <a:lstStyle/>
+        <a:p>
+          <a:endParaRPr lang="en-US"/>
+        </a:p>
+      </dgm:t>
+    </dgm:pt>
+    <dgm:pt modelId="{439FDBA2-7B56-4297-9C71-F4785B94728D}">
+      <dgm:prSet phldrT="[Text]"/>
+      <dgm:spPr/>
+      <dgm:t>
+        <a:bodyPr/>
+        <a:lstStyle/>
+        <a:p>
+          <a:r>
+            <a:rPr lang="en-US" dirty="0"/>
+            <a:t>Database</a:t>
+          </a:r>
+        </a:p>
+      </dgm:t>
+    </dgm:pt>
+    <dgm:pt modelId="{DADE535C-345E-4068-887F-6E44D32A3688}" type="parTrans" cxnId="{E5617D5B-E3F0-40ED-B9A9-A4F6B19EEBA2}">
+      <dgm:prSet/>
+      <dgm:spPr/>
+      <dgm:t>
+        <a:bodyPr/>
+        <a:lstStyle/>
+        <a:p>
+          <a:endParaRPr lang="en-US"/>
+        </a:p>
+      </dgm:t>
+    </dgm:pt>
+    <dgm:pt modelId="{BF1ACE0C-10E9-48F3-826C-59D8F00FB42A}" type="sibTrans" cxnId="{E5617D5B-E3F0-40ED-B9A9-A4F6B19EEBA2}">
+      <dgm:prSet/>
+      <dgm:spPr/>
+      <dgm:t>
+        <a:bodyPr/>
+        <a:lstStyle/>
+        <a:p>
+          <a:endParaRPr lang="en-US"/>
+        </a:p>
+      </dgm:t>
+    </dgm:pt>
+    <dgm:pt modelId="{78CC5DE6-AF0F-4432-B9C6-D5C1893AC82E}">
+      <dgm:prSet phldrT="[Text]" custT="1"/>
+      <dgm:spPr/>
+      <dgm:t>
+        <a:bodyPr/>
+        <a:lstStyle/>
+        <a:p>
+          <a:r>
+            <a:rPr lang="en-US" sz="1600" dirty="0" err="1"/>
+            <a:t>listParticipant</a:t>
+          </a:r>
+          <a:r>
+            <a:rPr lang="en-US" sz="1600" dirty="0"/>
+            <a:t>()</a:t>
+          </a:r>
+        </a:p>
+      </dgm:t>
+    </dgm:pt>
+    <dgm:pt modelId="{95E98DC0-46EF-40ED-8A2D-FF30BD7A98CD}" type="parTrans" cxnId="{6147EA2C-7444-43BE-80A6-B61B0FD7B534}">
+      <dgm:prSet/>
+      <dgm:spPr/>
+      <dgm:t>
+        <a:bodyPr/>
+        <a:lstStyle/>
+        <a:p>
+          <a:endParaRPr lang="en-US"/>
+        </a:p>
+      </dgm:t>
+    </dgm:pt>
+    <dgm:pt modelId="{BD498A56-9C50-4715-858D-DFC7FBE8D3C4}" type="sibTrans" cxnId="{6147EA2C-7444-43BE-80A6-B61B0FD7B534}">
+      <dgm:prSet/>
+      <dgm:spPr/>
+      <dgm:t>
+        <a:bodyPr/>
+        <a:lstStyle/>
+        <a:p>
+          <a:endParaRPr lang="en-US"/>
+        </a:p>
+      </dgm:t>
+    </dgm:pt>
+    <dgm:pt modelId="{EAF07FD8-BAB8-4B04-B84E-2B422535D611}">
+      <dgm:prSet phldrT="[Text]" custT="1"/>
+      <dgm:spPr/>
+      <dgm:t>
+        <a:bodyPr/>
+        <a:lstStyle/>
+        <a:p>
+          <a:r>
+            <a:rPr lang="en-US" sz="1600" dirty="0"/>
+            <a:t> </a:t>
+          </a:r>
+          <a:r>
+            <a:rPr lang="en-US" sz="1600" dirty="0" err="1"/>
+            <a:t>listParticipants</a:t>
+          </a:r>
+          <a:r>
+            <a:rPr lang="en-US" sz="1600" dirty="0"/>
+            <a:t>()</a:t>
+          </a:r>
+        </a:p>
+      </dgm:t>
+    </dgm:pt>
+    <dgm:pt modelId="{B69F5C29-0BD6-470D-8149-E4C9F7F1E8C0}" type="parTrans" cxnId="{D3B81B05-463C-4E2E-B966-AD4CCB6B1CB9}">
+      <dgm:prSet/>
+      <dgm:spPr/>
+      <dgm:t>
+        <a:bodyPr/>
+        <a:lstStyle/>
+        <a:p>
+          <a:endParaRPr lang="en-US"/>
+        </a:p>
+      </dgm:t>
+    </dgm:pt>
+    <dgm:pt modelId="{3838F162-99CC-4FEC-944D-FAF964967C1E}" type="sibTrans" cxnId="{D3B81B05-463C-4E2E-B966-AD4CCB6B1CB9}">
+      <dgm:prSet/>
+      <dgm:spPr/>
+      <dgm:t>
+        <a:bodyPr/>
+        <a:lstStyle/>
+        <a:p>
+          <a:endParaRPr lang="en-US"/>
+        </a:p>
+      </dgm:t>
+    </dgm:pt>
+    <dgm:pt modelId="{E115E8F5-8D9D-4C4C-800B-E947321BB37A}" type="pres">
+      <dgm:prSet presAssocID="{48ED9218-D9F0-40B9-BB7B-6165BA4C945C}" presName="rootnode" presStyleCnt="0">
+        <dgm:presLayoutVars>
+          <dgm:chMax/>
+          <dgm:chPref/>
+          <dgm:dir/>
+          <dgm:animLvl val="lvl"/>
+        </dgm:presLayoutVars>
+      </dgm:prSet>
+      <dgm:spPr/>
+    </dgm:pt>
+    <dgm:pt modelId="{8FA832B4-9340-4AA1-8B69-F8BE19875B96}" type="pres">
+      <dgm:prSet presAssocID="{15A8DAF9-B112-4FFE-B542-6F1FC7A2B2AD}" presName="composite" presStyleCnt="0"/>
+      <dgm:spPr/>
+    </dgm:pt>
+    <dgm:pt modelId="{AC005A3D-92E0-4EEA-97B4-9DFE9CD8B925}" type="pres">
+      <dgm:prSet presAssocID="{15A8DAF9-B112-4FFE-B542-6F1FC7A2B2AD}" presName="bentUpArrow1" presStyleLbl="alignImgPlace1" presStyleIdx="0" presStyleCnt="2"/>
+      <dgm:spPr/>
+    </dgm:pt>
+    <dgm:pt modelId="{2C1AF177-BBE8-426D-ADEF-7C84A77BD87F}" type="pres">
+      <dgm:prSet presAssocID="{15A8DAF9-B112-4FFE-B542-6F1FC7A2B2AD}" presName="ParentText" presStyleLbl="node1" presStyleIdx="0" presStyleCnt="3">
+        <dgm:presLayoutVars>
+          <dgm:chMax val="1"/>
+          <dgm:chPref val="1"/>
+          <dgm:bulletEnabled val="1"/>
+        </dgm:presLayoutVars>
+      </dgm:prSet>
+      <dgm:spPr/>
+    </dgm:pt>
+    <dgm:pt modelId="{857782CE-9EF5-482D-A255-FA6435D36FD4}" type="pres">
+      <dgm:prSet presAssocID="{15A8DAF9-B112-4FFE-B542-6F1FC7A2B2AD}" presName="ChildText" presStyleLbl="revTx" presStyleIdx="0" presStyleCnt="3" custScaleX="198619" custLinFactNeighborX="57122" custLinFactNeighborY="-5147">
+        <dgm:presLayoutVars>
+          <dgm:chMax val="0"/>
+          <dgm:chPref val="0"/>
+          <dgm:bulletEnabled val="1"/>
+        </dgm:presLayoutVars>
+      </dgm:prSet>
+      <dgm:spPr/>
+    </dgm:pt>
+    <dgm:pt modelId="{472A62B7-FCA4-40EF-8242-42567F13DF36}" type="pres">
+      <dgm:prSet presAssocID="{359EFE5D-6E23-41E1-95CB-9F14B216B380}" presName="sibTrans" presStyleCnt="0"/>
+      <dgm:spPr/>
+    </dgm:pt>
+    <dgm:pt modelId="{21EDA5E4-C524-4939-8A18-7674C4390B82}" type="pres">
+      <dgm:prSet presAssocID="{ABCCDFF3-AFAC-48A4-8FCB-5EB1CB5007D3}" presName="composite" presStyleCnt="0"/>
+      <dgm:spPr/>
+    </dgm:pt>
+    <dgm:pt modelId="{21A1E052-E114-4EA0-B477-C4B9BC555325}" type="pres">
+      <dgm:prSet presAssocID="{ABCCDFF3-AFAC-48A4-8FCB-5EB1CB5007D3}" presName="bentUpArrow1" presStyleLbl="alignImgPlace1" presStyleIdx="1" presStyleCnt="2"/>
+      <dgm:spPr/>
+    </dgm:pt>
+    <dgm:pt modelId="{13590236-58B0-4B42-ACBA-1FD26B32FBB5}" type="pres">
+      <dgm:prSet presAssocID="{ABCCDFF3-AFAC-48A4-8FCB-5EB1CB5007D3}" presName="ParentText" presStyleLbl="node1" presStyleIdx="1" presStyleCnt="3">
+        <dgm:presLayoutVars>
+          <dgm:chMax val="1"/>
+          <dgm:chPref val="1"/>
+          <dgm:bulletEnabled val="1"/>
+        </dgm:presLayoutVars>
+      </dgm:prSet>
+      <dgm:spPr/>
+    </dgm:pt>
+    <dgm:pt modelId="{ADD4E4F7-3CBE-44AD-B10D-0399B1029DA3}" type="pres">
+      <dgm:prSet presAssocID="{ABCCDFF3-AFAC-48A4-8FCB-5EB1CB5007D3}" presName="ChildText" presStyleLbl="revTx" presStyleIdx="1" presStyleCnt="3" custScaleX="129958" custLinFactNeighborX="20176" custLinFactNeighborY="-2584">
+        <dgm:presLayoutVars>
+          <dgm:chMax val="0"/>
+          <dgm:chPref val="0"/>
+          <dgm:bulletEnabled val="1"/>
+        </dgm:presLayoutVars>
+      </dgm:prSet>
+      <dgm:spPr/>
+    </dgm:pt>
+    <dgm:pt modelId="{8E6802B5-8715-4F88-AD46-8D2D1C88CF47}" type="pres">
+      <dgm:prSet presAssocID="{334CC1EF-9D2A-4E0F-9FAF-E0B15450FB47}" presName="sibTrans" presStyleCnt="0"/>
+      <dgm:spPr/>
+    </dgm:pt>
+    <dgm:pt modelId="{BBCA9F2A-5043-4629-8CD8-3DEEB247AAFF}" type="pres">
+      <dgm:prSet presAssocID="{658CF994-C8A7-4DAB-AF95-27C7AA054CC7}" presName="composite" presStyleCnt="0"/>
+      <dgm:spPr/>
+    </dgm:pt>
+    <dgm:pt modelId="{2FFD8078-1D1E-4CD7-9E4C-F8734B094FCC}" type="pres">
+      <dgm:prSet presAssocID="{658CF994-C8A7-4DAB-AF95-27C7AA054CC7}" presName="ParentText" presStyleLbl="node1" presStyleIdx="2" presStyleCnt="3">
+        <dgm:presLayoutVars>
+          <dgm:chMax val="1"/>
+          <dgm:chPref val="1"/>
+          <dgm:bulletEnabled val="1"/>
+        </dgm:presLayoutVars>
+      </dgm:prSet>
+      <dgm:spPr/>
+    </dgm:pt>
+    <dgm:pt modelId="{98D06650-83AE-4CB7-AAB9-E6D83F1A3F8F}" type="pres">
+      <dgm:prSet presAssocID="{658CF994-C8A7-4DAB-AF95-27C7AA054CC7}" presName="FinalChildText" presStyleLbl="revTx" presStyleIdx="2" presStyleCnt="3">
+        <dgm:presLayoutVars>
+          <dgm:chMax val="0"/>
+          <dgm:chPref val="0"/>
+          <dgm:bulletEnabled val="1"/>
+        </dgm:presLayoutVars>
+      </dgm:prSet>
+      <dgm:spPr/>
+    </dgm:pt>
+  </dgm:ptLst>
+  <dgm:cxnLst>
+    <dgm:cxn modelId="{8E02B828-AEB0-4F7F-A2F6-5AC9CC37D87C}" type="presOf" srcId="{15A8DAF9-B112-4FFE-B542-6F1FC7A2B2AD}" destId="{2C1AF177-BBE8-426D-ADEF-7C84A77BD87F}" srcOrd="0" destOrd="0" presId="urn:microsoft.com/office/officeart/2005/8/layout/StepDownProcess"/>
+    <dgm:cxn modelId="{492DFC65-B50C-44AE-888E-A5D27FCC7C7D}" type="presOf" srcId="{48ED9218-D9F0-40B9-BB7B-6165BA4C945C}" destId="{E115E8F5-8D9D-4C4C-800B-E947321BB37A}" srcOrd="0" destOrd="0" presId="urn:microsoft.com/office/officeart/2005/8/layout/StepDownProcess"/>
+    <dgm:cxn modelId="{BA645E57-FB4B-45AB-B63E-2134AE73AEE1}" srcId="{15A8DAF9-B112-4FFE-B542-6F1FC7A2B2AD}" destId="{44C5CD4F-38B1-4ABE-9FB4-E375B0D2D7BA}" srcOrd="0" destOrd="0" parTransId="{EC5BF510-63E9-41D3-9DD0-89906D7B0534}" sibTransId="{A5BF6842-A089-4EFF-A5AD-C3D7AB07682C}"/>
+    <dgm:cxn modelId="{F14F0B0F-1126-4139-8B90-0DD13651AE92}" srcId="{48ED9218-D9F0-40B9-BB7B-6165BA4C945C}" destId="{658CF994-C8A7-4DAB-AF95-27C7AA054CC7}" srcOrd="2" destOrd="0" parTransId="{328AC8D8-0964-4927-9F12-3FF00129D4E1}" sibTransId="{359200C2-80AD-4A91-A3EC-43F6526B5001}"/>
+    <dgm:cxn modelId="{7E714C7E-443A-4A25-8785-93A653B094AD}" type="presOf" srcId="{439FDBA2-7B56-4297-9C71-F4785B94728D}" destId="{98D06650-83AE-4CB7-AAB9-E6D83F1A3F8F}" srcOrd="0" destOrd="0" presId="urn:microsoft.com/office/officeart/2005/8/layout/StepDownProcess"/>
+    <dgm:cxn modelId="{DEEE4C0A-E112-4649-BF0D-58F60DE26237}" type="presOf" srcId="{EAF07FD8-BAB8-4B04-B84E-2B422535D611}" destId="{857782CE-9EF5-482D-A255-FA6435D36FD4}" srcOrd="0" destOrd="1" presId="urn:microsoft.com/office/officeart/2005/8/layout/StepDownProcess"/>
+    <dgm:cxn modelId="{F3846E9B-D12F-4845-A4FF-C773F302EC76}" srcId="{48ED9218-D9F0-40B9-BB7B-6165BA4C945C}" destId="{ABCCDFF3-AFAC-48A4-8FCB-5EB1CB5007D3}" srcOrd="1" destOrd="0" parTransId="{034C365D-B1B2-43D6-B7DF-34C7AA1D5B20}" sibTransId="{334CC1EF-9D2A-4E0F-9FAF-E0B15450FB47}"/>
+    <dgm:cxn modelId="{6D099B38-E05C-4E9F-971B-71E05C819B90}" srcId="{ABCCDFF3-AFAC-48A4-8FCB-5EB1CB5007D3}" destId="{0E96758E-D482-4586-BF66-A7D0B3710DAC}" srcOrd="0" destOrd="0" parTransId="{0A0DFF73-1833-4A24-B92E-AD24F36CCF5B}" sibTransId="{698AFD27-2188-4C4D-9D15-10B0E56E7FAA}"/>
+    <dgm:cxn modelId="{6147EA2C-7444-43BE-80A6-B61B0FD7B534}" srcId="{ABCCDFF3-AFAC-48A4-8FCB-5EB1CB5007D3}" destId="{78CC5DE6-AF0F-4432-B9C6-D5C1893AC82E}" srcOrd="1" destOrd="0" parTransId="{95E98DC0-46EF-40ED-8A2D-FF30BD7A98CD}" sibTransId="{BD498A56-9C50-4715-858D-DFC7FBE8D3C4}"/>
+    <dgm:cxn modelId="{E5617D5B-E3F0-40ED-B9A9-A4F6B19EEBA2}" srcId="{658CF994-C8A7-4DAB-AF95-27C7AA054CC7}" destId="{439FDBA2-7B56-4297-9C71-F4785B94728D}" srcOrd="0" destOrd="0" parTransId="{DADE535C-345E-4068-887F-6E44D32A3688}" sibTransId="{BF1ACE0C-10E9-48F3-826C-59D8F00FB42A}"/>
+    <dgm:cxn modelId="{D3B81B05-463C-4E2E-B966-AD4CCB6B1CB9}" srcId="{15A8DAF9-B112-4FFE-B542-6F1FC7A2B2AD}" destId="{EAF07FD8-BAB8-4B04-B84E-2B422535D611}" srcOrd="1" destOrd="0" parTransId="{B69F5C29-0BD6-470D-8149-E4C9F7F1E8C0}" sibTransId="{3838F162-99CC-4FEC-944D-FAF964967C1E}"/>
+    <dgm:cxn modelId="{71D5DC09-0CB2-40BF-9D30-0F1CE3BC2608}" type="presOf" srcId="{44C5CD4F-38B1-4ABE-9FB4-E375B0D2D7BA}" destId="{857782CE-9EF5-482D-A255-FA6435D36FD4}" srcOrd="0" destOrd="0" presId="urn:microsoft.com/office/officeart/2005/8/layout/StepDownProcess"/>
+    <dgm:cxn modelId="{4F897204-76CD-4CA9-B905-9C3F6F3C9A52}" type="presOf" srcId="{658CF994-C8A7-4DAB-AF95-27C7AA054CC7}" destId="{2FFD8078-1D1E-4CD7-9E4C-F8734B094FCC}" srcOrd="0" destOrd="0" presId="urn:microsoft.com/office/officeart/2005/8/layout/StepDownProcess"/>
+    <dgm:cxn modelId="{5121F184-2E8F-4E58-94D9-00FC5D0C5D84}" type="presOf" srcId="{78CC5DE6-AF0F-4432-B9C6-D5C1893AC82E}" destId="{ADD4E4F7-3CBE-44AD-B10D-0399B1029DA3}" srcOrd="0" destOrd="1" presId="urn:microsoft.com/office/officeart/2005/8/layout/StepDownProcess"/>
+    <dgm:cxn modelId="{A53B117C-080A-4BCE-B3F4-8678F251DF1F}" srcId="{48ED9218-D9F0-40B9-BB7B-6165BA4C945C}" destId="{15A8DAF9-B112-4FFE-B542-6F1FC7A2B2AD}" srcOrd="0" destOrd="0" parTransId="{636543E9-4E6A-4F87-9F03-4A28AF59A2F9}" sibTransId="{359EFE5D-6E23-41E1-95CB-9F14B216B380}"/>
+    <dgm:cxn modelId="{1C2012D6-9747-4F0F-8169-A7CF1E30F2FD}" type="presOf" srcId="{ABCCDFF3-AFAC-48A4-8FCB-5EB1CB5007D3}" destId="{13590236-58B0-4B42-ACBA-1FD26B32FBB5}" srcOrd="0" destOrd="0" presId="urn:microsoft.com/office/officeart/2005/8/layout/StepDownProcess"/>
+    <dgm:cxn modelId="{C2932C3E-1D23-44F7-AB31-7A9F8390FE56}" type="presOf" srcId="{0E96758E-D482-4586-BF66-A7D0B3710DAC}" destId="{ADD4E4F7-3CBE-44AD-B10D-0399B1029DA3}" srcOrd="0" destOrd="0" presId="urn:microsoft.com/office/officeart/2005/8/layout/StepDownProcess"/>
+    <dgm:cxn modelId="{40D352B9-9250-4CAC-BA11-EF440D42CEF1}" type="presParOf" srcId="{E115E8F5-8D9D-4C4C-800B-E947321BB37A}" destId="{8FA832B4-9340-4AA1-8B69-F8BE19875B96}" srcOrd="0" destOrd="0" presId="urn:microsoft.com/office/officeart/2005/8/layout/StepDownProcess"/>
+    <dgm:cxn modelId="{2D75BF78-2F7F-4A76-B6FE-5A52392D6D71}" type="presParOf" srcId="{8FA832B4-9340-4AA1-8B69-F8BE19875B96}" destId="{AC005A3D-92E0-4EEA-97B4-9DFE9CD8B925}" srcOrd="0" destOrd="0" presId="urn:microsoft.com/office/officeart/2005/8/layout/StepDownProcess"/>
+    <dgm:cxn modelId="{2BEAB4B7-0C3F-4600-94C3-357BD5B0DF46}" type="presParOf" srcId="{8FA832B4-9340-4AA1-8B69-F8BE19875B96}" destId="{2C1AF177-BBE8-426D-ADEF-7C84A77BD87F}" srcOrd="1" destOrd="0" presId="urn:microsoft.com/office/officeart/2005/8/layout/StepDownProcess"/>
+    <dgm:cxn modelId="{EC86A258-1839-4713-997B-B84AD1D414D3}" type="presParOf" srcId="{8FA832B4-9340-4AA1-8B69-F8BE19875B96}" destId="{857782CE-9EF5-482D-A255-FA6435D36FD4}" srcOrd="2" destOrd="0" presId="urn:microsoft.com/office/officeart/2005/8/layout/StepDownProcess"/>
+    <dgm:cxn modelId="{845B5867-7D32-45A0-A741-5DE0A9D9A275}" type="presParOf" srcId="{E115E8F5-8D9D-4C4C-800B-E947321BB37A}" destId="{472A62B7-FCA4-40EF-8242-42567F13DF36}" srcOrd="1" destOrd="0" presId="urn:microsoft.com/office/officeart/2005/8/layout/StepDownProcess"/>
+    <dgm:cxn modelId="{3ED8BA8B-3D97-40F2-8A6C-54E7D7852F62}" type="presParOf" srcId="{E115E8F5-8D9D-4C4C-800B-E947321BB37A}" destId="{21EDA5E4-C524-4939-8A18-7674C4390B82}" srcOrd="2" destOrd="0" presId="urn:microsoft.com/office/officeart/2005/8/layout/StepDownProcess"/>
+    <dgm:cxn modelId="{F76B8D3C-5103-45AC-B0D1-A91DF5E0BEE7}" type="presParOf" srcId="{21EDA5E4-C524-4939-8A18-7674C4390B82}" destId="{21A1E052-E114-4EA0-B477-C4B9BC555325}" srcOrd="0" destOrd="0" presId="urn:microsoft.com/office/officeart/2005/8/layout/StepDownProcess"/>
+    <dgm:cxn modelId="{C4B559DE-F336-4A89-AF64-24D788CC1244}" type="presParOf" srcId="{21EDA5E4-C524-4939-8A18-7674C4390B82}" destId="{13590236-58B0-4B42-ACBA-1FD26B32FBB5}" srcOrd="1" destOrd="0" presId="urn:microsoft.com/office/officeart/2005/8/layout/StepDownProcess"/>
+    <dgm:cxn modelId="{0986535D-3311-4467-B375-6DD3BD9A26D9}" type="presParOf" srcId="{21EDA5E4-C524-4939-8A18-7674C4390B82}" destId="{ADD4E4F7-3CBE-44AD-B10D-0399B1029DA3}" srcOrd="2" destOrd="0" presId="urn:microsoft.com/office/officeart/2005/8/layout/StepDownProcess"/>
+    <dgm:cxn modelId="{EFD56C22-96E5-4958-BF66-5651F8DF7562}" type="presParOf" srcId="{E115E8F5-8D9D-4C4C-800B-E947321BB37A}" destId="{8E6802B5-8715-4F88-AD46-8D2D1C88CF47}" srcOrd="3" destOrd="0" presId="urn:microsoft.com/office/officeart/2005/8/layout/StepDownProcess"/>
+    <dgm:cxn modelId="{9FFDD5BD-738F-4C67-9DBA-E01BFBEC244C}" type="presParOf" srcId="{E115E8F5-8D9D-4C4C-800B-E947321BB37A}" destId="{BBCA9F2A-5043-4629-8CD8-3DEEB247AAFF}" srcOrd="4" destOrd="0" presId="urn:microsoft.com/office/officeart/2005/8/layout/StepDownProcess"/>
+    <dgm:cxn modelId="{BEBE93E8-F083-4126-8A6F-D71B3AE719B1}" type="presParOf" srcId="{BBCA9F2A-5043-4629-8CD8-3DEEB247AAFF}" destId="{2FFD8078-1D1E-4CD7-9E4C-F8734B094FCC}" srcOrd="0" destOrd="0" presId="urn:microsoft.com/office/officeart/2005/8/layout/StepDownProcess"/>
+    <dgm:cxn modelId="{35210C3D-A06B-48A8-984D-194E93E28CD9}" type="presParOf" srcId="{BBCA9F2A-5043-4629-8CD8-3DEEB247AAFF}" destId="{98D06650-83AE-4CB7-AAB9-E6D83F1A3F8F}" srcOrd="1" destOrd="0" presId="urn:microsoft.com/office/officeart/2005/8/layout/StepDownProcess"/>
+  </dgm:cxnLst>
+  <dgm:bg/>
+  <dgm:whole/>
+  <dgm:extLst>
+    <a:ext uri="http://schemas.microsoft.com/office/drawing/2008/diagram">
+      <dsp:dataModelExt xmlns:dsp="http://schemas.microsoft.com/office/drawing/2008/diagram" relId="rId6" minVer="http://schemas.openxmlformats.org/drawingml/2006/diagram"/>
+    </a:ext>
+  </dgm:extLst>
+</dgm:dataModel>
+</file>
+
+<file path=ppt/diagrams/data8.xml><?xml version="1.0" encoding="utf-8"?>
+<dgm:dataModel xmlns:dgm="http://schemas.openxmlformats.org/drawingml/2006/diagram" xmlns:a="http://schemas.openxmlformats.org/drawingml/2006/main">
+  <dgm:ptLst>
     <dgm:pt modelId="{412CA174-6061-4106-936C-DB87F631E9EB}" type="doc">
       <dgm:prSet loTypeId="urn:microsoft.com/office/officeart/2005/8/layout/hList7" loCatId="relationship" qsTypeId="urn:microsoft.com/office/officeart/2005/8/quickstyle/simple1" qsCatId="simple" csTypeId="urn:microsoft.com/office/officeart/2005/8/colors/accent1_5" csCatId="accent1" phldr="1"/>
       <dgm:spPr/>
@@ -8369,7 +11129,7 @@
 </dgm:dataModel>
 </file>
 
-<file path=ppt/diagrams/data7.xml><?xml version="1.0" encoding="utf-8"?>
+<file path=ppt/diagrams/data9.xml><?xml version="1.0" encoding="utf-8"?>
 <dgm:dataModel xmlns:dgm="http://schemas.openxmlformats.org/drawingml/2006/diagram" xmlns:a="http://schemas.openxmlformats.org/drawingml/2006/main">
   <dgm:ptLst>
     <dgm:pt modelId="{07D73F7D-F390-4968-9768-EB77D7C27648}" type="doc">
@@ -11796,6 +14556,1186 @@
       <dsp:cNvGrpSpPr/>
     </dsp:nvGrpSpPr>
     <dsp:grpSpPr/>
+    <dsp:sp modelId="{AC005A3D-92E0-4EEA-97B4-9DFE9CD8B925}">
+      <dsp:nvSpPr>
+        <dsp:cNvPr id="0" name=""/>
+        <dsp:cNvSpPr/>
+      </dsp:nvSpPr>
+      <dsp:spPr>
+        <a:xfrm rot="5400000">
+          <a:off x="274340" y="1286910"/>
+          <a:ext cx="1031207" cy="1173992"/>
+        </a:xfrm>
+        <a:prstGeom prst="bentUpArrow">
+          <a:avLst>
+            <a:gd name="adj1" fmla="val 32840"/>
+            <a:gd name="adj2" fmla="val 25000"/>
+            <a:gd name="adj3" fmla="val 35780"/>
+          </a:avLst>
+        </a:prstGeom>
+        <a:solidFill>
+          <a:schemeClr val="accent1">
+            <a:tint val="50000"/>
+            <a:hueOff val="0"/>
+            <a:satOff val="0"/>
+            <a:lumOff val="0"/>
+            <a:alphaOff val="0"/>
+          </a:schemeClr>
+        </a:solidFill>
+        <a:ln w="12700" cap="flat" cmpd="sng" algn="ctr">
+          <a:solidFill>
+            <a:schemeClr val="lt1">
+              <a:hueOff val="0"/>
+              <a:satOff val="0"/>
+              <a:lumOff val="0"/>
+              <a:alphaOff val="0"/>
+            </a:schemeClr>
+          </a:solidFill>
+          <a:prstDash val="solid"/>
+          <a:miter lim="800000"/>
+        </a:ln>
+        <a:effectLst/>
+      </dsp:spPr>
+      <dsp:style>
+        <a:lnRef idx="2">
+          <a:scrgbClr r="0" g="0" b="0"/>
+        </a:lnRef>
+        <a:fillRef idx="1">
+          <a:scrgbClr r="0" g="0" b="0"/>
+        </a:fillRef>
+        <a:effectRef idx="0">
+          <a:scrgbClr r="0" g="0" b="0"/>
+        </a:effectRef>
+        <a:fontRef idx="minor"/>
+      </dsp:style>
+    </dsp:sp>
+    <dsp:sp modelId="{2C1AF177-BBE8-426D-ADEF-7C84A77BD87F}">
+      <dsp:nvSpPr>
+        <dsp:cNvPr id="0" name=""/>
+        <dsp:cNvSpPr/>
+      </dsp:nvSpPr>
+      <dsp:spPr>
+        <a:xfrm>
+          <a:off x="1132" y="143796"/>
+          <a:ext cx="1735945" cy="1215105"/>
+        </a:xfrm>
+        <a:prstGeom prst="roundRect">
+          <a:avLst>
+            <a:gd name="adj" fmla="val 16670"/>
+          </a:avLst>
+        </a:prstGeom>
+        <a:solidFill>
+          <a:schemeClr val="accent2">
+            <a:hueOff val="0"/>
+            <a:satOff val="0"/>
+            <a:lumOff val="0"/>
+            <a:alphaOff val="0"/>
+          </a:schemeClr>
+        </a:solidFill>
+        <a:ln w="12700" cap="flat" cmpd="sng" algn="ctr">
+          <a:solidFill>
+            <a:schemeClr val="lt1">
+              <a:hueOff val="0"/>
+              <a:satOff val="0"/>
+              <a:lumOff val="0"/>
+              <a:alphaOff val="0"/>
+            </a:schemeClr>
+          </a:solidFill>
+          <a:prstDash val="solid"/>
+          <a:miter lim="800000"/>
+        </a:ln>
+        <a:effectLst/>
+      </dsp:spPr>
+      <dsp:style>
+        <a:lnRef idx="2">
+          <a:scrgbClr r="0" g="0" b="0"/>
+        </a:lnRef>
+        <a:fillRef idx="1">
+          <a:scrgbClr r="0" g="0" b="0"/>
+        </a:fillRef>
+        <a:effectRef idx="0">
+          <a:scrgbClr r="0" g="0" b="0"/>
+        </a:effectRef>
+        <a:fontRef idx="minor">
+          <a:schemeClr val="lt1"/>
+        </a:fontRef>
+      </dsp:style>
+      <dsp:txBody>
+        <a:bodyPr spcFirstLastPara="0" vert="horz" wrap="square" lIns="57150" tIns="57150" rIns="57150" bIns="57150" numCol="1" spcCol="1270" anchor="ctr" anchorCtr="0">
+          <a:noAutofit/>
+        </a:bodyPr>
+        <a:lstStyle/>
+        <a:p>
+          <a:pPr marL="0" lvl="0" indent="0" algn="ctr" defTabSz="666750">
+            <a:lnSpc>
+              <a:spcPct val="90000"/>
+            </a:lnSpc>
+            <a:spcBef>
+              <a:spcPct val="0"/>
+            </a:spcBef>
+            <a:spcAft>
+              <a:spcPct val="35000"/>
+            </a:spcAft>
+            <a:buNone/>
+          </a:pPr>
+          <a:r>
+            <a:rPr lang="en-US" sz="1500" kern="1200" dirty="0"/>
+            <a:t>UI-Modal</a:t>
+          </a:r>
+        </a:p>
+      </dsp:txBody>
+      <dsp:txXfrm>
+        <a:off x="60459" y="203123"/>
+        <a:ext cx="1617291" cy="1096451"/>
+      </dsp:txXfrm>
+    </dsp:sp>
+    <dsp:sp modelId="{857782CE-9EF5-482D-A255-FA6435D36FD4}">
+      <dsp:nvSpPr>
+        <dsp:cNvPr id="0" name=""/>
+        <dsp:cNvSpPr/>
+      </dsp:nvSpPr>
+      <dsp:spPr>
+        <a:xfrm>
+          <a:off x="1835716" y="209135"/>
+          <a:ext cx="2507686" cy="982101"/>
+        </a:xfrm>
+        <a:prstGeom prst="rect">
+          <a:avLst/>
+        </a:prstGeom>
+        <a:noFill/>
+        <a:ln>
+          <a:noFill/>
+        </a:ln>
+        <a:effectLst/>
+      </dsp:spPr>
+      <dsp:style>
+        <a:lnRef idx="0">
+          <a:scrgbClr r="0" g="0" b="0"/>
+        </a:lnRef>
+        <a:fillRef idx="0">
+          <a:scrgbClr r="0" g="0" b="0"/>
+        </a:fillRef>
+        <a:effectRef idx="0">
+          <a:scrgbClr r="0" g="0" b="0"/>
+        </a:effectRef>
+        <a:fontRef idx="minor"/>
+      </dsp:style>
+      <dsp:txBody>
+        <a:bodyPr spcFirstLastPara="0" vert="horz" wrap="square" lIns="60960" tIns="60960" rIns="60960" bIns="60960" numCol="1" spcCol="1270" anchor="ctr" anchorCtr="0">
+          <a:noAutofit/>
+        </a:bodyPr>
+        <a:lstStyle/>
+        <a:p>
+          <a:pPr marL="171450" lvl="1" indent="-171450" algn="l" defTabSz="711200">
+            <a:lnSpc>
+              <a:spcPct val="90000"/>
+            </a:lnSpc>
+            <a:spcBef>
+              <a:spcPct val="0"/>
+            </a:spcBef>
+            <a:spcAft>
+              <a:spcPct val="15000"/>
+            </a:spcAft>
+            <a:buChar char="•"/>
+          </a:pPr>
+          <a:r>
+            <a:rPr lang="en-US" sz="1600" kern="1200" dirty="0" err="1"/>
+            <a:t>ParticipantService</a:t>
+          </a:r>
+          <a:endParaRPr lang="en-US" sz="1600" kern="1200" dirty="0"/>
+        </a:p>
+        <a:p>
+          <a:pPr marL="171450" lvl="1" indent="-171450" algn="l" defTabSz="711200">
+            <a:lnSpc>
+              <a:spcPct val="90000"/>
+            </a:lnSpc>
+            <a:spcBef>
+              <a:spcPct val="0"/>
+            </a:spcBef>
+            <a:spcAft>
+              <a:spcPct val="15000"/>
+            </a:spcAft>
+            <a:buChar char="•"/>
+          </a:pPr>
+          <a:r>
+            <a:rPr lang="en-US" sz="1600" kern="1200" dirty="0"/>
+            <a:t> </a:t>
+          </a:r>
+          <a:r>
+            <a:rPr lang="en-US" sz="1600" kern="1200" dirty="0" err="1"/>
+            <a:t>listParticipants</a:t>
+          </a:r>
+          <a:r>
+            <a:rPr lang="en-US" sz="1600" kern="1200" dirty="0"/>
+            <a:t>()</a:t>
+          </a:r>
+        </a:p>
+      </dsp:txBody>
+      <dsp:txXfrm>
+        <a:off x="1835716" y="209135"/>
+        <a:ext cx="2507686" cy="982101"/>
+      </dsp:txXfrm>
+    </dsp:sp>
+    <dsp:sp modelId="{21A1E052-E114-4EA0-B477-C4B9BC555325}">
+      <dsp:nvSpPr>
+        <dsp:cNvPr id="0" name=""/>
+        <dsp:cNvSpPr/>
+      </dsp:nvSpPr>
+      <dsp:spPr>
+        <a:xfrm rot="5400000">
+          <a:off x="2012453" y="2651874"/>
+          <a:ext cx="1031207" cy="1173992"/>
+        </a:xfrm>
+        <a:prstGeom prst="bentUpArrow">
+          <a:avLst>
+            <a:gd name="adj1" fmla="val 32840"/>
+            <a:gd name="adj2" fmla="val 25000"/>
+            <a:gd name="adj3" fmla="val 35780"/>
+          </a:avLst>
+        </a:prstGeom>
+        <a:solidFill>
+          <a:schemeClr val="accent1">
+            <a:tint val="50000"/>
+            <a:hueOff val="-5477354"/>
+            <a:satOff val="-68862"/>
+            <a:lumOff val="4878"/>
+            <a:alphaOff val="0"/>
+          </a:schemeClr>
+        </a:solidFill>
+        <a:ln w="12700" cap="flat" cmpd="sng" algn="ctr">
+          <a:solidFill>
+            <a:schemeClr val="lt1">
+              <a:hueOff val="0"/>
+              <a:satOff val="0"/>
+              <a:lumOff val="0"/>
+              <a:alphaOff val="0"/>
+            </a:schemeClr>
+          </a:solidFill>
+          <a:prstDash val="solid"/>
+          <a:miter lim="800000"/>
+        </a:ln>
+        <a:effectLst/>
+      </dsp:spPr>
+      <dsp:style>
+        <a:lnRef idx="2">
+          <a:scrgbClr r="0" g="0" b="0"/>
+        </a:lnRef>
+        <a:fillRef idx="1">
+          <a:scrgbClr r="0" g="0" b="0"/>
+        </a:fillRef>
+        <a:effectRef idx="0">
+          <a:scrgbClr r="0" g="0" b="0"/>
+        </a:effectRef>
+        <a:fontRef idx="minor"/>
+      </dsp:style>
+    </dsp:sp>
+    <dsp:sp modelId="{13590236-58B0-4B42-ACBA-1FD26B32FBB5}">
+      <dsp:nvSpPr>
+        <dsp:cNvPr id="0" name=""/>
+        <dsp:cNvSpPr/>
+      </dsp:nvSpPr>
+      <dsp:spPr>
+        <a:xfrm>
+          <a:off x="1739246" y="1508761"/>
+          <a:ext cx="1735945" cy="1215105"/>
+        </a:xfrm>
+        <a:prstGeom prst="roundRect">
+          <a:avLst>
+            <a:gd name="adj" fmla="val 16670"/>
+          </a:avLst>
+        </a:prstGeom>
+        <a:solidFill>
+          <a:schemeClr val="accent3">
+            <a:hueOff val="0"/>
+            <a:satOff val="0"/>
+            <a:lumOff val="0"/>
+            <a:alphaOff val="0"/>
+          </a:schemeClr>
+        </a:solidFill>
+        <a:ln w="12700" cap="flat" cmpd="sng" algn="ctr">
+          <a:solidFill>
+            <a:schemeClr val="lt1">
+              <a:hueOff val="0"/>
+              <a:satOff val="0"/>
+              <a:lumOff val="0"/>
+              <a:alphaOff val="0"/>
+            </a:schemeClr>
+          </a:solidFill>
+          <a:prstDash val="solid"/>
+          <a:miter lim="800000"/>
+        </a:ln>
+        <a:effectLst/>
+      </dsp:spPr>
+      <dsp:style>
+        <a:lnRef idx="2">
+          <a:scrgbClr r="0" g="0" b="0"/>
+        </a:lnRef>
+        <a:fillRef idx="1">
+          <a:scrgbClr r="0" g="0" b="0"/>
+        </a:fillRef>
+        <a:effectRef idx="0">
+          <a:scrgbClr r="0" g="0" b="0"/>
+        </a:effectRef>
+        <a:fontRef idx="minor">
+          <a:schemeClr val="lt1"/>
+        </a:fontRef>
+      </dsp:style>
+      <dsp:txBody>
+        <a:bodyPr spcFirstLastPara="0" vert="horz" wrap="square" lIns="57150" tIns="57150" rIns="57150" bIns="57150" numCol="1" spcCol="1270" anchor="ctr" anchorCtr="0">
+          <a:noAutofit/>
+        </a:bodyPr>
+        <a:lstStyle/>
+        <a:p>
+          <a:pPr marL="0" lvl="0" indent="0" algn="ctr" defTabSz="666750">
+            <a:lnSpc>
+              <a:spcPct val="90000"/>
+            </a:lnSpc>
+            <a:spcBef>
+              <a:spcPct val="0"/>
+            </a:spcBef>
+            <a:spcAft>
+              <a:spcPct val="35000"/>
+            </a:spcAft>
+            <a:buNone/>
+          </a:pPr>
+          <a:r>
+            <a:rPr lang="en-US" sz="1500" kern="1200" dirty="0" err="1"/>
+            <a:t>ParticipantService</a:t>
+          </a:r>
+          <a:endParaRPr lang="en-US" sz="1500" kern="1200" dirty="0"/>
+        </a:p>
+      </dsp:txBody>
+      <dsp:txXfrm>
+        <a:off x="1798573" y="1568088"/>
+        <a:ext cx="1617291" cy="1096451"/>
+      </dsp:txXfrm>
+    </dsp:sp>
+    <dsp:sp modelId="{ADD4E4F7-3CBE-44AD-B10D-0399B1029DA3}">
+      <dsp:nvSpPr>
+        <dsp:cNvPr id="0" name=""/>
+        <dsp:cNvSpPr/>
+      </dsp:nvSpPr>
+      <dsp:spPr>
+        <a:xfrm>
+          <a:off x="3540807" y="1599271"/>
+          <a:ext cx="1640799" cy="982101"/>
+        </a:xfrm>
+        <a:prstGeom prst="rect">
+          <a:avLst/>
+        </a:prstGeom>
+        <a:noFill/>
+        <a:ln>
+          <a:noFill/>
+        </a:ln>
+        <a:effectLst/>
+      </dsp:spPr>
+      <dsp:style>
+        <a:lnRef idx="0">
+          <a:scrgbClr r="0" g="0" b="0"/>
+        </a:lnRef>
+        <a:fillRef idx="0">
+          <a:scrgbClr r="0" g="0" b="0"/>
+        </a:fillRef>
+        <a:effectRef idx="0">
+          <a:scrgbClr r="0" g="0" b="0"/>
+        </a:effectRef>
+        <a:fontRef idx="minor"/>
+      </dsp:style>
+      <dsp:txBody>
+        <a:bodyPr spcFirstLastPara="0" vert="horz" wrap="square" lIns="60960" tIns="60960" rIns="60960" bIns="60960" numCol="1" spcCol="1270" anchor="ctr" anchorCtr="0">
+          <a:noAutofit/>
+        </a:bodyPr>
+        <a:lstStyle/>
+        <a:p>
+          <a:pPr marL="171450" lvl="1" indent="-171450" algn="l" defTabSz="711200">
+            <a:lnSpc>
+              <a:spcPct val="90000"/>
+            </a:lnSpc>
+            <a:spcBef>
+              <a:spcPct val="0"/>
+            </a:spcBef>
+            <a:spcAft>
+              <a:spcPct val="15000"/>
+            </a:spcAft>
+            <a:buChar char="•"/>
+          </a:pPr>
+          <a:r>
+            <a:rPr lang="en-US" sz="1600" kern="1200" dirty="0" err="1"/>
+            <a:t>ParticipantDAL</a:t>
+          </a:r>
+          <a:endParaRPr lang="en-US" sz="1600" kern="1200" dirty="0"/>
+        </a:p>
+        <a:p>
+          <a:pPr marL="171450" lvl="1" indent="-171450" algn="l" defTabSz="711200">
+            <a:lnSpc>
+              <a:spcPct val="90000"/>
+            </a:lnSpc>
+            <a:spcBef>
+              <a:spcPct val="0"/>
+            </a:spcBef>
+            <a:spcAft>
+              <a:spcPct val="15000"/>
+            </a:spcAft>
+            <a:buChar char="•"/>
+          </a:pPr>
+          <a:r>
+            <a:rPr lang="en-US" sz="1600" kern="1200" dirty="0" err="1"/>
+            <a:t>listParticipant</a:t>
+          </a:r>
+          <a:r>
+            <a:rPr lang="en-US" sz="1600" kern="1200" dirty="0"/>
+            <a:t>()</a:t>
+          </a:r>
+        </a:p>
+      </dsp:txBody>
+      <dsp:txXfrm>
+        <a:off x="3540807" y="1599271"/>
+        <a:ext cx="1640799" cy="982101"/>
+      </dsp:txXfrm>
+    </dsp:sp>
+    <dsp:sp modelId="{2FFD8078-1D1E-4CD7-9E4C-F8734B094FCC}">
+      <dsp:nvSpPr>
+        <dsp:cNvPr id="0" name=""/>
+        <dsp:cNvSpPr/>
+      </dsp:nvSpPr>
+      <dsp:spPr>
+        <a:xfrm>
+          <a:off x="3477359" y="2873725"/>
+          <a:ext cx="1735945" cy="1215105"/>
+        </a:xfrm>
+        <a:prstGeom prst="roundRect">
+          <a:avLst>
+            <a:gd name="adj" fmla="val 16670"/>
+          </a:avLst>
+        </a:prstGeom>
+        <a:solidFill>
+          <a:schemeClr val="accent4">
+            <a:hueOff val="0"/>
+            <a:satOff val="0"/>
+            <a:lumOff val="0"/>
+            <a:alphaOff val="0"/>
+          </a:schemeClr>
+        </a:solidFill>
+        <a:ln w="12700" cap="flat" cmpd="sng" algn="ctr">
+          <a:solidFill>
+            <a:schemeClr val="lt1">
+              <a:hueOff val="0"/>
+              <a:satOff val="0"/>
+              <a:lumOff val="0"/>
+              <a:alphaOff val="0"/>
+            </a:schemeClr>
+          </a:solidFill>
+          <a:prstDash val="solid"/>
+          <a:miter lim="800000"/>
+        </a:ln>
+        <a:effectLst/>
+      </dsp:spPr>
+      <dsp:style>
+        <a:lnRef idx="2">
+          <a:scrgbClr r="0" g="0" b="0"/>
+        </a:lnRef>
+        <a:fillRef idx="1">
+          <a:scrgbClr r="0" g="0" b="0"/>
+        </a:fillRef>
+        <a:effectRef idx="0">
+          <a:scrgbClr r="0" g="0" b="0"/>
+        </a:effectRef>
+        <a:fontRef idx="minor">
+          <a:schemeClr val="lt1"/>
+        </a:fontRef>
+      </dsp:style>
+      <dsp:txBody>
+        <a:bodyPr spcFirstLastPara="0" vert="horz" wrap="square" lIns="57150" tIns="57150" rIns="57150" bIns="57150" numCol="1" spcCol="1270" anchor="ctr" anchorCtr="0">
+          <a:noAutofit/>
+        </a:bodyPr>
+        <a:lstStyle/>
+        <a:p>
+          <a:pPr marL="0" lvl="0" indent="0" algn="ctr" defTabSz="666750">
+            <a:lnSpc>
+              <a:spcPct val="90000"/>
+            </a:lnSpc>
+            <a:spcBef>
+              <a:spcPct val="0"/>
+            </a:spcBef>
+            <a:spcAft>
+              <a:spcPct val="35000"/>
+            </a:spcAft>
+            <a:buNone/>
+          </a:pPr>
+          <a:r>
+            <a:rPr lang="en-US" sz="1500" kern="1200" dirty="0" err="1"/>
+            <a:t>ParticipantDAL</a:t>
+          </a:r>
+          <a:endParaRPr lang="en-US" sz="1500" kern="1200" dirty="0"/>
+        </a:p>
+      </dsp:txBody>
+      <dsp:txXfrm>
+        <a:off x="3536686" y="2933052"/>
+        <a:ext cx="1617291" cy="1096451"/>
+      </dsp:txXfrm>
+    </dsp:sp>
+    <dsp:sp modelId="{98D06650-83AE-4CB7-AAB9-E6D83F1A3F8F}">
+      <dsp:nvSpPr>
+        <dsp:cNvPr id="0" name=""/>
+        <dsp:cNvSpPr/>
+      </dsp:nvSpPr>
+      <dsp:spPr>
+        <a:xfrm>
+          <a:off x="5213305" y="2989613"/>
+          <a:ext cx="1262561" cy="982101"/>
+        </a:xfrm>
+        <a:prstGeom prst="rect">
+          <a:avLst/>
+        </a:prstGeom>
+        <a:noFill/>
+        <a:ln>
+          <a:noFill/>
+        </a:ln>
+        <a:effectLst/>
+      </dsp:spPr>
+      <dsp:style>
+        <a:lnRef idx="0">
+          <a:scrgbClr r="0" g="0" b="0"/>
+        </a:lnRef>
+        <a:fillRef idx="0">
+          <a:scrgbClr r="0" g="0" b="0"/>
+        </a:fillRef>
+        <a:effectRef idx="0">
+          <a:scrgbClr r="0" g="0" b="0"/>
+        </a:effectRef>
+        <a:fontRef idx="minor"/>
+      </dsp:style>
+      <dsp:txBody>
+        <a:bodyPr spcFirstLastPara="0" vert="horz" wrap="square" lIns="87630" tIns="87630" rIns="87630" bIns="87630" numCol="1" spcCol="1270" anchor="ctr" anchorCtr="0">
+          <a:noAutofit/>
+        </a:bodyPr>
+        <a:lstStyle/>
+        <a:p>
+          <a:pPr marL="171450" lvl="1" indent="-171450" algn="l" defTabSz="800100">
+            <a:lnSpc>
+              <a:spcPct val="90000"/>
+            </a:lnSpc>
+            <a:spcBef>
+              <a:spcPct val="0"/>
+            </a:spcBef>
+            <a:spcAft>
+              <a:spcPct val="15000"/>
+            </a:spcAft>
+            <a:buChar char="•"/>
+          </a:pPr>
+          <a:r>
+            <a:rPr lang="en-US" sz="1800" kern="1200" dirty="0"/>
+            <a:t>Database</a:t>
+          </a:r>
+        </a:p>
+      </dsp:txBody>
+      <dsp:txXfrm>
+        <a:off x="5213305" y="2989613"/>
+        <a:ext cx="1262561" cy="982101"/>
+      </dsp:txXfrm>
+    </dsp:sp>
+  </dsp:spTree>
+</dsp:drawing>
+</file>
+
+<file path=ppt/diagrams/drawing7.xml><?xml version="1.0" encoding="utf-8"?>
+<dsp:drawing xmlns:dgm="http://schemas.openxmlformats.org/drawingml/2006/diagram" xmlns:dsp="http://schemas.microsoft.com/office/drawing/2008/diagram" xmlns:a="http://schemas.openxmlformats.org/drawingml/2006/main">
+  <dsp:spTree>
+    <dsp:nvGrpSpPr>
+      <dsp:cNvPr id="0" name=""/>
+      <dsp:cNvGrpSpPr/>
+    </dsp:nvGrpSpPr>
+    <dsp:grpSpPr/>
+    <dsp:sp modelId="{AC005A3D-92E0-4EEA-97B4-9DFE9CD8B925}">
+      <dsp:nvSpPr>
+        <dsp:cNvPr id="0" name=""/>
+        <dsp:cNvSpPr/>
+      </dsp:nvSpPr>
+      <dsp:spPr>
+        <a:xfrm rot="5400000">
+          <a:off x="274340" y="1286910"/>
+          <a:ext cx="1031207" cy="1173992"/>
+        </a:xfrm>
+        <a:prstGeom prst="bentUpArrow">
+          <a:avLst>
+            <a:gd name="adj1" fmla="val 32840"/>
+            <a:gd name="adj2" fmla="val 25000"/>
+            <a:gd name="adj3" fmla="val 35780"/>
+          </a:avLst>
+        </a:prstGeom>
+        <a:solidFill>
+          <a:schemeClr val="accent1">
+            <a:tint val="50000"/>
+            <a:hueOff val="0"/>
+            <a:satOff val="0"/>
+            <a:lumOff val="0"/>
+            <a:alphaOff val="0"/>
+          </a:schemeClr>
+        </a:solidFill>
+        <a:ln w="12700" cap="flat" cmpd="sng" algn="ctr">
+          <a:solidFill>
+            <a:schemeClr val="lt1">
+              <a:hueOff val="0"/>
+              <a:satOff val="0"/>
+              <a:lumOff val="0"/>
+              <a:alphaOff val="0"/>
+            </a:schemeClr>
+          </a:solidFill>
+          <a:prstDash val="solid"/>
+          <a:miter lim="800000"/>
+        </a:ln>
+        <a:effectLst/>
+      </dsp:spPr>
+      <dsp:style>
+        <a:lnRef idx="2">
+          <a:scrgbClr r="0" g="0" b="0"/>
+        </a:lnRef>
+        <a:fillRef idx="1">
+          <a:scrgbClr r="0" g="0" b="0"/>
+        </a:fillRef>
+        <a:effectRef idx="0">
+          <a:scrgbClr r="0" g="0" b="0"/>
+        </a:effectRef>
+        <a:fontRef idx="minor"/>
+      </dsp:style>
+    </dsp:sp>
+    <dsp:sp modelId="{2C1AF177-BBE8-426D-ADEF-7C84A77BD87F}">
+      <dsp:nvSpPr>
+        <dsp:cNvPr id="0" name=""/>
+        <dsp:cNvSpPr/>
+      </dsp:nvSpPr>
+      <dsp:spPr>
+        <a:xfrm>
+          <a:off x="1132" y="143796"/>
+          <a:ext cx="1735945" cy="1215105"/>
+        </a:xfrm>
+        <a:prstGeom prst="roundRect">
+          <a:avLst>
+            <a:gd name="adj" fmla="val 16670"/>
+          </a:avLst>
+        </a:prstGeom>
+        <a:solidFill>
+          <a:schemeClr val="accent2">
+            <a:hueOff val="0"/>
+            <a:satOff val="0"/>
+            <a:lumOff val="0"/>
+            <a:alphaOff val="0"/>
+          </a:schemeClr>
+        </a:solidFill>
+        <a:ln w="12700" cap="flat" cmpd="sng" algn="ctr">
+          <a:solidFill>
+            <a:schemeClr val="lt1">
+              <a:hueOff val="0"/>
+              <a:satOff val="0"/>
+              <a:lumOff val="0"/>
+              <a:alphaOff val="0"/>
+            </a:schemeClr>
+          </a:solidFill>
+          <a:prstDash val="solid"/>
+          <a:miter lim="800000"/>
+        </a:ln>
+        <a:effectLst/>
+      </dsp:spPr>
+      <dsp:style>
+        <a:lnRef idx="2">
+          <a:scrgbClr r="0" g="0" b="0"/>
+        </a:lnRef>
+        <a:fillRef idx="1">
+          <a:scrgbClr r="0" g="0" b="0"/>
+        </a:fillRef>
+        <a:effectRef idx="0">
+          <a:scrgbClr r="0" g="0" b="0"/>
+        </a:effectRef>
+        <a:fontRef idx="minor">
+          <a:schemeClr val="lt1"/>
+        </a:fontRef>
+      </dsp:style>
+      <dsp:txBody>
+        <a:bodyPr spcFirstLastPara="0" vert="horz" wrap="square" lIns="57150" tIns="57150" rIns="57150" bIns="57150" numCol="1" spcCol="1270" anchor="ctr" anchorCtr="0">
+          <a:noAutofit/>
+        </a:bodyPr>
+        <a:lstStyle/>
+        <a:p>
+          <a:pPr marL="0" lvl="0" indent="0" algn="ctr" defTabSz="666750">
+            <a:lnSpc>
+              <a:spcPct val="90000"/>
+            </a:lnSpc>
+            <a:spcBef>
+              <a:spcPct val="0"/>
+            </a:spcBef>
+            <a:spcAft>
+              <a:spcPct val="35000"/>
+            </a:spcAft>
+            <a:buNone/>
+          </a:pPr>
+          <a:r>
+            <a:rPr lang="en-US" sz="1500" kern="1200" dirty="0"/>
+            <a:t>UI-Modal</a:t>
+          </a:r>
+        </a:p>
+      </dsp:txBody>
+      <dsp:txXfrm>
+        <a:off x="60459" y="203123"/>
+        <a:ext cx="1617291" cy="1096451"/>
+      </dsp:txXfrm>
+    </dsp:sp>
+    <dsp:sp modelId="{857782CE-9EF5-482D-A255-FA6435D36FD4}">
+      <dsp:nvSpPr>
+        <dsp:cNvPr id="0" name=""/>
+        <dsp:cNvSpPr/>
+      </dsp:nvSpPr>
+      <dsp:spPr>
+        <a:xfrm>
+          <a:off x="1835716" y="209135"/>
+          <a:ext cx="2507686" cy="982101"/>
+        </a:xfrm>
+        <a:prstGeom prst="rect">
+          <a:avLst/>
+        </a:prstGeom>
+        <a:noFill/>
+        <a:ln>
+          <a:noFill/>
+        </a:ln>
+        <a:effectLst/>
+      </dsp:spPr>
+      <dsp:style>
+        <a:lnRef idx="0">
+          <a:scrgbClr r="0" g="0" b="0"/>
+        </a:lnRef>
+        <a:fillRef idx="0">
+          <a:scrgbClr r="0" g="0" b="0"/>
+        </a:fillRef>
+        <a:effectRef idx="0">
+          <a:scrgbClr r="0" g="0" b="0"/>
+        </a:effectRef>
+        <a:fontRef idx="minor"/>
+      </dsp:style>
+      <dsp:txBody>
+        <a:bodyPr spcFirstLastPara="0" vert="horz" wrap="square" lIns="60960" tIns="60960" rIns="60960" bIns="60960" numCol="1" spcCol="1270" anchor="ctr" anchorCtr="0">
+          <a:noAutofit/>
+        </a:bodyPr>
+        <a:lstStyle/>
+        <a:p>
+          <a:pPr marL="171450" lvl="1" indent="-171450" algn="l" defTabSz="711200">
+            <a:lnSpc>
+              <a:spcPct val="90000"/>
+            </a:lnSpc>
+            <a:spcBef>
+              <a:spcPct val="0"/>
+            </a:spcBef>
+            <a:spcAft>
+              <a:spcPct val="15000"/>
+            </a:spcAft>
+            <a:buChar char="•"/>
+          </a:pPr>
+          <a:r>
+            <a:rPr lang="en-US" sz="1600" kern="1200" dirty="0" err="1"/>
+            <a:t>ParticipantService</a:t>
+          </a:r>
+          <a:endParaRPr lang="en-US" sz="1600" kern="1200" dirty="0"/>
+        </a:p>
+        <a:p>
+          <a:pPr marL="171450" lvl="1" indent="-171450" algn="l" defTabSz="711200">
+            <a:lnSpc>
+              <a:spcPct val="90000"/>
+            </a:lnSpc>
+            <a:spcBef>
+              <a:spcPct val="0"/>
+            </a:spcBef>
+            <a:spcAft>
+              <a:spcPct val="15000"/>
+            </a:spcAft>
+            <a:buChar char="•"/>
+          </a:pPr>
+          <a:r>
+            <a:rPr lang="en-US" sz="1600" kern="1200" dirty="0"/>
+            <a:t> </a:t>
+          </a:r>
+          <a:r>
+            <a:rPr lang="en-US" sz="1600" kern="1200" dirty="0" err="1"/>
+            <a:t>listParticipants</a:t>
+          </a:r>
+          <a:r>
+            <a:rPr lang="en-US" sz="1600" kern="1200" dirty="0"/>
+            <a:t>()</a:t>
+          </a:r>
+        </a:p>
+      </dsp:txBody>
+      <dsp:txXfrm>
+        <a:off x="1835716" y="209135"/>
+        <a:ext cx="2507686" cy="982101"/>
+      </dsp:txXfrm>
+    </dsp:sp>
+    <dsp:sp modelId="{21A1E052-E114-4EA0-B477-C4B9BC555325}">
+      <dsp:nvSpPr>
+        <dsp:cNvPr id="0" name=""/>
+        <dsp:cNvSpPr/>
+      </dsp:nvSpPr>
+      <dsp:spPr>
+        <a:xfrm rot="5400000">
+          <a:off x="2012453" y="2651874"/>
+          <a:ext cx="1031207" cy="1173992"/>
+        </a:xfrm>
+        <a:prstGeom prst="bentUpArrow">
+          <a:avLst>
+            <a:gd name="adj1" fmla="val 32840"/>
+            <a:gd name="adj2" fmla="val 25000"/>
+            <a:gd name="adj3" fmla="val 35780"/>
+          </a:avLst>
+        </a:prstGeom>
+        <a:solidFill>
+          <a:schemeClr val="accent1">
+            <a:tint val="50000"/>
+            <a:hueOff val="-5477354"/>
+            <a:satOff val="-68862"/>
+            <a:lumOff val="4878"/>
+            <a:alphaOff val="0"/>
+          </a:schemeClr>
+        </a:solidFill>
+        <a:ln w="12700" cap="flat" cmpd="sng" algn="ctr">
+          <a:solidFill>
+            <a:schemeClr val="lt1">
+              <a:hueOff val="0"/>
+              <a:satOff val="0"/>
+              <a:lumOff val="0"/>
+              <a:alphaOff val="0"/>
+            </a:schemeClr>
+          </a:solidFill>
+          <a:prstDash val="solid"/>
+          <a:miter lim="800000"/>
+        </a:ln>
+        <a:effectLst/>
+      </dsp:spPr>
+      <dsp:style>
+        <a:lnRef idx="2">
+          <a:scrgbClr r="0" g="0" b="0"/>
+        </a:lnRef>
+        <a:fillRef idx="1">
+          <a:scrgbClr r="0" g="0" b="0"/>
+        </a:fillRef>
+        <a:effectRef idx="0">
+          <a:scrgbClr r="0" g="0" b="0"/>
+        </a:effectRef>
+        <a:fontRef idx="minor"/>
+      </dsp:style>
+    </dsp:sp>
+    <dsp:sp modelId="{13590236-58B0-4B42-ACBA-1FD26B32FBB5}">
+      <dsp:nvSpPr>
+        <dsp:cNvPr id="0" name=""/>
+        <dsp:cNvSpPr/>
+      </dsp:nvSpPr>
+      <dsp:spPr>
+        <a:xfrm>
+          <a:off x="1739246" y="1508761"/>
+          <a:ext cx="1735945" cy="1215105"/>
+        </a:xfrm>
+        <a:prstGeom prst="roundRect">
+          <a:avLst>
+            <a:gd name="adj" fmla="val 16670"/>
+          </a:avLst>
+        </a:prstGeom>
+        <a:solidFill>
+          <a:schemeClr val="accent3">
+            <a:hueOff val="0"/>
+            <a:satOff val="0"/>
+            <a:lumOff val="0"/>
+            <a:alphaOff val="0"/>
+          </a:schemeClr>
+        </a:solidFill>
+        <a:ln w="12700" cap="flat" cmpd="sng" algn="ctr">
+          <a:solidFill>
+            <a:schemeClr val="lt1">
+              <a:hueOff val="0"/>
+              <a:satOff val="0"/>
+              <a:lumOff val="0"/>
+              <a:alphaOff val="0"/>
+            </a:schemeClr>
+          </a:solidFill>
+          <a:prstDash val="solid"/>
+          <a:miter lim="800000"/>
+        </a:ln>
+        <a:effectLst/>
+      </dsp:spPr>
+      <dsp:style>
+        <a:lnRef idx="2">
+          <a:scrgbClr r="0" g="0" b="0"/>
+        </a:lnRef>
+        <a:fillRef idx="1">
+          <a:scrgbClr r="0" g="0" b="0"/>
+        </a:fillRef>
+        <a:effectRef idx="0">
+          <a:scrgbClr r="0" g="0" b="0"/>
+        </a:effectRef>
+        <a:fontRef idx="minor">
+          <a:schemeClr val="lt1"/>
+        </a:fontRef>
+      </dsp:style>
+      <dsp:txBody>
+        <a:bodyPr spcFirstLastPara="0" vert="horz" wrap="square" lIns="57150" tIns="57150" rIns="57150" bIns="57150" numCol="1" spcCol="1270" anchor="ctr" anchorCtr="0">
+          <a:noAutofit/>
+        </a:bodyPr>
+        <a:lstStyle/>
+        <a:p>
+          <a:pPr marL="0" lvl="0" indent="0" algn="ctr" defTabSz="666750">
+            <a:lnSpc>
+              <a:spcPct val="90000"/>
+            </a:lnSpc>
+            <a:spcBef>
+              <a:spcPct val="0"/>
+            </a:spcBef>
+            <a:spcAft>
+              <a:spcPct val="35000"/>
+            </a:spcAft>
+            <a:buNone/>
+          </a:pPr>
+          <a:r>
+            <a:rPr lang="en-US" sz="1500" kern="1200" dirty="0" err="1"/>
+            <a:t>ParticipantService</a:t>
+          </a:r>
+          <a:endParaRPr lang="en-US" sz="1500" kern="1200" dirty="0"/>
+        </a:p>
+      </dsp:txBody>
+      <dsp:txXfrm>
+        <a:off x="1798573" y="1568088"/>
+        <a:ext cx="1617291" cy="1096451"/>
+      </dsp:txXfrm>
+    </dsp:sp>
+    <dsp:sp modelId="{ADD4E4F7-3CBE-44AD-B10D-0399B1029DA3}">
+      <dsp:nvSpPr>
+        <dsp:cNvPr id="0" name=""/>
+        <dsp:cNvSpPr/>
+      </dsp:nvSpPr>
+      <dsp:spPr>
+        <a:xfrm>
+          <a:off x="3540807" y="1599271"/>
+          <a:ext cx="1640799" cy="982101"/>
+        </a:xfrm>
+        <a:prstGeom prst="rect">
+          <a:avLst/>
+        </a:prstGeom>
+        <a:noFill/>
+        <a:ln>
+          <a:noFill/>
+        </a:ln>
+        <a:effectLst/>
+      </dsp:spPr>
+      <dsp:style>
+        <a:lnRef idx="0">
+          <a:scrgbClr r="0" g="0" b="0"/>
+        </a:lnRef>
+        <a:fillRef idx="0">
+          <a:scrgbClr r="0" g="0" b="0"/>
+        </a:fillRef>
+        <a:effectRef idx="0">
+          <a:scrgbClr r="0" g="0" b="0"/>
+        </a:effectRef>
+        <a:fontRef idx="minor"/>
+      </dsp:style>
+      <dsp:txBody>
+        <a:bodyPr spcFirstLastPara="0" vert="horz" wrap="square" lIns="60960" tIns="60960" rIns="60960" bIns="60960" numCol="1" spcCol="1270" anchor="ctr" anchorCtr="0">
+          <a:noAutofit/>
+        </a:bodyPr>
+        <a:lstStyle/>
+        <a:p>
+          <a:pPr marL="171450" lvl="1" indent="-171450" algn="l" defTabSz="711200">
+            <a:lnSpc>
+              <a:spcPct val="90000"/>
+            </a:lnSpc>
+            <a:spcBef>
+              <a:spcPct val="0"/>
+            </a:spcBef>
+            <a:spcAft>
+              <a:spcPct val="15000"/>
+            </a:spcAft>
+            <a:buChar char="•"/>
+          </a:pPr>
+          <a:r>
+            <a:rPr lang="en-US" sz="1600" kern="1200" dirty="0" err="1"/>
+            <a:t>ParticipantDAL</a:t>
+          </a:r>
+          <a:endParaRPr lang="en-US" sz="1600" kern="1200" dirty="0"/>
+        </a:p>
+        <a:p>
+          <a:pPr marL="171450" lvl="1" indent="-171450" algn="l" defTabSz="711200">
+            <a:lnSpc>
+              <a:spcPct val="90000"/>
+            </a:lnSpc>
+            <a:spcBef>
+              <a:spcPct val="0"/>
+            </a:spcBef>
+            <a:spcAft>
+              <a:spcPct val="15000"/>
+            </a:spcAft>
+            <a:buChar char="•"/>
+          </a:pPr>
+          <a:r>
+            <a:rPr lang="en-US" sz="1600" kern="1200" dirty="0" err="1"/>
+            <a:t>listParticipant</a:t>
+          </a:r>
+          <a:r>
+            <a:rPr lang="en-US" sz="1600" kern="1200" dirty="0"/>
+            <a:t>()</a:t>
+          </a:r>
+        </a:p>
+      </dsp:txBody>
+      <dsp:txXfrm>
+        <a:off x="3540807" y="1599271"/>
+        <a:ext cx="1640799" cy="982101"/>
+      </dsp:txXfrm>
+    </dsp:sp>
+    <dsp:sp modelId="{2FFD8078-1D1E-4CD7-9E4C-F8734B094FCC}">
+      <dsp:nvSpPr>
+        <dsp:cNvPr id="0" name=""/>
+        <dsp:cNvSpPr/>
+      </dsp:nvSpPr>
+      <dsp:spPr>
+        <a:xfrm>
+          <a:off x="3477359" y="2873725"/>
+          <a:ext cx="1735945" cy="1215105"/>
+        </a:xfrm>
+        <a:prstGeom prst="roundRect">
+          <a:avLst>
+            <a:gd name="adj" fmla="val 16670"/>
+          </a:avLst>
+        </a:prstGeom>
+        <a:solidFill>
+          <a:schemeClr val="accent4">
+            <a:hueOff val="0"/>
+            <a:satOff val="0"/>
+            <a:lumOff val="0"/>
+            <a:alphaOff val="0"/>
+          </a:schemeClr>
+        </a:solidFill>
+        <a:ln w="12700" cap="flat" cmpd="sng" algn="ctr">
+          <a:solidFill>
+            <a:schemeClr val="lt1">
+              <a:hueOff val="0"/>
+              <a:satOff val="0"/>
+              <a:lumOff val="0"/>
+              <a:alphaOff val="0"/>
+            </a:schemeClr>
+          </a:solidFill>
+          <a:prstDash val="solid"/>
+          <a:miter lim="800000"/>
+        </a:ln>
+        <a:effectLst/>
+      </dsp:spPr>
+      <dsp:style>
+        <a:lnRef idx="2">
+          <a:scrgbClr r="0" g="0" b="0"/>
+        </a:lnRef>
+        <a:fillRef idx="1">
+          <a:scrgbClr r="0" g="0" b="0"/>
+        </a:fillRef>
+        <a:effectRef idx="0">
+          <a:scrgbClr r="0" g="0" b="0"/>
+        </a:effectRef>
+        <a:fontRef idx="minor">
+          <a:schemeClr val="lt1"/>
+        </a:fontRef>
+      </dsp:style>
+      <dsp:txBody>
+        <a:bodyPr spcFirstLastPara="0" vert="horz" wrap="square" lIns="57150" tIns="57150" rIns="57150" bIns="57150" numCol="1" spcCol="1270" anchor="ctr" anchorCtr="0">
+          <a:noAutofit/>
+        </a:bodyPr>
+        <a:lstStyle/>
+        <a:p>
+          <a:pPr marL="0" lvl="0" indent="0" algn="ctr" defTabSz="666750">
+            <a:lnSpc>
+              <a:spcPct val="90000"/>
+            </a:lnSpc>
+            <a:spcBef>
+              <a:spcPct val="0"/>
+            </a:spcBef>
+            <a:spcAft>
+              <a:spcPct val="35000"/>
+            </a:spcAft>
+            <a:buNone/>
+          </a:pPr>
+          <a:r>
+            <a:rPr lang="en-US" sz="1500" kern="1200" dirty="0" err="1"/>
+            <a:t>ParticipantDAL</a:t>
+          </a:r>
+          <a:endParaRPr lang="en-US" sz="1500" kern="1200" dirty="0"/>
+        </a:p>
+      </dsp:txBody>
+      <dsp:txXfrm>
+        <a:off x="3536686" y="2933052"/>
+        <a:ext cx="1617291" cy="1096451"/>
+      </dsp:txXfrm>
+    </dsp:sp>
+    <dsp:sp modelId="{98D06650-83AE-4CB7-AAB9-E6D83F1A3F8F}">
+      <dsp:nvSpPr>
+        <dsp:cNvPr id="0" name=""/>
+        <dsp:cNvSpPr/>
+      </dsp:nvSpPr>
+      <dsp:spPr>
+        <a:xfrm>
+          <a:off x="5213305" y="2989613"/>
+          <a:ext cx="1262561" cy="982101"/>
+        </a:xfrm>
+        <a:prstGeom prst="rect">
+          <a:avLst/>
+        </a:prstGeom>
+        <a:noFill/>
+        <a:ln>
+          <a:noFill/>
+        </a:ln>
+        <a:effectLst/>
+      </dsp:spPr>
+      <dsp:style>
+        <a:lnRef idx="0">
+          <a:scrgbClr r="0" g="0" b="0"/>
+        </a:lnRef>
+        <a:fillRef idx="0">
+          <a:scrgbClr r="0" g="0" b="0"/>
+        </a:fillRef>
+        <a:effectRef idx="0">
+          <a:scrgbClr r="0" g="0" b="0"/>
+        </a:effectRef>
+        <a:fontRef idx="minor"/>
+      </dsp:style>
+      <dsp:txBody>
+        <a:bodyPr spcFirstLastPara="0" vert="horz" wrap="square" lIns="87630" tIns="87630" rIns="87630" bIns="87630" numCol="1" spcCol="1270" anchor="ctr" anchorCtr="0">
+          <a:noAutofit/>
+        </a:bodyPr>
+        <a:lstStyle/>
+        <a:p>
+          <a:pPr marL="171450" lvl="1" indent="-171450" algn="l" defTabSz="800100">
+            <a:lnSpc>
+              <a:spcPct val="90000"/>
+            </a:lnSpc>
+            <a:spcBef>
+              <a:spcPct val="0"/>
+            </a:spcBef>
+            <a:spcAft>
+              <a:spcPct val="15000"/>
+            </a:spcAft>
+            <a:buChar char="•"/>
+          </a:pPr>
+          <a:r>
+            <a:rPr lang="en-US" sz="1800" kern="1200" dirty="0"/>
+            <a:t>Database</a:t>
+          </a:r>
+        </a:p>
+      </dsp:txBody>
+      <dsp:txXfrm>
+        <a:off x="5213305" y="2989613"/>
+        <a:ext cx="1262561" cy="982101"/>
+      </dsp:txXfrm>
+    </dsp:sp>
+  </dsp:spTree>
+</dsp:drawing>
+</file>
+
+<file path=ppt/diagrams/drawing8.xml><?xml version="1.0" encoding="utf-8"?>
+<dsp:drawing xmlns:dgm="http://schemas.openxmlformats.org/drawingml/2006/diagram" xmlns:dsp="http://schemas.microsoft.com/office/drawing/2008/diagram" xmlns:a="http://schemas.openxmlformats.org/drawingml/2006/main">
+  <dsp:spTree>
+    <dsp:nvGrpSpPr>
+      <dsp:cNvPr id="0" name=""/>
+      <dsp:cNvGrpSpPr/>
+    </dsp:nvGrpSpPr>
+    <dsp:grpSpPr/>
     <dsp:sp modelId="{9DA2373B-2C93-4757-B244-C8D55C880082}">
       <dsp:nvSpPr>
         <dsp:cNvPr id="0" name=""/>
@@ -12245,7 +16185,7 @@
 </dsp:drawing>
 </file>
 
-<file path=ppt/diagrams/drawing7.xml><?xml version="1.0" encoding="utf-8"?>
+<file path=ppt/diagrams/drawing9.xml><?xml version="1.0" encoding="utf-8"?>
 <dsp:drawing xmlns:dgm="http://schemas.openxmlformats.org/drawingml/2006/diagram" xmlns:dsp="http://schemas.microsoft.com/office/drawing/2008/diagram" xmlns:a="http://schemas.openxmlformats.org/drawingml/2006/main">
   <dsp:spTree>
     <dsp:nvGrpSpPr>
@@ -14417,6 +18357,642 @@
 </file>
 
 <file path=ppt/diagrams/layout6.xml><?xml version="1.0" encoding="utf-8"?>
+<dgm:layoutDef xmlns:dgm="http://schemas.openxmlformats.org/drawingml/2006/diagram" xmlns:a="http://schemas.openxmlformats.org/drawingml/2006/main" uniqueId="urn:microsoft.com/office/officeart/2005/8/layout/StepDownProcess">
+  <dgm:title val=""/>
+  <dgm:desc val=""/>
+  <dgm:catLst>
+    <dgm:cat type="process" pri="1600"/>
+  </dgm:catLst>
+  <dgm:sampData>
+    <dgm:dataModel>
+      <dgm:ptLst>
+        <dgm:pt modelId="0" type="doc"/>
+        <dgm:pt modelId="10">
+          <dgm:prSet phldr="1"/>
+        </dgm:pt>
+        <dgm:pt modelId="11">
+          <dgm:prSet phldr="1"/>
+        </dgm:pt>
+        <dgm:pt modelId="20">
+          <dgm:prSet phldr="1"/>
+        </dgm:pt>
+        <dgm:pt modelId="21">
+          <dgm:prSet phldr="1"/>
+        </dgm:pt>
+        <dgm:pt modelId="30">
+          <dgm:prSet phldr="1"/>
+        </dgm:pt>
+        <dgm:pt modelId="31">
+          <dgm:prSet phldr="1"/>
+        </dgm:pt>
+      </dgm:ptLst>
+      <dgm:cxnLst>
+        <dgm:cxn modelId="60" srcId="0" destId="10" srcOrd="0" destOrd="0"/>
+        <dgm:cxn modelId="12" srcId="10" destId="11" srcOrd="0" destOrd="0"/>
+        <dgm:cxn modelId="70" srcId="0" destId="20" srcOrd="1" destOrd="0"/>
+        <dgm:cxn modelId="22" srcId="20" destId="21" srcOrd="0" destOrd="0"/>
+        <dgm:cxn modelId="80" srcId="0" destId="30" srcOrd="2" destOrd="0"/>
+        <dgm:cxn modelId="32" srcId="30" destId="31" srcOrd="0" destOrd="0"/>
+      </dgm:cxnLst>
+      <dgm:bg/>
+      <dgm:whole/>
+    </dgm:dataModel>
+  </dgm:sampData>
+  <dgm:styleData>
+    <dgm:dataModel>
+      <dgm:ptLst>
+        <dgm:pt modelId="0" type="doc"/>
+        <dgm:pt modelId="10">
+          <dgm:prSet phldr="1"/>
+        </dgm:pt>
+        <dgm:pt modelId="20">
+          <dgm:prSet phldr="1"/>
+        </dgm:pt>
+      </dgm:ptLst>
+      <dgm:cxnLst>
+        <dgm:cxn modelId="60" srcId="0" destId="10" srcOrd="0" destOrd="0"/>
+        <dgm:cxn modelId="70" srcId="0" destId="20" srcOrd="1" destOrd="0"/>
+      </dgm:cxnLst>
+      <dgm:bg/>
+      <dgm:whole/>
+    </dgm:dataModel>
+  </dgm:styleData>
+  <dgm:clrData>
+    <dgm:dataModel>
+      <dgm:ptLst>
+        <dgm:pt modelId="0" type="doc"/>
+        <dgm:pt modelId="10">
+          <dgm:prSet phldr="1"/>
+        </dgm:pt>
+        <dgm:pt modelId="20">
+          <dgm:prSet phldr="1"/>
+        </dgm:pt>
+        <dgm:pt modelId="30">
+          <dgm:prSet phldr="1"/>
+        </dgm:pt>
+        <dgm:pt modelId="40">
+          <dgm:prSet phldr="1"/>
+        </dgm:pt>
+      </dgm:ptLst>
+      <dgm:cxnLst>
+        <dgm:cxn modelId="60" srcId="0" destId="10" srcOrd="0" destOrd="0"/>
+        <dgm:cxn modelId="70" srcId="0" destId="20" srcOrd="1" destOrd="0"/>
+        <dgm:cxn modelId="80" srcId="0" destId="30" srcOrd="2" destOrd="0"/>
+        <dgm:cxn modelId="90" srcId="0" destId="40" srcOrd="3" destOrd="0"/>
+      </dgm:cxnLst>
+      <dgm:bg/>
+      <dgm:whole/>
+    </dgm:dataModel>
+  </dgm:clrData>
+  <dgm:layoutNode name="rootnode">
+    <dgm:varLst>
+      <dgm:chMax/>
+      <dgm:chPref/>
+      <dgm:dir/>
+      <dgm:animLvl val="lvl"/>
+    </dgm:varLst>
+    <dgm:choose name="Name0">
+      <dgm:if name="Name1" func="var" arg="dir" op="equ" val="norm">
+        <dgm:alg type="snake">
+          <dgm:param type="grDir" val="tL"/>
+          <dgm:param type="flowDir" val="row"/>
+          <dgm:param type="off" val="off"/>
+          <dgm:param type="bkpt" val="fixed"/>
+          <dgm:param type="bkPtFixedVal" val="1"/>
+        </dgm:alg>
+      </dgm:if>
+      <dgm:else name="Name2">
+        <dgm:alg type="snake">
+          <dgm:param type="grDir" val="tR"/>
+          <dgm:param type="flowDir" val="row"/>
+          <dgm:param type="off" val="off"/>
+          <dgm:param type="bkpt" val="fixed"/>
+          <dgm:param type="bkPtFixedVal" val="1"/>
+        </dgm:alg>
+      </dgm:else>
+    </dgm:choose>
+    <dgm:shape xmlns:r="http://schemas.openxmlformats.org/officeDocument/2006/relationships" r:blip="">
+      <dgm:adjLst/>
+    </dgm:shape>
+    <dgm:choose name="Name3">
+      <dgm:if name="Name4" func="var" arg="dir" op="equ" val="norm">
+        <dgm:constrLst>
+          <dgm:constr type="alignOff" forName="rootnode" val="0.48"/>
+          <dgm:constr type="primFontSz" for="des" forName="ParentText" val="65"/>
+          <dgm:constr type="primFontSz" for="des" forName="ChildText" refType="primFontSz" refFor="des" refForName="ParentText" op="lte"/>
+          <dgm:constr type="w" for="ch" forName="composite" refType="w"/>
+          <dgm:constr type="h" for="ch" forName="composite" refType="h"/>
+          <dgm:constr type="sp" refType="h" refFor="ch" refForName="composite" op="equ" fact="-0.38"/>
+        </dgm:constrLst>
+      </dgm:if>
+      <dgm:else name="Name5">
+        <dgm:constrLst>
+          <dgm:constr type="alignOff" forName="rootnode" val="0.48"/>
+          <dgm:constr type="primFontSz" for="des" forName="ParentText" val="65"/>
+          <dgm:constr type="primFontSz" for="des" forName="ChildText" refType="primFontSz" refFor="des" refForName="ParentText" op="lte"/>
+          <dgm:constr type="w" for="ch" forName="composite" refType="w"/>
+          <dgm:constr type="h" for="ch" forName="composite" refType="h"/>
+          <dgm:constr type="sp" refType="h" refFor="ch" refForName="composite" op="equ" fact="-0.38"/>
+        </dgm:constrLst>
+      </dgm:else>
+    </dgm:choose>
+    <dgm:forEach name="nodesForEach" axis="ch" ptType="node">
+      <dgm:layoutNode name="composite">
+        <dgm:alg type="composite">
+          <dgm:param type="ar" val="1.2439"/>
+        </dgm:alg>
+        <dgm:shape xmlns:r="http://schemas.openxmlformats.org/officeDocument/2006/relationships" r:blip="">
+          <dgm:adjLst/>
+        </dgm:shape>
+        <dgm:choose name="Name6">
+          <dgm:if name="Name7" func="var" arg="dir" op="equ" val="norm">
+            <dgm:constrLst>
+              <dgm:constr type="l" for="ch" forName="bentUpArrow1" refType="w" fact="0.07"/>
+              <dgm:constr type="t" for="ch" forName="bentUpArrow1" refType="h" fact="0.524"/>
+              <dgm:constr type="w" for="ch" forName="bentUpArrow1" refType="w" fact="0.3844"/>
+              <dgm:constr type="h" for="ch" forName="bentUpArrow1" refType="h" fact="0.42"/>
+              <dgm:constr type="l" for="ch" forName="ParentText" refType="w" fact="0"/>
+              <dgm:constr type="t" for="ch" forName="ParentText" refType="h" fact="0"/>
+              <dgm:constr type="w" for="ch" forName="ParentText" refType="w" fact="0.5684"/>
+              <dgm:constr type="h" for="ch" forName="ParentText" refType="h" fact="0.4949"/>
+              <dgm:constr type="l" for="ch" forName="ChildText" refType="w" refFor="ch" refForName="ParentText"/>
+              <dgm:constr type="t" for="ch" forName="ChildText" refType="h" fact="0.05"/>
+              <dgm:constr type="w" for="ch" forName="ChildText" refType="w" fact="0.4134"/>
+              <dgm:constr type="h" for="ch" forName="ChildText" refType="h" fact="0.4"/>
+              <dgm:constr type="l" for="ch" forName="FinalChildText" refType="w" refFor="ch" refForName="ParentText"/>
+              <dgm:constr type="t" for="ch" forName="FinalChildText" refType="h" fact="0.05"/>
+              <dgm:constr type="w" for="ch" forName="FinalChildText" refType="w" fact="0.4134"/>
+              <dgm:constr type="h" for="ch" forName="FinalChildText" refType="h" fact="0.4"/>
+            </dgm:constrLst>
+          </dgm:if>
+          <dgm:else name="Name8">
+            <dgm:constrLst>
+              <dgm:constr type="r" for="ch" forName="bentUpArrow1" refType="w" fact="0.97"/>
+              <dgm:constr type="t" for="ch" forName="bentUpArrow1" refType="h" fact="0.524"/>
+              <dgm:constr type="w" for="ch" forName="bentUpArrow1" refType="w" fact="0.3844"/>
+              <dgm:constr type="h" for="ch" forName="bentUpArrow1" refType="h" fact="0.42"/>
+              <dgm:constr type="l" for="ch" forName="ParentText" refType="w" fact="0.4316"/>
+              <dgm:constr type="t" for="ch" forName="ParentText" refType="h" fact="0"/>
+              <dgm:constr type="w" for="ch" forName="ParentText" refType="w" fact="0.5684"/>
+              <dgm:constr type="h" for="ch" forName="ParentText" refType="h" fact="0.4949"/>
+              <dgm:constr type="l" for="ch" forName="ChildText" refType="w" fact="0"/>
+              <dgm:constr type="t" for="ch" forName="ChildText" refType="h" fact="0.05"/>
+              <dgm:constr type="w" for="ch" forName="ChildText" refType="w" fact="0.4134"/>
+              <dgm:constr type="h" for="ch" forName="ChildText" refType="h" fact="0.4"/>
+              <dgm:constr type="l" for="ch" forName="FinalChildText" refType="w" fact="0"/>
+              <dgm:constr type="t" for="ch" forName="FinalChildText" refType="h" fact="0.05"/>
+              <dgm:constr type="w" for="ch" forName="FinalChildText" refType="w" fact="0.4134"/>
+              <dgm:constr type="h" for="ch" forName="FinalChildText" refType="h" fact="0.4"/>
+            </dgm:constrLst>
+          </dgm:else>
+        </dgm:choose>
+        <dgm:choose name="Name9">
+          <dgm:if name="Name10" axis="followSib" ptType="node" func="cnt" op="gte" val="1">
+            <dgm:layoutNode name="bentUpArrow1" styleLbl="alignImgPlace1">
+              <dgm:alg type="sp"/>
+              <dgm:choose name="Name11">
+                <dgm:if name="Name12" func="var" arg="dir" op="equ" val="norm">
+                  <dgm:shape xmlns:r="http://schemas.openxmlformats.org/officeDocument/2006/relationships" rot="90" type="bentUpArrow" r:blip="">
+                    <dgm:adjLst>
+                      <dgm:adj idx="1" val="0.3284"/>
+                      <dgm:adj idx="2" val="0.25"/>
+                      <dgm:adj idx="3" val="0.3578"/>
+                    </dgm:adjLst>
+                  </dgm:shape>
+                </dgm:if>
+                <dgm:else name="Name13">
+                  <dgm:shape xmlns:r="http://schemas.openxmlformats.org/officeDocument/2006/relationships" rot="180" type="bentArrow" r:blip="">
+                    <dgm:adjLst>
+                      <dgm:adj idx="1" val="0.3284"/>
+                      <dgm:adj idx="2" val="0.25"/>
+                      <dgm:adj idx="3" val="0.3578"/>
+                      <dgm:adj idx="4" val="0"/>
+                    </dgm:adjLst>
+                  </dgm:shape>
+                </dgm:else>
+              </dgm:choose>
+              <dgm:presOf/>
+            </dgm:layoutNode>
+          </dgm:if>
+          <dgm:else name="Name14"/>
+        </dgm:choose>
+        <dgm:layoutNode name="ParentText" styleLbl="node1">
+          <dgm:varLst>
+            <dgm:chMax val="1"/>
+            <dgm:chPref val="1"/>
+            <dgm:bulletEnabled val="1"/>
+          </dgm:varLst>
+          <dgm:alg type="tx"/>
+          <dgm:shape xmlns:r="http://schemas.openxmlformats.org/officeDocument/2006/relationships" type="roundRect" r:blip="">
+            <dgm:adjLst>
+              <dgm:adj idx="1" val="0.1667"/>
+            </dgm:adjLst>
+          </dgm:shape>
+          <dgm:presOf axis="self" ptType="node"/>
+          <dgm:constrLst>
+            <dgm:constr type="lMarg" refType="primFontSz" fact="0.3"/>
+            <dgm:constr type="rMarg" refType="primFontSz" fact="0.3"/>
+            <dgm:constr type="tMarg" refType="primFontSz" fact="0.3"/>
+            <dgm:constr type="bMarg" refType="primFontSz" fact="0.3"/>
+          </dgm:constrLst>
+          <dgm:ruleLst>
+            <dgm:rule type="primFontSz" val="5" fact="NaN" max="NaN"/>
+          </dgm:ruleLst>
+        </dgm:layoutNode>
+        <dgm:choose name="Name15">
+          <dgm:if name="Name16" axis="followSib" ptType="node" func="cnt" op="equ" val="0">
+            <dgm:choose name="Name17">
+              <dgm:if name="Name18" axis="ch" ptType="node" func="cnt" op="gte" val="1">
+                <dgm:layoutNode name="FinalChildText" styleLbl="revTx">
+                  <dgm:varLst>
+                    <dgm:chMax val="0"/>
+                    <dgm:chPref val="0"/>
+                    <dgm:bulletEnabled val="1"/>
+                  </dgm:varLst>
+                  <dgm:alg type="tx">
+                    <dgm:param type="stBulletLvl" val="1"/>
+                    <dgm:param type="txAnchorVertCh" val="mid"/>
+                    <dgm:param type="parTxLTRAlign" val="l"/>
+                  </dgm:alg>
+                  <dgm:shape xmlns:r="http://schemas.openxmlformats.org/officeDocument/2006/relationships" type="rect" r:blip="">
+                    <dgm:adjLst/>
+                  </dgm:shape>
+                  <dgm:presOf axis="des" ptType="node"/>
+                  <dgm:constrLst>
+                    <dgm:constr type="lMarg" refType="primFontSz" fact="0.3"/>
+                    <dgm:constr type="rMarg" refType="primFontSz" fact="0.3"/>
+                    <dgm:constr type="tMarg" refType="primFontSz" fact="0.3"/>
+                    <dgm:constr type="bMarg" refType="primFontSz" fact="0.3"/>
+                  </dgm:constrLst>
+                  <dgm:ruleLst>
+                    <dgm:rule type="primFontSz" val="5" fact="NaN" max="NaN"/>
+                  </dgm:ruleLst>
+                </dgm:layoutNode>
+              </dgm:if>
+              <dgm:else name="Name19"/>
+            </dgm:choose>
+          </dgm:if>
+          <dgm:else name="Name20">
+            <dgm:layoutNode name="ChildText" styleLbl="revTx">
+              <dgm:varLst>
+                <dgm:chMax val="0"/>
+                <dgm:chPref val="0"/>
+                <dgm:bulletEnabled val="1"/>
+              </dgm:varLst>
+              <dgm:alg type="tx">
+                <dgm:param type="stBulletLvl" val="1"/>
+                <dgm:param type="txAnchorVertCh" val="mid"/>
+                <dgm:param type="parTxLTRAlign" val="l"/>
+              </dgm:alg>
+              <dgm:shape xmlns:r="http://schemas.openxmlformats.org/officeDocument/2006/relationships" type="rect" r:blip="">
+                <dgm:adjLst/>
+              </dgm:shape>
+              <dgm:presOf axis="des" ptType="node"/>
+              <dgm:constrLst>
+                <dgm:constr type="lMarg" refType="primFontSz" fact="0.3"/>
+                <dgm:constr type="rMarg" refType="primFontSz" fact="0.3"/>
+                <dgm:constr type="tMarg" refType="primFontSz" fact="0.3"/>
+                <dgm:constr type="bMarg" refType="primFontSz" fact="0.3"/>
+              </dgm:constrLst>
+              <dgm:ruleLst>
+                <dgm:rule type="primFontSz" val="5" fact="NaN" max="NaN"/>
+              </dgm:ruleLst>
+            </dgm:layoutNode>
+          </dgm:else>
+        </dgm:choose>
+      </dgm:layoutNode>
+      <dgm:forEach name="sibTransForEach" axis="followSib" ptType="sibTrans" cnt="1">
+        <dgm:layoutNode name="sibTrans">
+          <dgm:alg type="sp"/>
+          <dgm:shape xmlns:r="http://schemas.openxmlformats.org/officeDocument/2006/relationships" r:blip="">
+            <dgm:adjLst/>
+          </dgm:shape>
+        </dgm:layoutNode>
+      </dgm:forEach>
+    </dgm:forEach>
+  </dgm:layoutNode>
+</dgm:layoutDef>
+</file>
+
+<file path=ppt/diagrams/layout7.xml><?xml version="1.0" encoding="utf-8"?>
+<dgm:layoutDef xmlns:dgm="http://schemas.openxmlformats.org/drawingml/2006/diagram" xmlns:a="http://schemas.openxmlformats.org/drawingml/2006/main" uniqueId="urn:microsoft.com/office/officeart/2005/8/layout/StepDownProcess">
+  <dgm:title val=""/>
+  <dgm:desc val=""/>
+  <dgm:catLst>
+    <dgm:cat type="process" pri="1600"/>
+  </dgm:catLst>
+  <dgm:sampData>
+    <dgm:dataModel>
+      <dgm:ptLst>
+        <dgm:pt modelId="0" type="doc"/>
+        <dgm:pt modelId="10">
+          <dgm:prSet phldr="1"/>
+        </dgm:pt>
+        <dgm:pt modelId="11">
+          <dgm:prSet phldr="1"/>
+        </dgm:pt>
+        <dgm:pt modelId="20">
+          <dgm:prSet phldr="1"/>
+        </dgm:pt>
+        <dgm:pt modelId="21">
+          <dgm:prSet phldr="1"/>
+        </dgm:pt>
+        <dgm:pt modelId="30">
+          <dgm:prSet phldr="1"/>
+        </dgm:pt>
+        <dgm:pt modelId="31">
+          <dgm:prSet phldr="1"/>
+        </dgm:pt>
+      </dgm:ptLst>
+      <dgm:cxnLst>
+        <dgm:cxn modelId="60" srcId="0" destId="10" srcOrd="0" destOrd="0"/>
+        <dgm:cxn modelId="12" srcId="10" destId="11" srcOrd="0" destOrd="0"/>
+        <dgm:cxn modelId="70" srcId="0" destId="20" srcOrd="1" destOrd="0"/>
+        <dgm:cxn modelId="22" srcId="20" destId="21" srcOrd="0" destOrd="0"/>
+        <dgm:cxn modelId="80" srcId="0" destId="30" srcOrd="2" destOrd="0"/>
+        <dgm:cxn modelId="32" srcId="30" destId="31" srcOrd="0" destOrd="0"/>
+      </dgm:cxnLst>
+      <dgm:bg/>
+      <dgm:whole/>
+    </dgm:dataModel>
+  </dgm:sampData>
+  <dgm:styleData>
+    <dgm:dataModel>
+      <dgm:ptLst>
+        <dgm:pt modelId="0" type="doc"/>
+        <dgm:pt modelId="10">
+          <dgm:prSet phldr="1"/>
+        </dgm:pt>
+        <dgm:pt modelId="20">
+          <dgm:prSet phldr="1"/>
+        </dgm:pt>
+      </dgm:ptLst>
+      <dgm:cxnLst>
+        <dgm:cxn modelId="60" srcId="0" destId="10" srcOrd="0" destOrd="0"/>
+        <dgm:cxn modelId="70" srcId="0" destId="20" srcOrd="1" destOrd="0"/>
+      </dgm:cxnLst>
+      <dgm:bg/>
+      <dgm:whole/>
+    </dgm:dataModel>
+  </dgm:styleData>
+  <dgm:clrData>
+    <dgm:dataModel>
+      <dgm:ptLst>
+        <dgm:pt modelId="0" type="doc"/>
+        <dgm:pt modelId="10">
+          <dgm:prSet phldr="1"/>
+        </dgm:pt>
+        <dgm:pt modelId="20">
+          <dgm:prSet phldr="1"/>
+        </dgm:pt>
+        <dgm:pt modelId="30">
+          <dgm:prSet phldr="1"/>
+        </dgm:pt>
+        <dgm:pt modelId="40">
+          <dgm:prSet phldr="1"/>
+        </dgm:pt>
+      </dgm:ptLst>
+      <dgm:cxnLst>
+        <dgm:cxn modelId="60" srcId="0" destId="10" srcOrd="0" destOrd="0"/>
+        <dgm:cxn modelId="70" srcId="0" destId="20" srcOrd="1" destOrd="0"/>
+        <dgm:cxn modelId="80" srcId="0" destId="30" srcOrd="2" destOrd="0"/>
+        <dgm:cxn modelId="90" srcId="0" destId="40" srcOrd="3" destOrd="0"/>
+      </dgm:cxnLst>
+      <dgm:bg/>
+      <dgm:whole/>
+    </dgm:dataModel>
+  </dgm:clrData>
+  <dgm:layoutNode name="rootnode">
+    <dgm:varLst>
+      <dgm:chMax/>
+      <dgm:chPref/>
+      <dgm:dir/>
+      <dgm:animLvl val="lvl"/>
+    </dgm:varLst>
+    <dgm:choose name="Name0">
+      <dgm:if name="Name1" func="var" arg="dir" op="equ" val="norm">
+        <dgm:alg type="snake">
+          <dgm:param type="grDir" val="tL"/>
+          <dgm:param type="flowDir" val="row"/>
+          <dgm:param type="off" val="off"/>
+          <dgm:param type="bkpt" val="fixed"/>
+          <dgm:param type="bkPtFixedVal" val="1"/>
+        </dgm:alg>
+      </dgm:if>
+      <dgm:else name="Name2">
+        <dgm:alg type="snake">
+          <dgm:param type="grDir" val="tR"/>
+          <dgm:param type="flowDir" val="row"/>
+          <dgm:param type="off" val="off"/>
+          <dgm:param type="bkpt" val="fixed"/>
+          <dgm:param type="bkPtFixedVal" val="1"/>
+        </dgm:alg>
+      </dgm:else>
+    </dgm:choose>
+    <dgm:shape xmlns:r="http://schemas.openxmlformats.org/officeDocument/2006/relationships" r:blip="">
+      <dgm:adjLst/>
+    </dgm:shape>
+    <dgm:choose name="Name3">
+      <dgm:if name="Name4" func="var" arg="dir" op="equ" val="norm">
+        <dgm:constrLst>
+          <dgm:constr type="alignOff" forName="rootnode" val="0.48"/>
+          <dgm:constr type="primFontSz" for="des" forName="ParentText" val="65"/>
+          <dgm:constr type="primFontSz" for="des" forName="ChildText" refType="primFontSz" refFor="des" refForName="ParentText" op="lte"/>
+          <dgm:constr type="w" for="ch" forName="composite" refType="w"/>
+          <dgm:constr type="h" for="ch" forName="composite" refType="h"/>
+          <dgm:constr type="sp" refType="h" refFor="ch" refForName="composite" op="equ" fact="-0.38"/>
+        </dgm:constrLst>
+      </dgm:if>
+      <dgm:else name="Name5">
+        <dgm:constrLst>
+          <dgm:constr type="alignOff" forName="rootnode" val="0.48"/>
+          <dgm:constr type="primFontSz" for="des" forName="ParentText" val="65"/>
+          <dgm:constr type="primFontSz" for="des" forName="ChildText" refType="primFontSz" refFor="des" refForName="ParentText" op="lte"/>
+          <dgm:constr type="w" for="ch" forName="composite" refType="w"/>
+          <dgm:constr type="h" for="ch" forName="composite" refType="h"/>
+          <dgm:constr type="sp" refType="h" refFor="ch" refForName="composite" op="equ" fact="-0.38"/>
+        </dgm:constrLst>
+      </dgm:else>
+    </dgm:choose>
+    <dgm:forEach name="nodesForEach" axis="ch" ptType="node">
+      <dgm:layoutNode name="composite">
+        <dgm:alg type="composite">
+          <dgm:param type="ar" val="1.2439"/>
+        </dgm:alg>
+        <dgm:shape xmlns:r="http://schemas.openxmlformats.org/officeDocument/2006/relationships" r:blip="">
+          <dgm:adjLst/>
+        </dgm:shape>
+        <dgm:choose name="Name6">
+          <dgm:if name="Name7" func="var" arg="dir" op="equ" val="norm">
+            <dgm:constrLst>
+              <dgm:constr type="l" for="ch" forName="bentUpArrow1" refType="w" fact="0.07"/>
+              <dgm:constr type="t" for="ch" forName="bentUpArrow1" refType="h" fact="0.524"/>
+              <dgm:constr type="w" for="ch" forName="bentUpArrow1" refType="w" fact="0.3844"/>
+              <dgm:constr type="h" for="ch" forName="bentUpArrow1" refType="h" fact="0.42"/>
+              <dgm:constr type="l" for="ch" forName="ParentText" refType="w" fact="0"/>
+              <dgm:constr type="t" for="ch" forName="ParentText" refType="h" fact="0"/>
+              <dgm:constr type="w" for="ch" forName="ParentText" refType="w" fact="0.5684"/>
+              <dgm:constr type="h" for="ch" forName="ParentText" refType="h" fact="0.4949"/>
+              <dgm:constr type="l" for="ch" forName="ChildText" refType="w" refFor="ch" refForName="ParentText"/>
+              <dgm:constr type="t" for="ch" forName="ChildText" refType="h" fact="0.05"/>
+              <dgm:constr type="w" for="ch" forName="ChildText" refType="w" fact="0.4134"/>
+              <dgm:constr type="h" for="ch" forName="ChildText" refType="h" fact="0.4"/>
+              <dgm:constr type="l" for="ch" forName="FinalChildText" refType="w" refFor="ch" refForName="ParentText"/>
+              <dgm:constr type="t" for="ch" forName="FinalChildText" refType="h" fact="0.05"/>
+              <dgm:constr type="w" for="ch" forName="FinalChildText" refType="w" fact="0.4134"/>
+              <dgm:constr type="h" for="ch" forName="FinalChildText" refType="h" fact="0.4"/>
+            </dgm:constrLst>
+          </dgm:if>
+          <dgm:else name="Name8">
+            <dgm:constrLst>
+              <dgm:constr type="r" for="ch" forName="bentUpArrow1" refType="w" fact="0.97"/>
+              <dgm:constr type="t" for="ch" forName="bentUpArrow1" refType="h" fact="0.524"/>
+              <dgm:constr type="w" for="ch" forName="bentUpArrow1" refType="w" fact="0.3844"/>
+              <dgm:constr type="h" for="ch" forName="bentUpArrow1" refType="h" fact="0.42"/>
+              <dgm:constr type="l" for="ch" forName="ParentText" refType="w" fact="0.4316"/>
+              <dgm:constr type="t" for="ch" forName="ParentText" refType="h" fact="0"/>
+              <dgm:constr type="w" for="ch" forName="ParentText" refType="w" fact="0.5684"/>
+              <dgm:constr type="h" for="ch" forName="ParentText" refType="h" fact="0.4949"/>
+              <dgm:constr type="l" for="ch" forName="ChildText" refType="w" fact="0"/>
+              <dgm:constr type="t" for="ch" forName="ChildText" refType="h" fact="0.05"/>
+              <dgm:constr type="w" for="ch" forName="ChildText" refType="w" fact="0.4134"/>
+              <dgm:constr type="h" for="ch" forName="ChildText" refType="h" fact="0.4"/>
+              <dgm:constr type="l" for="ch" forName="FinalChildText" refType="w" fact="0"/>
+              <dgm:constr type="t" for="ch" forName="FinalChildText" refType="h" fact="0.05"/>
+              <dgm:constr type="w" for="ch" forName="FinalChildText" refType="w" fact="0.4134"/>
+              <dgm:constr type="h" for="ch" forName="FinalChildText" refType="h" fact="0.4"/>
+            </dgm:constrLst>
+          </dgm:else>
+        </dgm:choose>
+        <dgm:choose name="Name9">
+          <dgm:if name="Name10" axis="followSib" ptType="node" func="cnt" op="gte" val="1">
+            <dgm:layoutNode name="bentUpArrow1" styleLbl="alignImgPlace1">
+              <dgm:alg type="sp"/>
+              <dgm:choose name="Name11">
+                <dgm:if name="Name12" func="var" arg="dir" op="equ" val="norm">
+                  <dgm:shape xmlns:r="http://schemas.openxmlformats.org/officeDocument/2006/relationships" rot="90" type="bentUpArrow" r:blip="">
+                    <dgm:adjLst>
+                      <dgm:adj idx="1" val="0.3284"/>
+                      <dgm:adj idx="2" val="0.25"/>
+                      <dgm:adj idx="3" val="0.3578"/>
+                    </dgm:adjLst>
+                  </dgm:shape>
+                </dgm:if>
+                <dgm:else name="Name13">
+                  <dgm:shape xmlns:r="http://schemas.openxmlformats.org/officeDocument/2006/relationships" rot="180" type="bentArrow" r:blip="">
+                    <dgm:adjLst>
+                      <dgm:adj idx="1" val="0.3284"/>
+                      <dgm:adj idx="2" val="0.25"/>
+                      <dgm:adj idx="3" val="0.3578"/>
+                      <dgm:adj idx="4" val="0"/>
+                    </dgm:adjLst>
+                  </dgm:shape>
+                </dgm:else>
+              </dgm:choose>
+              <dgm:presOf/>
+            </dgm:layoutNode>
+          </dgm:if>
+          <dgm:else name="Name14"/>
+        </dgm:choose>
+        <dgm:layoutNode name="ParentText" styleLbl="node1">
+          <dgm:varLst>
+            <dgm:chMax val="1"/>
+            <dgm:chPref val="1"/>
+            <dgm:bulletEnabled val="1"/>
+          </dgm:varLst>
+          <dgm:alg type="tx"/>
+          <dgm:shape xmlns:r="http://schemas.openxmlformats.org/officeDocument/2006/relationships" type="roundRect" r:blip="">
+            <dgm:adjLst>
+              <dgm:adj idx="1" val="0.1667"/>
+            </dgm:adjLst>
+          </dgm:shape>
+          <dgm:presOf axis="self" ptType="node"/>
+          <dgm:constrLst>
+            <dgm:constr type="lMarg" refType="primFontSz" fact="0.3"/>
+            <dgm:constr type="rMarg" refType="primFontSz" fact="0.3"/>
+            <dgm:constr type="tMarg" refType="primFontSz" fact="0.3"/>
+            <dgm:constr type="bMarg" refType="primFontSz" fact="0.3"/>
+          </dgm:constrLst>
+          <dgm:ruleLst>
+            <dgm:rule type="primFontSz" val="5" fact="NaN" max="NaN"/>
+          </dgm:ruleLst>
+        </dgm:layoutNode>
+        <dgm:choose name="Name15">
+          <dgm:if name="Name16" axis="followSib" ptType="node" func="cnt" op="equ" val="0">
+            <dgm:choose name="Name17">
+              <dgm:if name="Name18" axis="ch" ptType="node" func="cnt" op="gte" val="1">
+                <dgm:layoutNode name="FinalChildText" styleLbl="revTx">
+                  <dgm:varLst>
+                    <dgm:chMax val="0"/>
+                    <dgm:chPref val="0"/>
+                    <dgm:bulletEnabled val="1"/>
+                  </dgm:varLst>
+                  <dgm:alg type="tx">
+                    <dgm:param type="stBulletLvl" val="1"/>
+                    <dgm:param type="txAnchorVertCh" val="mid"/>
+                    <dgm:param type="parTxLTRAlign" val="l"/>
+                  </dgm:alg>
+                  <dgm:shape xmlns:r="http://schemas.openxmlformats.org/officeDocument/2006/relationships" type="rect" r:blip="">
+                    <dgm:adjLst/>
+                  </dgm:shape>
+                  <dgm:presOf axis="des" ptType="node"/>
+                  <dgm:constrLst>
+                    <dgm:constr type="lMarg" refType="primFontSz" fact="0.3"/>
+                    <dgm:constr type="rMarg" refType="primFontSz" fact="0.3"/>
+                    <dgm:constr type="tMarg" refType="primFontSz" fact="0.3"/>
+                    <dgm:constr type="bMarg" refType="primFontSz" fact="0.3"/>
+                  </dgm:constrLst>
+                  <dgm:ruleLst>
+                    <dgm:rule type="primFontSz" val="5" fact="NaN" max="NaN"/>
+                  </dgm:ruleLst>
+                </dgm:layoutNode>
+              </dgm:if>
+              <dgm:else name="Name19"/>
+            </dgm:choose>
+          </dgm:if>
+          <dgm:else name="Name20">
+            <dgm:layoutNode name="ChildText" styleLbl="revTx">
+              <dgm:varLst>
+                <dgm:chMax val="0"/>
+                <dgm:chPref val="0"/>
+                <dgm:bulletEnabled val="1"/>
+              </dgm:varLst>
+              <dgm:alg type="tx">
+                <dgm:param type="stBulletLvl" val="1"/>
+                <dgm:param type="txAnchorVertCh" val="mid"/>
+                <dgm:param type="parTxLTRAlign" val="l"/>
+              </dgm:alg>
+              <dgm:shape xmlns:r="http://schemas.openxmlformats.org/officeDocument/2006/relationships" type="rect" r:blip="">
+                <dgm:adjLst/>
+              </dgm:shape>
+              <dgm:presOf axis="des" ptType="node"/>
+              <dgm:constrLst>
+                <dgm:constr type="lMarg" refType="primFontSz" fact="0.3"/>
+                <dgm:constr type="rMarg" refType="primFontSz" fact="0.3"/>
+                <dgm:constr type="tMarg" refType="primFontSz" fact="0.3"/>
+                <dgm:constr type="bMarg" refType="primFontSz" fact="0.3"/>
+              </dgm:constrLst>
+              <dgm:ruleLst>
+                <dgm:rule type="primFontSz" val="5" fact="NaN" max="NaN"/>
+              </dgm:ruleLst>
+            </dgm:layoutNode>
+          </dgm:else>
+        </dgm:choose>
+      </dgm:layoutNode>
+      <dgm:forEach name="sibTransForEach" axis="followSib" ptType="sibTrans" cnt="1">
+        <dgm:layoutNode name="sibTrans">
+          <dgm:alg type="sp"/>
+          <dgm:shape xmlns:r="http://schemas.openxmlformats.org/officeDocument/2006/relationships" r:blip="">
+            <dgm:adjLst/>
+          </dgm:shape>
+        </dgm:layoutNode>
+      </dgm:forEach>
+    </dgm:forEach>
+  </dgm:layoutNode>
+</dgm:layoutDef>
+</file>
+
+<file path=ppt/diagrams/layout8.xml><?xml version="1.0" encoding="utf-8"?>
 <dgm:layoutDef xmlns:dgm="http://schemas.openxmlformats.org/drawingml/2006/diagram" xmlns:a="http://schemas.openxmlformats.org/drawingml/2006/main" uniqueId="urn:microsoft.com/office/officeart/2005/8/layout/hList7">
   <dgm:title val=""/>
   <dgm:desc val=""/>
@@ -14611,7 +19187,7 @@
 </dgm:layoutDef>
 </file>
 
-<file path=ppt/diagrams/layout7.xml><?xml version="1.0" encoding="utf-8"?>
+<file path=ppt/diagrams/layout9.xml><?xml version="1.0" encoding="utf-8"?>
 <dgm:layoutDef xmlns:dgm="http://schemas.openxmlformats.org/drawingml/2006/diagram" xmlns:a="http://schemas.openxmlformats.org/drawingml/2006/main" uniqueId="urn:microsoft.com/office/officeart/2005/8/layout/bProcess4">
   <dgm:title val=""/>
   <dgm:desc val=""/>
@@ -21048,6 +25624,2074 @@
 </file>
 
 <file path=ppt/diagrams/quickStyle7.xml><?xml version="1.0" encoding="utf-8"?>
+<dgm:styleDef xmlns:dgm="http://schemas.openxmlformats.org/drawingml/2006/diagram" xmlns:a="http://schemas.openxmlformats.org/drawingml/2006/main" uniqueId="urn:microsoft.com/office/officeart/2005/8/quickstyle/simple1">
+  <dgm:title val=""/>
+  <dgm:desc val=""/>
+  <dgm:catLst>
+    <dgm:cat type="simple" pri="10100"/>
+  </dgm:catLst>
+  <dgm:scene3d>
+    <a:camera prst="orthographicFront"/>
+    <a:lightRig rig="threePt" dir="t"/>
+  </dgm:scene3d>
+  <dgm:styleLbl name="node0">
+    <dgm:scene3d>
+      <a:camera prst="orthographicFront"/>
+      <a:lightRig rig="threePt" dir="t"/>
+    </dgm:scene3d>
+    <dgm:sp3d/>
+    <dgm:txPr/>
+    <dgm:style>
+      <a:lnRef idx="2">
+        <a:scrgbClr r="0" g="0" b="0"/>
+      </a:lnRef>
+      <a:fillRef idx="1">
+        <a:scrgbClr r="0" g="0" b="0"/>
+      </a:fillRef>
+      <a:effectRef idx="0">
+        <a:scrgbClr r="0" g="0" b="0"/>
+      </a:effectRef>
+      <a:fontRef idx="minor">
+        <a:schemeClr val="lt1"/>
+      </a:fontRef>
+    </dgm:style>
+  </dgm:styleLbl>
+  <dgm:styleLbl name="lnNode1">
+    <dgm:scene3d>
+      <a:camera prst="orthographicFront"/>
+      <a:lightRig rig="threePt" dir="t"/>
+    </dgm:scene3d>
+    <dgm:sp3d/>
+    <dgm:txPr/>
+    <dgm:style>
+      <a:lnRef idx="2">
+        <a:scrgbClr r="0" g="0" b="0"/>
+      </a:lnRef>
+      <a:fillRef idx="1">
+        <a:scrgbClr r="0" g="0" b="0"/>
+      </a:fillRef>
+      <a:effectRef idx="0">
+        <a:scrgbClr r="0" g="0" b="0"/>
+      </a:effectRef>
+      <a:fontRef idx="minor">
+        <a:schemeClr val="lt1"/>
+      </a:fontRef>
+    </dgm:style>
+  </dgm:styleLbl>
+  <dgm:styleLbl name="vennNode1">
+    <dgm:scene3d>
+      <a:camera prst="orthographicFront"/>
+      <a:lightRig rig="threePt" dir="t"/>
+    </dgm:scene3d>
+    <dgm:sp3d/>
+    <dgm:txPr/>
+    <dgm:style>
+      <a:lnRef idx="2">
+        <a:scrgbClr r="0" g="0" b="0"/>
+      </a:lnRef>
+      <a:fillRef idx="1">
+        <a:scrgbClr r="0" g="0" b="0"/>
+      </a:fillRef>
+      <a:effectRef idx="0">
+        <a:scrgbClr r="0" g="0" b="0"/>
+      </a:effectRef>
+      <a:fontRef idx="minor">
+        <a:schemeClr val="tx1"/>
+      </a:fontRef>
+    </dgm:style>
+  </dgm:styleLbl>
+  <dgm:styleLbl name="alignNode1">
+    <dgm:scene3d>
+      <a:camera prst="orthographicFront"/>
+      <a:lightRig rig="threePt" dir="t"/>
+    </dgm:scene3d>
+    <dgm:sp3d/>
+    <dgm:txPr/>
+    <dgm:style>
+      <a:lnRef idx="2">
+        <a:scrgbClr r="0" g="0" b="0"/>
+      </a:lnRef>
+      <a:fillRef idx="1">
+        <a:scrgbClr r="0" g="0" b="0"/>
+      </a:fillRef>
+      <a:effectRef idx="0">
+        <a:scrgbClr r="0" g="0" b="0"/>
+      </a:effectRef>
+      <a:fontRef idx="minor">
+        <a:schemeClr val="lt1"/>
+      </a:fontRef>
+    </dgm:style>
+  </dgm:styleLbl>
+  <dgm:styleLbl name="node1">
+    <dgm:scene3d>
+      <a:camera prst="orthographicFront"/>
+      <a:lightRig rig="threePt" dir="t"/>
+    </dgm:scene3d>
+    <dgm:sp3d/>
+    <dgm:txPr/>
+    <dgm:style>
+      <a:lnRef idx="2">
+        <a:scrgbClr r="0" g="0" b="0"/>
+      </a:lnRef>
+      <a:fillRef idx="1">
+        <a:scrgbClr r="0" g="0" b="0"/>
+      </a:fillRef>
+      <a:effectRef idx="0">
+        <a:scrgbClr r="0" g="0" b="0"/>
+      </a:effectRef>
+      <a:fontRef idx="minor">
+        <a:schemeClr val="lt1"/>
+      </a:fontRef>
+    </dgm:style>
+  </dgm:styleLbl>
+  <dgm:styleLbl name="node2">
+    <dgm:scene3d>
+      <a:camera prst="orthographicFront"/>
+      <a:lightRig rig="threePt" dir="t"/>
+    </dgm:scene3d>
+    <dgm:sp3d/>
+    <dgm:txPr/>
+    <dgm:style>
+      <a:lnRef idx="2">
+        <a:scrgbClr r="0" g="0" b="0"/>
+      </a:lnRef>
+      <a:fillRef idx="1">
+        <a:scrgbClr r="0" g="0" b="0"/>
+      </a:fillRef>
+      <a:effectRef idx="0">
+        <a:scrgbClr r="0" g="0" b="0"/>
+      </a:effectRef>
+      <a:fontRef idx="minor">
+        <a:schemeClr val="lt1"/>
+      </a:fontRef>
+    </dgm:style>
+  </dgm:styleLbl>
+  <dgm:styleLbl name="node3">
+    <dgm:scene3d>
+      <a:camera prst="orthographicFront"/>
+      <a:lightRig rig="threePt" dir="t"/>
+    </dgm:scene3d>
+    <dgm:sp3d/>
+    <dgm:txPr/>
+    <dgm:style>
+      <a:lnRef idx="2">
+        <a:scrgbClr r="0" g="0" b="0"/>
+      </a:lnRef>
+      <a:fillRef idx="1">
+        <a:scrgbClr r="0" g="0" b="0"/>
+      </a:fillRef>
+      <a:effectRef idx="0">
+        <a:scrgbClr r="0" g="0" b="0"/>
+      </a:effectRef>
+      <a:fontRef idx="minor">
+        <a:schemeClr val="lt1"/>
+      </a:fontRef>
+    </dgm:style>
+  </dgm:styleLbl>
+  <dgm:styleLbl name="node4">
+    <dgm:scene3d>
+      <a:camera prst="orthographicFront"/>
+      <a:lightRig rig="threePt" dir="t"/>
+    </dgm:scene3d>
+    <dgm:sp3d/>
+    <dgm:txPr/>
+    <dgm:style>
+      <a:lnRef idx="2">
+        <a:scrgbClr r="0" g="0" b="0"/>
+      </a:lnRef>
+      <a:fillRef idx="1">
+        <a:scrgbClr r="0" g="0" b="0"/>
+      </a:fillRef>
+      <a:effectRef idx="0">
+        <a:scrgbClr r="0" g="0" b="0"/>
+      </a:effectRef>
+      <a:fontRef idx="minor">
+        <a:schemeClr val="lt1"/>
+      </a:fontRef>
+    </dgm:style>
+  </dgm:styleLbl>
+  <dgm:styleLbl name="fgImgPlace1">
+    <dgm:scene3d>
+      <a:camera prst="orthographicFront"/>
+      <a:lightRig rig="threePt" dir="t"/>
+    </dgm:scene3d>
+    <dgm:sp3d/>
+    <dgm:txPr/>
+    <dgm:style>
+      <a:lnRef idx="2">
+        <a:scrgbClr r="0" g="0" b="0"/>
+      </a:lnRef>
+      <a:fillRef idx="1">
+        <a:scrgbClr r="0" g="0" b="0"/>
+      </a:fillRef>
+      <a:effectRef idx="0">
+        <a:scrgbClr r="0" g="0" b="0"/>
+      </a:effectRef>
+      <a:fontRef idx="minor"/>
+    </dgm:style>
+  </dgm:styleLbl>
+  <dgm:styleLbl name="alignImgPlace1">
+    <dgm:scene3d>
+      <a:camera prst="orthographicFront"/>
+      <a:lightRig rig="threePt" dir="t"/>
+    </dgm:scene3d>
+    <dgm:sp3d/>
+    <dgm:txPr/>
+    <dgm:style>
+      <a:lnRef idx="2">
+        <a:scrgbClr r="0" g="0" b="0"/>
+      </a:lnRef>
+      <a:fillRef idx="1">
+        <a:scrgbClr r="0" g="0" b="0"/>
+      </a:fillRef>
+      <a:effectRef idx="0">
+        <a:scrgbClr r="0" g="0" b="0"/>
+      </a:effectRef>
+      <a:fontRef idx="minor"/>
+    </dgm:style>
+  </dgm:styleLbl>
+  <dgm:styleLbl name="bgImgPlace1">
+    <dgm:scene3d>
+      <a:camera prst="orthographicFront"/>
+      <a:lightRig rig="threePt" dir="t"/>
+    </dgm:scene3d>
+    <dgm:sp3d/>
+    <dgm:txPr/>
+    <dgm:style>
+      <a:lnRef idx="2">
+        <a:scrgbClr r="0" g="0" b="0"/>
+      </a:lnRef>
+      <a:fillRef idx="1">
+        <a:scrgbClr r="0" g="0" b="0"/>
+      </a:fillRef>
+      <a:effectRef idx="0">
+        <a:scrgbClr r="0" g="0" b="0"/>
+      </a:effectRef>
+      <a:fontRef idx="minor"/>
+    </dgm:style>
+  </dgm:styleLbl>
+  <dgm:styleLbl name="sibTrans2D1">
+    <dgm:scene3d>
+      <a:camera prst="orthographicFront"/>
+      <a:lightRig rig="threePt" dir="t"/>
+    </dgm:scene3d>
+    <dgm:sp3d/>
+    <dgm:txPr/>
+    <dgm:style>
+      <a:lnRef idx="0">
+        <a:scrgbClr r="0" g="0" b="0"/>
+      </a:lnRef>
+      <a:fillRef idx="1">
+        <a:scrgbClr r="0" g="0" b="0"/>
+      </a:fillRef>
+      <a:effectRef idx="0">
+        <a:scrgbClr r="0" g="0" b="0"/>
+      </a:effectRef>
+      <a:fontRef idx="minor">
+        <a:schemeClr val="lt1"/>
+      </a:fontRef>
+    </dgm:style>
+  </dgm:styleLbl>
+  <dgm:styleLbl name="fgSibTrans2D1">
+    <dgm:scene3d>
+      <a:camera prst="orthographicFront"/>
+      <a:lightRig rig="threePt" dir="t"/>
+    </dgm:scene3d>
+    <dgm:sp3d/>
+    <dgm:txPr/>
+    <dgm:style>
+      <a:lnRef idx="0">
+        <a:scrgbClr r="0" g="0" b="0"/>
+      </a:lnRef>
+      <a:fillRef idx="1">
+        <a:scrgbClr r="0" g="0" b="0"/>
+      </a:fillRef>
+      <a:effectRef idx="0">
+        <a:scrgbClr r="0" g="0" b="0"/>
+      </a:effectRef>
+      <a:fontRef idx="minor">
+        <a:schemeClr val="lt1"/>
+      </a:fontRef>
+    </dgm:style>
+  </dgm:styleLbl>
+  <dgm:styleLbl name="bgSibTrans2D1">
+    <dgm:scene3d>
+      <a:camera prst="orthographicFront"/>
+      <a:lightRig rig="threePt" dir="t"/>
+    </dgm:scene3d>
+    <dgm:sp3d/>
+    <dgm:txPr/>
+    <dgm:style>
+      <a:lnRef idx="0">
+        <a:scrgbClr r="0" g="0" b="0"/>
+      </a:lnRef>
+      <a:fillRef idx="1">
+        <a:scrgbClr r="0" g="0" b="0"/>
+      </a:fillRef>
+      <a:effectRef idx="0">
+        <a:scrgbClr r="0" g="0" b="0"/>
+      </a:effectRef>
+      <a:fontRef idx="minor">
+        <a:schemeClr val="lt1"/>
+      </a:fontRef>
+    </dgm:style>
+  </dgm:styleLbl>
+  <dgm:styleLbl name="sibTrans1D1">
+    <dgm:scene3d>
+      <a:camera prst="orthographicFront"/>
+      <a:lightRig rig="threePt" dir="t"/>
+    </dgm:scene3d>
+    <dgm:sp3d/>
+    <dgm:txPr/>
+    <dgm:style>
+      <a:lnRef idx="1">
+        <a:scrgbClr r="0" g="0" b="0"/>
+      </a:lnRef>
+      <a:fillRef idx="0">
+        <a:scrgbClr r="0" g="0" b="0"/>
+      </a:fillRef>
+      <a:effectRef idx="0">
+        <a:scrgbClr r="0" g="0" b="0"/>
+      </a:effectRef>
+      <a:fontRef idx="minor"/>
+    </dgm:style>
+  </dgm:styleLbl>
+  <dgm:styleLbl name="callout">
+    <dgm:scene3d>
+      <a:camera prst="orthographicFront"/>
+      <a:lightRig rig="threePt" dir="t"/>
+    </dgm:scene3d>
+    <dgm:sp3d/>
+    <dgm:txPr/>
+    <dgm:style>
+      <a:lnRef idx="2">
+        <a:scrgbClr r="0" g="0" b="0"/>
+      </a:lnRef>
+      <a:fillRef idx="1">
+        <a:scrgbClr r="0" g="0" b="0"/>
+      </a:fillRef>
+      <a:effectRef idx="0">
+        <a:scrgbClr r="0" g="0" b="0"/>
+      </a:effectRef>
+      <a:fontRef idx="minor"/>
+    </dgm:style>
+  </dgm:styleLbl>
+  <dgm:styleLbl name="asst0">
+    <dgm:scene3d>
+      <a:camera prst="orthographicFront"/>
+      <a:lightRig rig="threePt" dir="t"/>
+    </dgm:scene3d>
+    <dgm:sp3d/>
+    <dgm:txPr/>
+    <dgm:style>
+      <a:lnRef idx="2">
+        <a:scrgbClr r="0" g="0" b="0"/>
+      </a:lnRef>
+      <a:fillRef idx="1">
+        <a:scrgbClr r="0" g="0" b="0"/>
+      </a:fillRef>
+      <a:effectRef idx="0">
+        <a:scrgbClr r="0" g="0" b="0"/>
+      </a:effectRef>
+      <a:fontRef idx="minor">
+        <a:schemeClr val="lt1"/>
+      </a:fontRef>
+    </dgm:style>
+  </dgm:styleLbl>
+  <dgm:styleLbl name="asst1">
+    <dgm:scene3d>
+      <a:camera prst="orthographicFront"/>
+      <a:lightRig rig="threePt" dir="t"/>
+    </dgm:scene3d>
+    <dgm:sp3d/>
+    <dgm:txPr/>
+    <dgm:style>
+      <a:lnRef idx="2">
+        <a:scrgbClr r="0" g="0" b="0"/>
+      </a:lnRef>
+      <a:fillRef idx="1">
+        <a:scrgbClr r="0" g="0" b="0"/>
+      </a:fillRef>
+      <a:effectRef idx="0">
+        <a:scrgbClr r="0" g="0" b="0"/>
+      </a:effectRef>
+      <a:fontRef idx="minor">
+        <a:schemeClr val="lt1"/>
+      </a:fontRef>
+    </dgm:style>
+  </dgm:styleLbl>
+  <dgm:styleLbl name="asst2">
+    <dgm:scene3d>
+      <a:camera prst="orthographicFront"/>
+      <a:lightRig rig="threePt" dir="t"/>
+    </dgm:scene3d>
+    <dgm:sp3d/>
+    <dgm:txPr/>
+    <dgm:style>
+      <a:lnRef idx="2">
+        <a:scrgbClr r="0" g="0" b="0"/>
+      </a:lnRef>
+      <a:fillRef idx="1">
+        <a:scrgbClr r="0" g="0" b="0"/>
+      </a:fillRef>
+      <a:effectRef idx="0">
+        <a:scrgbClr r="0" g="0" b="0"/>
+      </a:effectRef>
+      <a:fontRef idx="minor">
+        <a:schemeClr val="lt1"/>
+      </a:fontRef>
+    </dgm:style>
+  </dgm:styleLbl>
+  <dgm:styleLbl name="asst3">
+    <dgm:scene3d>
+      <a:camera prst="orthographicFront"/>
+      <a:lightRig rig="threePt" dir="t"/>
+    </dgm:scene3d>
+    <dgm:sp3d/>
+    <dgm:txPr/>
+    <dgm:style>
+      <a:lnRef idx="2">
+        <a:scrgbClr r="0" g="0" b="0"/>
+      </a:lnRef>
+      <a:fillRef idx="1">
+        <a:scrgbClr r="0" g="0" b="0"/>
+      </a:fillRef>
+      <a:effectRef idx="0">
+        <a:scrgbClr r="0" g="0" b="0"/>
+      </a:effectRef>
+      <a:fontRef idx="minor">
+        <a:schemeClr val="lt1"/>
+      </a:fontRef>
+    </dgm:style>
+  </dgm:styleLbl>
+  <dgm:styleLbl name="asst4">
+    <dgm:scene3d>
+      <a:camera prst="orthographicFront"/>
+      <a:lightRig rig="threePt" dir="t"/>
+    </dgm:scene3d>
+    <dgm:sp3d/>
+    <dgm:txPr/>
+    <dgm:style>
+      <a:lnRef idx="2">
+        <a:scrgbClr r="0" g="0" b="0"/>
+      </a:lnRef>
+      <a:fillRef idx="1">
+        <a:scrgbClr r="0" g="0" b="0"/>
+      </a:fillRef>
+      <a:effectRef idx="0">
+        <a:scrgbClr r="0" g="0" b="0"/>
+      </a:effectRef>
+      <a:fontRef idx="minor">
+        <a:schemeClr val="lt1"/>
+      </a:fontRef>
+    </dgm:style>
+  </dgm:styleLbl>
+  <dgm:styleLbl name="parChTrans2D1">
+    <dgm:scene3d>
+      <a:camera prst="orthographicFront"/>
+      <a:lightRig rig="threePt" dir="t"/>
+    </dgm:scene3d>
+    <dgm:sp3d/>
+    <dgm:txPr/>
+    <dgm:style>
+      <a:lnRef idx="2">
+        <a:scrgbClr r="0" g="0" b="0"/>
+      </a:lnRef>
+      <a:fillRef idx="1">
+        <a:scrgbClr r="0" g="0" b="0"/>
+      </a:fillRef>
+      <a:effectRef idx="0">
+        <a:scrgbClr r="0" g="0" b="0"/>
+      </a:effectRef>
+      <a:fontRef idx="minor">
+        <a:schemeClr val="lt1"/>
+      </a:fontRef>
+    </dgm:style>
+  </dgm:styleLbl>
+  <dgm:styleLbl name="parChTrans2D2">
+    <dgm:scene3d>
+      <a:camera prst="orthographicFront"/>
+      <a:lightRig rig="threePt" dir="t"/>
+    </dgm:scene3d>
+    <dgm:sp3d/>
+    <dgm:txPr/>
+    <dgm:style>
+      <a:lnRef idx="2">
+        <a:scrgbClr r="0" g="0" b="0"/>
+      </a:lnRef>
+      <a:fillRef idx="1">
+        <a:scrgbClr r="0" g="0" b="0"/>
+      </a:fillRef>
+      <a:effectRef idx="0">
+        <a:scrgbClr r="0" g="0" b="0"/>
+      </a:effectRef>
+      <a:fontRef idx="minor">
+        <a:schemeClr val="lt1"/>
+      </a:fontRef>
+    </dgm:style>
+  </dgm:styleLbl>
+  <dgm:styleLbl name="parChTrans2D3">
+    <dgm:scene3d>
+      <a:camera prst="orthographicFront"/>
+      <a:lightRig rig="threePt" dir="t"/>
+    </dgm:scene3d>
+    <dgm:sp3d/>
+    <dgm:txPr/>
+    <dgm:style>
+      <a:lnRef idx="2">
+        <a:scrgbClr r="0" g="0" b="0"/>
+      </a:lnRef>
+      <a:fillRef idx="1">
+        <a:scrgbClr r="0" g="0" b="0"/>
+      </a:fillRef>
+      <a:effectRef idx="0">
+        <a:scrgbClr r="0" g="0" b="0"/>
+      </a:effectRef>
+      <a:fontRef idx="minor">
+        <a:schemeClr val="lt1"/>
+      </a:fontRef>
+    </dgm:style>
+  </dgm:styleLbl>
+  <dgm:styleLbl name="parChTrans2D4">
+    <dgm:scene3d>
+      <a:camera prst="orthographicFront"/>
+      <a:lightRig rig="threePt" dir="t"/>
+    </dgm:scene3d>
+    <dgm:sp3d/>
+    <dgm:txPr/>
+    <dgm:style>
+      <a:lnRef idx="2">
+        <a:scrgbClr r="0" g="0" b="0"/>
+      </a:lnRef>
+      <a:fillRef idx="1">
+        <a:scrgbClr r="0" g="0" b="0"/>
+      </a:fillRef>
+      <a:effectRef idx="0">
+        <a:scrgbClr r="0" g="0" b="0"/>
+      </a:effectRef>
+      <a:fontRef idx="minor">
+        <a:schemeClr val="lt1"/>
+      </a:fontRef>
+    </dgm:style>
+  </dgm:styleLbl>
+  <dgm:styleLbl name="parChTrans1D1">
+    <dgm:scene3d>
+      <a:camera prst="orthographicFront"/>
+      <a:lightRig rig="threePt" dir="t"/>
+    </dgm:scene3d>
+    <dgm:sp3d/>
+    <dgm:txPr/>
+    <dgm:style>
+      <a:lnRef idx="2">
+        <a:scrgbClr r="0" g="0" b="0"/>
+      </a:lnRef>
+      <a:fillRef idx="0">
+        <a:scrgbClr r="0" g="0" b="0"/>
+      </a:fillRef>
+      <a:effectRef idx="0">
+        <a:scrgbClr r="0" g="0" b="0"/>
+      </a:effectRef>
+      <a:fontRef idx="minor"/>
+    </dgm:style>
+  </dgm:styleLbl>
+  <dgm:styleLbl name="parChTrans1D2">
+    <dgm:scene3d>
+      <a:camera prst="orthographicFront"/>
+      <a:lightRig rig="threePt" dir="t"/>
+    </dgm:scene3d>
+    <dgm:sp3d/>
+    <dgm:txPr/>
+    <dgm:style>
+      <a:lnRef idx="2">
+        <a:scrgbClr r="0" g="0" b="0"/>
+      </a:lnRef>
+      <a:fillRef idx="0">
+        <a:scrgbClr r="0" g="0" b="0"/>
+      </a:fillRef>
+      <a:effectRef idx="0">
+        <a:scrgbClr r="0" g="0" b="0"/>
+      </a:effectRef>
+      <a:fontRef idx="minor"/>
+    </dgm:style>
+  </dgm:styleLbl>
+  <dgm:styleLbl name="parChTrans1D3">
+    <dgm:scene3d>
+      <a:camera prst="orthographicFront"/>
+      <a:lightRig rig="threePt" dir="t"/>
+    </dgm:scene3d>
+    <dgm:sp3d/>
+    <dgm:txPr/>
+    <dgm:style>
+      <a:lnRef idx="2">
+        <a:scrgbClr r="0" g="0" b="0"/>
+      </a:lnRef>
+      <a:fillRef idx="0">
+        <a:scrgbClr r="0" g="0" b="0"/>
+      </a:fillRef>
+      <a:effectRef idx="0">
+        <a:scrgbClr r="0" g="0" b="0"/>
+      </a:effectRef>
+      <a:fontRef idx="minor"/>
+    </dgm:style>
+  </dgm:styleLbl>
+  <dgm:styleLbl name="parChTrans1D4">
+    <dgm:scene3d>
+      <a:camera prst="orthographicFront"/>
+      <a:lightRig rig="threePt" dir="t"/>
+    </dgm:scene3d>
+    <dgm:sp3d/>
+    <dgm:txPr/>
+    <dgm:style>
+      <a:lnRef idx="2">
+        <a:scrgbClr r="0" g="0" b="0"/>
+      </a:lnRef>
+      <a:fillRef idx="0">
+        <a:scrgbClr r="0" g="0" b="0"/>
+      </a:fillRef>
+      <a:effectRef idx="0">
+        <a:scrgbClr r="0" g="0" b="0"/>
+      </a:effectRef>
+      <a:fontRef idx="minor"/>
+    </dgm:style>
+  </dgm:styleLbl>
+  <dgm:styleLbl name="fgAcc1">
+    <dgm:scene3d>
+      <a:camera prst="orthographicFront"/>
+      <a:lightRig rig="threePt" dir="t"/>
+    </dgm:scene3d>
+    <dgm:sp3d/>
+    <dgm:txPr/>
+    <dgm:style>
+      <a:lnRef idx="2">
+        <a:scrgbClr r="0" g="0" b="0"/>
+      </a:lnRef>
+      <a:fillRef idx="1">
+        <a:scrgbClr r="0" g="0" b="0"/>
+      </a:fillRef>
+      <a:effectRef idx="0">
+        <a:scrgbClr r="0" g="0" b="0"/>
+      </a:effectRef>
+      <a:fontRef idx="minor"/>
+    </dgm:style>
+  </dgm:styleLbl>
+  <dgm:styleLbl name="conFgAcc1">
+    <dgm:scene3d>
+      <a:camera prst="orthographicFront"/>
+      <a:lightRig rig="threePt" dir="t"/>
+    </dgm:scene3d>
+    <dgm:sp3d/>
+    <dgm:txPr/>
+    <dgm:style>
+      <a:lnRef idx="2">
+        <a:scrgbClr r="0" g="0" b="0"/>
+      </a:lnRef>
+      <a:fillRef idx="1">
+        <a:scrgbClr r="0" g="0" b="0"/>
+      </a:fillRef>
+      <a:effectRef idx="0">
+        <a:scrgbClr r="0" g="0" b="0"/>
+      </a:effectRef>
+      <a:fontRef idx="minor"/>
+    </dgm:style>
+  </dgm:styleLbl>
+  <dgm:styleLbl name="alignAcc1">
+    <dgm:scene3d>
+      <a:camera prst="orthographicFront"/>
+      <a:lightRig rig="threePt" dir="t"/>
+    </dgm:scene3d>
+    <dgm:sp3d/>
+    <dgm:txPr/>
+    <dgm:style>
+      <a:lnRef idx="2">
+        <a:scrgbClr r="0" g="0" b="0"/>
+      </a:lnRef>
+      <a:fillRef idx="1">
+        <a:scrgbClr r="0" g="0" b="0"/>
+      </a:fillRef>
+      <a:effectRef idx="0">
+        <a:scrgbClr r="0" g="0" b="0"/>
+      </a:effectRef>
+      <a:fontRef idx="minor"/>
+    </dgm:style>
+  </dgm:styleLbl>
+  <dgm:styleLbl name="trAlignAcc1">
+    <dgm:scene3d>
+      <a:camera prst="orthographicFront"/>
+      <a:lightRig rig="threePt" dir="t"/>
+    </dgm:scene3d>
+    <dgm:sp3d/>
+    <dgm:txPr/>
+    <dgm:style>
+      <a:lnRef idx="1">
+        <a:scrgbClr r="0" g="0" b="0"/>
+      </a:lnRef>
+      <a:fillRef idx="1">
+        <a:scrgbClr r="0" g="0" b="0"/>
+      </a:fillRef>
+      <a:effectRef idx="0">
+        <a:scrgbClr r="0" g="0" b="0"/>
+      </a:effectRef>
+      <a:fontRef idx="minor"/>
+    </dgm:style>
+  </dgm:styleLbl>
+  <dgm:styleLbl name="bgAcc1">
+    <dgm:scene3d>
+      <a:camera prst="orthographicFront"/>
+      <a:lightRig rig="threePt" dir="t"/>
+    </dgm:scene3d>
+    <dgm:sp3d/>
+    <dgm:txPr/>
+    <dgm:style>
+      <a:lnRef idx="2">
+        <a:scrgbClr r="0" g="0" b="0"/>
+      </a:lnRef>
+      <a:fillRef idx="1">
+        <a:scrgbClr r="0" g="0" b="0"/>
+      </a:fillRef>
+      <a:effectRef idx="0">
+        <a:scrgbClr r="0" g="0" b="0"/>
+      </a:effectRef>
+      <a:fontRef idx="minor"/>
+    </dgm:style>
+  </dgm:styleLbl>
+  <dgm:styleLbl name="solidFgAcc1">
+    <dgm:scene3d>
+      <a:camera prst="orthographicFront"/>
+      <a:lightRig rig="threePt" dir="t"/>
+    </dgm:scene3d>
+    <dgm:sp3d/>
+    <dgm:txPr/>
+    <dgm:style>
+      <a:lnRef idx="2">
+        <a:scrgbClr r="0" g="0" b="0"/>
+      </a:lnRef>
+      <a:fillRef idx="1">
+        <a:scrgbClr r="0" g="0" b="0"/>
+      </a:fillRef>
+      <a:effectRef idx="0">
+        <a:scrgbClr r="0" g="0" b="0"/>
+      </a:effectRef>
+      <a:fontRef idx="minor"/>
+    </dgm:style>
+  </dgm:styleLbl>
+  <dgm:styleLbl name="solidAlignAcc1">
+    <dgm:scene3d>
+      <a:camera prst="orthographicFront"/>
+      <a:lightRig rig="threePt" dir="t"/>
+    </dgm:scene3d>
+    <dgm:sp3d/>
+    <dgm:txPr/>
+    <dgm:style>
+      <a:lnRef idx="2">
+        <a:scrgbClr r="0" g="0" b="0"/>
+      </a:lnRef>
+      <a:fillRef idx="1">
+        <a:scrgbClr r="0" g="0" b="0"/>
+      </a:fillRef>
+      <a:effectRef idx="0">
+        <a:scrgbClr r="0" g="0" b="0"/>
+      </a:effectRef>
+      <a:fontRef idx="minor"/>
+    </dgm:style>
+  </dgm:styleLbl>
+  <dgm:styleLbl name="solidBgAcc1">
+    <dgm:scene3d>
+      <a:camera prst="orthographicFront"/>
+      <a:lightRig rig="threePt" dir="t"/>
+    </dgm:scene3d>
+    <dgm:sp3d/>
+    <dgm:txPr/>
+    <dgm:style>
+      <a:lnRef idx="2">
+        <a:scrgbClr r="0" g="0" b="0"/>
+      </a:lnRef>
+      <a:fillRef idx="1">
+        <a:scrgbClr r="0" g="0" b="0"/>
+      </a:fillRef>
+      <a:effectRef idx="0">
+        <a:scrgbClr r="0" g="0" b="0"/>
+      </a:effectRef>
+      <a:fontRef idx="minor"/>
+    </dgm:style>
+  </dgm:styleLbl>
+  <dgm:styleLbl name="fgAccFollowNode1">
+    <dgm:scene3d>
+      <a:camera prst="orthographicFront"/>
+      <a:lightRig rig="threePt" dir="t"/>
+    </dgm:scene3d>
+    <dgm:sp3d/>
+    <dgm:txPr/>
+    <dgm:style>
+      <a:lnRef idx="2">
+        <a:scrgbClr r="0" g="0" b="0"/>
+      </a:lnRef>
+      <a:fillRef idx="1">
+        <a:scrgbClr r="0" g="0" b="0"/>
+      </a:fillRef>
+      <a:effectRef idx="0">
+        <a:scrgbClr r="0" g="0" b="0"/>
+      </a:effectRef>
+      <a:fontRef idx="minor"/>
+    </dgm:style>
+  </dgm:styleLbl>
+  <dgm:styleLbl name="alignAccFollowNode1">
+    <dgm:scene3d>
+      <a:camera prst="orthographicFront"/>
+      <a:lightRig rig="threePt" dir="t"/>
+    </dgm:scene3d>
+    <dgm:sp3d/>
+    <dgm:txPr/>
+    <dgm:style>
+      <a:lnRef idx="2">
+        <a:scrgbClr r="0" g="0" b="0"/>
+      </a:lnRef>
+      <a:fillRef idx="1">
+        <a:scrgbClr r="0" g="0" b="0"/>
+      </a:fillRef>
+      <a:effectRef idx="0">
+        <a:scrgbClr r="0" g="0" b="0"/>
+      </a:effectRef>
+      <a:fontRef idx="minor"/>
+    </dgm:style>
+  </dgm:styleLbl>
+  <dgm:styleLbl name="bgAccFollowNode1">
+    <dgm:scene3d>
+      <a:camera prst="orthographicFront"/>
+      <a:lightRig rig="threePt" dir="t"/>
+    </dgm:scene3d>
+    <dgm:sp3d/>
+    <dgm:txPr/>
+    <dgm:style>
+      <a:lnRef idx="2">
+        <a:scrgbClr r="0" g="0" b="0"/>
+      </a:lnRef>
+      <a:fillRef idx="1">
+        <a:scrgbClr r="0" g="0" b="0"/>
+      </a:fillRef>
+      <a:effectRef idx="0">
+        <a:scrgbClr r="0" g="0" b="0"/>
+      </a:effectRef>
+      <a:fontRef idx="minor"/>
+    </dgm:style>
+  </dgm:styleLbl>
+  <dgm:styleLbl name="fgAcc0">
+    <dgm:scene3d>
+      <a:camera prst="orthographicFront"/>
+      <a:lightRig rig="threePt" dir="t"/>
+    </dgm:scene3d>
+    <dgm:sp3d/>
+    <dgm:txPr/>
+    <dgm:style>
+      <a:lnRef idx="2">
+        <a:scrgbClr r="0" g="0" b="0"/>
+      </a:lnRef>
+      <a:fillRef idx="1">
+        <a:scrgbClr r="0" g="0" b="0"/>
+      </a:fillRef>
+      <a:effectRef idx="0">
+        <a:scrgbClr r="0" g="0" b="0"/>
+      </a:effectRef>
+      <a:fontRef idx="minor"/>
+    </dgm:style>
+  </dgm:styleLbl>
+  <dgm:styleLbl name="fgAcc2">
+    <dgm:scene3d>
+      <a:camera prst="orthographicFront"/>
+      <a:lightRig rig="threePt" dir="t"/>
+    </dgm:scene3d>
+    <dgm:sp3d/>
+    <dgm:txPr/>
+    <dgm:style>
+      <a:lnRef idx="2">
+        <a:scrgbClr r="0" g="0" b="0"/>
+      </a:lnRef>
+      <a:fillRef idx="1">
+        <a:scrgbClr r="0" g="0" b="0"/>
+      </a:fillRef>
+      <a:effectRef idx="0">
+        <a:scrgbClr r="0" g="0" b="0"/>
+      </a:effectRef>
+      <a:fontRef idx="minor"/>
+    </dgm:style>
+  </dgm:styleLbl>
+  <dgm:styleLbl name="fgAcc3">
+    <dgm:scene3d>
+      <a:camera prst="orthographicFront"/>
+      <a:lightRig rig="threePt" dir="t"/>
+    </dgm:scene3d>
+    <dgm:sp3d/>
+    <dgm:txPr/>
+    <dgm:style>
+      <a:lnRef idx="2">
+        <a:scrgbClr r="0" g="0" b="0"/>
+      </a:lnRef>
+      <a:fillRef idx="1">
+        <a:scrgbClr r="0" g="0" b="0"/>
+      </a:fillRef>
+      <a:effectRef idx="0">
+        <a:scrgbClr r="0" g="0" b="0"/>
+      </a:effectRef>
+      <a:fontRef idx="minor"/>
+    </dgm:style>
+  </dgm:styleLbl>
+  <dgm:styleLbl name="fgAcc4">
+    <dgm:scene3d>
+      <a:camera prst="orthographicFront"/>
+      <a:lightRig rig="threePt" dir="t"/>
+    </dgm:scene3d>
+    <dgm:sp3d/>
+    <dgm:txPr/>
+    <dgm:style>
+      <a:lnRef idx="2">
+        <a:scrgbClr r="0" g="0" b="0"/>
+      </a:lnRef>
+      <a:fillRef idx="1">
+        <a:scrgbClr r="0" g="0" b="0"/>
+      </a:fillRef>
+      <a:effectRef idx="0">
+        <a:scrgbClr r="0" g="0" b="0"/>
+      </a:effectRef>
+      <a:fontRef idx="minor"/>
+    </dgm:style>
+  </dgm:styleLbl>
+  <dgm:styleLbl name="bgShp">
+    <dgm:scene3d>
+      <a:camera prst="orthographicFront"/>
+      <a:lightRig rig="threePt" dir="t"/>
+    </dgm:scene3d>
+    <dgm:sp3d/>
+    <dgm:txPr/>
+    <dgm:style>
+      <a:lnRef idx="0">
+        <a:scrgbClr r="0" g="0" b="0"/>
+      </a:lnRef>
+      <a:fillRef idx="1">
+        <a:scrgbClr r="0" g="0" b="0"/>
+      </a:fillRef>
+      <a:effectRef idx="0">
+        <a:scrgbClr r="0" g="0" b="0"/>
+      </a:effectRef>
+      <a:fontRef idx="minor"/>
+    </dgm:style>
+  </dgm:styleLbl>
+  <dgm:styleLbl name="dkBgShp">
+    <dgm:scene3d>
+      <a:camera prst="orthographicFront"/>
+      <a:lightRig rig="threePt" dir="t"/>
+    </dgm:scene3d>
+    <dgm:sp3d/>
+    <dgm:txPr/>
+    <dgm:style>
+      <a:lnRef idx="0">
+        <a:scrgbClr r="0" g="0" b="0"/>
+      </a:lnRef>
+      <a:fillRef idx="1">
+        <a:scrgbClr r="0" g="0" b="0"/>
+      </a:fillRef>
+      <a:effectRef idx="0">
+        <a:scrgbClr r="0" g="0" b="0"/>
+      </a:effectRef>
+      <a:fontRef idx="minor"/>
+    </dgm:style>
+  </dgm:styleLbl>
+  <dgm:styleLbl name="trBgShp">
+    <dgm:scene3d>
+      <a:camera prst="orthographicFront"/>
+      <a:lightRig rig="threePt" dir="t"/>
+    </dgm:scene3d>
+    <dgm:sp3d/>
+    <dgm:txPr/>
+    <dgm:style>
+      <a:lnRef idx="0">
+        <a:scrgbClr r="0" g="0" b="0"/>
+      </a:lnRef>
+      <a:fillRef idx="1">
+        <a:scrgbClr r="0" g="0" b="0"/>
+      </a:fillRef>
+      <a:effectRef idx="0">
+        <a:scrgbClr r="0" g="0" b="0"/>
+      </a:effectRef>
+      <a:fontRef idx="minor"/>
+    </dgm:style>
+  </dgm:styleLbl>
+  <dgm:styleLbl name="fgShp">
+    <dgm:scene3d>
+      <a:camera prst="orthographicFront"/>
+      <a:lightRig rig="threePt" dir="t"/>
+    </dgm:scene3d>
+    <dgm:sp3d/>
+    <dgm:txPr/>
+    <dgm:style>
+      <a:lnRef idx="2">
+        <a:scrgbClr r="0" g="0" b="0"/>
+      </a:lnRef>
+      <a:fillRef idx="1">
+        <a:scrgbClr r="0" g="0" b="0"/>
+      </a:fillRef>
+      <a:effectRef idx="0">
+        <a:scrgbClr r="0" g="0" b="0"/>
+      </a:effectRef>
+      <a:fontRef idx="minor"/>
+    </dgm:style>
+  </dgm:styleLbl>
+  <dgm:styleLbl name="revTx">
+    <dgm:scene3d>
+      <a:camera prst="orthographicFront"/>
+      <a:lightRig rig="threePt" dir="t"/>
+    </dgm:scene3d>
+    <dgm:sp3d/>
+    <dgm:txPr/>
+    <dgm:style>
+      <a:lnRef idx="0">
+        <a:scrgbClr r="0" g="0" b="0"/>
+      </a:lnRef>
+      <a:fillRef idx="0">
+        <a:scrgbClr r="0" g="0" b="0"/>
+      </a:fillRef>
+      <a:effectRef idx="0">
+        <a:scrgbClr r="0" g="0" b="0"/>
+      </a:effectRef>
+      <a:fontRef idx="minor"/>
+    </dgm:style>
+  </dgm:styleLbl>
+</dgm:styleDef>
+</file>
+
+<file path=ppt/diagrams/quickStyle8.xml><?xml version="1.0" encoding="utf-8"?>
+<dgm:styleDef xmlns:dgm="http://schemas.openxmlformats.org/drawingml/2006/diagram" xmlns:a="http://schemas.openxmlformats.org/drawingml/2006/main" uniqueId="urn:microsoft.com/office/officeart/2005/8/quickstyle/simple1">
+  <dgm:title val=""/>
+  <dgm:desc val=""/>
+  <dgm:catLst>
+    <dgm:cat type="simple" pri="10100"/>
+  </dgm:catLst>
+  <dgm:scene3d>
+    <a:camera prst="orthographicFront"/>
+    <a:lightRig rig="threePt" dir="t"/>
+  </dgm:scene3d>
+  <dgm:styleLbl name="node0">
+    <dgm:scene3d>
+      <a:camera prst="orthographicFront"/>
+      <a:lightRig rig="threePt" dir="t"/>
+    </dgm:scene3d>
+    <dgm:sp3d/>
+    <dgm:txPr/>
+    <dgm:style>
+      <a:lnRef idx="2">
+        <a:scrgbClr r="0" g="0" b="0"/>
+      </a:lnRef>
+      <a:fillRef idx="1">
+        <a:scrgbClr r="0" g="0" b="0"/>
+      </a:fillRef>
+      <a:effectRef idx="0">
+        <a:scrgbClr r="0" g="0" b="0"/>
+      </a:effectRef>
+      <a:fontRef idx="minor">
+        <a:schemeClr val="lt1"/>
+      </a:fontRef>
+    </dgm:style>
+  </dgm:styleLbl>
+  <dgm:styleLbl name="lnNode1">
+    <dgm:scene3d>
+      <a:camera prst="orthographicFront"/>
+      <a:lightRig rig="threePt" dir="t"/>
+    </dgm:scene3d>
+    <dgm:sp3d/>
+    <dgm:txPr/>
+    <dgm:style>
+      <a:lnRef idx="2">
+        <a:scrgbClr r="0" g="0" b="0"/>
+      </a:lnRef>
+      <a:fillRef idx="1">
+        <a:scrgbClr r="0" g="0" b="0"/>
+      </a:fillRef>
+      <a:effectRef idx="0">
+        <a:scrgbClr r="0" g="0" b="0"/>
+      </a:effectRef>
+      <a:fontRef idx="minor">
+        <a:schemeClr val="lt1"/>
+      </a:fontRef>
+    </dgm:style>
+  </dgm:styleLbl>
+  <dgm:styleLbl name="vennNode1">
+    <dgm:scene3d>
+      <a:camera prst="orthographicFront"/>
+      <a:lightRig rig="threePt" dir="t"/>
+    </dgm:scene3d>
+    <dgm:sp3d/>
+    <dgm:txPr/>
+    <dgm:style>
+      <a:lnRef idx="2">
+        <a:scrgbClr r="0" g="0" b="0"/>
+      </a:lnRef>
+      <a:fillRef idx="1">
+        <a:scrgbClr r="0" g="0" b="0"/>
+      </a:fillRef>
+      <a:effectRef idx="0">
+        <a:scrgbClr r="0" g="0" b="0"/>
+      </a:effectRef>
+      <a:fontRef idx="minor">
+        <a:schemeClr val="tx1"/>
+      </a:fontRef>
+    </dgm:style>
+  </dgm:styleLbl>
+  <dgm:styleLbl name="alignNode1">
+    <dgm:scene3d>
+      <a:camera prst="orthographicFront"/>
+      <a:lightRig rig="threePt" dir="t"/>
+    </dgm:scene3d>
+    <dgm:sp3d/>
+    <dgm:txPr/>
+    <dgm:style>
+      <a:lnRef idx="2">
+        <a:scrgbClr r="0" g="0" b="0"/>
+      </a:lnRef>
+      <a:fillRef idx="1">
+        <a:scrgbClr r="0" g="0" b="0"/>
+      </a:fillRef>
+      <a:effectRef idx="0">
+        <a:scrgbClr r="0" g="0" b="0"/>
+      </a:effectRef>
+      <a:fontRef idx="minor">
+        <a:schemeClr val="lt1"/>
+      </a:fontRef>
+    </dgm:style>
+  </dgm:styleLbl>
+  <dgm:styleLbl name="node1">
+    <dgm:scene3d>
+      <a:camera prst="orthographicFront"/>
+      <a:lightRig rig="threePt" dir="t"/>
+    </dgm:scene3d>
+    <dgm:sp3d/>
+    <dgm:txPr/>
+    <dgm:style>
+      <a:lnRef idx="2">
+        <a:scrgbClr r="0" g="0" b="0"/>
+      </a:lnRef>
+      <a:fillRef idx="1">
+        <a:scrgbClr r="0" g="0" b="0"/>
+      </a:fillRef>
+      <a:effectRef idx="0">
+        <a:scrgbClr r="0" g="0" b="0"/>
+      </a:effectRef>
+      <a:fontRef idx="minor">
+        <a:schemeClr val="lt1"/>
+      </a:fontRef>
+    </dgm:style>
+  </dgm:styleLbl>
+  <dgm:styleLbl name="node2">
+    <dgm:scene3d>
+      <a:camera prst="orthographicFront"/>
+      <a:lightRig rig="threePt" dir="t"/>
+    </dgm:scene3d>
+    <dgm:sp3d/>
+    <dgm:txPr/>
+    <dgm:style>
+      <a:lnRef idx="2">
+        <a:scrgbClr r="0" g="0" b="0"/>
+      </a:lnRef>
+      <a:fillRef idx="1">
+        <a:scrgbClr r="0" g="0" b="0"/>
+      </a:fillRef>
+      <a:effectRef idx="0">
+        <a:scrgbClr r="0" g="0" b="0"/>
+      </a:effectRef>
+      <a:fontRef idx="minor">
+        <a:schemeClr val="lt1"/>
+      </a:fontRef>
+    </dgm:style>
+  </dgm:styleLbl>
+  <dgm:styleLbl name="node3">
+    <dgm:scene3d>
+      <a:camera prst="orthographicFront"/>
+      <a:lightRig rig="threePt" dir="t"/>
+    </dgm:scene3d>
+    <dgm:sp3d/>
+    <dgm:txPr/>
+    <dgm:style>
+      <a:lnRef idx="2">
+        <a:scrgbClr r="0" g="0" b="0"/>
+      </a:lnRef>
+      <a:fillRef idx="1">
+        <a:scrgbClr r="0" g="0" b="0"/>
+      </a:fillRef>
+      <a:effectRef idx="0">
+        <a:scrgbClr r="0" g="0" b="0"/>
+      </a:effectRef>
+      <a:fontRef idx="minor">
+        <a:schemeClr val="lt1"/>
+      </a:fontRef>
+    </dgm:style>
+  </dgm:styleLbl>
+  <dgm:styleLbl name="node4">
+    <dgm:scene3d>
+      <a:camera prst="orthographicFront"/>
+      <a:lightRig rig="threePt" dir="t"/>
+    </dgm:scene3d>
+    <dgm:sp3d/>
+    <dgm:txPr/>
+    <dgm:style>
+      <a:lnRef idx="2">
+        <a:scrgbClr r="0" g="0" b="0"/>
+      </a:lnRef>
+      <a:fillRef idx="1">
+        <a:scrgbClr r="0" g="0" b="0"/>
+      </a:fillRef>
+      <a:effectRef idx="0">
+        <a:scrgbClr r="0" g="0" b="0"/>
+      </a:effectRef>
+      <a:fontRef idx="minor">
+        <a:schemeClr val="lt1"/>
+      </a:fontRef>
+    </dgm:style>
+  </dgm:styleLbl>
+  <dgm:styleLbl name="fgImgPlace1">
+    <dgm:scene3d>
+      <a:camera prst="orthographicFront"/>
+      <a:lightRig rig="threePt" dir="t"/>
+    </dgm:scene3d>
+    <dgm:sp3d/>
+    <dgm:txPr/>
+    <dgm:style>
+      <a:lnRef idx="2">
+        <a:scrgbClr r="0" g="0" b="0"/>
+      </a:lnRef>
+      <a:fillRef idx="1">
+        <a:scrgbClr r="0" g="0" b="0"/>
+      </a:fillRef>
+      <a:effectRef idx="0">
+        <a:scrgbClr r="0" g="0" b="0"/>
+      </a:effectRef>
+      <a:fontRef idx="minor"/>
+    </dgm:style>
+  </dgm:styleLbl>
+  <dgm:styleLbl name="alignImgPlace1">
+    <dgm:scene3d>
+      <a:camera prst="orthographicFront"/>
+      <a:lightRig rig="threePt" dir="t"/>
+    </dgm:scene3d>
+    <dgm:sp3d/>
+    <dgm:txPr/>
+    <dgm:style>
+      <a:lnRef idx="2">
+        <a:scrgbClr r="0" g="0" b="0"/>
+      </a:lnRef>
+      <a:fillRef idx="1">
+        <a:scrgbClr r="0" g="0" b="0"/>
+      </a:fillRef>
+      <a:effectRef idx="0">
+        <a:scrgbClr r="0" g="0" b="0"/>
+      </a:effectRef>
+      <a:fontRef idx="minor"/>
+    </dgm:style>
+  </dgm:styleLbl>
+  <dgm:styleLbl name="bgImgPlace1">
+    <dgm:scene3d>
+      <a:camera prst="orthographicFront"/>
+      <a:lightRig rig="threePt" dir="t"/>
+    </dgm:scene3d>
+    <dgm:sp3d/>
+    <dgm:txPr/>
+    <dgm:style>
+      <a:lnRef idx="2">
+        <a:scrgbClr r="0" g="0" b="0"/>
+      </a:lnRef>
+      <a:fillRef idx="1">
+        <a:scrgbClr r="0" g="0" b="0"/>
+      </a:fillRef>
+      <a:effectRef idx="0">
+        <a:scrgbClr r="0" g="0" b="0"/>
+      </a:effectRef>
+      <a:fontRef idx="minor"/>
+    </dgm:style>
+  </dgm:styleLbl>
+  <dgm:styleLbl name="sibTrans2D1">
+    <dgm:scene3d>
+      <a:camera prst="orthographicFront"/>
+      <a:lightRig rig="threePt" dir="t"/>
+    </dgm:scene3d>
+    <dgm:sp3d/>
+    <dgm:txPr/>
+    <dgm:style>
+      <a:lnRef idx="0">
+        <a:scrgbClr r="0" g="0" b="0"/>
+      </a:lnRef>
+      <a:fillRef idx="1">
+        <a:scrgbClr r="0" g="0" b="0"/>
+      </a:fillRef>
+      <a:effectRef idx="0">
+        <a:scrgbClr r="0" g="0" b="0"/>
+      </a:effectRef>
+      <a:fontRef idx="minor">
+        <a:schemeClr val="lt1"/>
+      </a:fontRef>
+    </dgm:style>
+  </dgm:styleLbl>
+  <dgm:styleLbl name="fgSibTrans2D1">
+    <dgm:scene3d>
+      <a:camera prst="orthographicFront"/>
+      <a:lightRig rig="threePt" dir="t"/>
+    </dgm:scene3d>
+    <dgm:sp3d/>
+    <dgm:txPr/>
+    <dgm:style>
+      <a:lnRef idx="0">
+        <a:scrgbClr r="0" g="0" b="0"/>
+      </a:lnRef>
+      <a:fillRef idx="1">
+        <a:scrgbClr r="0" g="0" b="0"/>
+      </a:fillRef>
+      <a:effectRef idx="0">
+        <a:scrgbClr r="0" g="0" b="0"/>
+      </a:effectRef>
+      <a:fontRef idx="minor">
+        <a:schemeClr val="lt1"/>
+      </a:fontRef>
+    </dgm:style>
+  </dgm:styleLbl>
+  <dgm:styleLbl name="bgSibTrans2D1">
+    <dgm:scene3d>
+      <a:camera prst="orthographicFront"/>
+      <a:lightRig rig="threePt" dir="t"/>
+    </dgm:scene3d>
+    <dgm:sp3d/>
+    <dgm:txPr/>
+    <dgm:style>
+      <a:lnRef idx="0">
+        <a:scrgbClr r="0" g="0" b="0"/>
+      </a:lnRef>
+      <a:fillRef idx="1">
+        <a:scrgbClr r="0" g="0" b="0"/>
+      </a:fillRef>
+      <a:effectRef idx="0">
+        <a:scrgbClr r="0" g="0" b="0"/>
+      </a:effectRef>
+      <a:fontRef idx="minor">
+        <a:schemeClr val="lt1"/>
+      </a:fontRef>
+    </dgm:style>
+  </dgm:styleLbl>
+  <dgm:styleLbl name="sibTrans1D1">
+    <dgm:scene3d>
+      <a:camera prst="orthographicFront"/>
+      <a:lightRig rig="threePt" dir="t"/>
+    </dgm:scene3d>
+    <dgm:sp3d/>
+    <dgm:txPr/>
+    <dgm:style>
+      <a:lnRef idx="1">
+        <a:scrgbClr r="0" g="0" b="0"/>
+      </a:lnRef>
+      <a:fillRef idx="0">
+        <a:scrgbClr r="0" g="0" b="0"/>
+      </a:fillRef>
+      <a:effectRef idx="0">
+        <a:scrgbClr r="0" g="0" b="0"/>
+      </a:effectRef>
+      <a:fontRef idx="minor"/>
+    </dgm:style>
+  </dgm:styleLbl>
+  <dgm:styleLbl name="callout">
+    <dgm:scene3d>
+      <a:camera prst="orthographicFront"/>
+      <a:lightRig rig="threePt" dir="t"/>
+    </dgm:scene3d>
+    <dgm:sp3d/>
+    <dgm:txPr/>
+    <dgm:style>
+      <a:lnRef idx="2">
+        <a:scrgbClr r="0" g="0" b="0"/>
+      </a:lnRef>
+      <a:fillRef idx="1">
+        <a:scrgbClr r="0" g="0" b="0"/>
+      </a:fillRef>
+      <a:effectRef idx="0">
+        <a:scrgbClr r="0" g="0" b="0"/>
+      </a:effectRef>
+      <a:fontRef idx="minor"/>
+    </dgm:style>
+  </dgm:styleLbl>
+  <dgm:styleLbl name="asst0">
+    <dgm:scene3d>
+      <a:camera prst="orthographicFront"/>
+      <a:lightRig rig="threePt" dir="t"/>
+    </dgm:scene3d>
+    <dgm:sp3d/>
+    <dgm:txPr/>
+    <dgm:style>
+      <a:lnRef idx="2">
+        <a:scrgbClr r="0" g="0" b="0"/>
+      </a:lnRef>
+      <a:fillRef idx="1">
+        <a:scrgbClr r="0" g="0" b="0"/>
+      </a:fillRef>
+      <a:effectRef idx="0">
+        <a:scrgbClr r="0" g="0" b="0"/>
+      </a:effectRef>
+      <a:fontRef idx="minor">
+        <a:schemeClr val="lt1"/>
+      </a:fontRef>
+    </dgm:style>
+  </dgm:styleLbl>
+  <dgm:styleLbl name="asst1">
+    <dgm:scene3d>
+      <a:camera prst="orthographicFront"/>
+      <a:lightRig rig="threePt" dir="t"/>
+    </dgm:scene3d>
+    <dgm:sp3d/>
+    <dgm:txPr/>
+    <dgm:style>
+      <a:lnRef idx="2">
+        <a:scrgbClr r="0" g="0" b="0"/>
+      </a:lnRef>
+      <a:fillRef idx="1">
+        <a:scrgbClr r="0" g="0" b="0"/>
+      </a:fillRef>
+      <a:effectRef idx="0">
+        <a:scrgbClr r="0" g="0" b="0"/>
+      </a:effectRef>
+      <a:fontRef idx="minor">
+        <a:schemeClr val="lt1"/>
+      </a:fontRef>
+    </dgm:style>
+  </dgm:styleLbl>
+  <dgm:styleLbl name="asst2">
+    <dgm:scene3d>
+      <a:camera prst="orthographicFront"/>
+      <a:lightRig rig="threePt" dir="t"/>
+    </dgm:scene3d>
+    <dgm:sp3d/>
+    <dgm:txPr/>
+    <dgm:style>
+      <a:lnRef idx="2">
+        <a:scrgbClr r="0" g="0" b="0"/>
+      </a:lnRef>
+      <a:fillRef idx="1">
+        <a:scrgbClr r="0" g="0" b="0"/>
+      </a:fillRef>
+      <a:effectRef idx="0">
+        <a:scrgbClr r="0" g="0" b="0"/>
+      </a:effectRef>
+      <a:fontRef idx="minor">
+        <a:schemeClr val="lt1"/>
+      </a:fontRef>
+    </dgm:style>
+  </dgm:styleLbl>
+  <dgm:styleLbl name="asst3">
+    <dgm:scene3d>
+      <a:camera prst="orthographicFront"/>
+      <a:lightRig rig="threePt" dir="t"/>
+    </dgm:scene3d>
+    <dgm:sp3d/>
+    <dgm:txPr/>
+    <dgm:style>
+      <a:lnRef idx="2">
+        <a:scrgbClr r="0" g="0" b="0"/>
+      </a:lnRef>
+      <a:fillRef idx="1">
+        <a:scrgbClr r="0" g="0" b="0"/>
+      </a:fillRef>
+      <a:effectRef idx="0">
+        <a:scrgbClr r="0" g="0" b="0"/>
+      </a:effectRef>
+      <a:fontRef idx="minor">
+        <a:schemeClr val="lt1"/>
+      </a:fontRef>
+    </dgm:style>
+  </dgm:styleLbl>
+  <dgm:styleLbl name="asst4">
+    <dgm:scene3d>
+      <a:camera prst="orthographicFront"/>
+      <a:lightRig rig="threePt" dir="t"/>
+    </dgm:scene3d>
+    <dgm:sp3d/>
+    <dgm:txPr/>
+    <dgm:style>
+      <a:lnRef idx="2">
+        <a:scrgbClr r="0" g="0" b="0"/>
+      </a:lnRef>
+      <a:fillRef idx="1">
+        <a:scrgbClr r="0" g="0" b="0"/>
+      </a:fillRef>
+      <a:effectRef idx="0">
+        <a:scrgbClr r="0" g="0" b="0"/>
+      </a:effectRef>
+      <a:fontRef idx="minor">
+        <a:schemeClr val="lt1"/>
+      </a:fontRef>
+    </dgm:style>
+  </dgm:styleLbl>
+  <dgm:styleLbl name="parChTrans2D1">
+    <dgm:scene3d>
+      <a:camera prst="orthographicFront"/>
+      <a:lightRig rig="threePt" dir="t"/>
+    </dgm:scene3d>
+    <dgm:sp3d/>
+    <dgm:txPr/>
+    <dgm:style>
+      <a:lnRef idx="2">
+        <a:scrgbClr r="0" g="0" b="0"/>
+      </a:lnRef>
+      <a:fillRef idx="1">
+        <a:scrgbClr r="0" g="0" b="0"/>
+      </a:fillRef>
+      <a:effectRef idx="0">
+        <a:scrgbClr r="0" g="0" b="0"/>
+      </a:effectRef>
+      <a:fontRef idx="minor">
+        <a:schemeClr val="lt1"/>
+      </a:fontRef>
+    </dgm:style>
+  </dgm:styleLbl>
+  <dgm:styleLbl name="parChTrans2D2">
+    <dgm:scene3d>
+      <a:camera prst="orthographicFront"/>
+      <a:lightRig rig="threePt" dir="t"/>
+    </dgm:scene3d>
+    <dgm:sp3d/>
+    <dgm:txPr/>
+    <dgm:style>
+      <a:lnRef idx="2">
+        <a:scrgbClr r="0" g="0" b="0"/>
+      </a:lnRef>
+      <a:fillRef idx="1">
+        <a:scrgbClr r="0" g="0" b="0"/>
+      </a:fillRef>
+      <a:effectRef idx="0">
+        <a:scrgbClr r="0" g="0" b="0"/>
+      </a:effectRef>
+      <a:fontRef idx="minor">
+        <a:schemeClr val="lt1"/>
+      </a:fontRef>
+    </dgm:style>
+  </dgm:styleLbl>
+  <dgm:styleLbl name="parChTrans2D3">
+    <dgm:scene3d>
+      <a:camera prst="orthographicFront"/>
+      <a:lightRig rig="threePt" dir="t"/>
+    </dgm:scene3d>
+    <dgm:sp3d/>
+    <dgm:txPr/>
+    <dgm:style>
+      <a:lnRef idx="2">
+        <a:scrgbClr r="0" g="0" b="0"/>
+      </a:lnRef>
+      <a:fillRef idx="1">
+        <a:scrgbClr r="0" g="0" b="0"/>
+      </a:fillRef>
+      <a:effectRef idx="0">
+        <a:scrgbClr r="0" g="0" b="0"/>
+      </a:effectRef>
+      <a:fontRef idx="minor">
+        <a:schemeClr val="lt1"/>
+      </a:fontRef>
+    </dgm:style>
+  </dgm:styleLbl>
+  <dgm:styleLbl name="parChTrans2D4">
+    <dgm:scene3d>
+      <a:camera prst="orthographicFront"/>
+      <a:lightRig rig="threePt" dir="t"/>
+    </dgm:scene3d>
+    <dgm:sp3d/>
+    <dgm:txPr/>
+    <dgm:style>
+      <a:lnRef idx="2">
+        <a:scrgbClr r="0" g="0" b="0"/>
+      </a:lnRef>
+      <a:fillRef idx="1">
+        <a:scrgbClr r="0" g="0" b="0"/>
+      </a:fillRef>
+      <a:effectRef idx="0">
+        <a:scrgbClr r="0" g="0" b="0"/>
+      </a:effectRef>
+      <a:fontRef idx="minor">
+        <a:schemeClr val="lt1"/>
+      </a:fontRef>
+    </dgm:style>
+  </dgm:styleLbl>
+  <dgm:styleLbl name="parChTrans1D1">
+    <dgm:scene3d>
+      <a:camera prst="orthographicFront"/>
+      <a:lightRig rig="threePt" dir="t"/>
+    </dgm:scene3d>
+    <dgm:sp3d/>
+    <dgm:txPr/>
+    <dgm:style>
+      <a:lnRef idx="2">
+        <a:scrgbClr r="0" g="0" b="0"/>
+      </a:lnRef>
+      <a:fillRef idx="0">
+        <a:scrgbClr r="0" g="0" b="0"/>
+      </a:fillRef>
+      <a:effectRef idx="0">
+        <a:scrgbClr r="0" g="0" b="0"/>
+      </a:effectRef>
+      <a:fontRef idx="minor"/>
+    </dgm:style>
+  </dgm:styleLbl>
+  <dgm:styleLbl name="parChTrans1D2">
+    <dgm:scene3d>
+      <a:camera prst="orthographicFront"/>
+      <a:lightRig rig="threePt" dir="t"/>
+    </dgm:scene3d>
+    <dgm:sp3d/>
+    <dgm:txPr/>
+    <dgm:style>
+      <a:lnRef idx="2">
+        <a:scrgbClr r="0" g="0" b="0"/>
+      </a:lnRef>
+      <a:fillRef idx="0">
+        <a:scrgbClr r="0" g="0" b="0"/>
+      </a:fillRef>
+      <a:effectRef idx="0">
+        <a:scrgbClr r="0" g="0" b="0"/>
+      </a:effectRef>
+      <a:fontRef idx="minor"/>
+    </dgm:style>
+  </dgm:styleLbl>
+  <dgm:styleLbl name="parChTrans1D3">
+    <dgm:scene3d>
+      <a:camera prst="orthographicFront"/>
+      <a:lightRig rig="threePt" dir="t"/>
+    </dgm:scene3d>
+    <dgm:sp3d/>
+    <dgm:txPr/>
+    <dgm:style>
+      <a:lnRef idx="2">
+        <a:scrgbClr r="0" g="0" b="0"/>
+      </a:lnRef>
+      <a:fillRef idx="0">
+        <a:scrgbClr r="0" g="0" b="0"/>
+      </a:fillRef>
+      <a:effectRef idx="0">
+        <a:scrgbClr r="0" g="0" b="0"/>
+      </a:effectRef>
+      <a:fontRef idx="minor"/>
+    </dgm:style>
+  </dgm:styleLbl>
+  <dgm:styleLbl name="parChTrans1D4">
+    <dgm:scene3d>
+      <a:camera prst="orthographicFront"/>
+      <a:lightRig rig="threePt" dir="t"/>
+    </dgm:scene3d>
+    <dgm:sp3d/>
+    <dgm:txPr/>
+    <dgm:style>
+      <a:lnRef idx="2">
+        <a:scrgbClr r="0" g="0" b="0"/>
+      </a:lnRef>
+      <a:fillRef idx="0">
+        <a:scrgbClr r="0" g="0" b="0"/>
+      </a:fillRef>
+      <a:effectRef idx="0">
+        <a:scrgbClr r="0" g="0" b="0"/>
+      </a:effectRef>
+      <a:fontRef idx="minor"/>
+    </dgm:style>
+  </dgm:styleLbl>
+  <dgm:styleLbl name="fgAcc1">
+    <dgm:scene3d>
+      <a:camera prst="orthographicFront"/>
+      <a:lightRig rig="threePt" dir="t"/>
+    </dgm:scene3d>
+    <dgm:sp3d/>
+    <dgm:txPr/>
+    <dgm:style>
+      <a:lnRef idx="2">
+        <a:scrgbClr r="0" g="0" b="0"/>
+      </a:lnRef>
+      <a:fillRef idx="1">
+        <a:scrgbClr r="0" g="0" b="0"/>
+      </a:fillRef>
+      <a:effectRef idx="0">
+        <a:scrgbClr r="0" g="0" b="0"/>
+      </a:effectRef>
+      <a:fontRef idx="minor"/>
+    </dgm:style>
+  </dgm:styleLbl>
+  <dgm:styleLbl name="conFgAcc1">
+    <dgm:scene3d>
+      <a:camera prst="orthographicFront"/>
+      <a:lightRig rig="threePt" dir="t"/>
+    </dgm:scene3d>
+    <dgm:sp3d/>
+    <dgm:txPr/>
+    <dgm:style>
+      <a:lnRef idx="2">
+        <a:scrgbClr r="0" g="0" b="0"/>
+      </a:lnRef>
+      <a:fillRef idx="1">
+        <a:scrgbClr r="0" g="0" b="0"/>
+      </a:fillRef>
+      <a:effectRef idx="0">
+        <a:scrgbClr r="0" g="0" b="0"/>
+      </a:effectRef>
+      <a:fontRef idx="minor"/>
+    </dgm:style>
+  </dgm:styleLbl>
+  <dgm:styleLbl name="alignAcc1">
+    <dgm:scene3d>
+      <a:camera prst="orthographicFront"/>
+      <a:lightRig rig="threePt" dir="t"/>
+    </dgm:scene3d>
+    <dgm:sp3d/>
+    <dgm:txPr/>
+    <dgm:style>
+      <a:lnRef idx="2">
+        <a:scrgbClr r="0" g="0" b="0"/>
+      </a:lnRef>
+      <a:fillRef idx="1">
+        <a:scrgbClr r="0" g="0" b="0"/>
+      </a:fillRef>
+      <a:effectRef idx="0">
+        <a:scrgbClr r="0" g="0" b="0"/>
+      </a:effectRef>
+      <a:fontRef idx="minor"/>
+    </dgm:style>
+  </dgm:styleLbl>
+  <dgm:styleLbl name="trAlignAcc1">
+    <dgm:scene3d>
+      <a:camera prst="orthographicFront"/>
+      <a:lightRig rig="threePt" dir="t"/>
+    </dgm:scene3d>
+    <dgm:sp3d/>
+    <dgm:txPr/>
+    <dgm:style>
+      <a:lnRef idx="1">
+        <a:scrgbClr r="0" g="0" b="0"/>
+      </a:lnRef>
+      <a:fillRef idx="1">
+        <a:scrgbClr r="0" g="0" b="0"/>
+      </a:fillRef>
+      <a:effectRef idx="0">
+        <a:scrgbClr r="0" g="0" b="0"/>
+      </a:effectRef>
+      <a:fontRef idx="minor"/>
+    </dgm:style>
+  </dgm:styleLbl>
+  <dgm:styleLbl name="bgAcc1">
+    <dgm:scene3d>
+      <a:camera prst="orthographicFront"/>
+      <a:lightRig rig="threePt" dir="t"/>
+    </dgm:scene3d>
+    <dgm:sp3d/>
+    <dgm:txPr/>
+    <dgm:style>
+      <a:lnRef idx="2">
+        <a:scrgbClr r="0" g="0" b="0"/>
+      </a:lnRef>
+      <a:fillRef idx="1">
+        <a:scrgbClr r="0" g="0" b="0"/>
+      </a:fillRef>
+      <a:effectRef idx="0">
+        <a:scrgbClr r="0" g="0" b="0"/>
+      </a:effectRef>
+      <a:fontRef idx="minor"/>
+    </dgm:style>
+  </dgm:styleLbl>
+  <dgm:styleLbl name="solidFgAcc1">
+    <dgm:scene3d>
+      <a:camera prst="orthographicFront"/>
+      <a:lightRig rig="threePt" dir="t"/>
+    </dgm:scene3d>
+    <dgm:sp3d/>
+    <dgm:txPr/>
+    <dgm:style>
+      <a:lnRef idx="2">
+        <a:scrgbClr r="0" g="0" b="0"/>
+      </a:lnRef>
+      <a:fillRef idx="1">
+        <a:scrgbClr r="0" g="0" b="0"/>
+      </a:fillRef>
+      <a:effectRef idx="0">
+        <a:scrgbClr r="0" g="0" b="0"/>
+      </a:effectRef>
+      <a:fontRef idx="minor"/>
+    </dgm:style>
+  </dgm:styleLbl>
+  <dgm:styleLbl name="solidAlignAcc1">
+    <dgm:scene3d>
+      <a:camera prst="orthographicFront"/>
+      <a:lightRig rig="threePt" dir="t"/>
+    </dgm:scene3d>
+    <dgm:sp3d/>
+    <dgm:txPr/>
+    <dgm:style>
+      <a:lnRef idx="2">
+        <a:scrgbClr r="0" g="0" b="0"/>
+      </a:lnRef>
+      <a:fillRef idx="1">
+        <a:scrgbClr r="0" g="0" b="0"/>
+      </a:fillRef>
+      <a:effectRef idx="0">
+        <a:scrgbClr r="0" g="0" b="0"/>
+      </a:effectRef>
+      <a:fontRef idx="minor"/>
+    </dgm:style>
+  </dgm:styleLbl>
+  <dgm:styleLbl name="solidBgAcc1">
+    <dgm:scene3d>
+      <a:camera prst="orthographicFront"/>
+      <a:lightRig rig="threePt" dir="t"/>
+    </dgm:scene3d>
+    <dgm:sp3d/>
+    <dgm:txPr/>
+    <dgm:style>
+      <a:lnRef idx="2">
+        <a:scrgbClr r="0" g="0" b="0"/>
+      </a:lnRef>
+      <a:fillRef idx="1">
+        <a:scrgbClr r="0" g="0" b="0"/>
+      </a:fillRef>
+      <a:effectRef idx="0">
+        <a:scrgbClr r="0" g="0" b="0"/>
+      </a:effectRef>
+      <a:fontRef idx="minor"/>
+    </dgm:style>
+  </dgm:styleLbl>
+  <dgm:styleLbl name="fgAccFollowNode1">
+    <dgm:scene3d>
+      <a:camera prst="orthographicFront"/>
+      <a:lightRig rig="threePt" dir="t"/>
+    </dgm:scene3d>
+    <dgm:sp3d/>
+    <dgm:txPr/>
+    <dgm:style>
+      <a:lnRef idx="2">
+        <a:scrgbClr r="0" g="0" b="0"/>
+      </a:lnRef>
+      <a:fillRef idx="1">
+        <a:scrgbClr r="0" g="0" b="0"/>
+      </a:fillRef>
+      <a:effectRef idx="0">
+        <a:scrgbClr r="0" g="0" b="0"/>
+      </a:effectRef>
+      <a:fontRef idx="minor"/>
+    </dgm:style>
+  </dgm:styleLbl>
+  <dgm:styleLbl name="alignAccFollowNode1">
+    <dgm:scene3d>
+      <a:camera prst="orthographicFront"/>
+      <a:lightRig rig="threePt" dir="t"/>
+    </dgm:scene3d>
+    <dgm:sp3d/>
+    <dgm:txPr/>
+    <dgm:style>
+      <a:lnRef idx="2">
+        <a:scrgbClr r="0" g="0" b="0"/>
+      </a:lnRef>
+      <a:fillRef idx="1">
+        <a:scrgbClr r="0" g="0" b="0"/>
+      </a:fillRef>
+      <a:effectRef idx="0">
+        <a:scrgbClr r="0" g="0" b="0"/>
+      </a:effectRef>
+      <a:fontRef idx="minor"/>
+    </dgm:style>
+  </dgm:styleLbl>
+  <dgm:styleLbl name="bgAccFollowNode1">
+    <dgm:scene3d>
+      <a:camera prst="orthographicFront"/>
+      <a:lightRig rig="threePt" dir="t"/>
+    </dgm:scene3d>
+    <dgm:sp3d/>
+    <dgm:txPr/>
+    <dgm:style>
+      <a:lnRef idx="2">
+        <a:scrgbClr r="0" g="0" b="0"/>
+      </a:lnRef>
+      <a:fillRef idx="1">
+        <a:scrgbClr r="0" g="0" b="0"/>
+      </a:fillRef>
+      <a:effectRef idx="0">
+        <a:scrgbClr r="0" g="0" b="0"/>
+      </a:effectRef>
+      <a:fontRef idx="minor"/>
+    </dgm:style>
+  </dgm:styleLbl>
+  <dgm:styleLbl name="fgAcc0">
+    <dgm:scene3d>
+      <a:camera prst="orthographicFront"/>
+      <a:lightRig rig="threePt" dir="t"/>
+    </dgm:scene3d>
+    <dgm:sp3d/>
+    <dgm:txPr/>
+    <dgm:style>
+      <a:lnRef idx="2">
+        <a:scrgbClr r="0" g="0" b="0"/>
+      </a:lnRef>
+      <a:fillRef idx="1">
+        <a:scrgbClr r="0" g="0" b="0"/>
+      </a:fillRef>
+      <a:effectRef idx="0">
+        <a:scrgbClr r="0" g="0" b="0"/>
+      </a:effectRef>
+      <a:fontRef idx="minor"/>
+    </dgm:style>
+  </dgm:styleLbl>
+  <dgm:styleLbl name="fgAcc2">
+    <dgm:scene3d>
+      <a:camera prst="orthographicFront"/>
+      <a:lightRig rig="threePt" dir="t"/>
+    </dgm:scene3d>
+    <dgm:sp3d/>
+    <dgm:txPr/>
+    <dgm:style>
+      <a:lnRef idx="2">
+        <a:scrgbClr r="0" g="0" b="0"/>
+      </a:lnRef>
+      <a:fillRef idx="1">
+        <a:scrgbClr r="0" g="0" b="0"/>
+      </a:fillRef>
+      <a:effectRef idx="0">
+        <a:scrgbClr r="0" g="0" b="0"/>
+      </a:effectRef>
+      <a:fontRef idx="minor"/>
+    </dgm:style>
+  </dgm:styleLbl>
+  <dgm:styleLbl name="fgAcc3">
+    <dgm:scene3d>
+      <a:camera prst="orthographicFront"/>
+      <a:lightRig rig="threePt" dir="t"/>
+    </dgm:scene3d>
+    <dgm:sp3d/>
+    <dgm:txPr/>
+    <dgm:style>
+      <a:lnRef idx="2">
+        <a:scrgbClr r="0" g="0" b="0"/>
+      </a:lnRef>
+      <a:fillRef idx="1">
+        <a:scrgbClr r="0" g="0" b="0"/>
+      </a:fillRef>
+      <a:effectRef idx="0">
+        <a:scrgbClr r="0" g="0" b="0"/>
+      </a:effectRef>
+      <a:fontRef idx="minor"/>
+    </dgm:style>
+  </dgm:styleLbl>
+  <dgm:styleLbl name="fgAcc4">
+    <dgm:scene3d>
+      <a:camera prst="orthographicFront"/>
+      <a:lightRig rig="threePt" dir="t"/>
+    </dgm:scene3d>
+    <dgm:sp3d/>
+    <dgm:txPr/>
+    <dgm:style>
+      <a:lnRef idx="2">
+        <a:scrgbClr r="0" g="0" b="0"/>
+      </a:lnRef>
+      <a:fillRef idx="1">
+        <a:scrgbClr r="0" g="0" b="0"/>
+      </a:fillRef>
+      <a:effectRef idx="0">
+        <a:scrgbClr r="0" g="0" b="0"/>
+      </a:effectRef>
+      <a:fontRef idx="minor"/>
+    </dgm:style>
+  </dgm:styleLbl>
+  <dgm:styleLbl name="bgShp">
+    <dgm:scene3d>
+      <a:camera prst="orthographicFront"/>
+      <a:lightRig rig="threePt" dir="t"/>
+    </dgm:scene3d>
+    <dgm:sp3d/>
+    <dgm:txPr/>
+    <dgm:style>
+      <a:lnRef idx="0">
+        <a:scrgbClr r="0" g="0" b="0"/>
+      </a:lnRef>
+      <a:fillRef idx="1">
+        <a:scrgbClr r="0" g="0" b="0"/>
+      </a:fillRef>
+      <a:effectRef idx="0">
+        <a:scrgbClr r="0" g="0" b="0"/>
+      </a:effectRef>
+      <a:fontRef idx="minor"/>
+    </dgm:style>
+  </dgm:styleLbl>
+  <dgm:styleLbl name="dkBgShp">
+    <dgm:scene3d>
+      <a:camera prst="orthographicFront"/>
+      <a:lightRig rig="threePt" dir="t"/>
+    </dgm:scene3d>
+    <dgm:sp3d/>
+    <dgm:txPr/>
+    <dgm:style>
+      <a:lnRef idx="0">
+        <a:scrgbClr r="0" g="0" b="0"/>
+      </a:lnRef>
+      <a:fillRef idx="1">
+        <a:scrgbClr r="0" g="0" b="0"/>
+      </a:fillRef>
+      <a:effectRef idx="0">
+        <a:scrgbClr r="0" g="0" b="0"/>
+      </a:effectRef>
+      <a:fontRef idx="minor"/>
+    </dgm:style>
+  </dgm:styleLbl>
+  <dgm:styleLbl name="trBgShp">
+    <dgm:scene3d>
+      <a:camera prst="orthographicFront"/>
+      <a:lightRig rig="threePt" dir="t"/>
+    </dgm:scene3d>
+    <dgm:sp3d/>
+    <dgm:txPr/>
+    <dgm:style>
+      <a:lnRef idx="0">
+        <a:scrgbClr r="0" g="0" b="0"/>
+      </a:lnRef>
+      <a:fillRef idx="1">
+        <a:scrgbClr r="0" g="0" b="0"/>
+      </a:fillRef>
+      <a:effectRef idx="0">
+        <a:scrgbClr r="0" g="0" b="0"/>
+      </a:effectRef>
+      <a:fontRef idx="minor"/>
+    </dgm:style>
+  </dgm:styleLbl>
+  <dgm:styleLbl name="fgShp">
+    <dgm:scene3d>
+      <a:camera prst="orthographicFront"/>
+      <a:lightRig rig="threePt" dir="t"/>
+    </dgm:scene3d>
+    <dgm:sp3d/>
+    <dgm:txPr/>
+    <dgm:style>
+      <a:lnRef idx="2">
+        <a:scrgbClr r="0" g="0" b="0"/>
+      </a:lnRef>
+      <a:fillRef idx="1">
+        <a:scrgbClr r="0" g="0" b="0"/>
+      </a:fillRef>
+      <a:effectRef idx="0">
+        <a:scrgbClr r="0" g="0" b="0"/>
+      </a:effectRef>
+      <a:fontRef idx="minor"/>
+    </dgm:style>
+  </dgm:styleLbl>
+  <dgm:styleLbl name="revTx">
+    <dgm:scene3d>
+      <a:camera prst="orthographicFront"/>
+      <a:lightRig rig="threePt" dir="t"/>
+    </dgm:scene3d>
+    <dgm:sp3d/>
+    <dgm:txPr/>
+    <dgm:style>
+      <a:lnRef idx="0">
+        <a:scrgbClr r="0" g="0" b="0"/>
+      </a:lnRef>
+      <a:fillRef idx="0">
+        <a:scrgbClr r="0" g="0" b="0"/>
+      </a:fillRef>
+      <a:effectRef idx="0">
+        <a:scrgbClr r="0" g="0" b="0"/>
+      </a:effectRef>
+      <a:fontRef idx="minor"/>
+    </dgm:style>
+  </dgm:styleLbl>
+</dgm:styleDef>
+</file>
+
+<file path=ppt/diagrams/quickStyle9.xml><?xml version="1.0" encoding="utf-8"?>
 <dgm:styleDef xmlns:dgm="http://schemas.openxmlformats.org/drawingml/2006/diagram" xmlns:a="http://schemas.openxmlformats.org/drawingml/2006/main" uniqueId="urn:microsoft.com/office/officeart/2005/8/quickstyle/3d5">
   <dgm:title val=""/>
   <dgm:desc val=""/>
@@ -22267,7 +28911,7 @@
           <a:p>
             <a:fld id="{59088EAF-6ECA-4616-85EF-35AA19C641F3}" type="datetimeFigureOut">
               <a:rPr lang="en-US"/>
-              <a:t>8/1/2016</a:t>
+              <a:t>8/5/2016</a:t>
             </a:fld>
             <a:endParaRPr/>
           </a:p>
@@ -22432,7 +29076,7 @@
           <a:p>
             <a:fld id="{3ABD2D7A-D230-4F91-BD59-0A39C2703BA8}" type="datetimeFigureOut">
               <a:rPr lang="en-US"/>
-              <a:t>8/1/2016</a:t>
+              <a:t>8/5/2016</a:t>
             </a:fld>
             <a:endParaRPr/>
           </a:p>
@@ -23027,7 +29671,7 @@
           <a:p>
             <a:fld id="{03F41C87-7AD9-4845-A077-840E4A0F3F06}" type="datetimeFigureOut">
               <a:rPr lang="en-US"/>
-              <a:t>8/1/2016</a:t>
+              <a:t>8/5/2016</a:t>
             </a:fld>
             <a:endParaRPr/>
           </a:p>
@@ -23219,7 +29863,7 @@
           <a:p>
             <a:fld id="{03F41C87-7AD9-4845-A077-840E4A0F3F06}" type="datetimeFigureOut">
               <a:rPr lang="en-US"/>
-              <a:t>8/1/2016</a:t>
+              <a:t>8/5/2016</a:t>
             </a:fld>
             <a:endParaRPr/>
           </a:p>
@@ -23408,7 +30052,7 @@
           <a:p>
             <a:fld id="{03F41C87-7AD9-4845-A077-840E4A0F3F06}" type="datetimeFigureOut">
               <a:rPr lang="en-US"/>
-              <a:t>8/1/2016</a:t>
+              <a:t>8/5/2016</a:t>
             </a:fld>
             <a:endParaRPr/>
           </a:p>
@@ -23688,7 +30332,7 @@
           <a:p>
             <a:fld id="{03F41C87-7AD9-4845-A077-840E4A0F3F06}" type="datetimeFigureOut">
               <a:rPr lang="en-US"/>
-              <a:t>8/1/2016</a:t>
+              <a:t>8/5/2016</a:t>
             </a:fld>
             <a:endParaRPr/>
           </a:p>
@@ -23992,7 +30636,7 @@
           <a:p>
             <a:fld id="{03F41C87-7AD9-4845-A077-840E4A0F3F06}" type="datetimeFigureOut">
               <a:rPr lang="en-US"/>
-              <a:t>8/1/2016</a:t>
+              <a:t>8/5/2016</a:t>
             </a:fld>
             <a:endParaRPr/>
           </a:p>
@@ -24448,7 +31092,7 @@
           <a:p>
             <a:fld id="{03F41C87-7AD9-4845-A077-840E4A0F3F06}" type="datetimeFigureOut">
               <a:rPr lang="en-US"/>
-              <a:t>8/1/2016</a:t>
+              <a:t>8/5/2016</a:t>
             </a:fld>
             <a:endParaRPr/>
           </a:p>
@@ -24578,7 +31222,7 @@
           <a:p>
             <a:fld id="{03F41C87-7AD9-4845-A077-840E4A0F3F06}" type="datetimeFigureOut">
               <a:rPr lang="en-US"/>
-              <a:t>8/1/2016</a:t>
+              <a:t>8/5/2016</a:t>
             </a:fld>
             <a:endParaRPr/>
           </a:p>
@@ -24693,7 +31337,7 @@
           <a:p>
             <a:fld id="{03F41C87-7AD9-4845-A077-840E4A0F3F06}" type="datetimeFigureOut">
               <a:rPr lang="en-US"/>
-              <a:t>8/1/2016</a:t>
+              <a:t>8/5/2016</a:t>
             </a:fld>
             <a:endParaRPr/>
           </a:p>
@@ -25015,7 +31659,7 @@
           <a:p>
             <a:fld id="{03F41C87-7AD9-4845-A077-840E4A0F3F06}" type="datetimeFigureOut">
               <a:rPr lang="en-US"/>
-              <a:t>8/1/2016</a:t>
+              <a:t>8/5/2016</a:t>
             </a:fld>
             <a:endParaRPr/>
           </a:p>
@@ -25327,7 +31971,7 @@
             <a:fld id="{03F41C87-7AD9-4845-A077-840E4A0F3F06}" type="datetimeFigureOut">
               <a:rPr lang="en-US"/>
               <a:pPr/>
-              <a:t>8/1/2016</a:t>
+              <a:t>8/5/2016</a:t>
             </a:fld>
             <a:endParaRPr/>
           </a:p>
@@ -25563,7 +32207,7 @@
             <a:fld id="{03F41C87-7AD9-4845-A077-840E4A0F3F06}" type="datetimeFigureOut">
               <a:rPr lang="en-US"/>
               <a:pPr/>
-              <a:t>8/1/2016</a:t>
+              <a:t>8/5/2016</a:t>
             </a:fld>
             <a:endParaRPr/>
           </a:p>
@@ -28846,7 +35490,7 @@
             </a:pPr>
             <a:r>
               <a:rPr lang="en-US" sz="2000" dirty="0"/>
-              <a:t>COA ( Classic Oriented Architect )</a:t>
+              <a:t>CSOA ( Classic Services Oriented Architect )</a:t>
             </a:r>
           </a:p>
           <a:p>
@@ -28856,7 +35500,7 @@
             </a:pPr>
             <a:r>
               <a:rPr lang="en-US" sz="2000" dirty="0"/>
-              <a:t>FOA ( Factory Oriented Architect )</a:t>
+              <a:t>SFOA ( Service Factory Oriented Architect )</a:t>
             </a:r>
           </a:p>
           <a:p>
@@ -29610,7 +36254,7 @@
         </p:nvSpPr>
         <p:spPr>
           <a:xfrm>
-            <a:off x="4084889" y="2316656"/>
+            <a:off x="4084889" y="2209800"/>
             <a:ext cx="6092348" cy="883866"/>
           </a:xfrm>
           <a:prstGeom prst="rect">
@@ -30195,48 +36839,6 @@
               <a:t>Software architect vs code</a:t>
             </a:r>
             <a:endParaRPr lang="en-US" dirty="0"/>
-          </a:p>
-        </p:txBody>
-      </p:sp>
-      <p:sp>
-        <p:nvSpPr>
-          <p:cNvPr id="2" name="Rectangle 1"/>
-          <p:cNvSpPr/>
-          <p:nvPr/>
-        </p:nvSpPr>
-        <p:spPr>
-          <a:xfrm>
-            <a:off x="2842913" y="2967335"/>
-            <a:ext cx="6502999" cy="923330"/>
-          </a:xfrm>
-          <a:prstGeom prst="rect">
-            <a:avLst/>
-          </a:prstGeom>
-          <a:noFill/>
-        </p:spPr>
-        <p:txBody>
-          <a:bodyPr wrap="none" lIns="91440" tIns="45720" rIns="91440" bIns="45720">
-            <a:spAutoFit/>
-          </a:bodyPr>
-          <a:lstStyle/>
-          <a:p>
-            <a:pPr algn="ctr"/>
-            <a:r>
-              <a:rPr lang="en-US" sz="5400" b="0" cap="none" spc="0" dirty="0">
-                <a:ln w="0"/>
-                <a:solidFill>
-                  <a:schemeClr val="tx1"/>
-                </a:solidFill>
-                <a:effectLst>
-                  <a:outerShdw blurRad="38100" dist="19050" dir="2700000" algn="tl" rotWithShape="0">
-                    <a:schemeClr val="dk1">
-                      <a:alpha val="40000"/>
-                    </a:schemeClr>
-                  </a:outerShdw>
-                </a:effectLst>
-              </a:rPr>
-              <a:t>Repository - Database</a:t>
-            </a:r>
           </a:p>
         </p:txBody>
       </p:sp>
@@ -32158,6 +38760,573 @@
           </a:p>
         </p:txBody>
       </p:sp>
+      <p:graphicFrame>
+        <p:nvGraphicFramePr>
+          <p:cNvPr id="6" name="Content Placeholder 8" descr="Sample table with 3 columns, 4 rows" title="Table"/>
+          <p:cNvGraphicFramePr>
+            <a:graphicFrameLocks noGrp="1"/>
+          </p:cNvGraphicFramePr>
+          <p:nvPr>
+            <p:ph sz="half" idx="2"/>
+            <p:extLst>
+              <p:ext uri="{D42A27DB-BD31-4B8C-83A1-F6EECF244321}">
+                <p14:modId xmlns:p14="http://schemas.microsoft.com/office/powerpoint/2010/main" val="3201725048"/>
+              </p:ext>
+            </p:extLst>
+          </p:nvPr>
+        </p:nvGraphicFramePr>
+        <p:xfrm>
+          <a:off x="1065212" y="2057400"/>
+          <a:ext cx="8915400" cy="4433576"/>
+        </p:xfrm>
+        <a:graphic>
+          <a:graphicData uri="http://schemas.openxmlformats.org/drawingml/2006/table">
+            <a:tbl>
+              <a:tblPr firstRow="1" bandRow="1">
+                <a:tableStyleId>{5C22544A-7EE6-4342-B048-85BDC9FD1C3A}</a:tableStyleId>
+              </a:tblPr>
+              <a:tblGrid>
+                <a:gridCol w="2971800">
+                  <a:extLst>
+                    <a:ext uri="{9D8B030D-6E8A-4147-A177-3AD203B41FA5}">
+                      <a16:colId xmlns:a16="http://schemas.microsoft.com/office/drawing/2014/main" val="20000"/>
+                    </a:ext>
+                  </a:extLst>
+                </a:gridCol>
+                <a:gridCol w="2971800">
+                  <a:extLst>
+                    <a:ext uri="{9D8B030D-6E8A-4147-A177-3AD203B41FA5}">
+                      <a16:colId xmlns:a16="http://schemas.microsoft.com/office/drawing/2014/main" val="20001"/>
+                    </a:ext>
+                  </a:extLst>
+                </a:gridCol>
+                <a:gridCol w="2971800">
+                  <a:extLst>
+                    <a:ext uri="{9D8B030D-6E8A-4147-A177-3AD203B41FA5}">
+                      <a16:colId xmlns:a16="http://schemas.microsoft.com/office/drawing/2014/main" val="20002"/>
+                    </a:ext>
+                  </a:extLst>
+                </a:gridCol>
+              </a:tblGrid>
+              <a:tr h="474187">
+                <a:tc>
+                  <a:txBody>
+                    <a:bodyPr/>
+                    <a:lstStyle/>
+                    <a:p>
+                      <a:endParaRPr lang="en-US" dirty="0"/>
+                    </a:p>
+                  </a:txBody>
+                  <a:tcPr anchor="ctr"/>
+                </a:tc>
+                <a:tc>
+                  <a:txBody>
+                    <a:bodyPr/>
+                    <a:lstStyle/>
+                    <a:p>
+                      <a:pPr algn="ctr"/>
+                      <a:r>
+                        <a:rPr lang="en-US" dirty="0"/>
+                        <a:t>Advantages</a:t>
+                      </a:r>
+                    </a:p>
+                  </a:txBody>
+                  <a:tcPr anchor="ctr"/>
+                </a:tc>
+                <a:tc>
+                  <a:txBody>
+                    <a:bodyPr/>
+                    <a:lstStyle/>
+                    <a:p>
+                      <a:pPr algn="ctr"/>
+                      <a:r>
+                        <a:rPr lang="en-US" dirty="0"/>
+                        <a:t>Disadvantages</a:t>
+                      </a:r>
+                    </a:p>
+                  </a:txBody>
+                  <a:tcPr anchor="ctr"/>
+                </a:tc>
+                <a:extLst>
+                  <a:ext uri="{0D108BD9-81ED-4DB2-BD59-A6C34878D82A}">
+                    <a16:rowId xmlns:a16="http://schemas.microsoft.com/office/drawing/2014/main" val="10000"/>
+                  </a:ext>
+                </a:extLst>
+              </a:tr>
+              <a:tr h="474187">
+                <a:tc>
+                  <a:txBody>
+                    <a:bodyPr/>
+                    <a:lstStyle/>
+                    <a:p>
+                      <a:r>
+                        <a:rPr lang="en-US" dirty="0"/>
+                        <a:t>1</a:t>
+                      </a:r>
+                    </a:p>
+                  </a:txBody>
+                  <a:tcPr anchor="ctr"/>
+                </a:tc>
+                <a:tc>
+                  <a:txBody>
+                    <a:bodyPr/>
+                    <a:lstStyle/>
+                    <a:p>
+                      <a:pPr algn="ctr"/>
+                      <a:r>
+                        <a:rPr lang="en-US" sz="1800" b="0" i="0" kern="1200" dirty="0">
+                          <a:solidFill>
+                            <a:schemeClr val="dk1"/>
+                          </a:solidFill>
+                          <a:effectLst/>
+                          <a:latin typeface="+mn-lt"/>
+                          <a:ea typeface="+mn-ea"/>
+                          <a:cs typeface="+mn-cs"/>
+                        </a:rPr>
+                        <a:t>Service Reusability</a:t>
+                      </a:r>
+                      <a:endParaRPr lang="en-US" dirty="0"/>
+                    </a:p>
+                  </a:txBody>
+                  <a:tcPr anchor="ctr"/>
+                </a:tc>
+                <a:tc>
+                  <a:txBody>
+                    <a:bodyPr/>
+                    <a:lstStyle/>
+                    <a:p>
+                      <a:pPr algn="ctr"/>
+                      <a:r>
+                        <a:rPr lang="en-US" sz="1800" b="0" i="0" kern="1200" dirty="0">
+                          <a:solidFill>
+                            <a:schemeClr val="dk1"/>
+                          </a:solidFill>
+                          <a:effectLst/>
+                          <a:latin typeface="+mn-lt"/>
+                          <a:ea typeface="+mn-ea"/>
+                          <a:cs typeface="+mn-cs"/>
+                        </a:rPr>
+                        <a:t>Increased Overhead</a:t>
+                      </a:r>
+                      <a:endParaRPr lang="en-US" dirty="0"/>
+                    </a:p>
+                  </a:txBody>
+                  <a:tcPr anchor="ctr"/>
+                </a:tc>
+                <a:extLst>
+                  <a:ext uri="{0D108BD9-81ED-4DB2-BD59-A6C34878D82A}">
+                    <a16:rowId xmlns:a16="http://schemas.microsoft.com/office/drawing/2014/main" val="10001"/>
+                  </a:ext>
+                </a:extLst>
+              </a:tr>
+              <a:tr h="618709">
+                <a:tc>
+                  <a:txBody>
+                    <a:bodyPr/>
+                    <a:lstStyle/>
+                    <a:p>
+                      <a:r>
+                        <a:rPr lang="en-US"/>
+                        <a:t>2</a:t>
+                      </a:r>
+                      <a:endParaRPr lang="en-US" dirty="0"/>
+                    </a:p>
+                  </a:txBody>
+                  <a:tcPr anchor="ctr"/>
+                </a:tc>
+                <a:tc>
+                  <a:txBody>
+                    <a:bodyPr/>
+                    <a:lstStyle/>
+                    <a:p>
+                      <a:pPr algn="ctr"/>
+                      <a:r>
+                        <a:rPr lang="en-US" sz="1800" b="0" i="0" kern="1200" dirty="0">
+                          <a:solidFill>
+                            <a:schemeClr val="dk1"/>
+                          </a:solidFill>
+                          <a:effectLst/>
+                          <a:latin typeface="+mn-lt"/>
+                          <a:ea typeface="+mn-ea"/>
+                          <a:cs typeface="+mn-cs"/>
+                        </a:rPr>
+                        <a:t>Maintainability</a:t>
+                      </a:r>
+                      <a:endParaRPr lang="en-US" dirty="0"/>
+                    </a:p>
+                  </a:txBody>
+                  <a:tcPr anchor="ctr"/>
+                </a:tc>
+                <a:tc>
+                  <a:txBody>
+                    <a:bodyPr/>
+                    <a:lstStyle/>
+                    <a:p>
+                      <a:pPr algn="ctr"/>
+                      <a:r>
+                        <a:rPr lang="en-US" sz="1800" b="0" i="0" kern="1200" dirty="0">
+                          <a:solidFill>
+                            <a:schemeClr val="dk1"/>
+                          </a:solidFill>
+                          <a:effectLst/>
+                          <a:latin typeface="+mn-lt"/>
+                          <a:ea typeface="+mn-ea"/>
+                          <a:cs typeface="+mn-cs"/>
+                        </a:rPr>
+                        <a:t>Complex Service Management</a:t>
+                      </a:r>
+                      <a:endParaRPr lang="en-US" dirty="0"/>
+                    </a:p>
+                  </a:txBody>
+                  <a:tcPr anchor="ctr"/>
+                </a:tc>
+                <a:extLst>
+                  <a:ext uri="{0D108BD9-81ED-4DB2-BD59-A6C34878D82A}">
+                    <a16:rowId xmlns:a16="http://schemas.microsoft.com/office/drawing/2014/main" val="10002"/>
+                  </a:ext>
+                </a:extLst>
+              </a:tr>
+              <a:tr h="474187">
+                <a:tc>
+                  <a:txBody>
+                    <a:bodyPr/>
+                    <a:lstStyle/>
+                    <a:p>
+                      <a:r>
+                        <a:rPr lang="en-US"/>
+                        <a:t>3</a:t>
+                      </a:r>
+                      <a:endParaRPr lang="en-US" dirty="0"/>
+                    </a:p>
+                  </a:txBody>
+                  <a:tcPr anchor="ctr"/>
+                </a:tc>
+                <a:tc>
+                  <a:txBody>
+                    <a:bodyPr/>
+                    <a:lstStyle/>
+                    <a:p>
+                      <a:pPr algn="ctr"/>
+                      <a:r>
+                        <a:rPr lang="en-US" sz="1800" b="0" i="0" kern="1200" dirty="0">
+                          <a:solidFill>
+                            <a:schemeClr val="dk1"/>
+                          </a:solidFill>
+                          <a:effectLst/>
+                          <a:latin typeface="+mn-lt"/>
+                          <a:ea typeface="+mn-ea"/>
+                          <a:cs typeface="+mn-cs"/>
+                        </a:rPr>
+                        <a:t>Reliability</a:t>
+                      </a:r>
+                      <a:endParaRPr lang="en-US" dirty="0"/>
+                    </a:p>
+                  </a:txBody>
+                  <a:tcPr anchor="ctr"/>
+                </a:tc>
+                <a:tc>
+                  <a:txBody>
+                    <a:bodyPr/>
+                    <a:lstStyle/>
+                    <a:p>
+                      <a:pPr algn="ctr"/>
+                      <a:r>
+                        <a:rPr lang="en-US" sz="1800" b="0" i="0" kern="1200" dirty="0">
+                          <a:solidFill>
+                            <a:schemeClr val="dk1"/>
+                          </a:solidFill>
+                          <a:effectLst/>
+                          <a:latin typeface="+mn-lt"/>
+                          <a:ea typeface="+mn-ea"/>
+                          <a:cs typeface="+mn-cs"/>
+                        </a:rPr>
+                        <a:t>High Investment Cost</a:t>
+                      </a:r>
+                      <a:endParaRPr lang="en-US" dirty="0"/>
+                    </a:p>
+                  </a:txBody>
+                  <a:tcPr anchor="ctr"/>
+                </a:tc>
+                <a:extLst>
+                  <a:ext uri="{0D108BD9-81ED-4DB2-BD59-A6C34878D82A}">
+                    <a16:rowId xmlns:a16="http://schemas.microsoft.com/office/drawing/2014/main" val="10003"/>
+                  </a:ext>
+                </a:extLst>
+              </a:tr>
+              <a:tr h="474187">
+                <a:tc>
+                  <a:txBody>
+                    <a:bodyPr/>
+                    <a:lstStyle/>
+                    <a:p>
+                      <a:r>
+                        <a:rPr lang="en-US" dirty="0"/>
+                        <a:t>4</a:t>
+                      </a:r>
+                    </a:p>
+                  </a:txBody>
+                  <a:tcPr anchor="ctr"/>
+                </a:tc>
+                <a:tc>
+                  <a:txBody>
+                    <a:bodyPr/>
+                    <a:lstStyle/>
+                    <a:p>
+                      <a:pPr algn="ctr"/>
+                      <a:r>
+                        <a:rPr lang="en-US" sz="1800" b="0" i="0" kern="1200" dirty="0">
+                          <a:solidFill>
+                            <a:schemeClr val="dk1"/>
+                          </a:solidFill>
+                          <a:effectLst/>
+                          <a:latin typeface="+mn-lt"/>
+                          <a:ea typeface="+mn-ea"/>
+                          <a:cs typeface="+mn-cs"/>
+                        </a:rPr>
+                        <a:t>Location Independence</a:t>
+                      </a:r>
+                      <a:endParaRPr lang="en-US" dirty="0"/>
+                    </a:p>
+                  </a:txBody>
+                  <a:tcPr anchor="ctr"/>
+                </a:tc>
+                <a:tc>
+                  <a:txBody>
+                    <a:bodyPr/>
+                    <a:lstStyle/>
+                    <a:p>
+                      <a:pPr algn="ctr"/>
+                      <a:endParaRPr lang="en-US" dirty="0"/>
+                    </a:p>
+                  </a:txBody>
+                  <a:tcPr anchor="ctr"/>
+                </a:tc>
+                <a:extLst>
+                  <a:ext uri="{0D108BD9-81ED-4DB2-BD59-A6C34878D82A}">
+                    <a16:rowId xmlns:a16="http://schemas.microsoft.com/office/drawing/2014/main" val="2140074445"/>
+                  </a:ext>
+                </a:extLst>
+              </a:tr>
+              <a:tr h="474187">
+                <a:tc>
+                  <a:txBody>
+                    <a:bodyPr/>
+                    <a:lstStyle/>
+                    <a:p>
+                      <a:r>
+                        <a:rPr lang="en-US" dirty="0"/>
+                        <a:t>5</a:t>
+                      </a:r>
+                    </a:p>
+                  </a:txBody>
+                  <a:tcPr anchor="ctr"/>
+                </a:tc>
+                <a:tc>
+                  <a:txBody>
+                    <a:bodyPr/>
+                    <a:lstStyle/>
+                    <a:p>
+                      <a:pPr algn="ctr"/>
+                      <a:r>
+                        <a:rPr lang="en-US" sz="1800" b="0" i="0" kern="1200" dirty="0">
+                          <a:solidFill>
+                            <a:schemeClr val="dk1"/>
+                          </a:solidFill>
+                          <a:effectLst/>
+                          <a:latin typeface="+mn-lt"/>
+                          <a:ea typeface="+mn-ea"/>
+                          <a:cs typeface="+mn-cs"/>
+                        </a:rPr>
+                        <a:t>Improved Software Quality</a:t>
+                      </a:r>
+                      <a:endParaRPr lang="en-US" dirty="0"/>
+                    </a:p>
+                  </a:txBody>
+                  <a:tcPr anchor="ctr"/>
+                </a:tc>
+                <a:tc>
+                  <a:txBody>
+                    <a:bodyPr/>
+                    <a:lstStyle/>
+                    <a:p>
+                      <a:pPr algn="ctr"/>
+                      <a:endParaRPr lang="en-US" dirty="0"/>
+                    </a:p>
+                  </a:txBody>
+                  <a:tcPr anchor="ctr"/>
+                </a:tc>
+                <a:extLst>
+                  <a:ext uri="{0D108BD9-81ED-4DB2-BD59-A6C34878D82A}">
+                    <a16:rowId xmlns:a16="http://schemas.microsoft.com/office/drawing/2014/main" val="1373631831"/>
+                  </a:ext>
+                </a:extLst>
+              </a:tr>
+              <a:tr h="474187">
+                <a:tc>
+                  <a:txBody>
+                    <a:bodyPr/>
+                    <a:lstStyle/>
+                    <a:p>
+                      <a:r>
+                        <a:rPr lang="en-US" dirty="0"/>
+                        <a:t>6</a:t>
+                      </a:r>
+                    </a:p>
+                  </a:txBody>
+                  <a:tcPr anchor="ctr"/>
+                </a:tc>
+                <a:tc>
+                  <a:txBody>
+                    <a:bodyPr/>
+                    <a:lstStyle/>
+                    <a:p>
+                      <a:pPr algn="ctr"/>
+                      <a:r>
+                        <a:rPr lang="en-US" sz="1800" b="0" i="0" kern="1200" dirty="0">
+                          <a:solidFill>
+                            <a:schemeClr val="dk1"/>
+                          </a:solidFill>
+                          <a:effectLst/>
+                          <a:latin typeface="+mn-lt"/>
+                          <a:ea typeface="+mn-ea"/>
+                          <a:cs typeface="+mn-cs"/>
+                        </a:rPr>
+                        <a:t>Improved Software Quality</a:t>
+                      </a:r>
+                      <a:endParaRPr lang="en-US" dirty="0"/>
+                    </a:p>
+                  </a:txBody>
+                  <a:tcPr anchor="ctr"/>
+                </a:tc>
+                <a:tc>
+                  <a:txBody>
+                    <a:bodyPr/>
+                    <a:lstStyle/>
+                    <a:p>
+                      <a:pPr algn="ctr"/>
+                      <a:endParaRPr lang="en-US" dirty="0"/>
+                    </a:p>
+                  </a:txBody>
+                  <a:tcPr anchor="ctr"/>
+                </a:tc>
+                <a:extLst>
+                  <a:ext uri="{0D108BD9-81ED-4DB2-BD59-A6C34878D82A}">
+                    <a16:rowId xmlns:a16="http://schemas.microsoft.com/office/drawing/2014/main" val="517695376"/>
+                  </a:ext>
+                </a:extLst>
+              </a:tr>
+              <a:tr h="474187">
+                <a:tc>
+                  <a:txBody>
+                    <a:bodyPr/>
+                    <a:lstStyle/>
+                    <a:p>
+                      <a:r>
+                        <a:rPr lang="en-US" dirty="0"/>
+                        <a:t>7</a:t>
+                      </a:r>
+                    </a:p>
+                  </a:txBody>
+                  <a:tcPr anchor="ctr"/>
+                </a:tc>
+                <a:tc>
+                  <a:txBody>
+                    <a:bodyPr/>
+                    <a:lstStyle/>
+                    <a:p>
+                      <a:pPr algn="ctr"/>
+                      <a:r>
+                        <a:rPr lang="en-US" sz="1800" b="0" i="0" kern="1200" dirty="0">
+                          <a:solidFill>
+                            <a:schemeClr val="dk1"/>
+                          </a:solidFill>
+                          <a:effectLst/>
+                          <a:latin typeface="+mn-lt"/>
+                          <a:ea typeface="+mn-ea"/>
+                          <a:cs typeface="+mn-cs"/>
+                        </a:rPr>
+                        <a:t>Platform Independence</a:t>
+                      </a:r>
+                      <a:endParaRPr lang="en-US" dirty="0"/>
+                    </a:p>
+                  </a:txBody>
+                  <a:tcPr anchor="ctr"/>
+                </a:tc>
+                <a:tc>
+                  <a:txBody>
+                    <a:bodyPr/>
+                    <a:lstStyle/>
+                    <a:p>
+                      <a:pPr algn="ctr"/>
+                      <a:endParaRPr lang="en-US" dirty="0"/>
+                    </a:p>
+                  </a:txBody>
+                  <a:tcPr anchor="ctr"/>
+                </a:tc>
+                <a:extLst>
+                  <a:ext uri="{0D108BD9-81ED-4DB2-BD59-A6C34878D82A}">
+                    <a16:rowId xmlns:a16="http://schemas.microsoft.com/office/drawing/2014/main" val="1298534060"/>
+                  </a:ext>
+                </a:extLst>
+              </a:tr>
+              <a:tr h="474187">
+                <a:tc>
+                  <a:txBody>
+                    <a:bodyPr/>
+                    <a:lstStyle/>
+                    <a:p>
+                      <a:r>
+                        <a:rPr lang="en-US" dirty="0"/>
+                        <a:t>8</a:t>
+                      </a:r>
+                    </a:p>
+                  </a:txBody>
+                  <a:tcPr anchor="ctr"/>
+                </a:tc>
+                <a:tc>
+                  <a:txBody>
+                    <a:bodyPr/>
+                    <a:lstStyle/>
+                    <a:p>
+                      <a:pPr algn="ctr"/>
+                      <a:r>
+                        <a:rPr lang="en-US" sz="1800" b="0" i="0" kern="1200" dirty="0">
+                          <a:solidFill>
+                            <a:schemeClr val="dk1"/>
+                          </a:solidFill>
+                          <a:effectLst/>
+                          <a:latin typeface="+mn-lt"/>
+                          <a:ea typeface="+mn-ea"/>
+                          <a:cs typeface="+mn-cs"/>
+                        </a:rPr>
+                        <a:t>Increased Productivity</a:t>
+                      </a:r>
+                      <a:endParaRPr lang="en-US" dirty="0"/>
+                    </a:p>
+                  </a:txBody>
+                  <a:tcPr anchor="ctr"/>
+                </a:tc>
+                <a:tc>
+                  <a:txBody>
+                    <a:bodyPr/>
+                    <a:lstStyle/>
+                    <a:p>
+                      <a:pPr algn="ctr"/>
+                      <a:endParaRPr lang="en-US" dirty="0"/>
+                    </a:p>
+                  </a:txBody>
+                  <a:tcPr anchor="ctr"/>
+                </a:tc>
+                <a:extLst>
+                  <a:ext uri="{0D108BD9-81ED-4DB2-BD59-A6C34878D82A}">
+                    <a16:rowId xmlns:a16="http://schemas.microsoft.com/office/drawing/2014/main" val="3619798114"/>
+                  </a:ext>
+                </a:extLst>
+              </a:tr>
+            </a:tbl>
+          </a:graphicData>
+        </a:graphic>
+      </p:graphicFrame>
     </p:spTree>
     <p:extLst>
       <p:ext uri="{BB962C8B-B14F-4D97-AF65-F5344CB8AC3E}">
@@ -32184,6 +39353,868 @@
 </file>
 
 <file path=ppt/slides/slide29.xml><?xml version="1.0" encoding="utf-8"?>
+<p:sld xmlns:a="http://schemas.openxmlformats.org/drawingml/2006/main" xmlns:r="http://schemas.openxmlformats.org/officeDocument/2006/relationships" xmlns:p="http://schemas.openxmlformats.org/presentationml/2006/main">
+  <p:cSld>
+    <p:spTree>
+      <p:nvGrpSpPr>
+        <p:cNvPr id="1" name=""/>
+        <p:cNvGrpSpPr/>
+        <p:nvPr/>
+      </p:nvGrpSpPr>
+      <p:grpSpPr>
+        <a:xfrm>
+          <a:off x="0" y="0"/>
+          <a:ext cx="0" cy="0"/>
+          <a:chOff x="0" y="0"/>
+          <a:chExt cx="0" cy="0"/>
+        </a:xfrm>
+      </p:grpSpPr>
+      <p:sp>
+        <p:nvSpPr>
+          <p:cNvPr id="17" name="Rectangle 16"/>
+          <p:cNvSpPr/>
+          <p:nvPr/>
+        </p:nvSpPr>
+        <p:spPr>
+          <a:xfrm>
+            <a:off x="11257645" y="15100"/>
+            <a:ext cx="912813" cy="6858000"/>
+          </a:xfrm>
+          <a:prstGeom prst="rect">
+            <a:avLst/>
+          </a:prstGeom>
+          <a:solidFill>
+            <a:schemeClr val="bg2">
+              <a:lumMod val="50000"/>
+              <a:lumOff val="50000"/>
+            </a:schemeClr>
+          </a:solidFill>
+          <a:ln>
+            <a:solidFill>
+              <a:schemeClr val="bg2">
+                <a:lumMod val="50000"/>
+                <a:lumOff val="50000"/>
+              </a:schemeClr>
+            </a:solidFill>
+          </a:ln>
+        </p:spPr>
+        <p:style>
+          <a:lnRef idx="2">
+            <a:schemeClr val="accent1">
+              <a:shade val="50000"/>
+            </a:schemeClr>
+          </a:lnRef>
+          <a:fillRef idx="1">
+            <a:schemeClr val="accent1"/>
+          </a:fillRef>
+          <a:effectRef idx="0">
+            <a:schemeClr val="accent1"/>
+          </a:effectRef>
+          <a:fontRef idx="minor">
+            <a:schemeClr val="lt1"/>
+          </a:fontRef>
+        </p:style>
+        <p:txBody>
+          <a:bodyPr rtlCol="0" anchor="ctr"/>
+          <a:lstStyle/>
+          <a:p>
+            <a:pPr algn="ctr"/>
+            <a:endParaRPr lang="en-US"/>
+          </a:p>
+        </p:txBody>
+      </p:sp>
+      <p:sp>
+        <p:nvSpPr>
+          <p:cNvPr id="18" name="TextBox 17"/>
+          <p:cNvSpPr txBox="1"/>
+          <p:nvPr/>
+        </p:nvSpPr>
+        <p:spPr>
+          <a:xfrm rot="16200000">
+            <a:off x="8397199" y="3213267"/>
+            <a:ext cx="6633706" cy="461665"/>
+          </a:xfrm>
+          <a:prstGeom prst="rect">
+            <a:avLst/>
+          </a:prstGeom>
+          <a:noFill/>
+        </p:spPr>
+        <p:txBody>
+          <a:bodyPr wrap="square" rtlCol="0" anchor="ctr">
+            <a:spAutoFit/>
+          </a:bodyPr>
+          <a:lstStyle/>
+          <a:p>
+            <a:pPr marL="0" lvl="1" algn="ctr"/>
+            <a:r>
+              <a:rPr lang="en-US" sz="2400" dirty="0">
+                <a:ln w="0"/>
+                <a:effectLst>
+                  <a:outerShdw blurRad="38100" dist="19050" dir="2700000" algn="tl" rotWithShape="0">
+                    <a:schemeClr val="dk1">
+                      <a:alpha val="40000"/>
+                    </a:schemeClr>
+                  </a:outerShdw>
+                </a:effectLst>
+              </a:rPr>
+              <a:t>Services-</a:t>
+            </a:r>
+            <a:r>
+              <a:rPr lang="en-US" sz="2000" dirty="0">
+                <a:ln w="0"/>
+                <a:effectLst>
+                  <a:outerShdw blurRad="38100" dist="19050" dir="2700000" algn="tl" rotWithShape="0">
+                    <a:schemeClr val="dk1">
+                      <a:alpha val="40000"/>
+                    </a:schemeClr>
+                  </a:outerShdw>
+                </a:effectLst>
+              </a:rPr>
+              <a:t>COA ( Classic Service Oriented Architect )</a:t>
+            </a:r>
+          </a:p>
+        </p:txBody>
+      </p:sp>
+      <p:sp>
+        <p:nvSpPr>
+          <p:cNvPr id="19" name="Title 1"/>
+          <p:cNvSpPr txBox="1">
+            <a:spLocks/>
+          </p:cNvSpPr>
+          <p:nvPr/>
+        </p:nvSpPr>
+        <p:spPr>
+          <a:xfrm>
+            <a:off x="476959" y="127248"/>
+            <a:ext cx="5465053" cy="618530"/>
+          </a:xfrm>
+          <a:prstGeom prst="rect">
+            <a:avLst/>
+          </a:prstGeom>
+        </p:spPr>
+        <p:txBody>
+          <a:bodyPr vert="horz" lIns="91440" tIns="45720" rIns="91440" bIns="45720" rtlCol="0" anchor="b">
+            <a:normAutofit/>
+          </a:bodyPr>
+          <a:lstStyle>
+            <a:lvl1pPr algn="l" defTabSz="914400" rtl="0" eaLnBrk="1" latinLnBrk="0" hangingPunct="1">
+              <a:lnSpc>
+                <a:spcPct val="90000"/>
+              </a:lnSpc>
+              <a:spcBef>
+                <a:spcPct val="0"/>
+              </a:spcBef>
+              <a:buNone/>
+              <a:defRPr sz="3600" kern="1200" spc="100" baseline="0">
+                <a:solidFill>
+                  <a:schemeClr val="tx1"/>
+                </a:solidFill>
+                <a:latin typeface="+mj-lt"/>
+                <a:ea typeface="+mj-ea"/>
+                <a:cs typeface="+mj-cs"/>
+              </a:defRPr>
+            </a:lvl1pPr>
+          </a:lstStyle>
+          <a:p>
+            <a:r>
+              <a:rPr lang="en-US" spc="0" dirty="0">
+                <a:ln w="0"/>
+                <a:solidFill>
+                  <a:schemeClr val="accent1"/>
+                </a:solidFill>
+                <a:effectLst>
+                  <a:outerShdw blurRad="38100" dist="25400" dir="5400000" algn="ctr" rotWithShape="0">
+                    <a:srgbClr val="6E747A">
+                      <a:alpha val="43000"/>
+                    </a:srgbClr>
+                  </a:outerShdw>
+                </a:effectLst>
+              </a:rPr>
+              <a:t>Software architect vs code</a:t>
+            </a:r>
+            <a:endParaRPr lang="en-US" dirty="0"/>
+          </a:p>
+        </p:txBody>
+      </p:sp>
+      <p:sp>
+        <p:nvSpPr>
+          <p:cNvPr id="23" name="TextBox 22"/>
+          <p:cNvSpPr txBox="1"/>
+          <p:nvPr/>
+        </p:nvSpPr>
+        <p:spPr>
+          <a:xfrm>
+            <a:off x="2284412" y="558567"/>
+            <a:ext cx="3407653" cy="369332"/>
+          </a:xfrm>
+          <a:prstGeom prst="rect">
+            <a:avLst/>
+          </a:prstGeom>
+          <a:noFill/>
+        </p:spPr>
+        <p:txBody>
+          <a:bodyPr wrap="square" rtlCol="0">
+            <a:spAutoFit/>
+          </a:bodyPr>
+          <a:lstStyle/>
+          <a:p>
+            <a:r>
+              <a:rPr lang="en-US" dirty="0">
+                <a:ln w="0"/>
+                <a:effectLst>
+                  <a:outerShdw blurRad="38100" dist="19050" dir="2700000" algn="tl" rotWithShape="0">
+                    <a:schemeClr val="dk1">
+                      <a:alpha val="40000"/>
+                    </a:schemeClr>
+                  </a:outerShdw>
+                </a:effectLst>
+              </a:rPr>
+              <a:t>Classic Service Oriented Architect</a:t>
+            </a:r>
+            <a:endParaRPr lang="en-US" dirty="0"/>
+          </a:p>
+        </p:txBody>
+      </p:sp>
+      <p:pic>
+        <p:nvPicPr>
+          <p:cNvPr id="3" name="Picture 2"/>
+          <p:cNvPicPr>
+            <a:picLocks noChangeAspect="1"/>
+          </p:cNvPicPr>
+          <p:nvPr/>
+        </p:nvPicPr>
+        <p:blipFill>
+          <a:blip r:embed="rId2"/>
+          <a:stretch>
+            <a:fillRect/>
+          </a:stretch>
+        </p:blipFill>
+        <p:spPr>
+          <a:xfrm>
+            <a:off x="989012" y="1905000"/>
+            <a:ext cx="1971429" cy="3276190"/>
+          </a:xfrm>
+          <a:prstGeom prst="roundRect">
+            <a:avLst>
+              <a:gd name="adj" fmla="val 8594"/>
+            </a:avLst>
+          </a:prstGeom>
+          <a:solidFill>
+            <a:srgbClr val="FFFFFF">
+              <a:shade val="85000"/>
+            </a:srgbClr>
+          </a:solidFill>
+          <a:ln>
+            <a:noFill/>
+          </a:ln>
+          <a:effectLst>
+            <a:reflection blurRad="12700" stA="38000" endPos="28000" dist="5000" dir="5400000" sy="-100000" algn="bl" rotWithShape="0"/>
+          </a:effectLst>
+        </p:spPr>
+      </p:pic>
+      <p:graphicFrame>
+        <p:nvGraphicFramePr>
+          <p:cNvPr id="2" name="Diagram 1"/>
+          <p:cNvGraphicFramePr/>
+          <p:nvPr>
+            <p:extLst>
+              <p:ext uri="{D42A27DB-BD31-4B8C-83A1-F6EECF244321}">
+                <p14:modId xmlns:p14="http://schemas.microsoft.com/office/powerpoint/2010/main" val="2054314580"/>
+              </p:ext>
+            </p:extLst>
+          </p:nvPr>
+        </p:nvGraphicFramePr>
+        <p:xfrm>
+          <a:off x="4418012" y="1480066"/>
+          <a:ext cx="6477000" cy="4232628"/>
+        </p:xfrm>
+        <a:graphic>
+          <a:graphicData uri="http://schemas.openxmlformats.org/drawingml/2006/diagram">
+            <dgm:relIds xmlns:dgm="http://schemas.openxmlformats.org/drawingml/2006/diagram" xmlns:r="http://schemas.openxmlformats.org/officeDocument/2006/relationships" r:dm="rId3" r:lo="rId4" r:qs="rId5" r:cs="rId6"/>
+          </a:graphicData>
+        </a:graphic>
+      </p:graphicFrame>
+      <p:cxnSp>
+        <p:nvCxnSpPr>
+          <p:cNvPr id="5" name="Straight Arrow Connector 4"/>
+          <p:cNvCxnSpPr/>
+          <p:nvPr/>
+        </p:nvCxnSpPr>
+        <p:spPr>
+          <a:xfrm flipH="1">
+            <a:off x="2817812" y="4114800"/>
+            <a:ext cx="3276600" cy="76200"/>
+          </a:xfrm>
+          <a:prstGeom prst="straightConnector1">
+            <a:avLst/>
+          </a:prstGeom>
+          <a:ln w="38100">
+            <a:solidFill>
+              <a:schemeClr val="accent3"/>
+            </a:solidFill>
+            <a:tailEnd type="triangle"/>
+          </a:ln>
+        </p:spPr>
+        <p:style>
+          <a:lnRef idx="1">
+            <a:schemeClr val="accent1"/>
+          </a:lnRef>
+          <a:fillRef idx="0">
+            <a:schemeClr val="accent1"/>
+          </a:fillRef>
+          <a:effectRef idx="0">
+            <a:schemeClr val="accent1"/>
+          </a:effectRef>
+          <a:fontRef idx="minor">
+            <a:schemeClr val="tx1"/>
+          </a:fontRef>
+        </p:style>
+      </p:cxnSp>
+      <p:cxnSp>
+        <p:nvCxnSpPr>
+          <p:cNvPr id="14" name="Elbow Connector 13"/>
+          <p:cNvCxnSpPr>
+            <a:endCxn id="3" idx="3"/>
+          </p:cNvCxnSpPr>
+          <p:nvPr/>
+        </p:nvCxnSpPr>
+        <p:spPr>
+          <a:xfrm rot="10800000">
+            <a:off x="2960442" y="3543096"/>
+            <a:ext cx="4886571" cy="1943305"/>
+          </a:xfrm>
+          <a:prstGeom prst="bentConnector3">
+            <a:avLst>
+              <a:gd name="adj1" fmla="val 75580"/>
+            </a:avLst>
+          </a:prstGeom>
+          <a:ln w="38100">
+            <a:solidFill>
+              <a:schemeClr val="accent4">
+                <a:lumMod val="60000"/>
+                <a:lumOff val="40000"/>
+              </a:schemeClr>
+            </a:solidFill>
+            <a:tailEnd type="triangle"/>
+          </a:ln>
+        </p:spPr>
+        <p:style>
+          <a:lnRef idx="1">
+            <a:schemeClr val="accent1"/>
+          </a:lnRef>
+          <a:fillRef idx="0">
+            <a:schemeClr val="accent1"/>
+          </a:fillRef>
+          <a:effectRef idx="0">
+            <a:schemeClr val="accent1"/>
+          </a:effectRef>
+          <a:fontRef idx="minor">
+            <a:schemeClr val="tx1"/>
+          </a:fontRef>
+        </p:style>
+      </p:cxnSp>
+    </p:spTree>
+    <p:extLst>
+      <p:ext uri="{BB962C8B-B14F-4D97-AF65-F5344CB8AC3E}">
+        <p14:creationId xmlns:p14="http://schemas.microsoft.com/office/powerpoint/2010/main" val="3240645082"/>
+      </p:ext>
+    </p:extLst>
+  </p:cSld>
+  <p:clrMapOvr>
+    <a:masterClrMapping/>
+  </p:clrMapOvr>
+  <mc:AlternateContent xmlns:mc="http://schemas.openxmlformats.org/markup-compatibility/2006" xmlns:p14="http://schemas.microsoft.com/office/powerpoint/2010/main">
+    <mc:Choice Requires="p14">
+      <p:transition spd="med" p14:dur="700">
+        <p:fade/>
+      </p:transition>
+    </mc:Choice>
+    <mc:Fallback xmlns="">
+      <p:transition spd="med">
+        <p:fade/>
+      </p:transition>
+    </mc:Fallback>
+  </mc:AlternateContent>
+</p:sld>
+</file>
+
+<file path=ppt/slides/slide3.xml><?xml version="1.0" encoding="utf-8"?>
+<p:sld xmlns:a="http://schemas.openxmlformats.org/drawingml/2006/main" xmlns:r="http://schemas.openxmlformats.org/officeDocument/2006/relationships" xmlns:p="http://schemas.openxmlformats.org/presentationml/2006/main">
+  <p:cSld>
+    <p:spTree>
+      <p:nvGrpSpPr>
+        <p:cNvPr id="1" name=""/>
+        <p:cNvGrpSpPr/>
+        <p:nvPr/>
+      </p:nvGrpSpPr>
+      <p:grpSpPr>
+        <a:xfrm>
+          <a:off x="0" y="0"/>
+          <a:ext cx="0" cy="0"/>
+          <a:chOff x="0" y="0"/>
+          <a:chExt cx="0" cy="0"/>
+        </a:xfrm>
+      </p:grpSpPr>
+      <p:sp>
+        <p:nvSpPr>
+          <p:cNvPr id="13" name="Title 12"/>
+          <p:cNvSpPr>
+            <a:spLocks noGrp="1"/>
+          </p:cNvSpPr>
+          <p:nvPr>
+            <p:ph type="title"/>
+          </p:nvPr>
+        </p:nvSpPr>
+        <p:spPr>
+          <a:xfrm>
+            <a:off x="1522413" y="381000"/>
+            <a:ext cx="9144001" cy="609600"/>
+          </a:xfrm>
+        </p:spPr>
+        <p:txBody>
+          <a:bodyPr/>
+          <a:lstStyle/>
+          <a:p>
+            <a:r>
+              <a:rPr lang="en-US" spc="0" dirty="0">
+                <a:ln w="0"/>
+                <a:solidFill>
+                  <a:schemeClr val="accent1"/>
+                </a:solidFill>
+                <a:effectLst>
+                  <a:outerShdw blurRad="38100" dist="25400" dir="5400000" algn="ctr" rotWithShape="0">
+                    <a:srgbClr val="6E747A">
+                      <a:alpha val="43000"/>
+                    </a:srgbClr>
+                  </a:outerShdw>
+                </a:effectLst>
+              </a:rPr>
+              <a:t>Subjects to cover</a:t>
+            </a:r>
+          </a:p>
+        </p:txBody>
+      </p:sp>
+      <p:sp>
+        <p:nvSpPr>
+          <p:cNvPr id="14" name="Content Placeholder 13"/>
+          <p:cNvSpPr>
+            <a:spLocks noGrp="1"/>
+          </p:cNvSpPr>
+          <p:nvPr>
+            <p:ph idx="1"/>
+          </p:nvPr>
+        </p:nvSpPr>
+        <p:spPr>
+          <a:xfrm>
+            <a:off x="1522413" y="1904999"/>
+            <a:ext cx="8915399" cy="2362201"/>
+          </a:xfrm>
+        </p:spPr>
+        <p:txBody>
+          <a:bodyPr>
+            <a:normAutofit/>
+          </a:bodyPr>
+          <a:lstStyle/>
+          <a:p>
+            <a:r>
+              <a:rPr lang="en-US" dirty="0"/>
+              <a:t>Questions to answer</a:t>
+            </a:r>
+          </a:p>
+          <a:p>
+            <a:r>
+              <a:rPr lang="en-US" dirty="0"/>
+              <a:t>Software architect vs building architect</a:t>
+            </a:r>
+          </a:p>
+          <a:p>
+            <a:r>
+              <a:rPr lang="en-US" dirty="0"/>
+              <a:t>Software architect vs code</a:t>
+            </a:r>
+          </a:p>
+          <a:p>
+            <a:r>
+              <a:rPr lang="en-US" dirty="0"/>
+              <a:t>My top 10 recommendations for successful ColdFusion application.</a:t>
+            </a:r>
+          </a:p>
+        </p:txBody>
+      </p:sp>
+    </p:spTree>
+    <p:extLst>
+      <p:ext uri="{BB962C8B-B14F-4D97-AF65-F5344CB8AC3E}">
+        <p14:creationId xmlns:p14="http://schemas.microsoft.com/office/powerpoint/2010/main" val="3646468313"/>
+      </p:ext>
+    </p:extLst>
+  </p:cSld>
+  <p:clrMapOvr>
+    <a:masterClrMapping/>
+  </p:clrMapOvr>
+  <mc:AlternateContent xmlns:mc="http://schemas.openxmlformats.org/markup-compatibility/2006" xmlns:p14="http://schemas.microsoft.com/office/powerpoint/2010/main">
+    <mc:Choice Requires="p14">
+      <p:transition spd="med" p14:dur="700">
+        <p:fade/>
+      </p:transition>
+    </mc:Choice>
+    <mc:Fallback xmlns="">
+      <p:transition spd="med">
+        <p:fade/>
+      </p:transition>
+    </mc:Fallback>
+  </mc:AlternateContent>
+</p:sld>
+</file>
+
+<file path=ppt/slides/slide30.xml><?xml version="1.0" encoding="utf-8"?>
+<p:sld xmlns:a="http://schemas.openxmlformats.org/drawingml/2006/main" xmlns:r="http://schemas.openxmlformats.org/officeDocument/2006/relationships" xmlns:p="http://schemas.openxmlformats.org/presentationml/2006/main">
+  <p:cSld>
+    <p:spTree>
+      <p:nvGrpSpPr>
+        <p:cNvPr id="1" name=""/>
+        <p:cNvGrpSpPr/>
+        <p:nvPr/>
+      </p:nvGrpSpPr>
+      <p:grpSpPr>
+        <a:xfrm>
+          <a:off x="0" y="0"/>
+          <a:ext cx="0" cy="0"/>
+          <a:chOff x="0" y="0"/>
+          <a:chExt cx="0" cy="0"/>
+        </a:xfrm>
+      </p:grpSpPr>
+      <p:sp>
+        <p:nvSpPr>
+          <p:cNvPr id="17" name="Rectangle 16"/>
+          <p:cNvSpPr/>
+          <p:nvPr/>
+        </p:nvSpPr>
+        <p:spPr>
+          <a:xfrm>
+            <a:off x="11257645" y="15100"/>
+            <a:ext cx="912813" cy="6858000"/>
+          </a:xfrm>
+          <a:prstGeom prst="rect">
+            <a:avLst/>
+          </a:prstGeom>
+          <a:solidFill>
+            <a:schemeClr val="bg2">
+              <a:lumMod val="50000"/>
+              <a:lumOff val="50000"/>
+            </a:schemeClr>
+          </a:solidFill>
+          <a:ln>
+            <a:solidFill>
+              <a:schemeClr val="bg2">
+                <a:lumMod val="50000"/>
+                <a:lumOff val="50000"/>
+              </a:schemeClr>
+            </a:solidFill>
+          </a:ln>
+        </p:spPr>
+        <p:style>
+          <a:lnRef idx="2">
+            <a:schemeClr val="accent1">
+              <a:shade val="50000"/>
+            </a:schemeClr>
+          </a:lnRef>
+          <a:fillRef idx="1">
+            <a:schemeClr val="accent1"/>
+          </a:fillRef>
+          <a:effectRef idx="0">
+            <a:schemeClr val="accent1"/>
+          </a:effectRef>
+          <a:fontRef idx="minor">
+            <a:schemeClr val="lt1"/>
+          </a:fontRef>
+        </p:style>
+        <p:txBody>
+          <a:bodyPr rtlCol="0" anchor="ctr"/>
+          <a:lstStyle/>
+          <a:p>
+            <a:pPr algn="ctr"/>
+            <a:endParaRPr lang="en-US"/>
+          </a:p>
+        </p:txBody>
+      </p:sp>
+      <p:sp>
+        <p:nvSpPr>
+          <p:cNvPr id="18" name="TextBox 17"/>
+          <p:cNvSpPr txBox="1"/>
+          <p:nvPr/>
+        </p:nvSpPr>
+        <p:spPr>
+          <a:xfrm rot="16200000">
+            <a:off x="8397199" y="3213267"/>
+            <a:ext cx="6633706" cy="461665"/>
+          </a:xfrm>
+          <a:prstGeom prst="rect">
+            <a:avLst/>
+          </a:prstGeom>
+          <a:noFill/>
+        </p:spPr>
+        <p:txBody>
+          <a:bodyPr wrap="square" rtlCol="0" anchor="ctr">
+            <a:spAutoFit/>
+          </a:bodyPr>
+          <a:lstStyle/>
+          <a:p>
+            <a:pPr marL="0" lvl="1" algn="ctr"/>
+            <a:r>
+              <a:rPr lang="en-US" sz="2400" dirty="0">
+                <a:ln w="0"/>
+                <a:effectLst>
+                  <a:outerShdw blurRad="38100" dist="19050" dir="2700000" algn="tl" rotWithShape="0">
+                    <a:schemeClr val="dk1">
+                      <a:alpha val="40000"/>
+                    </a:schemeClr>
+                  </a:outerShdw>
+                </a:effectLst>
+              </a:rPr>
+              <a:t>Services-</a:t>
+            </a:r>
+            <a:r>
+              <a:rPr lang="en-US" sz="2000" dirty="0">
+                <a:ln w="0"/>
+                <a:effectLst>
+                  <a:outerShdw blurRad="38100" dist="19050" dir="2700000" algn="tl" rotWithShape="0">
+                    <a:schemeClr val="dk1">
+                      <a:alpha val="40000"/>
+                    </a:schemeClr>
+                  </a:outerShdw>
+                </a:effectLst>
+              </a:rPr>
+              <a:t>SFOA (</a:t>
+            </a:r>
+            <a:r>
+              <a:rPr lang="en-US" sz="2000" dirty="0"/>
+              <a:t>Service Factory Oriented Architect </a:t>
+            </a:r>
+            <a:r>
+              <a:rPr lang="en-US" sz="2000" dirty="0">
+                <a:ln w="0"/>
+                <a:effectLst>
+                  <a:outerShdw blurRad="38100" dist="19050" dir="2700000" algn="tl" rotWithShape="0">
+                    <a:schemeClr val="dk1">
+                      <a:alpha val="40000"/>
+                    </a:schemeClr>
+                  </a:outerShdw>
+                </a:effectLst>
+              </a:rPr>
+              <a:t>)</a:t>
+            </a:r>
+          </a:p>
+        </p:txBody>
+      </p:sp>
+      <p:sp>
+        <p:nvSpPr>
+          <p:cNvPr id="19" name="Title 1"/>
+          <p:cNvSpPr txBox="1">
+            <a:spLocks/>
+          </p:cNvSpPr>
+          <p:nvPr/>
+        </p:nvSpPr>
+        <p:spPr>
+          <a:xfrm>
+            <a:off x="476959" y="127248"/>
+            <a:ext cx="5465053" cy="618530"/>
+          </a:xfrm>
+          <a:prstGeom prst="rect">
+            <a:avLst/>
+          </a:prstGeom>
+        </p:spPr>
+        <p:txBody>
+          <a:bodyPr vert="horz" lIns="91440" tIns="45720" rIns="91440" bIns="45720" rtlCol="0" anchor="b">
+            <a:normAutofit/>
+          </a:bodyPr>
+          <a:lstStyle>
+            <a:lvl1pPr algn="l" defTabSz="914400" rtl="0" eaLnBrk="1" latinLnBrk="0" hangingPunct="1">
+              <a:lnSpc>
+                <a:spcPct val="90000"/>
+              </a:lnSpc>
+              <a:spcBef>
+                <a:spcPct val="0"/>
+              </a:spcBef>
+              <a:buNone/>
+              <a:defRPr sz="3600" kern="1200" spc="100" baseline="0">
+                <a:solidFill>
+                  <a:schemeClr val="tx1"/>
+                </a:solidFill>
+                <a:latin typeface="+mj-lt"/>
+                <a:ea typeface="+mj-ea"/>
+                <a:cs typeface="+mj-cs"/>
+              </a:defRPr>
+            </a:lvl1pPr>
+          </a:lstStyle>
+          <a:p>
+            <a:r>
+              <a:rPr lang="en-US" spc="0" dirty="0">
+                <a:ln w="0"/>
+                <a:solidFill>
+                  <a:schemeClr val="accent1"/>
+                </a:solidFill>
+                <a:effectLst>
+                  <a:outerShdw blurRad="38100" dist="25400" dir="5400000" algn="ctr" rotWithShape="0">
+                    <a:srgbClr val="6E747A">
+                      <a:alpha val="43000"/>
+                    </a:srgbClr>
+                  </a:outerShdw>
+                </a:effectLst>
+              </a:rPr>
+              <a:t>Software architect vs code</a:t>
+            </a:r>
+            <a:endParaRPr lang="en-US" dirty="0"/>
+          </a:p>
+        </p:txBody>
+      </p:sp>
+      <p:sp>
+        <p:nvSpPr>
+          <p:cNvPr id="23" name="TextBox 22"/>
+          <p:cNvSpPr txBox="1"/>
+          <p:nvPr/>
+        </p:nvSpPr>
+        <p:spPr>
+          <a:xfrm>
+            <a:off x="2208212" y="558924"/>
+            <a:ext cx="3675967" cy="369332"/>
+          </a:xfrm>
+          <a:prstGeom prst="rect">
+            <a:avLst/>
+          </a:prstGeom>
+          <a:noFill/>
+        </p:spPr>
+        <p:txBody>
+          <a:bodyPr wrap="square" rtlCol="0">
+            <a:spAutoFit/>
+          </a:bodyPr>
+          <a:lstStyle/>
+          <a:p>
+            <a:r>
+              <a:rPr lang="en-US" dirty="0"/>
+              <a:t>Service Factory Oriented Architect</a:t>
+            </a:r>
+          </a:p>
+        </p:txBody>
+      </p:sp>
+      <p:graphicFrame>
+        <p:nvGraphicFramePr>
+          <p:cNvPr id="2" name="Diagram 1"/>
+          <p:cNvGraphicFramePr/>
+          <p:nvPr/>
+        </p:nvGraphicFramePr>
+        <p:xfrm>
+          <a:off x="4418012" y="1480066"/>
+          <a:ext cx="6477000" cy="4232628"/>
+        </p:xfrm>
+        <a:graphic>
+          <a:graphicData uri="http://schemas.openxmlformats.org/drawingml/2006/diagram">
+            <dgm:relIds xmlns:dgm="http://schemas.openxmlformats.org/drawingml/2006/diagram" xmlns:r="http://schemas.openxmlformats.org/officeDocument/2006/relationships" r:dm="rId2" r:lo="rId3" r:qs="rId4" r:cs="rId5"/>
+          </a:graphicData>
+        </a:graphic>
+      </p:graphicFrame>
+      <p:cxnSp>
+        <p:nvCxnSpPr>
+          <p:cNvPr id="5" name="Straight Arrow Connector 4"/>
+          <p:cNvCxnSpPr/>
+          <p:nvPr/>
+        </p:nvCxnSpPr>
+        <p:spPr>
+          <a:xfrm flipH="1">
+            <a:off x="2817812" y="4114800"/>
+            <a:ext cx="3276600" cy="76200"/>
+          </a:xfrm>
+          <a:prstGeom prst="straightConnector1">
+            <a:avLst/>
+          </a:prstGeom>
+          <a:ln w="38100">
+            <a:solidFill>
+              <a:schemeClr val="accent3"/>
+            </a:solidFill>
+            <a:tailEnd type="triangle"/>
+          </a:ln>
+        </p:spPr>
+        <p:style>
+          <a:lnRef idx="1">
+            <a:schemeClr val="accent1"/>
+          </a:lnRef>
+          <a:fillRef idx="0">
+            <a:schemeClr val="accent1"/>
+          </a:fillRef>
+          <a:effectRef idx="0">
+            <a:schemeClr val="accent1"/>
+          </a:effectRef>
+          <a:fontRef idx="minor">
+            <a:schemeClr val="tx1"/>
+          </a:fontRef>
+        </p:style>
+      </p:cxnSp>
+      <p:cxnSp>
+        <p:nvCxnSpPr>
+          <p:cNvPr id="14" name="Elbow Connector 13"/>
+          <p:cNvCxnSpPr/>
+          <p:nvPr/>
+        </p:nvCxnSpPr>
+        <p:spPr>
+          <a:xfrm rot="10800000">
+            <a:off x="2960442" y="3543096"/>
+            <a:ext cx="4886571" cy="1943305"/>
+          </a:xfrm>
+          <a:prstGeom prst="bentConnector3">
+            <a:avLst>
+              <a:gd name="adj1" fmla="val 75580"/>
+            </a:avLst>
+          </a:prstGeom>
+          <a:ln w="38100">
+            <a:solidFill>
+              <a:schemeClr val="accent4">
+                <a:lumMod val="60000"/>
+                <a:lumOff val="40000"/>
+              </a:schemeClr>
+            </a:solidFill>
+            <a:tailEnd type="triangle"/>
+          </a:ln>
+        </p:spPr>
+        <p:style>
+          <a:lnRef idx="1">
+            <a:schemeClr val="accent1"/>
+          </a:lnRef>
+          <a:fillRef idx="0">
+            <a:schemeClr val="accent1"/>
+          </a:fillRef>
+          <a:effectRef idx="0">
+            <a:schemeClr val="accent1"/>
+          </a:effectRef>
+          <a:fontRef idx="minor">
+            <a:schemeClr val="tx1"/>
+          </a:fontRef>
+        </p:style>
+      </p:cxnSp>
+    </p:spTree>
+    <p:extLst>
+      <p:ext uri="{BB962C8B-B14F-4D97-AF65-F5344CB8AC3E}">
+        <p14:creationId xmlns:p14="http://schemas.microsoft.com/office/powerpoint/2010/main" val="4292225611"/>
+      </p:ext>
+    </p:extLst>
+  </p:cSld>
+  <p:clrMapOvr>
+    <a:masterClrMapping/>
+  </p:clrMapOvr>
+  <mc:AlternateContent xmlns:mc="http://schemas.openxmlformats.org/markup-compatibility/2006" xmlns:p14="http://schemas.microsoft.com/office/powerpoint/2010/main">
+    <mc:Choice Requires="p14">
+      <p:transition spd="med" p14:dur="700">
+        <p:fade/>
+      </p:transition>
+    </mc:Choice>
+    <mc:Fallback xmlns="">
+      <p:transition spd="med">
+        <p:fade/>
+      </p:transition>
+    </mc:Fallback>
+  </mc:AlternateContent>
+</p:sld>
+</file>
+
+<file path=ppt/slides/slide31.xml><?xml version="1.0" encoding="utf-8"?>
 <p:sld xmlns:a="http://schemas.openxmlformats.org/drawingml/2006/main" xmlns:r="http://schemas.openxmlformats.org/officeDocument/2006/relationships" xmlns:p="http://schemas.openxmlformats.org/presentationml/2006/main">
   <p:cSld>
     <p:spTree>
@@ -32344,135 +40375,7 @@
 </p:sld>
 </file>
 
-<file path=ppt/slides/slide3.xml><?xml version="1.0" encoding="utf-8"?>
-<p:sld xmlns:a="http://schemas.openxmlformats.org/drawingml/2006/main" xmlns:r="http://schemas.openxmlformats.org/officeDocument/2006/relationships" xmlns:p="http://schemas.openxmlformats.org/presentationml/2006/main">
-  <p:cSld>
-    <p:spTree>
-      <p:nvGrpSpPr>
-        <p:cNvPr id="1" name=""/>
-        <p:cNvGrpSpPr/>
-        <p:nvPr/>
-      </p:nvGrpSpPr>
-      <p:grpSpPr>
-        <a:xfrm>
-          <a:off x="0" y="0"/>
-          <a:ext cx="0" cy="0"/>
-          <a:chOff x="0" y="0"/>
-          <a:chExt cx="0" cy="0"/>
-        </a:xfrm>
-      </p:grpSpPr>
-      <p:sp>
-        <p:nvSpPr>
-          <p:cNvPr id="13" name="Title 12"/>
-          <p:cNvSpPr>
-            <a:spLocks noGrp="1"/>
-          </p:cNvSpPr>
-          <p:nvPr>
-            <p:ph type="title"/>
-          </p:nvPr>
-        </p:nvSpPr>
-        <p:spPr>
-          <a:xfrm>
-            <a:off x="1522413" y="381000"/>
-            <a:ext cx="9144001" cy="609600"/>
-          </a:xfrm>
-        </p:spPr>
-        <p:txBody>
-          <a:bodyPr/>
-          <a:lstStyle/>
-          <a:p>
-            <a:r>
-              <a:rPr lang="en-US" spc="0" dirty="0">
-                <a:ln w="0"/>
-                <a:solidFill>
-                  <a:schemeClr val="accent1"/>
-                </a:solidFill>
-                <a:effectLst>
-                  <a:outerShdw blurRad="38100" dist="25400" dir="5400000" algn="ctr" rotWithShape="0">
-                    <a:srgbClr val="6E747A">
-                      <a:alpha val="43000"/>
-                    </a:srgbClr>
-                  </a:outerShdw>
-                </a:effectLst>
-              </a:rPr>
-              <a:t>Subjects to cover</a:t>
-            </a:r>
-          </a:p>
-        </p:txBody>
-      </p:sp>
-      <p:sp>
-        <p:nvSpPr>
-          <p:cNvPr id="14" name="Content Placeholder 13"/>
-          <p:cNvSpPr>
-            <a:spLocks noGrp="1"/>
-          </p:cNvSpPr>
-          <p:nvPr>
-            <p:ph idx="1"/>
-          </p:nvPr>
-        </p:nvSpPr>
-        <p:spPr>
-          <a:xfrm>
-            <a:off x="1522413" y="1904999"/>
-            <a:ext cx="8915399" cy="2362201"/>
-          </a:xfrm>
-        </p:spPr>
-        <p:txBody>
-          <a:bodyPr>
-            <a:normAutofit/>
-          </a:bodyPr>
-          <a:lstStyle/>
-          <a:p>
-            <a:r>
-              <a:rPr lang="en-US" dirty="0"/>
-              <a:t>Questions to answer</a:t>
-            </a:r>
-          </a:p>
-          <a:p>
-            <a:r>
-              <a:rPr lang="en-US" dirty="0"/>
-              <a:t>Software architect vs building architect</a:t>
-            </a:r>
-          </a:p>
-          <a:p>
-            <a:r>
-              <a:rPr lang="en-US" dirty="0"/>
-              <a:t>Software architect vs code</a:t>
-            </a:r>
-          </a:p>
-          <a:p>
-            <a:r>
-              <a:rPr lang="en-US" dirty="0"/>
-              <a:t>My top 10 recommendations for successful ColdFusion application.</a:t>
-            </a:r>
-          </a:p>
-        </p:txBody>
-      </p:sp>
-    </p:spTree>
-    <p:extLst>
-      <p:ext uri="{BB962C8B-B14F-4D97-AF65-F5344CB8AC3E}">
-        <p14:creationId xmlns:p14="http://schemas.microsoft.com/office/powerpoint/2010/main" val="3646468313"/>
-      </p:ext>
-    </p:extLst>
-  </p:cSld>
-  <p:clrMapOvr>
-    <a:masterClrMapping/>
-  </p:clrMapOvr>
-  <mc:AlternateContent xmlns:mc="http://schemas.openxmlformats.org/markup-compatibility/2006" xmlns:p14="http://schemas.microsoft.com/office/powerpoint/2010/main">
-    <mc:Choice Requires="p14">
-      <p:transition spd="med" p14:dur="700">
-        <p:fade/>
-      </p:transition>
-    </mc:Choice>
-    <mc:Fallback xmlns="">
-      <p:transition spd="med">
-        <p:fade/>
-      </p:transition>
-    </mc:Fallback>
-  </mc:AlternateContent>
-</p:sld>
-</file>
-
-<file path=ppt/slides/slide30.xml><?xml version="1.0" encoding="utf-8"?>
+<file path=ppt/slides/slide32.xml><?xml version="1.0" encoding="utf-8"?>
 <p:sld xmlns:a="http://schemas.openxmlformats.org/drawingml/2006/main" xmlns:r="http://schemas.openxmlformats.org/officeDocument/2006/relationships" xmlns:p="http://schemas.openxmlformats.org/presentationml/2006/main">
   <p:cSld>
     <p:spTree>
@@ -32710,7 +40613,7 @@
 </p:sld>
 </file>
 
-<file path=ppt/slides/slide31.xml><?xml version="1.0" encoding="utf-8"?>
+<file path=ppt/slides/slide33.xml><?xml version="1.0" encoding="utf-8"?>
 <p:sld xmlns:a="http://schemas.openxmlformats.org/drawingml/2006/main" xmlns:r="http://schemas.openxmlformats.org/officeDocument/2006/relationships" xmlns:p="http://schemas.openxmlformats.org/presentationml/2006/main">
   <p:cSld>
     <p:spTree>
@@ -32880,7 +40783,7 @@
 </p:sld>
 </file>
 
-<file path=ppt/slides/slide32.xml><?xml version="1.0" encoding="utf-8"?>
+<file path=ppt/slides/slide34.xml><?xml version="1.0" encoding="utf-8"?>
 <p:sld xmlns:a="http://schemas.openxmlformats.org/drawingml/2006/main" xmlns:r="http://schemas.openxmlformats.org/officeDocument/2006/relationships" xmlns:p="http://schemas.openxmlformats.org/presentationml/2006/main">
   <p:cSld>
     <p:spTree>
@@ -32912,7 +40815,10 @@
           <a:bodyPr/>
           <a:lstStyle/>
           <a:p>
-            <a:endParaRPr lang="en-US"/>
+            <a:r>
+              <a:rPr lang="en-US" dirty="0"/>
+              <a:t>Resources</a:t>
+            </a:r>
           </a:p>
         </p:txBody>
       </p:sp>
@@ -32928,10 +40834,15 @@
         </p:nvSpPr>
         <p:spPr/>
         <p:txBody>
-          <a:bodyPr/>
+          <a:bodyPr>
+            <a:normAutofit fontScale="85000" lnSpcReduction="10000"/>
+          </a:bodyPr>
           <a:lstStyle/>
           <a:p>
-            <a:endParaRPr lang="en-US"/>
+            <a:r>
+              <a:rPr lang="en-US" dirty="0"/>
+              <a:t>http://www.buzzle.com/articles/advantages-and-disadvantages-of-service-oriented-architecture-soa.html</a:t>
+            </a:r>
           </a:p>
         </p:txBody>
       </p:sp>
@@ -32960,7 +40871,7 @@
 </p:sld>
 </file>
 
-<file path=ppt/slides/slide33.xml><?xml version="1.0" encoding="utf-8"?>
+<file path=ppt/slides/slide35.xml><?xml version="1.0" encoding="utf-8"?>
 <p:sld xmlns:a="http://schemas.openxmlformats.org/drawingml/2006/main" xmlns:r="http://schemas.openxmlformats.org/officeDocument/2006/relationships" xmlns:p="http://schemas.openxmlformats.org/presentationml/2006/main">
   <p:cSld>
     <p:spTree>
@@ -33021,7 +40932,7 @@
 </p:sld>
 </file>
 
-<file path=ppt/slides/slide34.xml><?xml version="1.0" encoding="utf-8"?>
+<file path=ppt/slides/slide36.xml><?xml version="1.0" encoding="utf-8"?>
 <p:sld xmlns:a="http://schemas.openxmlformats.org/drawingml/2006/main" xmlns:r="http://schemas.openxmlformats.org/officeDocument/2006/relationships" xmlns:p="http://schemas.openxmlformats.org/presentationml/2006/main">
   <p:cSld>
     <p:spTree>
@@ -33063,7 +40974,7 @@
 </p:sld>
 </file>
 
-<file path=ppt/slides/slide35.xml><?xml version="1.0" encoding="utf-8"?>
+<file path=ppt/slides/slide37.xml><?xml version="1.0" encoding="utf-8"?>
 <p:sld xmlns:a="http://schemas.openxmlformats.org/drawingml/2006/main" xmlns:r="http://schemas.openxmlformats.org/officeDocument/2006/relationships" xmlns:p="http://schemas.openxmlformats.org/presentationml/2006/main">
   <p:cSld>
     <p:spTree>
@@ -33162,7 +41073,7 @@
 </p:sld>
 </file>
 
-<file path=ppt/slides/slide36.xml><?xml version="1.0" encoding="utf-8"?>
+<file path=ppt/slides/slide38.xml><?xml version="1.0" encoding="utf-8"?>
 <p:sld xmlns:a="http://schemas.openxmlformats.org/drawingml/2006/main" xmlns:r="http://schemas.openxmlformats.org/officeDocument/2006/relationships" xmlns:p="http://schemas.openxmlformats.org/presentationml/2006/main">
   <p:cSld>
     <p:spTree>

--- a/powerpoint/architect/Architectural Perspective for ColdFusion Applications.pptx
+++ b/powerpoint/architect/Architectural Perspective for ColdFusion Applications.pptx
@@ -9962,7 +9962,7 @@
         <a:p>
           <a:r>
             <a:rPr lang="en-US" dirty="0"/>
-            <a:t>UI-Modal</a:t>
+            <a:t>UI-Model</a:t>
           </a:r>
         </a:p>
       </dgm:t>
@@ -10358,22 +10358,22 @@
     </dgm:pt>
   </dgm:ptLst>
   <dgm:cxnLst>
+    <dgm:cxn modelId="{71D5DC09-0CB2-40BF-9D30-0F1CE3BC2608}" type="presOf" srcId="{44C5CD4F-38B1-4ABE-9FB4-E375B0D2D7BA}" destId="{857782CE-9EF5-482D-A255-FA6435D36FD4}" srcOrd="0" destOrd="0" presId="urn:microsoft.com/office/officeart/2005/8/layout/StepDownProcess"/>
+    <dgm:cxn modelId="{7E714C7E-443A-4A25-8785-93A653B094AD}" type="presOf" srcId="{439FDBA2-7B56-4297-9C71-F4785B94728D}" destId="{98D06650-83AE-4CB7-AAB9-E6D83F1A3F8F}" srcOrd="0" destOrd="0" presId="urn:microsoft.com/office/officeart/2005/8/layout/StepDownProcess"/>
+    <dgm:cxn modelId="{A53B117C-080A-4BCE-B3F4-8678F251DF1F}" srcId="{48ED9218-D9F0-40B9-BB7B-6165BA4C945C}" destId="{15A8DAF9-B112-4FFE-B542-6F1FC7A2B2AD}" srcOrd="0" destOrd="0" parTransId="{636543E9-4E6A-4F87-9F03-4A28AF59A2F9}" sibTransId="{359EFE5D-6E23-41E1-95CB-9F14B216B380}"/>
+    <dgm:cxn modelId="{BA645E57-FB4B-45AB-B63E-2134AE73AEE1}" srcId="{15A8DAF9-B112-4FFE-B542-6F1FC7A2B2AD}" destId="{44C5CD4F-38B1-4ABE-9FB4-E375B0D2D7BA}" srcOrd="0" destOrd="0" parTransId="{EC5BF510-63E9-41D3-9DD0-89906D7B0534}" sibTransId="{A5BF6842-A089-4EFF-A5AD-C3D7AB07682C}"/>
+    <dgm:cxn modelId="{6D099B38-E05C-4E9F-971B-71E05C819B90}" srcId="{ABCCDFF3-AFAC-48A4-8FCB-5EB1CB5007D3}" destId="{0E96758E-D482-4586-BF66-A7D0B3710DAC}" srcOrd="0" destOrd="0" parTransId="{0A0DFF73-1833-4A24-B92E-AD24F36CCF5B}" sibTransId="{698AFD27-2188-4C4D-9D15-10B0E56E7FAA}"/>
+    <dgm:cxn modelId="{F14F0B0F-1126-4139-8B90-0DD13651AE92}" srcId="{48ED9218-D9F0-40B9-BB7B-6165BA4C945C}" destId="{658CF994-C8A7-4DAB-AF95-27C7AA054CC7}" srcOrd="2" destOrd="0" parTransId="{328AC8D8-0964-4927-9F12-3FF00129D4E1}" sibTransId="{359200C2-80AD-4A91-A3EC-43F6526B5001}"/>
+    <dgm:cxn modelId="{6147EA2C-7444-43BE-80A6-B61B0FD7B534}" srcId="{ABCCDFF3-AFAC-48A4-8FCB-5EB1CB5007D3}" destId="{78CC5DE6-AF0F-4432-B9C6-D5C1893AC82E}" srcOrd="1" destOrd="0" parTransId="{95E98DC0-46EF-40ED-8A2D-FF30BD7A98CD}" sibTransId="{BD498A56-9C50-4715-858D-DFC7FBE8D3C4}"/>
     <dgm:cxn modelId="{8E02B828-AEB0-4F7F-A2F6-5AC9CC37D87C}" type="presOf" srcId="{15A8DAF9-B112-4FFE-B542-6F1FC7A2B2AD}" destId="{2C1AF177-BBE8-426D-ADEF-7C84A77BD87F}" srcOrd="0" destOrd="0" presId="urn:microsoft.com/office/officeart/2005/8/layout/StepDownProcess"/>
-    <dgm:cxn modelId="{492DFC65-B50C-44AE-888E-A5D27FCC7C7D}" type="presOf" srcId="{48ED9218-D9F0-40B9-BB7B-6165BA4C945C}" destId="{E115E8F5-8D9D-4C4C-800B-E947321BB37A}" srcOrd="0" destOrd="0" presId="urn:microsoft.com/office/officeart/2005/8/layout/StepDownProcess"/>
-    <dgm:cxn modelId="{BA645E57-FB4B-45AB-B63E-2134AE73AEE1}" srcId="{15A8DAF9-B112-4FFE-B542-6F1FC7A2B2AD}" destId="{44C5CD4F-38B1-4ABE-9FB4-E375B0D2D7BA}" srcOrd="0" destOrd="0" parTransId="{EC5BF510-63E9-41D3-9DD0-89906D7B0534}" sibTransId="{A5BF6842-A089-4EFF-A5AD-C3D7AB07682C}"/>
-    <dgm:cxn modelId="{F14F0B0F-1126-4139-8B90-0DD13651AE92}" srcId="{48ED9218-D9F0-40B9-BB7B-6165BA4C945C}" destId="{658CF994-C8A7-4DAB-AF95-27C7AA054CC7}" srcOrd="2" destOrd="0" parTransId="{328AC8D8-0964-4927-9F12-3FF00129D4E1}" sibTransId="{359200C2-80AD-4A91-A3EC-43F6526B5001}"/>
-    <dgm:cxn modelId="{7E714C7E-443A-4A25-8785-93A653B094AD}" type="presOf" srcId="{439FDBA2-7B56-4297-9C71-F4785B94728D}" destId="{98D06650-83AE-4CB7-AAB9-E6D83F1A3F8F}" srcOrd="0" destOrd="0" presId="urn:microsoft.com/office/officeart/2005/8/layout/StepDownProcess"/>
+    <dgm:cxn modelId="{4F897204-76CD-4CA9-B905-9C3F6F3C9A52}" type="presOf" srcId="{658CF994-C8A7-4DAB-AF95-27C7AA054CC7}" destId="{2FFD8078-1D1E-4CD7-9E4C-F8734B094FCC}" srcOrd="0" destOrd="0" presId="urn:microsoft.com/office/officeart/2005/8/layout/StepDownProcess"/>
+    <dgm:cxn modelId="{D3B81B05-463C-4E2E-B966-AD4CCB6B1CB9}" srcId="{15A8DAF9-B112-4FFE-B542-6F1FC7A2B2AD}" destId="{EAF07FD8-BAB8-4B04-B84E-2B422535D611}" srcOrd="1" destOrd="0" parTransId="{B69F5C29-0BD6-470D-8149-E4C9F7F1E8C0}" sibTransId="{3838F162-99CC-4FEC-944D-FAF964967C1E}"/>
     <dgm:cxn modelId="{DEEE4C0A-E112-4649-BF0D-58F60DE26237}" type="presOf" srcId="{EAF07FD8-BAB8-4B04-B84E-2B422535D611}" destId="{857782CE-9EF5-482D-A255-FA6435D36FD4}" srcOrd="0" destOrd="1" presId="urn:microsoft.com/office/officeart/2005/8/layout/StepDownProcess"/>
     <dgm:cxn modelId="{F3846E9B-D12F-4845-A4FF-C773F302EC76}" srcId="{48ED9218-D9F0-40B9-BB7B-6165BA4C945C}" destId="{ABCCDFF3-AFAC-48A4-8FCB-5EB1CB5007D3}" srcOrd="1" destOrd="0" parTransId="{034C365D-B1B2-43D6-B7DF-34C7AA1D5B20}" sibTransId="{334CC1EF-9D2A-4E0F-9FAF-E0B15450FB47}"/>
-    <dgm:cxn modelId="{6D099B38-E05C-4E9F-971B-71E05C819B90}" srcId="{ABCCDFF3-AFAC-48A4-8FCB-5EB1CB5007D3}" destId="{0E96758E-D482-4586-BF66-A7D0B3710DAC}" srcOrd="0" destOrd="0" parTransId="{0A0DFF73-1833-4A24-B92E-AD24F36CCF5B}" sibTransId="{698AFD27-2188-4C4D-9D15-10B0E56E7FAA}"/>
-    <dgm:cxn modelId="{6147EA2C-7444-43BE-80A6-B61B0FD7B534}" srcId="{ABCCDFF3-AFAC-48A4-8FCB-5EB1CB5007D3}" destId="{78CC5DE6-AF0F-4432-B9C6-D5C1893AC82E}" srcOrd="1" destOrd="0" parTransId="{95E98DC0-46EF-40ED-8A2D-FF30BD7A98CD}" sibTransId="{BD498A56-9C50-4715-858D-DFC7FBE8D3C4}"/>
+    <dgm:cxn modelId="{1C2012D6-9747-4F0F-8169-A7CF1E30F2FD}" type="presOf" srcId="{ABCCDFF3-AFAC-48A4-8FCB-5EB1CB5007D3}" destId="{13590236-58B0-4B42-ACBA-1FD26B32FBB5}" srcOrd="0" destOrd="0" presId="urn:microsoft.com/office/officeart/2005/8/layout/StepDownProcess"/>
+    <dgm:cxn modelId="{492DFC65-B50C-44AE-888E-A5D27FCC7C7D}" type="presOf" srcId="{48ED9218-D9F0-40B9-BB7B-6165BA4C945C}" destId="{E115E8F5-8D9D-4C4C-800B-E947321BB37A}" srcOrd="0" destOrd="0" presId="urn:microsoft.com/office/officeart/2005/8/layout/StepDownProcess"/>
+    <dgm:cxn modelId="{5121F184-2E8F-4E58-94D9-00FC5D0C5D84}" type="presOf" srcId="{78CC5DE6-AF0F-4432-B9C6-D5C1893AC82E}" destId="{ADD4E4F7-3CBE-44AD-B10D-0399B1029DA3}" srcOrd="0" destOrd="1" presId="urn:microsoft.com/office/officeart/2005/8/layout/StepDownProcess"/>
     <dgm:cxn modelId="{E5617D5B-E3F0-40ED-B9A9-A4F6B19EEBA2}" srcId="{658CF994-C8A7-4DAB-AF95-27C7AA054CC7}" destId="{439FDBA2-7B56-4297-9C71-F4785B94728D}" srcOrd="0" destOrd="0" parTransId="{DADE535C-345E-4068-887F-6E44D32A3688}" sibTransId="{BF1ACE0C-10E9-48F3-826C-59D8F00FB42A}"/>
-    <dgm:cxn modelId="{D3B81B05-463C-4E2E-B966-AD4CCB6B1CB9}" srcId="{15A8DAF9-B112-4FFE-B542-6F1FC7A2B2AD}" destId="{EAF07FD8-BAB8-4B04-B84E-2B422535D611}" srcOrd="1" destOrd="0" parTransId="{B69F5C29-0BD6-470D-8149-E4C9F7F1E8C0}" sibTransId="{3838F162-99CC-4FEC-944D-FAF964967C1E}"/>
-    <dgm:cxn modelId="{71D5DC09-0CB2-40BF-9D30-0F1CE3BC2608}" type="presOf" srcId="{44C5CD4F-38B1-4ABE-9FB4-E375B0D2D7BA}" destId="{857782CE-9EF5-482D-A255-FA6435D36FD4}" srcOrd="0" destOrd="0" presId="urn:microsoft.com/office/officeart/2005/8/layout/StepDownProcess"/>
-    <dgm:cxn modelId="{4F897204-76CD-4CA9-B905-9C3F6F3C9A52}" type="presOf" srcId="{658CF994-C8A7-4DAB-AF95-27C7AA054CC7}" destId="{2FFD8078-1D1E-4CD7-9E4C-F8734B094FCC}" srcOrd="0" destOrd="0" presId="urn:microsoft.com/office/officeart/2005/8/layout/StepDownProcess"/>
-    <dgm:cxn modelId="{5121F184-2E8F-4E58-94D9-00FC5D0C5D84}" type="presOf" srcId="{78CC5DE6-AF0F-4432-B9C6-D5C1893AC82E}" destId="{ADD4E4F7-3CBE-44AD-B10D-0399B1029DA3}" srcOrd="0" destOrd="1" presId="urn:microsoft.com/office/officeart/2005/8/layout/StepDownProcess"/>
-    <dgm:cxn modelId="{A53B117C-080A-4BCE-B3F4-8678F251DF1F}" srcId="{48ED9218-D9F0-40B9-BB7B-6165BA4C945C}" destId="{15A8DAF9-B112-4FFE-B542-6F1FC7A2B2AD}" srcOrd="0" destOrd="0" parTransId="{636543E9-4E6A-4F87-9F03-4A28AF59A2F9}" sibTransId="{359EFE5D-6E23-41E1-95CB-9F14B216B380}"/>
-    <dgm:cxn modelId="{1C2012D6-9747-4F0F-8169-A7CF1E30F2FD}" type="presOf" srcId="{ABCCDFF3-AFAC-48A4-8FCB-5EB1CB5007D3}" destId="{13590236-58B0-4B42-ACBA-1FD26B32FBB5}" srcOrd="0" destOrd="0" presId="urn:microsoft.com/office/officeart/2005/8/layout/StepDownProcess"/>
     <dgm:cxn modelId="{C2932C3E-1D23-44F7-AB31-7A9F8390FE56}" type="presOf" srcId="{0E96758E-D482-4586-BF66-A7D0B3710DAC}" destId="{ADD4E4F7-3CBE-44AD-B10D-0399B1029DA3}" srcOrd="0" destOrd="0" presId="urn:microsoft.com/office/officeart/2005/8/layout/StepDownProcess"/>
     <dgm:cxn modelId="{40D352B9-9250-4CAC-BA11-EF440D42CEF1}" type="presParOf" srcId="{E115E8F5-8D9D-4C4C-800B-E947321BB37A}" destId="{8FA832B4-9340-4AA1-8B69-F8BE19875B96}" srcOrd="0" destOrd="0" presId="urn:microsoft.com/office/officeart/2005/8/layout/StepDownProcess"/>
     <dgm:cxn modelId="{2D75BF78-2F7F-4A76-B6FE-5A52392D6D71}" type="presParOf" srcId="{8FA832B4-9340-4AA1-8B69-F8BE19875B96}" destId="{AC005A3D-92E0-4EEA-97B4-9DFE9CD8B925}" srcOrd="0" destOrd="0" presId="urn:microsoft.com/office/officeart/2005/8/layout/StepDownProcess"/>
@@ -10402,8 +10402,8 @@
 <file path=ppt/diagrams/data7.xml><?xml version="1.0" encoding="utf-8"?>
 <dgm:dataModel xmlns:dgm="http://schemas.openxmlformats.org/drawingml/2006/diagram" xmlns:a="http://schemas.openxmlformats.org/drawingml/2006/main">
   <dgm:ptLst>
-    <dgm:pt modelId="{48ED9218-D9F0-40B9-BB7B-6165BA4C945C}" type="doc">
-      <dgm:prSet loTypeId="urn:microsoft.com/office/officeart/2005/8/layout/StepDownProcess" loCatId="process" qsTypeId="urn:microsoft.com/office/officeart/2005/8/quickstyle/simple1" qsCatId="simple" csTypeId="urn:microsoft.com/office/officeart/2005/8/colors/colorful1" csCatId="colorful" phldr="1"/>
+    <dgm:pt modelId="{FAAFE623-5DC3-47C8-AEA8-FCA7368F475B}" type="doc">
+      <dgm:prSet loTypeId="urn:microsoft.com/office/officeart/2008/layout/RadialCluster" loCatId="relationship" qsTypeId="urn:microsoft.com/office/officeart/2005/8/quickstyle/simple1" qsCatId="simple" csTypeId="urn:microsoft.com/office/officeart/2005/8/colors/colorful1" csCatId="colorful" phldr="1"/>
       <dgm:spPr/>
       <dgm:t>
         <a:bodyPr/>
@@ -10413,21 +10413,21 @@
         </a:p>
       </dgm:t>
     </dgm:pt>
-    <dgm:pt modelId="{15A8DAF9-B112-4FFE-B542-6F1FC7A2B2AD}">
-      <dgm:prSet phldrT="[Text]"/>
+    <dgm:pt modelId="{CF88069F-70F2-47E8-9371-9A5EBC8E218B}">
+      <dgm:prSet phldrT="[Text]" custT="1"/>
       <dgm:spPr/>
       <dgm:t>
         <a:bodyPr/>
         <a:lstStyle/>
         <a:p>
           <a:r>
-            <a:rPr lang="en-US" dirty="0"/>
-            <a:t>UI-Modal</a:t>
+            <a:rPr lang="en-US" sz="2000" dirty="0"/>
+            <a:t>Service Factory</a:t>
           </a:r>
         </a:p>
       </dgm:t>
     </dgm:pt>
-    <dgm:pt modelId="{636543E9-4E6A-4F87-9F03-4A28AF59A2F9}" type="parTrans" cxnId="{A53B117C-080A-4BCE-B3F4-8678F251DF1F}">
+    <dgm:pt modelId="{97D92E1C-B3E2-44E4-89E3-9D9971A67C97}" type="parTrans" cxnId="{18E2C183-630C-4421-B5E4-666EDE25DFE0}">
       <dgm:prSet/>
       <dgm:spPr/>
       <dgm:t>
@@ -10438,7 +10438,7 @@
         </a:p>
       </dgm:t>
     </dgm:pt>
-    <dgm:pt modelId="{359EFE5D-6E23-41E1-95CB-9F14B216B380}" type="sibTrans" cxnId="{A53B117C-080A-4BCE-B3F4-8678F251DF1F}">
+    <dgm:pt modelId="{EA8FA836-2567-43C4-802B-3D6F0EA8C1AE}" type="sibTrans" cxnId="{18E2C183-630C-4421-B5E4-666EDE25DFE0}">
       <dgm:prSet/>
       <dgm:spPr/>
       <dgm:t>
@@ -10449,7 +10449,7 @@
         </a:p>
       </dgm:t>
     </dgm:pt>
-    <dgm:pt modelId="{44C5CD4F-38B1-4ABE-9FB4-E375B0D2D7BA}">
+    <dgm:pt modelId="{5E457374-A63F-4734-BFE1-C6FA7EDFE1E8}">
       <dgm:prSet phldrT="[Text]" custT="1"/>
       <dgm:spPr/>
       <dgm:t>
@@ -10457,14 +10457,13 @@
         <a:lstStyle/>
         <a:p>
           <a:r>
-            <a:rPr lang="en-US" sz="1600" dirty="0" err="1"/>
-            <a:t>ParticipantService</a:t>
+            <a:rPr lang="en-US" sz="1400" b="1" dirty="0"/>
+            <a:t>UI-Model</a:t>
           </a:r>
-          <a:endParaRPr lang="en-US" sz="1600" dirty="0"/>
         </a:p>
       </dgm:t>
     </dgm:pt>
-    <dgm:pt modelId="{EC5BF510-63E9-41D3-9DD0-89906D7B0534}" type="parTrans" cxnId="{BA645E57-FB4B-45AB-B63E-2134AE73AEE1}">
+    <dgm:pt modelId="{BB2A0981-47A9-4D71-AD79-5AE7CAE95A1E}" type="parTrans" cxnId="{3A718CB6-AFB4-4E9A-B791-A068F74BEF04}">
       <dgm:prSet/>
       <dgm:spPr/>
       <dgm:t>
@@ -10475,7 +10474,7 @@
         </a:p>
       </dgm:t>
     </dgm:pt>
-    <dgm:pt modelId="{A5BF6842-A089-4EFF-A5AD-C3D7AB07682C}" type="sibTrans" cxnId="{BA645E57-FB4B-45AB-B63E-2134AE73AEE1}">
+    <dgm:pt modelId="{590CA93D-27BD-4206-9F2D-33277789716B}" type="sibTrans" cxnId="{3A718CB6-AFB4-4E9A-B791-A068F74BEF04}">
       <dgm:prSet/>
       <dgm:spPr/>
       <dgm:t>
@@ -10486,22 +10485,28 @@
         </a:p>
       </dgm:t>
     </dgm:pt>
-    <dgm:pt modelId="{ABCCDFF3-AFAC-48A4-8FCB-5EB1CB5007D3}">
-      <dgm:prSet phldrT="[Text]"/>
-      <dgm:spPr/>
+    <dgm:pt modelId="{73AB4051-E36B-4715-ABBD-C8D09AE2532A}">
+      <dgm:prSet phldrT="[Text]" custT="1"/>
+      <dgm:spPr>
+        <a:solidFill>
+          <a:schemeClr val="accent4">
+            <a:lumMod val="75000"/>
+          </a:schemeClr>
+        </a:solidFill>
+      </dgm:spPr>
       <dgm:t>
         <a:bodyPr/>
         <a:lstStyle/>
         <a:p>
           <a:r>
-            <a:rPr lang="en-US" dirty="0" err="1"/>
+            <a:rPr lang="en-US" sz="1400" dirty="0" err="1"/>
             <a:t>ParticipantService</a:t>
           </a:r>
-          <a:endParaRPr lang="en-US" dirty="0"/>
+          <a:endParaRPr lang="en-US" sz="1400" dirty="0"/>
         </a:p>
       </dgm:t>
     </dgm:pt>
-    <dgm:pt modelId="{034C365D-B1B2-43D6-B7DF-34C7AA1D5B20}" type="parTrans" cxnId="{F3846E9B-D12F-4845-A4FF-C773F302EC76}">
+    <dgm:pt modelId="{9EE02884-37A4-45E5-A5ED-4D4F89747199}" type="parTrans" cxnId="{C48DCF0A-39A7-41BA-A0B2-40B37B8DE18C}">
       <dgm:prSet/>
       <dgm:spPr/>
       <dgm:t>
@@ -10512,7 +10517,7 @@
         </a:p>
       </dgm:t>
     </dgm:pt>
-    <dgm:pt modelId="{334CC1EF-9D2A-4E0F-9FAF-E0B15450FB47}" type="sibTrans" cxnId="{F3846E9B-D12F-4845-A4FF-C773F302EC76}">
+    <dgm:pt modelId="{7A2DCB62-F905-4CA5-90A4-ADB535C1DB29}" type="sibTrans" cxnId="{C48DCF0A-39A7-41BA-A0B2-40B37B8DE18C}">
       <dgm:prSet/>
       <dgm:spPr/>
       <dgm:t>
@@ -10523,22 +10528,28 @@
         </a:p>
       </dgm:t>
     </dgm:pt>
-    <dgm:pt modelId="{0E96758E-D482-4586-BF66-A7D0B3710DAC}">
+    <dgm:pt modelId="{57FDB135-01F9-4E17-B250-CE83FDA87FAF}">
       <dgm:prSet phldrT="[Text]" custT="1"/>
-      <dgm:spPr/>
+      <dgm:spPr>
+        <a:solidFill>
+          <a:schemeClr val="accent4">
+            <a:lumMod val="75000"/>
+          </a:schemeClr>
+        </a:solidFill>
+      </dgm:spPr>
       <dgm:t>
         <a:bodyPr/>
         <a:lstStyle/>
         <a:p>
           <a:r>
-            <a:rPr lang="en-US" sz="1600" dirty="0" err="1"/>
-            <a:t>ParticipantDAL</a:t>
+            <a:rPr lang="en-US" sz="1400" dirty="0" err="1"/>
+            <a:t>LectureService</a:t>
           </a:r>
-          <a:endParaRPr lang="en-US" sz="1600" dirty="0"/>
+          <a:endParaRPr lang="en-US" sz="1400" dirty="0"/>
         </a:p>
       </dgm:t>
     </dgm:pt>
-    <dgm:pt modelId="{0A0DFF73-1833-4A24-B92E-AD24F36CCF5B}" type="parTrans" cxnId="{6D099B38-E05C-4E9F-971B-71E05C819B90}">
+    <dgm:pt modelId="{67E7BED5-0241-43D9-8771-BB47D480CE9C}" type="parTrans" cxnId="{CEE0029E-82BF-47ED-AF65-9A1463750216}">
       <dgm:prSet/>
       <dgm:spPr/>
       <dgm:t>
@@ -10549,7 +10560,7 @@
         </a:p>
       </dgm:t>
     </dgm:pt>
-    <dgm:pt modelId="{698AFD27-2188-4C4D-9D15-10B0E56E7FAA}" type="sibTrans" cxnId="{6D099B38-E05C-4E9F-971B-71E05C819B90}">
+    <dgm:pt modelId="{B1D6D64B-4094-4B07-A305-CFEF1F815058}" type="sibTrans" cxnId="{CEE0029E-82BF-47ED-AF65-9A1463750216}">
       <dgm:prSet/>
       <dgm:spPr/>
       <dgm:t>
@@ -10560,22 +10571,28 @@
         </a:p>
       </dgm:t>
     </dgm:pt>
-    <dgm:pt modelId="{658CF994-C8A7-4DAB-AF95-27C7AA054CC7}">
-      <dgm:prSet phldrT="[Text]"/>
-      <dgm:spPr/>
+    <dgm:pt modelId="{6C9AA312-337C-45E8-84B5-3B309A48A741}">
+      <dgm:prSet custT="1"/>
+      <dgm:spPr>
+        <a:solidFill>
+          <a:schemeClr val="accent1">
+            <a:lumMod val="75000"/>
+          </a:schemeClr>
+        </a:solidFill>
+      </dgm:spPr>
       <dgm:t>
         <a:bodyPr/>
         <a:lstStyle/>
         <a:p>
           <a:r>
-            <a:rPr lang="en-US" dirty="0" err="1"/>
-            <a:t>ParticipantDAL</a:t>
+            <a:rPr lang="en-US" sz="1400" dirty="0" err="1"/>
+            <a:t>LectureDAL</a:t>
           </a:r>
-          <a:endParaRPr lang="en-US" dirty="0"/>
+          <a:endParaRPr lang="en-US" sz="1400" dirty="0"/>
         </a:p>
       </dgm:t>
     </dgm:pt>
-    <dgm:pt modelId="{328AC8D8-0964-4927-9F12-3FF00129D4E1}" type="parTrans" cxnId="{F14F0B0F-1126-4139-8B90-0DD13651AE92}">
+    <dgm:pt modelId="{E6EED9D2-C644-4BD6-B71F-C7758D99CEDE}" type="parTrans" cxnId="{F10992E9-735D-4C20-84B7-2AC133FA4984}">
       <dgm:prSet/>
       <dgm:spPr/>
       <dgm:t>
@@ -10586,7 +10603,7 @@
         </a:p>
       </dgm:t>
     </dgm:pt>
-    <dgm:pt modelId="{359200C2-80AD-4A91-A3EC-43F6526B5001}" type="sibTrans" cxnId="{F14F0B0F-1126-4139-8B90-0DD13651AE92}">
+    <dgm:pt modelId="{75A88095-092D-4477-9BE7-4A6A2EECCC9F}" type="sibTrans" cxnId="{F10992E9-735D-4C20-84B7-2AC133FA4984}">
       <dgm:prSet/>
       <dgm:spPr/>
       <dgm:t>
@@ -10597,21 +10614,28 @@
         </a:p>
       </dgm:t>
     </dgm:pt>
-    <dgm:pt modelId="{439FDBA2-7B56-4297-9C71-F4785B94728D}">
-      <dgm:prSet phldrT="[Text]"/>
-      <dgm:spPr/>
+    <dgm:pt modelId="{FA4172B4-8531-419C-A57A-EFC956BD29D0}">
+      <dgm:prSet custT="1"/>
+      <dgm:spPr>
+        <a:solidFill>
+          <a:schemeClr val="accent1">
+            <a:lumMod val="75000"/>
+          </a:schemeClr>
+        </a:solidFill>
+      </dgm:spPr>
       <dgm:t>
         <a:bodyPr/>
         <a:lstStyle/>
         <a:p>
           <a:r>
-            <a:rPr lang="en-US" dirty="0"/>
-            <a:t>Database</a:t>
+            <a:rPr lang="en-US" sz="1400" dirty="0" err="1"/>
+            <a:t>ParticipantDAL</a:t>
           </a:r>
+          <a:endParaRPr lang="en-US" sz="1400" dirty="0"/>
         </a:p>
       </dgm:t>
     </dgm:pt>
-    <dgm:pt modelId="{DADE535C-345E-4068-887F-6E44D32A3688}" type="parTrans" cxnId="{E5617D5B-E3F0-40ED-B9A9-A4F6B19EEBA2}">
+    <dgm:pt modelId="{6C210D29-F5FC-40BB-A0E2-F080DC4AE099}" type="parTrans" cxnId="{630BFAA6-E703-4088-A256-D36CE0A35937}">
       <dgm:prSet/>
       <dgm:spPr/>
       <dgm:t>
@@ -10622,7 +10646,7 @@
         </a:p>
       </dgm:t>
     </dgm:pt>
-    <dgm:pt modelId="{BF1ACE0C-10E9-48F3-826C-59D8F00FB42A}" type="sibTrans" cxnId="{E5617D5B-E3F0-40ED-B9A9-A4F6B19EEBA2}">
+    <dgm:pt modelId="{98E6ECE5-47EF-4536-8689-6AF54DA69EB1}" type="sibTrans" cxnId="{630BFAA6-E703-4088-A256-D36CE0A35937}">
       <dgm:prSet/>
       <dgm:spPr/>
       <dgm:t>
@@ -10633,25 +10657,27 @@
         </a:p>
       </dgm:t>
     </dgm:pt>
-    <dgm:pt modelId="{78CC5DE6-AF0F-4432-B9C6-D5C1893AC82E}">
-      <dgm:prSet phldrT="[Text]" custT="1"/>
-      <dgm:spPr/>
+    <dgm:pt modelId="{4F327E6D-1EE2-43BA-9EB0-3BDD08917D2D}">
+      <dgm:prSet custT="1"/>
+      <dgm:spPr>
+        <a:solidFill>
+          <a:schemeClr val="accent4">
+            <a:lumMod val="75000"/>
+          </a:schemeClr>
+        </a:solidFill>
+      </dgm:spPr>
       <dgm:t>
         <a:bodyPr/>
         <a:lstStyle/>
         <a:p>
           <a:r>
-            <a:rPr lang="en-US" sz="1600" dirty="0" err="1"/>
-            <a:t>listParticipant</a:t>
-          </a:r>
-          <a:r>
-            <a:rPr lang="en-US" sz="1600" dirty="0"/>
-            <a:t>()</a:t>
+            <a:rPr lang="en-US" sz="1200" dirty="0"/>
+            <a:t>Validation</a:t>
           </a:r>
         </a:p>
       </dgm:t>
     </dgm:pt>
-    <dgm:pt modelId="{95E98DC0-46EF-40ED-8A2D-FF30BD7A98CD}" type="parTrans" cxnId="{6147EA2C-7444-43BE-80A6-B61B0FD7B534}">
+    <dgm:pt modelId="{F9D69698-CAB4-49A2-9771-74C38FFB01A2}" type="parTrans" cxnId="{BFBD627F-EFD4-47C6-9EE4-6840D908856F}">
       <dgm:prSet/>
       <dgm:spPr/>
       <dgm:t>
@@ -10662,7 +10688,7 @@
         </a:p>
       </dgm:t>
     </dgm:pt>
-    <dgm:pt modelId="{BD498A56-9C50-4715-858D-DFC7FBE8D3C4}" type="sibTrans" cxnId="{6147EA2C-7444-43BE-80A6-B61B0FD7B534}">
+    <dgm:pt modelId="{E7504EFD-B6DD-4F16-A779-194D941C044F}" type="sibTrans" cxnId="{BFBD627F-EFD4-47C6-9EE4-6840D908856F}">
       <dgm:prSet/>
       <dgm:spPr/>
       <dgm:t>
@@ -10673,29 +10699,22 @@
         </a:p>
       </dgm:t>
     </dgm:pt>
-    <dgm:pt modelId="{EAF07FD8-BAB8-4B04-B84E-2B422535D611}">
-      <dgm:prSet phldrT="[Text]" custT="1"/>
+    <dgm:pt modelId="{9606F7DD-BBE7-48CA-9E43-9B508EFCCF59}">
+      <dgm:prSet custT="1"/>
       <dgm:spPr/>
       <dgm:t>
         <a:bodyPr/>
         <a:lstStyle/>
         <a:p>
           <a:r>
-            <a:rPr lang="en-US" sz="1600" dirty="0"/>
-            <a:t> </a:t>
+            <a:rPr lang="en-US" sz="1400" dirty="0" err="1"/>
+            <a:t>OtherDAL</a:t>
           </a:r>
-          <a:r>
-            <a:rPr lang="en-US" sz="1600" dirty="0" err="1"/>
-            <a:t>listParticipants</a:t>
-          </a:r>
-          <a:r>
-            <a:rPr lang="en-US" sz="1600" dirty="0"/>
-            <a:t>()</a:t>
-          </a:r>
+          <a:endParaRPr lang="en-US" sz="1400" dirty="0"/>
         </a:p>
       </dgm:t>
     </dgm:pt>
-    <dgm:pt modelId="{B69F5C29-0BD6-470D-8149-E4C9F7F1E8C0}" type="parTrans" cxnId="{D3B81B05-463C-4E2E-B966-AD4CCB6B1CB9}">
+    <dgm:pt modelId="{0664E9E0-8BEB-4027-8DB5-42FE90ECBA78}" type="parTrans" cxnId="{5C5ABEC9-42F7-4F94-8C93-DD1FC6EAE05F}">
       <dgm:prSet/>
       <dgm:spPr/>
       <dgm:t>
@@ -10706,7 +10725,7 @@
         </a:p>
       </dgm:t>
     </dgm:pt>
-    <dgm:pt modelId="{3838F162-99CC-4FEC-944D-FAF964967C1E}" type="sibTrans" cxnId="{D3B81B05-463C-4E2E-B966-AD4CCB6B1CB9}">
+    <dgm:pt modelId="{45974718-2A28-43F1-835B-9D84C0D14E73}" type="sibTrans" cxnId="{5C5ABEC9-42F7-4F94-8C93-DD1FC6EAE05F}">
       <dgm:prSet/>
       <dgm:spPr/>
       <dgm:t>
@@ -10717,143 +10736,156 @@
         </a:p>
       </dgm:t>
     </dgm:pt>
-    <dgm:pt modelId="{E115E8F5-8D9D-4C4C-800B-E947321BB37A}" type="pres">
-      <dgm:prSet presAssocID="{48ED9218-D9F0-40B9-BB7B-6165BA4C945C}" presName="rootnode" presStyleCnt="0">
+    <dgm:pt modelId="{AB31CB9F-72A0-44D8-A269-D8DD5ED9CD19}" type="pres">
+      <dgm:prSet presAssocID="{FAAFE623-5DC3-47C8-AEA8-FCA7368F475B}" presName="Name0" presStyleCnt="0">
         <dgm:presLayoutVars>
-          <dgm:chMax/>
-          <dgm:chPref/>
+          <dgm:chMax val="1"/>
+          <dgm:chPref val="1"/>
           <dgm:dir/>
+          <dgm:animOne val="branch"/>
           <dgm:animLvl val="lvl"/>
         </dgm:presLayoutVars>
       </dgm:prSet>
       <dgm:spPr/>
     </dgm:pt>
-    <dgm:pt modelId="{8FA832B4-9340-4AA1-8B69-F8BE19875B96}" type="pres">
-      <dgm:prSet presAssocID="{15A8DAF9-B112-4FFE-B542-6F1FC7A2B2AD}" presName="composite" presStyleCnt="0"/>
+    <dgm:pt modelId="{34117317-30F9-4207-8DD6-F9B365E3E710}" type="pres">
+      <dgm:prSet presAssocID="{CF88069F-70F2-47E8-9371-9A5EBC8E218B}" presName="textCenter" presStyleLbl="node1" presStyleIdx="0" presStyleCnt="8" custScaleX="201614" custLinFactNeighborX="-2474" custLinFactNeighborY="-93140"/>
       <dgm:spPr/>
     </dgm:pt>
-    <dgm:pt modelId="{AC005A3D-92E0-4EEA-97B4-9DFE9CD8B925}" type="pres">
-      <dgm:prSet presAssocID="{15A8DAF9-B112-4FFE-B542-6F1FC7A2B2AD}" presName="bentUpArrow1" presStyleLbl="alignImgPlace1" presStyleIdx="0" presStyleCnt="2"/>
+    <dgm:pt modelId="{FEC972A7-E746-4E5C-891A-0265284E638B}" type="pres">
+      <dgm:prSet presAssocID="{CF88069F-70F2-47E8-9371-9A5EBC8E218B}" presName="cycle_1" presStyleCnt="0"/>
       <dgm:spPr/>
     </dgm:pt>
-    <dgm:pt modelId="{2C1AF177-BBE8-426D-ADEF-7C84A77BD87F}" type="pres">
-      <dgm:prSet presAssocID="{15A8DAF9-B112-4FFE-B542-6F1FC7A2B2AD}" presName="ParentText" presStyleLbl="node1" presStyleIdx="0" presStyleCnt="3">
+    <dgm:pt modelId="{931F0AFC-CABD-4C87-8997-1828274455EA}" type="pres">
+      <dgm:prSet presAssocID="{5E457374-A63F-4734-BFE1-C6FA7EDFE1E8}" presName="childCenter1" presStyleLbl="node1" presStyleIdx="1" presStyleCnt="8" custScaleX="141257" custLinFactNeighborX="85" custLinFactNeighborY="-21505"/>
+      <dgm:spPr/>
+    </dgm:pt>
+    <dgm:pt modelId="{0029EE30-99A9-4ACA-9401-D10F9A46E4E5}" type="pres">
+      <dgm:prSet presAssocID="{BB2A0981-47A9-4D71-AD79-5AE7CAE95A1E}" presName="Name144" presStyleLbl="parChTrans1D2" presStyleIdx="0" presStyleCnt="3"/>
+      <dgm:spPr/>
+    </dgm:pt>
+    <dgm:pt modelId="{3AE6F8CF-A216-4896-B8F4-800EAB4CA126}" type="pres">
+      <dgm:prSet presAssocID="{CF88069F-70F2-47E8-9371-9A5EBC8E218B}" presName="cycle_2" presStyleCnt="0"/>
+      <dgm:spPr/>
+    </dgm:pt>
+    <dgm:pt modelId="{C7BD3B65-A658-4171-9926-97856AFFC483}" type="pres">
+      <dgm:prSet presAssocID="{73AB4051-E36B-4715-ABBD-C8D09AE2532A}" presName="childCenter2" presStyleLbl="node1" presStyleIdx="2" presStyleCnt="8" custScaleX="219969" custLinFactNeighborX="38818" custLinFactNeighborY="-15919"/>
+      <dgm:spPr/>
+    </dgm:pt>
+    <dgm:pt modelId="{30544185-3D79-4597-AA1C-AAE1A22E0024}" type="pres">
+      <dgm:prSet presAssocID="{0664E9E0-8BEB-4027-8DB5-42FE90ECBA78}" presName="Name218" presStyleLbl="parChTrans1D3" presStyleIdx="0" presStyleCnt="4"/>
+      <dgm:spPr/>
+    </dgm:pt>
+    <dgm:pt modelId="{1417C9D0-0C0D-47F6-9ADE-BF8BF541D001}" type="pres">
+      <dgm:prSet presAssocID="{9606F7DD-BBE7-48CA-9E43-9B508EFCCF59}" presName="text2" presStyleLbl="node1" presStyleIdx="3" presStyleCnt="8" custScaleX="139935" custRadScaleRad="167054" custRadScaleInc="150946">
         <dgm:presLayoutVars>
-          <dgm:chMax val="1"/>
-          <dgm:chPref val="1"/>
           <dgm:bulletEnabled val="1"/>
         </dgm:presLayoutVars>
       </dgm:prSet>
       <dgm:spPr/>
     </dgm:pt>
-    <dgm:pt modelId="{857782CE-9EF5-482D-A255-FA6435D36FD4}" type="pres">
-      <dgm:prSet presAssocID="{15A8DAF9-B112-4FFE-B542-6F1FC7A2B2AD}" presName="ChildText" presStyleLbl="revTx" presStyleIdx="0" presStyleCnt="3" custScaleX="198619" custLinFactNeighborX="57122" custLinFactNeighborY="-5147">
+    <dgm:pt modelId="{BE40EC45-9D70-458A-823C-D37069004C48}" type="pres">
+      <dgm:prSet presAssocID="{6C210D29-F5FC-40BB-A0E2-F080DC4AE099}" presName="Name218" presStyleLbl="parChTrans1D3" presStyleIdx="1" presStyleCnt="4"/>
+      <dgm:spPr/>
+    </dgm:pt>
+    <dgm:pt modelId="{E0FC7542-81EA-4CDC-A1E2-52CD3151F316}" type="pres">
+      <dgm:prSet presAssocID="{FA4172B4-8531-419C-A57A-EFC956BD29D0}" presName="text2" presStyleLbl="node1" presStyleIdx="4" presStyleCnt="8" custScaleX="177026" custRadScaleRad="89806" custRadScaleInc="68475">
         <dgm:presLayoutVars>
-          <dgm:chMax val="0"/>
-          <dgm:chPref val="0"/>
           <dgm:bulletEnabled val="1"/>
         </dgm:presLayoutVars>
       </dgm:prSet>
       <dgm:spPr/>
     </dgm:pt>
-    <dgm:pt modelId="{472A62B7-FCA4-40EF-8242-42567F13DF36}" type="pres">
-      <dgm:prSet presAssocID="{359EFE5D-6E23-41E1-95CB-9F14B216B380}" presName="sibTrans" presStyleCnt="0"/>
+    <dgm:pt modelId="{5086B03C-8A4C-4146-892A-3607E0D0784A}" type="pres">
+      <dgm:prSet presAssocID="{F9D69698-CAB4-49A2-9771-74C38FFB01A2}" presName="Name218" presStyleLbl="parChTrans1D3" presStyleIdx="2" presStyleCnt="4"/>
       <dgm:spPr/>
     </dgm:pt>
-    <dgm:pt modelId="{21EDA5E4-C524-4939-8A18-7674C4390B82}" type="pres">
-      <dgm:prSet presAssocID="{ABCCDFF3-AFAC-48A4-8FCB-5EB1CB5007D3}" presName="composite" presStyleCnt="0"/>
-      <dgm:spPr/>
-    </dgm:pt>
-    <dgm:pt modelId="{21A1E052-E114-4EA0-B477-C4B9BC555325}" type="pres">
-      <dgm:prSet presAssocID="{ABCCDFF3-AFAC-48A4-8FCB-5EB1CB5007D3}" presName="bentUpArrow1" presStyleLbl="alignImgPlace1" presStyleIdx="1" presStyleCnt="2"/>
-      <dgm:spPr/>
-    </dgm:pt>
-    <dgm:pt modelId="{13590236-58B0-4B42-ACBA-1FD26B32FBB5}" type="pres">
-      <dgm:prSet presAssocID="{ABCCDFF3-AFAC-48A4-8FCB-5EB1CB5007D3}" presName="ParentText" presStyleLbl="node1" presStyleIdx="1" presStyleCnt="3">
+    <dgm:pt modelId="{2F4F44BE-3A73-445E-8E95-31F0F5C677CB}" type="pres">
+      <dgm:prSet presAssocID="{4F327E6D-1EE2-43BA-9EB0-3BDD08917D2D}" presName="text2" presStyleLbl="node1" presStyleIdx="5" presStyleCnt="8" custScaleX="148610" custRadScaleRad="97783" custRadScaleInc="104765">
         <dgm:presLayoutVars>
-          <dgm:chMax val="1"/>
-          <dgm:chPref val="1"/>
           <dgm:bulletEnabled val="1"/>
         </dgm:presLayoutVars>
       </dgm:prSet>
       <dgm:spPr/>
     </dgm:pt>
-    <dgm:pt modelId="{ADD4E4F7-3CBE-44AD-B10D-0399B1029DA3}" type="pres">
-      <dgm:prSet presAssocID="{ABCCDFF3-AFAC-48A4-8FCB-5EB1CB5007D3}" presName="ChildText" presStyleLbl="revTx" presStyleIdx="1" presStyleCnt="3" custScaleX="129958" custLinFactNeighborX="20176" custLinFactNeighborY="-2584">
+    <dgm:pt modelId="{8AAFC746-5C25-4676-9002-7E295E4FC35D}" type="pres">
+      <dgm:prSet presAssocID="{9EE02884-37A4-45E5-A5ED-4D4F89747199}" presName="Name221" presStyleLbl="parChTrans1D2" presStyleIdx="1" presStyleCnt="3"/>
+      <dgm:spPr/>
+    </dgm:pt>
+    <dgm:pt modelId="{43190BF1-D1C3-4B5B-8090-CCBFAB4CBEA9}" type="pres">
+      <dgm:prSet presAssocID="{CF88069F-70F2-47E8-9371-9A5EBC8E218B}" presName="cycle_3" presStyleCnt="0"/>
+      <dgm:spPr/>
+    </dgm:pt>
+    <dgm:pt modelId="{746B77A9-9790-4C8D-8C2C-5B3E397CF404}" type="pres">
+      <dgm:prSet presAssocID="{57FDB135-01F9-4E17-B250-CE83FDA87FAF}" presName="childCenter3" presStyleLbl="node1" presStyleIdx="6" presStyleCnt="8" custScaleX="178792" custLinFactNeighborX="-41833" custLinFactNeighborY="865"/>
+      <dgm:spPr/>
+    </dgm:pt>
+    <dgm:pt modelId="{819724BE-D2AD-440E-9667-338BFC30A3A1}" type="pres">
+      <dgm:prSet presAssocID="{E6EED9D2-C644-4BD6-B71F-C7758D99CEDE}" presName="Name285" presStyleLbl="parChTrans1D3" presStyleIdx="3" presStyleCnt="4"/>
+      <dgm:spPr/>
+    </dgm:pt>
+    <dgm:pt modelId="{0BF2BC5F-9205-41B0-948B-04C6BEAF1321}" type="pres">
+      <dgm:prSet presAssocID="{6C9AA312-337C-45E8-84B5-3B309A48A741}" presName="text3" presStyleLbl="node1" presStyleIdx="7" presStyleCnt="8" custScaleX="151293" custRadScaleRad="115277" custRadScaleInc="-23994">
         <dgm:presLayoutVars>
-          <dgm:chMax val="0"/>
-          <dgm:chPref val="0"/>
           <dgm:bulletEnabled val="1"/>
         </dgm:presLayoutVars>
       </dgm:prSet>
       <dgm:spPr/>
     </dgm:pt>
-    <dgm:pt modelId="{8E6802B5-8715-4F88-AD46-8D2D1C88CF47}" type="pres">
-      <dgm:prSet presAssocID="{334CC1EF-9D2A-4E0F-9FAF-E0B15450FB47}" presName="sibTrans" presStyleCnt="0"/>
-      <dgm:spPr/>
-    </dgm:pt>
-    <dgm:pt modelId="{BBCA9F2A-5043-4629-8CD8-3DEEB247AAFF}" type="pres">
-      <dgm:prSet presAssocID="{658CF994-C8A7-4DAB-AF95-27C7AA054CC7}" presName="composite" presStyleCnt="0"/>
-      <dgm:spPr/>
-    </dgm:pt>
-    <dgm:pt modelId="{2FFD8078-1D1E-4CD7-9E4C-F8734B094FCC}" type="pres">
-      <dgm:prSet presAssocID="{658CF994-C8A7-4DAB-AF95-27C7AA054CC7}" presName="ParentText" presStyleLbl="node1" presStyleIdx="2" presStyleCnt="3">
-        <dgm:presLayoutVars>
-          <dgm:chMax val="1"/>
-          <dgm:chPref val="1"/>
-          <dgm:bulletEnabled val="1"/>
-        </dgm:presLayoutVars>
-      </dgm:prSet>
-      <dgm:spPr/>
-    </dgm:pt>
-    <dgm:pt modelId="{98D06650-83AE-4CB7-AAB9-E6D83F1A3F8F}" type="pres">
-      <dgm:prSet presAssocID="{658CF994-C8A7-4DAB-AF95-27C7AA054CC7}" presName="FinalChildText" presStyleLbl="revTx" presStyleIdx="2" presStyleCnt="3">
-        <dgm:presLayoutVars>
-          <dgm:chMax val="0"/>
-          <dgm:chPref val="0"/>
-          <dgm:bulletEnabled val="1"/>
-        </dgm:presLayoutVars>
-      </dgm:prSet>
+    <dgm:pt modelId="{A187A018-A2FE-4E0E-ABC9-2F460E775545}" type="pres">
+      <dgm:prSet presAssocID="{67E7BED5-0241-43D9-8771-BB47D480CE9C}" presName="Name288" presStyleLbl="parChTrans1D2" presStyleIdx="2" presStyleCnt="3"/>
       <dgm:spPr/>
     </dgm:pt>
   </dgm:ptLst>
   <dgm:cxnLst>
-    <dgm:cxn modelId="{8E02B828-AEB0-4F7F-A2F6-5AC9CC37D87C}" type="presOf" srcId="{15A8DAF9-B112-4FFE-B542-6F1FC7A2B2AD}" destId="{2C1AF177-BBE8-426D-ADEF-7C84A77BD87F}" srcOrd="0" destOrd="0" presId="urn:microsoft.com/office/officeart/2005/8/layout/StepDownProcess"/>
-    <dgm:cxn modelId="{492DFC65-B50C-44AE-888E-A5D27FCC7C7D}" type="presOf" srcId="{48ED9218-D9F0-40B9-BB7B-6165BA4C945C}" destId="{E115E8F5-8D9D-4C4C-800B-E947321BB37A}" srcOrd="0" destOrd="0" presId="urn:microsoft.com/office/officeart/2005/8/layout/StepDownProcess"/>
-    <dgm:cxn modelId="{BA645E57-FB4B-45AB-B63E-2134AE73AEE1}" srcId="{15A8DAF9-B112-4FFE-B542-6F1FC7A2B2AD}" destId="{44C5CD4F-38B1-4ABE-9FB4-E375B0D2D7BA}" srcOrd="0" destOrd="0" parTransId="{EC5BF510-63E9-41D3-9DD0-89906D7B0534}" sibTransId="{A5BF6842-A089-4EFF-A5AD-C3D7AB07682C}"/>
-    <dgm:cxn modelId="{F14F0B0F-1126-4139-8B90-0DD13651AE92}" srcId="{48ED9218-D9F0-40B9-BB7B-6165BA4C945C}" destId="{658CF994-C8A7-4DAB-AF95-27C7AA054CC7}" srcOrd="2" destOrd="0" parTransId="{328AC8D8-0964-4927-9F12-3FF00129D4E1}" sibTransId="{359200C2-80AD-4A91-A3EC-43F6526B5001}"/>
-    <dgm:cxn modelId="{7E714C7E-443A-4A25-8785-93A653B094AD}" type="presOf" srcId="{439FDBA2-7B56-4297-9C71-F4785B94728D}" destId="{98D06650-83AE-4CB7-AAB9-E6D83F1A3F8F}" srcOrd="0" destOrd="0" presId="urn:microsoft.com/office/officeart/2005/8/layout/StepDownProcess"/>
-    <dgm:cxn modelId="{DEEE4C0A-E112-4649-BF0D-58F60DE26237}" type="presOf" srcId="{EAF07FD8-BAB8-4B04-B84E-2B422535D611}" destId="{857782CE-9EF5-482D-A255-FA6435D36FD4}" srcOrd="0" destOrd="1" presId="urn:microsoft.com/office/officeart/2005/8/layout/StepDownProcess"/>
-    <dgm:cxn modelId="{F3846E9B-D12F-4845-A4FF-C773F302EC76}" srcId="{48ED9218-D9F0-40B9-BB7B-6165BA4C945C}" destId="{ABCCDFF3-AFAC-48A4-8FCB-5EB1CB5007D3}" srcOrd="1" destOrd="0" parTransId="{034C365D-B1B2-43D6-B7DF-34C7AA1D5B20}" sibTransId="{334CC1EF-9D2A-4E0F-9FAF-E0B15450FB47}"/>
-    <dgm:cxn modelId="{6D099B38-E05C-4E9F-971B-71E05C819B90}" srcId="{ABCCDFF3-AFAC-48A4-8FCB-5EB1CB5007D3}" destId="{0E96758E-D482-4586-BF66-A7D0B3710DAC}" srcOrd="0" destOrd="0" parTransId="{0A0DFF73-1833-4A24-B92E-AD24F36CCF5B}" sibTransId="{698AFD27-2188-4C4D-9D15-10B0E56E7FAA}"/>
-    <dgm:cxn modelId="{6147EA2C-7444-43BE-80A6-B61B0FD7B534}" srcId="{ABCCDFF3-AFAC-48A4-8FCB-5EB1CB5007D3}" destId="{78CC5DE6-AF0F-4432-B9C6-D5C1893AC82E}" srcOrd="1" destOrd="0" parTransId="{95E98DC0-46EF-40ED-8A2D-FF30BD7A98CD}" sibTransId="{BD498A56-9C50-4715-858D-DFC7FBE8D3C4}"/>
-    <dgm:cxn modelId="{E5617D5B-E3F0-40ED-B9A9-A4F6B19EEBA2}" srcId="{658CF994-C8A7-4DAB-AF95-27C7AA054CC7}" destId="{439FDBA2-7B56-4297-9C71-F4785B94728D}" srcOrd="0" destOrd="0" parTransId="{DADE535C-345E-4068-887F-6E44D32A3688}" sibTransId="{BF1ACE0C-10E9-48F3-826C-59D8F00FB42A}"/>
-    <dgm:cxn modelId="{D3B81B05-463C-4E2E-B966-AD4CCB6B1CB9}" srcId="{15A8DAF9-B112-4FFE-B542-6F1FC7A2B2AD}" destId="{EAF07FD8-BAB8-4B04-B84E-2B422535D611}" srcOrd="1" destOrd="0" parTransId="{B69F5C29-0BD6-470D-8149-E4C9F7F1E8C0}" sibTransId="{3838F162-99CC-4FEC-944D-FAF964967C1E}"/>
-    <dgm:cxn modelId="{71D5DC09-0CB2-40BF-9D30-0F1CE3BC2608}" type="presOf" srcId="{44C5CD4F-38B1-4ABE-9FB4-E375B0D2D7BA}" destId="{857782CE-9EF5-482D-A255-FA6435D36FD4}" srcOrd="0" destOrd="0" presId="urn:microsoft.com/office/officeart/2005/8/layout/StepDownProcess"/>
-    <dgm:cxn modelId="{4F897204-76CD-4CA9-B905-9C3F6F3C9A52}" type="presOf" srcId="{658CF994-C8A7-4DAB-AF95-27C7AA054CC7}" destId="{2FFD8078-1D1E-4CD7-9E4C-F8734B094FCC}" srcOrd="0" destOrd="0" presId="urn:microsoft.com/office/officeart/2005/8/layout/StepDownProcess"/>
-    <dgm:cxn modelId="{5121F184-2E8F-4E58-94D9-00FC5D0C5D84}" type="presOf" srcId="{78CC5DE6-AF0F-4432-B9C6-D5C1893AC82E}" destId="{ADD4E4F7-3CBE-44AD-B10D-0399B1029DA3}" srcOrd="0" destOrd="1" presId="urn:microsoft.com/office/officeart/2005/8/layout/StepDownProcess"/>
-    <dgm:cxn modelId="{A53B117C-080A-4BCE-B3F4-8678F251DF1F}" srcId="{48ED9218-D9F0-40B9-BB7B-6165BA4C945C}" destId="{15A8DAF9-B112-4FFE-B542-6F1FC7A2B2AD}" srcOrd="0" destOrd="0" parTransId="{636543E9-4E6A-4F87-9F03-4A28AF59A2F9}" sibTransId="{359EFE5D-6E23-41E1-95CB-9F14B216B380}"/>
-    <dgm:cxn modelId="{1C2012D6-9747-4F0F-8169-A7CF1E30F2FD}" type="presOf" srcId="{ABCCDFF3-AFAC-48A4-8FCB-5EB1CB5007D3}" destId="{13590236-58B0-4B42-ACBA-1FD26B32FBB5}" srcOrd="0" destOrd="0" presId="urn:microsoft.com/office/officeart/2005/8/layout/StepDownProcess"/>
-    <dgm:cxn modelId="{C2932C3E-1D23-44F7-AB31-7A9F8390FE56}" type="presOf" srcId="{0E96758E-D482-4586-BF66-A7D0B3710DAC}" destId="{ADD4E4F7-3CBE-44AD-B10D-0399B1029DA3}" srcOrd="0" destOrd="0" presId="urn:microsoft.com/office/officeart/2005/8/layout/StepDownProcess"/>
-    <dgm:cxn modelId="{40D352B9-9250-4CAC-BA11-EF440D42CEF1}" type="presParOf" srcId="{E115E8F5-8D9D-4C4C-800B-E947321BB37A}" destId="{8FA832B4-9340-4AA1-8B69-F8BE19875B96}" srcOrd="0" destOrd="0" presId="urn:microsoft.com/office/officeart/2005/8/layout/StepDownProcess"/>
-    <dgm:cxn modelId="{2D75BF78-2F7F-4A76-B6FE-5A52392D6D71}" type="presParOf" srcId="{8FA832B4-9340-4AA1-8B69-F8BE19875B96}" destId="{AC005A3D-92E0-4EEA-97B4-9DFE9CD8B925}" srcOrd="0" destOrd="0" presId="urn:microsoft.com/office/officeart/2005/8/layout/StepDownProcess"/>
-    <dgm:cxn modelId="{2BEAB4B7-0C3F-4600-94C3-357BD5B0DF46}" type="presParOf" srcId="{8FA832B4-9340-4AA1-8B69-F8BE19875B96}" destId="{2C1AF177-BBE8-426D-ADEF-7C84A77BD87F}" srcOrd="1" destOrd="0" presId="urn:microsoft.com/office/officeart/2005/8/layout/StepDownProcess"/>
-    <dgm:cxn modelId="{EC86A258-1839-4713-997B-B84AD1D414D3}" type="presParOf" srcId="{8FA832B4-9340-4AA1-8B69-F8BE19875B96}" destId="{857782CE-9EF5-482D-A255-FA6435D36FD4}" srcOrd="2" destOrd="0" presId="urn:microsoft.com/office/officeart/2005/8/layout/StepDownProcess"/>
-    <dgm:cxn modelId="{845B5867-7D32-45A0-A741-5DE0A9D9A275}" type="presParOf" srcId="{E115E8F5-8D9D-4C4C-800B-E947321BB37A}" destId="{472A62B7-FCA4-40EF-8242-42567F13DF36}" srcOrd="1" destOrd="0" presId="urn:microsoft.com/office/officeart/2005/8/layout/StepDownProcess"/>
-    <dgm:cxn modelId="{3ED8BA8B-3D97-40F2-8A6C-54E7D7852F62}" type="presParOf" srcId="{E115E8F5-8D9D-4C4C-800B-E947321BB37A}" destId="{21EDA5E4-C524-4939-8A18-7674C4390B82}" srcOrd="2" destOrd="0" presId="urn:microsoft.com/office/officeart/2005/8/layout/StepDownProcess"/>
-    <dgm:cxn modelId="{F76B8D3C-5103-45AC-B0D1-A91DF5E0BEE7}" type="presParOf" srcId="{21EDA5E4-C524-4939-8A18-7674C4390B82}" destId="{21A1E052-E114-4EA0-B477-C4B9BC555325}" srcOrd="0" destOrd="0" presId="urn:microsoft.com/office/officeart/2005/8/layout/StepDownProcess"/>
-    <dgm:cxn modelId="{C4B559DE-F336-4A89-AF64-24D788CC1244}" type="presParOf" srcId="{21EDA5E4-C524-4939-8A18-7674C4390B82}" destId="{13590236-58B0-4B42-ACBA-1FD26B32FBB5}" srcOrd="1" destOrd="0" presId="urn:microsoft.com/office/officeart/2005/8/layout/StepDownProcess"/>
-    <dgm:cxn modelId="{0986535D-3311-4467-B375-6DD3BD9A26D9}" type="presParOf" srcId="{21EDA5E4-C524-4939-8A18-7674C4390B82}" destId="{ADD4E4F7-3CBE-44AD-B10D-0399B1029DA3}" srcOrd="2" destOrd="0" presId="urn:microsoft.com/office/officeart/2005/8/layout/StepDownProcess"/>
-    <dgm:cxn modelId="{EFD56C22-96E5-4958-BF66-5651F8DF7562}" type="presParOf" srcId="{E115E8F5-8D9D-4C4C-800B-E947321BB37A}" destId="{8E6802B5-8715-4F88-AD46-8D2D1C88CF47}" srcOrd="3" destOrd="0" presId="urn:microsoft.com/office/officeart/2005/8/layout/StepDownProcess"/>
-    <dgm:cxn modelId="{9FFDD5BD-738F-4C67-9DBA-E01BFBEC244C}" type="presParOf" srcId="{E115E8F5-8D9D-4C4C-800B-E947321BB37A}" destId="{BBCA9F2A-5043-4629-8CD8-3DEEB247AAFF}" srcOrd="4" destOrd="0" presId="urn:microsoft.com/office/officeart/2005/8/layout/StepDownProcess"/>
-    <dgm:cxn modelId="{BEBE93E8-F083-4126-8A6F-D71B3AE719B1}" type="presParOf" srcId="{BBCA9F2A-5043-4629-8CD8-3DEEB247AAFF}" destId="{2FFD8078-1D1E-4CD7-9E4C-F8734B094FCC}" srcOrd="0" destOrd="0" presId="urn:microsoft.com/office/officeart/2005/8/layout/StepDownProcess"/>
-    <dgm:cxn modelId="{35210C3D-A06B-48A8-984D-194E93E28CD9}" type="presParOf" srcId="{BBCA9F2A-5043-4629-8CD8-3DEEB247AAFF}" destId="{98D06650-83AE-4CB7-AAB9-E6D83F1A3F8F}" srcOrd="1" destOrd="0" presId="urn:microsoft.com/office/officeart/2005/8/layout/StepDownProcess"/>
+    <dgm:cxn modelId="{773D487B-C7A2-4D69-BA33-8E5F97A1BC04}" type="presOf" srcId="{67E7BED5-0241-43D9-8771-BB47D480CE9C}" destId="{A187A018-A2FE-4E0E-ABC9-2F460E775545}" srcOrd="0" destOrd="0" presId="urn:microsoft.com/office/officeart/2008/layout/RadialCluster"/>
+    <dgm:cxn modelId="{CEE0029E-82BF-47ED-AF65-9A1463750216}" srcId="{CF88069F-70F2-47E8-9371-9A5EBC8E218B}" destId="{57FDB135-01F9-4E17-B250-CE83FDA87FAF}" srcOrd="2" destOrd="0" parTransId="{67E7BED5-0241-43D9-8771-BB47D480CE9C}" sibTransId="{B1D6D64B-4094-4B07-A305-CFEF1F815058}"/>
+    <dgm:cxn modelId="{5C5ABEC9-42F7-4F94-8C93-DD1FC6EAE05F}" srcId="{73AB4051-E36B-4715-ABBD-C8D09AE2532A}" destId="{9606F7DD-BBE7-48CA-9E43-9B508EFCCF59}" srcOrd="0" destOrd="0" parTransId="{0664E9E0-8BEB-4027-8DB5-42FE90ECBA78}" sibTransId="{45974718-2A28-43F1-835B-9D84C0D14E73}"/>
+    <dgm:cxn modelId="{895714BE-A446-490E-8DA5-32CF12796869}" type="presOf" srcId="{57FDB135-01F9-4E17-B250-CE83FDA87FAF}" destId="{746B77A9-9790-4C8D-8C2C-5B3E397CF404}" srcOrd="0" destOrd="0" presId="urn:microsoft.com/office/officeart/2008/layout/RadialCluster"/>
+    <dgm:cxn modelId="{3F9580D4-781C-44AB-9F2E-33F06987B3DA}" type="presOf" srcId="{73AB4051-E36B-4715-ABBD-C8D09AE2532A}" destId="{C7BD3B65-A658-4171-9926-97856AFFC483}" srcOrd="0" destOrd="0" presId="urn:microsoft.com/office/officeart/2008/layout/RadialCluster"/>
+    <dgm:cxn modelId="{548D07AB-D536-4283-8067-266A67F0A102}" type="presOf" srcId="{E6EED9D2-C644-4BD6-B71F-C7758D99CEDE}" destId="{819724BE-D2AD-440E-9667-338BFC30A3A1}" srcOrd="0" destOrd="0" presId="urn:microsoft.com/office/officeart/2008/layout/RadialCluster"/>
+    <dgm:cxn modelId="{C48DCF0A-39A7-41BA-A0B2-40B37B8DE18C}" srcId="{CF88069F-70F2-47E8-9371-9A5EBC8E218B}" destId="{73AB4051-E36B-4715-ABBD-C8D09AE2532A}" srcOrd="1" destOrd="0" parTransId="{9EE02884-37A4-45E5-A5ED-4D4F89747199}" sibTransId="{7A2DCB62-F905-4CA5-90A4-ADB535C1DB29}"/>
+    <dgm:cxn modelId="{3A718CB6-AFB4-4E9A-B791-A068F74BEF04}" srcId="{CF88069F-70F2-47E8-9371-9A5EBC8E218B}" destId="{5E457374-A63F-4734-BFE1-C6FA7EDFE1E8}" srcOrd="0" destOrd="0" parTransId="{BB2A0981-47A9-4D71-AD79-5AE7CAE95A1E}" sibTransId="{590CA93D-27BD-4206-9F2D-33277789716B}"/>
+    <dgm:cxn modelId="{BFBD627F-EFD4-47C6-9EE4-6840D908856F}" srcId="{73AB4051-E36B-4715-ABBD-C8D09AE2532A}" destId="{4F327E6D-1EE2-43BA-9EB0-3BDD08917D2D}" srcOrd="2" destOrd="0" parTransId="{F9D69698-CAB4-49A2-9771-74C38FFB01A2}" sibTransId="{E7504EFD-B6DD-4F16-A779-194D941C044F}"/>
+    <dgm:cxn modelId="{D97CDA3E-6A93-47E2-B6E4-E9E6407E5B9D}" type="presOf" srcId="{5E457374-A63F-4734-BFE1-C6FA7EDFE1E8}" destId="{931F0AFC-CABD-4C87-8997-1828274455EA}" srcOrd="0" destOrd="0" presId="urn:microsoft.com/office/officeart/2008/layout/RadialCluster"/>
+    <dgm:cxn modelId="{BD4DFF39-24CB-464A-98D6-1CF66856B062}" type="presOf" srcId="{4F327E6D-1EE2-43BA-9EB0-3BDD08917D2D}" destId="{2F4F44BE-3A73-445E-8E95-31F0F5C677CB}" srcOrd="0" destOrd="0" presId="urn:microsoft.com/office/officeart/2008/layout/RadialCluster"/>
+    <dgm:cxn modelId="{A9BF8695-969C-4912-9A77-31756540DA3A}" type="presOf" srcId="{CF88069F-70F2-47E8-9371-9A5EBC8E218B}" destId="{34117317-30F9-4207-8DD6-F9B365E3E710}" srcOrd="0" destOrd="0" presId="urn:microsoft.com/office/officeart/2008/layout/RadialCluster"/>
+    <dgm:cxn modelId="{0FB1F35E-18E9-4DF1-A6BE-EB99DD7BF355}" type="presOf" srcId="{F9D69698-CAB4-49A2-9771-74C38FFB01A2}" destId="{5086B03C-8A4C-4146-892A-3607E0D0784A}" srcOrd="0" destOrd="0" presId="urn:microsoft.com/office/officeart/2008/layout/RadialCluster"/>
+    <dgm:cxn modelId="{FD32A16B-78E9-4E2E-8CCC-8C2ECF56F643}" type="presOf" srcId="{6C9AA312-337C-45E8-84B5-3B309A48A741}" destId="{0BF2BC5F-9205-41B0-948B-04C6BEAF1321}" srcOrd="0" destOrd="0" presId="urn:microsoft.com/office/officeart/2008/layout/RadialCluster"/>
+    <dgm:cxn modelId="{C3AE1B54-DC6B-43E3-89A1-338E48759C35}" type="presOf" srcId="{BB2A0981-47A9-4D71-AD79-5AE7CAE95A1E}" destId="{0029EE30-99A9-4ACA-9401-D10F9A46E4E5}" srcOrd="0" destOrd="0" presId="urn:microsoft.com/office/officeart/2008/layout/RadialCluster"/>
+    <dgm:cxn modelId="{F10992E9-735D-4C20-84B7-2AC133FA4984}" srcId="{57FDB135-01F9-4E17-B250-CE83FDA87FAF}" destId="{6C9AA312-337C-45E8-84B5-3B309A48A741}" srcOrd="0" destOrd="0" parTransId="{E6EED9D2-C644-4BD6-B71F-C7758D99CEDE}" sibTransId="{75A88095-092D-4477-9BE7-4A6A2EECCC9F}"/>
+    <dgm:cxn modelId="{18E2C183-630C-4421-B5E4-666EDE25DFE0}" srcId="{FAAFE623-5DC3-47C8-AEA8-FCA7368F475B}" destId="{CF88069F-70F2-47E8-9371-9A5EBC8E218B}" srcOrd="0" destOrd="0" parTransId="{97D92E1C-B3E2-44E4-89E3-9D9971A67C97}" sibTransId="{EA8FA836-2567-43C4-802B-3D6F0EA8C1AE}"/>
+    <dgm:cxn modelId="{C4EA0B50-DAF4-44BF-BBC7-AA0FD43EB0B0}" type="presOf" srcId="{9EE02884-37A4-45E5-A5ED-4D4F89747199}" destId="{8AAFC746-5C25-4676-9002-7E295E4FC35D}" srcOrd="0" destOrd="0" presId="urn:microsoft.com/office/officeart/2008/layout/RadialCluster"/>
+    <dgm:cxn modelId="{5403EB58-C32D-4E00-8047-7C281088D73C}" type="presOf" srcId="{FA4172B4-8531-419C-A57A-EFC956BD29D0}" destId="{E0FC7542-81EA-4CDC-A1E2-52CD3151F316}" srcOrd="0" destOrd="0" presId="urn:microsoft.com/office/officeart/2008/layout/RadialCluster"/>
+    <dgm:cxn modelId="{630BFAA6-E703-4088-A256-D36CE0A35937}" srcId="{73AB4051-E36B-4715-ABBD-C8D09AE2532A}" destId="{FA4172B4-8531-419C-A57A-EFC956BD29D0}" srcOrd="1" destOrd="0" parTransId="{6C210D29-F5FC-40BB-A0E2-F080DC4AE099}" sibTransId="{98E6ECE5-47EF-4536-8689-6AF54DA69EB1}"/>
+    <dgm:cxn modelId="{74589533-4030-47CF-87A5-9D3E71F8180C}" type="presOf" srcId="{6C210D29-F5FC-40BB-A0E2-F080DC4AE099}" destId="{BE40EC45-9D70-458A-823C-D37069004C48}" srcOrd="0" destOrd="0" presId="urn:microsoft.com/office/officeart/2008/layout/RadialCluster"/>
+    <dgm:cxn modelId="{ECDE5F42-DFFC-45A8-86CA-330362948C3D}" type="presOf" srcId="{0664E9E0-8BEB-4027-8DB5-42FE90ECBA78}" destId="{30544185-3D79-4597-AA1C-AAE1A22E0024}" srcOrd="0" destOrd="0" presId="urn:microsoft.com/office/officeart/2008/layout/RadialCluster"/>
+    <dgm:cxn modelId="{D9173671-1EDD-405F-B4BC-0B6582E7D6D9}" type="presOf" srcId="{FAAFE623-5DC3-47C8-AEA8-FCA7368F475B}" destId="{AB31CB9F-72A0-44D8-A269-D8DD5ED9CD19}" srcOrd="0" destOrd="0" presId="urn:microsoft.com/office/officeart/2008/layout/RadialCluster"/>
+    <dgm:cxn modelId="{8B930107-45A2-4B84-A776-BE66BE0A0252}" type="presOf" srcId="{9606F7DD-BBE7-48CA-9E43-9B508EFCCF59}" destId="{1417C9D0-0C0D-47F6-9ADE-BF8BF541D001}" srcOrd="0" destOrd="0" presId="urn:microsoft.com/office/officeart/2008/layout/RadialCluster"/>
+    <dgm:cxn modelId="{7DFEAC66-16F5-4697-9C84-43D7A62A8C24}" type="presParOf" srcId="{AB31CB9F-72A0-44D8-A269-D8DD5ED9CD19}" destId="{34117317-30F9-4207-8DD6-F9B365E3E710}" srcOrd="0" destOrd="0" presId="urn:microsoft.com/office/officeart/2008/layout/RadialCluster"/>
+    <dgm:cxn modelId="{B3F8DFA7-3DEE-4E6A-BE8B-6BAAE9AD3561}" type="presParOf" srcId="{AB31CB9F-72A0-44D8-A269-D8DD5ED9CD19}" destId="{FEC972A7-E746-4E5C-891A-0265284E638B}" srcOrd="1" destOrd="0" presId="urn:microsoft.com/office/officeart/2008/layout/RadialCluster"/>
+    <dgm:cxn modelId="{49AD6D77-C1AD-4E96-8CA1-A45FCC180036}" type="presParOf" srcId="{FEC972A7-E746-4E5C-891A-0265284E638B}" destId="{931F0AFC-CABD-4C87-8997-1828274455EA}" srcOrd="0" destOrd="0" presId="urn:microsoft.com/office/officeart/2008/layout/RadialCluster"/>
+    <dgm:cxn modelId="{D8ADFA36-C2DD-4C26-8CD4-0E53556C1A25}" type="presParOf" srcId="{AB31CB9F-72A0-44D8-A269-D8DD5ED9CD19}" destId="{0029EE30-99A9-4ACA-9401-D10F9A46E4E5}" srcOrd="2" destOrd="0" presId="urn:microsoft.com/office/officeart/2008/layout/RadialCluster"/>
+    <dgm:cxn modelId="{B68BA9A6-FD4D-426A-9C69-0A45F10C5C5E}" type="presParOf" srcId="{AB31CB9F-72A0-44D8-A269-D8DD5ED9CD19}" destId="{3AE6F8CF-A216-4896-B8F4-800EAB4CA126}" srcOrd="3" destOrd="0" presId="urn:microsoft.com/office/officeart/2008/layout/RadialCluster"/>
+    <dgm:cxn modelId="{DC90D3A8-530A-4C2C-977A-FDF50F5D424F}" type="presParOf" srcId="{3AE6F8CF-A216-4896-B8F4-800EAB4CA126}" destId="{C7BD3B65-A658-4171-9926-97856AFFC483}" srcOrd="0" destOrd="0" presId="urn:microsoft.com/office/officeart/2008/layout/RadialCluster"/>
+    <dgm:cxn modelId="{C096328C-BBB6-4EC4-8495-C7600784DB06}" type="presParOf" srcId="{3AE6F8CF-A216-4896-B8F4-800EAB4CA126}" destId="{30544185-3D79-4597-AA1C-AAE1A22E0024}" srcOrd="1" destOrd="0" presId="urn:microsoft.com/office/officeart/2008/layout/RadialCluster"/>
+    <dgm:cxn modelId="{6FA6C26B-E259-4C2E-BF58-EA4C47D3B878}" type="presParOf" srcId="{3AE6F8CF-A216-4896-B8F4-800EAB4CA126}" destId="{1417C9D0-0C0D-47F6-9ADE-BF8BF541D001}" srcOrd="2" destOrd="0" presId="urn:microsoft.com/office/officeart/2008/layout/RadialCluster"/>
+    <dgm:cxn modelId="{88A6E0AA-D06A-4AD1-BC65-8432E19EF1AC}" type="presParOf" srcId="{3AE6F8CF-A216-4896-B8F4-800EAB4CA126}" destId="{BE40EC45-9D70-458A-823C-D37069004C48}" srcOrd="3" destOrd="0" presId="urn:microsoft.com/office/officeart/2008/layout/RadialCluster"/>
+    <dgm:cxn modelId="{7D3879EC-AB65-429C-9AEE-17462A2B71DE}" type="presParOf" srcId="{3AE6F8CF-A216-4896-B8F4-800EAB4CA126}" destId="{E0FC7542-81EA-4CDC-A1E2-52CD3151F316}" srcOrd="4" destOrd="0" presId="urn:microsoft.com/office/officeart/2008/layout/RadialCluster"/>
+    <dgm:cxn modelId="{72B626EB-ED49-4593-9D7B-F240EA5A995C}" type="presParOf" srcId="{3AE6F8CF-A216-4896-B8F4-800EAB4CA126}" destId="{5086B03C-8A4C-4146-892A-3607E0D0784A}" srcOrd="5" destOrd="0" presId="urn:microsoft.com/office/officeart/2008/layout/RadialCluster"/>
+    <dgm:cxn modelId="{109368E8-AD84-46E2-A3A6-6CF258367DBB}" type="presParOf" srcId="{3AE6F8CF-A216-4896-B8F4-800EAB4CA126}" destId="{2F4F44BE-3A73-445E-8E95-31F0F5C677CB}" srcOrd="6" destOrd="0" presId="urn:microsoft.com/office/officeart/2008/layout/RadialCluster"/>
+    <dgm:cxn modelId="{B54F7953-B192-4F62-AEEC-ED0A693DAD8B}" type="presParOf" srcId="{AB31CB9F-72A0-44D8-A269-D8DD5ED9CD19}" destId="{8AAFC746-5C25-4676-9002-7E295E4FC35D}" srcOrd="4" destOrd="0" presId="urn:microsoft.com/office/officeart/2008/layout/RadialCluster"/>
+    <dgm:cxn modelId="{229917F8-9395-4BF4-89E5-1298A4E83E72}" type="presParOf" srcId="{AB31CB9F-72A0-44D8-A269-D8DD5ED9CD19}" destId="{43190BF1-D1C3-4B5B-8090-CCBFAB4CBEA9}" srcOrd="5" destOrd="0" presId="urn:microsoft.com/office/officeart/2008/layout/RadialCluster"/>
+    <dgm:cxn modelId="{5537DF26-B7AE-427B-806C-69D85F53C477}" type="presParOf" srcId="{43190BF1-D1C3-4B5B-8090-CCBFAB4CBEA9}" destId="{746B77A9-9790-4C8D-8C2C-5B3E397CF404}" srcOrd="0" destOrd="0" presId="urn:microsoft.com/office/officeart/2008/layout/RadialCluster"/>
+    <dgm:cxn modelId="{C95E6B3C-1875-4DA4-8D56-78BFF3636020}" type="presParOf" srcId="{43190BF1-D1C3-4B5B-8090-CCBFAB4CBEA9}" destId="{819724BE-D2AD-440E-9667-338BFC30A3A1}" srcOrd="1" destOrd="0" presId="urn:microsoft.com/office/officeart/2008/layout/RadialCluster"/>
+    <dgm:cxn modelId="{A7BCD55C-77E7-4B55-817D-50E98922C3C2}" type="presParOf" srcId="{43190BF1-D1C3-4B5B-8090-CCBFAB4CBEA9}" destId="{0BF2BC5F-9205-41B0-948B-04C6BEAF1321}" srcOrd="2" destOrd="0" presId="urn:microsoft.com/office/officeart/2008/layout/RadialCluster"/>
+    <dgm:cxn modelId="{E20C101D-0CAC-4ED6-BE3F-6551EF365B8B}" type="presParOf" srcId="{AB31CB9F-72A0-44D8-A269-D8DD5ED9CD19}" destId="{A187A018-A2FE-4E0E-ABC9-2F460E775545}" srcOrd="6" destOrd="0" presId="urn:microsoft.com/office/officeart/2008/layout/RadialCluster"/>
   </dgm:cxnLst>
   <dgm:bg/>
   <dgm:whole/>
   <dgm:extLst>
     <a:ext uri="http://schemas.microsoft.com/office/drawing/2008/diagram">
-      <dsp:dataModelExt xmlns:dsp="http://schemas.microsoft.com/office/drawing/2008/diagram" relId="rId6" minVer="http://schemas.openxmlformats.org/drawingml/2006/diagram"/>
+      <dsp:dataModelExt xmlns:dsp="http://schemas.microsoft.com/office/drawing/2008/diagram" relId="rId7" minVer="http://schemas.openxmlformats.org/drawingml/2006/diagram"/>
     </a:ext>
   </dgm:extLst>
 </dgm:dataModel>
@@ -14680,7 +14712,7 @@
           </a:pPr>
           <a:r>
             <a:rPr lang="en-US" sz="1500" kern="1200" dirty="0"/>
-            <a:t>UI-Modal</a:t>
+            <a:t>UI-Model</a:t>
           </a:r>
         </a:p>
       </dsp:txBody>
@@ -15146,35 +15178,37 @@
       <dsp:cNvGrpSpPr/>
     </dsp:nvGrpSpPr>
     <dsp:grpSpPr/>
-    <dsp:sp modelId="{AC005A3D-92E0-4EEA-97B4-9DFE9CD8B925}">
+    <dsp:sp modelId="{A187A018-A2FE-4E0E-ABC9-2F460E775545}">
       <dsp:nvSpPr>
         <dsp:cNvPr id="0" name=""/>
         <dsp:cNvSpPr/>
       </dsp:nvSpPr>
       <dsp:spPr>
-        <a:xfrm rot="5400000">
-          <a:off x="274340" y="1286910"/>
-          <a:ext cx="1031207" cy="1173992"/>
+        <a:xfrm rot="8432832">
+          <a:off x="2185874" y="2814506"/>
+          <a:ext cx="1178340" cy="0"/>
         </a:xfrm>
-        <a:prstGeom prst="bentUpArrow">
-          <a:avLst>
-            <a:gd name="adj1" fmla="val 32840"/>
-            <a:gd name="adj2" fmla="val 25000"/>
-            <a:gd name="adj3" fmla="val 35780"/>
-          </a:avLst>
-        </a:prstGeom>
-        <a:solidFill>
-          <a:schemeClr val="accent1">
-            <a:tint val="50000"/>
-            <a:hueOff val="0"/>
-            <a:satOff val="0"/>
-            <a:lumOff val="0"/>
-            <a:alphaOff val="0"/>
-          </a:schemeClr>
-        </a:solidFill>
+        <a:custGeom>
+          <a:avLst/>
+          <a:gdLst/>
+          <a:ahLst/>
+          <a:cxnLst/>
+          <a:rect l="0" t="0" r="0" b="0"/>
+          <a:pathLst>
+            <a:path>
+              <a:moveTo>
+                <a:pt x="0" y="0"/>
+              </a:moveTo>
+              <a:lnTo>
+                <a:pt x="1178340" y="0"/>
+              </a:lnTo>
+            </a:path>
+          </a:pathLst>
+        </a:custGeom>
+        <a:noFill/>
         <a:ln w="12700" cap="flat" cmpd="sng" algn="ctr">
           <a:solidFill>
-            <a:schemeClr val="lt1">
+            <a:schemeClr val="accent2">
               <a:hueOff val="0"/>
               <a:satOff val="0"/>
               <a:lumOff val="0"/>
@@ -15190,7 +15224,7 @@
         <a:lnRef idx="2">
           <a:scrgbClr r="0" g="0" b="0"/>
         </a:lnRef>
-        <a:fillRef idx="1">
+        <a:fillRef idx="0">
           <a:scrgbClr r="0" g="0" b="0"/>
         </a:fillRef>
         <a:effectRef idx="0">
@@ -15199,20 +15233,128 @@
         <a:fontRef idx="minor"/>
       </dsp:style>
     </dsp:sp>
-    <dsp:sp modelId="{2C1AF177-BBE8-426D-ADEF-7C84A77BD87F}">
+    <dsp:sp modelId="{8AAFC746-5C25-4676-9002-7E295E4FC35D}">
+      <dsp:nvSpPr>
+        <dsp:cNvPr id="0" name=""/>
+        <dsp:cNvSpPr/>
+      </dsp:nvSpPr>
+      <dsp:spPr>
+        <a:xfrm rot="2264978">
+          <a:off x="4529976" y="2808136"/>
+          <a:ext cx="1202243" cy="0"/>
+        </a:xfrm>
+        <a:custGeom>
+          <a:avLst/>
+          <a:gdLst/>
+          <a:ahLst/>
+          <a:cxnLst/>
+          <a:rect l="0" t="0" r="0" b="0"/>
+          <a:pathLst>
+            <a:path>
+              <a:moveTo>
+                <a:pt x="0" y="0"/>
+              </a:moveTo>
+              <a:lnTo>
+                <a:pt x="1202243" y="0"/>
+              </a:lnTo>
+            </a:path>
+          </a:pathLst>
+        </a:custGeom>
+        <a:noFill/>
+        <a:ln w="12700" cap="flat" cmpd="sng" algn="ctr">
+          <a:solidFill>
+            <a:schemeClr val="accent2">
+              <a:hueOff val="0"/>
+              <a:satOff val="0"/>
+              <a:lumOff val="0"/>
+              <a:alphaOff val="0"/>
+            </a:schemeClr>
+          </a:solidFill>
+          <a:prstDash val="solid"/>
+          <a:miter lim="800000"/>
+        </a:ln>
+        <a:effectLst/>
+      </dsp:spPr>
+      <dsp:style>
+        <a:lnRef idx="2">
+          <a:scrgbClr r="0" g="0" b="0"/>
+        </a:lnRef>
+        <a:fillRef idx="0">
+          <a:scrgbClr r="0" g="0" b="0"/>
+        </a:fillRef>
+        <a:effectRef idx="0">
+          <a:scrgbClr r="0" g="0" b="0"/>
+        </a:effectRef>
+        <a:fontRef idx="minor"/>
+      </dsp:style>
+    </dsp:sp>
+    <dsp:sp modelId="{0029EE30-99A9-4ACA-9401-D10F9A46E4E5}">
+      <dsp:nvSpPr>
+        <dsp:cNvPr id="0" name=""/>
+        <dsp:cNvSpPr/>
+      </dsp:nvSpPr>
+      <dsp:spPr>
+        <a:xfrm rot="16270783">
+          <a:off x="3673944" y="1038187"/>
+          <a:ext cx="528733" cy="0"/>
+        </a:xfrm>
+        <a:custGeom>
+          <a:avLst/>
+          <a:gdLst/>
+          <a:ahLst/>
+          <a:cxnLst/>
+          <a:rect l="0" t="0" r="0" b="0"/>
+          <a:pathLst>
+            <a:path>
+              <a:moveTo>
+                <a:pt x="0" y="0"/>
+              </a:moveTo>
+              <a:lnTo>
+                <a:pt x="528733" y="0"/>
+              </a:lnTo>
+            </a:path>
+          </a:pathLst>
+        </a:custGeom>
+        <a:noFill/>
+        <a:ln w="12700" cap="flat" cmpd="sng" algn="ctr">
+          <a:solidFill>
+            <a:schemeClr val="accent2">
+              <a:hueOff val="0"/>
+              <a:satOff val="0"/>
+              <a:lumOff val="0"/>
+              <a:alphaOff val="0"/>
+            </a:schemeClr>
+          </a:solidFill>
+          <a:prstDash val="solid"/>
+          <a:miter lim="800000"/>
+        </a:ln>
+        <a:effectLst/>
+      </dsp:spPr>
+      <dsp:style>
+        <a:lnRef idx="2">
+          <a:scrgbClr r="0" g="0" b="0"/>
+        </a:lnRef>
+        <a:fillRef idx="0">
+          <a:scrgbClr r="0" g="0" b="0"/>
+        </a:fillRef>
+        <a:effectRef idx="0">
+          <a:scrgbClr r="0" g="0" b="0"/>
+        </a:effectRef>
+        <a:fontRef idx="minor"/>
+      </dsp:style>
+    </dsp:sp>
+    <dsp:sp modelId="{34117317-30F9-4207-8DD6-F9B365E3E710}">
       <dsp:nvSpPr>
         <dsp:cNvPr id="0" name=""/>
         <dsp:cNvSpPr/>
       </dsp:nvSpPr>
       <dsp:spPr>
         <a:xfrm>
-          <a:off x="1132" y="143796"/>
-          <a:ext cx="1735945" cy="1215105"/>
+          <a:off x="2774350" y="1302498"/>
+          <a:ext cx="2293608" cy="1137623"/>
         </a:xfrm>
         <a:prstGeom prst="roundRect">
-          <a:avLst>
-            <a:gd name="adj" fmla="val 16670"/>
-          </a:avLst>
+          <a:avLst/>
         </a:prstGeom>
         <a:solidFill>
           <a:schemeClr val="accent2">
@@ -15251,12 +15393,12 @@
         </a:fontRef>
       </dsp:style>
       <dsp:txBody>
-        <a:bodyPr spcFirstLastPara="0" vert="horz" wrap="square" lIns="57150" tIns="57150" rIns="57150" bIns="57150" numCol="1" spcCol="1270" anchor="ctr" anchorCtr="0">
+        <a:bodyPr spcFirstLastPara="0" vert="horz" wrap="square" lIns="50800" tIns="50800" rIns="50800" bIns="50800" numCol="1" spcCol="1270" anchor="ctr" anchorCtr="0">
           <a:noAutofit/>
         </a:bodyPr>
         <a:lstStyle/>
         <a:p>
-          <a:pPr marL="0" lvl="0" indent="0" algn="ctr" defTabSz="666750">
+          <a:pPr marL="0" lvl="0" indent="0" algn="ctr" defTabSz="889000">
             <a:lnSpc>
               <a:spcPct val="90000"/>
             </a:lnSpc>
@@ -15269,170 +15411,28 @@
             <a:buNone/>
           </a:pPr>
           <a:r>
-            <a:rPr lang="en-US" sz="1500" kern="1200" dirty="0"/>
-            <a:t>UI-Modal</a:t>
+            <a:rPr lang="en-US" sz="2000" kern="1200" dirty="0"/>
+            <a:t>Service Factory</a:t>
           </a:r>
         </a:p>
       </dsp:txBody>
       <dsp:txXfrm>
-        <a:off x="60459" y="203123"/>
-        <a:ext cx="1617291" cy="1096451"/>
+        <a:off x="2829884" y="1358032"/>
+        <a:ext cx="2182540" cy="1026555"/>
       </dsp:txXfrm>
     </dsp:sp>
-    <dsp:sp modelId="{857782CE-9EF5-482D-A255-FA6435D36FD4}">
+    <dsp:sp modelId="{931F0AFC-CABD-4C87-8997-1828274455EA}">
       <dsp:nvSpPr>
         <dsp:cNvPr id="0" name=""/>
         <dsp:cNvSpPr/>
       </dsp:nvSpPr>
       <dsp:spPr>
         <a:xfrm>
-          <a:off x="1835716" y="209135"/>
-          <a:ext cx="2507686" cy="982101"/>
-        </a:xfrm>
-        <a:prstGeom prst="rect">
-          <a:avLst/>
-        </a:prstGeom>
-        <a:noFill/>
-        <a:ln>
-          <a:noFill/>
-        </a:ln>
-        <a:effectLst/>
-      </dsp:spPr>
-      <dsp:style>
-        <a:lnRef idx="0">
-          <a:scrgbClr r="0" g="0" b="0"/>
-        </a:lnRef>
-        <a:fillRef idx="0">
-          <a:scrgbClr r="0" g="0" b="0"/>
-        </a:fillRef>
-        <a:effectRef idx="0">
-          <a:scrgbClr r="0" g="0" b="0"/>
-        </a:effectRef>
-        <a:fontRef idx="minor"/>
-      </dsp:style>
-      <dsp:txBody>
-        <a:bodyPr spcFirstLastPara="0" vert="horz" wrap="square" lIns="60960" tIns="60960" rIns="60960" bIns="60960" numCol="1" spcCol="1270" anchor="ctr" anchorCtr="0">
-          <a:noAutofit/>
-        </a:bodyPr>
-        <a:lstStyle/>
-        <a:p>
-          <a:pPr marL="171450" lvl="1" indent="-171450" algn="l" defTabSz="711200">
-            <a:lnSpc>
-              <a:spcPct val="90000"/>
-            </a:lnSpc>
-            <a:spcBef>
-              <a:spcPct val="0"/>
-            </a:spcBef>
-            <a:spcAft>
-              <a:spcPct val="15000"/>
-            </a:spcAft>
-            <a:buChar char="•"/>
-          </a:pPr>
-          <a:r>
-            <a:rPr lang="en-US" sz="1600" kern="1200" dirty="0" err="1"/>
-            <a:t>ParticipantService</a:t>
-          </a:r>
-          <a:endParaRPr lang="en-US" sz="1600" kern="1200" dirty="0"/>
-        </a:p>
-        <a:p>
-          <a:pPr marL="171450" lvl="1" indent="-171450" algn="l" defTabSz="711200">
-            <a:lnSpc>
-              <a:spcPct val="90000"/>
-            </a:lnSpc>
-            <a:spcBef>
-              <a:spcPct val="0"/>
-            </a:spcBef>
-            <a:spcAft>
-              <a:spcPct val="15000"/>
-            </a:spcAft>
-            <a:buChar char="•"/>
-          </a:pPr>
-          <a:r>
-            <a:rPr lang="en-US" sz="1600" kern="1200" dirty="0"/>
-            <a:t> </a:t>
-          </a:r>
-          <a:r>
-            <a:rPr lang="en-US" sz="1600" kern="1200" dirty="0" err="1"/>
-            <a:t>listParticipants</a:t>
-          </a:r>
-          <a:r>
-            <a:rPr lang="en-US" sz="1600" kern="1200" dirty="0"/>
-            <a:t>()</a:t>
-          </a:r>
-        </a:p>
-      </dsp:txBody>
-      <dsp:txXfrm>
-        <a:off x="1835716" y="209135"/>
-        <a:ext cx="2507686" cy="982101"/>
-      </dsp:txXfrm>
-    </dsp:sp>
-    <dsp:sp modelId="{21A1E052-E114-4EA0-B477-C4B9BC555325}">
-      <dsp:nvSpPr>
-        <dsp:cNvPr id="0" name=""/>
-        <dsp:cNvSpPr/>
-      </dsp:nvSpPr>
-      <dsp:spPr>
-        <a:xfrm rot="5400000">
-          <a:off x="2012453" y="2651874"/>
-          <a:ext cx="1031207" cy="1173992"/>
-        </a:xfrm>
-        <a:prstGeom prst="bentUpArrow">
-          <a:avLst>
-            <a:gd name="adj1" fmla="val 32840"/>
-            <a:gd name="adj2" fmla="val 25000"/>
-            <a:gd name="adj3" fmla="val 35780"/>
-          </a:avLst>
-        </a:prstGeom>
-        <a:solidFill>
-          <a:schemeClr val="accent1">
-            <a:tint val="50000"/>
-            <a:hueOff val="-5477354"/>
-            <a:satOff val="-68862"/>
-            <a:lumOff val="4878"/>
-            <a:alphaOff val="0"/>
-          </a:schemeClr>
-        </a:solidFill>
-        <a:ln w="12700" cap="flat" cmpd="sng" algn="ctr">
-          <a:solidFill>
-            <a:schemeClr val="lt1">
-              <a:hueOff val="0"/>
-              <a:satOff val="0"/>
-              <a:lumOff val="0"/>
-              <a:alphaOff val="0"/>
-            </a:schemeClr>
-          </a:solidFill>
-          <a:prstDash val="solid"/>
-          <a:miter lim="800000"/>
-        </a:ln>
-        <a:effectLst/>
-      </dsp:spPr>
-      <dsp:style>
-        <a:lnRef idx="2">
-          <a:scrgbClr r="0" g="0" b="0"/>
-        </a:lnRef>
-        <a:fillRef idx="1">
-          <a:scrgbClr r="0" g="0" b="0"/>
-        </a:fillRef>
-        <a:effectRef idx="0">
-          <a:scrgbClr r="0" g="0" b="0"/>
-        </a:effectRef>
-        <a:fontRef idx="minor"/>
-      </dsp:style>
-    </dsp:sp>
-    <dsp:sp modelId="{13590236-58B0-4B42-ACBA-1FD26B32FBB5}">
-      <dsp:nvSpPr>
-        <dsp:cNvPr id="0" name=""/>
-        <dsp:cNvSpPr/>
-      </dsp:nvSpPr>
-      <dsp:spPr>
-        <a:xfrm>
-          <a:off x="1739246" y="1508761"/>
-          <a:ext cx="1735945" cy="1215105"/>
+          <a:off x="3413265" y="11669"/>
+          <a:ext cx="1076672" cy="762207"/>
         </a:xfrm>
         <a:prstGeom prst="roundRect">
-          <a:avLst>
-            <a:gd name="adj" fmla="val 16670"/>
-          </a:avLst>
+          <a:avLst/>
         </a:prstGeom>
         <a:solidFill>
           <a:schemeClr val="accent3">
@@ -15471,12 +15471,12 @@
         </a:fontRef>
       </dsp:style>
       <dsp:txBody>
-        <a:bodyPr spcFirstLastPara="0" vert="horz" wrap="square" lIns="57150" tIns="57150" rIns="57150" bIns="57150" numCol="1" spcCol="1270" anchor="ctr" anchorCtr="0">
+        <a:bodyPr spcFirstLastPara="0" vert="horz" wrap="square" lIns="35560" tIns="35560" rIns="35560" bIns="35560" numCol="1" spcCol="1270" anchor="ctr" anchorCtr="0">
           <a:noAutofit/>
         </a:bodyPr>
         <a:lstStyle/>
         <a:p>
-          <a:pPr marL="0" lvl="0" indent="0" algn="ctr" defTabSz="666750">
+          <a:pPr marL="0" lvl="0" indent="0" algn="ctr" defTabSz="622300">
             <a:lnSpc>
               <a:spcPct val="90000"/>
             </a:lnSpc>
@@ -15489,38 +15489,136 @@
             <a:buNone/>
           </a:pPr>
           <a:r>
-            <a:rPr lang="en-US" sz="1500" kern="1200" dirty="0" err="1"/>
-            <a:t>ParticipantService</a:t>
+            <a:rPr lang="en-US" sz="1400" b="1" kern="1200" dirty="0"/>
+            <a:t>UI-Model</a:t>
           </a:r>
-          <a:endParaRPr lang="en-US" sz="1500" kern="1200" dirty="0"/>
         </a:p>
       </dsp:txBody>
       <dsp:txXfrm>
-        <a:off x="1798573" y="1568088"/>
-        <a:ext cx="1617291" cy="1096451"/>
+        <a:off x="3450473" y="48877"/>
+        <a:ext cx="1002256" cy="687791"/>
       </dsp:txXfrm>
     </dsp:sp>
-    <dsp:sp modelId="{ADD4E4F7-3CBE-44AD-B10D-0399B1029DA3}">
+    <dsp:sp modelId="{C7BD3B65-A658-4171-9926-97856AFFC483}">
       <dsp:nvSpPr>
         <dsp:cNvPr id="0" name=""/>
         <dsp:cNvSpPr/>
       </dsp:nvSpPr>
       <dsp:spPr>
         <a:xfrm>
-          <a:off x="3540807" y="1599271"/>
-          <a:ext cx="1640799" cy="982101"/>
+          <a:off x="5260299" y="3176150"/>
+          <a:ext cx="1676621" cy="762207"/>
         </a:xfrm>
-        <a:prstGeom prst="rect">
+        <a:prstGeom prst="roundRect">
           <a:avLst/>
         </a:prstGeom>
-        <a:noFill/>
-        <a:ln>
-          <a:noFill/>
+        <a:solidFill>
+          <a:schemeClr val="accent4">
+            <a:lumMod val="75000"/>
+          </a:schemeClr>
+        </a:solidFill>
+        <a:ln w="12700" cap="flat" cmpd="sng" algn="ctr">
+          <a:solidFill>
+            <a:schemeClr val="lt1">
+              <a:hueOff val="0"/>
+              <a:satOff val="0"/>
+              <a:lumOff val="0"/>
+              <a:alphaOff val="0"/>
+            </a:schemeClr>
+          </a:solidFill>
+          <a:prstDash val="solid"/>
+          <a:miter lim="800000"/>
         </a:ln>
         <a:effectLst/>
       </dsp:spPr>
       <dsp:style>
-        <a:lnRef idx="0">
+        <a:lnRef idx="2">
+          <a:scrgbClr r="0" g="0" b="0"/>
+        </a:lnRef>
+        <a:fillRef idx="1">
+          <a:scrgbClr r="0" g="0" b="0"/>
+        </a:fillRef>
+        <a:effectRef idx="0">
+          <a:scrgbClr r="0" g="0" b="0"/>
+        </a:effectRef>
+        <a:fontRef idx="minor">
+          <a:schemeClr val="lt1"/>
+        </a:fontRef>
+      </dsp:style>
+      <dsp:txBody>
+        <a:bodyPr spcFirstLastPara="0" vert="horz" wrap="square" lIns="35560" tIns="35560" rIns="35560" bIns="35560" numCol="1" spcCol="1270" anchor="ctr" anchorCtr="0">
+          <a:noAutofit/>
+        </a:bodyPr>
+        <a:lstStyle/>
+        <a:p>
+          <a:pPr marL="0" lvl="0" indent="0" algn="ctr" defTabSz="622300">
+            <a:lnSpc>
+              <a:spcPct val="90000"/>
+            </a:lnSpc>
+            <a:spcBef>
+              <a:spcPct val="0"/>
+            </a:spcBef>
+            <a:spcAft>
+              <a:spcPct val="35000"/>
+            </a:spcAft>
+            <a:buNone/>
+          </a:pPr>
+          <a:r>
+            <a:rPr lang="en-US" sz="1400" kern="1200" dirty="0" err="1"/>
+            <a:t>ParticipantService</a:t>
+          </a:r>
+          <a:endParaRPr lang="en-US" sz="1400" kern="1200" dirty="0"/>
+        </a:p>
+      </dsp:txBody>
+      <dsp:txXfrm>
+        <a:off x="5297507" y="3213358"/>
+        <a:ext cx="1602205" cy="687791"/>
+      </dsp:txXfrm>
+    </dsp:sp>
+    <dsp:sp modelId="{30544185-3D79-4597-AA1C-AAE1A22E0024}">
+      <dsp:nvSpPr>
+        <dsp:cNvPr id="0" name=""/>
+        <dsp:cNvSpPr/>
+      </dsp:nvSpPr>
+      <dsp:spPr>
+        <a:xfrm rot="3627246">
+          <a:off x="6111877" y="4286346"/>
+          <a:ext cx="800008" cy="0"/>
+        </a:xfrm>
+        <a:custGeom>
+          <a:avLst/>
+          <a:gdLst/>
+          <a:ahLst/>
+          <a:cxnLst/>
+          <a:rect l="0" t="0" r="0" b="0"/>
+          <a:pathLst>
+            <a:path>
+              <a:moveTo>
+                <a:pt x="0" y="0"/>
+              </a:moveTo>
+              <a:lnTo>
+                <a:pt x="800008" y="0"/>
+              </a:lnTo>
+            </a:path>
+          </a:pathLst>
+        </a:custGeom>
+        <a:noFill/>
+        <a:ln w="12700" cap="flat" cmpd="sng" algn="ctr">
+          <a:solidFill>
+            <a:schemeClr val="accent3">
+              <a:hueOff val="0"/>
+              <a:satOff val="0"/>
+              <a:lumOff val="0"/>
+              <a:alphaOff val="0"/>
+            </a:schemeClr>
+          </a:solidFill>
+          <a:prstDash val="solid"/>
+          <a:miter lim="800000"/>
+        </a:ln>
+        <a:effectLst/>
+      </dsp:spPr>
+      <dsp:style>
+        <a:lnRef idx="2">
           <a:scrgbClr r="0" g="0" b="0"/>
         </a:lnRef>
         <a:fillRef idx="0">
@@ -15531,75 +15629,22 @@
         </a:effectRef>
         <a:fontRef idx="minor"/>
       </dsp:style>
-      <dsp:txBody>
-        <a:bodyPr spcFirstLastPara="0" vert="horz" wrap="square" lIns="60960" tIns="60960" rIns="60960" bIns="60960" numCol="1" spcCol="1270" anchor="ctr" anchorCtr="0">
-          <a:noAutofit/>
-        </a:bodyPr>
-        <a:lstStyle/>
-        <a:p>
-          <a:pPr marL="171450" lvl="1" indent="-171450" algn="l" defTabSz="711200">
-            <a:lnSpc>
-              <a:spcPct val="90000"/>
-            </a:lnSpc>
-            <a:spcBef>
-              <a:spcPct val="0"/>
-            </a:spcBef>
-            <a:spcAft>
-              <a:spcPct val="15000"/>
-            </a:spcAft>
-            <a:buChar char="•"/>
-          </a:pPr>
-          <a:r>
-            <a:rPr lang="en-US" sz="1600" kern="1200" dirty="0" err="1"/>
-            <a:t>ParticipantDAL</a:t>
-          </a:r>
-          <a:endParaRPr lang="en-US" sz="1600" kern="1200" dirty="0"/>
-        </a:p>
-        <a:p>
-          <a:pPr marL="171450" lvl="1" indent="-171450" algn="l" defTabSz="711200">
-            <a:lnSpc>
-              <a:spcPct val="90000"/>
-            </a:lnSpc>
-            <a:spcBef>
-              <a:spcPct val="0"/>
-            </a:spcBef>
-            <a:spcAft>
-              <a:spcPct val="15000"/>
-            </a:spcAft>
-            <a:buChar char="•"/>
-          </a:pPr>
-          <a:r>
-            <a:rPr lang="en-US" sz="1600" kern="1200" dirty="0" err="1"/>
-            <a:t>listParticipant</a:t>
-          </a:r>
-          <a:r>
-            <a:rPr lang="en-US" sz="1600" kern="1200" dirty="0"/>
-            <a:t>()</a:t>
-          </a:r>
-        </a:p>
-      </dsp:txBody>
-      <dsp:txXfrm>
-        <a:off x="3540807" y="1599271"/>
-        <a:ext cx="1640799" cy="982101"/>
-      </dsp:txXfrm>
     </dsp:sp>
-    <dsp:sp modelId="{2FFD8078-1D1E-4CD7-9E4C-F8734B094FCC}">
+    <dsp:sp modelId="{1417C9D0-0C0D-47F6-9ADE-BF8BF541D001}">
       <dsp:nvSpPr>
         <dsp:cNvPr id="0" name=""/>
         <dsp:cNvSpPr/>
       </dsp:nvSpPr>
       <dsp:spPr>
         <a:xfrm>
-          <a:off x="3477359" y="2873725"/>
-          <a:ext cx="1735945" cy="1215105"/>
+          <a:off x="6391855" y="4634334"/>
+          <a:ext cx="1066595" cy="762207"/>
         </a:xfrm>
         <a:prstGeom prst="roundRect">
-          <a:avLst>
-            <a:gd name="adj" fmla="val 16670"/>
-          </a:avLst>
+          <a:avLst/>
         </a:prstGeom>
         <a:solidFill>
-          <a:schemeClr val="accent4">
+          <a:schemeClr val="accent5">
             <a:hueOff val="0"/>
             <a:satOff val="0"/>
             <a:lumOff val="0"/>
@@ -15635,12 +15680,12 @@
         </a:fontRef>
       </dsp:style>
       <dsp:txBody>
-        <a:bodyPr spcFirstLastPara="0" vert="horz" wrap="square" lIns="57150" tIns="57150" rIns="57150" bIns="57150" numCol="1" spcCol="1270" anchor="ctr" anchorCtr="0">
+        <a:bodyPr spcFirstLastPara="0" vert="horz" wrap="square" lIns="35560" tIns="35560" rIns="35560" bIns="35560" numCol="1" spcCol="1270" anchor="ctr" anchorCtr="0">
           <a:noAutofit/>
         </a:bodyPr>
         <a:lstStyle/>
         <a:p>
-          <a:pPr marL="0" lvl="0" indent="0" algn="ctr" defTabSz="666750">
+          <a:pPr marL="0" lvl="0" indent="0" algn="ctr" defTabSz="622300">
             <a:lnSpc>
               <a:spcPct val="90000"/>
             </a:lnSpc>
@@ -15653,38 +15698,61 @@
             <a:buNone/>
           </a:pPr>
           <a:r>
-            <a:rPr lang="en-US" sz="1500" kern="1200" dirty="0" err="1"/>
-            <a:t>ParticipantDAL</a:t>
+            <a:rPr lang="en-US" sz="1400" kern="1200" dirty="0" err="1"/>
+            <a:t>OtherDAL</a:t>
           </a:r>
-          <a:endParaRPr lang="en-US" sz="1500" kern="1200" dirty="0"/>
+          <a:endParaRPr lang="en-US" sz="1400" kern="1200" dirty="0"/>
         </a:p>
       </dsp:txBody>
       <dsp:txXfrm>
-        <a:off x="3536686" y="2933052"/>
-        <a:ext cx="1617291" cy="1096451"/>
+        <a:off x="6429063" y="4671542"/>
+        <a:ext cx="992179" cy="687791"/>
       </dsp:txXfrm>
     </dsp:sp>
-    <dsp:sp modelId="{98D06650-83AE-4CB7-AAB9-E6D83F1A3F8F}">
+    <dsp:sp modelId="{BE40EC45-9D70-458A-823C-D37069004C48}">
       <dsp:nvSpPr>
         <dsp:cNvPr id="0" name=""/>
         <dsp:cNvSpPr/>
       </dsp:nvSpPr>
       <dsp:spPr>
-        <a:xfrm>
-          <a:off x="5213305" y="2989613"/>
-          <a:ext cx="1262561" cy="982101"/>
+        <a:xfrm rot="6753670">
+          <a:off x="5418867" y="4286349"/>
+          <a:ext cx="753658" cy="0"/>
         </a:xfrm>
-        <a:prstGeom prst="rect">
+        <a:custGeom>
           <a:avLst/>
-        </a:prstGeom>
+          <a:gdLst/>
+          <a:ahLst/>
+          <a:cxnLst/>
+          <a:rect l="0" t="0" r="0" b="0"/>
+          <a:pathLst>
+            <a:path>
+              <a:moveTo>
+                <a:pt x="0" y="0"/>
+              </a:moveTo>
+              <a:lnTo>
+                <a:pt x="753658" y="0"/>
+              </a:lnTo>
+            </a:path>
+          </a:pathLst>
+        </a:custGeom>
         <a:noFill/>
-        <a:ln>
-          <a:noFill/>
+        <a:ln w="12700" cap="flat" cmpd="sng" algn="ctr">
+          <a:solidFill>
+            <a:schemeClr val="accent3">
+              <a:hueOff val="0"/>
+              <a:satOff val="0"/>
+              <a:lumOff val="0"/>
+              <a:alphaOff val="0"/>
+            </a:schemeClr>
+          </a:solidFill>
+          <a:prstDash val="solid"/>
+          <a:miter lim="800000"/>
         </a:ln>
         <a:effectLst/>
       </dsp:spPr>
       <dsp:style>
-        <a:lnRef idx="0">
+        <a:lnRef idx="2">
           <a:scrgbClr r="0" g="0" b="0"/>
         </a:lnRef>
         <a:fillRef idx="0">
@@ -15695,13 +15763,60 @@
         </a:effectRef>
         <a:fontRef idx="minor"/>
       </dsp:style>
+    </dsp:sp>
+    <dsp:sp modelId="{E0FC7542-81EA-4CDC-A1E2-52CD3151F316}">
+      <dsp:nvSpPr>
+        <dsp:cNvPr id="0" name=""/>
+        <dsp:cNvSpPr/>
+      </dsp:nvSpPr>
+      <dsp:spPr>
+        <a:xfrm>
+          <a:off x="4818130" y="4634339"/>
+          <a:ext cx="1349306" cy="762207"/>
+        </a:xfrm>
+        <a:prstGeom prst="roundRect">
+          <a:avLst/>
+        </a:prstGeom>
+        <a:solidFill>
+          <a:schemeClr val="accent1">
+            <a:lumMod val="75000"/>
+          </a:schemeClr>
+        </a:solidFill>
+        <a:ln w="12700" cap="flat" cmpd="sng" algn="ctr">
+          <a:solidFill>
+            <a:schemeClr val="lt1">
+              <a:hueOff val="0"/>
+              <a:satOff val="0"/>
+              <a:lumOff val="0"/>
+              <a:alphaOff val="0"/>
+            </a:schemeClr>
+          </a:solidFill>
+          <a:prstDash val="solid"/>
+          <a:miter lim="800000"/>
+        </a:ln>
+        <a:effectLst/>
+      </dsp:spPr>
+      <dsp:style>
+        <a:lnRef idx="2">
+          <a:scrgbClr r="0" g="0" b="0"/>
+        </a:lnRef>
+        <a:fillRef idx="1">
+          <a:scrgbClr r="0" g="0" b="0"/>
+        </a:fillRef>
+        <a:effectRef idx="0">
+          <a:scrgbClr r="0" g="0" b="0"/>
+        </a:effectRef>
+        <a:fontRef idx="minor">
+          <a:schemeClr val="lt1"/>
+        </a:fontRef>
+      </dsp:style>
       <dsp:txBody>
-        <a:bodyPr spcFirstLastPara="0" vert="horz" wrap="square" lIns="87630" tIns="87630" rIns="87630" bIns="87630" numCol="1" spcCol="1270" anchor="ctr" anchorCtr="0">
+        <a:bodyPr spcFirstLastPara="0" vert="horz" wrap="square" lIns="35560" tIns="35560" rIns="35560" bIns="35560" numCol="1" spcCol="1270" anchor="ctr" anchorCtr="0">
           <a:noAutofit/>
         </a:bodyPr>
         <a:lstStyle/>
         <a:p>
-          <a:pPr marL="171450" lvl="1" indent="-171450" algn="l" defTabSz="800100">
+          <a:pPr marL="0" lvl="0" indent="0" algn="ctr" defTabSz="622300">
             <a:lnSpc>
               <a:spcPct val="90000"/>
             </a:lnSpc>
@@ -15709,19 +15824,357 @@
               <a:spcPct val="0"/>
             </a:spcBef>
             <a:spcAft>
-              <a:spcPct val="15000"/>
+              <a:spcPct val="35000"/>
             </a:spcAft>
-            <a:buChar char="•"/>
+            <a:buNone/>
           </a:pPr>
           <a:r>
-            <a:rPr lang="en-US" sz="1800" kern="1200" dirty="0"/>
-            <a:t>Database</a:t>
+            <a:rPr lang="en-US" sz="1400" kern="1200" dirty="0" err="1"/>
+            <a:t>ParticipantDAL</a:t>
+          </a:r>
+          <a:endParaRPr lang="en-US" sz="1400" kern="1200" dirty="0"/>
+        </a:p>
+      </dsp:txBody>
+      <dsp:txXfrm>
+        <a:off x="4855338" y="4671547"/>
+        <a:ext cx="1274890" cy="687791"/>
+      </dsp:txXfrm>
+    </dsp:sp>
+    <dsp:sp modelId="{5086B03C-8A4C-4146-892A-3607E0D0784A}">
+      <dsp:nvSpPr>
+        <dsp:cNvPr id="0" name=""/>
+        <dsp:cNvSpPr/>
+      </dsp:nvSpPr>
+      <dsp:spPr>
+        <a:xfrm rot="10275385">
+          <a:off x="4471759" y="3746471"/>
+          <a:ext cx="793149" cy="0"/>
+        </a:xfrm>
+        <a:custGeom>
+          <a:avLst/>
+          <a:gdLst/>
+          <a:ahLst/>
+          <a:cxnLst/>
+          <a:rect l="0" t="0" r="0" b="0"/>
+          <a:pathLst>
+            <a:path>
+              <a:moveTo>
+                <a:pt x="0" y="0"/>
+              </a:moveTo>
+              <a:lnTo>
+                <a:pt x="793149" y="0"/>
+              </a:lnTo>
+            </a:path>
+          </a:pathLst>
+        </a:custGeom>
+        <a:noFill/>
+        <a:ln w="12700" cap="flat" cmpd="sng" algn="ctr">
+          <a:solidFill>
+            <a:schemeClr val="accent3">
+              <a:hueOff val="0"/>
+              <a:satOff val="0"/>
+              <a:lumOff val="0"/>
+              <a:alphaOff val="0"/>
+            </a:schemeClr>
+          </a:solidFill>
+          <a:prstDash val="solid"/>
+          <a:miter lim="800000"/>
+        </a:ln>
+        <a:effectLst/>
+      </dsp:spPr>
+      <dsp:style>
+        <a:lnRef idx="2">
+          <a:scrgbClr r="0" g="0" b="0"/>
+        </a:lnRef>
+        <a:fillRef idx="0">
+          <a:scrgbClr r="0" g="0" b="0"/>
+        </a:fillRef>
+        <a:effectRef idx="0">
+          <a:scrgbClr r="0" g="0" b="0"/>
+        </a:effectRef>
+        <a:fontRef idx="minor"/>
+      </dsp:style>
+    </dsp:sp>
+    <dsp:sp modelId="{2F4F44BE-3A73-445E-8E95-31F0F5C677CB}">
+      <dsp:nvSpPr>
+        <dsp:cNvPr id="0" name=""/>
+        <dsp:cNvSpPr/>
+      </dsp:nvSpPr>
+      <dsp:spPr>
+        <a:xfrm>
+          <a:off x="3343650" y="3512757"/>
+          <a:ext cx="1132717" cy="762207"/>
+        </a:xfrm>
+        <a:prstGeom prst="roundRect">
+          <a:avLst/>
+        </a:prstGeom>
+        <a:solidFill>
+          <a:schemeClr val="accent4">
+            <a:lumMod val="75000"/>
+          </a:schemeClr>
+        </a:solidFill>
+        <a:ln w="12700" cap="flat" cmpd="sng" algn="ctr">
+          <a:solidFill>
+            <a:schemeClr val="lt1">
+              <a:hueOff val="0"/>
+              <a:satOff val="0"/>
+              <a:lumOff val="0"/>
+              <a:alphaOff val="0"/>
+            </a:schemeClr>
+          </a:solidFill>
+          <a:prstDash val="solid"/>
+          <a:miter lim="800000"/>
+        </a:ln>
+        <a:effectLst/>
+      </dsp:spPr>
+      <dsp:style>
+        <a:lnRef idx="2">
+          <a:scrgbClr r="0" g="0" b="0"/>
+        </a:lnRef>
+        <a:fillRef idx="1">
+          <a:scrgbClr r="0" g="0" b="0"/>
+        </a:fillRef>
+        <a:effectRef idx="0">
+          <a:scrgbClr r="0" g="0" b="0"/>
+        </a:effectRef>
+        <a:fontRef idx="minor">
+          <a:schemeClr val="lt1"/>
+        </a:fontRef>
+      </dsp:style>
+      <dsp:txBody>
+        <a:bodyPr spcFirstLastPara="0" vert="horz" wrap="square" lIns="30480" tIns="30480" rIns="30480" bIns="30480" numCol="1" spcCol="1270" anchor="ctr" anchorCtr="0">
+          <a:noAutofit/>
+        </a:bodyPr>
+        <a:lstStyle/>
+        <a:p>
+          <a:pPr marL="0" lvl="0" indent="0" algn="ctr" defTabSz="533400">
+            <a:lnSpc>
+              <a:spcPct val="90000"/>
+            </a:lnSpc>
+            <a:spcBef>
+              <a:spcPct val="0"/>
+            </a:spcBef>
+            <a:spcAft>
+              <a:spcPct val="35000"/>
+            </a:spcAft>
+            <a:buNone/>
+          </a:pPr>
+          <a:r>
+            <a:rPr lang="en-US" sz="1200" kern="1200" dirty="0"/>
+            <a:t>Validation</a:t>
           </a:r>
         </a:p>
       </dsp:txBody>
       <dsp:txXfrm>
-        <a:off x="5213305" y="2989613"/>
-        <a:ext cx="1262561" cy="982101"/>
+        <a:off x="3380858" y="3549965"/>
+        <a:ext cx="1058301" cy="687791"/>
+      </dsp:txXfrm>
+    </dsp:sp>
+    <dsp:sp modelId="{746B77A9-9790-4C8D-8C2C-5B3E397CF404}">
+      <dsp:nvSpPr>
+        <dsp:cNvPr id="0" name=""/>
+        <dsp:cNvSpPr/>
+      </dsp:nvSpPr>
+      <dsp:spPr>
+        <a:xfrm>
+          <a:off x="1175641" y="3188889"/>
+          <a:ext cx="1362766" cy="762207"/>
+        </a:xfrm>
+        <a:prstGeom prst="roundRect">
+          <a:avLst/>
+        </a:prstGeom>
+        <a:solidFill>
+          <a:schemeClr val="accent4">
+            <a:lumMod val="75000"/>
+          </a:schemeClr>
+        </a:solidFill>
+        <a:ln w="12700" cap="flat" cmpd="sng" algn="ctr">
+          <a:solidFill>
+            <a:schemeClr val="lt1">
+              <a:hueOff val="0"/>
+              <a:satOff val="0"/>
+              <a:lumOff val="0"/>
+              <a:alphaOff val="0"/>
+            </a:schemeClr>
+          </a:solidFill>
+          <a:prstDash val="solid"/>
+          <a:miter lim="800000"/>
+        </a:ln>
+        <a:effectLst/>
+      </dsp:spPr>
+      <dsp:style>
+        <a:lnRef idx="2">
+          <a:scrgbClr r="0" g="0" b="0"/>
+        </a:lnRef>
+        <a:fillRef idx="1">
+          <a:scrgbClr r="0" g="0" b="0"/>
+        </a:fillRef>
+        <a:effectRef idx="0">
+          <a:scrgbClr r="0" g="0" b="0"/>
+        </a:effectRef>
+        <a:fontRef idx="minor">
+          <a:schemeClr val="lt1"/>
+        </a:fontRef>
+      </dsp:style>
+      <dsp:txBody>
+        <a:bodyPr spcFirstLastPara="0" vert="horz" wrap="square" lIns="35560" tIns="35560" rIns="35560" bIns="35560" numCol="1" spcCol="1270" anchor="ctr" anchorCtr="0">
+          <a:noAutofit/>
+        </a:bodyPr>
+        <a:lstStyle/>
+        <a:p>
+          <a:pPr marL="0" lvl="0" indent="0" algn="ctr" defTabSz="622300">
+            <a:lnSpc>
+              <a:spcPct val="90000"/>
+            </a:lnSpc>
+            <a:spcBef>
+              <a:spcPct val="0"/>
+            </a:spcBef>
+            <a:spcAft>
+              <a:spcPct val="35000"/>
+            </a:spcAft>
+            <a:buNone/>
+          </a:pPr>
+          <a:r>
+            <a:rPr lang="en-US" sz="1400" kern="1200" dirty="0" err="1"/>
+            <a:t>LectureService</a:t>
+          </a:r>
+          <a:endParaRPr lang="en-US" sz="1400" kern="1200" dirty="0"/>
+        </a:p>
+      </dsp:txBody>
+      <dsp:txXfrm>
+        <a:off x="1212849" y="3226097"/>
+        <a:ext cx="1288350" cy="687791"/>
+      </dsp:txXfrm>
+    </dsp:sp>
+    <dsp:sp modelId="{819724BE-D2AD-440E-9667-338BFC30A3A1}">
+      <dsp:nvSpPr>
+        <dsp:cNvPr id="0" name=""/>
+        <dsp:cNvSpPr/>
+      </dsp:nvSpPr>
+      <dsp:spPr>
+        <a:xfrm rot="3904051">
+          <a:off x="1809665" y="4303072"/>
+          <a:ext cx="776297" cy="0"/>
+        </a:xfrm>
+        <a:custGeom>
+          <a:avLst/>
+          <a:gdLst/>
+          <a:ahLst/>
+          <a:cxnLst/>
+          <a:rect l="0" t="0" r="0" b="0"/>
+          <a:pathLst>
+            <a:path>
+              <a:moveTo>
+                <a:pt x="0" y="0"/>
+              </a:moveTo>
+              <a:lnTo>
+                <a:pt x="776297" y="0"/>
+              </a:lnTo>
+            </a:path>
+          </a:pathLst>
+        </a:custGeom>
+        <a:noFill/>
+        <a:ln w="12700" cap="flat" cmpd="sng" algn="ctr">
+          <a:solidFill>
+            <a:schemeClr val="accent3">
+              <a:hueOff val="0"/>
+              <a:satOff val="0"/>
+              <a:lumOff val="0"/>
+              <a:alphaOff val="0"/>
+            </a:schemeClr>
+          </a:solidFill>
+          <a:prstDash val="solid"/>
+          <a:miter lim="800000"/>
+        </a:ln>
+        <a:effectLst/>
+      </dsp:spPr>
+      <dsp:style>
+        <a:lnRef idx="2">
+          <a:scrgbClr r="0" g="0" b="0"/>
+        </a:lnRef>
+        <a:fillRef idx="0">
+          <a:scrgbClr r="0" g="0" b="0"/>
+        </a:fillRef>
+        <a:effectRef idx="0">
+          <a:scrgbClr r="0" g="0" b="0"/>
+        </a:effectRef>
+        <a:fontRef idx="minor"/>
+      </dsp:style>
+    </dsp:sp>
+    <dsp:sp modelId="{0BF2BC5F-9205-41B0-948B-04C6BEAF1321}">
+      <dsp:nvSpPr>
+        <dsp:cNvPr id="0" name=""/>
+        <dsp:cNvSpPr/>
+      </dsp:nvSpPr>
+      <dsp:spPr>
+        <a:xfrm>
+          <a:off x="1962020" y="4655048"/>
+          <a:ext cx="1153167" cy="762207"/>
+        </a:xfrm>
+        <a:prstGeom prst="roundRect">
+          <a:avLst/>
+        </a:prstGeom>
+        <a:solidFill>
+          <a:schemeClr val="accent1">
+            <a:lumMod val="75000"/>
+          </a:schemeClr>
+        </a:solidFill>
+        <a:ln w="12700" cap="flat" cmpd="sng" algn="ctr">
+          <a:solidFill>
+            <a:schemeClr val="lt1">
+              <a:hueOff val="0"/>
+              <a:satOff val="0"/>
+              <a:lumOff val="0"/>
+              <a:alphaOff val="0"/>
+            </a:schemeClr>
+          </a:solidFill>
+          <a:prstDash val="solid"/>
+          <a:miter lim="800000"/>
+        </a:ln>
+        <a:effectLst/>
+      </dsp:spPr>
+      <dsp:style>
+        <a:lnRef idx="2">
+          <a:scrgbClr r="0" g="0" b="0"/>
+        </a:lnRef>
+        <a:fillRef idx="1">
+          <a:scrgbClr r="0" g="0" b="0"/>
+        </a:fillRef>
+        <a:effectRef idx="0">
+          <a:scrgbClr r="0" g="0" b="0"/>
+        </a:effectRef>
+        <a:fontRef idx="minor">
+          <a:schemeClr val="lt1"/>
+        </a:fontRef>
+      </dsp:style>
+      <dsp:txBody>
+        <a:bodyPr spcFirstLastPara="0" vert="horz" wrap="square" lIns="35560" tIns="35560" rIns="35560" bIns="35560" numCol="1" spcCol="1270" anchor="ctr" anchorCtr="0">
+          <a:noAutofit/>
+        </a:bodyPr>
+        <a:lstStyle/>
+        <a:p>
+          <a:pPr marL="0" lvl="0" indent="0" algn="ctr" defTabSz="622300">
+            <a:lnSpc>
+              <a:spcPct val="90000"/>
+            </a:lnSpc>
+            <a:spcBef>
+              <a:spcPct val="0"/>
+            </a:spcBef>
+            <a:spcAft>
+              <a:spcPct val="35000"/>
+            </a:spcAft>
+            <a:buNone/>
+          </a:pPr>
+          <a:r>
+            <a:rPr lang="en-US" sz="1400" kern="1200" dirty="0" err="1"/>
+            <a:t>LectureDAL</a:t>
+          </a:r>
+          <a:endParaRPr lang="en-US" sz="1400" kern="1200" dirty="0"/>
+        </a:p>
+      </dsp:txBody>
+      <dsp:txXfrm>
+        <a:off x="1999228" y="4692256"/>
+        <a:ext cx="1078751" cy="687791"/>
       </dsp:txXfrm>
     </dsp:sp>
   </dsp:spTree>
@@ -18675,318 +19128,3078 @@
 </file>
 
 <file path=ppt/diagrams/layout7.xml><?xml version="1.0" encoding="utf-8"?>
-<dgm:layoutDef xmlns:dgm="http://schemas.openxmlformats.org/drawingml/2006/diagram" xmlns:a="http://schemas.openxmlformats.org/drawingml/2006/main" uniqueId="urn:microsoft.com/office/officeart/2005/8/layout/StepDownProcess">
+<dgm:layoutDef xmlns:dgm="http://schemas.openxmlformats.org/drawingml/2006/diagram" xmlns:a="http://schemas.openxmlformats.org/drawingml/2006/main" uniqueId="urn:microsoft.com/office/officeart/2008/layout/RadialCluster">
   <dgm:title val=""/>
   <dgm:desc val=""/>
   <dgm:catLst>
-    <dgm:cat type="process" pri="1600"/>
+    <dgm:cat type="relationship" pri="19500"/>
+    <dgm:cat type="cycle" pri="15000"/>
   </dgm:catLst>
   <dgm:sampData>
     <dgm:dataModel>
       <dgm:ptLst>
         <dgm:pt modelId="0" type="doc"/>
-        <dgm:pt modelId="10">
+        <dgm:pt modelId="1">
           <dgm:prSet phldr="1"/>
         </dgm:pt>
         <dgm:pt modelId="11">
           <dgm:prSet phldr="1"/>
         </dgm:pt>
-        <dgm:pt modelId="20">
+        <dgm:pt modelId="12">
           <dgm:prSet phldr="1"/>
         </dgm:pt>
-        <dgm:pt modelId="21">
-          <dgm:prSet phldr="1"/>
-        </dgm:pt>
-        <dgm:pt modelId="30">
-          <dgm:prSet phldr="1"/>
-        </dgm:pt>
-        <dgm:pt modelId="31">
+        <dgm:pt modelId="13">
           <dgm:prSet phldr="1"/>
         </dgm:pt>
       </dgm:ptLst>
       <dgm:cxnLst>
-        <dgm:cxn modelId="60" srcId="0" destId="10" srcOrd="0" destOrd="0"/>
-        <dgm:cxn modelId="12" srcId="10" destId="11" srcOrd="0" destOrd="0"/>
-        <dgm:cxn modelId="70" srcId="0" destId="20" srcOrd="1" destOrd="0"/>
-        <dgm:cxn modelId="22" srcId="20" destId="21" srcOrd="0" destOrd="0"/>
-        <dgm:cxn modelId="80" srcId="0" destId="30" srcOrd="2" destOrd="0"/>
-        <dgm:cxn modelId="32" srcId="30" destId="31" srcOrd="0" destOrd="0"/>
+        <dgm:cxn modelId="2" srcId="0" destId="1" srcOrd="0" destOrd="0"/>
+        <dgm:cxn modelId="3" srcId="1" destId="11" srcOrd="0" destOrd="0"/>
+        <dgm:cxn modelId="4" srcId="1" destId="12" srcOrd="1" destOrd="0"/>
+        <dgm:cxn modelId="5" srcId="1" destId="13" srcOrd="2" destOrd="0"/>
       </dgm:cxnLst>
       <dgm:bg/>
       <dgm:whole/>
     </dgm:dataModel>
   </dgm:sampData>
-  <dgm:styleData>
+  <dgm:styleData useDef="1">
     <dgm:dataModel>
-      <dgm:ptLst>
-        <dgm:pt modelId="0" type="doc"/>
-        <dgm:pt modelId="10">
-          <dgm:prSet phldr="1"/>
-        </dgm:pt>
-        <dgm:pt modelId="20">
-          <dgm:prSet phldr="1"/>
-        </dgm:pt>
-      </dgm:ptLst>
-      <dgm:cxnLst>
-        <dgm:cxn modelId="60" srcId="0" destId="10" srcOrd="0" destOrd="0"/>
-        <dgm:cxn modelId="70" srcId="0" destId="20" srcOrd="1" destOrd="0"/>
-      </dgm:cxnLst>
+      <dgm:ptLst/>
       <dgm:bg/>
       <dgm:whole/>
     </dgm:dataModel>
   </dgm:styleData>
-  <dgm:clrData>
+  <dgm:clrData useDef="1">
     <dgm:dataModel>
-      <dgm:ptLst>
-        <dgm:pt modelId="0" type="doc"/>
-        <dgm:pt modelId="10">
-          <dgm:prSet phldr="1"/>
-        </dgm:pt>
-        <dgm:pt modelId="20">
-          <dgm:prSet phldr="1"/>
-        </dgm:pt>
-        <dgm:pt modelId="30">
-          <dgm:prSet phldr="1"/>
-        </dgm:pt>
-        <dgm:pt modelId="40">
-          <dgm:prSet phldr="1"/>
-        </dgm:pt>
-      </dgm:ptLst>
-      <dgm:cxnLst>
-        <dgm:cxn modelId="60" srcId="0" destId="10" srcOrd="0" destOrd="0"/>
-        <dgm:cxn modelId="70" srcId="0" destId="20" srcOrd="1" destOrd="0"/>
-        <dgm:cxn modelId="80" srcId="0" destId="30" srcOrd="2" destOrd="0"/>
-        <dgm:cxn modelId="90" srcId="0" destId="40" srcOrd="3" destOrd="0"/>
-      </dgm:cxnLst>
+      <dgm:ptLst/>
       <dgm:bg/>
       <dgm:whole/>
     </dgm:dataModel>
   </dgm:clrData>
-  <dgm:layoutNode name="rootnode">
+  <dgm:layoutNode name="Name0">
     <dgm:varLst>
-      <dgm:chMax/>
-      <dgm:chPref/>
+      <dgm:chMax val="1"/>
+      <dgm:chPref val="1"/>
       <dgm:dir/>
+      <dgm:animOne val="branch"/>
       <dgm:animLvl val="lvl"/>
     </dgm:varLst>
-    <dgm:choose name="Name0">
-      <dgm:if name="Name1" func="var" arg="dir" op="equ" val="norm">
-        <dgm:alg type="snake">
-          <dgm:param type="grDir" val="tL"/>
-          <dgm:param type="flowDir" val="row"/>
-          <dgm:param type="off" val="off"/>
-          <dgm:param type="bkpt" val="fixed"/>
-          <dgm:param type="bkPtFixedVal" val="1"/>
-        </dgm:alg>
-      </dgm:if>
-      <dgm:else name="Name2">
-        <dgm:alg type="snake">
-          <dgm:param type="grDir" val="tR"/>
-          <dgm:param type="flowDir" val="row"/>
-          <dgm:param type="off" val="off"/>
-          <dgm:param type="bkpt" val="fixed"/>
-          <dgm:param type="bkPtFixedVal" val="1"/>
-        </dgm:alg>
-      </dgm:else>
-    </dgm:choose>
+    <dgm:alg type="composite">
+      <dgm:param type="ar" val="1.00"/>
+    </dgm:alg>
     <dgm:shape xmlns:r="http://schemas.openxmlformats.org/officeDocument/2006/relationships" r:blip="">
       <dgm:adjLst/>
     </dgm:shape>
-    <dgm:choose name="Name3">
-      <dgm:if name="Name4" func="var" arg="dir" op="equ" val="norm">
-        <dgm:constrLst>
-          <dgm:constr type="alignOff" forName="rootnode" val="0.48"/>
-          <dgm:constr type="primFontSz" for="des" forName="ParentText" val="65"/>
-          <dgm:constr type="primFontSz" for="des" forName="ChildText" refType="primFontSz" refFor="des" refForName="ParentText" op="lte"/>
-          <dgm:constr type="w" for="ch" forName="composite" refType="w"/>
-          <dgm:constr type="h" for="ch" forName="composite" refType="h"/>
-          <dgm:constr type="sp" refType="h" refFor="ch" refForName="composite" op="equ" fact="-0.38"/>
-        </dgm:constrLst>
-      </dgm:if>
-      <dgm:else name="Name5">
-        <dgm:constrLst>
-          <dgm:constr type="alignOff" forName="rootnode" val="0.48"/>
-          <dgm:constr type="primFontSz" for="des" forName="ParentText" val="65"/>
-          <dgm:constr type="primFontSz" for="des" forName="ChildText" refType="primFontSz" refFor="des" refForName="ParentText" op="lte"/>
-          <dgm:constr type="w" for="ch" forName="composite" refType="w"/>
-          <dgm:constr type="h" for="ch" forName="composite" refType="h"/>
-          <dgm:constr type="sp" refType="h" refFor="ch" refForName="composite" op="equ" fact="-0.38"/>
-        </dgm:constrLst>
-      </dgm:else>
-    </dgm:choose>
-    <dgm:forEach name="nodesForEach" axis="ch" ptType="node">
-      <dgm:layoutNode name="composite">
-        <dgm:alg type="composite">
-          <dgm:param type="ar" val="1.2439"/>
-        </dgm:alg>
-        <dgm:shape xmlns:r="http://schemas.openxmlformats.org/officeDocument/2006/relationships" r:blip="">
-          <dgm:adjLst/>
-        </dgm:shape>
-        <dgm:choose name="Name6">
-          <dgm:if name="Name7" func="var" arg="dir" op="equ" val="norm">
+    <dgm:choose name="Name1">
+      <dgm:if name="Name2" func="var" arg="dir" op="equ" val="norm">
+        <dgm:choose name="Name3">
+          <dgm:if name="Name4" axis="ch ch" ptType="node node" cnt="1 0" func="cnt" op="equ" val="1">
             <dgm:constrLst>
-              <dgm:constr type="l" for="ch" forName="bentUpArrow1" refType="w" fact="0.07"/>
-              <dgm:constr type="t" for="ch" forName="bentUpArrow1" refType="h" fact="0.524"/>
-              <dgm:constr type="w" for="ch" forName="bentUpArrow1" refType="w" fact="0.3844"/>
-              <dgm:constr type="h" for="ch" forName="bentUpArrow1" refType="h" fact="0.42"/>
-              <dgm:constr type="l" for="ch" forName="ParentText" refType="w" fact="0"/>
-              <dgm:constr type="t" for="ch" forName="ParentText" refType="h" fact="0"/>
-              <dgm:constr type="w" for="ch" forName="ParentText" refType="w" fact="0.5684"/>
-              <dgm:constr type="h" for="ch" forName="ParentText" refType="h" fact="0.4949"/>
-              <dgm:constr type="l" for="ch" forName="ChildText" refType="w" refFor="ch" refForName="ParentText"/>
-              <dgm:constr type="t" for="ch" forName="ChildText" refType="h" fact="0.05"/>
-              <dgm:constr type="w" for="ch" forName="ChildText" refType="w" fact="0.4134"/>
-              <dgm:constr type="h" for="ch" forName="ChildText" refType="h" fact="0.4"/>
-              <dgm:constr type="l" for="ch" forName="FinalChildText" refType="w" refFor="ch" refForName="ParentText"/>
-              <dgm:constr type="t" for="ch" forName="FinalChildText" refType="h" fact="0.05"/>
-              <dgm:constr type="w" for="ch" forName="FinalChildText" refType="w" fact="0.4134"/>
-              <dgm:constr type="h" for="ch" forName="FinalChildText" refType="h" fact="0.4"/>
+              <dgm:constr type="l" for="ch" forName="textCenter"/>
+              <dgm:constr type="ctrY" for="ch" forName="textCenter" refType="h" fact="0.5"/>
+              <dgm:constr type="w" for="ch" forName="textCenter" refType="w" fact="0.32"/>
+              <dgm:constr type="h" for="ch" forName="textCenter" refType="w" refFor="ch" refForName="textCenter"/>
+              <dgm:constr type="r" for="ch" forName="cycle_1" refType="w"/>
+              <dgm:constr type="ctrY" for="ch" forName="cycle_1" refType="h" fact="0.5"/>
+              <dgm:constr type="w" for="ch" forName="cycle_1" refType="w" fact="0.56"/>
+              <dgm:constr type="h" for="ch" forName="cycle_1" refType="h"/>
+              <dgm:constr type="primFontSz" for="ch" forName="textCenter" val="65"/>
+              <dgm:constr type="primFontSz" for="des" forName="childCenter1" val="65"/>
+              <dgm:constr type="primFontSz" for="des" forName="text1" op="equ" val="65"/>
+              <dgm:constr type="userS" for="des" ptType="node" refType="w" refFor="ch" refForName="textCenter" fact="0.67"/>
             </dgm:constrLst>
           </dgm:if>
-          <dgm:else name="Name8">
+          <dgm:if name="Name5" axis="ch ch" ptType="node node" cnt="1 0" func="cnt" op="equ" val="2">
             <dgm:constrLst>
-              <dgm:constr type="r" for="ch" forName="bentUpArrow1" refType="w" fact="0.97"/>
-              <dgm:constr type="t" for="ch" forName="bentUpArrow1" refType="h" fact="0.524"/>
-              <dgm:constr type="w" for="ch" forName="bentUpArrow1" refType="w" fact="0.3844"/>
-              <dgm:constr type="h" for="ch" forName="bentUpArrow1" refType="h" fact="0.42"/>
-              <dgm:constr type="l" for="ch" forName="ParentText" refType="w" fact="0.4316"/>
-              <dgm:constr type="t" for="ch" forName="ParentText" refType="h" fact="0"/>
-              <dgm:constr type="w" for="ch" forName="ParentText" refType="w" fact="0.5684"/>
-              <dgm:constr type="h" for="ch" forName="ParentText" refType="h" fact="0.4949"/>
-              <dgm:constr type="l" for="ch" forName="ChildText" refType="w" fact="0"/>
-              <dgm:constr type="t" for="ch" forName="ChildText" refType="h" fact="0.05"/>
-              <dgm:constr type="w" for="ch" forName="ChildText" refType="w" fact="0.4134"/>
-              <dgm:constr type="h" for="ch" forName="ChildText" refType="h" fact="0.4"/>
-              <dgm:constr type="l" for="ch" forName="FinalChildText" refType="w" fact="0"/>
-              <dgm:constr type="t" for="ch" forName="FinalChildText" refType="h" fact="0.05"/>
-              <dgm:constr type="w" for="ch" forName="FinalChildText" refType="w" fact="0.4134"/>
-              <dgm:constr type="h" for="ch" forName="FinalChildText" refType="h" fact="0.4"/>
+              <dgm:constr type="ctrX" for="ch" forName="textCenter" refType="w" fact="0.5"/>
+              <dgm:constr type="ctrY" for="ch" forName="textCenter" refType="h" fact="0.5"/>
+              <dgm:constr type="w" for="ch" forName="textCenter" refType="w" fact="0.25"/>
+              <dgm:constr type="h" for="ch" forName="textCenter" refType="w" refFor="ch" refForName="textCenter"/>
+              <dgm:constr type="ctrX" for="ch" forName="cycle_1" refType="w" fact="0.5"/>
+              <dgm:constr type="t" for="ch" forName="cycle_1"/>
+              <dgm:constr type="w" for="ch" forName="cycle_1" refType="w"/>
+              <dgm:constr type="h" for="ch" forName="cycle_1" refType="h" fact="0.34"/>
+              <dgm:constr type="ctrX" for="ch" forName="cycle_2" refType="w" fact="0.5"/>
+              <dgm:constr type="b" for="ch" forName="cycle_2" refType="h"/>
+              <dgm:constr type="w" for="ch" forName="cycle_2" refType="w"/>
+              <dgm:constr type="h" for="ch" forName="cycle_2" refType="h" fact="0.34"/>
+              <dgm:constr type="primFontSz" for="ch" forName="textCenter" val="65"/>
+              <dgm:constr type="primFontSz" for="des" forName="childCenter1" val="65"/>
+              <dgm:constr type="primFontSz" for="des" forName="text1" op="equ" val="65"/>
+              <dgm:constr type="primFontSz" for="des" forName="childCenter2" refType="primFontSz" refFor="des" refForName="childCenter1" op="equ"/>
+              <dgm:constr type="primFontSz" for="des" forName="text2" refType="primFontSz" refFor="des" refForName="text1" op="equ"/>
+              <dgm:constr type="userS" for="des" ptType="node" refType="w" refFor="ch" refForName="textCenter" fact="0.67"/>
+            </dgm:constrLst>
+          </dgm:if>
+          <dgm:if name="Name6" axis="ch ch" ptType="node node" cnt="1 0" func="cnt" op="equ" val="3">
+            <dgm:choose name="Name7">
+              <dgm:if name="Name8" axis="ch ch ch" ptType="node node node" st="1 2 0" cnt="1 1 0" func="cnt" op="equ" val="1">
+                <dgm:choose name="Name9">
+                  <dgm:if name="Name10" axis="ch ch ch" ptType="node node node" st="1 3 0" cnt="1 1 0" func="cnt" op="equ" val="1">
+                    <dgm:constrLst>
+                      <dgm:constr type="ctrX" for="ch" forName="textCenter" refType="w" fact="0.5"/>
+                      <dgm:constr type="t" for="ch" forName="textCenter" refType="h" fact="0.436"/>
+                      <dgm:constr type="w" for="ch" forName="textCenter" refType="w" fact="0.21"/>
+                      <dgm:constr type="h" for="ch" forName="textCenter" refType="w" refFor="ch" refForName="textCenter"/>
+                      <dgm:constr type="ctrX" for="ch" forName="cycle_1" refType="w" fact="0.5"/>
+                      <dgm:constr type="t" for="ch" forName="cycle_1"/>
+                      <dgm:constr type="w" for="ch" forName="cycle_1" refType="w" fact="0.61"/>
+                      <dgm:constr type="h" for="ch" forName="cycle_1" refType="h" fact="0.36"/>
+                      <dgm:constr type="diam" for="ch" forName="cycle_1" refType="w" fact="0.5"/>
+                      <dgm:constr type="r" for="ch" forName="cycle_2" refType="w"/>
+                      <dgm:constr type="b" for="ch" forName="cycle_2" refType="h" fact="0.85"/>
+                      <dgm:constr type="w" for="ch" forName="cycle_2" refType="w" fact="0.46"/>
+                      <dgm:constr type="h" for="ch" forName="cycle_2" refType="h" fact="0.54"/>
+                      <dgm:constr type="diam" for="ch" forName="cycle_2" refType="w" fact="0.5"/>
+                      <dgm:constr type="l" for="ch" forName="cycle_3"/>
+                      <dgm:constr type="b" for="ch" forName="cycle_3" refType="h" fact="0.85"/>
+                      <dgm:constr type="w" for="ch" forName="cycle_3" refType="w" fact="0.46"/>
+                      <dgm:constr type="h" for="ch" forName="cycle_3" refType="h" fact="0.54"/>
+                      <dgm:constr type="diam" for="ch" forName="cycle_3" refType="w" fact="0.5"/>
+                      <dgm:constr type="primFontSz" for="ch" forName="textCenter" val="65"/>
+                      <dgm:constr type="primFontSz" for="des" forName="childCenter1" val="65"/>
+                      <dgm:constr type="primFontSz" for="des" forName="text1" op="equ" val="65"/>
+                      <dgm:constr type="primFontSz" for="des" forName="childCenter2" refType="primFontSz" refFor="des" refForName="childCenter1" op="equ"/>
+                      <dgm:constr type="primFontSz" for="des" forName="text2" refType="primFontSz" refFor="des" refForName="text1" op="equ"/>
+                      <dgm:constr type="primFontSz" for="des" forName="childCenter3" refType="primFontSz" refFor="des" refForName="childCenter1" op="equ"/>
+                      <dgm:constr type="primFontSz" for="des" forName="text3" refType="primFontSz" refFor="des" refForName="text1" op="equ"/>
+                      <dgm:constr type="userS" for="des" ptType="node" refType="w" refFor="ch" refForName="textCenter" fact="0.67"/>
+                    </dgm:constrLst>
+                  </dgm:if>
+                  <dgm:else name="Name11">
+                    <dgm:constrLst>
+                      <dgm:constr type="ctrX" for="ch" forName="textCenter" refType="w" fact="0.5"/>
+                      <dgm:constr type="t" for="ch" forName="textCenter" refType="h" fact="0.436"/>
+                      <dgm:constr type="w" for="ch" forName="textCenter" refType="w" fact="0.21"/>
+                      <dgm:constr type="h" for="ch" forName="textCenter" refType="w" refFor="ch" refForName="textCenter"/>
+                      <dgm:constr type="ctrX" for="ch" forName="cycle_1" refType="w" fact="0.5"/>
+                      <dgm:constr type="t" for="ch" forName="cycle_1"/>
+                      <dgm:constr type="w" for="ch" forName="cycle_1" refType="w" fact="0.61"/>
+                      <dgm:constr type="h" for="ch" forName="cycle_1" refType="h" fact="0.36"/>
+                      <dgm:constr type="diam" for="ch" forName="cycle_1" refType="w" fact="0.5"/>
+                      <dgm:constr type="r" for="ch" forName="cycle_2" refType="w"/>
+                      <dgm:constr type="b" for="ch" forName="cycle_2" refType="h" fact="0.85"/>
+                      <dgm:constr type="w" for="ch" forName="cycle_2" refType="w" fact="0.46"/>
+                      <dgm:constr type="h" for="ch" forName="cycle_2" refType="h" fact="0.54"/>
+                      <dgm:constr type="diam" for="ch" forName="cycle_2" refType="w" fact="0.5"/>
+                      <dgm:constr type="l" for="ch" forName="cycle_3"/>
+                      <dgm:constr type="b" for="ch" forName="cycle_3" refType="h"/>
+                      <dgm:constr type="w" for="ch" forName="cycle_3" refType="w" fact="0.46"/>
+                      <dgm:constr type="h" for="ch" forName="cycle_3" refType="h" fact="0.54"/>
+                      <dgm:constr type="diam" for="ch" forName="cycle_3" refType="w" fact="0.5"/>
+                      <dgm:constr type="primFontSz" for="ch" forName="textCenter" val="65"/>
+                      <dgm:constr type="primFontSz" for="des" forName="childCenter1" val="65"/>
+                      <dgm:constr type="primFontSz" for="des" forName="text1" op="equ" val="65"/>
+                      <dgm:constr type="primFontSz" for="des" forName="childCenter2" refType="primFontSz" refFor="des" refForName="childCenter1" op="equ"/>
+                      <dgm:constr type="primFontSz" for="des" forName="text2" refType="primFontSz" refFor="des" refForName="text1" op="equ"/>
+                      <dgm:constr type="primFontSz" for="des" forName="childCenter3" refType="primFontSz" refFor="des" refForName="childCenter1" op="equ"/>
+                      <dgm:constr type="primFontSz" for="des" forName="text3" refType="primFontSz" refFor="des" refForName="text1" op="equ"/>
+                      <dgm:constr type="userS" for="des" ptType="node" refType="w" refFor="ch" refForName="textCenter" fact="0.67"/>
+                    </dgm:constrLst>
+                  </dgm:else>
+                </dgm:choose>
+              </dgm:if>
+              <dgm:else name="Name12">
+                <dgm:choose name="Name13">
+                  <dgm:if name="Name14" axis="ch ch ch" ptType="node node node" st="1 3 0" cnt="1 1 0" func="cnt" op="equ" val="1">
+                    <dgm:constrLst>
+                      <dgm:constr type="ctrX" for="ch" forName="textCenter" refType="w" fact="0.5"/>
+                      <dgm:constr type="t" for="ch" forName="textCenter" refType="h" fact="0.436"/>
+                      <dgm:constr type="w" for="ch" forName="textCenter" refType="w" fact="0.21"/>
+                      <dgm:constr type="h" for="ch" forName="textCenter" refType="w" refFor="ch" refForName="textCenter"/>
+                      <dgm:constr type="ctrX" for="ch" forName="cycle_1" refType="w" fact="0.5"/>
+                      <dgm:constr type="t" for="ch" forName="cycle_1"/>
+                      <dgm:constr type="w" for="ch" forName="cycle_1" refType="w" fact="0.61"/>
+                      <dgm:constr type="h" for="ch" forName="cycle_1" refType="h" fact="0.36"/>
+                      <dgm:constr type="diam" for="ch" forName="cycle_1" refType="w" fact="0.5"/>
+                      <dgm:constr type="r" for="ch" forName="cycle_2" refType="w"/>
+                      <dgm:constr type="b" for="ch" forName="cycle_2" refType="h"/>
+                      <dgm:constr type="w" for="ch" forName="cycle_2" refType="w" fact="0.46"/>
+                      <dgm:constr type="h" for="ch" forName="cycle_2" refType="h" fact="0.54"/>
+                      <dgm:constr type="diam" for="ch" forName="cycle_2" refType="w" fact="0.5"/>
+                      <dgm:constr type="l" for="ch" forName="cycle_3"/>
+                      <dgm:constr type="b" for="ch" forName="cycle_3" refType="h" fact="0.85"/>
+                      <dgm:constr type="w" for="ch" forName="cycle_3" refType="w" fact="0.46"/>
+                      <dgm:constr type="h" for="ch" forName="cycle_3" refType="h" fact="0.54"/>
+                      <dgm:constr type="diam" for="ch" forName="cycle_3" refType="w" fact="0.5"/>
+                      <dgm:constr type="primFontSz" for="ch" forName="textCenter" val="65"/>
+                      <dgm:constr type="primFontSz" for="des" forName="childCenter1" val="65"/>
+                      <dgm:constr type="primFontSz" for="des" forName="text1" op="equ" val="65"/>
+                      <dgm:constr type="primFontSz" for="des" forName="childCenter2" refType="primFontSz" refFor="des" refForName="childCenter1" op="equ"/>
+                      <dgm:constr type="primFontSz" for="des" forName="text2" refType="primFontSz" refFor="des" refForName="text1" op="equ"/>
+                      <dgm:constr type="primFontSz" for="des" forName="childCenter3" refType="primFontSz" refFor="des" refForName="childCenter1" op="equ"/>
+                      <dgm:constr type="primFontSz" for="des" forName="text3" refType="primFontSz" refFor="des" refForName="text1" op="equ"/>
+                      <dgm:constr type="userS" for="des" ptType="node" refType="w" refFor="ch" refForName="textCenter" fact="0.67"/>
+                    </dgm:constrLst>
+                  </dgm:if>
+                  <dgm:else name="Name15">
+                    <dgm:constrLst>
+                      <dgm:constr type="ctrX" for="ch" forName="textCenter" refType="w" fact="0.5"/>
+                      <dgm:constr type="t" for="ch" forName="textCenter" refType="h" fact="0.436"/>
+                      <dgm:constr type="w" for="ch" forName="textCenter" refType="w" fact="0.21"/>
+                      <dgm:constr type="h" for="ch" forName="textCenter" refType="w" refFor="ch" refForName="textCenter"/>
+                      <dgm:constr type="ctrX" for="ch" forName="cycle_1" refType="w" fact="0.5"/>
+                      <dgm:constr type="t" for="ch" forName="cycle_1"/>
+                      <dgm:constr type="w" for="ch" forName="cycle_1" refType="w" fact="0.61"/>
+                      <dgm:constr type="h" for="ch" forName="cycle_1" refType="h" fact="0.36"/>
+                      <dgm:constr type="diam" for="ch" forName="cycle_1" refType="w" fact="0.5"/>
+                      <dgm:constr type="r" for="ch" forName="cycle_2" refType="w"/>
+                      <dgm:constr type="b" for="ch" forName="cycle_2" refType="h"/>
+                      <dgm:constr type="w" for="ch" forName="cycle_2" refType="w" fact="0.46"/>
+                      <dgm:constr type="h" for="ch" forName="cycle_2" refType="h" fact="0.54"/>
+                      <dgm:constr type="diam" for="ch" forName="cycle_2" refType="w" fact="0.5"/>
+                      <dgm:constr type="l" for="ch" forName="cycle_3"/>
+                      <dgm:constr type="b" for="ch" forName="cycle_3" refType="h"/>
+                      <dgm:constr type="w" for="ch" forName="cycle_3" refType="w" fact="0.46"/>
+                      <dgm:constr type="h" for="ch" forName="cycle_3" refType="h" fact="0.54"/>
+                      <dgm:constr type="diam" for="ch" forName="cycle_3" refType="w" fact="0.5"/>
+                      <dgm:constr type="primFontSz" for="ch" forName="textCenter" val="65"/>
+                      <dgm:constr type="primFontSz" for="des" forName="childCenter1" val="65"/>
+                      <dgm:constr type="primFontSz" for="des" forName="text1" op="equ" val="65"/>
+                      <dgm:constr type="primFontSz" for="des" forName="childCenter2" refType="primFontSz" refFor="des" refForName="childCenter1" op="equ"/>
+                      <dgm:constr type="primFontSz" for="des" forName="text2" refType="primFontSz" refFor="des" refForName="text1" op="equ"/>
+                      <dgm:constr type="primFontSz" for="des" forName="childCenter3" refType="primFontSz" refFor="des" refForName="childCenter1" op="equ"/>
+                      <dgm:constr type="primFontSz" for="des" forName="text3" refType="primFontSz" refFor="des" refForName="text1" op="equ"/>
+                      <dgm:constr type="userS" for="des" ptType="node" refType="w" refFor="ch" refForName="textCenter" fact="0.67"/>
+                    </dgm:constrLst>
+                  </dgm:else>
+                </dgm:choose>
+              </dgm:else>
+            </dgm:choose>
+          </dgm:if>
+          <dgm:if name="Name16" axis="ch ch" ptType="node node" cnt="1 0" func="cnt" op="equ" val="4">
+            <dgm:constrLst>
+              <dgm:constr type="ctrX" for="ch" forName="textCenter" refType="w" fact="0.5"/>
+              <dgm:constr type="ctrY" for="ch" forName="textCenter" refType="h" fact="0.5"/>
+              <dgm:constr type="w" for="ch" forName="textCenter" refType="w" fact="0.2"/>
+              <dgm:constr type="h" for="ch" forName="textCenter" refType="w" refFor="ch" refForName="textCenter"/>
+              <dgm:constr type="ctrX" for="ch" forName="cycle_1" refType="w" fact="0.5"/>
+              <dgm:constr type="t" for="ch" forName="cycle_1"/>
+              <dgm:constr type="w" for="ch" forName="cycle_1" refType="w" fact="0.5"/>
+              <dgm:constr type="h" for="ch" forName="cycle_1" refType="h" fact="0.33"/>
+              <dgm:constr type="r" for="ch" forName="cycle_2" refType="w"/>
+              <dgm:constr type="ctrY" for="ch" forName="cycle_2" refType="h" fact="0.5"/>
+              <dgm:constr type="w" for="ch" forName="cycle_2" refType="w" fact="0.33"/>
+              <dgm:constr type="h" for="ch" forName="cycle_2" refType="h" fact="0.5"/>
+              <dgm:constr type="ctrX" for="ch" forName="cycle_3" refType="w" fact="0.5"/>
+              <dgm:constr type="b" for="ch" forName="cycle_3" refType="h"/>
+              <dgm:constr type="w" for="ch" forName="cycle_3" refType="w" fact="0.5"/>
+              <dgm:constr type="h" for="ch" forName="cycle_3" refType="h" fact="0.33"/>
+              <dgm:constr type="l" for="ch" forName="cycle_4"/>
+              <dgm:constr type="ctrY" for="ch" forName="cycle_4" refType="h" fact="0.5"/>
+              <dgm:constr type="w" for="ch" forName="cycle_4" refType="w" fact="0.33"/>
+              <dgm:constr type="h" for="ch" forName="cycle_4" refType="h" fact="0.5"/>
+              <dgm:constr type="primFontSz" for="ch" forName="textCenter" val="65"/>
+              <dgm:constr type="primFontSz" for="des" forName="childCenter1" val="65"/>
+              <dgm:constr type="primFontSz" for="des" forName="text1" op="equ" val="65"/>
+              <dgm:constr type="primFontSz" for="des" forName="childCenter2" refType="primFontSz" refFor="des" refForName="childCenter1" op="equ"/>
+              <dgm:constr type="primFontSz" for="des" forName="text2" refType="primFontSz" refFor="des" refForName="text1" op="equ"/>
+              <dgm:constr type="primFontSz" for="des" forName="childCenter3" refType="primFontSz" refFor="des" refForName="childCenter1" op="equ"/>
+              <dgm:constr type="primFontSz" for="des" forName="text3" refType="primFontSz" refFor="des" refForName="text1" op="equ"/>
+              <dgm:constr type="primFontSz" for="des" forName="childCenter4" refType="primFontSz" refFor="des" refForName="childCenter1" op="equ"/>
+              <dgm:constr type="primFontSz" for="des" forName="text4" refType="primFontSz" refFor="des" refForName="text1" op="equ"/>
+              <dgm:constr type="userS" for="des" ptType="node" refType="w" refFor="ch" refForName="textCenter" fact="0.67"/>
+            </dgm:constrLst>
+          </dgm:if>
+          <dgm:if name="Name17" axis="ch ch" ptType="node node" cnt="1 0" func="cnt" op="equ" val="5">
+            <dgm:constrLst>
+              <dgm:constr type="ctrX" for="ch" forName="textCenter" refType="w" fact="0.5"/>
+              <dgm:constr type="t" for="ch" forName="textCenter" refType="h" fact="0.42"/>
+              <dgm:constr type="w" for="ch" forName="textCenter" refType="w" fact="0.2"/>
+              <dgm:constr type="h" for="ch" forName="textCenter" refType="w" refFor="ch" refForName="textCenter"/>
+              <dgm:constr type="ctrX" for="ch" forName="cycle_1" refType="w" fact="0.5"/>
+              <dgm:constr type="t" for="ch" forName="cycle_1"/>
+              <dgm:constr type="w" for="ch" forName="cycle_1" refType="w" fact="0.33"/>
+              <dgm:constr type="h" for="ch" forName="cycle_1" refType="w" refFor="ch" refForName="cycle_1"/>
+              <dgm:constr type="r" for="ch" forName="cycle_2" refType="w"/>
+              <dgm:constr type="t" for="ch" forName="cycle_2" refType="h" fact="0.24"/>
+              <dgm:constr type="w" for="ch" forName="cycle_2" refType="w" fact="0.33"/>
+              <dgm:constr type="h" for="ch" forName="cycle_2" refType="w" refFor="ch" refForName="cycle_2"/>
+              <dgm:constr type="r" for="ch" forName="cycle_3" refType="w" fact="0.89"/>
+              <dgm:constr type="b" for="ch" forName="cycle_3" refType="h"/>
+              <dgm:constr type="w" for="ch" forName="cycle_3" refType="w" fact="0.33"/>
+              <dgm:constr type="h" for="ch" forName="cycle_3" refType="w" refFor="ch" refForName="cycle_3"/>
+              <dgm:constr type="l" for="ch" forName="cycle_4" refType="w" fact="0.11"/>
+              <dgm:constr type="b" for="ch" forName="cycle_4" refType="h"/>
+              <dgm:constr type="w" for="ch" forName="cycle_4" refType="w" fact="0.33"/>
+              <dgm:constr type="h" for="ch" forName="cycle_4" refType="w" refFor="ch" refForName="cycle_4"/>
+              <dgm:constr type="l" for="ch" forName="cycle_5"/>
+              <dgm:constr type="t" for="ch" forName="cycle_5" refType="h" fact="0.24"/>
+              <dgm:constr type="w" for="ch" forName="cycle_5" refType="w" fact="0.33"/>
+              <dgm:constr type="h" for="ch" forName="cycle_5" refType="w" refFor="ch" refForName="cycle_5"/>
+              <dgm:constr type="primFontSz" for="ch" forName="textCenter" val="65"/>
+              <dgm:constr type="primFontSz" for="des" forName="childCenter1" val="65"/>
+              <dgm:constr type="primFontSz" for="des" forName="text1" op="equ" val="65"/>
+              <dgm:constr type="primFontSz" for="des" forName="childCenter2" refType="primFontSz" refFor="des" refForName="childCenter1" op="equ"/>
+              <dgm:constr type="primFontSz" for="des" forName="text2" refType="primFontSz" refFor="des" refForName="text1" op="equ"/>
+              <dgm:constr type="primFontSz" for="des" forName="childCenter3" refType="primFontSz" refFor="des" refForName="childCenter1" op="equ"/>
+              <dgm:constr type="primFontSz" for="des" forName="text3" refType="primFontSz" refFor="des" refForName="text1" op="equ"/>
+              <dgm:constr type="primFontSz" for="des" forName="childCenter4" refType="primFontSz" refFor="des" refForName="childCenter1" op="equ"/>
+              <dgm:constr type="primFontSz" for="des" forName="text4" refType="primFontSz" refFor="des" refForName="text1" op="equ"/>
+              <dgm:constr type="primFontSz" for="des" forName="childCenter5" refType="primFontSz" refFor="des" refForName="childCenter1" op="equ"/>
+              <dgm:constr type="primFontSz" for="des" forName="text5" refType="primFontSz" refFor="des" refForName="text1" op="equ"/>
+              <dgm:constr type="userS" for="des" ptType="node" refType="w" refFor="ch" refForName="textCenter" fact="0.67"/>
+            </dgm:constrLst>
+          </dgm:if>
+          <dgm:if name="Name18" axis="ch ch" ptType="node node" cnt="1 0" func="cnt" op="equ" val="6">
+            <dgm:constrLst>
+              <dgm:constr type="ctrX" for="ch" forName="textCenter" refType="w" fact="0.5"/>
+              <dgm:constr type="ctrY" for="ch" forName="textCenter" refType="h" fact="0.5"/>
+              <dgm:constr type="w" for="ch" forName="textCenter" refType="w" fact="0.2"/>
+              <dgm:constr type="h" for="ch" forName="textCenter" refType="w" refFor="ch" refForName="textCenter"/>
+              <dgm:constr type="ctrX" for="ch" forName="cycle_1" refType="w" fact="0.5"/>
+              <dgm:constr type="t" for="ch" forName="cycle_1"/>
+              <dgm:constr type="w" for="ch" forName="cycle_1" refType="w" fact="0.33"/>
+              <dgm:constr type="h" for="ch" forName="cycle_1" refType="w" refFor="ch" refForName="cycle_1"/>
+              <dgm:constr type="r" for="ch" forName="cycle_2" refType="w"/>
+              <dgm:constr type="t" for="ch" forName="cycle_2" refType="h" fact="0.17"/>
+              <dgm:constr type="w" for="ch" forName="cycle_2" refType="w" fact="0.33"/>
+              <dgm:constr type="h" for="ch" forName="cycle_2" refType="w" refFor="ch" refForName="cycle_2"/>
+              <dgm:constr type="r" for="ch" forName="cycle_3" refType="w"/>
+              <dgm:constr type="b" for="ch" forName="cycle_3" refType="h" fact="0.83"/>
+              <dgm:constr type="w" for="ch" forName="cycle_3" refType="w" fact="0.33"/>
+              <dgm:constr type="h" for="ch" forName="cycle_3" refType="w" refFor="ch" refForName="cycle_3"/>
+              <dgm:constr type="ctrX" for="ch" forName="cycle_4" refType="w" fact="0.5"/>
+              <dgm:constr type="b" for="ch" forName="cycle_4" refType="h"/>
+              <dgm:constr type="w" for="ch" forName="cycle_4" refType="w" fact="0.33"/>
+              <dgm:constr type="h" for="ch" forName="cycle_4" refType="w" refFor="ch" refForName="cycle_4"/>
+              <dgm:constr type="l" for="ch" forName="cycle_5"/>
+              <dgm:constr type="b" for="ch" forName="cycle_5" refType="h" fact="0.83"/>
+              <dgm:constr type="w" for="ch" forName="cycle_5" refType="w" fact="0.33"/>
+              <dgm:constr type="h" for="ch" forName="cycle_5" refType="w" refFor="ch" refForName="cycle_5"/>
+              <dgm:constr type="l" for="ch" forName="cycle_6"/>
+              <dgm:constr type="t" for="ch" forName="cycle_6" refType="h" fact="0.17"/>
+              <dgm:constr type="w" for="ch" forName="cycle_6" refType="w" fact="0.33"/>
+              <dgm:constr type="h" for="ch" forName="cycle_6" refType="w" refFor="ch" refForName="cycle_6"/>
+              <dgm:constr type="primFontSz" for="ch" forName="textCenter" val="65"/>
+              <dgm:constr type="primFontSz" for="des" forName="childCenter1" val="65"/>
+              <dgm:constr type="primFontSz" for="des" forName="text1" op="equ" val="65"/>
+              <dgm:constr type="primFontSz" for="des" forName="childCenter2" refType="primFontSz" refFor="des" refForName="childCenter1" op="equ"/>
+              <dgm:constr type="primFontSz" for="des" forName="text2" refType="primFontSz" refFor="des" refForName="text1" op="equ"/>
+              <dgm:constr type="primFontSz" for="des" forName="childCenter3" refType="primFontSz" refFor="des" refForName="childCenter1" op="equ"/>
+              <dgm:constr type="primFontSz" for="des" forName="text3" refType="primFontSz" refFor="des" refForName="text1" op="equ"/>
+              <dgm:constr type="primFontSz" for="des" forName="childCenter4" refType="primFontSz" refFor="des" refForName="childCenter1" op="equ"/>
+              <dgm:constr type="primFontSz" for="des" forName="text4" refType="primFontSz" refFor="des" refForName="text1" op="equ"/>
+              <dgm:constr type="primFontSz" for="des" forName="childCenter5" refType="primFontSz" refFor="des" refForName="childCenter1" op="equ"/>
+              <dgm:constr type="primFontSz" for="des" forName="text5" refType="primFontSz" refFor="des" refForName="text1" op="equ"/>
+              <dgm:constr type="primFontSz" for="des" forName="childCenter6" refType="primFontSz" refFor="des" refForName="childCenter1" op="equ"/>
+              <dgm:constr type="primFontSz" for="des" forName="text6" refType="primFontSz" refFor="des" refForName="text1" op="equ"/>
+              <dgm:constr type="userS" for="des" ptType="node" refType="w" refFor="ch" refForName="textCenter" fact="0.67"/>
+            </dgm:constrLst>
+          </dgm:if>
+          <dgm:else name="Name19">
+            <dgm:constrLst>
+              <dgm:constr type="ctrX" for="ch" forName="textCenter" refType="w" fact="0.5"/>
+              <dgm:constr type="t" for="ch" forName="textCenter" refType="h" fact="0.444"/>
+              <dgm:constr type="w" for="ch" forName="textCenter" refType="w" fact="0.167"/>
+              <dgm:constr type="h" for="ch" forName="textCenter" refType="w" refFor="ch" refForName="textCenter"/>
+              <dgm:constr type="ctrX" for="ch" forName="cycle_1" refType="w" fact="0.5"/>
+              <dgm:constr type="t" for="ch" forName="cycle_1"/>
+              <dgm:constr type="w" for="ch" forName="cycle_1" refType="w" fact="0.263"/>
+              <dgm:constr type="h" for="ch" forName="cycle_1" refType="w" refFor="ch" refForName="cycle_1"/>
+              <dgm:constr type="r" for="ch" forName="cycle_2" refType="w" fact="0.938"/>
+              <dgm:constr type="t" for="ch" forName="cycle_2" refType="h" fact="0.141"/>
+              <dgm:constr type="w" for="ch" forName="cycle_2" refType="w" fact="0.263"/>
+              <dgm:constr type="h" for="ch" forName="cycle_2" refType="w" refFor="ch" refForName="cycle_2"/>
+              <dgm:constr type="r" for="ch" forName="cycle_3" refType="w"/>
+              <dgm:constr type="b" for="ch" forName="cycle_3" refType="h" fact="0.74"/>
+              <dgm:constr type="w" for="ch" forName="cycle_3" refType="w" fact="0.263"/>
+              <dgm:constr type="h" for="ch" forName="cycle_3" refType="w" refFor="ch" refForName="cycle_3"/>
+              <dgm:constr type="r" for="ch" forName="cycle_4" refType="w" fact="0.8"/>
+              <dgm:constr type="b" for="ch" forName="cycle_4" refType="h"/>
+              <dgm:constr type="w" for="ch" forName="cycle_4" refType="w" fact="0.263"/>
+              <dgm:constr type="h" for="ch" forName="cycle_4" refType="w" refFor="ch" refForName="cycle_4"/>
+              <dgm:constr type="l" for="ch" forName="cycle_5" refType="w" fact="0.2"/>
+              <dgm:constr type="b" for="ch" forName="cycle_5" refType="h"/>
+              <dgm:constr type="w" for="ch" forName="cycle_5" refType="w" fact="0.263"/>
+              <dgm:constr type="h" for="ch" forName="cycle_5" refType="w" refFor="ch" refForName="cycle_5"/>
+              <dgm:constr type="l" for="ch" forName="cycle_6"/>
+              <dgm:constr type="b" for="ch" forName="cycle_6" refType="h" fact="0.74"/>
+              <dgm:constr type="w" for="ch" forName="cycle_6" refType="w" fact="0.263"/>
+              <dgm:constr type="h" for="ch" forName="cycle_6" refType="w" refFor="ch" refForName="cycle_6"/>
+              <dgm:constr type="l" for="ch" forName="cycle_7" refType="w" fact="0.062"/>
+              <dgm:constr type="t" for="ch" forName="cycle_7" refType="h" fact="0.141"/>
+              <dgm:constr type="w" for="ch" forName="cycle_7" refType="w" fact="0.263"/>
+              <dgm:constr type="h" for="ch" forName="cycle_7" refType="w" refFor="ch" refForName="cycle_7"/>
+              <dgm:constr type="primFontSz" for="ch" forName="textCenter" val="65"/>
+              <dgm:constr type="primFontSz" for="des" forName="childCenter1" val="65"/>
+              <dgm:constr type="primFontSz" for="des" forName="text1" op="equ" val="65"/>
+              <dgm:constr type="primFontSz" for="des" forName="childCenter2" refType="primFontSz" refFor="des" refForName="childCenter1" op="equ"/>
+              <dgm:constr type="primFontSz" for="des" forName="text2" refType="primFontSz" refFor="des" refForName="text1" op="equ"/>
+              <dgm:constr type="primFontSz" for="des" forName="childCenter3" refType="primFontSz" refFor="des" refForName="childCenter1" op="equ"/>
+              <dgm:constr type="primFontSz" for="des" forName="text3" refType="primFontSz" refFor="des" refForName="text1" op="equ"/>
+              <dgm:constr type="primFontSz" for="des" forName="childCenter4" refType="primFontSz" refFor="des" refForName="childCenter1" op="equ"/>
+              <dgm:constr type="primFontSz" for="des" forName="text4" refType="primFontSz" refFor="des" refForName="text1" op="equ"/>
+              <dgm:constr type="primFontSz" for="des" forName="childCenter5" refType="primFontSz" refFor="des" refForName="childCenter1" op="equ"/>
+              <dgm:constr type="primFontSz" for="des" forName="text5" refType="primFontSz" refFor="des" refForName="text1" op="equ"/>
+              <dgm:constr type="primFontSz" for="des" forName="childCenter6" refType="primFontSz" refFor="des" refForName="childCenter1" op="equ"/>
+              <dgm:constr type="primFontSz" for="des" forName="text6" refType="primFontSz" refFor="des" refForName="text1" op="equ"/>
+              <dgm:constr type="primFontSz" for="des" forName="childCenter7" refType="primFontSz" refFor="des" refForName="childCenter1" op="equ"/>
+              <dgm:constr type="primFontSz" for="des" forName="text7" refType="primFontSz" refFor="des" refForName="text1" op="equ"/>
+              <dgm:constr type="userS" for="des" ptType="node" refType="w" refFor="ch" refForName="textCenter" fact="0.67"/>
             </dgm:constrLst>
           </dgm:else>
         </dgm:choose>
-        <dgm:choose name="Name9">
-          <dgm:if name="Name10" axis="followSib" ptType="node" func="cnt" op="gte" val="1">
-            <dgm:layoutNode name="bentUpArrow1" styleLbl="alignImgPlace1">
-              <dgm:alg type="sp"/>
-              <dgm:choose name="Name11">
-                <dgm:if name="Name12" func="var" arg="dir" op="equ" val="norm">
-                  <dgm:shape xmlns:r="http://schemas.openxmlformats.org/officeDocument/2006/relationships" rot="90" type="bentUpArrow" r:blip="">
-                    <dgm:adjLst>
-                      <dgm:adj idx="1" val="0.3284"/>
-                      <dgm:adj idx="2" val="0.25"/>
-                      <dgm:adj idx="3" val="0.3578"/>
-                    </dgm:adjLst>
+      </dgm:if>
+      <dgm:else name="Name20">
+        <dgm:choose name="Name21">
+          <dgm:if name="Name22" axis="ch ch" ptType="node node" func="cnt" op="equ" val="1">
+            <dgm:constrLst>
+              <dgm:constr type="r" for="ch" forName="textCenter" refType="w"/>
+              <dgm:constr type="ctrY" for="ch" forName="textCenter" refType="h" fact="0.5"/>
+              <dgm:constr type="w" for="ch" forName="textCenter" refType="w" fact="0.32"/>
+              <dgm:constr type="h" for="ch" forName="textCenter" refType="w" refFor="ch" refForName="textCenter"/>
+              <dgm:constr type="l" for="ch" forName="cycle_1"/>
+              <dgm:constr type="ctrY" for="ch" forName="cycle_1" refType="h" fact="0.5"/>
+              <dgm:constr type="w" for="ch" forName="cycle_1" refType="w" fact="0.56"/>
+              <dgm:constr type="h" for="ch" forName="cycle_1" refType="h"/>
+              <dgm:constr type="primFontSz" for="ch" forName="textCenter" val="65"/>
+              <dgm:constr type="primFontSz" for="des" forName="childCenter1" val="65"/>
+              <dgm:constr type="primFontSz" for="des" forName="text1" op="equ" val="65"/>
+              <dgm:constr type="userS" for="des" ptType="node" refType="w" refFor="ch" refForName="textCenter" fact="0.67"/>
+            </dgm:constrLst>
+          </dgm:if>
+          <dgm:if name="Name23" axis="ch ch" ptType="node node" func="cnt" op="equ" val="2">
+            <dgm:constrLst>
+              <dgm:constr type="ctrX" for="ch" forName="textCenter" refType="w" fact="0.5"/>
+              <dgm:constr type="ctrY" for="ch" forName="textCenter" refType="h" fact="0.5"/>
+              <dgm:constr type="w" for="ch" forName="textCenter" refType="w" fact="0.25"/>
+              <dgm:constr type="h" for="ch" forName="textCenter" refType="w" refFor="ch" refForName="textCenter"/>
+              <dgm:constr type="ctrX" for="ch" forName="cycle_1" refType="w" fact="0.5"/>
+              <dgm:constr type="t" for="ch" forName="cycle_1"/>
+              <dgm:constr type="w" for="ch" forName="cycle_1" refType="w"/>
+              <dgm:constr type="h" for="ch" forName="cycle_1" refType="h" fact="0.34"/>
+              <dgm:constr type="ctrX" for="ch" forName="cycle_2" refType="w" fact="0.5"/>
+              <dgm:constr type="b" for="ch" forName="cycle_2" refType="h"/>
+              <dgm:constr type="w" for="ch" forName="cycle_2" refType="w"/>
+              <dgm:constr type="h" for="ch" forName="cycle_2" refType="h" fact="0.34"/>
+              <dgm:constr type="primFontSz" for="ch" forName="textCenter" val="65"/>
+              <dgm:constr type="primFontSz" for="des" forName="childCenter1" val="65"/>
+              <dgm:constr type="primFontSz" for="des" forName="text1" op="equ" val="65"/>
+              <dgm:constr type="primFontSz" for="des" forName="childCenter2" refType="primFontSz" refFor="des" refForName="childCenter1" op="equ"/>
+              <dgm:constr type="primFontSz" for="des" forName="text2" refType="primFontSz" refFor="des" refForName="text1" op="equ"/>
+              <dgm:constr type="userS" for="des" ptType="node" refType="w" refFor="ch" refForName="textCenter" fact="0.67"/>
+            </dgm:constrLst>
+          </dgm:if>
+          <dgm:if name="Name24" axis="ch ch" ptType="node node" func="cnt" op="equ" val="3">
+            <dgm:choose name="Name25">
+              <dgm:if name="Name26" axis="ch ch ch" ptType="node node node" st="1 2 0" cnt="1 1 0" func="cnt" op="equ" val="1">
+                <dgm:choose name="Name27">
+                  <dgm:if name="Name28" axis="ch ch ch" ptType="node node node" st="1 3 0" cnt="1 1 0" func="cnt" op="equ" val="1">
+                    <dgm:constrLst>
+                      <dgm:constr type="ctrX" for="ch" forName="textCenter" refType="w" fact="0.5"/>
+                      <dgm:constr type="t" for="ch" forName="textCenter" refType="h" fact="0.436"/>
+                      <dgm:constr type="w" for="ch" forName="textCenter" refType="w" fact="0.21"/>
+                      <dgm:constr type="h" for="ch" forName="textCenter" refType="w" refFor="ch" refForName="textCenter"/>
+                      <dgm:constr type="ctrX" for="ch" forName="cycle_1" refType="w" fact="0.5"/>
+                      <dgm:constr type="t" for="ch" forName="cycle_1"/>
+                      <dgm:constr type="w" for="ch" forName="cycle_1" refType="w" fact="0.61"/>
+                      <dgm:constr type="h" for="ch" forName="cycle_1" refType="h" fact="0.36"/>
+                      <dgm:constr type="diam" for="ch" forName="cycle_1" refType="w" fact="0.5"/>
+                      <dgm:constr type="l" for="ch" forName="cycle_2"/>
+                      <dgm:constr type="b" for="ch" forName="cycle_2" refType="h" fact="0.85"/>
+                      <dgm:constr type="w" for="ch" forName="cycle_2" refType="w" fact="0.46"/>
+                      <dgm:constr type="h" for="ch" forName="cycle_2" refType="h" fact="0.54"/>
+                      <dgm:constr type="diam" for="ch" forName="cycle_2" refType="w" fact="0.5"/>
+                      <dgm:constr type="r" for="ch" forName="cycle_3" refType="w"/>
+                      <dgm:constr type="b" for="ch" forName="cycle_3" refType="h" fact="0.85"/>
+                      <dgm:constr type="w" for="ch" forName="cycle_3" refType="w" fact="0.46"/>
+                      <dgm:constr type="h" for="ch" forName="cycle_3" refType="h" fact="0.54"/>
+                      <dgm:constr type="diam" for="ch" forName="cycle_3" refType="w" fact="0.5"/>
+                      <dgm:constr type="primFontSz" for="ch" forName="textCenter" val="65"/>
+                      <dgm:constr type="primFontSz" for="des" forName="childCenter1" val="65"/>
+                      <dgm:constr type="primFontSz" for="des" forName="text1" op="equ" val="65"/>
+                      <dgm:constr type="primFontSz" for="des" forName="childCenter2" refType="primFontSz" refFor="des" refForName="childCenter1" op="equ"/>
+                      <dgm:constr type="primFontSz" for="des" forName="text2" refType="primFontSz" refFor="des" refForName="text1" op="equ"/>
+                      <dgm:constr type="primFontSz" for="des" forName="childCenter3" refType="primFontSz" refFor="des" refForName="childCenter1" op="equ"/>
+                      <dgm:constr type="primFontSz" for="des" forName="text3" refType="primFontSz" refFor="des" refForName="text1" op="equ"/>
+                      <dgm:constr type="userS" for="des" ptType="node" refType="w" refFor="ch" refForName="textCenter" fact="0.67"/>
+                    </dgm:constrLst>
+                  </dgm:if>
+                  <dgm:else name="Name29">
+                    <dgm:constrLst>
+                      <dgm:constr type="ctrX" for="ch" forName="textCenter" refType="w" fact="0.5"/>
+                      <dgm:constr type="t" for="ch" forName="textCenter" refType="h" fact="0.436"/>
+                      <dgm:constr type="w" for="ch" forName="textCenter" refType="w" fact="0.21"/>
+                      <dgm:constr type="h" for="ch" forName="textCenter" refType="w" refFor="ch" refForName="textCenter"/>
+                      <dgm:constr type="ctrX" for="ch" forName="cycle_1" refType="w" fact="0.5"/>
+                      <dgm:constr type="t" for="ch" forName="cycle_1"/>
+                      <dgm:constr type="w" for="ch" forName="cycle_1" refType="w" fact="0.61"/>
+                      <dgm:constr type="h" for="ch" forName="cycle_1" refType="h" fact="0.36"/>
+                      <dgm:constr type="diam" for="ch" forName="cycle_1" refType="w" fact="0.5"/>
+                      <dgm:constr type="l" for="ch" forName="cycle_2"/>
+                      <dgm:constr type="b" for="ch" forName="cycle_2" refType="h" fact="0.85"/>
+                      <dgm:constr type="w" for="ch" forName="cycle_2" refType="w" fact="0.46"/>
+                      <dgm:constr type="h" for="ch" forName="cycle_2" refType="h" fact="0.54"/>
+                      <dgm:constr type="diam" for="ch" forName="cycle_2" refType="w" fact="0.5"/>
+                      <dgm:constr type="r" for="ch" forName="cycle_3" refType="w"/>
+                      <dgm:constr type="b" for="ch" forName="cycle_3" refType="h"/>
+                      <dgm:constr type="w" for="ch" forName="cycle_3" refType="w" fact="0.46"/>
+                      <dgm:constr type="h" for="ch" forName="cycle_3" refType="h" fact="0.54"/>
+                      <dgm:constr type="diam" for="ch" forName="cycle_3" refType="w" fact="0.5"/>
+                      <dgm:constr type="primFontSz" for="ch" forName="textCenter" val="65"/>
+                      <dgm:constr type="primFontSz" for="des" forName="childCenter1" val="65"/>
+                      <dgm:constr type="primFontSz" for="des" forName="text1" op="equ" val="65"/>
+                      <dgm:constr type="primFontSz" for="des" forName="childCenter2" refType="primFontSz" refFor="des" refForName="childCenter1" op="equ"/>
+                      <dgm:constr type="primFontSz" for="des" forName="text2" refType="primFontSz" refFor="des" refForName="text1" op="equ"/>
+                      <dgm:constr type="primFontSz" for="des" forName="childCenter3" refType="primFontSz" refFor="des" refForName="childCenter1" op="equ"/>
+                      <dgm:constr type="primFontSz" for="des" forName="text3" refType="primFontSz" refFor="des" refForName="text1" op="equ"/>
+                      <dgm:constr type="userS" for="des" ptType="node" refType="w" refFor="ch" refForName="textCenter" fact="0.67"/>
+                    </dgm:constrLst>
+                  </dgm:else>
+                </dgm:choose>
+              </dgm:if>
+              <dgm:else name="Name30">
+                <dgm:choose name="Name31">
+                  <dgm:if name="Name32" axis="ch ch ch" ptType="node node node" st="1 3 0" cnt="1 1 0" func="cnt" op="equ" val="1">
+                    <dgm:constrLst>
+                      <dgm:constr type="ctrX" for="ch" forName="textCenter" refType="w" fact="0.5"/>
+                      <dgm:constr type="t" for="ch" forName="textCenter" refType="h" fact="0.436"/>
+                      <dgm:constr type="w" for="ch" forName="textCenter" refType="w" fact="0.21"/>
+                      <dgm:constr type="h" for="ch" forName="textCenter" refType="w" refFor="ch" refForName="textCenter"/>
+                      <dgm:constr type="ctrX" for="ch" forName="cycle_1" refType="w" fact="0.5"/>
+                      <dgm:constr type="t" for="ch" forName="cycle_1"/>
+                      <dgm:constr type="w" for="ch" forName="cycle_1" refType="w" fact="0.61"/>
+                      <dgm:constr type="h" for="ch" forName="cycle_1" refType="h" fact="0.36"/>
+                      <dgm:constr type="diam" for="ch" forName="cycle_1" refType="w" fact="0.5"/>
+                      <dgm:constr type="l" for="ch" forName="cycle_2"/>
+                      <dgm:constr type="b" for="ch" forName="cycle_2" refType="h"/>
+                      <dgm:constr type="w" for="ch" forName="cycle_2" refType="w" fact="0.46"/>
+                      <dgm:constr type="h" for="ch" forName="cycle_2" refType="h" fact="0.54"/>
+                      <dgm:constr type="diam" for="ch" forName="cycle_2" refType="w" fact="0.5"/>
+                      <dgm:constr type="r" for="ch" forName="cycle_3" refType="w"/>
+                      <dgm:constr type="b" for="ch" forName="cycle_3" refType="h" fact="0.85"/>
+                      <dgm:constr type="w" for="ch" forName="cycle_3" refType="w" fact="0.46"/>
+                      <dgm:constr type="h" for="ch" forName="cycle_3" refType="h" fact="0.54"/>
+                      <dgm:constr type="diam" for="ch" forName="cycle_3" refType="w" fact="0.5"/>
+                      <dgm:constr type="primFontSz" for="ch" forName="textCenter" val="65"/>
+                      <dgm:constr type="primFontSz" for="des" forName="childCenter1" val="65"/>
+                      <dgm:constr type="primFontSz" for="des" forName="text1" op="equ" val="65"/>
+                      <dgm:constr type="primFontSz" for="des" forName="childCenter2" refType="primFontSz" refFor="des" refForName="childCenter1" op="equ"/>
+                      <dgm:constr type="primFontSz" for="des" forName="text2" refType="primFontSz" refFor="des" refForName="text1" op="equ"/>
+                      <dgm:constr type="primFontSz" for="des" forName="childCenter3" refType="primFontSz" refFor="des" refForName="childCenter1" op="equ"/>
+                      <dgm:constr type="primFontSz" for="des" forName="text3" refType="primFontSz" refFor="des" refForName="text1" op="equ"/>
+                      <dgm:constr type="userS" for="des" ptType="node" refType="w" refFor="ch" refForName="textCenter" fact="0.67"/>
+                    </dgm:constrLst>
+                  </dgm:if>
+                  <dgm:else name="Name33">
+                    <dgm:constrLst>
+                      <dgm:constr type="ctrX" for="ch" forName="textCenter" refType="w" fact="0.5"/>
+                      <dgm:constr type="t" for="ch" forName="textCenter" refType="h" fact="0.436"/>
+                      <dgm:constr type="w" for="ch" forName="textCenter" refType="w" fact="0.21"/>
+                      <dgm:constr type="h" for="ch" forName="textCenter" refType="w" refFor="ch" refForName="textCenter"/>
+                      <dgm:constr type="ctrX" for="ch" forName="cycle_1" refType="w" fact="0.5"/>
+                      <dgm:constr type="t" for="ch" forName="cycle_1"/>
+                      <dgm:constr type="w" for="ch" forName="cycle_1" refType="w" fact="0.61"/>
+                      <dgm:constr type="h" for="ch" forName="cycle_1" refType="h" fact="0.36"/>
+                      <dgm:constr type="diam" for="ch" forName="cycle_1" refType="w" fact="0.5"/>
+                      <dgm:constr type="l" for="ch" forName="cycle_2"/>
+                      <dgm:constr type="b" for="ch" forName="cycle_2" refType="h"/>
+                      <dgm:constr type="w" for="ch" forName="cycle_2" refType="w" fact="0.46"/>
+                      <dgm:constr type="h" for="ch" forName="cycle_2" refType="h" fact="0.54"/>
+                      <dgm:constr type="diam" for="ch" forName="cycle_2" refType="w" fact="0.5"/>
+                      <dgm:constr type="r" for="ch" forName="cycle_3" refType="w"/>
+                      <dgm:constr type="b" for="ch" forName="cycle_3" refType="h"/>
+                      <dgm:constr type="w" for="ch" forName="cycle_3" refType="w" fact="0.46"/>
+                      <dgm:constr type="h" for="ch" forName="cycle_3" refType="h" fact="0.54"/>
+                      <dgm:constr type="diam" for="ch" forName="cycle_3" refType="w" fact="0.5"/>
+                      <dgm:constr type="primFontSz" for="ch" forName="textCenter" val="65"/>
+                      <dgm:constr type="primFontSz" for="des" forName="childCenter1" val="65"/>
+                      <dgm:constr type="primFontSz" for="des" forName="text1" op="equ" val="65"/>
+                      <dgm:constr type="primFontSz" for="des" forName="childCenter2" refType="primFontSz" refFor="des" refForName="childCenter1" op="equ"/>
+                      <dgm:constr type="primFontSz" for="des" forName="text2" refType="primFontSz" refFor="des" refForName="text1" op="equ"/>
+                      <dgm:constr type="primFontSz" for="des" forName="childCenter3" refType="primFontSz" refFor="des" refForName="childCenter1" op="equ"/>
+                      <dgm:constr type="primFontSz" for="des" forName="text3" refType="primFontSz" refFor="des" refForName="text1" op="equ"/>
+                      <dgm:constr type="userS" for="des" ptType="node" refType="w" refFor="ch" refForName="textCenter" fact="0.67"/>
+                    </dgm:constrLst>
+                  </dgm:else>
+                </dgm:choose>
+              </dgm:else>
+            </dgm:choose>
+          </dgm:if>
+          <dgm:if name="Name34" axis="ch ch" ptType="node node" func="cnt" op="equ" val="4">
+            <dgm:constrLst>
+              <dgm:constr type="ctrX" for="ch" forName="textCenter" refType="w" fact="0.5"/>
+              <dgm:constr type="ctrY" for="ch" forName="textCenter" refType="h" fact="0.5"/>
+              <dgm:constr type="w" for="ch" forName="textCenter" refType="w" fact="0.2"/>
+              <dgm:constr type="h" for="ch" forName="textCenter" refType="w" refFor="ch" refForName="textCenter"/>
+              <dgm:constr type="ctrX" for="ch" forName="cycle_1" refType="w" fact="0.5"/>
+              <dgm:constr type="t" for="ch" forName="cycle_1"/>
+              <dgm:constr type="w" for="ch" forName="cycle_1" refType="w" fact="0.5"/>
+              <dgm:constr type="h" for="ch" forName="cycle_1" refType="h" fact="0.33"/>
+              <dgm:constr type="l" for="ch" forName="cycle_2"/>
+              <dgm:constr type="ctrY" for="ch" forName="cycle_2" refType="h" fact="0.5"/>
+              <dgm:constr type="w" for="ch" forName="cycle_2" refType="w" fact="0.33"/>
+              <dgm:constr type="h" for="ch" forName="cycle_2" refType="h" fact="0.5"/>
+              <dgm:constr type="ctrX" for="ch" forName="cycle_3" refType="w" fact="0.5"/>
+              <dgm:constr type="b" for="ch" forName="cycle_3" refType="h"/>
+              <dgm:constr type="w" for="ch" forName="cycle_3" refType="w" fact="0.5"/>
+              <dgm:constr type="h" for="ch" forName="cycle_3" refType="h" fact="0.33"/>
+              <dgm:constr type="r" for="ch" forName="cycle_4" refType="w"/>
+              <dgm:constr type="ctrY" for="ch" forName="cycle_4" refType="h" fact="0.5"/>
+              <dgm:constr type="w" for="ch" forName="cycle_4" refType="w" fact="0.33"/>
+              <dgm:constr type="h" for="ch" forName="cycle_4" refType="h" fact="0.5"/>
+              <dgm:constr type="primFontSz" for="ch" forName="textCenter" val="65"/>
+              <dgm:constr type="primFontSz" for="des" forName="childCenter1" val="65"/>
+              <dgm:constr type="primFontSz" for="des" forName="text1" op="equ" val="65"/>
+              <dgm:constr type="primFontSz" for="des" forName="childCenter2" refType="primFontSz" refFor="des" refForName="childCenter1" op="equ"/>
+              <dgm:constr type="primFontSz" for="des" forName="text2" refType="primFontSz" refFor="des" refForName="text1" op="equ"/>
+              <dgm:constr type="primFontSz" for="des" forName="childCenter3" refType="primFontSz" refFor="des" refForName="childCenter1" op="equ"/>
+              <dgm:constr type="primFontSz" for="des" forName="text3" refType="primFontSz" refFor="des" refForName="text1" op="equ"/>
+              <dgm:constr type="primFontSz" for="des" forName="childCenter4" refType="primFontSz" refFor="des" refForName="childCenter1" op="equ"/>
+              <dgm:constr type="primFontSz" for="des" forName="text4" refType="primFontSz" refFor="des" refForName="text1" op="equ"/>
+              <dgm:constr type="userS" for="des" ptType="node" refType="w" refFor="ch" refForName="textCenter" fact="0.67"/>
+            </dgm:constrLst>
+          </dgm:if>
+          <dgm:if name="Name35" axis="ch ch" ptType="node node" func="cnt" op="equ" val="5">
+            <dgm:constrLst>
+              <dgm:constr type="ctrX" for="ch" forName="textCenter" refType="w" fact="0.5"/>
+              <dgm:constr type="t" for="ch" forName="textCenter" refType="h" fact="0.42"/>
+              <dgm:constr type="w" for="ch" forName="textCenter" refType="w" fact="0.2"/>
+              <dgm:constr type="h" for="ch" forName="textCenter" refType="w" refFor="ch" refForName="textCenter"/>
+              <dgm:constr type="ctrX" for="ch" forName="cycle_1" refType="w" fact="0.5"/>
+              <dgm:constr type="t" for="ch" forName="cycle_1"/>
+              <dgm:constr type="w" for="ch" forName="cycle_1" refType="w" fact="0.33"/>
+              <dgm:constr type="h" for="ch" forName="cycle_1" refType="w" refFor="ch" refForName="cycle_1"/>
+              <dgm:constr type="l" for="ch" forName="cycle_2"/>
+              <dgm:constr type="t" for="ch" forName="cycle_2" refType="h" fact="0.24"/>
+              <dgm:constr type="w" for="ch" forName="cycle_2" refType="w" fact="0.33"/>
+              <dgm:constr type="h" for="ch" forName="cycle_2" refType="w" refFor="ch" refForName="cycle_2"/>
+              <dgm:constr type="l" for="ch" forName="cycle_3" refType="w" fact="0.11"/>
+              <dgm:constr type="b" for="ch" forName="cycle_3" refType="h"/>
+              <dgm:constr type="w" for="ch" forName="cycle_3" refType="w" fact="0.33"/>
+              <dgm:constr type="h" for="ch" forName="cycle_3" refType="w" refFor="ch" refForName="cycle_3"/>
+              <dgm:constr type="r" for="ch" forName="cycle_4" refType="w" fact="0.89"/>
+              <dgm:constr type="b" for="ch" forName="cycle_4" refType="h"/>
+              <dgm:constr type="w" for="ch" forName="cycle_4" refType="w" fact="0.33"/>
+              <dgm:constr type="h" for="ch" forName="cycle_4" refType="w" refFor="ch" refForName="cycle_4"/>
+              <dgm:constr type="r" for="ch" forName="cycle_5" refType="w"/>
+              <dgm:constr type="t" for="ch" forName="cycle_5" refType="h" fact="0.24"/>
+              <dgm:constr type="w" for="ch" forName="cycle_5" refType="w" fact="0.33"/>
+              <dgm:constr type="h" for="ch" forName="cycle_5" refType="w" refFor="ch" refForName="cycle_5"/>
+              <dgm:constr type="primFontSz" for="ch" forName="textCenter" val="65"/>
+              <dgm:constr type="primFontSz" for="des" forName="childCenter1" val="65"/>
+              <dgm:constr type="primFontSz" for="des" forName="text1" op="equ" val="65"/>
+              <dgm:constr type="primFontSz" for="des" forName="childCenter2" refType="primFontSz" refFor="des" refForName="childCenter1" op="equ"/>
+              <dgm:constr type="primFontSz" for="des" forName="text2" refType="primFontSz" refFor="des" refForName="text1" op="equ"/>
+              <dgm:constr type="primFontSz" for="des" forName="childCenter3" refType="primFontSz" refFor="des" refForName="childCenter1" op="equ"/>
+              <dgm:constr type="primFontSz" for="des" forName="text3" refType="primFontSz" refFor="des" refForName="text1" op="equ"/>
+              <dgm:constr type="primFontSz" for="des" forName="childCenter4" refType="primFontSz" refFor="des" refForName="childCenter1" op="equ"/>
+              <dgm:constr type="primFontSz" for="des" forName="text4" refType="primFontSz" refFor="des" refForName="text1" op="equ"/>
+              <dgm:constr type="primFontSz" for="des" forName="childCenter5" refType="primFontSz" refFor="des" refForName="childCenter1" op="equ"/>
+              <dgm:constr type="primFontSz" for="des" forName="text5" refType="primFontSz" refFor="des" refForName="text1" op="equ"/>
+              <dgm:constr type="userS" for="des" ptType="node" refType="w" refFor="ch" refForName="textCenter" fact="0.67"/>
+            </dgm:constrLst>
+          </dgm:if>
+          <dgm:if name="Name36" axis="ch ch" ptType="node node" func="cnt" op="equ" val="6">
+            <dgm:constrLst>
+              <dgm:constr type="ctrX" for="ch" forName="textCenter" refType="w" fact="0.5"/>
+              <dgm:constr type="ctrY" for="ch" forName="textCenter" refType="h" fact="0.5"/>
+              <dgm:constr type="w" for="ch" forName="textCenter" refType="w" fact="0.2"/>
+              <dgm:constr type="h" for="ch" forName="textCenter" refType="w" refFor="ch" refForName="textCenter"/>
+              <dgm:constr type="ctrX" for="ch" forName="cycle_1" refType="w" fact="0.5"/>
+              <dgm:constr type="t" for="ch" forName="cycle_1"/>
+              <dgm:constr type="w" for="ch" forName="cycle_1" refType="w" fact="0.33"/>
+              <dgm:constr type="h" for="ch" forName="cycle_1" refType="w" refFor="ch" refForName="cycle_1"/>
+              <dgm:constr type="l" for="ch" forName="cycle_2"/>
+              <dgm:constr type="t" for="ch" forName="cycle_2" refType="h" fact="0.17"/>
+              <dgm:constr type="w" for="ch" forName="cycle_2" refType="w" fact="0.33"/>
+              <dgm:constr type="h" for="ch" forName="cycle_2" refType="w" refFor="ch" refForName="cycle_2"/>
+              <dgm:constr type="l" for="ch" forName="cycle_3"/>
+              <dgm:constr type="b" for="ch" forName="cycle_3" refType="h" fact="0.83"/>
+              <dgm:constr type="w" for="ch" forName="cycle_3" refType="w" fact="0.33"/>
+              <dgm:constr type="h" for="ch" forName="cycle_3" refType="w" refFor="ch" refForName="cycle_3"/>
+              <dgm:constr type="ctrX" for="ch" forName="cycle_4" refType="w" fact="0.5"/>
+              <dgm:constr type="b" for="ch" forName="cycle_4" refType="h"/>
+              <dgm:constr type="w" for="ch" forName="cycle_4" refType="w" fact="0.33"/>
+              <dgm:constr type="h" for="ch" forName="cycle_4" refType="w" refFor="ch" refForName="cycle_4"/>
+              <dgm:constr type="r" for="ch" forName="cycle_5" refType="w"/>
+              <dgm:constr type="b" for="ch" forName="cycle_5" refType="h" fact="0.83"/>
+              <dgm:constr type="w" for="ch" forName="cycle_5" refType="w" fact="0.33"/>
+              <dgm:constr type="h" for="ch" forName="cycle_5" refType="w" refFor="ch" refForName="cycle_5"/>
+              <dgm:constr type="r" for="ch" forName="cycle_6" refType="w"/>
+              <dgm:constr type="t" for="ch" forName="cycle_6" refType="h" fact="0.17"/>
+              <dgm:constr type="w" for="ch" forName="cycle_6" refType="w" fact="0.33"/>
+              <dgm:constr type="h" for="ch" forName="cycle_6" refType="w" refFor="ch" refForName="cycle_6"/>
+              <dgm:constr type="primFontSz" for="ch" forName="textCenter" val="65"/>
+              <dgm:constr type="primFontSz" for="des" forName="childCenter1" val="65"/>
+              <dgm:constr type="primFontSz" for="des" forName="text1" op="equ" val="65"/>
+              <dgm:constr type="primFontSz" for="des" forName="childCenter2" refType="primFontSz" refFor="des" refForName="childCenter1" op="equ"/>
+              <dgm:constr type="primFontSz" for="des" forName="text2" refType="primFontSz" refFor="des" refForName="text1" op="equ"/>
+              <dgm:constr type="primFontSz" for="des" forName="childCenter3" refType="primFontSz" refFor="des" refForName="childCenter1" op="equ"/>
+              <dgm:constr type="primFontSz" for="des" forName="text3" refType="primFontSz" refFor="des" refForName="text1" op="equ"/>
+              <dgm:constr type="primFontSz" for="des" forName="childCenter4" refType="primFontSz" refFor="des" refForName="childCenter1" op="equ"/>
+              <dgm:constr type="primFontSz" for="des" forName="text4" refType="primFontSz" refFor="des" refForName="text1" op="equ"/>
+              <dgm:constr type="primFontSz" for="des" forName="childCenter5" refType="primFontSz" refFor="des" refForName="childCenter1" op="equ"/>
+              <dgm:constr type="primFontSz" for="des" forName="text5" refType="primFontSz" refFor="des" refForName="text1" op="equ"/>
+              <dgm:constr type="primFontSz" for="des" forName="childCenter6" refType="primFontSz" refFor="des" refForName="childCenter1" op="equ"/>
+              <dgm:constr type="primFontSz" for="des" forName="text6" refType="primFontSz" refFor="des" refForName="text1" op="equ"/>
+              <dgm:constr type="userS" for="des" ptType="node" refType="w" refFor="ch" refForName="textCenter" fact="0.67"/>
+            </dgm:constrLst>
+          </dgm:if>
+          <dgm:else name="Name37">
+            <dgm:constrLst>
+              <dgm:constr type="ctrX" for="ch" forName="textCenter" refType="w" fact="0.5"/>
+              <dgm:constr type="t" for="ch" forName="textCenter" refType="h" fact="0.444"/>
+              <dgm:constr type="w" for="ch" forName="textCenter" refType="w" fact="0.167"/>
+              <dgm:constr type="h" for="ch" forName="textCenter" refType="w" refFor="ch" refForName="textCenter"/>
+              <dgm:constr type="ctrX" for="ch" forName="cycle_1" refType="w" fact="0.5"/>
+              <dgm:constr type="t" for="ch" forName="cycle_1"/>
+              <dgm:constr type="w" for="ch" forName="cycle_1" refType="w" fact="0.263"/>
+              <dgm:constr type="h" for="ch" forName="cycle_1" refType="w" refFor="ch" refForName="cycle_1"/>
+              <dgm:constr type="l" for="ch" forName="cycle_2" refType="w" fact="0.062"/>
+              <dgm:constr type="t" for="ch" forName="cycle_2" refType="h" fact="0.141"/>
+              <dgm:constr type="w" for="ch" forName="cycle_2" refType="w" fact="0.263"/>
+              <dgm:constr type="h" for="ch" forName="cycle_2" refType="w" refFor="ch" refForName="cycle_2"/>
+              <dgm:constr type="l" for="ch" forName="cycle_3"/>
+              <dgm:constr type="b" for="ch" forName="cycle_3" refType="h" fact="0.74"/>
+              <dgm:constr type="w" for="ch" forName="cycle_3" refType="w" fact="0.263"/>
+              <dgm:constr type="h" for="ch" forName="cycle_3" refType="w" refFor="ch" refForName="cycle_3"/>
+              <dgm:constr type="l" for="ch" forName="cycle_4" refType="w" fact="0.2"/>
+              <dgm:constr type="b" for="ch" forName="cycle_4" refType="h"/>
+              <dgm:constr type="w" for="ch" forName="cycle_4" refType="w" fact="0.263"/>
+              <dgm:constr type="h" for="ch" forName="cycle_4" refType="w" refFor="ch" refForName="cycle_4"/>
+              <dgm:constr type="r" for="ch" forName="cycle_5" refType="w" fact="0.8"/>
+              <dgm:constr type="b" for="ch" forName="cycle_5" refType="h"/>
+              <dgm:constr type="w" for="ch" forName="cycle_5" refType="w" fact="0.263"/>
+              <dgm:constr type="h" for="ch" forName="cycle_5" refType="w" refFor="ch" refForName="cycle_5"/>
+              <dgm:constr type="r" for="ch" forName="cycle_6" refType="w"/>
+              <dgm:constr type="b" for="ch" forName="cycle_6" refType="h" fact="0.74"/>
+              <dgm:constr type="w" for="ch" forName="cycle_6" refType="w" fact="0.263"/>
+              <dgm:constr type="h" for="ch" forName="cycle_6" refType="w" refFor="ch" refForName="cycle_6"/>
+              <dgm:constr type="r" for="ch" forName="cycle_7" refType="w" fact="0.938"/>
+              <dgm:constr type="t" for="ch" forName="cycle_7" refType="h" fact="0.141"/>
+              <dgm:constr type="w" for="ch" forName="cycle_7" refType="w" fact="0.263"/>
+              <dgm:constr type="h" for="ch" forName="cycle_7" refType="w" refFor="ch" refForName="cycle_7"/>
+              <dgm:constr type="primFontSz" for="ch" forName="textCenter" val="65"/>
+              <dgm:constr type="primFontSz" for="des" forName="childCenter1" val="65"/>
+              <dgm:constr type="primFontSz" for="des" forName="text1" op="equ" val="65"/>
+              <dgm:constr type="primFontSz" for="des" forName="childCenter2" refType="primFontSz" refFor="des" refForName="childCenter1" op="equ"/>
+              <dgm:constr type="primFontSz" for="des" forName="text2" refType="primFontSz" refFor="des" refForName="text1" op="equ"/>
+              <dgm:constr type="primFontSz" for="des" forName="childCenter3" refType="primFontSz" refFor="des" refForName="childCenter1" op="equ"/>
+              <dgm:constr type="primFontSz" for="des" forName="text3" refType="primFontSz" refFor="des" refForName="text1" op="equ"/>
+              <dgm:constr type="primFontSz" for="des" forName="childCenter4" refType="primFontSz" refFor="des" refForName="childCenter1" op="equ"/>
+              <dgm:constr type="primFontSz" for="des" forName="text4" refType="primFontSz" refFor="des" refForName="text1" op="equ"/>
+              <dgm:constr type="primFontSz" for="des" forName="childCenter5" refType="primFontSz" refFor="des" refForName="childCenter1" op="equ"/>
+              <dgm:constr type="primFontSz" for="des" forName="text5" refType="primFontSz" refFor="des" refForName="text1" op="equ"/>
+              <dgm:constr type="primFontSz" for="des" forName="childCenter6" refType="primFontSz" refFor="des" refForName="childCenter1" op="equ"/>
+              <dgm:constr type="primFontSz" for="des" forName="text6" refType="primFontSz" refFor="des" refForName="text1" op="equ"/>
+              <dgm:constr type="primFontSz" for="des" forName="childCenter7" refType="primFontSz" refFor="des" refForName="childCenter1" op="equ"/>
+              <dgm:constr type="primFontSz" for="des" forName="text7" refType="primFontSz" refFor="des" refForName="text1" op="equ"/>
+              <dgm:constr type="userS" for="des" ptType="node" refType="w" refFor="ch" refForName="textCenter" fact="0.67"/>
+            </dgm:constrLst>
+          </dgm:else>
+        </dgm:choose>
+      </dgm:else>
+    </dgm:choose>
+    <dgm:forEach name="Name38" axis="ch" ptType="node" cnt="1">
+      <dgm:choose name="Name39">
+        <dgm:if name="Name40" axis="des" func="maxDepth" op="lte" val="1">
+          <dgm:layoutNode name="singleCycle">
+            <dgm:choose name="Name41">
+              <dgm:if name="Name42" axis="ch" ptType="node" func="cnt" op="equ" val="1">
+                <dgm:choose name="Name43">
+                  <dgm:if name="Name44" func="var" arg="dir" op="equ" val="norm">
+                    <dgm:alg type="cycle">
+                      <dgm:param type="stAng" val="90"/>
+                      <dgm:param type="ctrShpMap" val="fNode"/>
+                    </dgm:alg>
+                  </dgm:if>
+                  <dgm:else name="Name45">
+                    <dgm:alg type="cycle">
+                      <dgm:param type="stAng" val="-90"/>
+                      <dgm:param type="spanAng" val="-360"/>
+                      <dgm:param type="ctrShpMap" val="fNode"/>
+                    </dgm:alg>
+                  </dgm:else>
+                </dgm:choose>
+              </dgm:if>
+              <dgm:else name="Name46">
+                <dgm:choose name="Name47">
+                  <dgm:if name="Name48" func="var" arg="dir" op="equ" val="norm">
+                    <dgm:alg type="cycle">
+                      <dgm:param type="ctrShpMap" val="fNode"/>
+                    </dgm:alg>
+                  </dgm:if>
+                  <dgm:else name="Name49">
+                    <dgm:alg type="cycle">
+                      <dgm:param type="spanAng" val="-360"/>
+                      <dgm:param type="ctrShpMap" val="fNode"/>
+                    </dgm:alg>
+                  </dgm:else>
+                </dgm:choose>
+              </dgm:else>
+            </dgm:choose>
+            <dgm:shape xmlns:r="http://schemas.openxmlformats.org/officeDocument/2006/relationships" r:blip="">
+              <dgm:adjLst/>
+            </dgm:shape>
+            <dgm:presOf/>
+            <dgm:choose name="Name50">
+              <dgm:if name="Name51" axis="ch" ptType="node" func="cnt" op="equ" val="0">
+                <dgm:constrLst>
+                  <dgm:constr type="w" for="ch" forName="singleCenter" refType="w"/>
+                  <dgm:constr type="h" for="ch" forName="singleCenter" refType="w" refFor="ch" refForName="singleCenter"/>
+                </dgm:constrLst>
+              </dgm:if>
+              <dgm:if name="Name52" axis="ch" ptType="node" func="cnt" op="equ" val="1">
+                <dgm:constrLst>
+                  <dgm:constr type="w" for="ch" forName="singleCenter" refType="w" fact="0.5"/>
+                  <dgm:constr type="h" for="ch" forName="singleCenter" refType="w" refFor="ch" refForName="singleCenter"/>
+                  <dgm:constr type="userS" for="ch" ptType="node" refType="w" refFor="ch" refForName="singleCenter" fact="0.67"/>
+                </dgm:constrLst>
+              </dgm:if>
+              <dgm:else name="Name53">
+                <dgm:constrLst>
+                  <dgm:constr type="w" for="ch" forName="singleCenter" refType="w" fact="0.3"/>
+                  <dgm:constr type="h" for="ch" forName="singleCenter" refType="w" refFor="ch" refForName="singleCenter"/>
+                  <dgm:constr type="userS" for="ch" ptType="node" refType="w" refFor="ch" refForName="singleCenter" fact="0.67"/>
+                </dgm:constrLst>
+              </dgm:else>
+            </dgm:choose>
+            <dgm:layoutNode name="singleCenter" styleLbl="node1">
+              <dgm:varLst>
+                <dgm:chMax val="7"/>
+                <dgm:chPref val="7"/>
+              </dgm:varLst>
+              <dgm:alg type="tx"/>
+              <dgm:shape xmlns:r="http://schemas.openxmlformats.org/officeDocument/2006/relationships" type="roundRect" r:blip="">
+                <dgm:adjLst/>
+              </dgm:shape>
+              <dgm:presOf axis="self" ptType="node"/>
+              <dgm:constrLst>
+                <dgm:constr type="tMarg" refType="primFontSz" fact="0.2"/>
+                <dgm:constr type="bMarg" refType="primFontSz" fact="0.2"/>
+                <dgm:constr type="lMarg" refType="primFontSz" fact="0.2"/>
+                <dgm:constr type="rMarg" refType="primFontSz" fact="0.2"/>
+              </dgm:constrLst>
+              <dgm:ruleLst>
+                <dgm:rule type="primFontSz" val="5" fact="NaN" max="NaN"/>
+              </dgm:ruleLst>
+            </dgm:layoutNode>
+            <dgm:forEach name="Name54" axis="ch" cnt="21">
+              <dgm:forEach name="Name55" axis="self" ptType="parTrans">
+                <dgm:layoutNode name="Name56">
+                  <dgm:alg type="conn">
+                    <dgm:param type="dim" val="1D"/>
+                    <dgm:param type="begPts" val="auto"/>
+                    <dgm:param type="endPts" val="auto"/>
+                    <dgm:param type="begSty" val="noArr"/>
+                    <dgm:param type="endSty" val="noArr"/>
+                  </dgm:alg>
+                  <dgm:shape xmlns:r="http://schemas.openxmlformats.org/officeDocument/2006/relationships" type="conn" r:blip="">
+                    <dgm:adjLst/>
                   </dgm:shape>
-                </dgm:if>
-                <dgm:else name="Name13">
-                  <dgm:shape xmlns:r="http://schemas.openxmlformats.org/officeDocument/2006/relationships" rot="180" type="bentArrow" r:blip="">
-                    <dgm:adjLst>
-                      <dgm:adj idx="1" val="0.3284"/>
-                      <dgm:adj idx="2" val="0.25"/>
-                      <dgm:adj idx="3" val="0.3578"/>
-                      <dgm:adj idx="4" val="0"/>
-                    </dgm:adjLst>
-                  </dgm:shape>
-                </dgm:else>
-              </dgm:choose>
-              <dgm:presOf/>
-            </dgm:layoutNode>
-          </dgm:if>
-          <dgm:else name="Name14"/>
-        </dgm:choose>
-        <dgm:layoutNode name="ParentText" styleLbl="node1">
-          <dgm:varLst>
-            <dgm:chMax val="1"/>
-            <dgm:chPref val="1"/>
-            <dgm:bulletEnabled val="1"/>
-          </dgm:varLst>
-          <dgm:alg type="tx"/>
-          <dgm:shape xmlns:r="http://schemas.openxmlformats.org/officeDocument/2006/relationships" type="roundRect" r:blip="">
-            <dgm:adjLst>
-              <dgm:adj idx="1" val="0.1667"/>
-            </dgm:adjLst>
-          </dgm:shape>
-          <dgm:presOf axis="self" ptType="node"/>
-          <dgm:constrLst>
-            <dgm:constr type="lMarg" refType="primFontSz" fact="0.3"/>
-            <dgm:constr type="rMarg" refType="primFontSz" fact="0.3"/>
-            <dgm:constr type="tMarg" refType="primFontSz" fact="0.3"/>
-            <dgm:constr type="bMarg" refType="primFontSz" fact="0.3"/>
-          </dgm:constrLst>
-          <dgm:ruleLst>
-            <dgm:rule type="primFontSz" val="5" fact="NaN" max="NaN"/>
-          </dgm:ruleLst>
-        </dgm:layoutNode>
-        <dgm:choose name="Name15">
-          <dgm:if name="Name16" axis="followSib" ptType="node" func="cnt" op="equ" val="0">
-            <dgm:choose name="Name17">
-              <dgm:if name="Name18" axis="ch" ptType="node" func="cnt" op="gte" val="1">
-                <dgm:layoutNode name="FinalChildText" styleLbl="revTx">
+                  <dgm:presOf axis="self"/>
+                  <dgm:constrLst>
+                    <dgm:constr type="begPad"/>
+                    <dgm:constr type="endPad"/>
+                  </dgm:constrLst>
+                </dgm:layoutNode>
+              </dgm:forEach>
+              <dgm:forEach name="Name57" axis="self" ptType="node">
+                <dgm:layoutNode name="text0" styleLbl="node1">
                   <dgm:varLst>
-                    <dgm:chMax val="0"/>
-                    <dgm:chPref val="0"/>
                     <dgm:bulletEnabled val="1"/>
                   </dgm:varLst>
-                  <dgm:alg type="tx">
-                    <dgm:param type="stBulletLvl" val="1"/>
-                    <dgm:param type="txAnchorVertCh" val="mid"/>
-                    <dgm:param type="parTxLTRAlign" val="l"/>
-                  </dgm:alg>
-                  <dgm:shape xmlns:r="http://schemas.openxmlformats.org/officeDocument/2006/relationships" type="rect" r:blip="">
+                  <dgm:alg type="tx"/>
+                  <dgm:shape xmlns:r="http://schemas.openxmlformats.org/officeDocument/2006/relationships" type="roundRect" r:blip="">
                     <dgm:adjLst/>
                   </dgm:shape>
-                  <dgm:presOf axis="des" ptType="node"/>
+                  <dgm:presOf axis="desOrSelf" ptType="node"/>
                   <dgm:constrLst>
-                    <dgm:constr type="lMarg" refType="primFontSz" fact="0.3"/>
-                    <dgm:constr type="rMarg" refType="primFontSz" fact="0.3"/>
-                    <dgm:constr type="tMarg" refType="primFontSz" fact="0.3"/>
-                    <dgm:constr type="bMarg" refType="primFontSz" fact="0.3"/>
+                    <dgm:constr type="userS"/>
+                    <dgm:constr type="w" refType="userS"/>
+                    <dgm:constr type="h" refType="w"/>
+                    <dgm:constr type="tMarg" refType="primFontSz" fact="0.2"/>
+                    <dgm:constr type="bMarg" refType="primFontSz" fact="0.2"/>
+                    <dgm:constr type="lMarg" refType="primFontSz" fact="0.2"/>
+                    <dgm:constr type="rMarg" refType="primFontSz" fact="0.2"/>
                   </dgm:constrLst>
                   <dgm:ruleLst>
                     <dgm:rule type="primFontSz" val="5" fact="NaN" max="NaN"/>
                   </dgm:ruleLst>
                 </dgm:layoutNode>
-              </dgm:if>
-              <dgm:else name="Name19"/>
-            </dgm:choose>
-          </dgm:if>
-          <dgm:else name="Name20">
-            <dgm:layoutNode name="ChildText" styleLbl="revTx">
-              <dgm:varLst>
-                <dgm:chMax val="0"/>
-                <dgm:chPref val="0"/>
-                <dgm:bulletEnabled val="1"/>
-              </dgm:varLst>
-              <dgm:alg type="tx">
-                <dgm:param type="stBulletLvl" val="1"/>
-                <dgm:param type="txAnchorVertCh" val="mid"/>
-                <dgm:param type="parTxLTRAlign" val="l"/>
-              </dgm:alg>
-              <dgm:shape xmlns:r="http://schemas.openxmlformats.org/officeDocument/2006/relationships" type="rect" r:blip="">
-                <dgm:adjLst/>
-              </dgm:shape>
-              <dgm:presOf axis="des" ptType="node"/>
-              <dgm:constrLst>
-                <dgm:constr type="lMarg" refType="primFontSz" fact="0.3"/>
-                <dgm:constr type="rMarg" refType="primFontSz" fact="0.3"/>
-                <dgm:constr type="tMarg" refType="primFontSz" fact="0.3"/>
-                <dgm:constr type="bMarg" refType="primFontSz" fact="0.3"/>
-              </dgm:constrLst>
-              <dgm:ruleLst>
-                <dgm:rule type="primFontSz" val="5" fact="NaN" max="NaN"/>
-              </dgm:ruleLst>
-            </dgm:layoutNode>
-          </dgm:else>
-        </dgm:choose>
-      </dgm:layoutNode>
-      <dgm:forEach name="sibTransForEach" axis="followSib" ptType="sibTrans" cnt="1">
-        <dgm:layoutNode name="sibTrans">
-          <dgm:alg type="sp"/>
-          <dgm:shape xmlns:r="http://schemas.openxmlformats.org/officeDocument/2006/relationships" r:blip="">
-            <dgm:adjLst/>
-          </dgm:shape>
-        </dgm:layoutNode>
-      </dgm:forEach>
+              </dgm:forEach>
+            </dgm:forEach>
+          </dgm:layoutNode>
+        </dgm:if>
+        <dgm:else name="Name58">
+          <dgm:layoutNode name="textCenter" styleLbl="node1">
+            <dgm:alg type="tx"/>
+            <dgm:shape xmlns:r="http://schemas.openxmlformats.org/officeDocument/2006/relationships" type="roundRect" r:blip="">
+              <dgm:adjLst/>
+            </dgm:shape>
+            <dgm:presOf axis="self" ptType="node"/>
+            <dgm:constrLst>
+              <dgm:constr type="tMarg" refType="primFontSz" fact="0.2"/>
+              <dgm:constr type="bMarg" refType="primFontSz" fact="0.2"/>
+              <dgm:constr type="lMarg" refType="primFontSz" fact="0.2"/>
+              <dgm:constr type="rMarg" refType="primFontSz" fact="0.2"/>
+            </dgm:constrLst>
+            <dgm:ruleLst>
+              <dgm:rule type="primFontSz" val="5" fact="NaN" max="NaN"/>
+            </dgm:ruleLst>
+          </dgm:layoutNode>
+          <dgm:choose name="Name59">
+            <dgm:if name="Name60" axis="ch" ptType="node" func="cnt" op="gte" val="1">
+              <dgm:layoutNode name="cycle_1">
+                <dgm:choose name="Name61">
+                  <dgm:if name="Name62" func="var" arg="dir" op="equ" val="norm">
+                    <dgm:choose name="Name63">
+                      <dgm:if name="Name64" axis="ch" ptType="node" func="cnt" op="equ" val="1">
+                        <dgm:choose name="Name65">
+                          <dgm:if name="Name66" axis="ch ch" ptType="node node" st="1 1" cnt="1 0" func="cnt" op="equ" val="1">
+                            <dgm:alg type="cycle">
+                              <dgm:param type="ctrShpMap" val="fNode"/>
+                              <dgm:param type="stAng" val="90"/>
+                            </dgm:alg>
+                          </dgm:if>
+                          <dgm:if name="Name67" axis="ch ch" ptType="node node" st="1 1" cnt="1 0" func="cnt" op="equ" val="2">
+                            <dgm:alg type="cycle">
+                              <dgm:param type="ctrShpMap" val="fNode"/>
+                              <dgm:param type="stAng" val="45"/>
+                              <dgm:param type="spanAng" val="90"/>
+                            </dgm:alg>
+                          </dgm:if>
+                          <dgm:else name="Name68">
+                            <dgm:alg type="cycle">
+                              <dgm:param type="ctrShpMap" val="fNode"/>
+                              <dgm:param type="stAng" val="0"/>
+                              <dgm:param type="spanAng" val="180"/>
+                            </dgm:alg>
+                          </dgm:else>
+                        </dgm:choose>
+                      </dgm:if>
+                      <dgm:if name="Name69" axis="ch" ptType="node" func="cnt" op="equ" val="2">
+                        <dgm:choose name="Name70">
+                          <dgm:if name="Name71" axis="ch ch" ptType="node node" st="1 1" cnt="1 0" func="cnt" op="equ" val="1">
+                            <dgm:alg type="cycle">
+                              <dgm:param type="ctrShpMap" val="fNode"/>
+                              <dgm:param type="stAng" val="0"/>
+                            </dgm:alg>
+                          </dgm:if>
+                          <dgm:if name="Name72" axis="ch ch" ptType="node node" st="1 1" cnt="1 0" func="cnt" op="equ" val="2">
+                            <dgm:alg type="cycle">
+                              <dgm:param type="ctrShpMap" val="fNode"/>
+                              <dgm:param type="stAng" val="315"/>
+                              <dgm:param type="spanAng" val="90"/>
+                            </dgm:alg>
+                          </dgm:if>
+                          <dgm:else name="Name73">
+                            <dgm:alg type="cycle">
+                              <dgm:param type="ctrShpMap" val="fNode"/>
+                              <dgm:param type="stAng" val="270"/>
+                              <dgm:param type="spanAng" val="180"/>
+                            </dgm:alg>
+                          </dgm:else>
+                        </dgm:choose>
+                      </dgm:if>
+                      <dgm:if name="Name74" axis="ch" ptType="node" func="cnt" op="equ" val="3">
+                        <dgm:choose name="Name75">
+                          <dgm:if name="Name76" axis="ch ch" ptType="node node" st="1 1" cnt="1 0" func="cnt" op="equ" val="1">
+                            <dgm:alg type="cycle">
+                              <dgm:param type="ctrShpMap" val="fNode"/>
+                              <dgm:param type="stAng" val="0"/>
+                            </dgm:alg>
+                          </dgm:if>
+                          <dgm:if name="Name77" axis="ch ch" ptType="node node" st="1 1" cnt="1 0" func="cnt" op="equ" val="2">
+                            <dgm:alg type="cycle">
+                              <dgm:param type="ctrShpMap" val="fNode"/>
+                              <dgm:param type="stAng" val="315"/>
+                              <dgm:param type="spanAng" val="90"/>
+                            </dgm:alg>
+                          </dgm:if>
+                          <dgm:else name="Name78">
+                            <dgm:alg type="cycle">
+                              <dgm:param type="ctrShpMap" val="fNode"/>
+                              <dgm:param type="stAng" val="270"/>
+                              <dgm:param type="spanAng" val="180"/>
+                            </dgm:alg>
+                          </dgm:else>
+                        </dgm:choose>
+                      </dgm:if>
+                      <dgm:if name="Name79" axis="ch" ptType="node" func="cnt" op="equ" val="4">
+                        <dgm:choose name="Name80">
+                          <dgm:if name="Name81" axis="ch ch" ptType="node node" st="1 1" cnt="1 0" func="cnt" op="equ" val="1">
+                            <dgm:alg type="cycle">
+                              <dgm:param type="ctrShpMap" val="fNode"/>
+                              <dgm:param type="stAng" val="0"/>
+                            </dgm:alg>
+                          </dgm:if>
+                          <dgm:if name="Name82" axis="ch ch" ptType="node node" st="1 1" cnt="1 0" func="cnt" op="equ" val="2">
+                            <dgm:alg type="cycle">
+                              <dgm:param type="ctrShpMap" val="fNode"/>
+                              <dgm:param type="stAng" val="315"/>
+                              <dgm:param type="spanAng" val="90"/>
+                            </dgm:alg>
+                          </dgm:if>
+                          <dgm:else name="Name83">
+                            <dgm:alg type="cycle">
+                              <dgm:param type="ctrShpMap" val="fNode"/>
+                              <dgm:param type="stAng" val="292.5"/>
+                              <dgm:param type="spanAng" val="135"/>
+                            </dgm:alg>
+                          </dgm:else>
+                        </dgm:choose>
+                      </dgm:if>
+                      <dgm:if name="Name84" axis="ch" ptType="node" func="cnt" op="equ" val="5">
+                        <dgm:choose name="Name85">
+                          <dgm:if name="Name86" axis="ch ch" ptType="node node" st="1 1" cnt="1 0" func="cnt" op="equ" val="1">
+                            <dgm:alg type="cycle">
+                              <dgm:param type="ctrShpMap" val="fNode"/>
+                              <dgm:param type="stAng" val="0"/>
+                            </dgm:alg>
+                          </dgm:if>
+                          <dgm:if name="Name87" axis="ch ch" ptType="node node" st="1 1" cnt="1 0" func="cnt" op="equ" val="2">
+                            <dgm:alg type="cycle">
+                              <dgm:param type="ctrShpMap" val="fNode"/>
+                              <dgm:param type="stAng" val="315"/>
+                              <dgm:param type="spanAng" val="90"/>
+                            </dgm:alg>
+                          </dgm:if>
+                          <dgm:else name="Name88">
+                            <dgm:alg type="cycle">
+                              <dgm:param type="ctrShpMap" val="fNode"/>
+                              <dgm:param type="stAng" val="0"/>
+                              <dgm:param type="spanAng" val="360"/>
+                            </dgm:alg>
+                          </dgm:else>
+                        </dgm:choose>
+                      </dgm:if>
+                      <dgm:if name="Name89" axis="ch" ptType="node" func="cnt" op="equ" val="6">
+                        <dgm:choose name="Name90">
+                          <dgm:if name="Name91" axis="ch ch" ptType="node node" st="1 1" cnt="1 0" func="cnt" op="equ" val="1">
+                            <dgm:alg type="cycle">
+                              <dgm:param type="ctrShpMap" val="fNode"/>
+                              <dgm:param type="stAng" val="0"/>
+                            </dgm:alg>
+                          </dgm:if>
+                          <dgm:if name="Name92" axis="ch ch" ptType="node node" st="1 1" cnt="1 0" func="cnt" op="equ" val="2">
+                            <dgm:alg type="cycle">
+                              <dgm:param type="ctrShpMap" val="fNode"/>
+                              <dgm:param type="stAng" val="315"/>
+                              <dgm:param type="spanAng" val="90"/>
+                            </dgm:alg>
+                          </dgm:if>
+                          <dgm:else name="Name93">
+                            <dgm:alg type="cycle">
+                              <dgm:param type="ctrShpMap" val="fNode"/>
+                              <dgm:param type="stAng" val="0"/>
+                              <dgm:param type="spanAng" val="360"/>
+                            </dgm:alg>
+                          </dgm:else>
+                        </dgm:choose>
+                      </dgm:if>
+                      <dgm:if name="Name94" axis="ch" ptType="node" func="cnt" op="gte" val="7">
+                        <dgm:choose name="Name95">
+                          <dgm:if name="Name96" axis="ch ch" ptType="node node" st="1 1" cnt="1 0" func="cnt" op="equ" val="1">
+                            <dgm:alg type="cycle">
+                              <dgm:param type="ctrShpMap" val="fNode"/>
+                              <dgm:param type="stAng" val="0"/>
+                            </dgm:alg>
+                          </dgm:if>
+                          <dgm:if name="Name97" axis="ch ch" ptType="node node" st="1 1" cnt="1 0" func="cnt" op="equ" val="2">
+                            <dgm:alg type="cycle">
+                              <dgm:param type="ctrShpMap" val="fNode"/>
+                              <dgm:param type="stAng" val="315"/>
+                              <dgm:param type="spanAng" val="90"/>
+                            </dgm:alg>
+                          </dgm:if>
+                          <dgm:else name="Name98">
+                            <dgm:alg type="cycle">
+                              <dgm:param type="ctrShpMap" val="fNode"/>
+                              <dgm:param type="stAng" val="0"/>
+                              <dgm:param type="spanAng" val="360"/>
+                            </dgm:alg>
+                          </dgm:else>
+                        </dgm:choose>
+                      </dgm:if>
+                      <dgm:else name="Name99"/>
+                    </dgm:choose>
+                  </dgm:if>
+                  <dgm:else name="Name100">
+                    <dgm:choose name="Name101">
+                      <dgm:if name="Name102" axis="ch" ptType="node" func="cnt" op="equ" val="1">
+                        <dgm:choose name="Name103">
+                          <dgm:if name="Name104" axis="ch ch" ptType="node node" st="1 1" cnt="1 0" func="cnt" op="equ" val="1">
+                            <dgm:alg type="cycle">
+                              <dgm:param type="ctrShpMap" val="fNode"/>
+                              <dgm:param type="stAng" val="270"/>
+                            </dgm:alg>
+                          </dgm:if>
+                          <dgm:if name="Name105" axis="ch ch" ptType="node node" st="1 1" cnt="1 0" func="cnt" op="equ" val="2">
+                            <dgm:alg type="cycle">
+                              <dgm:param type="ctrShpMap" val="fNode"/>
+                              <dgm:param type="stAng" val="315"/>
+                              <dgm:param type="spanAng" val="-90"/>
+                            </dgm:alg>
+                          </dgm:if>
+                          <dgm:else name="Name106">
+                            <dgm:alg type="cycle">
+                              <dgm:param type="ctrShpMap" val="fNode"/>
+                              <dgm:param type="stAng" val="0"/>
+                              <dgm:param type="spanAng" val="-180"/>
+                            </dgm:alg>
+                          </dgm:else>
+                        </dgm:choose>
+                      </dgm:if>
+                      <dgm:if name="Name107" axis="ch" ptType="node" func="cnt" op="equ" val="2">
+                        <dgm:choose name="Name108">
+                          <dgm:if name="Name109" axis="ch ch" ptType="node node" st="1 1" cnt="1 0" func="cnt" op="equ" val="1">
+                            <dgm:alg type="cycle">
+                              <dgm:param type="ctrShpMap" val="fNode"/>
+                              <dgm:param type="stAng" val="0"/>
+                            </dgm:alg>
+                          </dgm:if>
+                          <dgm:if name="Name110" axis="ch ch" ptType="node node" st="1 1" cnt="1 0" func="cnt" op="equ" val="2">
+                            <dgm:alg type="cycle">
+                              <dgm:param type="ctrShpMap" val="fNode"/>
+                              <dgm:param type="stAng" val="45"/>
+                              <dgm:param type="spanAng" val="-90"/>
+                            </dgm:alg>
+                          </dgm:if>
+                          <dgm:else name="Name111">
+                            <dgm:alg type="cycle">
+                              <dgm:param type="ctrShpMap" val="fNode"/>
+                              <dgm:param type="stAng" val="90"/>
+                              <dgm:param type="spanAng" val="-180"/>
+                            </dgm:alg>
+                          </dgm:else>
+                        </dgm:choose>
+                      </dgm:if>
+                      <dgm:if name="Name112" axis="ch" ptType="node" func="cnt" op="equ" val="3">
+                        <dgm:choose name="Name113">
+                          <dgm:if name="Name114" axis="ch ch" ptType="node node" st="1 1" cnt="1 0" func="cnt" op="equ" val="1">
+                            <dgm:alg type="cycle">
+                              <dgm:param type="ctrShpMap" val="fNode"/>
+                              <dgm:param type="stAng" val="0"/>
+                            </dgm:alg>
+                          </dgm:if>
+                          <dgm:if name="Name115" axis="ch ch" ptType="node node" st="1 1" cnt="1 0" func="cnt" op="equ" val="2">
+                            <dgm:alg type="cycle">
+                              <dgm:param type="ctrShpMap" val="fNode"/>
+                              <dgm:param type="stAng" val="45"/>
+                              <dgm:param type="spanAng" val="-90"/>
+                            </dgm:alg>
+                          </dgm:if>
+                          <dgm:else name="Name116">
+                            <dgm:alg type="cycle">
+                              <dgm:param type="ctrShpMap" val="fNode"/>
+                              <dgm:param type="stAng" val="90"/>
+                              <dgm:param type="spanAng" val="-180"/>
+                            </dgm:alg>
+                          </dgm:else>
+                        </dgm:choose>
+                      </dgm:if>
+                      <dgm:if name="Name117" axis="ch" ptType="node" func="cnt" op="equ" val="4">
+                        <dgm:choose name="Name118">
+                          <dgm:if name="Name119" axis="ch ch" ptType="node node" st="1 1" cnt="1 0" func="cnt" op="equ" val="1">
+                            <dgm:alg type="cycle">
+                              <dgm:param type="ctrShpMap" val="fNode"/>
+                              <dgm:param type="stAng" val="0"/>
+                            </dgm:alg>
+                          </dgm:if>
+                          <dgm:if name="Name120" axis="ch ch" ptType="node node" st="1 1" cnt="1 0" func="cnt" op="equ" val="2">
+                            <dgm:alg type="cycle">
+                              <dgm:param type="ctrShpMap" val="fNode"/>
+                              <dgm:param type="stAng" val="45"/>
+                              <dgm:param type="spanAng" val="-90"/>
+                            </dgm:alg>
+                          </dgm:if>
+                          <dgm:else name="Name121">
+                            <dgm:alg type="cycle">
+                              <dgm:param type="ctrShpMap" val="fNode"/>
+                              <dgm:param type="stAng" val="67.5"/>
+                              <dgm:param type="spanAng" val="-135"/>
+                            </dgm:alg>
+                          </dgm:else>
+                        </dgm:choose>
+                      </dgm:if>
+                      <dgm:if name="Name122" axis="ch" ptType="node" func="cnt" op="equ" val="5">
+                        <dgm:choose name="Name123">
+                          <dgm:if name="Name124" axis="ch ch" ptType="node node" st="1 1" cnt="1 0" func="cnt" op="equ" val="1">
+                            <dgm:alg type="cycle">
+                              <dgm:param type="ctrShpMap" val="fNode"/>
+                              <dgm:param type="stAng" val="0"/>
+                            </dgm:alg>
+                          </dgm:if>
+                          <dgm:if name="Name125" axis="ch ch" ptType="node node" st="1 1" cnt="1 0" func="cnt" op="equ" val="2">
+                            <dgm:alg type="cycle">
+                              <dgm:param type="ctrShpMap" val="fNode"/>
+                              <dgm:param type="stAng" val="45"/>
+                              <dgm:param type="spanAng" val="-90"/>
+                            </dgm:alg>
+                          </dgm:if>
+                          <dgm:else name="Name126">
+                            <dgm:alg type="cycle">
+                              <dgm:param type="ctrShpMap" val="fNode"/>
+                              <dgm:param type="stAng" val="0"/>
+                              <dgm:param type="spanAng" val="-360"/>
+                            </dgm:alg>
+                          </dgm:else>
+                        </dgm:choose>
+                      </dgm:if>
+                      <dgm:if name="Name127" axis="ch" ptType="node" func="cnt" op="equ" val="6">
+                        <dgm:choose name="Name128">
+                          <dgm:if name="Name129" axis="ch ch" ptType="node node" st="1 1" cnt="1 0" func="cnt" op="equ" val="1">
+                            <dgm:alg type="cycle">
+                              <dgm:param type="ctrShpMap" val="fNode"/>
+                              <dgm:param type="stAng" val="0"/>
+                            </dgm:alg>
+                          </dgm:if>
+                          <dgm:if name="Name130" axis="ch ch" ptType="node node" st="1 1" cnt="1 0" func="cnt" op="equ" val="2">
+                            <dgm:alg type="cycle">
+                              <dgm:param type="ctrShpMap" val="fNode"/>
+                              <dgm:param type="stAng" val="45"/>
+                              <dgm:param type="spanAng" val="-90"/>
+                            </dgm:alg>
+                          </dgm:if>
+                          <dgm:else name="Name131">
+                            <dgm:alg type="cycle">
+                              <dgm:param type="ctrShpMap" val="fNode"/>
+                              <dgm:param type="stAng" val="0"/>
+                              <dgm:param type="spanAng" val="-360"/>
+                            </dgm:alg>
+                          </dgm:else>
+                        </dgm:choose>
+                      </dgm:if>
+                      <dgm:if name="Name132" axis="ch" ptType="node" func="cnt" op="gte" val="7">
+                        <dgm:choose name="Name133">
+                          <dgm:if name="Name134" axis="ch ch" ptType="node node" st="1 1" cnt="1 0" func="cnt" op="equ" val="1">
+                            <dgm:alg type="cycle">
+                              <dgm:param type="ctrShpMap" val="fNode"/>
+                              <dgm:param type="stAng" val="0"/>
+                            </dgm:alg>
+                          </dgm:if>
+                          <dgm:if name="Name135" axis="ch ch" ptType="node node" st="1 1" cnt="1 0" func="cnt" op="equ" val="2">
+                            <dgm:alg type="cycle">
+                              <dgm:param type="ctrShpMap" val="fNode"/>
+                              <dgm:param type="stAng" val="45"/>
+                              <dgm:param type="spanAng" val="-90"/>
+                            </dgm:alg>
+                          </dgm:if>
+                          <dgm:else name="Name136">
+                            <dgm:alg type="cycle">
+                              <dgm:param type="ctrShpMap" val="fNode"/>
+                              <dgm:param type="stAng" val="0"/>
+                              <dgm:param type="spanAng" val="-360"/>
+                            </dgm:alg>
+                          </dgm:else>
+                        </dgm:choose>
+                      </dgm:if>
+                      <dgm:else name="Name137"/>
+                    </dgm:choose>
+                  </dgm:else>
+                </dgm:choose>
+                <dgm:shape xmlns:r="http://schemas.openxmlformats.org/officeDocument/2006/relationships" r:blip="">
+                  <dgm:adjLst/>
+                </dgm:shape>
+                <dgm:presOf/>
+                <dgm:constrLst>
+                  <dgm:constr type="sp" refType="w" fact="0.1"/>
+                  <dgm:constr type="sibSp" refType="w" fact="0.1"/>
+                </dgm:constrLst>
+                <dgm:forEach name="Name138" axis="ch" ptType="node" cnt="1">
+                  <dgm:layoutNode name="childCenter1" styleLbl="node1">
+                    <dgm:alg type="tx"/>
+                    <dgm:shape xmlns:r="http://schemas.openxmlformats.org/officeDocument/2006/relationships" type="roundRect" r:blip="">
+                      <dgm:adjLst/>
+                    </dgm:shape>
+                    <dgm:presOf axis="self" ptType="node"/>
+                    <dgm:constrLst>
+                      <dgm:constr type="userS"/>
+                      <dgm:constr type="w" refType="userS"/>
+                      <dgm:constr type="h" refType="w"/>
+                      <dgm:constr type="tMarg" refType="primFontSz" fact="0.2"/>
+                      <dgm:constr type="bMarg" refType="primFontSz" fact="0.2"/>
+                      <dgm:constr type="lMarg" refType="primFontSz" fact="0.2"/>
+                      <dgm:constr type="rMarg" refType="primFontSz" fact="0.2"/>
+                    </dgm:constrLst>
+                    <dgm:ruleLst>
+                      <dgm:rule type="primFontSz" val="5" fact="NaN" max="NaN"/>
+                    </dgm:ruleLst>
+                  </dgm:layoutNode>
+                  <dgm:forEach name="Name139" axis="ch">
+                    <dgm:forEach name="Name140" axis="self" ptType="parTrans">
+                      <dgm:layoutNode name="Name141">
+                        <dgm:alg type="conn">
+                          <dgm:param type="dim" val="1D"/>
+                          <dgm:param type="begPts" val="auto"/>
+                          <dgm:param type="endPts" val="auto"/>
+                          <dgm:param type="begSty" val="noArr"/>
+                          <dgm:param type="endSty" val="noArr"/>
+                        </dgm:alg>
+                        <dgm:shape xmlns:r="http://schemas.openxmlformats.org/officeDocument/2006/relationships" type="conn" r:blip="">
+                          <dgm:adjLst/>
+                        </dgm:shape>
+                        <dgm:presOf axis="self"/>
+                        <dgm:constrLst>
+                          <dgm:constr type="begPad"/>
+                          <dgm:constr type="endPad"/>
+                        </dgm:constrLst>
+                      </dgm:layoutNode>
+                    </dgm:forEach>
+                    <dgm:forEach name="Name142" axis="self" ptType="node">
+                      <dgm:layoutNode name="text1" styleLbl="node1">
+                        <dgm:varLst>
+                          <dgm:bulletEnabled val="1"/>
+                        </dgm:varLst>
+                        <dgm:alg type="tx"/>
+                        <dgm:shape xmlns:r="http://schemas.openxmlformats.org/officeDocument/2006/relationships" type="roundRect" r:blip="">
+                          <dgm:adjLst/>
+                        </dgm:shape>
+                        <dgm:presOf axis="desOrSelf" ptType="node"/>
+                        <dgm:constrLst>
+                          <dgm:constr type="userS"/>
+                          <dgm:constr type="w" refType="userS"/>
+                          <dgm:constr type="h" refType="w"/>
+                          <dgm:constr type="tMarg" refType="primFontSz" fact="0.2"/>
+                          <dgm:constr type="bMarg" refType="primFontSz" fact="0.2"/>
+                          <dgm:constr type="lMarg" refType="primFontSz" fact="0.2"/>
+                          <dgm:constr type="rMarg" refType="primFontSz" fact="0.2"/>
+                        </dgm:constrLst>
+                        <dgm:ruleLst>
+                          <dgm:rule type="primFontSz" val="5" fact="NaN" max="NaN"/>
+                        </dgm:ruleLst>
+                      </dgm:layoutNode>
+                    </dgm:forEach>
+                  </dgm:forEach>
+                </dgm:forEach>
+              </dgm:layoutNode>
+              <dgm:forEach name="Name143" axis="ch" ptType="parTrans" cnt="1">
+                <dgm:layoutNode name="Name144">
+                  <dgm:alg type="conn">
+                    <dgm:param type="dim" val="1D"/>
+                    <dgm:param type="begPts" val="auto"/>
+                    <dgm:param type="endPts" val="auto"/>
+                    <dgm:param type="endSty" val="noArr"/>
+                    <dgm:param type="srcNode" val="textCenter"/>
+                    <dgm:param type="dstNode" val="childCenter1"/>
+                  </dgm:alg>
+                  <dgm:shape xmlns:r="http://schemas.openxmlformats.org/officeDocument/2006/relationships" type="conn" r:blip="" zOrderOff="-999">
+                    <dgm:adjLst/>
+                  </dgm:shape>
+                  <dgm:presOf axis="self"/>
+                  <dgm:constrLst>
+                    <dgm:constr type="h"/>
+                    <dgm:constr type="begPad"/>
+                    <dgm:constr type="endPad"/>
+                  </dgm:constrLst>
+                </dgm:layoutNode>
+              </dgm:forEach>
+            </dgm:if>
+            <dgm:else name="Name145"/>
+          </dgm:choose>
+          <dgm:choose name="Name146">
+            <dgm:if name="Name147" axis="ch" ptType="node" func="cnt" op="gte" val="2">
+              <dgm:layoutNode name="cycle_2">
+                <dgm:choose name="Name148">
+                  <dgm:if name="Name149" func="var" arg="dir" op="equ" val="norm">
+                    <dgm:choose name="Name150">
+                      <dgm:if name="Name151" axis="ch" ptType="node" func="cnt" op="equ" val="2">
+                        <dgm:choose name="Name152">
+                          <dgm:if name="Name153" axis="ch ch" ptType="node node" st="2 1" cnt="1 0" func="cnt" op="equ" val="1">
+                            <dgm:alg type="cycle">
+                              <dgm:param type="ctrShpMap" val="fNode"/>
+                              <dgm:param type="stAng" val="180"/>
+                            </dgm:alg>
+                          </dgm:if>
+                          <dgm:if name="Name154" axis="ch ch" ptType="node node" st="2 1" cnt="1 0" func="cnt" op="equ" val="2">
+                            <dgm:alg type="cycle">
+                              <dgm:param type="ctrShpMap" val="fNode"/>
+                              <dgm:param type="stAng" val="135"/>
+                              <dgm:param type="spanAng" val="90"/>
+                            </dgm:alg>
+                          </dgm:if>
+                          <dgm:else name="Name155">
+                            <dgm:alg type="cycle">
+                              <dgm:param type="ctrShpMap" val="fNode"/>
+                              <dgm:param type="stAng" val="90"/>
+                              <dgm:param type="spanAng" val="180"/>
+                            </dgm:alg>
+                          </dgm:else>
+                        </dgm:choose>
+                      </dgm:if>
+                      <dgm:if name="Name156" axis="ch" ptType="node" func="cnt" op="equ" val="3">
+                        <dgm:choose name="Name157">
+                          <dgm:if name="Name158" axis="ch ch" ptType="node node" st="2 1" cnt="1 0" func="cnt" op="equ" val="1">
+                            <dgm:alg type="cycle">
+                              <dgm:param type="ctrShpMap" val="fNode"/>
+                              <dgm:param type="stAng" val="120"/>
+                              <dgm:param type="horzAlign" val="r"/>
+                              <dgm:param type="vertAlign" val="b"/>
+                            </dgm:alg>
+                          </dgm:if>
+                          <dgm:if name="Name159" axis="ch ch" ptType="node node" st="2 1" cnt="1 0" func="cnt" op="equ" val="2">
+                            <dgm:alg type="cycle">
+                              <dgm:param type="ctrShpMap" val="fNode"/>
+                              <dgm:param type="stAng" val="75"/>
+                              <dgm:param type="spanAng" val="90"/>
+                              <dgm:param type="horzAlign" val="r"/>
+                              <dgm:param type="vertAlign" val="b"/>
+                            </dgm:alg>
+                          </dgm:if>
+                          <dgm:else name="Name160">
+                            <dgm:alg type="cycle">
+                              <dgm:param type="ctrShpMap" val="fNode"/>
+                              <dgm:param type="stAng" val="30"/>
+                              <dgm:param type="spanAng" val="180"/>
+                            </dgm:alg>
+                          </dgm:else>
+                        </dgm:choose>
+                      </dgm:if>
+                      <dgm:if name="Name161" axis="ch" ptType="node" func="cnt" op="equ" val="4">
+                        <dgm:choose name="Name162">
+                          <dgm:if name="Name163" axis="ch ch" ptType="node node" st="2 1" cnt="1 0" func="cnt" op="equ" val="1">
+                            <dgm:alg type="cycle">
+                              <dgm:param type="ctrShpMap" val="fNode"/>
+                              <dgm:param type="stAng" val="90"/>
+                            </dgm:alg>
+                          </dgm:if>
+                          <dgm:if name="Name164" axis="ch ch" ptType="node node" st="2 1" cnt="1 0" func="cnt" op="equ" val="2">
+                            <dgm:alg type="cycle">
+                              <dgm:param type="ctrShpMap" val="fNode"/>
+                              <dgm:param type="stAng" val="45"/>
+                              <dgm:param type="spanAng" val="90"/>
+                            </dgm:alg>
+                          </dgm:if>
+                          <dgm:else name="Name165">
+                            <dgm:alg type="cycle">
+                              <dgm:param type="ctrShpMap" val="fNode"/>
+                              <dgm:param type="stAng" val="22.5"/>
+                              <dgm:param type="spanAng" val="135"/>
+                            </dgm:alg>
+                          </dgm:else>
+                        </dgm:choose>
+                      </dgm:if>
+                      <dgm:if name="Name166" axis="ch" ptType="node" func="cnt" op="equ" val="5">
+                        <dgm:choose name="Name167">
+                          <dgm:if name="Name168" axis="ch ch" ptType="node node" st="2 1" cnt="1 0" func="cnt" op="equ" val="1">
+                            <dgm:alg type="cycle">
+                              <dgm:param type="ctrShpMap" val="fNode"/>
+                              <dgm:param type="stAng" val="72"/>
+                            </dgm:alg>
+                          </dgm:if>
+                          <dgm:if name="Name169" axis="ch ch" ptType="node node" st="2 1" cnt="1 0" func="cnt" op="equ" val="2">
+                            <dgm:alg type="cycle">
+                              <dgm:param type="ctrShpMap" val="fNode"/>
+                              <dgm:param type="stAng" val="27"/>
+                              <dgm:param type="spanAng" val="90"/>
+                            </dgm:alg>
+                          </dgm:if>
+                          <dgm:else name="Name170">
+                            <dgm:alg type="cycle">
+                              <dgm:param type="ctrShpMap" val="fNode"/>
+                              <dgm:param type="stAng" val="0"/>
+                              <dgm:param type="spanAng" val="360"/>
+                            </dgm:alg>
+                          </dgm:else>
+                        </dgm:choose>
+                      </dgm:if>
+                      <dgm:if name="Name171" axis="ch" ptType="node" func="cnt" op="equ" val="6">
+                        <dgm:choose name="Name172">
+                          <dgm:if name="Name173" axis="ch ch" ptType="node node" st="2 1" cnt="1 0" func="cnt" op="equ" val="1">
+                            <dgm:alg type="cycle">
+                              <dgm:param type="ctrShpMap" val="fNode"/>
+                              <dgm:param type="stAng" val="60"/>
+                            </dgm:alg>
+                          </dgm:if>
+                          <dgm:if name="Name174" axis="ch ch" ptType="node node" st="2 1" cnt="1 0" func="cnt" op="equ" val="2">
+                            <dgm:alg type="cycle">
+                              <dgm:param type="ctrShpMap" val="fNode"/>
+                              <dgm:param type="stAng" val="15"/>
+                              <dgm:param type="spanAng" val="90"/>
+                            </dgm:alg>
+                          </dgm:if>
+                          <dgm:else name="Name175">
+                            <dgm:alg type="cycle">
+                              <dgm:param type="ctrShpMap" val="fNode"/>
+                              <dgm:param type="stAng" val="0"/>
+                              <dgm:param type="spanAng" val="360"/>
+                            </dgm:alg>
+                          </dgm:else>
+                        </dgm:choose>
+                      </dgm:if>
+                      <dgm:if name="Name176" axis="ch" ptType="node" func="cnt" op="gte" val="7">
+                        <dgm:choose name="Name177">
+                          <dgm:if name="Name178" axis="ch ch" ptType="node node" st="2 1" cnt="1 0" func="cnt" op="equ" val="1">
+                            <dgm:alg type="cycle">
+                              <dgm:param type="ctrShpMap" val="fNode"/>
+                              <dgm:param type="stAng" val="51"/>
+                            </dgm:alg>
+                          </dgm:if>
+                          <dgm:if name="Name179" axis="ch ch" ptType="node node" st="2 1" cnt="1 0" func="cnt" op="equ" val="2">
+                            <dgm:alg type="cycle">
+                              <dgm:param type="ctrShpMap" val="fNode"/>
+                              <dgm:param type="stAng" val="6"/>
+                              <dgm:param type="spanAng" val="90"/>
+                            </dgm:alg>
+                          </dgm:if>
+                          <dgm:else name="Name180">
+                            <dgm:alg type="cycle">
+                              <dgm:param type="ctrShpMap" val="fNode"/>
+                              <dgm:param type="stAng" val="0"/>
+                              <dgm:param type="spanAng" val="360"/>
+                            </dgm:alg>
+                          </dgm:else>
+                        </dgm:choose>
+                      </dgm:if>
+                      <dgm:else name="Name181"/>
+                    </dgm:choose>
+                  </dgm:if>
+                  <dgm:else name="Name182">
+                    <dgm:choose name="Name183">
+                      <dgm:if name="Name184" axis="ch" ptType="node" func="cnt" op="equ" val="2">
+                        <dgm:choose name="Name185">
+                          <dgm:if name="Name186" axis="ch ch" ptType="node node" st="2 1" cnt="1 0" func="cnt" op="equ" val="1">
+                            <dgm:alg type="cycle">
+                              <dgm:param type="ctrShpMap" val="fNode"/>
+                              <dgm:param type="stAng" val="180"/>
+                            </dgm:alg>
+                          </dgm:if>
+                          <dgm:if name="Name187" axis="ch ch" ptType="node node" st="2 1" cnt="1 0" func="cnt" op="equ" val="2">
+                            <dgm:alg type="cycle">
+                              <dgm:param type="ctrShpMap" val="fNode"/>
+                              <dgm:param type="stAng" val="225"/>
+                              <dgm:param type="spanAng" val="-90"/>
+                            </dgm:alg>
+                          </dgm:if>
+                          <dgm:else name="Name188">
+                            <dgm:alg type="cycle">
+                              <dgm:param type="ctrShpMap" val="fNode"/>
+                              <dgm:param type="stAng" val="270"/>
+                              <dgm:param type="spanAng" val="-180"/>
+                            </dgm:alg>
+                          </dgm:else>
+                        </dgm:choose>
+                      </dgm:if>
+                      <dgm:if name="Name189" axis="ch" ptType="node" func="cnt" op="equ" val="3">
+                        <dgm:choose name="Name190">
+                          <dgm:if name="Name191" axis="ch ch" ptType="node node" st="2 1" cnt="1 0" func="cnt" op="equ" val="1">
+                            <dgm:alg type="cycle">
+                              <dgm:param type="ctrShpMap" val="fNode"/>
+                              <dgm:param type="stAng" val="240"/>
+                              <dgm:param type="horzAlign" val="l"/>
+                              <dgm:param type="vertAlign" val="b"/>
+                            </dgm:alg>
+                          </dgm:if>
+                          <dgm:if name="Name192" axis="ch ch" ptType="node node" st="2 1" cnt="1 0" func="cnt" op="equ" val="2">
+                            <dgm:alg type="cycle">
+                              <dgm:param type="ctrShpMap" val="fNode"/>
+                              <dgm:param type="stAng" val="285"/>
+                              <dgm:param type="spanAng" val="-90"/>
+                              <dgm:param type="horzAlign" val="l"/>
+                              <dgm:param type="vertAlign" val="b"/>
+                            </dgm:alg>
+                          </dgm:if>
+                          <dgm:else name="Name193">
+                            <dgm:alg type="cycle">
+                              <dgm:param type="ctrShpMap" val="fNode"/>
+                              <dgm:param type="stAng" val="330"/>
+                              <dgm:param type="spanAng" val="-180"/>
+                            </dgm:alg>
+                          </dgm:else>
+                        </dgm:choose>
+                      </dgm:if>
+                      <dgm:if name="Name194" axis="ch" ptType="node" func="cnt" op="equ" val="4">
+                        <dgm:choose name="Name195">
+                          <dgm:if name="Name196" axis="ch ch" ptType="node node" st="2 1" cnt="1 0" func="cnt" op="equ" val="1">
+                            <dgm:alg type="cycle">
+                              <dgm:param type="ctrShpMap" val="fNode"/>
+                              <dgm:param type="stAng" val="270"/>
+                            </dgm:alg>
+                          </dgm:if>
+                          <dgm:if name="Name197" axis="ch ch" ptType="node node" st="2 1" cnt="1 0" func="cnt" op="equ" val="2">
+                            <dgm:alg type="cycle">
+                              <dgm:param type="ctrShpMap" val="fNode"/>
+                              <dgm:param type="stAng" val="315"/>
+                              <dgm:param type="spanAng" val="-90"/>
+                            </dgm:alg>
+                          </dgm:if>
+                          <dgm:else name="Name198">
+                            <dgm:alg type="cycle">
+                              <dgm:param type="ctrShpMap" val="fNode"/>
+                              <dgm:param type="stAng" val="337.5"/>
+                              <dgm:param type="spanAng" val="-135"/>
+                            </dgm:alg>
+                          </dgm:else>
+                        </dgm:choose>
+                      </dgm:if>
+                      <dgm:if name="Name199" axis="ch" ptType="node" func="cnt" op="equ" val="5">
+                        <dgm:choose name="Name200">
+                          <dgm:if name="Name201" axis="ch ch" ptType="node node" st="2 1" cnt="1 0" func="cnt" op="equ" val="1">
+                            <dgm:alg type="cycle">
+                              <dgm:param type="ctrShpMap" val="fNode"/>
+                              <dgm:param type="stAng" val="288"/>
+                            </dgm:alg>
+                          </dgm:if>
+                          <dgm:if name="Name202" axis="ch ch" ptType="node node" st="2 1" cnt="1 0" func="cnt" op="equ" val="2">
+                            <dgm:alg type="cycle">
+                              <dgm:param type="ctrShpMap" val="fNode"/>
+                              <dgm:param type="stAng" val="333"/>
+                              <dgm:param type="spanAng" val="-90"/>
+                            </dgm:alg>
+                          </dgm:if>
+                          <dgm:else name="Name203">
+                            <dgm:alg type="cycle">
+                              <dgm:param type="ctrShpMap" val="fNode"/>
+                              <dgm:param type="stAng" val="0"/>
+                              <dgm:param type="spanAng" val="-360"/>
+                            </dgm:alg>
+                          </dgm:else>
+                        </dgm:choose>
+                      </dgm:if>
+                      <dgm:if name="Name204" axis="ch" ptType="node" func="cnt" op="equ" val="6">
+                        <dgm:choose name="Name205">
+                          <dgm:if name="Name206" axis="ch ch" ptType="node node" st="2 1" cnt="1 0" func="cnt" op="equ" val="1">
+                            <dgm:alg type="cycle">
+                              <dgm:param type="ctrShpMap" val="fNode"/>
+                              <dgm:param type="stAng" val="300"/>
+                            </dgm:alg>
+                          </dgm:if>
+                          <dgm:if name="Name207" axis="ch ch" ptType="node node" st="2 1" cnt="1 0" func="cnt" op="equ" val="2">
+                            <dgm:alg type="cycle">
+                              <dgm:param type="ctrShpMap" val="fNode"/>
+                              <dgm:param type="stAng" val="345"/>
+                              <dgm:param type="spanAng" val="-90"/>
+                            </dgm:alg>
+                          </dgm:if>
+                          <dgm:else name="Name208">
+                            <dgm:alg type="cycle">
+                              <dgm:param type="ctrShpMap" val="fNode"/>
+                              <dgm:param type="stAng" val="0"/>
+                              <dgm:param type="spanAng" val="-360"/>
+                            </dgm:alg>
+                          </dgm:else>
+                        </dgm:choose>
+                      </dgm:if>
+                      <dgm:if name="Name209" axis="ch" ptType="node" func="cnt" op="gte" val="7">
+                        <dgm:choose name="Name210">
+                          <dgm:if name="Name211" axis="ch ch" ptType="node node" st="2 1" cnt="1 0" func="cnt" op="equ" val="1">
+                            <dgm:alg type="cycle">
+                              <dgm:param type="ctrShpMap" val="fNode"/>
+                              <dgm:param type="stAng" val="308"/>
+                            </dgm:alg>
+                          </dgm:if>
+                          <dgm:if name="Name212" axis="ch ch" ptType="node node" st="2 1" cnt="1 0" func="cnt" op="equ" val="2">
+                            <dgm:alg type="cycle">
+                              <dgm:param type="ctrShpMap" val="fNode"/>
+                              <dgm:param type="stAng" val="353"/>
+                              <dgm:param type="spanAng" val="-90"/>
+                            </dgm:alg>
+                          </dgm:if>
+                          <dgm:else name="Name213">
+                            <dgm:alg type="cycle">
+                              <dgm:param type="ctrShpMap" val="fNode"/>
+                              <dgm:param type="stAng" val="0"/>
+                              <dgm:param type="spanAng" val="-360"/>
+                            </dgm:alg>
+                          </dgm:else>
+                        </dgm:choose>
+                      </dgm:if>
+                      <dgm:else name="Name214"/>
+                    </dgm:choose>
+                  </dgm:else>
+                </dgm:choose>
+                <dgm:shape xmlns:r="http://schemas.openxmlformats.org/officeDocument/2006/relationships" r:blip="">
+                  <dgm:adjLst/>
+                </dgm:shape>
+                <dgm:presOf/>
+                <dgm:constrLst>
+                  <dgm:constr type="sp" refType="w" fact="0.1"/>
+                  <dgm:constr type="sibSp" refType="w" fact="0.1"/>
+                </dgm:constrLst>
+                <dgm:forEach name="Name215" axis="ch" ptType="node" st="2" cnt="1">
+                  <dgm:layoutNode name="childCenter2" styleLbl="node1">
+                    <dgm:alg type="tx"/>
+                    <dgm:shape xmlns:r="http://schemas.openxmlformats.org/officeDocument/2006/relationships" type="roundRect" r:blip="">
+                      <dgm:adjLst/>
+                    </dgm:shape>
+                    <dgm:presOf axis="self" ptType="node"/>
+                    <dgm:constrLst>
+                      <dgm:constr type="userS"/>
+                      <dgm:constr type="w" refType="userS"/>
+                      <dgm:constr type="h" refType="w"/>
+                      <dgm:constr type="tMarg" refType="primFontSz" fact="0.2"/>
+                      <dgm:constr type="bMarg" refType="primFontSz" fact="0.2"/>
+                      <dgm:constr type="lMarg" refType="primFontSz" fact="0.2"/>
+                      <dgm:constr type="rMarg" refType="primFontSz" fact="0.2"/>
+                    </dgm:constrLst>
+                    <dgm:ruleLst>
+                      <dgm:rule type="primFontSz" val="5" fact="NaN" max="NaN"/>
+                    </dgm:ruleLst>
+                  </dgm:layoutNode>
+                  <dgm:forEach name="Name216" axis="ch">
+                    <dgm:forEach name="Name217" axis="self" ptType="parTrans">
+                      <dgm:layoutNode name="Name218">
+                        <dgm:alg type="conn">
+                          <dgm:param type="dim" val="1D"/>
+                          <dgm:param type="begPts" val="auto"/>
+                          <dgm:param type="endPts" val="auto"/>
+                          <dgm:param type="begSty" val="noArr"/>
+                          <dgm:param type="endSty" val="noArr"/>
+                        </dgm:alg>
+                        <dgm:shape xmlns:r="http://schemas.openxmlformats.org/officeDocument/2006/relationships" type="conn" r:blip="">
+                          <dgm:adjLst/>
+                        </dgm:shape>
+                        <dgm:presOf axis="self"/>
+                        <dgm:constrLst>
+                          <dgm:constr type="begPad"/>
+                          <dgm:constr type="endPad"/>
+                        </dgm:constrLst>
+                      </dgm:layoutNode>
+                    </dgm:forEach>
+                    <dgm:forEach name="Name219" axis="self" ptType="node">
+                      <dgm:layoutNode name="text2" styleLbl="node1">
+                        <dgm:varLst>
+                          <dgm:bulletEnabled val="1"/>
+                        </dgm:varLst>
+                        <dgm:alg type="tx"/>
+                        <dgm:shape xmlns:r="http://schemas.openxmlformats.org/officeDocument/2006/relationships" type="roundRect" r:blip="">
+                          <dgm:adjLst/>
+                        </dgm:shape>
+                        <dgm:presOf axis="desOrSelf" ptType="node"/>
+                        <dgm:constrLst>
+                          <dgm:constr type="userS"/>
+                          <dgm:constr type="w" refType="userS"/>
+                          <dgm:constr type="h" refType="w"/>
+                          <dgm:constr type="tMarg" refType="primFontSz" fact="0.2"/>
+                          <dgm:constr type="bMarg" refType="primFontSz" fact="0.2"/>
+                          <dgm:constr type="lMarg" refType="primFontSz" fact="0.2"/>
+                          <dgm:constr type="rMarg" refType="primFontSz" fact="0.2"/>
+                        </dgm:constrLst>
+                        <dgm:ruleLst>
+                          <dgm:rule type="primFontSz" val="5" fact="NaN" max="NaN"/>
+                        </dgm:ruleLst>
+                      </dgm:layoutNode>
+                    </dgm:forEach>
+                  </dgm:forEach>
+                </dgm:forEach>
+              </dgm:layoutNode>
+              <dgm:forEach name="Name220" axis="ch" ptType="parTrans" st="2" cnt="1">
+                <dgm:layoutNode name="Name221">
+                  <dgm:alg type="conn">
+                    <dgm:param type="dim" val="1D"/>
+                    <dgm:param type="begPts" val="auto"/>
+                    <dgm:param type="endPts" val="auto"/>
+                    <dgm:param type="endSty" val="noArr"/>
+                    <dgm:param type="srcNode" val="textCenter"/>
+                    <dgm:param type="dstNode" val="childCenter2"/>
+                  </dgm:alg>
+                  <dgm:shape xmlns:r="http://schemas.openxmlformats.org/officeDocument/2006/relationships" type="conn" r:blip="" zOrderOff="-999">
+                    <dgm:adjLst/>
+                  </dgm:shape>
+                  <dgm:presOf axis="self"/>
+                  <dgm:constrLst>
+                    <dgm:constr type="h"/>
+                    <dgm:constr type="begPad"/>
+                    <dgm:constr type="endPad"/>
+                  </dgm:constrLst>
+                </dgm:layoutNode>
+              </dgm:forEach>
+            </dgm:if>
+            <dgm:else name="Name222"/>
+          </dgm:choose>
+          <dgm:choose name="Name223">
+            <dgm:if name="Name224" axis="ch" ptType="node" func="cnt" op="gte" val="3">
+              <dgm:layoutNode name="cycle_3">
+                <dgm:choose name="Name225">
+                  <dgm:if name="Name226" func="var" arg="dir" op="equ" val="norm">
+                    <dgm:choose name="Name227">
+                      <dgm:if name="Name228" axis="ch" ptType="node" func="cnt" op="equ" val="3">
+                        <dgm:choose name="Name229">
+                          <dgm:if name="Name230" axis="ch ch" ptType="node node" st="3 1" cnt="1 0" func="cnt" op="equ" val="1">
+                            <dgm:alg type="cycle">
+                              <dgm:param type="ctrShpMap" val="fNode"/>
+                              <dgm:param type="stAng" val="240"/>
+                              <dgm:param type="horzAlign" val="l"/>
+                              <dgm:param type="vertAlign" val="b"/>
+                            </dgm:alg>
+                          </dgm:if>
+                          <dgm:if name="Name231" axis="ch ch" ptType="node node" st="3 1" cnt="1 0" func="cnt" op="equ" val="2">
+                            <dgm:alg type="cycle">
+                              <dgm:param type="ctrShpMap" val="fNode"/>
+                              <dgm:param type="stAng" val="195"/>
+                              <dgm:param type="spanAng" val="90"/>
+                              <dgm:param type="horzAlign" val="l"/>
+                              <dgm:param type="vertAlign" val="b"/>
+                            </dgm:alg>
+                          </dgm:if>
+                          <dgm:else name="Name232">
+                            <dgm:alg type="cycle">
+                              <dgm:param type="ctrShpMap" val="fNode"/>
+                              <dgm:param type="stAng" val="150"/>
+                              <dgm:param type="spanAng" val="180"/>
+                            </dgm:alg>
+                          </dgm:else>
+                        </dgm:choose>
+                      </dgm:if>
+                      <dgm:if name="Name233" axis="ch" ptType="node" func="cnt" op="equ" val="4">
+                        <dgm:choose name="Name234">
+                          <dgm:if name="Name235" axis="ch ch" ptType="node node" st="3 1" cnt="1 0" func="cnt" op="equ" val="1">
+                            <dgm:alg type="cycle">
+                              <dgm:param type="ctrShpMap" val="fNode"/>
+                              <dgm:param type="stAng" val="180"/>
+                            </dgm:alg>
+                          </dgm:if>
+                          <dgm:if name="Name236" axis="ch ch" ptType="node node" st="3 1" cnt="1 0" func="cnt" op="equ" val="2">
+                            <dgm:alg type="cycle">
+                              <dgm:param type="ctrShpMap" val="fNode"/>
+                              <dgm:param type="stAng" val="135"/>
+                              <dgm:param type="spanAng" val="90"/>
+                            </dgm:alg>
+                          </dgm:if>
+                          <dgm:else name="Name237">
+                            <dgm:alg type="cycle">
+                              <dgm:param type="ctrShpMap" val="fNode"/>
+                              <dgm:param type="stAng" val="112.5"/>
+                              <dgm:param type="spanAng" val="135"/>
+                            </dgm:alg>
+                          </dgm:else>
+                        </dgm:choose>
+                      </dgm:if>
+                      <dgm:if name="Name238" axis="ch" ptType="node" func="cnt" op="equ" val="5">
+                        <dgm:choose name="Name239">
+                          <dgm:if name="Name240" axis="ch ch" ptType="node node" st="3 1" cnt="1 0" func="cnt" op="equ" val="1">
+                            <dgm:alg type="cycle">
+                              <dgm:param type="ctrShpMap" val="fNode"/>
+                              <dgm:param type="stAng" val="144"/>
+                            </dgm:alg>
+                          </dgm:if>
+                          <dgm:if name="Name241" axis="ch ch" ptType="node node" st="3 1" cnt="1 0" func="cnt" op="equ" val="2">
+                            <dgm:alg type="cycle">
+                              <dgm:param type="ctrShpMap" val="fNode"/>
+                              <dgm:param type="stAng" val="99"/>
+                              <dgm:param type="spanAng" val="90"/>
+                            </dgm:alg>
+                          </dgm:if>
+                          <dgm:else name="Name242">
+                            <dgm:alg type="cycle">
+                              <dgm:param type="ctrShpMap" val="fNode"/>
+                              <dgm:param type="stAng" val="0"/>
+                              <dgm:param type="spanAng" val="360"/>
+                            </dgm:alg>
+                          </dgm:else>
+                        </dgm:choose>
+                      </dgm:if>
+                      <dgm:if name="Name243" axis="ch" ptType="node" func="cnt" op="equ" val="6">
+                        <dgm:choose name="Name244">
+                          <dgm:if name="Name245" axis="ch ch" ptType="node node" st="3 1" cnt="1 0" func="cnt" op="equ" val="1">
+                            <dgm:alg type="cycle">
+                              <dgm:param type="ctrShpMap" val="fNode"/>
+                              <dgm:param type="stAng" val="120"/>
+                            </dgm:alg>
+                          </dgm:if>
+                          <dgm:if name="Name246" axis="ch ch" ptType="node node" st="3 1" cnt="1 0" func="cnt" op="equ" val="2">
+                            <dgm:alg type="cycle">
+                              <dgm:param type="ctrShpMap" val="fNode"/>
+                              <dgm:param type="stAng" val="75"/>
+                              <dgm:param type="spanAng" val="90"/>
+                            </dgm:alg>
+                          </dgm:if>
+                          <dgm:else name="Name247">
+                            <dgm:alg type="cycle">
+                              <dgm:param type="ctrShpMap" val="fNode"/>
+                              <dgm:param type="stAng" val="0"/>
+                              <dgm:param type="spanAng" val="360"/>
+                            </dgm:alg>
+                          </dgm:else>
+                        </dgm:choose>
+                      </dgm:if>
+                      <dgm:if name="Name248" axis="ch" ptType="node" func="cnt" op="gte" val="7">
+                        <dgm:choose name="Name249">
+                          <dgm:if name="Name250" axis="ch ch" ptType="node node" st="3 1" cnt="1 0" func="cnt" op="equ" val="1">
+                            <dgm:alg type="cycle">
+                              <dgm:param type="ctrShpMap" val="fNode"/>
+                              <dgm:param type="stAng" val="102"/>
+                            </dgm:alg>
+                          </dgm:if>
+                          <dgm:if name="Name251" axis="ch ch" ptType="node node" st="3 1" cnt="1 0" func="cnt" op="equ" val="2">
+                            <dgm:alg type="cycle">
+                              <dgm:param type="ctrShpMap" val="fNode"/>
+                              <dgm:param type="stAng" val="57"/>
+                              <dgm:param type="spanAng" val="90"/>
+                            </dgm:alg>
+                          </dgm:if>
+                          <dgm:else name="Name252">
+                            <dgm:alg type="cycle">
+                              <dgm:param type="ctrShpMap" val="fNode"/>
+                              <dgm:param type="stAng" val="0"/>
+                              <dgm:param type="spanAng" val="360"/>
+                            </dgm:alg>
+                          </dgm:else>
+                        </dgm:choose>
+                      </dgm:if>
+                      <dgm:else name="Name253"/>
+                    </dgm:choose>
+                  </dgm:if>
+                  <dgm:else name="Name254">
+                    <dgm:choose name="Name255">
+                      <dgm:if name="Name256" axis="ch" ptType="node" func="cnt" op="equ" val="3">
+                        <dgm:choose name="Name257">
+                          <dgm:if name="Name258" axis="ch ch" ptType="node node" st="3 1" cnt="1 0" func="cnt" op="equ" val="1">
+                            <dgm:alg type="cycle">
+                              <dgm:param type="ctrShpMap" val="fNode"/>
+                              <dgm:param type="stAng" val="120"/>
+                              <dgm:param type="horzAlign" val="r"/>
+                              <dgm:param type="vertAlign" val="b"/>
+                            </dgm:alg>
+                          </dgm:if>
+                          <dgm:if name="Name259" axis="ch ch" ptType="node node" st="3 1" cnt="1 0" func="cnt" op="equ" val="2">
+                            <dgm:alg type="cycle">
+                              <dgm:param type="ctrShpMap" val="fNode"/>
+                              <dgm:param type="stAng" val="165"/>
+                              <dgm:param type="spanAng" val="-90"/>
+                              <dgm:param type="horzAlign" val="r"/>
+                              <dgm:param type="vertAlign" val="b"/>
+                            </dgm:alg>
+                          </dgm:if>
+                          <dgm:else name="Name260">
+                            <dgm:alg type="cycle">
+                              <dgm:param type="ctrShpMap" val="fNode"/>
+                              <dgm:param type="stAng" val="210"/>
+                              <dgm:param type="spanAng" val="-180"/>
+                            </dgm:alg>
+                          </dgm:else>
+                        </dgm:choose>
+                      </dgm:if>
+                      <dgm:if name="Name261" axis="ch" ptType="node" func="cnt" op="equ" val="4">
+                        <dgm:choose name="Name262">
+                          <dgm:if name="Name263" axis="ch ch" ptType="node node" st="3 1" cnt="1 0" func="cnt" op="equ" val="1">
+                            <dgm:alg type="cycle">
+                              <dgm:param type="ctrShpMap" val="fNode"/>
+                              <dgm:param type="stAng" val="180"/>
+                            </dgm:alg>
+                          </dgm:if>
+                          <dgm:if name="Name264" axis="ch ch" ptType="node node" st="3 1" cnt="1 0" func="cnt" op="equ" val="2">
+                            <dgm:alg type="cycle">
+                              <dgm:param type="ctrShpMap" val="fNode"/>
+                              <dgm:param type="stAng" val="225"/>
+                              <dgm:param type="spanAng" val="-90"/>
+                            </dgm:alg>
+                          </dgm:if>
+                          <dgm:else name="Name265">
+                            <dgm:alg type="cycle">
+                              <dgm:param type="ctrShpMap" val="fNode"/>
+                              <dgm:param type="stAng" val="247.5"/>
+                              <dgm:param type="spanAng" val="-135"/>
+                            </dgm:alg>
+                          </dgm:else>
+                        </dgm:choose>
+                      </dgm:if>
+                      <dgm:if name="Name266" axis="ch" ptType="node" func="cnt" op="equ" val="5">
+                        <dgm:choose name="Name267">
+                          <dgm:if name="Name268" axis="ch ch" ptType="node node" st="3 1" cnt="1 0" func="cnt" op="equ" val="1">
+                            <dgm:alg type="cycle">
+                              <dgm:param type="ctrShpMap" val="fNode"/>
+                              <dgm:param type="stAng" val="216"/>
+                            </dgm:alg>
+                          </dgm:if>
+                          <dgm:if name="Name269" axis="ch ch" ptType="node node" st="3 1" cnt="1 0" func="cnt" op="equ" val="2">
+                            <dgm:alg type="cycle">
+                              <dgm:param type="ctrShpMap" val="fNode"/>
+                              <dgm:param type="stAng" val="261"/>
+                              <dgm:param type="spanAng" val="-90"/>
+                            </dgm:alg>
+                          </dgm:if>
+                          <dgm:else name="Name270">
+                            <dgm:alg type="cycle">
+                              <dgm:param type="ctrShpMap" val="fNode"/>
+                              <dgm:param type="stAng" val="0"/>
+                              <dgm:param type="spanAng" val="-360"/>
+                            </dgm:alg>
+                          </dgm:else>
+                        </dgm:choose>
+                      </dgm:if>
+                      <dgm:if name="Name271" axis="ch" ptType="node" func="cnt" op="equ" val="6">
+                        <dgm:choose name="Name272">
+                          <dgm:if name="Name273" axis="ch ch" ptType="node node" st="3 1" cnt="1 0" func="cnt" op="equ" val="1">
+                            <dgm:alg type="cycle">
+                              <dgm:param type="ctrShpMap" val="fNode"/>
+                              <dgm:param type="stAng" val="240"/>
+                            </dgm:alg>
+                          </dgm:if>
+                          <dgm:if name="Name274" axis="ch ch" ptType="node node" st="3 1" cnt="1 0" func="cnt" op="equ" val="2">
+                            <dgm:alg type="cycle">
+                              <dgm:param type="ctrShpMap" val="fNode"/>
+                              <dgm:param type="stAng" val="285"/>
+                              <dgm:param type="spanAng" val="-90"/>
+                            </dgm:alg>
+                          </dgm:if>
+                          <dgm:else name="Name275">
+                            <dgm:alg type="cycle">
+                              <dgm:param type="ctrShpMap" val="fNode"/>
+                              <dgm:param type="stAng" val="0"/>
+                              <dgm:param type="spanAng" val="-360"/>
+                            </dgm:alg>
+                          </dgm:else>
+                        </dgm:choose>
+                      </dgm:if>
+                      <dgm:if name="Name276" axis="ch" ptType="node" func="cnt" op="gte" val="7">
+                        <dgm:choose name="Name277">
+                          <dgm:if name="Name278" axis="ch ch" ptType="node node" st="3 1" cnt="1 0" func="cnt" op="equ" val="1">
+                            <dgm:alg type="cycle">
+                              <dgm:param type="ctrShpMap" val="fNode"/>
+                              <dgm:param type="stAng" val="257"/>
+                            </dgm:alg>
+                          </dgm:if>
+                          <dgm:if name="Name279" axis="ch ch" ptType="node node" st="3 1" cnt="1 0" func="cnt" op="equ" val="2">
+                            <dgm:alg type="cycle">
+                              <dgm:param type="ctrShpMap" val="fNode"/>
+                              <dgm:param type="stAng" val="302"/>
+                              <dgm:param type="spanAng" val="-90"/>
+                            </dgm:alg>
+                          </dgm:if>
+                          <dgm:else name="Name280">
+                            <dgm:alg type="cycle">
+                              <dgm:param type="ctrShpMap" val="fNode"/>
+                              <dgm:param type="stAng" val="0"/>
+                              <dgm:param type="spanAng" val="-360"/>
+                            </dgm:alg>
+                          </dgm:else>
+                        </dgm:choose>
+                      </dgm:if>
+                      <dgm:else name="Name281"/>
+                    </dgm:choose>
+                  </dgm:else>
+                </dgm:choose>
+                <dgm:shape xmlns:r="http://schemas.openxmlformats.org/officeDocument/2006/relationships" r:blip="">
+                  <dgm:adjLst/>
+                </dgm:shape>
+                <dgm:presOf/>
+                <dgm:constrLst>
+                  <dgm:constr type="sp" refType="w" fact="0.1"/>
+                  <dgm:constr type="sibSp" refType="w" fact="0.1"/>
+                </dgm:constrLst>
+                <dgm:forEach name="Name282" axis="ch" ptType="node" st="3" cnt="1">
+                  <dgm:layoutNode name="childCenter3" styleLbl="node1">
+                    <dgm:alg type="tx"/>
+                    <dgm:shape xmlns:r="http://schemas.openxmlformats.org/officeDocument/2006/relationships" type="roundRect" r:blip="">
+                      <dgm:adjLst/>
+                    </dgm:shape>
+                    <dgm:presOf axis="self" ptType="node"/>
+                    <dgm:constrLst>
+                      <dgm:constr type="userS"/>
+                      <dgm:constr type="w" refType="userS"/>
+                      <dgm:constr type="h" refType="w"/>
+                      <dgm:constr type="tMarg" refType="primFontSz" fact="0.2"/>
+                      <dgm:constr type="bMarg" refType="primFontSz" fact="0.2"/>
+                      <dgm:constr type="lMarg" refType="primFontSz" fact="0.2"/>
+                      <dgm:constr type="rMarg" refType="primFontSz" fact="0.2"/>
+                    </dgm:constrLst>
+                    <dgm:ruleLst>
+                      <dgm:rule type="primFontSz" val="5" fact="NaN" max="NaN"/>
+                    </dgm:ruleLst>
+                  </dgm:layoutNode>
+                  <dgm:forEach name="Name283" axis="ch">
+                    <dgm:forEach name="Name284" axis="self" ptType="parTrans">
+                      <dgm:layoutNode name="Name285">
+                        <dgm:alg type="conn">
+                          <dgm:param type="dim" val="1D"/>
+                          <dgm:param type="begPts" val="auto"/>
+                          <dgm:param type="endPts" val="auto"/>
+                          <dgm:param type="begSty" val="noArr"/>
+                          <dgm:param type="endSty" val="noArr"/>
+                        </dgm:alg>
+                        <dgm:shape xmlns:r="http://schemas.openxmlformats.org/officeDocument/2006/relationships" type="conn" r:blip="">
+                          <dgm:adjLst/>
+                        </dgm:shape>
+                        <dgm:presOf axis="self"/>
+                        <dgm:constrLst>
+                          <dgm:constr type="begPad"/>
+                          <dgm:constr type="endPad"/>
+                        </dgm:constrLst>
+                      </dgm:layoutNode>
+                    </dgm:forEach>
+                    <dgm:forEach name="Name286" axis="self" ptType="node">
+                      <dgm:layoutNode name="text3" styleLbl="node1">
+                        <dgm:varLst>
+                          <dgm:bulletEnabled val="1"/>
+                        </dgm:varLst>
+                        <dgm:alg type="tx"/>
+                        <dgm:shape xmlns:r="http://schemas.openxmlformats.org/officeDocument/2006/relationships" type="roundRect" r:blip="">
+                          <dgm:adjLst/>
+                        </dgm:shape>
+                        <dgm:presOf axis="desOrSelf" ptType="node"/>
+                        <dgm:constrLst>
+                          <dgm:constr type="userS"/>
+                          <dgm:constr type="w" refType="userS"/>
+                          <dgm:constr type="h" refType="w"/>
+                          <dgm:constr type="tMarg" refType="primFontSz" fact="0.2"/>
+                          <dgm:constr type="bMarg" refType="primFontSz" fact="0.2"/>
+                          <dgm:constr type="lMarg" refType="primFontSz" fact="0.2"/>
+                          <dgm:constr type="rMarg" refType="primFontSz" fact="0.2"/>
+                        </dgm:constrLst>
+                        <dgm:ruleLst>
+                          <dgm:rule type="primFontSz" val="5" fact="NaN" max="NaN"/>
+                        </dgm:ruleLst>
+                      </dgm:layoutNode>
+                    </dgm:forEach>
+                  </dgm:forEach>
+                </dgm:forEach>
+              </dgm:layoutNode>
+              <dgm:forEach name="Name287" axis="ch" ptType="parTrans" st="3" cnt="1">
+                <dgm:layoutNode name="Name288">
+                  <dgm:alg type="conn">
+                    <dgm:param type="dim" val="1D"/>
+                    <dgm:param type="begPts" val="auto"/>
+                    <dgm:param type="endPts" val="auto"/>
+                    <dgm:param type="endSty" val="noArr"/>
+                    <dgm:param type="srcNode" val="textCenter"/>
+                    <dgm:param type="dstNode" val="childCenter3"/>
+                  </dgm:alg>
+                  <dgm:shape xmlns:r="http://schemas.openxmlformats.org/officeDocument/2006/relationships" type="conn" r:blip="" zOrderOff="-999">
+                    <dgm:adjLst/>
+                  </dgm:shape>
+                  <dgm:presOf axis="self"/>
+                  <dgm:constrLst>
+                    <dgm:constr type="h"/>
+                    <dgm:constr type="begPad"/>
+                    <dgm:constr type="endPad"/>
+                  </dgm:constrLst>
+                </dgm:layoutNode>
+              </dgm:forEach>
+            </dgm:if>
+            <dgm:else name="Name289"/>
+          </dgm:choose>
+          <dgm:choose name="Name290">
+            <dgm:if name="Name291" axis="ch" ptType="node" func="cnt" op="gte" val="4">
+              <dgm:layoutNode name="cycle_4">
+                <dgm:choose name="Name292">
+                  <dgm:if name="Name293" func="var" arg="dir" op="equ" val="norm">
+                    <dgm:choose name="Name294">
+                      <dgm:if name="Name295" axis="ch" ptType="node" func="cnt" op="equ" val="4">
+                        <dgm:choose name="Name296">
+                          <dgm:if name="Name297" axis="ch ch" ptType="node node" st="4 1" cnt="1 0" func="cnt" op="equ" val="1">
+                            <dgm:alg type="cycle">
+                              <dgm:param type="ctrShpMap" val="fNode"/>
+                              <dgm:param type="stAng" val="270"/>
+                            </dgm:alg>
+                          </dgm:if>
+                          <dgm:if name="Name298" axis="ch ch" ptType="node node" st="4 1" cnt="1 0" func="cnt" op="equ" val="2">
+                            <dgm:alg type="cycle">
+                              <dgm:param type="ctrShpMap" val="fNode"/>
+                              <dgm:param type="stAng" val="225"/>
+                              <dgm:param type="spanAng" val="90"/>
+                            </dgm:alg>
+                          </dgm:if>
+                          <dgm:else name="Name299">
+                            <dgm:alg type="cycle">
+                              <dgm:param type="ctrShpMap" val="fNode"/>
+                              <dgm:param type="stAng" val="202.5"/>
+                              <dgm:param type="spanAng" val="135"/>
+                            </dgm:alg>
+                          </dgm:else>
+                        </dgm:choose>
+                      </dgm:if>
+                      <dgm:if name="Name300" axis="ch" ptType="node" func="cnt" op="equ" val="5">
+                        <dgm:choose name="Name301">
+                          <dgm:if name="Name302" axis="ch ch" ptType="node node" st="4 1" cnt="1 0" func="cnt" op="equ" val="1">
+                            <dgm:alg type="cycle">
+                              <dgm:param type="ctrShpMap" val="fNode"/>
+                              <dgm:param type="stAng" val="216"/>
+                            </dgm:alg>
+                          </dgm:if>
+                          <dgm:if name="Name303" axis="ch ch" ptType="node node" st="4 1" cnt="1 0" func="cnt" op="equ" val="2">
+                            <dgm:alg type="cycle">
+                              <dgm:param type="ctrShpMap" val="fNode"/>
+                              <dgm:param type="stAng" val="171"/>
+                              <dgm:param type="spanAng" val="90"/>
+                            </dgm:alg>
+                          </dgm:if>
+                          <dgm:else name="Name304">
+                            <dgm:alg type="cycle">
+                              <dgm:param type="ctrShpMap" val="fNode"/>
+                              <dgm:param type="stAng" val="0"/>
+                              <dgm:param type="spanAng" val="360"/>
+                            </dgm:alg>
+                          </dgm:else>
+                        </dgm:choose>
+                      </dgm:if>
+                      <dgm:if name="Name305" axis="ch" ptType="node" func="cnt" op="equ" val="6">
+                        <dgm:choose name="Name306">
+                          <dgm:if name="Name307" axis="ch ch" ptType="node node" st="4 1" cnt="1 0" func="cnt" op="equ" val="1">
+                            <dgm:alg type="cycle">
+                              <dgm:param type="ctrShpMap" val="fNode"/>
+                              <dgm:param type="stAng" val="180"/>
+                            </dgm:alg>
+                          </dgm:if>
+                          <dgm:if name="Name308" axis="ch ch" ptType="node node" st="4 1" cnt="1 0" func="cnt" op="equ" val="2">
+                            <dgm:alg type="cycle">
+                              <dgm:param type="ctrShpMap" val="fNode"/>
+                              <dgm:param type="stAng" val="135"/>
+                              <dgm:param type="spanAng" val="90"/>
+                            </dgm:alg>
+                          </dgm:if>
+                          <dgm:else name="Name309">
+                            <dgm:alg type="cycle">
+                              <dgm:param type="ctrShpMap" val="fNode"/>
+                              <dgm:param type="stAng" val="0"/>
+                              <dgm:param type="spanAng" val="360"/>
+                            </dgm:alg>
+                          </dgm:else>
+                        </dgm:choose>
+                      </dgm:if>
+                      <dgm:if name="Name310" axis="ch" ptType="node" func="cnt" op="gte" val="7">
+                        <dgm:choose name="Name311">
+                          <dgm:if name="Name312" axis="ch ch" ptType="node node" st="4 1" cnt="1 0" func="cnt" op="equ" val="1">
+                            <dgm:alg type="cycle">
+                              <dgm:param type="ctrShpMap" val="fNode"/>
+                              <dgm:param type="stAng" val="154"/>
+                            </dgm:alg>
+                          </dgm:if>
+                          <dgm:if name="Name313" axis="ch ch" ptType="node node" st="4 1" cnt="1 0" func="cnt" op="equ" val="2">
+                            <dgm:alg type="cycle">
+                              <dgm:param type="ctrShpMap" val="fNode"/>
+                              <dgm:param type="stAng" val="109"/>
+                              <dgm:param type="spanAng" val="90"/>
+                            </dgm:alg>
+                          </dgm:if>
+                          <dgm:else name="Name314">
+                            <dgm:alg type="cycle">
+                              <dgm:param type="ctrShpMap" val="fNode"/>
+                              <dgm:param type="stAng" val="0"/>
+                              <dgm:param type="spanAng" val="360"/>
+                            </dgm:alg>
+                          </dgm:else>
+                        </dgm:choose>
+                      </dgm:if>
+                      <dgm:else name="Name315"/>
+                    </dgm:choose>
+                  </dgm:if>
+                  <dgm:else name="Name316">
+                    <dgm:choose name="Name317">
+                      <dgm:if name="Name318" axis="ch" ptType="node" func="cnt" op="equ" val="4">
+                        <dgm:choose name="Name319">
+                          <dgm:if name="Name320" axis="ch ch" ptType="node node" st="4 1" cnt="1 0" func="cnt" op="equ" val="1">
+                            <dgm:alg type="cycle">
+                              <dgm:param type="ctrShpMap" val="fNode"/>
+                              <dgm:param type="stAng" val="90"/>
+                            </dgm:alg>
+                          </dgm:if>
+                          <dgm:if name="Name321" axis="ch ch" ptType="node node" st="4 1" cnt="1 0" func="cnt" op="equ" val="2">
+                            <dgm:alg type="cycle">
+                              <dgm:param type="ctrShpMap" val="fNode"/>
+                              <dgm:param type="stAng" val="135"/>
+                              <dgm:param type="spanAng" val="-90"/>
+                            </dgm:alg>
+                          </dgm:if>
+                          <dgm:else name="Name322">
+                            <dgm:alg type="cycle">
+                              <dgm:param type="ctrShpMap" val="fNode"/>
+                              <dgm:param type="stAng" val="157.5"/>
+                              <dgm:param type="spanAng" val="-135"/>
+                            </dgm:alg>
+                          </dgm:else>
+                        </dgm:choose>
+                      </dgm:if>
+                      <dgm:if name="Name323" axis="ch" ptType="node" func="cnt" op="equ" val="5">
+                        <dgm:choose name="Name324">
+                          <dgm:if name="Name325" axis="ch ch" ptType="node node" st="4 1" cnt="1 0" func="cnt" op="equ" val="1">
+                            <dgm:alg type="cycle">
+                              <dgm:param type="ctrShpMap" val="fNode"/>
+                              <dgm:param type="stAng" val="144"/>
+                            </dgm:alg>
+                          </dgm:if>
+                          <dgm:if name="Name326" axis="ch ch" ptType="node node" st="4 1" cnt="1 0" func="cnt" op="equ" val="2">
+                            <dgm:alg type="cycle">
+                              <dgm:param type="ctrShpMap" val="fNode"/>
+                              <dgm:param type="stAng" val="189"/>
+                              <dgm:param type="spanAng" val="-90"/>
+                            </dgm:alg>
+                          </dgm:if>
+                          <dgm:else name="Name327">
+                            <dgm:alg type="cycle">
+                              <dgm:param type="ctrShpMap" val="fNode"/>
+                              <dgm:param type="stAng" val="0"/>
+                              <dgm:param type="spanAng" val="-360"/>
+                            </dgm:alg>
+                          </dgm:else>
+                        </dgm:choose>
+                      </dgm:if>
+                      <dgm:if name="Name328" axis="ch" ptType="node" func="cnt" op="equ" val="6">
+                        <dgm:choose name="Name329">
+                          <dgm:if name="Name330" axis="ch ch" ptType="node node" st="4 1" cnt="1 0" func="cnt" op="equ" val="1">
+                            <dgm:alg type="cycle">
+                              <dgm:param type="ctrShpMap" val="fNode"/>
+                              <dgm:param type="stAng" val="180"/>
+                            </dgm:alg>
+                          </dgm:if>
+                          <dgm:if name="Name331" axis="ch ch" ptType="node node" st="4 1" cnt="1 0" func="cnt" op="equ" val="2">
+                            <dgm:alg type="cycle">
+                              <dgm:param type="ctrShpMap" val="fNode"/>
+                              <dgm:param type="stAng" val="225"/>
+                              <dgm:param type="spanAng" val="-90"/>
+                            </dgm:alg>
+                          </dgm:if>
+                          <dgm:else name="Name332">
+                            <dgm:alg type="cycle">
+                              <dgm:param type="ctrShpMap" val="fNode"/>
+                              <dgm:param type="stAng" val="0"/>
+                              <dgm:param type="spanAng" val="-360"/>
+                            </dgm:alg>
+                          </dgm:else>
+                        </dgm:choose>
+                      </dgm:if>
+                      <dgm:if name="Name333" axis="ch" ptType="node" func="cnt" op="gte" val="7">
+                        <dgm:choose name="Name334">
+                          <dgm:if name="Name335" axis="ch ch" ptType="node node" st="4 1" cnt="1 0" func="cnt" op="equ" val="1">
+                            <dgm:alg type="cycle">
+                              <dgm:param type="ctrShpMap" val="fNode"/>
+                              <dgm:param type="stAng" val="205"/>
+                            </dgm:alg>
+                          </dgm:if>
+                          <dgm:if name="Name336" axis="ch ch" ptType="node node" st="4 1" cnt="1 0" func="cnt" op="equ" val="2">
+                            <dgm:alg type="cycle">
+                              <dgm:param type="ctrShpMap" val="fNode"/>
+                              <dgm:param type="stAng" val="250"/>
+                              <dgm:param type="spanAng" val="-90"/>
+                            </dgm:alg>
+                          </dgm:if>
+                          <dgm:else name="Name337">
+                            <dgm:alg type="cycle">
+                              <dgm:param type="ctrShpMap" val="fNode"/>
+                              <dgm:param type="stAng" val="0"/>
+                              <dgm:param type="spanAng" val="-360"/>
+                            </dgm:alg>
+                          </dgm:else>
+                        </dgm:choose>
+                      </dgm:if>
+                      <dgm:else name="Name338"/>
+                    </dgm:choose>
+                  </dgm:else>
+                </dgm:choose>
+                <dgm:shape xmlns:r="http://schemas.openxmlformats.org/officeDocument/2006/relationships" r:blip="">
+                  <dgm:adjLst/>
+                </dgm:shape>
+                <dgm:presOf/>
+                <dgm:constrLst>
+                  <dgm:constr type="sp" refType="w" fact="0.1"/>
+                  <dgm:constr type="sibSp" refType="w" fact="0.1"/>
+                </dgm:constrLst>
+                <dgm:forEach name="Name339" axis="ch" ptType="node" st="4" cnt="1">
+                  <dgm:layoutNode name="childCenter4" styleLbl="node1">
+                    <dgm:alg type="tx"/>
+                    <dgm:shape xmlns:r="http://schemas.openxmlformats.org/officeDocument/2006/relationships" type="roundRect" r:blip="">
+                      <dgm:adjLst/>
+                    </dgm:shape>
+                    <dgm:presOf axis="self" ptType="node"/>
+                    <dgm:constrLst>
+                      <dgm:constr type="userS"/>
+                      <dgm:constr type="w" refType="userS"/>
+                      <dgm:constr type="h" refType="w"/>
+                      <dgm:constr type="tMarg" refType="primFontSz" fact="0.2"/>
+                      <dgm:constr type="bMarg" refType="primFontSz" fact="0.2"/>
+                      <dgm:constr type="lMarg" refType="primFontSz" fact="0.2"/>
+                      <dgm:constr type="rMarg" refType="primFontSz" fact="0.2"/>
+                    </dgm:constrLst>
+                    <dgm:ruleLst>
+                      <dgm:rule type="primFontSz" val="5" fact="NaN" max="NaN"/>
+                    </dgm:ruleLst>
+                  </dgm:layoutNode>
+                  <dgm:forEach name="Name340" axis="ch">
+                    <dgm:forEach name="Name341" axis="self" ptType="parTrans">
+                      <dgm:layoutNode name="Name342">
+                        <dgm:alg type="conn">
+                          <dgm:param type="dim" val="1D"/>
+                          <dgm:param type="begPts" val="auto"/>
+                          <dgm:param type="endPts" val="auto"/>
+                          <dgm:param type="begSty" val="noArr"/>
+                          <dgm:param type="endSty" val="noArr"/>
+                        </dgm:alg>
+                        <dgm:shape xmlns:r="http://schemas.openxmlformats.org/officeDocument/2006/relationships" type="conn" r:blip="">
+                          <dgm:adjLst/>
+                        </dgm:shape>
+                        <dgm:presOf axis="self"/>
+                        <dgm:constrLst>
+                          <dgm:constr type="begPad"/>
+                          <dgm:constr type="endPad"/>
+                        </dgm:constrLst>
+                      </dgm:layoutNode>
+                    </dgm:forEach>
+                    <dgm:forEach name="Name343" axis="self" ptType="node">
+                      <dgm:layoutNode name="text4" styleLbl="node1">
+                        <dgm:varLst>
+                          <dgm:bulletEnabled val="1"/>
+                        </dgm:varLst>
+                        <dgm:alg type="tx"/>
+                        <dgm:shape xmlns:r="http://schemas.openxmlformats.org/officeDocument/2006/relationships" type="roundRect" r:blip="">
+                          <dgm:adjLst/>
+                        </dgm:shape>
+                        <dgm:presOf axis="desOrSelf" ptType="node"/>
+                        <dgm:constrLst>
+                          <dgm:constr type="userS"/>
+                          <dgm:constr type="w" refType="userS"/>
+                          <dgm:constr type="h" refType="w"/>
+                          <dgm:constr type="tMarg" refType="primFontSz" fact="0.2"/>
+                          <dgm:constr type="bMarg" refType="primFontSz" fact="0.2"/>
+                          <dgm:constr type="lMarg" refType="primFontSz" fact="0.2"/>
+                          <dgm:constr type="rMarg" refType="primFontSz" fact="0.2"/>
+                        </dgm:constrLst>
+                        <dgm:ruleLst>
+                          <dgm:rule type="primFontSz" val="5" fact="NaN" max="NaN"/>
+                        </dgm:ruleLst>
+                      </dgm:layoutNode>
+                    </dgm:forEach>
+                  </dgm:forEach>
+                </dgm:forEach>
+              </dgm:layoutNode>
+              <dgm:forEach name="Name344" axis="ch" ptType="parTrans" st="4" cnt="1">
+                <dgm:layoutNode name="Name345">
+                  <dgm:alg type="conn">
+                    <dgm:param type="dim" val="1D"/>
+                    <dgm:param type="begPts" val="auto"/>
+                    <dgm:param type="endPts" val="auto"/>
+                    <dgm:param type="endSty" val="noArr"/>
+                    <dgm:param type="srcNode" val="textCenter"/>
+                    <dgm:param type="dstNode" val="childCenter4"/>
+                  </dgm:alg>
+                  <dgm:shape xmlns:r="http://schemas.openxmlformats.org/officeDocument/2006/relationships" type="conn" r:blip="" zOrderOff="-999">
+                    <dgm:adjLst/>
+                  </dgm:shape>
+                  <dgm:presOf axis="self"/>
+                  <dgm:constrLst>
+                    <dgm:constr type="h"/>
+                    <dgm:constr type="begPad"/>
+                    <dgm:constr type="endPad"/>
+                  </dgm:constrLst>
+                </dgm:layoutNode>
+              </dgm:forEach>
+            </dgm:if>
+            <dgm:else name="Name346"/>
+          </dgm:choose>
+          <dgm:choose name="Name347">
+            <dgm:if name="Name348" axis="ch" ptType="node" func="cnt" op="gte" val="5">
+              <dgm:layoutNode name="cycle_5">
+                <dgm:choose name="Name349">
+                  <dgm:if name="Name350" func="var" arg="dir" op="equ" val="norm">
+                    <dgm:choose name="Name351">
+                      <dgm:if name="Name352" axis="ch" ptType="node" func="cnt" op="equ" val="5">
+                        <dgm:choose name="Name353">
+                          <dgm:if name="Name354" axis="ch ch" ptType="node node" st="5 1" cnt="1 0" func="cnt" op="equ" val="1">
+                            <dgm:alg type="cycle">
+                              <dgm:param type="ctrShpMap" val="fNode"/>
+                              <dgm:param type="stAng" val="288"/>
+                            </dgm:alg>
+                          </dgm:if>
+                          <dgm:if name="Name355" axis="ch ch" ptType="node node" st="5 1" cnt="1 0" func="cnt" op="equ" val="2">
+                            <dgm:alg type="cycle">
+                              <dgm:param type="ctrShpMap" val="fNode"/>
+                              <dgm:param type="stAng" val="243"/>
+                              <dgm:param type="spanAng" val="90"/>
+                            </dgm:alg>
+                          </dgm:if>
+                          <dgm:else name="Name356">
+                            <dgm:alg type="cycle">
+                              <dgm:param type="ctrShpMap" val="fNode"/>
+                              <dgm:param type="stAng" val="0"/>
+                              <dgm:param type="spanAng" val="360"/>
+                            </dgm:alg>
+                          </dgm:else>
+                        </dgm:choose>
+                      </dgm:if>
+                      <dgm:if name="Name357" axis="ch" ptType="node" func="cnt" op="equ" val="6">
+                        <dgm:choose name="Name358">
+                          <dgm:if name="Name359" axis="ch ch" ptType="node node" st="5 1" cnt="1 0" func="cnt" op="equ" val="1">
+                            <dgm:alg type="cycle">
+                              <dgm:param type="ctrShpMap" val="fNode"/>
+                              <dgm:param type="stAng" val="240"/>
+                            </dgm:alg>
+                          </dgm:if>
+                          <dgm:if name="Name360" axis="ch ch" ptType="node node" st="5 1" cnt="1 0" func="cnt" op="equ" val="2">
+                            <dgm:alg type="cycle">
+                              <dgm:param type="ctrShpMap" val="fNode"/>
+                              <dgm:param type="stAng" val="195"/>
+                              <dgm:param type="spanAng" val="90"/>
+                            </dgm:alg>
+                          </dgm:if>
+                          <dgm:else name="Name361">
+                            <dgm:alg type="cycle">
+                              <dgm:param type="ctrShpMap" val="fNode"/>
+                              <dgm:param type="stAng" val="0"/>
+                              <dgm:param type="spanAng" val="360"/>
+                            </dgm:alg>
+                          </dgm:else>
+                        </dgm:choose>
+                      </dgm:if>
+                      <dgm:if name="Name362" axis="ch" ptType="node" func="cnt" op="gte" val="7">
+                        <dgm:choose name="Name363">
+                          <dgm:if name="Name364" axis="ch ch" ptType="node node" st="5 1" cnt="1 0" func="cnt" op="equ" val="1">
+                            <dgm:alg type="cycle">
+                              <dgm:param type="ctrShpMap" val="fNode"/>
+                              <dgm:param type="stAng" val="205"/>
+                            </dgm:alg>
+                          </dgm:if>
+                          <dgm:if name="Name365" axis="ch ch" ptType="node node" st="5 1" cnt="1 0" func="cnt" op="equ" val="2">
+                            <dgm:alg type="cycle">
+                              <dgm:param type="ctrShpMap" val="fNode"/>
+                              <dgm:param type="stAng" val="160"/>
+                              <dgm:param type="spanAng" val="90"/>
+                            </dgm:alg>
+                          </dgm:if>
+                          <dgm:else name="Name366">
+                            <dgm:alg type="cycle">
+                              <dgm:param type="ctrShpMap" val="fNode"/>
+                              <dgm:param type="stAng" val="0"/>
+                              <dgm:param type="spanAng" val="360"/>
+                            </dgm:alg>
+                          </dgm:else>
+                        </dgm:choose>
+                      </dgm:if>
+                      <dgm:else name="Name367"/>
+                    </dgm:choose>
+                  </dgm:if>
+                  <dgm:else name="Name368">
+                    <dgm:choose name="Name369">
+                      <dgm:if name="Name370" axis="ch" ptType="node" func="cnt" op="equ" val="5">
+                        <dgm:choose name="Name371">
+                          <dgm:if name="Name372" axis="ch ch" ptType="node node" st="5 1" cnt="1 0" func="cnt" op="equ" val="1">
+                            <dgm:alg type="cycle">
+                              <dgm:param type="ctrShpMap" val="fNode"/>
+                              <dgm:param type="stAng" val="72"/>
+                            </dgm:alg>
+                          </dgm:if>
+                          <dgm:if name="Name373" axis="ch ch" ptType="node node" st="5 1" cnt="1 0" func="cnt" op="equ" val="2">
+                            <dgm:alg type="cycle">
+                              <dgm:param type="ctrShpMap" val="fNode"/>
+                              <dgm:param type="stAng" val="117"/>
+                              <dgm:param type="spanAng" val="-90"/>
+                            </dgm:alg>
+                          </dgm:if>
+                          <dgm:else name="Name374">
+                            <dgm:alg type="cycle">
+                              <dgm:param type="ctrShpMap" val="fNode"/>
+                              <dgm:param type="stAng" val="0"/>
+                              <dgm:param type="spanAng" val="-360"/>
+                            </dgm:alg>
+                          </dgm:else>
+                        </dgm:choose>
+                      </dgm:if>
+                      <dgm:if name="Name375" axis="ch" ptType="node" func="cnt" op="equ" val="6">
+                        <dgm:choose name="Name376">
+                          <dgm:if name="Name377" axis="ch ch" ptType="node node" st="5 1" cnt="1 0" func="cnt" op="equ" val="1">
+                            <dgm:alg type="cycle">
+                              <dgm:param type="ctrShpMap" val="fNode"/>
+                              <dgm:param type="stAng" val="120"/>
+                            </dgm:alg>
+                          </dgm:if>
+                          <dgm:if name="Name378" axis="ch ch" ptType="node node" st="5 1" cnt="1 0" func="cnt" op="equ" val="2">
+                            <dgm:alg type="cycle">
+                              <dgm:param type="ctrShpMap" val="fNode"/>
+                              <dgm:param type="stAng" val="165"/>
+                              <dgm:param type="spanAng" val="-90"/>
+                            </dgm:alg>
+                          </dgm:if>
+                          <dgm:else name="Name379">
+                            <dgm:alg type="cycle">
+                              <dgm:param type="ctrShpMap" val="fNode"/>
+                              <dgm:param type="stAng" val="0"/>
+                              <dgm:param type="spanAng" val="-360"/>
+                            </dgm:alg>
+                          </dgm:else>
+                        </dgm:choose>
+                      </dgm:if>
+                      <dgm:if name="Name380" axis="ch" ptType="node" func="cnt" op="gte" val="7">
+                        <dgm:choose name="Name381">
+                          <dgm:if name="Name382" axis="ch ch" ptType="node node" st="5 1" cnt="1 0" func="cnt" op="equ" val="1">
+                            <dgm:alg type="cycle">
+                              <dgm:param type="ctrShpMap" val="fNode"/>
+                              <dgm:param type="stAng" val="154"/>
+                            </dgm:alg>
+                          </dgm:if>
+                          <dgm:if name="Name383" axis="ch ch" ptType="node node" st="5 1" cnt="1 0" func="cnt" op="equ" val="2">
+                            <dgm:alg type="cycle">
+                              <dgm:param type="ctrShpMap" val="fNode"/>
+                              <dgm:param type="stAng" val="199"/>
+                              <dgm:param type="spanAng" val="-90"/>
+                            </dgm:alg>
+                          </dgm:if>
+                          <dgm:else name="Name384">
+                            <dgm:alg type="cycle">
+                              <dgm:param type="ctrShpMap" val="fNode"/>
+                              <dgm:param type="stAng" val="0"/>
+                              <dgm:param type="spanAng" val="-360"/>
+                            </dgm:alg>
+                          </dgm:else>
+                        </dgm:choose>
+                      </dgm:if>
+                      <dgm:else name="Name385"/>
+                    </dgm:choose>
+                  </dgm:else>
+                </dgm:choose>
+                <dgm:shape xmlns:r="http://schemas.openxmlformats.org/officeDocument/2006/relationships" r:blip="">
+                  <dgm:adjLst/>
+                </dgm:shape>
+                <dgm:presOf/>
+                <dgm:constrLst>
+                  <dgm:constr type="sp" refType="w" fact="0.1"/>
+                  <dgm:constr type="sibSp" refType="w" fact="0.1"/>
+                </dgm:constrLst>
+                <dgm:forEach name="Name386" axis="ch" ptType="node" st="5" cnt="1">
+                  <dgm:layoutNode name="childCenter5" styleLbl="node1">
+                    <dgm:alg type="tx"/>
+                    <dgm:shape xmlns:r="http://schemas.openxmlformats.org/officeDocument/2006/relationships" type="roundRect" r:blip="">
+                      <dgm:adjLst/>
+                    </dgm:shape>
+                    <dgm:presOf axis="self" ptType="node"/>
+                    <dgm:constrLst>
+                      <dgm:constr type="userS"/>
+                      <dgm:constr type="w" refType="userS"/>
+                      <dgm:constr type="h" refType="w"/>
+                      <dgm:constr type="tMarg" refType="primFontSz" fact="0.2"/>
+                      <dgm:constr type="bMarg" refType="primFontSz" fact="0.2"/>
+                      <dgm:constr type="lMarg" refType="primFontSz" fact="0.2"/>
+                      <dgm:constr type="rMarg" refType="primFontSz" fact="0.2"/>
+                    </dgm:constrLst>
+                    <dgm:ruleLst>
+                      <dgm:rule type="primFontSz" val="5" fact="NaN" max="NaN"/>
+                    </dgm:ruleLst>
+                  </dgm:layoutNode>
+                  <dgm:forEach name="Name387" axis="ch">
+                    <dgm:forEach name="Name388" axis="self" ptType="parTrans">
+                      <dgm:layoutNode name="Name389">
+                        <dgm:alg type="conn">
+                          <dgm:param type="dim" val="1D"/>
+                          <dgm:param type="begPts" val="auto"/>
+                          <dgm:param type="endPts" val="auto"/>
+                          <dgm:param type="begSty" val="noArr"/>
+                          <dgm:param type="endSty" val="noArr"/>
+                        </dgm:alg>
+                        <dgm:shape xmlns:r="http://schemas.openxmlformats.org/officeDocument/2006/relationships" type="conn" r:blip="">
+                          <dgm:adjLst/>
+                        </dgm:shape>
+                        <dgm:presOf axis="self"/>
+                        <dgm:constrLst>
+                          <dgm:constr type="begPad"/>
+                          <dgm:constr type="endPad"/>
+                        </dgm:constrLst>
+                      </dgm:layoutNode>
+                    </dgm:forEach>
+                    <dgm:forEach name="Name390" axis="self" ptType="node">
+                      <dgm:layoutNode name="text5" styleLbl="node1">
+                        <dgm:varLst>
+                          <dgm:bulletEnabled val="1"/>
+                        </dgm:varLst>
+                        <dgm:alg type="tx"/>
+                        <dgm:shape xmlns:r="http://schemas.openxmlformats.org/officeDocument/2006/relationships" type="roundRect" r:blip="">
+                          <dgm:adjLst/>
+                        </dgm:shape>
+                        <dgm:presOf axis="desOrSelf" ptType="node"/>
+                        <dgm:constrLst>
+                          <dgm:constr type="userS"/>
+                          <dgm:constr type="w" refType="userS"/>
+                          <dgm:constr type="h" refType="w"/>
+                          <dgm:constr type="tMarg" refType="primFontSz" fact="0.2"/>
+                          <dgm:constr type="bMarg" refType="primFontSz" fact="0.2"/>
+                          <dgm:constr type="lMarg" refType="primFontSz" fact="0.2"/>
+                          <dgm:constr type="rMarg" refType="primFontSz" fact="0.2"/>
+                        </dgm:constrLst>
+                        <dgm:ruleLst>
+                          <dgm:rule type="primFontSz" val="5" fact="NaN" max="NaN"/>
+                        </dgm:ruleLst>
+                      </dgm:layoutNode>
+                    </dgm:forEach>
+                  </dgm:forEach>
+                </dgm:forEach>
+              </dgm:layoutNode>
+              <dgm:forEach name="Name391" axis="ch" ptType="parTrans" st="5" cnt="1">
+                <dgm:layoutNode name="Name392">
+                  <dgm:alg type="conn">
+                    <dgm:param type="dim" val="1D"/>
+                    <dgm:param type="begPts" val="auto"/>
+                    <dgm:param type="endPts" val="auto"/>
+                    <dgm:param type="endSty" val="noArr"/>
+                    <dgm:param type="srcNode" val="textCenter"/>
+                    <dgm:param type="dstNode" val="childCenter5"/>
+                  </dgm:alg>
+                  <dgm:shape xmlns:r="http://schemas.openxmlformats.org/officeDocument/2006/relationships" type="conn" r:blip="" zOrderOff="-999">
+                    <dgm:adjLst/>
+                  </dgm:shape>
+                  <dgm:presOf axis="self"/>
+                  <dgm:constrLst>
+                    <dgm:constr type="h"/>
+                    <dgm:constr type="begPad"/>
+                    <dgm:constr type="endPad"/>
+                  </dgm:constrLst>
+                </dgm:layoutNode>
+              </dgm:forEach>
+            </dgm:if>
+            <dgm:else name="Name393"/>
+          </dgm:choose>
+          <dgm:choose name="Name394">
+            <dgm:if name="Name395" axis="ch" ptType="node" func="cnt" op="gte" val="6">
+              <dgm:layoutNode name="cycle_6">
+                <dgm:choose name="Name396">
+                  <dgm:if name="Name397" func="var" arg="dir" op="equ" val="norm">
+                    <dgm:choose name="Name398">
+                      <dgm:if name="Name399" axis="ch" ptType="node" func="cnt" op="equ" val="6">
+                        <dgm:choose name="Name400">
+                          <dgm:if name="Name401" axis="ch ch" ptType="node node" st="6 1" cnt="1 0" func="cnt" op="equ" val="1">
+                            <dgm:alg type="cycle">
+                              <dgm:param type="ctrShpMap" val="fNode"/>
+                              <dgm:param type="stAng" val="300"/>
+                            </dgm:alg>
+                          </dgm:if>
+                          <dgm:if name="Name402" axis="ch ch" ptType="node node" st="6 1" cnt="1 0" func="cnt" op="equ" val="2">
+                            <dgm:alg type="cycle">
+                              <dgm:param type="ctrShpMap" val="fNode"/>
+                              <dgm:param type="stAng" val="255"/>
+                              <dgm:param type="spanAng" val="90"/>
+                            </dgm:alg>
+                          </dgm:if>
+                          <dgm:else name="Name403">
+                            <dgm:alg type="cycle">
+                              <dgm:param type="ctrShpMap" val="fNode"/>
+                              <dgm:param type="stAng" val="0"/>
+                              <dgm:param type="spanAng" val="360"/>
+                            </dgm:alg>
+                          </dgm:else>
+                        </dgm:choose>
+                      </dgm:if>
+                      <dgm:if name="Name404" axis="ch" ptType="node" func="cnt" op="gte" val="7">
+                        <dgm:choose name="Name405">
+                          <dgm:if name="Name406" axis="ch ch" ptType="node node" st="6 1" cnt="1 0" func="cnt" op="equ" val="1">
+                            <dgm:alg type="cycle">
+                              <dgm:param type="ctrShpMap" val="fNode"/>
+                              <dgm:param type="stAng" val="257"/>
+                            </dgm:alg>
+                          </dgm:if>
+                          <dgm:if name="Name407" axis="ch ch" ptType="node node" st="6 1" cnt="1 0" func="cnt" op="equ" val="2">
+                            <dgm:alg type="cycle">
+                              <dgm:param type="ctrShpMap" val="fNode"/>
+                              <dgm:param type="stAng" val="212"/>
+                              <dgm:param type="spanAng" val="90"/>
+                            </dgm:alg>
+                          </dgm:if>
+                          <dgm:else name="Name408">
+                            <dgm:alg type="cycle">
+                              <dgm:param type="ctrShpMap" val="fNode"/>
+                              <dgm:param type="stAng" val="0"/>
+                              <dgm:param type="spanAng" val="360"/>
+                            </dgm:alg>
+                          </dgm:else>
+                        </dgm:choose>
+                      </dgm:if>
+                      <dgm:else name="Name409"/>
+                    </dgm:choose>
+                  </dgm:if>
+                  <dgm:else name="Name410">
+                    <dgm:choose name="Name411">
+                      <dgm:if name="Name412" axis="ch" ptType="node" func="cnt" op="equ" val="6">
+                        <dgm:choose name="Name413">
+                          <dgm:if name="Name414" axis="ch ch" ptType="node node" st="6 1" cnt="1 0" func="cnt" op="equ" val="1">
+                            <dgm:alg type="cycle">
+                              <dgm:param type="ctrShpMap" val="fNode"/>
+                              <dgm:param type="stAng" val="60"/>
+                            </dgm:alg>
+                          </dgm:if>
+                          <dgm:if name="Name415" axis="ch ch" ptType="node node" st="6 1" cnt="1 0" func="cnt" op="equ" val="2">
+                            <dgm:alg type="cycle">
+                              <dgm:param type="ctrShpMap" val="fNode"/>
+                              <dgm:param type="stAng" val="105"/>
+                              <dgm:param type="spanAng" val="-90"/>
+                            </dgm:alg>
+                          </dgm:if>
+                          <dgm:else name="Name416">
+                            <dgm:alg type="cycle">
+                              <dgm:param type="ctrShpMap" val="fNode"/>
+                              <dgm:param type="stAng" val="0"/>
+                              <dgm:param type="spanAng" val="-360"/>
+                            </dgm:alg>
+                          </dgm:else>
+                        </dgm:choose>
+                      </dgm:if>
+                      <dgm:if name="Name417" axis="ch" ptType="node" func="cnt" op="gte" val="7">
+                        <dgm:choose name="Name418">
+                          <dgm:if name="Name419" axis="ch ch" ptType="node node" st="6 1" cnt="1 0" func="cnt" op="equ" val="1">
+                            <dgm:alg type="cycle">
+                              <dgm:param type="ctrShpMap" val="fNode"/>
+                              <dgm:param type="stAng" val="102"/>
+                            </dgm:alg>
+                          </dgm:if>
+                          <dgm:if name="Name420" axis="ch ch" ptType="node node" st="6 1" cnt="1 0" func="cnt" op="equ" val="2">
+                            <dgm:alg type="cycle">
+                              <dgm:param type="ctrShpMap" val="fNode"/>
+                              <dgm:param type="stAng" val="147"/>
+                              <dgm:param type="spanAng" val="-90"/>
+                            </dgm:alg>
+                          </dgm:if>
+                          <dgm:else name="Name421">
+                            <dgm:alg type="cycle">
+                              <dgm:param type="ctrShpMap" val="fNode"/>
+                              <dgm:param type="stAng" val="0"/>
+                              <dgm:param type="spanAng" val="-360"/>
+                            </dgm:alg>
+                          </dgm:else>
+                        </dgm:choose>
+                      </dgm:if>
+                      <dgm:else name="Name422"/>
+                    </dgm:choose>
+                  </dgm:else>
+                </dgm:choose>
+                <dgm:shape xmlns:r="http://schemas.openxmlformats.org/officeDocument/2006/relationships" r:blip="">
+                  <dgm:adjLst/>
+                </dgm:shape>
+                <dgm:presOf/>
+                <dgm:constrLst>
+                  <dgm:constr type="sp" refType="w" fact="0.1"/>
+                  <dgm:constr type="sibSp" refType="w" fact="0.1"/>
+                </dgm:constrLst>
+                <dgm:forEach name="Name423" axis="ch" ptType="node" st="6" cnt="1">
+                  <dgm:layoutNode name="childCenter6" styleLbl="node1">
+                    <dgm:alg type="tx"/>
+                    <dgm:shape xmlns:r="http://schemas.openxmlformats.org/officeDocument/2006/relationships" type="roundRect" r:blip="">
+                      <dgm:adjLst/>
+                    </dgm:shape>
+                    <dgm:presOf axis="self" ptType="node"/>
+                    <dgm:constrLst>
+                      <dgm:constr type="userS"/>
+                      <dgm:constr type="w" refType="userS"/>
+                      <dgm:constr type="h" refType="w"/>
+                      <dgm:constr type="tMarg" refType="primFontSz" fact="0.2"/>
+                      <dgm:constr type="bMarg" refType="primFontSz" fact="0.2"/>
+                      <dgm:constr type="lMarg" refType="primFontSz" fact="0.2"/>
+                      <dgm:constr type="rMarg" refType="primFontSz" fact="0.2"/>
+                    </dgm:constrLst>
+                    <dgm:ruleLst>
+                      <dgm:rule type="primFontSz" val="5" fact="NaN" max="NaN"/>
+                    </dgm:ruleLst>
+                  </dgm:layoutNode>
+                  <dgm:forEach name="Name424" axis="ch">
+                    <dgm:forEach name="Name425" axis="self" ptType="parTrans">
+                      <dgm:layoutNode name="Name426">
+                        <dgm:alg type="conn">
+                          <dgm:param type="dim" val="1D"/>
+                          <dgm:param type="begPts" val="auto"/>
+                          <dgm:param type="endPts" val="auto"/>
+                          <dgm:param type="begSty" val="noArr"/>
+                          <dgm:param type="endSty" val="noArr"/>
+                        </dgm:alg>
+                        <dgm:shape xmlns:r="http://schemas.openxmlformats.org/officeDocument/2006/relationships" type="conn" r:blip="">
+                          <dgm:adjLst/>
+                        </dgm:shape>
+                        <dgm:presOf axis="self"/>
+                        <dgm:constrLst>
+                          <dgm:constr type="begPad"/>
+                          <dgm:constr type="endPad"/>
+                        </dgm:constrLst>
+                      </dgm:layoutNode>
+                    </dgm:forEach>
+                    <dgm:forEach name="Name427" axis="self" ptType="node">
+                      <dgm:layoutNode name="text6" styleLbl="node1">
+                        <dgm:varLst>
+                          <dgm:bulletEnabled val="1"/>
+                        </dgm:varLst>
+                        <dgm:alg type="tx"/>
+                        <dgm:shape xmlns:r="http://schemas.openxmlformats.org/officeDocument/2006/relationships" type="roundRect" r:blip="">
+                          <dgm:adjLst/>
+                        </dgm:shape>
+                        <dgm:presOf axis="desOrSelf" ptType="node"/>
+                        <dgm:constrLst>
+                          <dgm:constr type="userS"/>
+                          <dgm:constr type="w" refType="userS"/>
+                          <dgm:constr type="h" refType="w"/>
+                          <dgm:constr type="tMarg" refType="primFontSz" fact="0.2"/>
+                          <dgm:constr type="bMarg" refType="primFontSz" fact="0.2"/>
+                          <dgm:constr type="lMarg" refType="primFontSz" fact="0.2"/>
+                          <dgm:constr type="rMarg" refType="primFontSz" fact="0.2"/>
+                        </dgm:constrLst>
+                        <dgm:ruleLst>
+                          <dgm:rule type="primFontSz" val="5" fact="NaN" max="NaN"/>
+                        </dgm:ruleLst>
+                      </dgm:layoutNode>
+                    </dgm:forEach>
+                  </dgm:forEach>
+                </dgm:forEach>
+              </dgm:layoutNode>
+              <dgm:forEach name="Name428" axis="ch" ptType="parTrans" st="6" cnt="1">
+                <dgm:layoutNode name="Name429">
+                  <dgm:alg type="conn">
+                    <dgm:param type="dim" val="1D"/>
+                    <dgm:param type="begPts" val="auto"/>
+                    <dgm:param type="endPts" val="auto"/>
+                    <dgm:param type="endSty" val="noArr"/>
+                    <dgm:param type="srcNode" val="textCenter"/>
+                    <dgm:param type="dstNode" val="childCenter6"/>
+                  </dgm:alg>
+                  <dgm:shape xmlns:r="http://schemas.openxmlformats.org/officeDocument/2006/relationships" type="conn" r:blip="" zOrderOff="-999">
+                    <dgm:adjLst/>
+                  </dgm:shape>
+                  <dgm:presOf axis="self"/>
+                  <dgm:constrLst>
+                    <dgm:constr type="h"/>
+                    <dgm:constr type="begPad"/>
+                    <dgm:constr type="endPad"/>
+                  </dgm:constrLst>
+                </dgm:layoutNode>
+              </dgm:forEach>
+            </dgm:if>
+            <dgm:else name="Name430"/>
+          </dgm:choose>
+          <dgm:choose name="Name431">
+            <dgm:if name="Name432" axis="ch" ptType="node" func="cnt" op="gte" val="7">
+              <dgm:layoutNode name="cycle_7">
+                <dgm:choose name="Name433">
+                  <dgm:if name="Name434" func="var" arg="dir" op="equ" val="norm">
+                    <dgm:choose name="Name435">
+                      <dgm:if name="Name436" axis="ch" ptType="node" func="cnt" op="gte" val="7">
+                        <dgm:choose name="Name437">
+                          <dgm:if name="Name438" axis="ch ch" ptType="node node" st="7 1" cnt="1 0" func="cnt" op="equ" val="1">
+                            <dgm:alg type="cycle">
+                              <dgm:param type="ctrShpMap" val="fNode"/>
+                              <dgm:param type="stAng" val="308"/>
+                            </dgm:alg>
+                          </dgm:if>
+                          <dgm:if name="Name439" axis="ch ch" ptType="node node" st="7 1" cnt="1 0" func="cnt" op="equ" val="2">
+                            <dgm:alg type="cycle">
+                              <dgm:param type="ctrShpMap" val="fNode"/>
+                              <dgm:param type="stAng" val="263"/>
+                              <dgm:param type="spanAng" val="90"/>
+                            </dgm:alg>
+                          </dgm:if>
+                          <dgm:else name="Name440">
+                            <dgm:alg type="cycle">
+                              <dgm:param type="ctrShpMap" val="fNode"/>
+                              <dgm:param type="stAng" val="0"/>
+                              <dgm:param type="spanAng" val="360"/>
+                            </dgm:alg>
+                          </dgm:else>
+                        </dgm:choose>
+                      </dgm:if>
+                      <dgm:else name="Name441"/>
+                    </dgm:choose>
+                  </dgm:if>
+                  <dgm:else name="Name442">
+                    <dgm:choose name="Name443">
+                      <dgm:if name="Name444" axis="ch" ptType="node" func="cnt" op="gte" val="7">
+                        <dgm:choose name="Name445">
+                          <dgm:if name="Name446" axis="ch ch" ptType="node node" st="7 1" cnt="1 0" func="cnt" op="equ" val="1">
+                            <dgm:alg type="cycle">
+                              <dgm:param type="ctrShpMap" val="fNode"/>
+                              <dgm:param type="stAng" val="51"/>
+                            </dgm:alg>
+                          </dgm:if>
+                          <dgm:if name="Name447" axis="ch ch" ptType="node node" st="7 1" cnt="1 0" func="cnt" op="equ" val="2">
+                            <dgm:alg type="cycle">
+                              <dgm:param type="ctrShpMap" val="fNode"/>
+                              <dgm:param type="stAng" val="96"/>
+                              <dgm:param type="spanAng" val="-90"/>
+                            </dgm:alg>
+                          </dgm:if>
+                          <dgm:else name="Name448">
+                            <dgm:alg type="cycle">
+                              <dgm:param type="ctrShpMap" val="fNode"/>
+                              <dgm:param type="stAng" val="0"/>
+                              <dgm:param type="spanAng" val="-360"/>
+                            </dgm:alg>
+                          </dgm:else>
+                        </dgm:choose>
+                      </dgm:if>
+                      <dgm:else name="Name449"/>
+                    </dgm:choose>
+                  </dgm:else>
+                </dgm:choose>
+                <dgm:shape xmlns:r="http://schemas.openxmlformats.org/officeDocument/2006/relationships" r:blip="">
+                  <dgm:adjLst/>
+                </dgm:shape>
+                <dgm:presOf/>
+                <dgm:constrLst>
+                  <dgm:constr type="sp" refType="w" fact="0.1"/>
+                  <dgm:constr type="sibSp" refType="w" fact="0.1"/>
+                </dgm:constrLst>
+                <dgm:forEach name="Name450" axis="ch" ptType="node" st="7" cnt="1">
+                  <dgm:layoutNode name="childCenter7" styleLbl="node1">
+                    <dgm:alg type="tx"/>
+                    <dgm:shape xmlns:r="http://schemas.openxmlformats.org/officeDocument/2006/relationships" type="roundRect" r:blip="">
+                      <dgm:adjLst/>
+                    </dgm:shape>
+                    <dgm:presOf axis="self" ptType="node"/>
+                    <dgm:constrLst>
+                      <dgm:constr type="userS"/>
+                      <dgm:constr type="w" refType="userS"/>
+                      <dgm:constr type="h" refType="w"/>
+                      <dgm:constr type="tMarg" refType="primFontSz" fact="0.2"/>
+                      <dgm:constr type="bMarg" refType="primFontSz" fact="0.2"/>
+                      <dgm:constr type="lMarg" refType="primFontSz" fact="0.2"/>
+                      <dgm:constr type="rMarg" refType="primFontSz" fact="0.2"/>
+                    </dgm:constrLst>
+                    <dgm:ruleLst>
+                      <dgm:rule type="primFontSz" val="5" fact="NaN" max="NaN"/>
+                    </dgm:ruleLst>
+                  </dgm:layoutNode>
+                  <dgm:forEach name="Name451" axis="ch">
+                    <dgm:forEach name="Name452" axis="self" ptType="parTrans">
+                      <dgm:layoutNode name="Name453">
+                        <dgm:alg type="conn">
+                          <dgm:param type="dim" val="1D"/>
+                          <dgm:param type="begPts" val="auto"/>
+                          <dgm:param type="endPts" val="auto"/>
+                          <dgm:param type="begSty" val="noArr"/>
+                          <dgm:param type="endSty" val="noArr"/>
+                        </dgm:alg>
+                        <dgm:shape xmlns:r="http://schemas.openxmlformats.org/officeDocument/2006/relationships" type="conn" r:blip="">
+                          <dgm:adjLst/>
+                        </dgm:shape>
+                        <dgm:presOf axis="self"/>
+                        <dgm:constrLst>
+                          <dgm:constr type="begPad"/>
+                          <dgm:constr type="endPad"/>
+                        </dgm:constrLst>
+                      </dgm:layoutNode>
+                    </dgm:forEach>
+                    <dgm:forEach name="Name454" axis="self" ptType="node">
+                      <dgm:layoutNode name="text7" styleLbl="node1">
+                        <dgm:varLst>
+                          <dgm:bulletEnabled val="1"/>
+                        </dgm:varLst>
+                        <dgm:alg type="tx"/>
+                        <dgm:shape xmlns:r="http://schemas.openxmlformats.org/officeDocument/2006/relationships" type="roundRect" r:blip="">
+                          <dgm:adjLst/>
+                        </dgm:shape>
+                        <dgm:presOf axis="desOrSelf" ptType="node"/>
+                        <dgm:constrLst>
+                          <dgm:constr type="userS"/>
+                          <dgm:constr type="w" refType="userS"/>
+                          <dgm:constr type="h" refType="w"/>
+                          <dgm:constr type="tMarg" refType="primFontSz" fact="0.2"/>
+                          <dgm:constr type="bMarg" refType="primFontSz" fact="0.2"/>
+                          <dgm:constr type="lMarg" refType="primFontSz" fact="0.2"/>
+                          <dgm:constr type="rMarg" refType="primFontSz" fact="0.2"/>
+                        </dgm:constrLst>
+                        <dgm:ruleLst>
+                          <dgm:rule type="primFontSz" val="5" fact="NaN" max="NaN"/>
+                        </dgm:ruleLst>
+                      </dgm:layoutNode>
+                    </dgm:forEach>
+                  </dgm:forEach>
+                </dgm:forEach>
+              </dgm:layoutNode>
+              <dgm:forEach name="Name455" axis="ch" ptType="parTrans" st="7" cnt="1">
+                <dgm:layoutNode name="Name456">
+                  <dgm:alg type="conn">
+                    <dgm:param type="dim" val="1D"/>
+                    <dgm:param type="begPts" val="auto"/>
+                    <dgm:param type="endPts" val="auto"/>
+                    <dgm:param type="endSty" val="noArr"/>
+                    <dgm:param type="srcNode" val="textCenter"/>
+                    <dgm:param type="dstNode" val="childCenter7"/>
+                  </dgm:alg>
+                  <dgm:shape xmlns:r="http://schemas.openxmlformats.org/officeDocument/2006/relationships" type="conn" r:blip="" zOrderOff="-999">
+                    <dgm:adjLst/>
+                  </dgm:shape>
+                  <dgm:presOf axis="self"/>
+                  <dgm:constrLst>
+                    <dgm:constr type="h"/>
+                    <dgm:constr type="begPad"/>
+                    <dgm:constr type="endPad"/>
+                  </dgm:constrLst>
+                </dgm:layoutNode>
+              </dgm:forEach>
+            </dgm:if>
+            <dgm:else name="Name457"/>
+          </dgm:choose>
+        </dgm:else>
+      </dgm:choose>
     </dgm:forEach>
   </dgm:layoutNode>
 </dgm:layoutDef>
@@ -39619,7 +42832,7 @@
           <p:nvPr>
             <p:extLst>
               <p:ext uri="{D42A27DB-BD31-4B8C-83A1-F6EECF244321}">
-                <p14:modId xmlns:p14="http://schemas.microsoft.com/office/powerpoint/2010/main" val="2054314580"/>
+                <p14:modId xmlns:p14="http://schemas.microsoft.com/office/powerpoint/2010/main" val="2064836550"/>
               </p:ext>
             </p:extLst>
           </p:nvPr>
@@ -40096,41 +43309,116 @@
           </a:p>
         </p:txBody>
       </p:sp>
+      <p:pic>
+        <p:nvPicPr>
+          <p:cNvPr id="3" name="Picture 2"/>
+          <p:cNvPicPr>
+            <a:picLocks noChangeAspect="1"/>
+          </p:cNvPicPr>
+          <p:nvPr/>
+        </p:nvPicPr>
+        <p:blipFill>
+          <a:blip r:embed="rId2"/>
+          <a:stretch>
+            <a:fillRect/>
+          </a:stretch>
+        </p:blipFill>
+        <p:spPr>
+          <a:xfrm>
+            <a:off x="868509" y="1096341"/>
+            <a:ext cx="2066667" cy="4647619"/>
+          </a:xfrm>
+          <a:prstGeom prst="roundRect">
+            <a:avLst>
+              <a:gd name="adj" fmla="val 8594"/>
+            </a:avLst>
+          </a:prstGeom>
+          <a:solidFill>
+            <a:srgbClr val="FFFFFF">
+              <a:shade val="85000"/>
+            </a:srgbClr>
+          </a:solidFill>
+          <a:ln>
+            <a:noFill/>
+          </a:ln>
+          <a:effectLst>
+            <a:reflection blurRad="12700" stA="38000" endPos="28000" dist="5000" dir="5400000" sy="-100000" algn="bl" rotWithShape="0"/>
+          </a:effectLst>
+        </p:spPr>
+      </p:pic>
       <p:graphicFrame>
         <p:nvGraphicFramePr>
-          <p:cNvPr id="2" name="Diagram 1"/>
+          <p:cNvPr id="4" name="Diagram 3"/>
           <p:cNvGraphicFramePr/>
-          <p:nvPr/>
+          <p:nvPr>
+            <p:extLst>
+              <p:ext uri="{D42A27DB-BD31-4B8C-83A1-F6EECF244321}">
+                <p14:modId xmlns:p14="http://schemas.microsoft.com/office/powerpoint/2010/main" val="2249915605"/>
+              </p:ext>
+            </p:extLst>
+          </p:nvPr>
         </p:nvGraphicFramePr>
         <p:xfrm>
-          <a:off x="4418012" y="1480066"/>
-          <a:ext cx="6477000" cy="4232628"/>
+          <a:off x="3055563" y="928256"/>
+          <a:ext cx="8125883" cy="5417256"/>
         </p:xfrm>
         <a:graphic>
           <a:graphicData uri="http://schemas.openxmlformats.org/drawingml/2006/diagram">
-            <dgm:relIds xmlns:dgm="http://schemas.openxmlformats.org/drawingml/2006/diagram" xmlns:r="http://schemas.openxmlformats.org/officeDocument/2006/relationships" r:dm="rId2" r:lo="rId3" r:qs="rId4" r:cs="rId5"/>
+            <dgm:relIds xmlns:dgm="http://schemas.openxmlformats.org/drawingml/2006/diagram" xmlns:r="http://schemas.openxmlformats.org/officeDocument/2006/relationships" r:dm="rId3" r:lo="rId4" r:qs="rId5" r:cs="rId6"/>
           </a:graphicData>
         </a:graphic>
       </p:graphicFrame>
       <p:cxnSp>
         <p:nvCxnSpPr>
-          <p:cNvPr id="5" name="Straight Arrow Connector 4"/>
+          <p:cNvPr id="7" name="Straight Connector 6"/>
           <p:cNvCxnSpPr/>
           <p:nvPr/>
         </p:nvCxnSpPr>
         <p:spPr>
-          <a:xfrm flipH="1">
-            <a:off x="2817812" y="4114800"/>
-            <a:ext cx="3276600" cy="76200"/>
+          <a:xfrm>
+            <a:off x="5637212" y="4593512"/>
+            <a:ext cx="762000" cy="228600"/>
           </a:xfrm>
-          <a:prstGeom prst="straightConnector1">
+          <a:prstGeom prst="line">
             <a:avLst/>
           </a:prstGeom>
-          <a:ln w="38100">
+        </p:spPr>
+        <p:style>
+          <a:lnRef idx="1">
+            <a:schemeClr val="accent1"/>
+          </a:lnRef>
+          <a:fillRef idx="0">
+            <a:schemeClr val="accent1"/>
+          </a:fillRef>
+          <a:effectRef idx="0">
+            <a:schemeClr val="accent1"/>
+          </a:effectRef>
+          <a:fontRef idx="minor">
+            <a:schemeClr val="tx1"/>
+          </a:fontRef>
+        </p:style>
+      </p:cxnSp>
+      <p:cxnSp>
+        <p:nvCxnSpPr>
+          <p:cNvPr id="10" name="Straight Connector 9"/>
+          <p:cNvCxnSpPr/>
+          <p:nvPr/>
+        </p:nvCxnSpPr>
+        <p:spPr>
+          <a:xfrm>
+            <a:off x="3765704" y="1981200"/>
+            <a:ext cx="6705600" cy="0"/>
+          </a:xfrm>
+          <a:prstGeom prst="line">
+            <a:avLst/>
+          </a:prstGeom>
+          <a:ln w="28575">
             <a:solidFill>
-              <a:schemeClr val="accent3"/>
+              <a:schemeClr val="accent3">
+                <a:lumMod val="60000"/>
+                <a:lumOff val="40000"/>
+              </a:schemeClr>
             </a:solidFill>
-            <a:tailEnd type="triangle"/>
           </a:ln>
         </p:spPr>
         <p:style>
@@ -40150,28 +43438,63 @@
       </p:cxnSp>
       <p:cxnSp>
         <p:nvCxnSpPr>
-          <p:cNvPr id="14" name="Elbow Connector 13"/>
+          <p:cNvPr id="16" name="Straight Connector 15"/>
           <p:cNvCxnSpPr/>
           <p:nvPr/>
         </p:nvCxnSpPr>
         <p:spPr>
-          <a:xfrm rot="10800000">
-            <a:off x="2960442" y="3543096"/>
-            <a:ext cx="4886571" cy="1943305"/>
+          <a:xfrm>
+            <a:off x="3808412" y="3654867"/>
+            <a:ext cx="6705600" cy="0"/>
           </a:xfrm>
-          <a:prstGeom prst="bentConnector3">
-            <a:avLst>
-              <a:gd name="adj1" fmla="val 75580"/>
-            </a:avLst>
+          <a:prstGeom prst="line">
+            <a:avLst/>
           </a:prstGeom>
-          <a:ln w="38100">
+          <a:ln w="28575">
             <a:solidFill>
-              <a:schemeClr val="accent4">
+              <a:schemeClr val="accent3">
                 <a:lumMod val="60000"/>
                 <a:lumOff val="40000"/>
               </a:schemeClr>
             </a:solidFill>
-            <a:tailEnd type="triangle"/>
+          </a:ln>
+        </p:spPr>
+        <p:style>
+          <a:lnRef idx="1">
+            <a:schemeClr val="accent1"/>
+          </a:lnRef>
+          <a:fillRef idx="0">
+            <a:schemeClr val="accent1"/>
+          </a:fillRef>
+          <a:effectRef idx="0">
+            <a:schemeClr val="accent1"/>
+          </a:effectRef>
+          <a:fontRef idx="minor">
+            <a:schemeClr val="tx1"/>
+          </a:fontRef>
+        </p:style>
+      </p:cxnSp>
+      <p:cxnSp>
+        <p:nvCxnSpPr>
+          <p:cNvPr id="20" name="Straight Connector 19"/>
+          <p:cNvCxnSpPr/>
+          <p:nvPr/>
+        </p:nvCxnSpPr>
+        <p:spPr>
+          <a:xfrm>
+            <a:off x="3808412" y="5334000"/>
+            <a:ext cx="6705600" cy="0"/>
+          </a:xfrm>
+          <a:prstGeom prst="line">
+            <a:avLst/>
+          </a:prstGeom>
+          <a:ln w="28575">
+            <a:solidFill>
+              <a:schemeClr val="accent3">
+                <a:lumMod val="60000"/>
+                <a:lumOff val="40000"/>
+              </a:schemeClr>
+            </a:solidFill>
           </a:ln>
         </p:spPr>
         <p:style>

--- a/powerpoint/architect/Architectural Perspective for ColdFusion Applications.pptx
+++ b/powerpoint/architect/Architectural Perspective for ColdFusion Applications.pptx
@@ -921,6 +921,886 @@
 </file>
 
 <file path=ppt/diagrams/colors10.xml><?xml version="1.0" encoding="utf-8"?>
+<dgm:colorsDef xmlns:dgm="http://schemas.openxmlformats.org/drawingml/2006/diagram" xmlns:a="http://schemas.openxmlformats.org/drawingml/2006/main" uniqueId="urn:microsoft.com/office/officeart/2005/8/colors/accent1_5">
+  <dgm:title val=""/>
+  <dgm:desc val=""/>
+  <dgm:catLst>
+    <dgm:cat type="accent1" pri="11500"/>
+  </dgm:catLst>
+  <dgm:styleLbl name="node0">
+    <dgm:fillClrLst meth="cycle">
+      <a:schemeClr val="accent1">
+        <a:alpha val="80000"/>
+      </a:schemeClr>
+    </dgm:fillClrLst>
+    <dgm:linClrLst meth="repeat">
+      <a:schemeClr val="lt1"/>
+    </dgm:linClrLst>
+    <dgm:effectClrLst/>
+    <dgm:txLinClrLst/>
+    <dgm:txFillClrLst/>
+    <dgm:txEffectClrLst/>
+  </dgm:styleLbl>
+  <dgm:styleLbl name="node1">
+    <dgm:fillClrLst>
+      <a:schemeClr val="accent1">
+        <a:alpha val="90000"/>
+      </a:schemeClr>
+      <a:schemeClr val="accent1">
+        <a:alpha val="50000"/>
+      </a:schemeClr>
+    </dgm:fillClrLst>
+    <dgm:linClrLst meth="repeat">
+      <a:schemeClr val="lt1"/>
+    </dgm:linClrLst>
+    <dgm:effectClrLst/>
+    <dgm:txLinClrLst/>
+    <dgm:txFillClrLst/>
+    <dgm:txEffectClrLst/>
+  </dgm:styleLbl>
+  <dgm:styleLbl name="alignNode1">
+    <dgm:fillClrLst>
+      <a:schemeClr val="accent1">
+        <a:alpha val="90000"/>
+      </a:schemeClr>
+      <a:schemeClr val="accent1">
+        <a:alpha val="50000"/>
+      </a:schemeClr>
+    </dgm:fillClrLst>
+    <dgm:linClrLst>
+      <a:schemeClr val="accent1">
+        <a:alpha val="90000"/>
+      </a:schemeClr>
+      <a:schemeClr val="accent1">
+        <a:alpha val="50000"/>
+      </a:schemeClr>
+    </dgm:linClrLst>
+    <dgm:effectClrLst/>
+    <dgm:txLinClrLst/>
+    <dgm:txFillClrLst/>
+    <dgm:txEffectClrLst/>
+  </dgm:styleLbl>
+  <dgm:styleLbl name="lnNode1">
+    <dgm:fillClrLst>
+      <a:schemeClr val="accent1">
+        <a:shade val="90000"/>
+      </a:schemeClr>
+      <a:schemeClr val="accent1">
+        <a:alpha val="50000"/>
+        <a:tint val="50000"/>
+      </a:schemeClr>
+    </dgm:fillClrLst>
+    <dgm:linClrLst meth="repeat">
+      <a:schemeClr val="lt1"/>
+    </dgm:linClrLst>
+    <dgm:effectClrLst/>
+    <dgm:txLinClrLst/>
+    <dgm:txFillClrLst/>
+    <dgm:txEffectClrLst/>
+  </dgm:styleLbl>
+  <dgm:styleLbl name="vennNode1">
+    <dgm:fillClrLst>
+      <a:schemeClr val="accent1">
+        <a:shade val="80000"/>
+        <a:alpha val="50000"/>
+      </a:schemeClr>
+      <a:schemeClr val="accent1">
+        <a:alpha val="80000"/>
+      </a:schemeClr>
+    </dgm:fillClrLst>
+    <dgm:linClrLst meth="repeat">
+      <a:schemeClr val="lt1"/>
+    </dgm:linClrLst>
+    <dgm:effectClrLst/>
+    <dgm:txLinClrLst/>
+    <dgm:txFillClrLst/>
+    <dgm:txEffectClrLst/>
+  </dgm:styleLbl>
+  <dgm:styleLbl name="node2">
+    <dgm:fillClrLst>
+      <a:schemeClr val="accent1">
+        <a:alpha val="70000"/>
+      </a:schemeClr>
+    </dgm:fillClrLst>
+    <dgm:linClrLst meth="repeat">
+      <a:schemeClr val="lt1"/>
+    </dgm:linClrLst>
+    <dgm:effectClrLst/>
+    <dgm:txLinClrLst/>
+    <dgm:txFillClrLst/>
+    <dgm:txEffectClrLst/>
+  </dgm:styleLbl>
+  <dgm:styleLbl name="node3">
+    <dgm:fillClrLst>
+      <a:schemeClr val="accent1">
+        <a:alpha val="50000"/>
+      </a:schemeClr>
+    </dgm:fillClrLst>
+    <dgm:linClrLst meth="repeat">
+      <a:schemeClr val="lt1"/>
+    </dgm:linClrLst>
+    <dgm:effectClrLst/>
+    <dgm:txLinClrLst/>
+    <dgm:txFillClrLst/>
+    <dgm:txEffectClrLst/>
+  </dgm:styleLbl>
+  <dgm:styleLbl name="node4">
+    <dgm:fillClrLst>
+      <a:schemeClr val="accent1">
+        <a:alpha val="30000"/>
+      </a:schemeClr>
+    </dgm:fillClrLst>
+    <dgm:linClrLst meth="repeat">
+      <a:schemeClr val="lt1"/>
+    </dgm:linClrLst>
+    <dgm:effectClrLst/>
+    <dgm:txLinClrLst/>
+    <dgm:txFillClrLst/>
+    <dgm:txEffectClrLst/>
+  </dgm:styleLbl>
+  <dgm:styleLbl name="fgImgPlace1">
+    <dgm:fillClrLst>
+      <a:schemeClr val="accent1">
+        <a:tint val="50000"/>
+        <a:alpha val="90000"/>
+      </a:schemeClr>
+      <a:schemeClr val="accent1">
+        <a:tint val="20000"/>
+        <a:alpha val="50000"/>
+      </a:schemeClr>
+    </dgm:fillClrLst>
+    <dgm:linClrLst meth="repeat">
+      <a:schemeClr val="lt1"/>
+    </dgm:linClrLst>
+    <dgm:effectClrLst/>
+    <dgm:txLinClrLst/>
+    <dgm:txFillClrLst meth="repeat">
+      <a:schemeClr val="lt1"/>
+    </dgm:txFillClrLst>
+    <dgm:txEffectClrLst/>
+  </dgm:styleLbl>
+  <dgm:styleLbl name="alignImgPlace1">
+    <dgm:fillClrLst>
+      <a:schemeClr val="accent1">
+        <a:tint val="50000"/>
+      </a:schemeClr>
+      <a:schemeClr val="accent1">
+        <a:tint val="20000"/>
+      </a:schemeClr>
+    </dgm:fillClrLst>
+    <dgm:linClrLst meth="repeat">
+      <a:schemeClr val="lt1"/>
+    </dgm:linClrLst>
+    <dgm:effectClrLst/>
+    <dgm:txLinClrLst/>
+    <dgm:txFillClrLst meth="repeat">
+      <a:schemeClr val="lt1"/>
+    </dgm:txFillClrLst>
+    <dgm:txEffectClrLst/>
+  </dgm:styleLbl>
+  <dgm:styleLbl name="bgImgPlace1">
+    <dgm:fillClrLst>
+      <a:schemeClr val="accent1">
+        <a:tint val="50000"/>
+      </a:schemeClr>
+      <a:schemeClr val="accent1">
+        <a:tint val="20000"/>
+      </a:schemeClr>
+    </dgm:fillClrLst>
+    <dgm:linClrLst meth="repeat">
+      <a:schemeClr val="lt1"/>
+    </dgm:linClrLst>
+    <dgm:effectClrLst/>
+    <dgm:txLinClrLst/>
+    <dgm:txFillClrLst meth="repeat">
+      <a:schemeClr val="lt1"/>
+    </dgm:txFillClrLst>
+    <dgm:txEffectClrLst/>
+  </dgm:styleLbl>
+  <dgm:styleLbl name="sibTrans2D1">
+    <dgm:fillClrLst>
+      <a:schemeClr val="accent1">
+        <a:shade val="90000"/>
+      </a:schemeClr>
+      <a:schemeClr val="accent1">
+        <a:tint val="50000"/>
+      </a:schemeClr>
+    </dgm:fillClrLst>
+    <dgm:linClrLst>
+      <a:schemeClr val="accent1">
+        <a:shade val="90000"/>
+      </a:schemeClr>
+      <a:schemeClr val="accent1">
+        <a:tint val="50000"/>
+      </a:schemeClr>
+    </dgm:linClrLst>
+    <dgm:effectClrLst/>
+    <dgm:txLinClrLst/>
+    <dgm:txFillClrLst/>
+    <dgm:txEffectClrLst/>
+  </dgm:styleLbl>
+  <dgm:styleLbl name="fgSibTrans2D1">
+    <dgm:fillClrLst>
+      <a:schemeClr val="accent1">
+        <a:shade val="90000"/>
+      </a:schemeClr>
+      <a:schemeClr val="accent1">
+        <a:tint val="50000"/>
+      </a:schemeClr>
+    </dgm:fillClrLst>
+    <dgm:linClrLst>
+      <a:schemeClr val="accent1">
+        <a:shade val="90000"/>
+      </a:schemeClr>
+      <a:schemeClr val="accent1">
+        <a:tint val="50000"/>
+      </a:schemeClr>
+    </dgm:linClrLst>
+    <dgm:effectClrLst/>
+    <dgm:txLinClrLst/>
+    <dgm:txFillClrLst/>
+    <dgm:txEffectClrLst/>
+  </dgm:styleLbl>
+  <dgm:styleLbl name="bgSibTrans2D1">
+    <dgm:fillClrLst>
+      <a:schemeClr val="accent1">
+        <a:shade val="90000"/>
+      </a:schemeClr>
+      <a:schemeClr val="accent1">
+        <a:tint val="50000"/>
+      </a:schemeClr>
+    </dgm:fillClrLst>
+    <dgm:linClrLst>
+      <a:schemeClr val="accent1">
+        <a:shade val="90000"/>
+      </a:schemeClr>
+      <a:schemeClr val="accent1">
+        <a:tint val="50000"/>
+      </a:schemeClr>
+    </dgm:linClrLst>
+    <dgm:effectClrLst/>
+    <dgm:txLinClrLst/>
+    <dgm:txFillClrLst/>
+    <dgm:txEffectClrLst/>
+  </dgm:styleLbl>
+  <dgm:styleLbl name="sibTrans1D1">
+    <dgm:fillClrLst>
+      <a:schemeClr val="accent1">
+        <a:shade val="90000"/>
+      </a:schemeClr>
+      <a:schemeClr val="accent1">
+        <a:tint val="50000"/>
+      </a:schemeClr>
+    </dgm:fillClrLst>
+    <dgm:linClrLst>
+      <a:schemeClr val="accent1">
+        <a:shade val="90000"/>
+      </a:schemeClr>
+      <a:schemeClr val="accent1">
+        <a:tint val="50000"/>
+      </a:schemeClr>
+    </dgm:linClrLst>
+    <dgm:effectClrLst/>
+    <dgm:txLinClrLst/>
+    <dgm:txFillClrLst meth="repeat">
+      <a:schemeClr val="tx1"/>
+    </dgm:txFillClrLst>
+    <dgm:txEffectClrLst/>
+  </dgm:styleLbl>
+  <dgm:styleLbl name="callout">
+    <dgm:fillClrLst meth="repeat">
+      <a:schemeClr val="accent1"/>
+    </dgm:fillClrLst>
+    <dgm:linClrLst meth="repeat">
+      <a:schemeClr val="accent1"/>
+    </dgm:linClrLst>
+    <dgm:effectClrLst/>
+    <dgm:txLinClrLst/>
+    <dgm:txFillClrLst meth="repeat">
+      <a:schemeClr val="tx1"/>
+    </dgm:txFillClrLst>
+    <dgm:txEffectClrLst/>
+  </dgm:styleLbl>
+  <dgm:styleLbl name="asst0">
+    <dgm:fillClrLst meth="repeat">
+      <a:schemeClr val="accent1">
+        <a:alpha val="90000"/>
+      </a:schemeClr>
+    </dgm:fillClrLst>
+    <dgm:linClrLst meth="repeat">
+      <a:schemeClr val="lt1"/>
+    </dgm:linClrLst>
+    <dgm:effectClrLst/>
+    <dgm:txLinClrLst/>
+    <dgm:txFillClrLst/>
+    <dgm:txEffectClrLst/>
+  </dgm:styleLbl>
+  <dgm:styleLbl name="asst1">
+    <dgm:fillClrLst meth="repeat">
+      <a:schemeClr val="accent1">
+        <a:alpha val="90000"/>
+      </a:schemeClr>
+    </dgm:fillClrLst>
+    <dgm:linClrLst meth="repeat">
+      <a:schemeClr val="lt1"/>
+    </dgm:linClrLst>
+    <dgm:effectClrLst/>
+    <dgm:txLinClrLst/>
+    <dgm:txFillClrLst/>
+    <dgm:txEffectClrLst/>
+  </dgm:styleLbl>
+  <dgm:styleLbl name="asst2">
+    <dgm:fillClrLst>
+      <a:schemeClr val="accent1">
+        <a:alpha val="90000"/>
+      </a:schemeClr>
+    </dgm:fillClrLst>
+    <dgm:linClrLst meth="repeat">
+      <a:schemeClr val="lt1"/>
+    </dgm:linClrLst>
+    <dgm:effectClrLst/>
+    <dgm:txLinClrLst/>
+    <dgm:txFillClrLst/>
+    <dgm:txEffectClrLst/>
+  </dgm:styleLbl>
+  <dgm:styleLbl name="asst3">
+    <dgm:fillClrLst>
+      <a:schemeClr val="accent1">
+        <a:alpha val="70000"/>
+      </a:schemeClr>
+    </dgm:fillClrLst>
+    <dgm:linClrLst meth="repeat">
+      <a:schemeClr val="lt1"/>
+    </dgm:linClrLst>
+    <dgm:effectClrLst/>
+    <dgm:txLinClrLst/>
+    <dgm:txFillClrLst/>
+    <dgm:txEffectClrLst/>
+  </dgm:styleLbl>
+  <dgm:styleLbl name="asst4">
+    <dgm:fillClrLst>
+      <a:schemeClr val="accent1">
+        <a:alpha val="50000"/>
+      </a:schemeClr>
+    </dgm:fillClrLst>
+    <dgm:linClrLst meth="repeat">
+      <a:schemeClr val="lt1"/>
+    </dgm:linClrLst>
+    <dgm:effectClrLst/>
+    <dgm:txLinClrLst/>
+    <dgm:txFillClrLst/>
+    <dgm:txEffectClrLst/>
+  </dgm:styleLbl>
+  <dgm:styleLbl name="parChTrans2D1">
+    <dgm:fillClrLst meth="repeat">
+      <a:schemeClr val="accent1">
+        <a:shade val="80000"/>
+      </a:schemeClr>
+    </dgm:fillClrLst>
+    <dgm:linClrLst meth="repeat">
+      <a:schemeClr val="accent1">
+        <a:shade val="80000"/>
+      </a:schemeClr>
+    </dgm:linClrLst>
+    <dgm:effectClrLst/>
+    <dgm:txLinClrLst/>
+    <dgm:txFillClrLst/>
+    <dgm:txEffectClrLst/>
+  </dgm:styleLbl>
+  <dgm:styleLbl name="parChTrans2D2">
+    <dgm:fillClrLst meth="repeat">
+      <a:schemeClr val="accent1">
+        <a:tint val="90000"/>
+      </a:schemeClr>
+    </dgm:fillClrLst>
+    <dgm:linClrLst meth="repeat">
+      <a:schemeClr val="accent1">
+        <a:tint val="90000"/>
+      </a:schemeClr>
+    </dgm:linClrLst>
+    <dgm:effectClrLst/>
+    <dgm:txLinClrLst/>
+    <dgm:txFillClrLst/>
+    <dgm:txEffectClrLst/>
+  </dgm:styleLbl>
+  <dgm:styleLbl name="parChTrans2D3">
+    <dgm:fillClrLst meth="repeat">
+      <a:schemeClr val="accent1">
+        <a:tint val="70000"/>
+      </a:schemeClr>
+    </dgm:fillClrLst>
+    <dgm:linClrLst meth="repeat">
+      <a:schemeClr val="accent1">
+        <a:tint val="70000"/>
+      </a:schemeClr>
+    </dgm:linClrLst>
+    <dgm:effectClrLst/>
+    <dgm:txLinClrLst/>
+    <dgm:txFillClrLst/>
+    <dgm:txEffectClrLst/>
+  </dgm:styleLbl>
+  <dgm:styleLbl name="parChTrans2D4">
+    <dgm:fillClrLst meth="repeat">
+      <a:schemeClr val="accent1">
+        <a:tint val="50000"/>
+      </a:schemeClr>
+    </dgm:fillClrLst>
+    <dgm:linClrLst meth="repeat">
+      <a:schemeClr val="accent1">
+        <a:tint val="50000"/>
+      </a:schemeClr>
+    </dgm:linClrLst>
+    <dgm:effectClrLst/>
+    <dgm:txLinClrLst/>
+    <dgm:txFillClrLst meth="repeat">
+      <a:schemeClr val="dk1"/>
+    </dgm:txFillClrLst>
+    <dgm:txEffectClrLst/>
+  </dgm:styleLbl>
+  <dgm:styleLbl name="parChTrans1D1">
+    <dgm:fillClrLst meth="repeat">
+      <a:schemeClr val="accent1">
+        <a:shade val="80000"/>
+      </a:schemeClr>
+    </dgm:fillClrLst>
+    <dgm:linClrLst meth="repeat">
+      <a:schemeClr val="accent1">
+        <a:shade val="80000"/>
+      </a:schemeClr>
+    </dgm:linClrLst>
+    <dgm:effectClrLst/>
+    <dgm:txLinClrLst/>
+    <dgm:txFillClrLst meth="repeat">
+      <a:schemeClr val="tx1"/>
+    </dgm:txFillClrLst>
+    <dgm:txEffectClrLst/>
+  </dgm:styleLbl>
+  <dgm:styleLbl name="parChTrans1D2">
+    <dgm:fillClrLst meth="repeat">
+      <a:schemeClr val="accent1">
+        <a:tint val="90000"/>
+      </a:schemeClr>
+    </dgm:fillClrLst>
+    <dgm:linClrLst meth="repeat">
+      <a:schemeClr val="accent1">
+        <a:tint val="90000"/>
+      </a:schemeClr>
+    </dgm:linClrLst>
+    <dgm:effectClrLst/>
+    <dgm:txLinClrLst/>
+    <dgm:txFillClrLst meth="repeat">
+      <a:schemeClr val="tx1"/>
+    </dgm:txFillClrLst>
+    <dgm:txEffectClrLst/>
+  </dgm:styleLbl>
+  <dgm:styleLbl name="parChTrans1D3">
+    <dgm:fillClrLst meth="repeat">
+      <a:schemeClr val="accent1">
+        <a:tint val="70000"/>
+      </a:schemeClr>
+    </dgm:fillClrLst>
+    <dgm:linClrLst meth="repeat">
+      <a:schemeClr val="accent1">
+        <a:tint val="70000"/>
+      </a:schemeClr>
+    </dgm:linClrLst>
+    <dgm:effectClrLst/>
+    <dgm:txLinClrLst/>
+    <dgm:txFillClrLst meth="repeat">
+      <a:schemeClr val="tx1"/>
+    </dgm:txFillClrLst>
+    <dgm:txEffectClrLst/>
+  </dgm:styleLbl>
+  <dgm:styleLbl name="parChTrans1D4">
+    <dgm:fillClrLst meth="repeat">
+      <a:schemeClr val="accent1">
+        <a:tint val="50000"/>
+      </a:schemeClr>
+    </dgm:fillClrLst>
+    <dgm:linClrLst meth="repeat">
+      <a:schemeClr val="accent1">
+        <a:tint val="50000"/>
+      </a:schemeClr>
+    </dgm:linClrLst>
+    <dgm:effectClrLst/>
+    <dgm:txLinClrLst/>
+    <dgm:txFillClrLst meth="repeat">
+      <a:schemeClr val="tx1"/>
+    </dgm:txFillClrLst>
+    <dgm:txEffectClrLst/>
+  </dgm:styleLbl>
+  <dgm:styleLbl name="fgAcc1">
+    <dgm:fillClrLst meth="repeat">
+      <a:schemeClr val="lt1">
+        <a:alpha val="90000"/>
+      </a:schemeClr>
+    </dgm:fillClrLst>
+    <dgm:linClrLst>
+      <a:schemeClr val="accent1">
+        <a:alpha val="90000"/>
+      </a:schemeClr>
+      <a:schemeClr val="accent1">
+        <a:alpha val="50000"/>
+      </a:schemeClr>
+    </dgm:linClrLst>
+    <dgm:effectClrLst/>
+    <dgm:txLinClrLst/>
+    <dgm:txFillClrLst meth="repeat">
+      <a:schemeClr val="dk1"/>
+    </dgm:txFillClrLst>
+    <dgm:txEffectClrLst/>
+  </dgm:styleLbl>
+  <dgm:styleLbl name="conFgAcc1">
+    <dgm:fillClrLst meth="repeat">
+      <a:schemeClr val="lt1">
+        <a:alpha val="90000"/>
+      </a:schemeClr>
+    </dgm:fillClrLst>
+    <dgm:linClrLst>
+      <a:schemeClr val="accent1">
+        <a:alpha val="90000"/>
+      </a:schemeClr>
+      <a:schemeClr val="accent1">
+        <a:alpha val="50000"/>
+      </a:schemeClr>
+    </dgm:linClrLst>
+    <dgm:effectClrLst/>
+    <dgm:txLinClrLst/>
+    <dgm:txFillClrLst meth="repeat">
+      <a:schemeClr val="dk1"/>
+    </dgm:txFillClrLst>
+    <dgm:txEffectClrLst/>
+  </dgm:styleLbl>
+  <dgm:styleLbl name="alignAcc1">
+    <dgm:fillClrLst meth="repeat">
+      <a:schemeClr val="lt1">
+        <a:alpha val="90000"/>
+      </a:schemeClr>
+    </dgm:fillClrLst>
+    <dgm:linClrLst>
+      <a:schemeClr val="accent1">
+        <a:alpha val="90000"/>
+      </a:schemeClr>
+      <a:schemeClr val="accent1">
+        <a:alpha val="50000"/>
+      </a:schemeClr>
+    </dgm:linClrLst>
+    <dgm:effectClrLst/>
+    <dgm:txLinClrLst/>
+    <dgm:txFillClrLst meth="repeat">
+      <a:schemeClr val="dk1"/>
+    </dgm:txFillClrLst>
+    <dgm:txEffectClrLst/>
+  </dgm:styleLbl>
+  <dgm:styleLbl name="trAlignAcc1">
+    <dgm:fillClrLst meth="repeat">
+      <a:schemeClr val="lt1">
+        <a:alpha val="40000"/>
+      </a:schemeClr>
+    </dgm:fillClrLst>
+    <dgm:linClrLst>
+      <a:schemeClr val="accent1">
+        <a:alpha val="90000"/>
+      </a:schemeClr>
+      <a:schemeClr val="accent1">
+        <a:alpha val="50000"/>
+      </a:schemeClr>
+    </dgm:linClrLst>
+    <dgm:effectClrLst/>
+    <dgm:txLinClrLst/>
+    <dgm:txFillClrLst meth="repeat">
+      <a:schemeClr val="dk1"/>
+    </dgm:txFillClrLst>
+    <dgm:txEffectClrLst/>
+  </dgm:styleLbl>
+  <dgm:styleLbl name="bgAcc1">
+    <dgm:fillClrLst meth="repeat">
+      <a:schemeClr val="lt1">
+        <a:alpha val="90000"/>
+      </a:schemeClr>
+    </dgm:fillClrLst>
+    <dgm:linClrLst>
+      <a:schemeClr val="accent1">
+        <a:alpha val="90000"/>
+      </a:schemeClr>
+      <a:schemeClr val="accent1">
+        <a:alpha val="50000"/>
+      </a:schemeClr>
+    </dgm:linClrLst>
+    <dgm:effectClrLst/>
+    <dgm:txLinClrLst/>
+    <dgm:txFillClrLst meth="repeat">
+      <a:schemeClr val="dk1"/>
+    </dgm:txFillClrLst>
+    <dgm:txEffectClrLst/>
+  </dgm:styleLbl>
+  <dgm:styleLbl name="solidFgAcc1">
+    <dgm:fillClrLst meth="repeat">
+      <a:schemeClr val="lt1"/>
+    </dgm:fillClrLst>
+    <dgm:linClrLst>
+      <a:schemeClr val="accent1">
+        <a:alpha val="90000"/>
+      </a:schemeClr>
+      <a:schemeClr val="accent1">
+        <a:alpha val="50000"/>
+      </a:schemeClr>
+    </dgm:linClrLst>
+    <dgm:effectClrLst/>
+    <dgm:txLinClrLst/>
+    <dgm:txFillClrLst meth="repeat">
+      <a:schemeClr val="dk1"/>
+    </dgm:txFillClrLst>
+    <dgm:txEffectClrLst/>
+  </dgm:styleLbl>
+  <dgm:styleLbl name="solidAlignAcc1">
+    <dgm:fillClrLst meth="repeat">
+      <a:schemeClr val="lt1"/>
+    </dgm:fillClrLst>
+    <dgm:linClrLst meth="repeat">
+      <a:schemeClr val="accent1"/>
+    </dgm:linClrLst>
+    <dgm:effectClrLst/>
+    <dgm:txLinClrLst/>
+    <dgm:txFillClrLst meth="repeat">
+      <a:schemeClr val="dk1"/>
+    </dgm:txFillClrLst>
+    <dgm:txEffectClrLst/>
+  </dgm:styleLbl>
+  <dgm:styleLbl name="solidBgAcc1">
+    <dgm:fillClrLst meth="repeat">
+      <a:schemeClr val="lt1"/>
+    </dgm:fillClrLst>
+    <dgm:linClrLst meth="repeat">
+      <a:schemeClr val="accent1"/>
+    </dgm:linClrLst>
+    <dgm:effectClrLst/>
+    <dgm:txLinClrLst/>
+    <dgm:txFillClrLst meth="repeat">
+      <a:schemeClr val="dk1"/>
+    </dgm:txFillClrLst>
+    <dgm:txEffectClrLst/>
+  </dgm:styleLbl>
+  <dgm:styleLbl name="fgAccFollowNode1">
+    <dgm:fillClrLst>
+      <a:schemeClr val="accent1">
+        <a:alpha val="90000"/>
+        <a:tint val="40000"/>
+      </a:schemeClr>
+      <a:schemeClr val="accent1">
+        <a:alpha val="50000"/>
+        <a:tint val="40000"/>
+      </a:schemeClr>
+    </dgm:fillClrLst>
+    <dgm:linClrLst meth="repeat">
+      <a:schemeClr val="accent1">
+        <a:alpha val="90000"/>
+        <a:tint val="40000"/>
+      </a:schemeClr>
+    </dgm:linClrLst>
+    <dgm:effectClrLst/>
+    <dgm:txLinClrLst/>
+    <dgm:txFillClrLst meth="repeat">
+      <a:schemeClr val="dk1"/>
+    </dgm:txFillClrLst>
+    <dgm:txEffectClrLst/>
+  </dgm:styleLbl>
+  <dgm:styleLbl name="alignAccFollowNode1">
+    <dgm:fillClrLst meth="repeat">
+      <a:schemeClr val="accent1">
+        <a:alpha val="90000"/>
+        <a:tint val="40000"/>
+      </a:schemeClr>
+    </dgm:fillClrLst>
+    <dgm:linClrLst meth="repeat">
+      <a:schemeClr val="accent1">
+        <a:alpha val="90000"/>
+        <a:tint val="40000"/>
+      </a:schemeClr>
+    </dgm:linClrLst>
+    <dgm:effectClrLst/>
+    <dgm:txLinClrLst/>
+    <dgm:txFillClrLst meth="repeat">
+      <a:schemeClr val="dk1"/>
+    </dgm:txFillClrLst>
+    <dgm:txEffectClrLst/>
+  </dgm:styleLbl>
+  <dgm:styleLbl name="bgAccFollowNode1">
+    <dgm:fillClrLst meth="repeat">
+      <a:schemeClr val="accent1">
+        <a:alpha val="90000"/>
+        <a:tint val="40000"/>
+      </a:schemeClr>
+    </dgm:fillClrLst>
+    <dgm:linClrLst meth="repeat">
+      <a:schemeClr val="lt1"/>
+    </dgm:linClrLst>
+    <dgm:effectClrLst/>
+    <dgm:txLinClrLst/>
+    <dgm:txFillClrLst meth="repeat">
+      <a:schemeClr val="dk1"/>
+    </dgm:txFillClrLst>
+    <dgm:txEffectClrLst/>
+  </dgm:styleLbl>
+  <dgm:styleLbl name="fgAcc0">
+    <dgm:fillClrLst meth="repeat">
+      <a:schemeClr val="lt1">
+        <a:alpha val="90000"/>
+      </a:schemeClr>
+    </dgm:fillClrLst>
+    <dgm:linClrLst meth="repeat">
+      <a:schemeClr val="accent1">
+        <a:shade val="80000"/>
+      </a:schemeClr>
+    </dgm:linClrLst>
+    <dgm:effectClrLst/>
+    <dgm:txLinClrLst/>
+    <dgm:txFillClrLst meth="repeat">
+      <a:schemeClr val="dk1"/>
+    </dgm:txFillClrLst>
+    <dgm:txEffectClrLst/>
+  </dgm:styleLbl>
+  <dgm:styleLbl name="fgAcc2">
+    <dgm:fillClrLst meth="repeat">
+      <a:schemeClr val="lt1">
+        <a:alpha val="90000"/>
+      </a:schemeClr>
+    </dgm:fillClrLst>
+    <dgm:linClrLst meth="repeat">
+      <a:schemeClr val="accent1">
+        <a:tint val="90000"/>
+      </a:schemeClr>
+    </dgm:linClrLst>
+    <dgm:effectClrLst/>
+    <dgm:txLinClrLst/>
+    <dgm:txFillClrLst meth="repeat">
+      <a:schemeClr val="dk1"/>
+    </dgm:txFillClrLst>
+    <dgm:txEffectClrLst/>
+  </dgm:styleLbl>
+  <dgm:styleLbl name="fgAcc3">
+    <dgm:fillClrLst meth="repeat">
+      <a:schemeClr val="lt1">
+        <a:alpha val="90000"/>
+      </a:schemeClr>
+    </dgm:fillClrLst>
+    <dgm:linClrLst meth="repeat">
+      <a:schemeClr val="accent1">
+        <a:tint val="70000"/>
+      </a:schemeClr>
+    </dgm:linClrLst>
+    <dgm:effectClrLst/>
+    <dgm:txLinClrLst/>
+    <dgm:txFillClrLst meth="repeat">
+      <a:schemeClr val="dk1"/>
+    </dgm:txFillClrLst>
+    <dgm:txEffectClrLst/>
+  </dgm:styleLbl>
+  <dgm:styleLbl name="fgAcc4">
+    <dgm:fillClrLst meth="repeat">
+      <a:schemeClr val="lt1">
+        <a:alpha val="90000"/>
+      </a:schemeClr>
+    </dgm:fillClrLst>
+    <dgm:linClrLst meth="repeat">
+      <a:schemeClr val="accent1">
+        <a:tint val="50000"/>
+      </a:schemeClr>
+    </dgm:linClrLst>
+    <dgm:effectClrLst/>
+    <dgm:txLinClrLst/>
+    <dgm:txFillClrLst meth="repeat">
+      <a:schemeClr val="dk1"/>
+    </dgm:txFillClrLst>
+    <dgm:txEffectClrLst/>
+  </dgm:styleLbl>
+  <dgm:styleLbl name="bgShp">
+    <dgm:fillClrLst meth="repeat">
+      <a:schemeClr val="accent1">
+        <a:tint val="40000"/>
+      </a:schemeClr>
+    </dgm:fillClrLst>
+    <dgm:linClrLst meth="repeat">
+      <a:schemeClr val="dk1"/>
+    </dgm:linClrLst>
+    <dgm:effectClrLst/>
+    <dgm:txLinClrLst/>
+    <dgm:txFillClrLst meth="repeat">
+      <a:schemeClr val="dk1"/>
+    </dgm:txFillClrLst>
+    <dgm:txEffectClrLst/>
+  </dgm:styleLbl>
+  <dgm:styleLbl name="dkBgShp">
+    <dgm:fillClrLst meth="repeat">
+      <a:schemeClr val="accent1">
+        <a:shade val="90000"/>
+      </a:schemeClr>
+    </dgm:fillClrLst>
+    <dgm:linClrLst meth="repeat">
+      <a:schemeClr val="dk1"/>
+    </dgm:linClrLst>
+    <dgm:effectClrLst/>
+    <dgm:txLinClrLst/>
+    <dgm:txFillClrLst meth="repeat">
+      <a:schemeClr val="lt1"/>
+    </dgm:txFillClrLst>
+    <dgm:txEffectClrLst/>
+  </dgm:styleLbl>
+  <dgm:styleLbl name="trBgShp">
+    <dgm:fillClrLst meth="repeat">
+      <a:schemeClr val="accent1">
+        <a:tint val="50000"/>
+        <a:alpha val="40000"/>
+      </a:schemeClr>
+    </dgm:fillClrLst>
+    <dgm:linClrLst meth="repeat">
+      <a:schemeClr val="accent1"/>
+    </dgm:linClrLst>
+    <dgm:effectClrLst/>
+    <dgm:txLinClrLst/>
+    <dgm:txFillClrLst meth="repeat">
+      <a:schemeClr val="lt1"/>
+    </dgm:txFillClrLst>
+    <dgm:txEffectClrLst/>
+  </dgm:styleLbl>
+  <dgm:styleLbl name="fgShp">
+    <dgm:fillClrLst meth="repeat">
+      <a:schemeClr val="accent1">
+        <a:tint val="40000"/>
+      </a:schemeClr>
+    </dgm:fillClrLst>
+    <dgm:linClrLst meth="repeat">
+      <a:schemeClr val="lt1"/>
+    </dgm:linClrLst>
+    <dgm:effectClrLst/>
+    <dgm:txLinClrLst/>
+    <dgm:txFillClrLst meth="repeat">
+      <a:schemeClr val="dk1"/>
+    </dgm:txFillClrLst>
+    <dgm:txEffectClrLst/>
+  </dgm:styleLbl>
+  <dgm:styleLbl name="revTx">
+    <dgm:fillClrLst meth="repeat">
+      <a:schemeClr val="lt1">
+        <a:alpha val="0"/>
+      </a:schemeClr>
+    </dgm:fillClrLst>
+    <dgm:linClrLst meth="repeat">
+      <a:schemeClr val="dk1">
+        <a:alpha val="0"/>
+      </a:schemeClr>
+    </dgm:linClrLst>
+    <dgm:effectClrLst/>
+    <dgm:txLinClrLst/>
+    <dgm:txFillClrLst meth="repeat">
+      <a:schemeClr val="tx1"/>
+    </dgm:txFillClrLst>
+    <dgm:txEffectClrLst/>
+  </dgm:styleLbl>
+</dgm:colorsDef>
+</file>
+
+<file path=ppt/diagrams/colors11.xml><?xml version="1.0" encoding="utf-8"?>
 <dgm:colorsDef xmlns:dgm="http://schemas.openxmlformats.org/drawingml/2006/diagram" xmlns:a="http://schemas.openxmlformats.org/drawingml/2006/main" uniqueId="urn:microsoft.com/office/officeart/2005/8/colors/colorful1">
   <dgm:title val=""/>
   <dgm:desc val=""/>
@@ -7890,17 +8770,15 @@
 </file>
 
 <file path=ppt/diagrams/colors9.xml><?xml version="1.0" encoding="utf-8"?>
-<dgm:colorsDef xmlns:dgm="http://schemas.openxmlformats.org/drawingml/2006/diagram" xmlns:a="http://schemas.openxmlformats.org/drawingml/2006/main" uniqueId="urn:microsoft.com/office/officeart/2005/8/colors/accent1_5">
+<dgm:colorsDef xmlns:dgm="http://schemas.openxmlformats.org/drawingml/2006/diagram" xmlns:a="http://schemas.openxmlformats.org/drawingml/2006/main" uniqueId="urn:microsoft.com/office/officeart/2005/8/colors/colorful1">
   <dgm:title val=""/>
   <dgm:desc val=""/>
   <dgm:catLst>
-    <dgm:cat type="accent1" pri="11500"/>
+    <dgm:cat type="colorful" pri="10100"/>
   </dgm:catLst>
   <dgm:styleLbl name="node0">
-    <dgm:fillClrLst meth="cycle">
-      <a:schemeClr val="accent1">
-        <a:alpha val="80000"/>
-      </a:schemeClr>
+    <dgm:fillClrLst meth="repeat">
+      <a:schemeClr val="accent1"/>
     </dgm:fillClrLst>
     <dgm:linClrLst meth="repeat">
       <a:schemeClr val="lt1"/>
@@ -7911,13 +8789,12 @@
     <dgm:txEffectClrLst/>
   </dgm:styleLbl>
   <dgm:styleLbl name="node1">
-    <dgm:fillClrLst>
-      <a:schemeClr val="accent1">
-        <a:alpha val="90000"/>
-      </a:schemeClr>
-      <a:schemeClr val="accent1">
-        <a:alpha val="50000"/>
-      </a:schemeClr>
+    <dgm:fillClrLst meth="repeat">
+      <a:schemeClr val="accent2"/>
+      <a:schemeClr val="accent3"/>
+      <a:schemeClr val="accent4"/>
+      <a:schemeClr val="accent5"/>
+      <a:schemeClr val="accent6"/>
     </dgm:fillClrLst>
     <dgm:linClrLst meth="repeat">
       <a:schemeClr val="lt1"/>
@@ -7928,21 +8805,19 @@
     <dgm:txEffectClrLst/>
   </dgm:styleLbl>
   <dgm:styleLbl name="alignNode1">
-    <dgm:fillClrLst>
-      <a:schemeClr val="accent1">
-        <a:alpha val="90000"/>
-      </a:schemeClr>
-      <a:schemeClr val="accent1">
-        <a:alpha val="50000"/>
-      </a:schemeClr>
+    <dgm:fillClrLst meth="repeat">
+      <a:schemeClr val="accent2"/>
+      <a:schemeClr val="accent3"/>
+      <a:schemeClr val="accent4"/>
+      <a:schemeClr val="accent5"/>
+      <a:schemeClr val="accent6"/>
     </dgm:fillClrLst>
-    <dgm:linClrLst>
-      <a:schemeClr val="accent1">
-        <a:alpha val="90000"/>
-      </a:schemeClr>
-      <a:schemeClr val="accent1">
-        <a:alpha val="50000"/>
-      </a:schemeClr>
+    <dgm:linClrLst meth="repeat">
+      <a:schemeClr val="accent2"/>
+      <a:schemeClr val="accent3"/>
+      <a:schemeClr val="accent4"/>
+      <a:schemeClr val="accent5"/>
+      <a:schemeClr val="accent6"/>
     </dgm:linClrLst>
     <dgm:effectClrLst/>
     <dgm:txLinClrLst/>
@@ -7950,14 +8825,12 @@
     <dgm:txEffectClrLst/>
   </dgm:styleLbl>
   <dgm:styleLbl name="lnNode1">
-    <dgm:fillClrLst>
-      <a:schemeClr val="accent1">
-        <a:shade val="90000"/>
-      </a:schemeClr>
-      <a:schemeClr val="accent1">
-        <a:alpha val="50000"/>
-        <a:tint val="50000"/>
-      </a:schemeClr>
+    <dgm:fillClrLst meth="repeat">
+      <a:schemeClr val="accent2"/>
+      <a:schemeClr val="accent3"/>
+      <a:schemeClr val="accent4"/>
+      <a:schemeClr val="accent5"/>
+      <a:schemeClr val="accent6"/>
     </dgm:fillClrLst>
     <dgm:linClrLst meth="repeat">
       <a:schemeClr val="lt1"/>
@@ -7968,13 +8841,21 @@
     <dgm:txEffectClrLst/>
   </dgm:styleLbl>
   <dgm:styleLbl name="vennNode1">
-    <dgm:fillClrLst>
-      <a:schemeClr val="accent1">
-        <a:shade val="80000"/>
+    <dgm:fillClrLst meth="repeat">
+      <a:schemeClr val="accent2">
         <a:alpha val="50000"/>
       </a:schemeClr>
-      <a:schemeClr val="accent1">
-        <a:alpha val="80000"/>
+      <a:schemeClr val="accent3">
+        <a:alpha val="50000"/>
+      </a:schemeClr>
+      <a:schemeClr val="accent4">
+        <a:alpha val="50000"/>
+      </a:schemeClr>
+      <a:schemeClr val="accent5">
+        <a:alpha val="50000"/>
+      </a:schemeClr>
+      <a:schemeClr val="accent6">
+        <a:alpha val="50000"/>
       </a:schemeClr>
     </dgm:fillClrLst>
     <dgm:linClrLst meth="repeat">
@@ -7987,9 +8868,7 @@
   </dgm:styleLbl>
   <dgm:styleLbl name="node2">
     <dgm:fillClrLst>
-      <a:schemeClr val="accent1">
-        <a:alpha val="70000"/>
-      </a:schemeClr>
+      <a:schemeClr val="accent2"/>
     </dgm:fillClrLst>
     <dgm:linClrLst meth="repeat">
       <a:schemeClr val="lt1"/>
@@ -8001,9 +8880,7 @@
   </dgm:styleLbl>
   <dgm:styleLbl name="node3">
     <dgm:fillClrLst>
-      <a:schemeClr val="accent1">
-        <a:alpha val="50000"/>
-      </a:schemeClr>
+      <a:schemeClr val="accent3"/>
     </dgm:fillClrLst>
     <dgm:linClrLst meth="repeat">
       <a:schemeClr val="lt1"/>
@@ -8015,9 +8892,7 @@
   </dgm:styleLbl>
   <dgm:styleLbl name="node4">
     <dgm:fillClrLst>
-      <a:schemeClr val="accent1">
-        <a:alpha val="30000"/>
-      </a:schemeClr>
+      <a:schemeClr val="accent4"/>
     </dgm:fillClrLst>
     <dgm:linClrLst meth="repeat">
       <a:schemeClr val="lt1"/>
@@ -8028,14 +8903,21 @@
     <dgm:txEffectClrLst/>
   </dgm:styleLbl>
   <dgm:styleLbl name="fgImgPlace1">
-    <dgm:fillClrLst>
-      <a:schemeClr val="accent1">
+    <dgm:fillClrLst meth="repeat">
+      <a:schemeClr val="accent2">
         <a:tint val="50000"/>
-        <a:alpha val="90000"/>
-      </a:schemeClr>
-      <a:schemeClr val="accent1">
-        <a:tint val="20000"/>
-        <a:alpha val="50000"/>
+      </a:schemeClr>
+      <a:schemeClr val="accent3">
+        <a:tint val="50000"/>
+      </a:schemeClr>
+      <a:schemeClr val="accent4">
+        <a:tint val="50000"/>
+      </a:schemeClr>
+      <a:schemeClr val="accent5">
+        <a:tint val="50000"/>
+      </a:schemeClr>
+      <a:schemeClr val="accent6">
+        <a:tint val="50000"/>
       </a:schemeClr>
     </dgm:fillClrLst>
     <dgm:linClrLst meth="repeat">
@@ -8053,7 +8935,7 @@
       <a:schemeClr val="accent1">
         <a:tint val="50000"/>
       </a:schemeClr>
-      <a:schemeClr val="accent1">
+      <a:schemeClr val="accent2">
         <a:tint val="20000"/>
       </a:schemeClr>
     </dgm:fillClrLst>
@@ -8072,7 +8954,7 @@
       <a:schemeClr val="accent1">
         <a:tint val="50000"/>
       </a:schemeClr>
-      <a:schemeClr val="accent1">
+      <a:schemeClr val="accent2">
         <a:tint val="20000"/>
       </a:schemeClr>
     </dgm:fillClrLst>
@@ -8087,21 +8969,15 @@
     <dgm:txEffectClrLst/>
   </dgm:styleLbl>
   <dgm:styleLbl name="sibTrans2D1">
-    <dgm:fillClrLst>
-      <a:schemeClr val="accent1">
-        <a:shade val="90000"/>
-      </a:schemeClr>
-      <a:schemeClr val="accent1">
-        <a:tint val="50000"/>
-      </a:schemeClr>
+    <dgm:fillClrLst meth="repeat">
+      <a:schemeClr val="accent2"/>
+      <a:schemeClr val="accent3"/>
+      <a:schemeClr val="accent4"/>
+      <a:schemeClr val="accent5"/>
+      <a:schemeClr val="accent6"/>
     </dgm:fillClrLst>
-    <dgm:linClrLst>
-      <a:schemeClr val="accent1">
-        <a:shade val="90000"/>
-      </a:schemeClr>
-      <a:schemeClr val="accent1">
-        <a:tint val="50000"/>
-      </a:schemeClr>
+    <dgm:linClrLst meth="cycle">
+      <a:schemeClr val="lt1"/>
     </dgm:linClrLst>
     <dgm:effectClrLst/>
     <dgm:txLinClrLst/>
@@ -8109,65 +8985,55 @@
     <dgm:txEffectClrLst/>
   </dgm:styleLbl>
   <dgm:styleLbl name="fgSibTrans2D1">
-    <dgm:fillClrLst>
-      <a:schemeClr val="accent1">
-        <a:shade val="90000"/>
-      </a:schemeClr>
-      <a:schemeClr val="accent1">
-        <a:tint val="50000"/>
-      </a:schemeClr>
+    <dgm:fillClrLst meth="repeat">
+      <a:schemeClr val="accent2"/>
+      <a:schemeClr val="accent3"/>
+      <a:schemeClr val="accent4"/>
+      <a:schemeClr val="accent5"/>
+      <a:schemeClr val="accent6"/>
     </dgm:fillClrLst>
-    <dgm:linClrLst>
-      <a:schemeClr val="accent1">
-        <a:shade val="90000"/>
-      </a:schemeClr>
-      <a:schemeClr val="accent1">
-        <a:tint val="50000"/>
-      </a:schemeClr>
+    <dgm:linClrLst meth="cycle">
+      <a:schemeClr val="lt1"/>
     </dgm:linClrLst>
     <dgm:effectClrLst/>
     <dgm:txLinClrLst/>
-    <dgm:txFillClrLst/>
+    <dgm:txFillClrLst meth="repeat">
+      <a:schemeClr val="lt1"/>
+    </dgm:txFillClrLst>
     <dgm:txEffectClrLst/>
   </dgm:styleLbl>
   <dgm:styleLbl name="bgSibTrans2D1">
-    <dgm:fillClrLst>
-      <a:schemeClr val="accent1">
-        <a:shade val="90000"/>
-      </a:schemeClr>
-      <a:schemeClr val="accent1">
-        <a:tint val="50000"/>
-      </a:schemeClr>
+    <dgm:fillClrLst meth="repeat">
+      <a:schemeClr val="accent2"/>
+      <a:schemeClr val="accent3"/>
+      <a:schemeClr val="accent4"/>
+      <a:schemeClr val="accent5"/>
+      <a:schemeClr val="accent6"/>
     </dgm:fillClrLst>
-    <dgm:linClrLst>
-      <a:schemeClr val="accent1">
-        <a:shade val="90000"/>
-      </a:schemeClr>
-      <a:schemeClr val="accent1">
-        <a:tint val="50000"/>
-      </a:schemeClr>
+    <dgm:linClrLst meth="cycle">
+      <a:schemeClr val="lt1"/>
     </dgm:linClrLst>
     <dgm:effectClrLst/>
     <dgm:txLinClrLst/>
-    <dgm:txFillClrLst/>
+    <dgm:txFillClrLst meth="repeat">
+      <a:schemeClr val="lt1"/>
+    </dgm:txFillClrLst>
     <dgm:txEffectClrLst/>
   </dgm:styleLbl>
   <dgm:styleLbl name="sibTrans1D1">
-    <dgm:fillClrLst>
-      <a:schemeClr val="accent1">
-        <a:shade val="90000"/>
-      </a:schemeClr>
-      <a:schemeClr val="accent1">
-        <a:tint val="50000"/>
-      </a:schemeClr>
+    <dgm:fillClrLst meth="repeat">
+      <a:schemeClr val="accent2"/>
+      <a:schemeClr val="accent3"/>
+      <a:schemeClr val="accent4"/>
+      <a:schemeClr val="accent5"/>
+      <a:schemeClr val="accent6"/>
     </dgm:fillClrLst>
-    <dgm:linClrLst>
-      <a:schemeClr val="accent1">
-        <a:shade val="90000"/>
-      </a:schemeClr>
-      <a:schemeClr val="accent1">
-        <a:tint val="50000"/>
-      </a:schemeClr>
+    <dgm:linClrLst meth="repeat">
+      <a:schemeClr val="accent2"/>
+      <a:schemeClr val="accent3"/>
+      <a:schemeClr val="accent4"/>
+      <a:schemeClr val="accent5"/>
+      <a:schemeClr val="accent6"/>
     </dgm:linClrLst>
     <dgm:effectClrLst/>
     <dgm:txLinClrLst/>
@@ -8178,7 +9044,135 @@
   </dgm:styleLbl>
   <dgm:styleLbl name="callout">
     <dgm:fillClrLst meth="repeat">
+      <a:schemeClr val="accent2"/>
+    </dgm:fillClrLst>
+    <dgm:linClrLst meth="repeat">
+      <a:schemeClr val="accent2">
+        <a:tint val="50000"/>
+      </a:schemeClr>
+    </dgm:linClrLst>
+    <dgm:effectClrLst/>
+    <dgm:txLinClrLst/>
+    <dgm:txFillClrLst meth="repeat">
+      <a:schemeClr val="tx1"/>
+    </dgm:txFillClrLst>
+    <dgm:txEffectClrLst/>
+  </dgm:styleLbl>
+  <dgm:styleLbl name="asst0">
+    <dgm:fillClrLst meth="repeat">
       <a:schemeClr val="accent1"/>
+    </dgm:fillClrLst>
+    <dgm:linClrLst meth="repeat">
+      <a:schemeClr val="lt1"/>
+    </dgm:linClrLst>
+    <dgm:effectClrLst/>
+    <dgm:txLinClrLst/>
+    <dgm:txFillClrLst/>
+    <dgm:txEffectClrLst/>
+  </dgm:styleLbl>
+  <dgm:styleLbl name="asst1">
+    <dgm:fillClrLst meth="repeat">
+      <a:schemeClr val="accent2"/>
+    </dgm:fillClrLst>
+    <dgm:linClrLst meth="repeat">
+      <a:schemeClr val="lt1"/>
+    </dgm:linClrLst>
+    <dgm:effectClrLst/>
+    <dgm:txLinClrLst/>
+    <dgm:txFillClrLst/>
+    <dgm:txEffectClrLst/>
+  </dgm:styleLbl>
+  <dgm:styleLbl name="asst2">
+    <dgm:fillClrLst>
+      <a:schemeClr val="accent3"/>
+    </dgm:fillClrLst>
+    <dgm:linClrLst meth="repeat">
+      <a:schemeClr val="lt1"/>
+    </dgm:linClrLst>
+    <dgm:effectClrLst/>
+    <dgm:txLinClrLst/>
+    <dgm:txFillClrLst/>
+    <dgm:txEffectClrLst/>
+  </dgm:styleLbl>
+  <dgm:styleLbl name="asst3">
+    <dgm:fillClrLst>
+      <a:schemeClr val="accent4"/>
+    </dgm:fillClrLst>
+    <dgm:linClrLst meth="repeat">
+      <a:schemeClr val="lt1"/>
+    </dgm:linClrLst>
+    <dgm:effectClrLst/>
+    <dgm:txLinClrLst/>
+    <dgm:txFillClrLst/>
+    <dgm:txEffectClrLst/>
+  </dgm:styleLbl>
+  <dgm:styleLbl name="asst4">
+    <dgm:fillClrLst>
+      <a:schemeClr val="accent5"/>
+    </dgm:fillClrLst>
+    <dgm:linClrLst meth="repeat">
+      <a:schemeClr val="lt1"/>
+    </dgm:linClrLst>
+    <dgm:effectClrLst/>
+    <dgm:txLinClrLst/>
+    <dgm:txFillClrLst/>
+    <dgm:txEffectClrLst/>
+  </dgm:styleLbl>
+  <dgm:styleLbl name="parChTrans2D1">
+    <dgm:fillClrLst meth="repeat">
+      <a:schemeClr val="accent2"/>
+    </dgm:fillClrLst>
+    <dgm:linClrLst meth="repeat">
+      <a:schemeClr val="lt1"/>
+    </dgm:linClrLst>
+    <dgm:effectClrLst/>
+    <dgm:txLinClrLst/>
+    <dgm:txFillClrLst meth="repeat">
+      <a:schemeClr val="lt1"/>
+    </dgm:txFillClrLst>
+    <dgm:txEffectClrLst/>
+  </dgm:styleLbl>
+  <dgm:styleLbl name="parChTrans2D2">
+    <dgm:fillClrLst meth="repeat">
+      <a:schemeClr val="accent3"/>
+    </dgm:fillClrLst>
+    <dgm:linClrLst meth="repeat">
+      <a:schemeClr val="lt1"/>
+    </dgm:linClrLst>
+    <dgm:effectClrLst/>
+    <dgm:txLinClrLst/>
+    <dgm:txFillClrLst/>
+    <dgm:txEffectClrLst/>
+  </dgm:styleLbl>
+  <dgm:styleLbl name="parChTrans2D3">
+    <dgm:fillClrLst meth="repeat">
+      <a:schemeClr val="accent4"/>
+    </dgm:fillClrLst>
+    <dgm:linClrLst meth="repeat">
+      <a:schemeClr val="lt1"/>
+    </dgm:linClrLst>
+    <dgm:effectClrLst/>
+    <dgm:txLinClrLst/>
+    <dgm:txFillClrLst/>
+    <dgm:txEffectClrLst/>
+  </dgm:styleLbl>
+  <dgm:styleLbl name="parChTrans2D4">
+    <dgm:fillClrLst meth="repeat">
+      <a:schemeClr val="accent5"/>
+    </dgm:fillClrLst>
+    <dgm:linClrLst meth="repeat">
+      <a:schemeClr val="lt1"/>
+    </dgm:linClrLst>
+    <dgm:effectClrLst/>
+    <dgm:txLinClrLst/>
+    <dgm:txFillClrLst meth="repeat">
+      <a:schemeClr val="lt1"/>
+    </dgm:txFillClrLst>
+    <dgm:txEffectClrLst/>
+  </dgm:styleLbl>
+  <dgm:styleLbl name="parChTrans1D1">
+    <dgm:fillClrLst meth="repeat">
+      <a:schemeClr val="accent2"/>
     </dgm:fillClrLst>
     <dgm:linClrLst meth="repeat">
       <a:schemeClr val="accent1"/>
@@ -8190,134 +9184,66 @@
     </dgm:txFillClrLst>
     <dgm:txEffectClrLst/>
   </dgm:styleLbl>
-  <dgm:styleLbl name="asst0">
+  <dgm:styleLbl name="parChTrans1D2">
     <dgm:fillClrLst meth="repeat">
-      <a:schemeClr val="accent1">
-        <a:alpha val="90000"/>
+      <a:schemeClr val="accent3">
+        <a:tint val="90000"/>
       </a:schemeClr>
     </dgm:fillClrLst>
     <dgm:linClrLst meth="repeat">
-      <a:schemeClr val="lt1"/>
+      <a:schemeClr val="accent2"/>
     </dgm:linClrLst>
     <dgm:effectClrLst/>
     <dgm:txLinClrLst/>
-    <dgm:txFillClrLst/>
+    <dgm:txFillClrLst meth="repeat">
+      <a:schemeClr val="tx1"/>
+    </dgm:txFillClrLst>
     <dgm:txEffectClrLst/>
   </dgm:styleLbl>
-  <dgm:styleLbl name="asst1">
+  <dgm:styleLbl name="parChTrans1D3">
     <dgm:fillClrLst meth="repeat">
-      <a:schemeClr val="accent1">
-        <a:alpha val="90000"/>
+      <a:schemeClr val="accent4">
+        <a:tint val="70000"/>
       </a:schemeClr>
     </dgm:fillClrLst>
     <dgm:linClrLst meth="repeat">
-      <a:schemeClr val="lt1"/>
+      <a:schemeClr val="accent3"/>
     </dgm:linClrLst>
     <dgm:effectClrLst/>
     <dgm:txLinClrLst/>
-    <dgm:txFillClrLst/>
+    <dgm:txFillClrLst meth="repeat">
+      <a:schemeClr val="tx1"/>
+    </dgm:txFillClrLst>
     <dgm:txEffectClrLst/>
   </dgm:styleLbl>
-  <dgm:styleLbl name="asst2">
-    <dgm:fillClrLst>
-      <a:schemeClr val="accent1">
-        <a:alpha val="90000"/>
+  <dgm:styleLbl name="parChTrans1D4">
+    <dgm:fillClrLst meth="repeat">
+      <a:schemeClr val="accent5">
+        <a:tint val="50000"/>
       </a:schemeClr>
     </dgm:fillClrLst>
     <dgm:linClrLst meth="repeat">
-      <a:schemeClr val="lt1"/>
+      <a:schemeClr val="accent4"/>
     </dgm:linClrLst>
     <dgm:effectClrLst/>
     <dgm:txLinClrLst/>
-    <dgm:txFillClrLst/>
+    <dgm:txFillClrLst meth="repeat">
+      <a:schemeClr val="tx1"/>
+    </dgm:txFillClrLst>
     <dgm:txEffectClrLst/>
   </dgm:styleLbl>
-  <dgm:styleLbl name="asst3">
-    <dgm:fillClrLst>
-      <a:schemeClr val="accent1">
-        <a:alpha val="70000"/>
+  <dgm:styleLbl name="fgAcc1">
+    <dgm:fillClrLst meth="repeat">
+      <a:schemeClr val="lt1">
+        <a:alpha val="90000"/>
       </a:schemeClr>
     </dgm:fillClrLst>
     <dgm:linClrLst meth="repeat">
-      <a:schemeClr val="lt1"/>
-    </dgm:linClrLst>
-    <dgm:effectClrLst/>
-    <dgm:txLinClrLst/>
-    <dgm:txFillClrLst/>
-    <dgm:txEffectClrLst/>
-  </dgm:styleLbl>
-  <dgm:styleLbl name="asst4">
-    <dgm:fillClrLst>
-      <a:schemeClr val="accent1">
-        <a:alpha val="50000"/>
-      </a:schemeClr>
-    </dgm:fillClrLst>
-    <dgm:linClrLst meth="repeat">
-      <a:schemeClr val="lt1"/>
-    </dgm:linClrLst>
-    <dgm:effectClrLst/>
-    <dgm:txLinClrLst/>
-    <dgm:txFillClrLst/>
-    <dgm:txEffectClrLst/>
-  </dgm:styleLbl>
-  <dgm:styleLbl name="parChTrans2D1">
-    <dgm:fillClrLst meth="repeat">
-      <a:schemeClr val="accent1">
-        <a:shade val="80000"/>
-      </a:schemeClr>
-    </dgm:fillClrLst>
-    <dgm:linClrLst meth="repeat">
-      <a:schemeClr val="accent1">
-        <a:shade val="80000"/>
-      </a:schemeClr>
-    </dgm:linClrLst>
-    <dgm:effectClrLst/>
-    <dgm:txLinClrLst/>
-    <dgm:txFillClrLst/>
-    <dgm:txEffectClrLst/>
-  </dgm:styleLbl>
-  <dgm:styleLbl name="parChTrans2D2">
-    <dgm:fillClrLst meth="repeat">
-      <a:schemeClr val="accent1">
-        <a:tint val="90000"/>
-      </a:schemeClr>
-    </dgm:fillClrLst>
-    <dgm:linClrLst meth="repeat">
-      <a:schemeClr val="accent1">
-        <a:tint val="90000"/>
-      </a:schemeClr>
-    </dgm:linClrLst>
-    <dgm:effectClrLst/>
-    <dgm:txLinClrLst/>
-    <dgm:txFillClrLst/>
-    <dgm:txEffectClrLst/>
-  </dgm:styleLbl>
-  <dgm:styleLbl name="parChTrans2D3">
-    <dgm:fillClrLst meth="repeat">
-      <a:schemeClr val="accent1">
-        <a:tint val="70000"/>
-      </a:schemeClr>
-    </dgm:fillClrLst>
-    <dgm:linClrLst meth="repeat">
-      <a:schemeClr val="accent1">
-        <a:tint val="70000"/>
-      </a:schemeClr>
-    </dgm:linClrLst>
-    <dgm:effectClrLst/>
-    <dgm:txLinClrLst/>
-    <dgm:txFillClrLst/>
-    <dgm:txEffectClrLst/>
-  </dgm:styleLbl>
-  <dgm:styleLbl name="parChTrans2D4">
-    <dgm:fillClrLst meth="repeat">
-      <a:schemeClr val="accent1">
-        <a:tint val="50000"/>
-      </a:schemeClr>
-    </dgm:fillClrLst>
-    <dgm:linClrLst meth="repeat">
-      <a:schemeClr val="accent1">
-        <a:tint val="50000"/>
-      </a:schemeClr>
+      <a:schemeClr val="accent2"/>
+      <a:schemeClr val="accent3"/>
+      <a:schemeClr val="accent4"/>
+      <a:schemeClr val="accent5"/>
+      <a:schemeClr val="accent6"/>
     </dgm:linClrLst>
     <dgm:effectClrLst/>
     <dgm:txLinClrLst/>
@@ -8326,91 +9252,18 @@
     </dgm:txFillClrLst>
     <dgm:txEffectClrLst/>
   </dgm:styleLbl>
-  <dgm:styleLbl name="parChTrans1D1">
-    <dgm:fillClrLst meth="repeat">
-      <a:schemeClr val="accent1">
-        <a:shade val="80000"/>
-      </a:schemeClr>
-    </dgm:fillClrLst>
-    <dgm:linClrLst meth="repeat">
-      <a:schemeClr val="accent1">
-        <a:shade val="80000"/>
-      </a:schemeClr>
-    </dgm:linClrLst>
-    <dgm:effectClrLst/>
-    <dgm:txLinClrLst/>
-    <dgm:txFillClrLst meth="repeat">
-      <a:schemeClr val="tx1"/>
-    </dgm:txFillClrLst>
-    <dgm:txEffectClrLst/>
-  </dgm:styleLbl>
-  <dgm:styleLbl name="parChTrans1D2">
-    <dgm:fillClrLst meth="repeat">
-      <a:schemeClr val="accent1">
-        <a:tint val="90000"/>
-      </a:schemeClr>
-    </dgm:fillClrLst>
-    <dgm:linClrLst meth="repeat">
-      <a:schemeClr val="accent1">
-        <a:tint val="90000"/>
-      </a:schemeClr>
-    </dgm:linClrLst>
-    <dgm:effectClrLst/>
-    <dgm:txLinClrLst/>
-    <dgm:txFillClrLst meth="repeat">
-      <a:schemeClr val="tx1"/>
-    </dgm:txFillClrLst>
-    <dgm:txEffectClrLst/>
-  </dgm:styleLbl>
-  <dgm:styleLbl name="parChTrans1D3">
-    <dgm:fillClrLst meth="repeat">
-      <a:schemeClr val="accent1">
-        <a:tint val="70000"/>
-      </a:schemeClr>
-    </dgm:fillClrLst>
-    <dgm:linClrLst meth="repeat">
-      <a:schemeClr val="accent1">
-        <a:tint val="70000"/>
-      </a:schemeClr>
-    </dgm:linClrLst>
-    <dgm:effectClrLst/>
-    <dgm:txLinClrLst/>
-    <dgm:txFillClrLst meth="repeat">
-      <a:schemeClr val="tx1"/>
-    </dgm:txFillClrLst>
-    <dgm:txEffectClrLst/>
-  </dgm:styleLbl>
-  <dgm:styleLbl name="parChTrans1D4">
-    <dgm:fillClrLst meth="repeat">
-      <a:schemeClr val="accent1">
-        <a:tint val="50000"/>
-      </a:schemeClr>
-    </dgm:fillClrLst>
-    <dgm:linClrLst meth="repeat">
-      <a:schemeClr val="accent1">
-        <a:tint val="50000"/>
-      </a:schemeClr>
-    </dgm:linClrLst>
-    <dgm:effectClrLst/>
-    <dgm:txLinClrLst/>
-    <dgm:txFillClrLst meth="repeat">
-      <a:schemeClr val="tx1"/>
-    </dgm:txFillClrLst>
-    <dgm:txEffectClrLst/>
-  </dgm:styleLbl>
-  <dgm:styleLbl name="fgAcc1">
+  <dgm:styleLbl name="conFgAcc1">
     <dgm:fillClrLst meth="repeat">
       <a:schemeClr val="lt1">
         <a:alpha val="90000"/>
       </a:schemeClr>
     </dgm:fillClrLst>
-    <dgm:linClrLst>
-      <a:schemeClr val="accent1">
-        <a:alpha val="90000"/>
-      </a:schemeClr>
-      <a:schemeClr val="accent1">
-        <a:alpha val="50000"/>
-      </a:schemeClr>
+    <dgm:linClrLst meth="repeat">
+      <a:schemeClr val="accent2"/>
+      <a:schemeClr val="accent3"/>
+      <a:schemeClr val="accent4"/>
+      <a:schemeClr val="accent5"/>
+      <a:schemeClr val="accent6"/>
     </dgm:linClrLst>
     <dgm:effectClrLst/>
     <dgm:txLinClrLst/>
@@ -8419,19 +9272,18 @@
     </dgm:txFillClrLst>
     <dgm:txEffectClrLst/>
   </dgm:styleLbl>
-  <dgm:styleLbl name="conFgAcc1">
+  <dgm:styleLbl name="alignAcc1">
     <dgm:fillClrLst meth="repeat">
       <a:schemeClr val="lt1">
         <a:alpha val="90000"/>
       </a:schemeClr>
     </dgm:fillClrLst>
-    <dgm:linClrLst>
-      <a:schemeClr val="accent1">
-        <a:alpha val="90000"/>
-      </a:schemeClr>
-      <a:schemeClr val="accent1">
-        <a:alpha val="50000"/>
-      </a:schemeClr>
+    <dgm:linClrLst meth="repeat">
+      <a:schemeClr val="accent2"/>
+      <a:schemeClr val="accent3"/>
+      <a:schemeClr val="accent4"/>
+      <a:schemeClr val="accent5"/>
+      <a:schemeClr val="accent6"/>
     </dgm:linClrLst>
     <dgm:effectClrLst/>
     <dgm:txLinClrLst/>
@@ -8440,91 +9292,11 @@
     </dgm:txFillClrLst>
     <dgm:txEffectClrLst/>
   </dgm:styleLbl>
-  <dgm:styleLbl name="alignAcc1">
-    <dgm:fillClrLst meth="repeat">
-      <a:schemeClr val="lt1">
-        <a:alpha val="90000"/>
-      </a:schemeClr>
-    </dgm:fillClrLst>
-    <dgm:linClrLst>
-      <a:schemeClr val="accent1">
-        <a:alpha val="90000"/>
-      </a:schemeClr>
-      <a:schemeClr val="accent1">
-        <a:alpha val="50000"/>
-      </a:schemeClr>
-    </dgm:linClrLst>
-    <dgm:effectClrLst/>
-    <dgm:txLinClrLst/>
-    <dgm:txFillClrLst meth="repeat">
-      <a:schemeClr val="dk1"/>
-    </dgm:txFillClrLst>
-    <dgm:txEffectClrLst/>
-  </dgm:styleLbl>
   <dgm:styleLbl name="trAlignAcc1">
     <dgm:fillClrLst meth="repeat">
       <a:schemeClr val="lt1">
         <a:alpha val="40000"/>
       </a:schemeClr>
-    </dgm:fillClrLst>
-    <dgm:linClrLst>
-      <a:schemeClr val="accent1">
-        <a:alpha val="90000"/>
-      </a:schemeClr>
-      <a:schemeClr val="accent1">
-        <a:alpha val="50000"/>
-      </a:schemeClr>
-    </dgm:linClrLst>
-    <dgm:effectClrLst/>
-    <dgm:txLinClrLst/>
-    <dgm:txFillClrLst meth="repeat">
-      <a:schemeClr val="dk1"/>
-    </dgm:txFillClrLst>
-    <dgm:txEffectClrLst/>
-  </dgm:styleLbl>
-  <dgm:styleLbl name="bgAcc1">
-    <dgm:fillClrLst meth="repeat">
-      <a:schemeClr val="lt1">
-        <a:alpha val="90000"/>
-      </a:schemeClr>
-    </dgm:fillClrLst>
-    <dgm:linClrLst>
-      <a:schemeClr val="accent1">
-        <a:alpha val="90000"/>
-      </a:schemeClr>
-      <a:schemeClr val="accent1">
-        <a:alpha val="50000"/>
-      </a:schemeClr>
-    </dgm:linClrLst>
-    <dgm:effectClrLst/>
-    <dgm:txLinClrLst/>
-    <dgm:txFillClrLst meth="repeat">
-      <a:schemeClr val="dk1"/>
-    </dgm:txFillClrLst>
-    <dgm:txEffectClrLst/>
-  </dgm:styleLbl>
-  <dgm:styleLbl name="solidFgAcc1">
-    <dgm:fillClrLst meth="repeat">
-      <a:schemeClr val="lt1"/>
-    </dgm:fillClrLst>
-    <dgm:linClrLst>
-      <a:schemeClr val="accent1">
-        <a:alpha val="90000"/>
-      </a:schemeClr>
-      <a:schemeClr val="accent1">
-        <a:alpha val="50000"/>
-      </a:schemeClr>
-    </dgm:linClrLst>
-    <dgm:effectClrLst/>
-    <dgm:txLinClrLst/>
-    <dgm:txFillClrLst meth="repeat">
-      <a:schemeClr val="dk1"/>
-    </dgm:txFillClrLst>
-    <dgm:txEffectClrLst/>
-  </dgm:styleLbl>
-  <dgm:styleLbl name="solidAlignAcc1">
-    <dgm:fillClrLst meth="repeat">
-      <a:schemeClr val="lt1"/>
     </dgm:fillClrLst>
     <dgm:linClrLst meth="repeat">
       <a:schemeClr val="accent1"/>
@@ -8536,11 +9308,243 @@
     </dgm:txFillClrLst>
     <dgm:txEffectClrLst/>
   </dgm:styleLbl>
+  <dgm:styleLbl name="bgAcc1">
+    <dgm:fillClrLst meth="repeat">
+      <a:schemeClr val="lt1">
+        <a:alpha val="90000"/>
+      </a:schemeClr>
+    </dgm:fillClrLst>
+    <dgm:linClrLst meth="repeat">
+      <a:schemeClr val="accent2"/>
+      <a:schemeClr val="accent3"/>
+      <a:schemeClr val="accent4"/>
+      <a:schemeClr val="accent5"/>
+      <a:schemeClr val="accent6"/>
+    </dgm:linClrLst>
+    <dgm:effectClrLst/>
+    <dgm:txLinClrLst/>
+    <dgm:txFillClrLst meth="repeat">
+      <a:schemeClr val="dk1"/>
+    </dgm:txFillClrLst>
+    <dgm:txEffectClrLst/>
+  </dgm:styleLbl>
+  <dgm:styleLbl name="solidFgAcc1">
+    <dgm:fillClrLst meth="repeat">
+      <a:schemeClr val="lt1"/>
+    </dgm:fillClrLst>
+    <dgm:linClrLst meth="repeat">
+      <a:schemeClr val="accent2"/>
+      <a:schemeClr val="accent3"/>
+      <a:schemeClr val="accent4"/>
+      <a:schemeClr val="accent5"/>
+      <a:schemeClr val="accent6"/>
+    </dgm:linClrLst>
+    <dgm:effectClrLst/>
+    <dgm:txLinClrLst/>
+    <dgm:txFillClrLst meth="repeat">
+      <a:schemeClr val="dk1"/>
+    </dgm:txFillClrLst>
+    <dgm:txEffectClrLst/>
+  </dgm:styleLbl>
+  <dgm:styleLbl name="solidAlignAcc1">
+    <dgm:fillClrLst meth="repeat">
+      <a:schemeClr val="lt1"/>
+    </dgm:fillClrLst>
+    <dgm:linClrLst meth="repeat">
+      <a:schemeClr val="accent2"/>
+      <a:schemeClr val="accent3"/>
+      <a:schemeClr val="accent4"/>
+      <a:schemeClr val="accent5"/>
+      <a:schemeClr val="accent6"/>
+    </dgm:linClrLst>
+    <dgm:effectClrLst/>
+    <dgm:txLinClrLst/>
+    <dgm:txFillClrLst meth="repeat">
+      <a:schemeClr val="dk1"/>
+    </dgm:txFillClrLst>
+    <dgm:txEffectClrLst/>
+  </dgm:styleLbl>
   <dgm:styleLbl name="solidBgAcc1">
     <dgm:fillClrLst meth="repeat">
       <a:schemeClr val="lt1"/>
     </dgm:fillClrLst>
     <dgm:linClrLst meth="repeat">
+      <a:schemeClr val="accent2"/>
+      <a:schemeClr val="accent3"/>
+      <a:schemeClr val="accent4"/>
+      <a:schemeClr val="accent5"/>
+      <a:schemeClr val="accent6"/>
+    </dgm:linClrLst>
+    <dgm:effectClrLst/>
+    <dgm:txLinClrLst/>
+    <dgm:txFillClrLst meth="repeat">
+      <a:schemeClr val="dk1"/>
+    </dgm:txFillClrLst>
+    <dgm:txEffectClrLst/>
+  </dgm:styleLbl>
+  <dgm:styleLbl name="fgAccFollowNode1">
+    <dgm:fillClrLst meth="repeat">
+      <a:schemeClr val="accent2">
+        <a:tint val="40000"/>
+        <a:alpha val="90000"/>
+      </a:schemeClr>
+      <a:schemeClr val="accent3">
+        <a:tint val="40000"/>
+        <a:alpha val="90000"/>
+      </a:schemeClr>
+      <a:schemeClr val="accent4">
+        <a:tint val="40000"/>
+        <a:alpha val="90000"/>
+      </a:schemeClr>
+      <a:schemeClr val="accent5">
+        <a:tint val="40000"/>
+        <a:alpha val="90000"/>
+      </a:schemeClr>
+      <a:schemeClr val="accent6">
+        <a:tint val="40000"/>
+        <a:alpha val="90000"/>
+      </a:schemeClr>
+    </dgm:fillClrLst>
+    <dgm:linClrLst meth="repeat">
+      <a:schemeClr val="accent2">
+        <a:tint val="40000"/>
+        <a:alpha val="90000"/>
+      </a:schemeClr>
+      <a:schemeClr val="accent3">
+        <a:tint val="40000"/>
+        <a:alpha val="90000"/>
+      </a:schemeClr>
+      <a:schemeClr val="accent4">
+        <a:tint val="40000"/>
+        <a:alpha val="90000"/>
+      </a:schemeClr>
+      <a:schemeClr val="accent5">
+        <a:tint val="40000"/>
+        <a:alpha val="90000"/>
+      </a:schemeClr>
+      <a:schemeClr val="accent6">
+        <a:tint val="40000"/>
+        <a:alpha val="90000"/>
+      </a:schemeClr>
+    </dgm:linClrLst>
+    <dgm:effectClrLst/>
+    <dgm:txLinClrLst/>
+    <dgm:txFillClrLst meth="repeat">
+      <a:schemeClr val="dk1"/>
+    </dgm:txFillClrLst>
+    <dgm:txEffectClrLst/>
+  </dgm:styleLbl>
+  <dgm:styleLbl name="alignAccFollowNode1">
+    <dgm:fillClrLst meth="repeat">
+      <a:schemeClr val="accent2">
+        <a:tint val="40000"/>
+        <a:alpha val="90000"/>
+      </a:schemeClr>
+      <a:schemeClr val="accent3">
+        <a:tint val="40000"/>
+        <a:alpha val="90000"/>
+      </a:schemeClr>
+      <a:schemeClr val="accent4">
+        <a:tint val="40000"/>
+        <a:alpha val="90000"/>
+      </a:schemeClr>
+      <a:schemeClr val="accent5">
+        <a:tint val="40000"/>
+        <a:alpha val="90000"/>
+      </a:schemeClr>
+      <a:schemeClr val="accent6">
+        <a:tint val="40000"/>
+        <a:alpha val="90000"/>
+      </a:schemeClr>
+    </dgm:fillClrLst>
+    <dgm:linClrLst meth="repeat">
+      <a:schemeClr val="accent2">
+        <a:tint val="40000"/>
+        <a:alpha val="90000"/>
+      </a:schemeClr>
+      <a:schemeClr val="accent3">
+        <a:tint val="40000"/>
+        <a:alpha val="90000"/>
+      </a:schemeClr>
+      <a:schemeClr val="accent4">
+        <a:tint val="40000"/>
+        <a:alpha val="90000"/>
+      </a:schemeClr>
+      <a:schemeClr val="accent5">
+        <a:tint val="40000"/>
+        <a:alpha val="90000"/>
+      </a:schemeClr>
+      <a:schemeClr val="accent6">
+        <a:tint val="40000"/>
+        <a:alpha val="90000"/>
+      </a:schemeClr>
+    </dgm:linClrLst>
+    <dgm:effectClrLst/>
+    <dgm:txLinClrLst/>
+    <dgm:txFillClrLst meth="repeat">
+      <a:schemeClr val="dk1"/>
+    </dgm:txFillClrLst>
+    <dgm:txEffectClrLst/>
+  </dgm:styleLbl>
+  <dgm:styleLbl name="bgAccFollowNode1">
+    <dgm:fillClrLst meth="repeat">
+      <a:schemeClr val="accent2">
+        <a:tint val="40000"/>
+        <a:alpha val="90000"/>
+      </a:schemeClr>
+      <a:schemeClr val="accent3">
+        <a:tint val="40000"/>
+        <a:alpha val="90000"/>
+      </a:schemeClr>
+      <a:schemeClr val="accent4">
+        <a:tint val="40000"/>
+        <a:alpha val="90000"/>
+      </a:schemeClr>
+      <a:schemeClr val="accent5">
+        <a:tint val="40000"/>
+        <a:alpha val="90000"/>
+      </a:schemeClr>
+      <a:schemeClr val="accent6">
+        <a:tint val="40000"/>
+        <a:alpha val="90000"/>
+      </a:schemeClr>
+    </dgm:fillClrLst>
+    <dgm:linClrLst meth="repeat">
+      <a:schemeClr val="accent2">
+        <a:tint val="40000"/>
+        <a:alpha val="90000"/>
+      </a:schemeClr>
+      <a:schemeClr val="accent3">
+        <a:tint val="40000"/>
+        <a:alpha val="90000"/>
+      </a:schemeClr>
+      <a:schemeClr val="accent4">
+        <a:tint val="40000"/>
+        <a:alpha val="90000"/>
+      </a:schemeClr>
+      <a:schemeClr val="accent5">
+        <a:tint val="40000"/>
+        <a:alpha val="90000"/>
+      </a:schemeClr>
+      <a:schemeClr val="accent6">
+        <a:tint val="40000"/>
+        <a:alpha val="90000"/>
+      </a:schemeClr>
+    </dgm:linClrLst>
+    <dgm:effectClrLst/>
+    <dgm:txLinClrLst/>
+    <dgm:txFillClrLst meth="repeat">
+      <a:schemeClr val="dk1"/>
+    </dgm:txFillClrLst>
+    <dgm:txEffectClrLst/>
+  </dgm:styleLbl>
+  <dgm:styleLbl name="fgAcc0">
+    <dgm:fillClrLst meth="repeat">
+      <a:schemeClr val="lt1">
+        <a:alpha val="90000"/>
+      </a:schemeClr>
+    </dgm:fillClrLst>
+    <dgm:linClrLst>
       <a:schemeClr val="accent1"/>
     </dgm:linClrLst>
     <dgm:effectClrLst/>
@@ -8550,22 +9554,14 @@
     </dgm:txFillClrLst>
     <dgm:txEffectClrLst/>
   </dgm:styleLbl>
-  <dgm:styleLbl name="fgAccFollowNode1">
-    <dgm:fillClrLst>
-      <a:schemeClr val="accent1">
+  <dgm:styleLbl name="fgAcc2">
+    <dgm:fillClrLst meth="repeat">
+      <a:schemeClr val="lt1">
         <a:alpha val="90000"/>
-        <a:tint val="40000"/>
-      </a:schemeClr>
-      <a:schemeClr val="accent1">
-        <a:alpha val="50000"/>
-        <a:tint val="40000"/>
       </a:schemeClr>
     </dgm:fillClrLst>
-    <dgm:linClrLst meth="repeat">
-      <a:schemeClr val="accent1">
-        <a:alpha val="90000"/>
-        <a:tint val="40000"/>
-      </a:schemeClr>
+    <dgm:linClrLst>
+      <a:schemeClr val="accent2"/>
     </dgm:linClrLst>
     <dgm:effectClrLst/>
     <dgm:txLinClrLst/>
@@ -8574,18 +9570,14 @@
     </dgm:txFillClrLst>
     <dgm:txEffectClrLst/>
   </dgm:styleLbl>
-  <dgm:styleLbl name="alignAccFollowNode1">
+  <dgm:styleLbl name="fgAcc3">
     <dgm:fillClrLst meth="repeat">
-      <a:schemeClr val="accent1">
+      <a:schemeClr val="lt1">
         <a:alpha val="90000"/>
-        <a:tint val="40000"/>
       </a:schemeClr>
     </dgm:fillClrLst>
-    <dgm:linClrLst meth="repeat">
-      <a:schemeClr val="accent1">
-        <a:alpha val="90000"/>
-        <a:tint val="40000"/>
-      </a:schemeClr>
+    <dgm:linClrLst>
+      <a:schemeClr val="accent3"/>
     </dgm:linClrLst>
     <dgm:effectClrLst/>
     <dgm:txLinClrLst/>
@@ -8594,15 +9586,14 @@
     </dgm:txFillClrLst>
     <dgm:txEffectClrLst/>
   </dgm:styleLbl>
-  <dgm:styleLbl name="bgAccFollowNode1">
+  <dgm:styleLbl name="fgAcc4">
     <dgm:fillClrLst meth="repeat">
-      <a:schemeClr val="accent1">
+      <a:schemeClr val="lt1">
         <a:alpha val="90000"/>
-        <a:tint val="40000"/>
       </a:schemeClr>
     </dgm:fillClrLst>
-    <dgm:linClrLst meth="repeat">
-      <a:schemeClr val="lt1"/>
+    <dgm:linClrLst>
+      <a:schemeClr val="accent4"/>
     </dgm:linClrLst>
     <dgm:effectClrLst/>
     <dgm:txLinClrLst/>
@@ -8611,81 +9602,9 @@
     </dgm:txFillClrLst>
     <dgm:txEffectClrLst/>
   </dgm:styleLbl>
-  <dgm:styleLbl name="fgAcc0">
-    <dgm:fillClrLst meth="repeat">
-      <a:schemeClr val="lt1">
-        <a:alpha val="90000"/>
-      </a:schemeClr>
-    </dgm:fillClrLst>
-    <dgm:linClrLst meth="repeat">
-      <a:schemeClr val="accent1">
-        <a:shade val="80000"/>
-      </a:schemeClr>
-    </dgm:linClrLst>
-    <dgm:effectClrLst/>
-    <dgm:txLinClrLst/>
-    <dgm:txFillClrLst meth="repeat">
-      <a:schemeClr val="dk1"/>
-    </dgm:txFillClrLst>
-    <dgm:txEffectClrLst/>
-  </dgm:styleLbl>
-  <dgm:styleLbl name="fgAcc2">
-    <dgm:fillClrLst meth="repeat">
-      <a:schemeClr val="lt1">
-        <a:alpha val="90000"/>
-      </a:schemeClr>
-    </dgm:fillClrLst>
-    <dgm:linClrLst meth="repeat">
-      <a:schemeClr val="accent1">
-        <a:tint val="90000"/>
-      </a:schemeClr>
-    </dgm:linClrLst>
-    <dgm:effectClrLst/>
-    <dgm:txLinClrLst/>
-    <dgm:txFillClrLst meth="repeat">
-      <a:schemeClr val="dk1"/>
-    </dgm:txFillClrLst>
-    <dgm:txEffectClrLst/>
-  </dgm:styleLbl>
-  <dgm:styleLbl name="fgAcc3">
-    <dgm:fillClrLst meth="repeat">
-      <a:schemeClr val="lt1">
-        <a:alpha val="90000"/>
-      </a:schemeClr>
-    </dgm:fillClrLst>
-    <dgm:linClrLst meth="repeat">
-      <a:schemeClr val="accent1">
-        <a:tint val="70000"/>
-      </a:schemeClr>
-    </dgm:linClrLst>
-    <dgm:effectClrLst/>
-    <dgm:txLinClrLst/>
-    <dgm:txFillClrLst meth="repeat">
-      <a:schemeClr val="dk1"/>
-    </dgm:txFillClrLst>
-    <dgm:txEffectClrLst/>
-  </dgm:styleLbl>
-  <dgm:styleLbl name="fgAcc4">
-    <dgm:fillClrLst meth="repeat">
-      <a:schemeClr val="lt1">
-        <a:alpha val="90000"/>
-      </a:schemeClr>
-    </dgm:fillClrLst>
-    <dgm:linClrLst meth="repeat">
-      <a:schemeClr val="accent1">
-        <a:tint val="50000"/>
-      </a:schemeClr>
-    </dgm:linClrLst>
-    <dgm:effectClrLst/>
-    <dgm:txLinClrLst/>
-    <dgm:txFillClrLst meth="repeat">
-      <a:schemeClr val="dk1"/>
-    </dgm:txFillClrLst>
-    <dgm:txEffectClrLst/>
-  </dgm:styleLbl>
   <dgm:styleLbl name="bgShp">
     <dgm:fillClrLst meth="repeat">
-      <a:schemeClr val="accent1">
+      <a:schemeClr val="accent2">
         <a:tint val="40000"/>
       </a:schemeClr>
     </dgm:fillClrLst>
@@ -8701,7 +9620,7 @@
   </dgm:styleLbl>
   <dgm:styleLbl name="dkBgShp">
     <dgm:fillClrLst meth="repeat">
-      <a:schemeClr val="accent1">
+      <a:schemeClr val="accent2">
         <a:shade val="90000"/>
       </a:schemeClr>
     </dgm:fillClrLst>
@@ -8723,7 +9642,7 @@
       </a:schemeClr>
     </dgm:fillClrLst>
     <dgm:linClrLst meth="repeat">
-      <a:schemeClr val="accent1"/>
+      <a:schemeClr val="accent2"/>
     </dgm:linClrLst>
     <dgm:effectClrLst/>
     <dgm:txLinClrLst/>
@@ -8734,7 +9653,7 @@
   </dgm:styleLbl>
   <dgm:styleLbl name="fgShp">
     <dgm:fillClrLst meth="repeat">
-      <a:schemeClr val="accent1">
+      <a:schemeClr val="accent2">
         <a:tint val="40000"/>
       </a:schemeClr>
     </dgm:fillClrLst>
@@ -8965,6 +9884,276 @@
 </file>
 
 <file path=ppt/diagrams/data10.xml><?xml version="1.0" encoding="utf-8"?>
+<dgm:dataModel xmlns:dgm="http://schemas.openxmlformats.org/drawingml/2006/diagram" xmlns:a="http://schemas.openxmlformats.org/drawingml/2006/main">
+  <dgm:ptLst>
+    <dgm:pt modelId="{412CA174-6061-4106-936C-DB87F631E9EB}" type="doc">
+      <dgm:prSet loTypeId="urn:microsoft.com/office/officeart/2005/8/layout/hList7" loCatId="relationship" qsTypeId="urn:microsoft.com/office/officeart/2005/8/quickstyle/simple1" qsCatId="simple" csTypeId="urn:microsoft.com/office/officeart/2005/8/colors/accent1_5" csCatId="accent1" phldr="1"/>
+      <dgm:spPr/>
+    </dgm:pt>
+    <dgm:pt modelId="{44A36440-C044-4AFC-AC2B-0DB2AC9E191C}">
+      <dgm:prSet phldrT="[Text]"/>
+      <dgm:spPr/>
+      <dgm:t>
+        <a:bodyPr/>
+        <a:lstStyle/>
+        <a:p>
+          <a:r>
+            <a:rPr lang="en-US" dirty="0"/>
+            <a:t>View</a:t>
+          </a:r>
+        </a:p>
+      </dgm:t>
+    </dgm:pt>
+    <dgm:pt modelId="{CBB94E3F-99C8-4969-A642-FEC8AAB7122F}" type="parTrans" cxnId="{5EA84D35-BB34-43A0-AC2F-631D5B3D8418}">
+      <dgm:prSet/>
+      <dgm:spPr/>
+      <dgm:t>
+        <a:bodyPr/>
+        <a:lstStyle/>
+        <a:p>
+          <a:endParaRPr lang="en-US"/>
+        </a:p>
+      </dgm:t>
+    </dgm:pt>
+    <dgm:pt modelId="{7DD77B2A-25F3-4B29-BEC4-780CEE44CB3E}" type="sibTrans" cxnId="{5EA84D35-BB34-43A0-AC2F-631D5B3D8418}">
+      <dgm:prSet/>
+      <dgm:spPr/>
+      <dgm:t>
+        <a:bodyPr/>
+        <a:lstStyle/>
+        <a:p>
+          <a:endParaRPr lang="en-US"/>
+        </a:p>
+      </dgm:t>
+    </dgm:pt>
+    <dgm:pt modelId="{9F365186-9637-40E7-9D94-91FB61CEE4B8}">
+      <dgm:prSet phldrT="[Text]"/>
+      <dgm:spPr/>
+      <dgm:t>
+        <a:bodyPr/>
+        <a:lstStyle/>
+        <a:p>
+          <a:r>
+            <a:rPr lang="en-US" dirty="0"/>
+            <a:t>Controller</a:t>
+          </a:r>
+        </a:p>
+      </dgm:t>
+    </dgm:pt>
+    <dgm:pt modelId="{2DF984F9-6C03-4EEA-910C-6D11A125F593}" type="parTrans" cxnId="{59445B87-6896-4627-942E-D26D11AAB978}">
+      <dgm:prSet/>
+      <dgm:spPr/>
+      <dgm:t>
+        <a:bodyPr/>
+        <a:lstStyle/>
+        <a:p>
+          <a:endParaRPr lang="en-US"/>
+        </a:p>
+      </dgm:t>
+    </dgm:pt>
+    <dgm:pt modelId="{0AC1CFC1-1CF0-4732-A08D-C8E668C21F15}" type="sibTrans" cxnId="{59445B87-6896-4627-942E-D26D11AAB978}">
+      <dgm:prSet/>
+      <dgm:spPr/>
+      <dgm:t>
+        <a:bodyPr/>
+        <a:lstStyle/>
+        <a:p>
+          <a:endParaRPr lang="en-US"/>
+        </a:p>
+      </dgm:t>
+    </dgm:pt>
+    <dgm:pt modelId="{564E0BE6-27CD-4894-BC91-F754C4A1AE64}">
+      <dgm:prSet phldrT="[Text]"/>
+      <dgm:spPr/>
+      <dgm:t>
+        <a:bodyPr/>
+        <a:lstStyle/>
+        <a:p>
+          <a:r>
+            <a:rPr lang="en-US" dirty="0"/>
+            <a:t>Model</a:t>
+          </a:r>
+        </a:p>
+      </dgm:t>
+    </dgm:pt>
+    <dgm:pt modelId="{FD0D3319-F3FB-403A-BF36-BEDA68D8051C}" type="parTrans" cxnId="{CE3F9EC1-7CCB-4C0C-9CC5-ED735A97D4F5}">
+      <dgm:prSet/>
+      <dgm:spPr/>
+      <dgm:t>
+        <a:bodyPr/>
+        <a:lstStyle/>
+        <a:p>
+          <a:endParaRPr lang="en-US"/>
+        </a:p>
+      </dgm:t>
+    </dgm:pt>
+    <dgm:pt modelId="{B6A7000A-A3CA-49AD-BA80-4EAE4C6EE5E7}" type="sibTrans" cxnId="{CE3F9EC1-7CCB-4C0C-9CC5-ED735A97D4F5}">
+      <dgm:prSet/>
+      <dgm:spPr/>
+      <dgm:t>
+        <a:bodyPr/>
+        <a:lstStyle/>
+        <a:p>
+          <a:endParaRPr lang="en-US"/>
+        </a:p>
+      </dgm:t>
+    </dgm:pt>
+    <dgm:pt modelId="{2DF4F669-2BA7-4760-9BE5-6E1BC790AB5D}" type="pres">
+      <dgm:prSet presAssocID="{412CA174-6061-4106-936C-DB87F631E9EB}" presName="Name0" presStyleCnt="0">
+        <dgm:presLayoutVars>
+          <dgm:dir/>
+          <dgm:resizeHandles val="exact"/>
+        </dgm:presLayoutVars>
+      </dgm:prSet>
+      <dgm:spPr/>
+    </dgm:pt>
+    <dgm:pt modelId="{24076299-3833-45F1-9E72-8B1955D6A58E}" type="pres">
+      <dgm:prSet presAssocID="{412CA174-6061-4106-936C-DB87F631E9EB}" presName="fgShape" presStyleLbl="fgShp" presStyleIdx="0" presStyleCnt="1"/>
+      <dgm:spPr/>
+    </dgm:pt>
+    <dgm:pt modelId="{E0545172-3F79-4957-9EB8-8462F6B778EE}" type="pres">
+      <dgm:prSet presAssocID="{412CA174-6061-4106-936C-DB87F631E9EB}" presName="linComp" presStyleCnt="0"/>
+      <dgm:spPr/>
+    </dgm:pt>
+    <dgm:pt modelId="{E83A773F-9347-4F44-942D-D1E511034D26}" type="pres">
+      <dgm:prSet presAssocID="{44A36440-C044-4AFC-AC2B-0DB2AC9E191C}" presName="compNode" presStyleCnt="0"/>
+      <dgm:spPr/>
+    </dgm:pt>
+    <dgm:pt modelId="{9DA2373B-2C93-4757-B244-C8D55C880082}" type="pres">
+      <dgm:prSet presAssocID="{44A36440-C044-4AFC-AC2B-0DB2AC9E191C}" presName="bkgdShape" presStyleLbl="node1" presStyleIdx="0" presStyleCnt="3"/>
+      <dgm:spPr/>
+    </dgm:pt>
+    <dgm:pt modelId="{B9698694-1695-4776-A208-6C3936420C05}" type="pres">
+      <dgm:prSet presAssocID="{44A36440-C044-4AFC-AC2B-0DB2AC9E191C}" presName="nodeTx" presStyleLbl="node1" presStyleIdx="0" presStyleCnt="3">
+        <dgm:presLayoutVars>
+          <dgm:bulletEnabled val="1"/>
+        </dgm:presLayoutVars>
+      </dgm:prSet>
+      <dgm:spPr/>
+    </dgm:pt>
+    <dgm:pt modelId="{3C131B49-01FF-43FC-9C1D-27F7117D928E}" type="pres">
+      <dgm:prSet presAssocID="{44A36440-C044-4AFC-AC2B-0DB2AC9E191C}" presName="invisiNode" presStyleLbl="node1" presStyleIdx="0" presStyleCnt="3"/>
+      <dgm:spPr/>
+    </dgm:pt>
+    <dgm:pt modelId="{D4EB00BB-5881-4D4A-AEC3-F8EBBD35B37F}" type="pres">
+      <dgm:prSet presAssocID="{44A36440-C044-4AFC-AC2B-0DB2AC9E191C}" presName="imagNode" presStyleLbl="fgImgPlace1" presStyleIdx="0" presStyleCnt="3"/>
+      <dgm:spPr>
+        <a:blipFill>
+          <a:blip xmlns:r="http://schemas.openxmlformats.org/officeDocument/2006/relationships" r:embed="rId1">
+            <a:extLst>
+              <a:ext uri="{28A0092B-C50C-407E-A947-70E740481C1C}">
+                <a14:useLocalDpi xmlns:a14="http://schemas.microsoft.com/office/drawing/2010/main" val="0"/>
+              </a:ext>
+            </a:extLst>
+          </a:blip>
+          <a:srcRect/>
+          <a:stretch>
+            <a:fillRect/>
+          </a:stretch>
+        </a:blipFill>
+      </dgm:spPr>
+    </dgm:pt>
+    <dgm:pt modelId="{53D73AAE-F10E-4625-A0A9-A100D42A75CB}" type="pres">
+      <dgm:prSet presAssocID="{7DD77B2A-25F3-4B29-BEC4-780CEE44CB3E}" presName="sibTrans" presStyleLbl="sibTrans2D1" presStyleIdx="0" presStyleCnt="0"/>
+      <dgm:spPr/>
+    </dgm:pt>
+    <dgm:pt modelId="{DA5D9ECF-49AA-46AA-B447-B4035C049BE4}" type="pres">
+      <dgm:prSet presAssocID="{9F365186-9637-40E7-9D94-91FB61CEE4B8}" presName="compNode" presStyleCnt="0"/>
+      <dgm:spPr/>
+    </dgm:pt>
+    <dgm:pt modelId="{FB620026-D40C-4000-A51C-CFC7629FD18A}" type="pres">
+      <dgm:prSet presAssocID="{9F365186-9637-40E7-9D94-91FB61CEE4B8}" presName="bkgdShape" presStyleLbl="node1" presStyleIdx="1" presStyleCnt="3"/>
+      <dgm:spPr/>
+    </dgm:pt>
+    <dgm:pt modelId="{0AD50BDB-9C7C-4093-9E93-968D31F71BCA}" type="pres">
+      <dgm:prSet presAssocID="{9F365186-9637-40E7-9D94-91FB61CEE4B8}" presName="nodeTx" presStyleLbl="node1" presStyleIdx="1" presStyleCnt="3">
+        <dgm:presLayoutVars>
+          <dgm:bulletEnabled val="1"/>
+        </dgm:presLayoutVars>
+      </dgm:prSet>
+      <dgm:spPr/>
+    </dgm:pt>
+    <dgm:pt modelId="{F30DBA3D-D9FE-4F30-8F3B-B5057ADCB3C2}" type="pres">
+      <dgm:prSet presAssocID="{9F365186-9637-40E7-9D94-91FB61CEE4B8}" presName="invisiNode" presStyleLbl="node1" presStyleIdx="1" presStyleCnt="3"/>
+      <dgm:spPr/>
+    </dgm:pt>
+    <dgm:pt modelId="{78B85EB2-B637-4EB4-A139-C1748B11CB08}" type="pres">
+      <dgm:prSet presAssocID="{9F365186-9637-40E7-9D94-91FB61CEE4B8}" presName="imagNode" presStyleLbl="fgImgPlace1" presStyleIdx="1" presStyleCnt="3"/>
+      <dgm:spPr/>
+    </dgm:pt>
+    <dgm:pt modelId="{1B2E1430-4D3C-44A0-B8D5-4551FA9127A4}" type="pres">
+      <dgm:prSet presAssocID="{0AC1CFC1-1CF0-4732-A08D-C8E668C21F15}" presName="sibTrans" presStyleLbl="sibTrans2D1" presStyleIdx="0" presStyleCnt="0"/>
+      <dgm:spPr/>
+    </dgm:pt>
+    <dgm:pt modelId="{C8029DF6-2FDC-42FA-87E8-EDBAB036087E}" type="pres">
+      <dgm:prSet presAssocID="{564E0BE6-27CD-4894-BC91-F754C4A1AE64}" presName="compNode" presStyleCnt="0"/>
+      <dgm:spPr/>
+    </dgm:pt>
+    <dgm:pt modelId="{B0369BC4-A4EA-4E0C-9F03-4FF2B4EDFD77}" type="pres">
+      <dgm:prSet presAssocID="{564E0BE6-27CD-4894-BC91-F754C4A1AE64}" presName="bkgdShape" presStyleLbl="node1" presStyleIdx="2" presStyleCnt="3" custLinFactNeighborX="67112" custLinFactNeighborY="-1429"/>
+      <dgm:spPr/>
+    </dgm:pt>
+    <dgm:pt modelId="{E4A78685-5900-4D8A-80C4-286B79564E7E}" type="pres">
+      <dgm:prSet presAssocID="{564E0BE6-27CD-4894-BC91-F754C4A1AE64}" presName="nodeTx" presStyleLbl="node1" presStyleIdx="2" presStyleCnt="3">
+        <dgm:presLayoutVars>
+          <dgm:bulletEnabled val="1"/>
+        </dgm:presLayoutVars>
+      </dgm:prSet>
+      <dgm:spPr/>
+    </dgm:pt>
+    <dgm:pt modelId="{D47EF028-1D88-4643-9075-310EC2A83233}" type="pres">
+      <dgm:prSet presAssocID="{564E0BE6-27CD-4894-BC91-F754C4A1AE64}" presName="invisiNode" presStyleLbl="node1" presStyleIdx="2" presStyleCnt="3"/>
+      <dgm:spPr/>
+    </dgm:pt>
+    <dgm:pt modelId="{130EC317-3B7B-4190-9859-AE03C6549611}" type="pres">
+      <dgm:prSet presAssocID="{564E0BE6-27CD-4894-BC91-F754C4A1AE64}" presName="imagNode" presStyleLbl="fgImgPlace1" presStyleIdx="2" presStyleCnt="3"/>
+      <dgm:spPr/>
+    </dgm:pt>
+  </dgm:ptLst>
+  <dgm:cxnLst>
+    <dgm:cxn modelId="{F31BD098-DE8C-498C-AC74-FF928C715884}" type="presOf" srcId="{9F365186-9637-40E7-9D94-91FB61CEE4B8}" destId="{0AD50BDB-9C7C-4093-9E93-968D31F71BCA}" srcOrd="1" destOrd="0" presId="urn:microsoft.com/office/officeart/2005/8/layout/hList7"/>
+    <dgm:cxn modelId="{B18B5D44-EA9F-43B3-95E0-55979E02A087}" type="presOf" srcId="{44A36440-C044-4AFC-AC2B-0DB2AC9E191C}" destId="{B9698694-1695-4776-A208-6C3936420C05}" srcOrd="1" destOrd="0" presId="urn:microsoft.com/office/officeart/2005/8/layout/hList7"/>
+    <dgm:cxn modelId="{14CC1122-01A4-4FBE-A766-2056825E68EA}" type="presOf" srcId="{9F365186-9637-40E7-9D94-91FB61CEE4B8}" destId="{FB620026-D40C-4000-A51C-CFC7629FD18A}" srcOrd="0" destOrd="0" presId="urn:microsoft.com/office/officeart/2005/8/layout/hList7"/>
+    <dgm:cxn modelId="{DA00E18D-5562-40BE-9D66-F0204F065BAF}" type="presOf" srcId="{44A36440-C044-4AFC-AC2B-0DB2AC9E191C}" destId="{9DA2373B-2C93-4757-B244-C8D55C880082}" srcOrd="0" destOrd="0" presId="urn:microsoft.com/office/officeart/2005/8/layout/hList7"/>
+    <dgm:cxn modelId="{DE9B2352-CE7A-4692-B8D5-BE259D6C61D0}" type="presOf" srcId="{412CA174-6061-4106-936C-DB87F631E9EB}" destId="{2DF4F669-2BA7-4760-9BE5-6E1BC790AB5D}" srcOrd="0" destOrd="0" presId="urn:microsoft.com/office/officeart/2005/8/layout/hList7"/>
+    <dgm:cxn modelId="{E2A97992-ED4C-4FDE-B7B2-8114BF3C0E6A}" type="presOf" srcId="{7DD77B2A-25F3-4B29-BEC4-780CEE44CB3E}" destId="{53D73AAE-F10E-4625-A0A9-A100D42A75CB}" srcOrd="0" destOrd="0" presId="urn:microsoft.com/office/officeart/2005/8/layout/hList7"/>
+    <dgm:cxn modelId="{CE3F9EC1-7CCB-4C0C-9CC5-ED735A97D4F5}" srcId="{412CA174-6061-4106-936C-DB87F631E9EB}" destId="{564E0BE6-27CD-4894-BC91-F754C4A1AE64}" srcOrd="2" destOrd="0" parTransId="{FD0D3319-F3FB-403A-BF36-BEDA68D8051C}" sibTransId="{B6A7000A-A3CA-49AD-BA80-4EAE4C6EE5E7}"/>
+    <dgm:cxn modelId="{59445B87-6896-4627-942E-D26D11AAB978}" srcId="{412CA174-6061-4106-936C-DB87F631E9EB}" destId="{9F365186-9637-40E7-9D94-91FB61CEE4B8}" srcOrd="1" destOrd="0" parTransId="{2DF984F9-6C03-4EEA-910C-6D11A125F593}" sibTransId="{0AC1CFC1-1CF0-4732-A08D-C8E668C21F15}"/>
+    <dgm:cxn modelId="{F43EF4C9-383B-4584-85ED-717C81CCB855}" type="presOf" srcId="{0AC1CFC1-1CF0-4732-A08D-C8E668C21F15}" destId="{1B2E1430-4D3C-44A0-B8D5-4551FA9127A4}" srcOrd="0" destOrd="0" presId="urn:microsoft.com/office/officeart/2005/8/layout/hList7"/>
+    <dgm:cxn modelId="{5EA84D35-BB34-43A0-AC2F-631D5B3D8418}" srcId="{412CA174-6061-4106-936C-DB87F631E9EB}" destId="{44A36440-C044-4AFC-AC2B-0DB2AC9E191C}" srcOrd="0" destOrd="0" parTransId="{CBB94E3F-99C8-4969-A642-FEC8AAB7122F}" sibTransId="{7DD77B2A-25F3-4B29-BEC4-780CEE44CB3E}"/>
+    <dgm:cxn modelId="{8238D9A7-7BFB-4A54-A435-BECB50EB58FD}" type="presOf" srcId="{564E0BE6-27CD-4894-BC91-F754C4A1AE64}" destId="{E4A78685-5900-4D8A-80C4-286B79564E7E}" srcOrd="1" destOrd="0" presId="urn:microsoft.com/office/officeart/2005/8/layout/hList7"/>
+    <dgm:cxn modelId="{9B51F340-5122-4AD7-B6BC-99724B728AB1}" type="presOf" srcId="{564E0BE6-27CD-4894-BC91-F754C4A1AE64}" destId="{B0369BC4-A4EA-4E0C-9F03-4FF2B4EDFD77}" srcOrd="0" destOrd="0" presId="urn:microsoft.com/office/officeart/2005/8/layout/hList7"/>
+    <dgm:cxn modelId="{8B935EFE-552A-4BE2-A318-BBAC150C2A2F}" type="presParOf" srcId="{2DF4F669-2BA7-4760-9BE5-6E1BC790AB5D}" destId="{24076299-3833-45F1-9E72-8B1955D6A58E}" srcOrd="0" destOrd="0" presId="urn:microsoft.com/office/officeart/2005/8/layout/hList7"/>
+    <dgm:cxn modelId="{04515F10-1CD5-44DA-909B-E8B64EB0D42A}" type="presParOf" srcId="{2DF4F669-2BA7-4760-9BE5-6E1BC790AB5D}" destId="{E0545172-3F79-4957-9EB8-8462F6B778EE}" srcOrd="1" destOrd="0" presId="urn:microsoft.com/office/officeart/2005/8/layout/hList7"/>
+    <dgm:cxn modelId="{21C1381A-5730-4EE5-9D16-AE392B03592B}" type="presParOf" srcId="{E0545172-3F79-4957-9EB8-8462F6B778EE}" destId="{E83A773F-9347-4F44-942D-D1E511034D26}" srcOrd="0" destOrd="0" presId="urn:microsoft.com/office/officeart/2005/8/layout/hList7"/>
+    <dgm:cxn modelId="{83727492-5AF2-4B83-8708-83831736F2CF}" type="presParOf" srcId="{E83A773F-9347-4F44-942D-D1E511034D26}" destId="{9DA2373B-2C93-4757-B244-C8D55C880082}" srcOrd="0" destOrd="0" presId="urn:microsoft.com/office/officeart/2005/8/layout/hList7"/>
+    <dgm:cxn modelId="{8D356730-D245-4073-A6E4-516014E7E196}" type="presParOf" srcId="{E83A773F-9347-4F44-942D-D1E511034D26}" destId="{B9698694-1695-4776-A208-6C3936420C05}" srcOrd="1" destOrd="0" presId="urn:microsoft.com/office/officeart/2005/8/layout/hList7"/>
+    <dgm:cxn modelId="{AD6BCAA7-1140-4B01-AAF8-692F9B8E8857}" type="presParOf" srcId="{E83A773F-9347-4F44-942D-D1E511034D26}" destId="{3C131B49-01FF-43FC-9C1D-27F7117D928E}" srcOrd="2" destOrd="0" presId="urn:microsoft.com/office/officeart/2005/8/layout/hList7"/>
+    <dgm:cxn modelId="{FF051AAA-51AE-4CD2-A935-C1B143C87516}" type="presParOf" srcId="{E83A773F-9347-4F44-942D-D1E511034D26}" destId="{D4EB00BB-5881-4D4A-AEC3-F8EBBD35B37F}" srcOrd="3" destOrd="0" presId="urn:microsoft.com/office/officeart/2005/8/layout/hList7"/>
+    <dgm:cxn modelId="{61003D62-AC8E-4AD4-A821-7FAEC7061C57}" type="presParOf" srcId="{E0545172-3F79-4957-9EB8-8462F6B778EE}" destId="{53D73AAE-F10E-4625-A0A9-A100D42A75CB}" srcOrd="1" destOrd="0" presId="urn:microsoft.com/office/officeart/2005/8/layout/hList7"/>
+    <dgm:cxn modelId="{0994C4EA-71BE-41E7-9BC5-34CF2564FF97}" type="presParOf" srcId="{E0545172-3F79-4957-9EB8-8462F6B778EE}" destId="{DA5D9ECF-49AA-46AA-B447-B4035C049BE4}" srcOrd="2" destOrd="0" presId="urn:microsoft.com/office/officeart/2005/8/layout/hList7"/>
+    <dgm:cxn modelId="{DDD1F42F-07CF-4592-ABB5-E2F2DF2BACD2}" type="presParOf" srcId="{DA5D9ECF-49AA-46AA-B447-B4035C049BE4}" destId="{FB620026-D40C-4000-A51C-CFC7629FD18A}" srcOrd="0" destOrd="0" presId="urn:microsoft.com/office/officeart/2005/8/layout/hList7"/>
+    <dgm:cxn modelId="{B70A37EF-C8A5-43AB-A6AF-5BB3C1FAC517}" type="presParOf" srcId="{DA5D9ECF-49AA-46AA-B447-B4035C049BE4}" destId="{0AD50BDB-9C7C-4093-9E93-968D31F71BCA}" srcOrd="1" destOrd="0" presId="urn:microsoft.com/office/officeart/2005/8/layout/hList7"/>
+    <dgm:cxn modelId="{0D6894A6-084C-45A6-B4A7-9A84F27AE93F}" type="presParOf" srcId="{DA5D9ECF-49AA-46AA-B447-B4035C049BE4}" destId="{F30DBA3D-D9FE-4F30-8F3B-B5057ADCB3C2}" srcOrd="2" destOrd="0" presId="urn:microsoft.com/office/officeart/2005/8/layout/hList7"/>
+    <dgm:cxn modelId="{08EBDF94-DBE3-4328-B9E4-714D1183F2AA}" type="presParOf" srcId="{DA5D9ECF-49AA-46AA-B447-B4035C049BE4}" destId="{78B85EB2-B637-4EB4-A139-C1748B11CB08}" srcOrd="3" destOrd="0" presId="urn:microsoft.com/office/officeart/2005/8/layout/hList7"/>
+    <dgm:cxn modelId="{EFEEA3DD-CDDB-4514-93CF-6D21667BAC25}" type="presParOf" srcId="{E0545172-3F79-4957-9EB8-8462F6B778EE}" destId="{1B2E1430-4D3C-44A0-B8D5-4551FA9127A4}" srcOrd="3" destOrd="0" presId="urn:microsoft.com/office/officeart/2005/8/layout/hList7"/>
+    <dgm:cxn modelId="{E95D2884-E2A2-4BD9-AD20-39CDB16448A1}" type="presParOf" srcId="{E0545172-3F79-4957-9EB8-8462F6B778EE}" destId="{C8029DF6-2FDC-42FA-87E8-EDBAB036087E}" srcOrd="4" destOrd="0" presId="urn:microsoft.com/office/officeart/2005/8/layout/hList7"/>
+    <dgm:cxn modelId="{D46910A4-8E75-4110-BC4E-D992F0AB8B62}" type="presParOf" srcId="{C8029DF6-2FDC-42FA-87E8-EDBAB036087E}" destId="{B0369BC4-A4EA-4E0C-9F03-4FF2B4EDFD77}" srcOrd="0" destOrd="0" presId="urn:microsoft.com/office/officeart/2005/8/layout/hList7"/>
+    <dgm:cxn modelId="{CDFBA2FA-0A07-40B6-9B4A-E4D152AA5276}" type="presParOf" srcId="{C8029DF6-2FDC-42FA-87E8-EDBAB036087E}" destId="{E4A78685-5900-4D8A-80C4-286B79564E7E}" srcOrd="1" destOrd="0" presId="urn:microsoft.com/office/officeart/2005/8/layout/hList7"/>
+    <dgm:cxn modelId="{0433C4A0-C03B-488C-B122-A6520B7206FC}" type="presParOf" srcId="{C8029DF6-2FDC-42FA-87E8-EDBAB036087E}" destId="{D47EF028-1D88-4643-9075-310EC2A83233}" srcOrd="2" destOrd="0" presId="urn:microsoft.com/office/officeart/2005/8/layout/hList7"/>
+    <dgm:cxn modelId="{B3E701A0-C719-45F9-B431-D06E9555FB0E}" type="presParOf" srcId="{C8029DF6-2FDC-42FA-87E8-EDBAB036087E}" destId="{130EC317-3B7B-4190-9859-AE03C6549611}" srcOrd="3" destOrd="0" presId="urn:microsoft.com/office/officeart/2005/8/layout/hList7"/>
+  </dgm:cxnLst>
+  <dgm:bg/>
+  <dgm:whole/>
+  <dgm:extLst>
+    <a:ext uri="http://schemas.microsoft.com/office/drawing/2008/diagram">
+      <dsp:dataModelExt xmlns:dsp="http://schemas.microsoft.com/office/drawing/2008/diagram" relId="rId6" minVer="http://schemas.openxmlformats.org/drawingml/2006/diagram"/>
+    </a:ext>
+  </dgm:extLst>
+</dgm:dataModel>
+</file>
+
+<file path=ppt/diagrams/data11.xml><?xml version="1.0" encoding="utf-8"?>
 <dgm:dataModel xmlns:dgm="http://schemas.openxmlformats.org/drawingml/2006/diagram" xmlns:a="http://schemas.openxmlformats.org/drawingml/2006/main">
   <dgm:ptLst>
     <dgm:pt modelId="{07D73F7D-F390-4968-9768-EB77D7C27648}" type="doc">
@@ -11827,22 +13016,22 @@
     </dgm:pt>
   </dgm:ptLst>
   <dgm:cxnLst>
+    <dgm:cxn modelId="{71D5DC09-0CB2-40BF-9D30-0F1CE3BC2608}" type="presOf" srcId="{44C5CD4F-38B1-4ABE-9FB4-E375B0D2D7BA}" destId="{857782CE-9EF5-482D-A255-FA6435D36FD4}" srcOrd="0" destOrd="0" presId="urn:microsoft.com/office/officeart/2005/8/layout/StepDownProcess"/>
+    <dgm:cxn modelId="{7E714C7E-443A-4A25-8785-93A653B094AD}" type="presOf" srcId="{439FDBA2-7B56-4297-9C71-F4785B94728D}" destId="{98D06650-83AE-4CB7-AAB9-E6D83F1A3F8F}" srcOrd="0" destOrd="0" presId="urn:microsoft.com/office/officeart/2005/8/layout/StepDownProcess"/>
+    <dgm:cxn modelId="{A53B117C-080A-4BCE-B3F4-8678F251DF1F}" srcId="{48ED9218-D9F0-40B9-BB7B-6165BA4C945C}" destId="{15A8DAF9-B112-4FFE-B542-6F1FC7A2B2AD}" srcOrd="0" destOrd="0" parTransId="{636543E9-4E6A-4F87-9F03-4A28AF59A2F9}" sibTransId="{359EFE5D-6E23-41E1-95CB-9F14B216B380}"/>
+    <dgm:cxn modelId="{BA645E57-FB4B-45AB-B63E-2134AE73AEE1}" srcId="{15A8DAF9-B112-4FFE-B542-6F1FC7A2B2AD}" destId="{44C5CD4F-38B1-4ABE-9FB4-E375B0D2D7BA}" srcOrd="0" destOrd="0" parTransId="{EC5BF510-63E9-41D3-9DD0-89906D7B0534}" sibTransId="{A5BF6842-A089-4EFF-A5AD-C3D7AB07682C}"/>
+    <dgm:cxn modelId="{6D099B38-E05C-4E9F-971B-71E05C819B90}" srcId="{ABCCDFF3-AFAC-48A4-8FCB-5EB1CB5007D3}" destId="{0E96758E-D482-4586-BF66-A7D0B3710DAC}" srcOrd="0" destOrd="0" parTransId="{0A0DFF73-1833-4A24-B92E-AD24F36CCF5B}" sibTransId="{698AFD27-2188-4C4D-9D15-10B0E56E7FAA}"/>
+    <dgm:cxn modelId="{F14F0B0F-1126-4139-8B90-0DD13651AE92}" srcId="{48ED9218-D9F0-40B9-BB7B-6165BA4C945C}" destId="{658CF994-C8A7-4DAB-AF95-27C7AA054CC7}" srcOrd="2" destOrd="0" parTransId="{328AC8D8-0964-4927-9F12-3FF00129D4E1}" sibTransId="{359200C2-80AD-4A91-A3EC-43F6526B5001}"/>
+    <dgm:cxn modelId="{6147EA2C-7444-43BE-80A6-B61B0FD7B534}" srcId="{ABCCDFF3-AFAC-48A4-8FCB-5EB1CB5007D3}" destId="{78CC5DE6-AF0F-4432-B9C6-D5C1893AC82E}" srcOrd="1" destOrd="0" parTransId="{95E98DC0-46EF-40ED-8A2D-FF30BD7A98CD}" sibTransId="{BD498A56-9C50-4715-858D-DFC7FBE8D3C4}"/>
     <dgm:cxn modelId="{8E02B828-AEB0-4F7F-A2F6-5AC9CC37D87C}" type="presOf" srcId="{15A8DAF9-B112-4FFE-B542-6F1FC7A2B2AD}" destId="{2C1AF177-BBE8-426D-ADEF-7C84A77BD87F}" srcOrd="0" destOrd="0" presId="urn:microsoft.com/office/officeart/2005/8/layout/StepDownProcess"/>
-    <dgm:cxn modelId="{492DFC65-B50C-44AE-888E-A5D27FCC7C7D}" type="presOf" srcId="{48ED9218-D9F0-40B9-BB7B-6165BA4C945C}" destId="{E115E8F5-8D9D-4C4C-800B-E947321BB37A}" srcOrd="0" destOrd="0" presId="urn:microsoft.com/office/officeart/2005/8/layout/StepDownProcess"/>
-    <dgm:cxn modelId="{BA645E57-FB4B-45AB-B63E-2134AE73AEE1}" srcId="{15A8DAF9-B112-4FFE-B542-6F1FC7A2B2AD}" destId="{44C5CD4F-38B1-4ABE-9FB4-E375B0D2D7BA}" srcOrd="0" destOrd="0" parTransId="{EC5BF510-63E9-41D3-9DD0-89906D7B0534}" sibTransId="{A5BF6842-A089-4EFF-A5AD-C3D7AB07682C}"/>
-    <dgm:cxn modelId="{F14F0B0F-1126-4139-8B90-0DD13651AE92}" srcId="{48ED9218-D9F0-40B9-BB7B-6165BA4C945C}" destId="{658CF994-C8A7-4DAB-AF95-27C7AA054CC7}" srcOrd="2" destOrd="0" parTransId="{328AC8D8-0964-4927-9F12-3FF00129D4E1}" sibTransId="{359200C2-80AD-4A91-A3EC-43F6526B5001}"/>
-    <dgm:cxn modelId="{7E714C7E-443A-4A25-8785-93A653B094AD}" type="presOf" srcId="{439FDBA2-7B56-4297-9C71-F4785B94728D}" destId="{98D06650-83AE-4CB7-AAB9-E6D83F1A3F8F}" srcOrd="0" destOrd="0" presId="urn:microsoft.com/office/officeart/2005/8/layout/StepDownProcess"/>
+    <dgm:cxn modelId="{4F897204-76CD-4CA9-B905-9C3F6F3C9A52}" type="presOf" srcId="{658CF994-C8A7-4DAB-AF95-27C7AA054CC7}" destId="{2FFD8078-1D1E-4CD7-9E4C-F8734B094FCC}" srcOrd="0" destOrd="0" presId="urn:microsoft.com/office/officeart/2005/8/layout/StepDownProcess"/>
+    <dgm:cxn modelId="{D3B81B05-463C-4E2E-B966-AD4CCB6B1CB9}" srcId="{15A8DAF9-B112-4FFE-B542-6F1FC7A2B2AD}" destId="{EAF07FD8-BAB8-4B04-B84E-2B422535D611}" srcOrd="1" destOrd="0" parTransId="{B69F5C29-0BD6-470D-8149-E4C9F7F1E8C0}" sibTransId="{3838F162-99CC-4FEC-944D-FAF964967C1E}"/>
     <dgm:cxn modelId="{DEEE4C0A-E112-4649-BF0D-58F60DE26237}" type="presOf" srcId="{EAF07FD8-BAB8-4B04-B84E-2B422535D611}" destId="{857782CE-9EF5-482D-A255-FA6435D36FD4}" srcOrd="0" destOrd="1" presId="urn:microsoft.com/office/officeart/2005/8/layout/StepDownProcess"/>
     <dgm:cxn modelId="{F3846E9B-D12F-4845-A4FF-C773F302EC76}" srcId="{48ED9218-D9F0-40B9-BB7B-6165BA4C945C}" destId="{ABCCDFF3-AFAC-48A4-8FCB-5EB1CB5007D3}" srcOrd="1" destOrd="0" parTransId="{034C365D-B1B2-43D6-B7DF-34C7AA1D5B20}" sibTransId="{334CC1EF-9D2A-4E0F-9FAF-E0B15450FB47}"/>
-    <dgm:cxn modelId="{6D099B38-E05C-4E9F-971B-71E05C819B90}" srcId="{ABCCDFF3-AFAC-48A4-8FCB-5EB1CB5007D3}" destId="{0E96758E-D482-4586-BF66-A7D0B3710DAC}" srcOrd="0" destOrd="0" parTransId="{0A0DFF73-1833-4A24-B92E-AD24F36CCF5B}" sibTransId="{698AFD27-2188-4C4D-9D15-10B0E56E7FAA}"/>
-    <dgm:cxn modelId="{6147EA2C-7444-43BE-80A6-B61B0FD7B534}" srcId="{ABCCDFF3-AFAC-48A4-8FCB-5EB1CB5007D3}" destId="{78CC5DE6-AF0F-4432-B9C6-D5C1893AC82E}" srcOrd="1" destOrd="0" parTransId="{95E98DC0-46EF-40ED-8A2D-FF30BD7A98CD}" sibTransId="{BD498A56-9C50-4715-858D-DFC7FBE8D3C4}"/>
-    <dgm:cxn modelId="{D3B81B05-463C-4E2E-B966-AD4CCB6B1CB9}" srcId="{15A8DAF9-B112-4FFE-B542-6F1FC7A2B2AD}" destId="{EAF07FD8-BAB8-4B04-B84E-2B422535D611}" srcOrd="1" destOrd="0" parTransId="{B69F5C29-0BD6-470D-8149-E4C9F7F1E8C0}" sibTransId="{3838F162-99CC-4FEC-944D-FAF964967C1E}"/>
+    <dgm:cxn modelId="{1C2012D6-9747-4F0F-8169-A7CF1E30F2FD}" type="presOf" srcId="{ABCCDFF3-AFAC-48A4-8FCB-5EB1CB5007D3}" destId="{13590236-58B0-4B42-ACBA-1FD26B32FBB5}" srcOrd="0" destOrd="0" presId="urn:microsoft.com/office/officeart/2005/8/layout/StepDownProcess"/>
+    <dgm:cxn modelId="{492DFC65-B50C-44AE-888E-A5D27FCC7C7D}" type="presOf" srcId="{48ED9218-D9F0-40B9-BB7B-6165BA4C945C}" destId="{E115E8F5-8D9D-4C4C-800B-E947321BB37A}" srcOrd="0" destOrd="0" presId="urn:microsoft.com/office/officeart/2005/8/layout/StepDownProcess"/>
+    <dgm:cxn modelId="{5121F184-2E8F-4E58-94D9-00FC5D0C5D84}" type="presOf" srcId="{78CC5DE6-AF0F-4432-B9C6-D5C1893AC82E}" destId="{ADD4E4F7-3CBE-44AD-B10D-0399B1029DA3}" srcOrd="0" destOrd="1" presId="urn:microsoft.com/office/officeart/2005/8/layout/StepDownProcess"/>
     <dgm:cxn modelId="{E5617D5B-E3F0-40ED-B9A9-A4F6B19EEBA2}" srcId="{658CF994-C8A7-4DAB-AF95-27C7AA054CC7}" destId="{439FDBA2-7B56-4297-9C71-F4785B94728D}" srcOrd="0" destOrd="0" parTransId="{DADE535C-345E-4068-887F-6E44D32A3688}" sibTransId="{BF1ACE0C-10E9-48F3-826C-59D8F00FB42A}"/>
-    <dgm:cxn modelId="{71D5DC09-0CB2-40BF-9D30-0F1CE3BC2608}" type="presOf" srcId="{44C5CD4F-38B1-4ABE-9FB4-E375B0D2D7BA}" destId="{857782CE-9EF5-482D-A255-FA6435D36FD4}" srcOrd="0" destOrd="0" presId="urn:microsoft.com/office/officeart/2005/8/layout/StepDownProcess"/>
-    <dgm:cxn modelId="{4F897204-76CD-4CA9-B905-9C3F6F3C9A52}" type="presOf" srcId="{658CF994-C8A7-4DAB-AF95-27C7AA054CC7}" destId="{2FFD8078-1D1E-4CD7-9E4C-F8734B094FCC}" srcOrd="0" destOrd="0" presId="urn:microsoft.com/office/officeart/2005/8/layout/StepDownProcess"/>
-    <dgm:cxn modelId="{5121F184-2E8F-4E58-94D9-00FC5D0C5D84}" type="presOf" srcId="{78CC5DE6-AF0F-4432-B9C6-D5C1893AC82E}" destId="{ADD4E4F7-3CBE-44AD-B10D-0399B1029DA3}" srcOrd="0" destOrd="1" presId="urn:microsoft.com/office/officeart/2005/8/layout/StepDownProcess"/>
-    <dgm:cxn modelId="{A53B117C-080A-4BCE-B3F4-8678F251DF1F}" srcId="{48ED9218-D9F0-40B9-BB7B-6165BA4C945C}" destId="{15A8DAF9-B112-4FFE-B542-6F1FC7A2B2AD}" srcOrd="0" destOrd="0" parTransId="{636543E9-4E6A-4F87-9F03-4A28AF59A2F9}" sibTransId="{359EFE5D-6E23-41E1-95CB-9F14B216B380}"/>
-    <dgm:cxn modelId="{1C2012D6-9747-4F0F-8169-A7CF1E30F2FD}" type="presOf" srcId="{ABCCDFF3-AFAC-48A4-8FCB-5EB1CB5007D3}" destId="{13590236-58B0-4B42-ACBA-1FD26B32FBB5}" srcOrd="0" destOrd="0" presId="urn:microsoft.com/office/officeart/2005/8/layout/StepDownProcess"/>
     <dgm:cxn modelId="{C2932C3E-1D23-44F7-AB31-7A9F8390FE56}" type="presOf" srcId="{0E96758E-D482-4586-BF66-A7D0B3710DAC}" destId="{ADD4E4F7-3CBE-44AD-B10D-0399B1029DA3}" srcOrd="0" destOrd="0" presId="urn:microsoft.com/office/officeart/2005/8/layout/StepDownProcess"/>
     <dgm:cxn modelId="{40D352B9-9250-4CAC-BA11-EF440D42CEF1}" type="presParOf" srcId="{E115E8F5-8D9D-4C4C-800B-E947321BB37A}" destId="{8FA832B4-9340-4AA1-8B69-F8BE19875B96}" srcOrd="0" destOrd="0" presId="urn:microsoft.com/office/officeart/2005/8/layout/StepDownProcess"/>
     <dgm:cxn modelId="{2D75BF78-2F7F-4A76-B6FE-5A52392D6D71}" type="presParOf" srcId="{8FA832B4-9340-4AA1-8B69-F8BE19875B96}" destId="{AC005A3D-92E0-4EEA-97B4-9DFE9CD8B925}" srcOrd="0" destOrd="0" presId="urn:microsoft.com/office/officeart/2005/8/layout/StepDownProcess"/>
@@ -12374,329 +13563,6 @@
         </a:p>
       </dgm:t>
     </dgm:pt>
-    <dgm:pt modelId="{CF88069F-70F2-47E8-9371-9A5EBC8E218B}">
-      <dgm:prSet phldrT="[Text]" custT="1"/>
-      <dgm:spPr/>
-      <dgm:t>
-        <a:bodyPr/>
-        <a:lstStyle/>
-        <a:p>
-          <a:r>
-            <a:rPr lang="en-US" sz="2000" dirty="0"/>
-            <a:t>Service Factory</a:t>
-          </a:r>
-        </a:p>
-      </dgm:t>
-    </dgm:pt>
-    <dgm:pt modelId="{97D92E1C-B3E2-44E4-89E3-9D9971A67C97}" type="parTrans" cxnId="{18E2C183-630C-4421-B5E4-666EDE25DFE0}">
-      <dgm:prSet/>
-      <dgm:spPr/>
-      <dgm:t>
-        <a:bodyPr/>
-        <a:lstStyle/>
-        <a:p>
-          <a:endParaRPr lang="en-US"/>
-        </a:p>
-      </dgm:t>
-    </dgm:pt>
-    <dgm:pt modelId="{EA8FA836-2567-43C4-802B-3D6F0EA8C1AE}" type="sibTrans" cxnId="{18E2C183-630C-4421-B5E4-666EDE25DFE0}">
-      <dgm:prSet/>
-      <dgm:spPr/>
-      <dgm:t>
-        <a:bodyPr/>
-        <a:lstStyle/>
-        <a:p>
-          <a:endParaRPr lang="en-US"/>
-        </a:p>
-      </dgm:t>
-    </dgm:pt>
-    <dgm:pt modelId="{5E457374-A63F-4734-BFE1-C6FA7EDFE1E8}">
-      <dgm:prSet phldrT="[Text]" custT="1"/>
-      <dgm:spPr/>
-      <dgm:t>
-        <a:bodyPr/>
-        <a:lstStyle/>
-        <a:p>
-          <a:r>
-            <a:rPr lang="en-US" sz="1400" b="1" dirty="0"/>
-            <a:t>UI-Model</a:t>
-          </a:r>
-        </a:p>
-      </dgm:t>
-    </dgm:pt>
-    <dgm:pt modelId="{BB2A0981-47A9-4D71-AD79-5AE7CAE95A1E}" type="parTrans" cxnId="{3A718CB6-AFB4-4E9A-B791-A068F74BEF04}">
-      <dgm:prSet/>
-      <dgm:spPr/>
-      <dgm:t>
-        <a:bodyPr/>
-        <a:lstStyle/>
-        <a:p>
-          <a:endParaRPr lang="en-US"/>
-        </a:p>
-      </dgm:t>
-    </dgm:pt>
-    <dgm:pt modelId="{590CA93D-27BD-4206-9F2D-33277789716B}" type="sibTrans" cxnId="{3A718CB6-AFB4-4E9A-B791-A068F74BEF04}">
-      <dgm:prSet/>
-      <dgm:spPr/>
-      <dgm:t>
-        <a:bodyPr/>
-        <a:lstStyle/>
-        <a:p>
-          <a:endParaRPr lang="en-US"/>
-        </a:p>
-      </dgm:t>
-    </dgm:pt>
-    <dgm:pt modelId="{73AB4051-E36B-4715-ABBD-C8D09AE2532A}">
-      <dgm:prSet phldrT="[Text]" custT="1"/>
-      <dgm:spPr>
-        <a:solidFill>
-          <a:schemeClr val="accent4">
-            <a:lumMod val="75000"/>
-          </a:schemeClr>
-        </a:solidFill>
-      </dgm:spPr>
-      <dgm:t>
-        <a:bodyPr/>
-        <a:lstStyle/>
-        <a:p>
-          <a:r>
-            <a:rPr lang="en-US" sz="1400" dirty="0" err="1"/>
-            <a:t>ParticipantService</a:t>
-          </a:r>
-          <a:endParaRPr lang="en-US" sz="1400" dirty="0"/>
-        </a:p>
-      </dgm:t>
-    </dgm:pt>
-    <dgm:pt modelId="{9EE02884-37A4-45E5-A5ED-4D4F89747199}" type="parTrans" cxnId="{C48DCF0A-39A7-41BA-A0B2-40B37B8DE18C}">
-      <dgm:prSet/>
-      <dgm:spPr/>
-      <dgm:t>
-        <a:bodyPr/>
-        <a:lstStyle/>
-        <a:p>
-          <a:endParaRPr lang="en-US"/>
-        </a:p>
-      </dgm:t>
-    </dgm:pt>
-    <dgm:pt modelId="{7A2DCB62-F905-4CA5-90A4-ADB535C1DB29}" type="sibTrans" cxnId="{C48DCF0A-39A7-41BA-A0B2-40B37B8DE18C}">
-      <dgm:prSet/>
-      <dgm:spPr/>
-      <dgm:t>
-        <a:bodyPr/>
-        <a:lstStyle/>
-        <a:p>
-          <a:endParaRPr lang="en-US"/>
-        </a:p>
-      </dgm:t>
-    </dgm:pt>
-    <dgm:pt modelId="{57FDB135-01F9-4E17-B250-CE83FDA87FAF}">
-      <dgm:prSet phldrT="[Text]" custT="1"/>
-      <dgm:spPr>
-        <a:solidFill>
-          <a:schemeClr val="accent4">
-            <a:lumMod val="75000"/>
-          </a:schemeClr>
-        </a:solidFill>
-      </dgm:spPr>
-      <dgm:t>
-        <a:bodyPr/>
-        <a:lstStyle/>
-        <a:p>
-          <a:r>
-            <a:rPr lang="en-US" sz="1400" dirty="0" err="1"/>
-            <a:t>LectureService</a:t>
-          </a:r>
-          <a:endParaRPr lang="en-US" sz="1400" dirty="0"/>
-        </a:p>
-      </dgm:t>
-    </dgm:pt>
-    <dgm:pt modelId="{67E7BED5-0241-43D9-8771-BB47D480CE9C}" type="parTrans" cxnId="{CEE0029E-82BF-47ED-AF65-9A1463750216}">
-      <dgm:prSet/>
-      <dgm:spPr/>
-      <dgm:t>
-        <a:bodyPr/>
-        <a:lstStyle/>
-        <a:p>
-          <a:endParaRPr lang="en-US"/>
-        </a:p>
-      </dgm:t>
-    </dgm:pt>
-    <dgm:pt modelId="{B1D6D64B-4094-4B07-A305-CFEF1F815058}" type="sibTrans" cxnId="{CEE0029E-82BF-47ED-AF65-9A1463750216}">
-      <dgm:prSet/>
-      <dgm:spPr/>
-      <dgm:t>
-        <a:bodyPr/>
-        <a:lstStyle/>
-        <a:p>
-          <a:endParaRPr lang="en-US"/>
-        </a:p>
-      </dgm:t>
-    </dgm:pt>
-    <dgm:pt modelId="{6C9AA312-337C-45E8-84B5-3B309A48A741}">
-      <dgm:prSet custT="1"/>
-      <dgm:spPr>
-        <a:solidFill>
-          <a:schemeClr val="accent1">
-            <a:lumMod val="75000"/>
-          </a:schemeClr>
-        </a:solidFill>
-      </dgm:spPr>
-      <dgm:t>
-        <a:bodyPr/>
-        <a:lstStyle/>
-        <a:p>
-          <a:r>
-            <a:rPr lang="en-US" sz="1400" dirty="0" err="1"/>
-            <a:t>LectureDAL</a:t>
-          </a:r>
-          <a:endParaRPr lang="en-US" sz="1400" dirty="0"/>
-        </a:p>
-      </dgm:t>
-    </dgm:pt>
-    <dgm:pt modelId="{E6EED9D2-C644-4BD6-B71F-C7758D99CEDE}" type="parTrans" cxnId="{F10992E9-735D-4C20-84B7-2AC133FA4984}">
-      <dgm:prSet/>
-      <dgm:spPr/>
-      <dgm:t>
-        <a:bodyPr/>
-        <a:lstStyle/>
-        <a:p>
-          <a:endParaRPr lang="en-US"/>
-        </a:p>
-      </dgm:t>
-    </dgm:pt>
-    <dgm:pt modelId="{75A88095-092D-4477-9BE7-4A6A2EECCC9F}" type="sibTrans" cxnId="{F10992E9-735D-4C20-84B7-2AC133FA4984}">
-      <dgm:prSet/>
-      <dgm:spPr/>
-      <dgm:t>
-        <a:bodyPr/>
-        <a:lstStyle/>
-        <a:p>
-          <a:endParaRPr lang="en-US"/>
-        </a:p>
-      </dgm:t>
-    </dgm:pt>
-    <dgm:pt modelId="{FA4172B4-8531-419C-A57A-EFC956BD29D0}">
-      <dgm:prSet custT="1"/>
-      <dgm:spPr>
-        <a:solidFill>
-          <a:schemeClr val="accent1">
-            <a:lumMod val="75000"/>
-          </a:schemeClr>
-        </a:solidFill>
-      </dgm:spPr>
-      <dgm:t>
-        <a:bodyPr/>
-        <a:lstStyle/>
-        <a:p>
-          <a:r>
-            <a:rPr lang="en-US" sz="1400" dirty="0" err="1"/>
-            <a:t>ParticipantDAL</a:t>
-          </a:r>
-          <a:endParaRPr lang="en-US" sz="1400" dirty="0"/>
-        </a:p>
-      </dgm:t>
-    </dgm:pt>
-    <dgm:pt modelId="{6C210D29-F5FC-40BB-A0E2-F080DC4AE099}" type="parTrans" cxnId="{630BFAA6-E703-4088-A256-D36CE0A35937}">
-      <dgm:prSet/>
-      <dgm:spPr/>
-      <dgm:t>
-        <a:bodyPr/>
-        <a:lstStyle/>
-        <a:p>
-          <a:endParaRPr lang="en-US"/>
-        </a:p>
-      </dgm:t>
-    </dgm:pt>
-    <dgm:pt modelId="{98E6ECE5-47EF-4536-8689-6AF54DA69EB1}" type="sibTrans" cxnId="{630BFAA6-E703-4088-A256-D36CE0A35937}">
-      <dgm:prSet/>
-      <dgm:spPr/>
-      <dgm:t>
-        <a:bodyPr/>
-        <a:lstStyle/>
-        <a:p>
-          <a:endParaRPr lang="en-US"/>
-        </a:p>
-      </dgm:t>
-    </dgm:pt>
-    <dgm:pt modelId="{4F327E6D-1EE2-43BA-9EB0-3BDD08917D2D}">
-      <dgm:prSet custT="1"/>
-      <dgm:spPr>
-        <a:solidFill>
-          <a:schemeClr val="accent4">
-            <a:lumMod val="75000"/>
-          </a:schemeClr>
-        </a:solidFill>
-      </dgm:spPr>
-      <dgm:t>
-        <a:bodyPr/>
-        <a:lstStyle/>
-        <a:p>
-          <a:r>
-            <a:rPr lang="en-US" sz="1200" dirty="0"/>
-            <a:t>Validation</a:t>
-          </a:r>
-        </a:p>
-      </dgm:t>
-    </dgm:pt>
-    <dgm:pt modelId="{F9D69698-CAB4-49A2-9771-74C38FFB01A2}" type="parTrans" cxnId="{BFBD627F-EFD4-47C6-9EE4-6840D908856F}">
-      <dgm:prSet/>
-      <dgm:spPr/>
-      <dgm:t>
-        <a:bodyPr/>
-        <a:lstStyle/>
-        <a:p>
-          <a:endParaRPr lang="en-US"/>
-        </a:p>
-      </dgm:t>
-    </dgm:pt>
-    <dgm:pt modelId="{E7504EFD-B6DD-4F16-A779-194D941C044F}" type="sibTrans" cxnId="{BFBD627F-EFD4-47C6-9EE4-6840D908856F}">
-      <dgm:prSet/>
-      <dgm:spPr/>
-      <dgm:t>
-        <a:bodyPr/>
-        <a:lstStyle/>
-        <a:p>
-          <a:endParaRPr lang="en-US"/>
-        </a:p>
-      </dgm:t>
-    </dgm:pt>
-    <dgm:pt modelId="{9606F7DD-BBE7-48CA-9E43-9B508EFCCF59}">
-      <dgm:prSet custT="1"/>
-      <dgm:spPr/>
-      <dgm:t>
-        <a:bodyPr/>
-        <a:lstStyle/>
-        <a:p>
-          <a:r>
-            <a:rPr lang="en-US" sz="1400" dirty="0" err="1"/>
-            <a:t>OtherDAL</a:t>
-          </a:r>
-          <a:endParaRPr lang="en-US" sz="1400" dirty="0"/>
-        </a:p>
-      </dgm:t>
-    </dgm:pt>
-    <dgm:pt modelId="{0664E9E0-8BEB-4027-8DB5-42FE90ECBA78}" type="parTrans" cxnId="{5C5ABEC9-42F7-4F94-8C93-DD1FC6EAE05F}">
-      <dgm:prSet/>
-      <dgm:spPr/>
-      <dgm:t>
-        <a:bodyPr/>
-        <a:lstStyle/>
-        <a:p>
-          <a:endParaRPr lang="en-US"/>
-        </a:p>
-      </dgm:t>
-    </dgm:pt>
-    <dgm:pt modelId="{45974718-2A28-43F1-835B-9D84C0D14E73}" type="sibTrans" cxnId="{5C5ABEC9-42F7-4F94-8C93-DD1FC6EAE05F}">
-      <dgm:prSet/>
-      <dgm:spPr/>
-      <dgm:t>
-        <a:bodyPr/>
-        <a:lstStyle/>
-        <a:p>
-          <a:endParaRPr lang="en-US"/>
-        </a:p>
-      </dgm:t>
-    </dgm:pt>
     <dgm:pt modelId="{AB31CB9F-72A0-44D8-A269-D8DD5ED9CD19}" type="pres">
       <dgm:prSet presAssocID="{FAAFE623-5DC3-47C8-AEA8-FCA7368F475B}" presName="Name0" presStyleCnt="0">
         <dgm:presLayoutVars>
@@ -12709,144 +13575,15 @@
       </dgm:prSet>
       <dgm:spPr/>
     </dgm:pt>
-    <dgm:pt modelId="{34117317-30F9-4207-8DD6-F9B365E3E710}" type="pres">
-      <dgm:prSet presAssocID="{CF88069F-70F2-47E8-9371-9A5EBC8E218B}" presName="textCenter" presStyleLbl="node1" presStyleIdx="0" presStyleCnt="8" custScaleX="201614" custLinFactNeighborX="-2474" custLinFactNeighborY="-93140"/>
-      <dgm:spPr/>
-    </dgm:pt>
-    <dgm:pt modelId="{FEC972A7-E746-4E5C-891A-0265284E638B}" type="pres">
-      <dgm:prSet presAssocID="{CF88069F-70F2-47E8-9371-9A5EBC8E218B}" presName="cycle_1" presStyleCnt="0"/>
-      <dgm:spPr/>
-    </dgm:pt>
-    <dgm:pt modelId="{931F0AFC-CABD-4C87-8997-1828274455EA}" type="pres">
-      <dgm:prSet presAssocID="{5E457374-A63F-4734-BFE1-C6FA7EDFE1E8}" presName="childCenter1" presStyleLbl="node1" presStyleIdx="1" presStyleCnt="8" custScaleX="141257" custLinFactNeighborX="85" custLinFactNeighborY="-21505"/>
-      <dgm:spPr/>
-    </dgm:pt>
-    <dgm:pt modelId="{0029EE30-99A9-4ACA-9401-D10F9A46E4E5}" type="pres">
-      <dgm:prSet presAssocID="{BB2A0981-47A9-4D71-AD79-5AE7CAE95A1E}" presName="Name144" presStyleLbl="parChTrans1D2" presStyleIdx="0" presStyleCnt="3"/>
-      <dgm:spPr/>
-    </dgm:pt>
-    <dgm:pt modelId="{3AE6F8CF-A216-4896-B8F4-800EAB4CA126}" type="pres">
-      <dgm:prSet presAssocID="{CF88069F-70F2-47E8-9371-9A5EBC8E218B}" presName="cycle_2" presStyleCnt="0"/>
-      <dgm:spPr/>
-    </dgm:pt>
-    <dgm:pt modelId="{C7BD3B65-A658-4171-9926-97856AFFC483}" type="pres">
-      <dgm:prSet presAssocID="{73AB4051-E36B-4715-ABBD-C8D09AE2532A}" presName="childCenter2" presStyleLbl="node1" presStyleIdx="2" presStyleCnt="8" custScaleX="219969" custLinFactNeighborX="38818" custLinFactNeighborY="-15919"/>
-      <dgm:spPr/>
-    </dgm:pt>
-    <dgm:pt modelId="{30544185-3D79-4597-AA1C-AAE1A22E0024}" type="pres">
-      <dgm:prSet presAssocID="{0664E9E0-8BEB-4027-8DB5-42FE90ECBA78}" presName="Name218" presStyleLbl="parChTrans1D3" presStyleIdx="0" presStyleCnt="4"/>
-      <dgm:spPr/>
-    </dgm:pt>
-    <dgm:pt modelId="{1417C9D0-0C0D-47F6-9ADE-BF8BF541D001}" type="pres">
-      <dgm:prSet presAssocID="{9606F7DD-BBE7-48CA-9E43-9B508EFCCF59}" presName="text2" presStyleLbl="node1" presStyleIdx="3" presStyleCnt="8" custScaleX="139935" custRadScaleRad="167054" custRadScaleInc="150946">
-        <dgm:presLayoutVars>
-          <dgm:bulletEnabled val="1"/>
-        </dgm:presLayoutVars>
-      </dgm:prSet>
-      <dgm:spPr/>
-    </dgm:pt>
-    <dgm:pt modelId="{BE40EC45-9D70-458A-823C-D37069004C48}" type="pres">
-      <dgm:prSet presAssocID="{6C210D29-F5FC-40BB-A0E2-F080DC4AE099}" presName="Name218" presStyleLbl="parChTrans1D3" presStyleIdx="1" presStyleCnt="4"/>
-      <dgm:spPr/>
-    </dgm:pt>
-    <dgm:pt modelId="{E0FC7542-81EA-4CDC-A1E2-52CD3151F316}" type="pres">
-      <dgm:prSet presAssocID="{FA4172B4-8531-419C-A57A-EFC956BD29D0}" presName="text2" presStyleLbl="node1" presStyleIdx="4" presStyleCnt="8" custScaleX="177026" custRadScaleRad="89806" custRadScaleInc="68475">
-        <dgm:presLayoutVars>
-          <dgm:bulletEnabled val="1"/>
-        </dgm:presLayoutVars>
-      </dgm:prSet>
-      <dgm:spPr/>
-    </dgm:pt>
-    <dgm:pt modelId="{5086B03C-8A4C-4146-892A-3607E0D0784A}" type="pres">
-      <dgm:prSet presAssocID="{F9D69698-CAB4-49A2-9771-74C38FFB01A2}" presName="Name218" presStyleLbl="parChTrans1D3" presStyleIdx="2" presStyleCnt="4"/>
-      <dgm:spPr/>
-    </dgm:pt>
-    <dgm:pt modelId="{2F4F44BE-3A73-445E-8E95-31F0F5C677CB}" type="pres">
-      <dgm:prSet presAssocID="{4F327E6D-1EE2-43BA-9EB0-3BDD08917D2D}" presName="text2" presStyleLbl="node1" presStyleIdx="5" presStyleCnt="8" custScaleX="148610" custRadScaleRad="97783" custRadScaleInc="104765">
-        <dgm:presLayoutVars>
-          <dgm:bulletEnabled val="1"/>
-        </dgm:presLayoutVars>
-      </dgm:prSet>
-      <dgm:spPr/>
-    </dgm:pt>
-    <dgm:pt modelId="{8AAFC746-5C25-4676-9002-7E295E4FC35D}" type="pres">
-      <dgm:prSet presAssocID="{9EE02884-37A4-45E5-A5ED-4D4F89747199}" presName="Name221" presStyleLbl="parChTrans1D2" presStyleIdx="1" presStyleCnt="3"/>
-      <dgm:spPr/>
-    </dgm:pt>
-    <dgm:pt modelId="{43190BF1-D1C3-4B5B-8090-CCBFAB4CBEA9}" type="pres">
-      <dgm:prSet presAssocID="{CF88069F-70F2-47E8-9371-9A5EBC8E218B}" presName="cycle_3" presStyleCnt="0"/>
-      <dgm:spPr/>
-    </dgm:pt>
-    <dgm:pt modelId="{746B77A9-9790-4C8D-8C2C-5B3E397CF404}" type="pres">
-      <dgm:prSet presAssocID="{57FDB135-01F9-4E17-B250-CE83FDA87FAF}" presName="childCenter3" presStyleLbl="node1" presStyleIdx="6" presStyleCnt="8" custScaleX="178792" custLinFactNeighborX="-41833" custLinFactNeighborY="865"/>
-      <dgm:spPr/>
-    </dgm:pt>
-    <dgm:pt modelId="{819724BE-D2AD-440E-9667-338BFC30A3A1}" type="pres">
-      <dgm:prSet presAssocID="{E6EED9D2-C644-4BD6-B71F-C7758D99CEDE}" presName="Name285" presStyleLbl="parChTrans1D3" presStyleIdx="3" presStyleCnt="4"/>
-      <dgm:spPr/>
-    </dgm:pt>
-    <dgm:pt modelId="{0BF2BC5F-9205-41B0-948B-04C6BEAF1321}" type="pres">
-      <dgm:prSet presAssocID="{6C9AA312-337C-45E8-84B5-3B309A48A741}" presName="text3" presStyleLbl="node1" presStyleIdx="7" presStyleCnt="8" custScaleX="151293" custRadScaleRad="115277" custRadScaleInc="-23994">
-        <dgm:presLayoutVars>
-          <dgm:bulletEnabled val="1"/>
-        </dgm:presLayoutVars>
-      </dgm:prSet>
-      <dgm:spPr/>
-    </dgm:pt>
-    <dgm:pt modelId="{A187A018-A2FE-4E0E-ABC9-2F460E775545}" type="pres">
-      <dgm:prSet presAssocID="{67E7BED5-0241-43D9-8771-BB47D480CE9C}" presName="Name288" presStyleLbl="parChTrans1D2" presStyleIdx="2" presStyleCnt="3"/>
-      <dgm:spPr/>
-    </dgm:pt>
   </dgm:ptLst>
   <dgm:cxnLst>
-    <dgm:cxn modelId="{773D487B-C7A2-4D69-BA33-8E5F97A1BC04}" type="presOf" srcId="{67E7BED5-0241-43D9-8771-BB47D480CE9C}" destId="{A187A018-A2FE-4E0E-ABC9-2F460E775545}" srcOrd="0" destOrd="0" presId="urn:microsoft.com/office/officeart/2008/layout/RadialCluster"/>
-    <dgm:cxn modelId="{5C5ABEC9-42F7-4F94-8C93-DD1FC6EAE05F}" srcId="{73AB4051-E36B-4715-ABBD-C8D09AE2532A}" destId="{9606F7DD-BBE7-48CA-9E43-9B508EFCCF59}" srcOrd="0" destOrd="0" parTransId="{0664E9E0-8BEB-4027-8DB5-42FE90ECBA78}" sibTransId="{45974718-2A28-43F1-835B-9D84C0D14E73}"/>
-    <dgm:cxn modelId="{895714BE-A446-490E-8DA5-32CF12796869}" type="presOf" srcId="{57FDB135-01F9-4E17-B250-CE83FDA87FAF}" destId="{746B77A9-9790-4C8D-8C2C-5B3E397CF404}" srcOrd="0" destOrd="0" presId="urn:microsoft.com/office/officeart/2008/layout/RadialCluster"/>
-    <dgm:cxn modelId="{CEE0029E-82BF-47ED-AF65-9A1463750216}" srcId="{CF88069F-70F2-47E8-9371-9A5EBC8E218B}" destId="{57FDB135-01F9-4E17-B250-CE83FDA87FAF}" srcOrd="2" destOrd="0" parTransId="{67E7BED5-0241-43D9-8771-BB47D480CE9C}" sibTransId="{B1D6D64B-4094-4B07-A305-CFEF1F815058}"/>
-    <dgm:cxn modelId="{3F9580D4-781C-44AB-9F2E-33F06987B3DA}" type="presOf" srcId="{73AB4051-E36B-4715-ABBD-C8D09AE2532A}" destId="{C7BD3B65-A658-4171-9926-97856AFFC483}" srcOrd="0" destOrd="0" presId="urn:microsoft.com/office/officeart/2008/layout/RadialCluster"/>
-    <dgm:cxn modelId="{548D07AB-D536-4283-8067-266A67F0A102}" type="presOf" srcId="{E6EED9D2-C644-4BD6-B71F-C7758D99CEDE}" destId="{819724BE-D2AD-440E-9667-338BFC30A3A1}" srcOrd="0" destOrd="0" presId="urn:microsoft.com/office/officeart/2008/layout/RadialCluster"/>
-    <dgm:cxn modelId="{C48DCF0A-39A7-41BA-A0B2-40B37B8DE18C}" srcId="{CF88069F-70F2-47E8-9371-9A5EBC8E218B}" destId="{73AB4051-E36B-4715-ABBD-C8D09AE2532A}" srcOrd="1" destOrd="0" parTransId="{9EE02884-37A4-45E5-A5ED-4D4F89747199}" sibTransId="{7A2DCB62-F905-4CA5-90A4-ADB535C1DB29}"/>
-    <dgm:cxn modelId="{BFBD627F-EFD4-47C6-9EE4-6840D908856F}" srcId="{73AB4051-E36B-4715-ABBD-C8D09AE2532A}" destId="{4F327E6D-1EE2-43BA-9EB0-3BDD08917D2D}" srcOrd="2" destOrd="0" parTransId="{F9D69698-CAB4-49A2-9771-74C38FFB01A2}" sibTransId="{E7504EFD-B6DD-4F16-A779-194D941C044F}"/>
-    <dgm:cxn modelId="{3A718CB6-AFB4-4E9A-B791-A068F74BEF04}" srcId="{CF88069F-70F2-47E8-9371-9A5EBC8E218B}" destId="{5E457374-A63F-4734-BFE1-C6FA7EDFE1E8}" srcOrd="0" destOrd="0" parTransId="{BB2A0981-47A9-4D71-AD79-5AE7CAE95A1E}" sibTransId="{590CA93D-27BD-4206-9F2D-33277789716B}"/>
-    <dgm:cxn modelId="{D97CDA3E-6A93-47E2-B6E4-E9E6407E5B9D}" type="presOf" srcId="{5E457374-A63F-4734-BFE1-C6FA7EDFE1E8}" destId="{931F0AFC-CABD-4C87-8997-1828274455EA}" srcOrd="0" destOrd="0" presId="urn:microsoft.com/office/officeart/2008/layout/RadialCluster"/>
-    <dgm:cxn modelId="{BD4DFF39-24CB-464A-98D6-1CF66856B062}" type="presOf" srcId="{4F327E6D-1EE2-43BA-9EB0-3BDD08917D2D}" destId="{2F4F44BE-3A73-445E-8E95-31F0F5C677CB}" srcOrd="0" destOrd="0" presId="urn:microsoft.com/office/officeart/2008/layout/RadialCluster"/>
-    <dgm:cxn modelId="{A9BF8695-969C-4912-9A77-31756540DA3A}" type="presOf" srcId="{CF88069F-70F2-47E8-9371-9A5EBC8E218B}" destId="{34117317-30F9-4207-8DD6-F9B365E3E710}" srcOrd="0" destOrd="0" presId="urn:microsoft.com/office/officeart/2008/layout/RadialCluster"/>
-    <dgm:cxn modelId="{0FB1F35E-18E9-4DF1-A6BE-EB99DD7BF355}" type="presOf" srcId="{F9D69698-CAB4-49A2-9771-74C38FFB01A2}" destId="{5086B03C-8A4C-4146-892A-3607E0D0784A}" srcOrd="0" destOrd="0" presId="urn:microsoft.com/office/officeart/2008/layout/RadialCluster"/>
-    <dgm:cxn modelId="{FD32A16B-78E9-4E2E-8CCC-8C2ECF56F643}" type="presOf" srcId="{6C9AA312-337C-45E8-84B5-3B309A48A741}" destId="{0BF2BC5F-9205-41B0-948B-04C6BEAF1321}" srcOrd="0" destOrd="0" presId="urn:microsoft.com/office/officeart/2008/layout/RadialCluster"/>
-    <dgm:cxn modelId="{C3AE1B54-DC6B-43E3-89A1-338E48759C35}" type="presOf" srcId="{BB2A0981-47A9-4D71-AD79-5AE7CAE95A1E}" destId="{0029EE30-99A9-4ACA-9401-D10F9A46E4E5}" srcOrd="0" destOrd="0" presId="urn:microsoft.com/office/officeart/2008/layout/RadialCluster"/>
-    <dgm:cxn modelId="{18E2C183-630C-4421-B5E4-666EDE25DFE0}" srcId="{FAAFE623-5DC3-47C8-AEA8-FCA7368F475B}" destId="{CF88069F-70F2-47E8-9371-9A5EBC8E218B}" srcOrd="0" destOrd="0" parTransId="{97D92E1C-B3E2-44E4-89E3-9D9971A67C97}" sibTransId="{EA8FA836-2567-43C4-802B-3D6F0EA8C1AE}"/>
-    <dgm:cxn modelId="{F10992E9-735D-4C20-84B7-2AC133FA4984}" srcId="{57FDB135-01F9-4E17-B250-CE83FDA87FAF}" destId="{6C9AA312-337C-45E8-84B5-3B309A48A741}" srcOrd="0" destOrd="0" parTransId="{E6EED9D2-C644-4BD6-B71F-C7758D99CEDE}" sibTransId="{75A88095-092D-4477-9BE7-4A6A2EECCC9F}"/>
-    <dgm:cxn modelId="{C4EA0B50-DAF4-44BF-BBC7-AA0FD43EB0B0}" type="presOf" srcId="{9EE02884-37A4-45E5-A5ED-4D4F89747199}" destId="{8AAFC746-5C25-4676-9002-7E295E4FC35D}" srcOrd="0" destOrd="0" presId="urn:microsoft.com/office/officeart/2008/layout/RadialCluster"/>
-    <dgm:cxn modelId="{5403EB58-C32D-4E00-8047-7C281088D73C}" type="presOf" srcId="{FA4172B4-8531-419C-A57A-EFC956BD29D0}" destId="{E0FC7542-81EA-4CDC-A1E2-52CD3151F316}" srcOrd="0" destOrd="0" presId="urn:microsoft.com/office/officeart/2008/layout/RadialCluster"/>
-    <dgm:cxn modelId="{630BFAA6-E703-4088-A256-D36CE0A35937}" srcId="{73AB4051-E36B-4715-ABBD-C8D09AE2532A}" destId="{FA4172B4-8531-419C-A57A-EFC956BD29D0}" srcOrd="1" destOrd="0" parTransId="{6C210D29-F5FC-40BB-A0E2-F080DC4AE099}" sibTransId="{98E6ECE5-47EF-4536-8689-6AF54DA69EB1}"/>
-    <dgm:cxn modelId="{74589533-4030-47CF-87A5-9D3E71F8180C}" type="presOf" srcId="{6C210D29-F5FC-40BB-A0E2-F080DC4AE099}" destId="{BE40EC45-9D70-458A-823C-D37069004C48}" srcOrd="0" destOrd="0" presId="urn:microsoft.com/office/officeart/2008/layout/RadialCluster"/>
-    <dgm:cxn modelId="{ECDE5F42-DFFC-45A8-86CA-330362948C3D}" type="presOf" srcId="{0664E9E0-8BEB-4027-8DB5-42FE90ECBA78}" destId="{30544185-3D79-4597-AA1C-AAE1A22E0024}" srcOrd="0" destOrd="0" presId="urn:microsoft.com/office/officeart/2008/layout/RadialCluster"/>
     <dgm:cxn modelId="{D9173671-1EDD-405F-B4BC-0B6582E7D6D9}" type="presOf" srcId="{FAAFE623-5DC3-47C8-AEA8-FCA7368F475B}" destId="{AB31CB9F-72A0-44D8-A269-D8DD5ED9CD19}" srcOrd="0" destOrd="0" presId="urn:microsoft.com/office/officeart/2008/layout/RadialCluster"/>
-    <dgm:cxn modelId="{8B930107-45A2-4B84-A776-BE66BE0A0252}" type="presOf" srcId="{9606F7DD-BBE7-48CA-9E43-9B508EFCCF59}" destId="{1417C9D0-0C0D-47F6-9ADE-BF8BF541D001}" srcOrd="0" destOrd="0" presId="urn:microsoft.com/office/officeart/2008/layout/RadialCluster"/>
-    <dgm:cxn modelId="{7DFEAC66-16F5-4697-9C84-43D7A62A8C24}" type="presParOf" srcId="{AB31CB9F-72A0-44D8-A269-D8DD5ED9CD19}" destId="{34117317-30F9-4207-8DD6-F9B365E3E710}" srcOrd="0" destOrd="0" presId="urn:microsoft.com/office/officeart/2008/layout/RadialCluster"/>
-    <dgm:cxn modelId="{B3F8DFA7-3DEE-4E6A-BE8B-6BAAE9AD3561}" type="presParOf" srcId="{AB31CB9F-72A0-44D8-A269-D8DD5ED9CD19}" destId="{FEC972A7-E746-4E5C-891A-0265284E638B}" srcOrd="1" destOrd="0" presId="urn:microsoft.com/office/officeart/2008/layout/RadialCluster"/>
-    <dgm:cxn modelId="{49AD6D77-C1AD-4E96-8CA1-A45FCC180036}" type="presParOf" srcId="{FEC972A7-E746-4E5C-891A-0265284E638B}" destId="{931F0AFC-CABD-4C87-8997-1828274455EA}" srcOrd="0" destOrd="0" presId="urn:microsoft.com/office/officeart/2008/layout/RadialCluster"/>
-    <dgm:cxn modelId="{D8ADFA36-C2DD-4C26-8CD4-0E53556C1A25}" type="presParOf" srcId="{AB31CB9F-72A0-44D8-A269-D8DD5ED9CD19}" destId="{0029EE30-99A9-4ACA-9401-D10F9A46E4E5}" srcOrd="2" destOrd="0" presId="urn:microsoft.com/office/officeart/2008/layout/RadialCluster"/>
-    <dgm:cxn modelId="{B68BA9A6-FD4D-426A-9C69-0A45F10C5C5E}" type="presParOf" srcId="{AB31CB9F-72A0-44D8-A269-D8DD5ED9CD19}" destId="{3AE6F8CF-A216-4896-B8F4-800EAB4CA126}" srcOrd="3" destOrd="0" presId="urn:microsoft.com/office/officeart/2008/layout/RadialCluster"/>
-    <dgm:cxn modelId="{DC90D3A8-530A-4C2C-977A-FDF50F5D424F}" type="presParOf" srcId="{3AE6F8CF-A216-4896-B8F4-800EAB4CA126}" destId="{C7BD3B65-A658-4171-9926-97856AFFC483}" srcOrd="0" destOrd="0" presId="urn:microsoft.com/office/officeart/2008/layout/RadialCluster"/>
-    <dgm:cxn modelId="{C096328C-BBB6-4EC4-8495-C7600784DB06}" type="presParOf" srcId="{3AE6F8CF-A216-4896-B8F4-800EAB4CA126}" destId="{30544185-3D79-4597-AA1C-AAE1A22E0024}" srcOrd="1" destOrd="0" presId="urn:microsoft.com/office/officeart/2008/layout/RadialCluster"/>
-    <dgm:cxn modelId="{6FA6C26B-E259-4C2E-BF58-EA4C47D3B878}" type="presParOf" srcId="{3AE6F8CF-A216-4896-B8F4-800EAB4CA126}" destId="{1417C9D0-0C0D-47F6-9ADE-BF8BF541D001}" srcOrd="2" destOrd="0" presId="urn:microsoft.com/office/officeart/2008/layout/RadialCluster"/>
-    <dgm:cxn modelId="{88A6E0AA-D06A-4AD1-BC65-8432E19EF1AC}" type="presParOf" srcId="{3AE6F8CF-A216-4896-B8F4-800EAB4CA126}" destId="{BE40EC45-9D70-458A-823C-D37069004C48}" srcOrd="3" destOrd="0" presId="urn:microsoft.com/office/officeart/2008/layout/RadialCluster"/>
-    <dgm:cxn modelId="{7D3879EC-AB65-429C-9AEE-17462A2B71DE}" type="presParOf" srcId="{3AE6F8CF-A216-4896-B8F4-800EAB4CA126}" destId="{E0FC7542-81EA-4CDC-A1E2-52CD3151F316}" srcOrd="4" destOrd="0" presId="urn:microsoft.com/office/officeart/2008/layout/RadialCluster"/>
-    <dgm:cxn modelId="{72B626EB-ED49-4593-9D7B-F240EA5A995C}" type="presParOf" srcId="{3AE6F8CF-A216-4896-B8F4-800EAB4CA126}" destId="{5086B03C-8A4C-4146-892A-3607E0D0784A}" srcOrd="5" destOrd="0" presId="urn:microsoft.com/office/officeart/2008/layout/RadialCluster"/>
-    <dgm:cxn modelId="{109368E8-AD84-46E2-A3A6-6CF258367DBB}" type="presParOf" srcId="{3AE6F8CF-A216-4896-B8F4-800EAB4CA126}" destId="{2F4F44BE-3A73-445E-8E95-31F0F5C677CB}" srcOrd="6" destOrd="0" presId="urn:microsoft.com/office/officeart/2008/layout/RadialCluster"/>
-    <dgm:cxn modelId="{B54F7953-B192-4F62-AEEC-ED0A693DAD8B}" type="presParOf" srcId="{AB31CB9F-72A0-44D8-A269-D8DD5ED9CD19}" destId="{8AAFC746-5C25-4676-9002-7E295E4FC35D}" srcOrd="4" destOrd="0" presId="urn:microsoft.com/office/officeart/2008/layout/RadialCluster"/>
-    <dgm:cxn modelId="{229917F8-9395-4BF4-89E5-1298A4E83E72}" type="presParOf" srcId="{AB31CB9F-72A0-44D8-A269-D8DD5ED9CD19}" destId="{43190BF1-D1C3-4B5B-8090-CCBFAB4CBEA9}" srcOrd="5" destOrd="0" presId="urn:microsoft.com/office/officeart/2008/layout/RadialCluster"/>
-    <dgm:cxn modelId="{5537DF26-B7AE-427B-806C-69D85F53C477}" type="presParOf" srcId="{43190BF1-D1C3-4B5B-8090-CCBFAB4CBEA9}" destId="{746B77A9-9790-4C8D-8C2C-5B3E397CF404}" srcOrd="0" destOrd="0" presId="urn:microsoft.com/office/officeart/2008/layout/RadialCluster"/>
-    <dgm:cxn modelId="{C95E6B3C-1875-4DA4-8D56-78BFF3636020}" type="presParOf" srcId="{43190BF1-D1C3-4B5B-8090-CCBFAB4CBEA9}" destId="{819724BE-D2AD-440E-9667-338BFC30A3A1}" srcOrd="1" destOrd="0" presId="urn:microsoft.com/office/officeart/2008/layout/RadialCluster"/>
-    <dgm:cxn modelId="{A7BCD55C-77E7-4B55-817D-50E98922C3C2}" type="presParOf" srcId="{43190BF1-D1C3-4B5B-8090-CCBFAB4CBEA9}" destId="{0BF2BC5F-9205-41B0-948B-04C6BEAF1321}" srcOrd="2" destOrd="0" presId="urn:microsoft.com/office/officeart/2008/layout/RadialCluster"/>
-    <dgm:cxn modelId="{E20C101D-0CAC-4ED6-BE3F-6551EF365B8B}" type="presParOf" srcId="{AB31CB9F-72A0-44D8-A269-D8DD5ED9CD19}" destId="{A187A018-A2FE-4E0E-ABC9-2F460E775545}" srcOrd="6" destOrd="0" presId="urn:microsoft.com/office/officeart/2008/layout/RadialCluster"/>
   </dgm:cxnLst>
   <dgm:bg/>
   <dgm:whole/>
   <dgm:extLst>
     <a:ext uri="http://schemas.microsoft.com/office/drawing/2008/diagram">
-      <dsp:dataModelExt xmlns:dsp="http://schemas.microsoft.com/office/drawing/2008/diagram" relId="rId7" minVer="http://schemas.openxmlformats.org/drawingml/2006/diagram"/>
+      <dsp:dataModelExt xmlns:dsp="http://schemas.microsoft.com/office/drawing/2008/diagram" relId="rId6" minVer="http://schemas.openxmlformats.org/drawingml/2006/diagram"/>
     </a:ext>
   </dgm:extLst>
 </dgm:dataModel>
@@ -12855,11 +13592,18 @@
 <file path=ppt/diagrams/data9.xml><?xml version="1.0" encoding="utf-8"?>
 <dgm:dataModel xmlns:dgm="http://schemas.openxmlformats.org/drawingml/2006/diagram" xmlns:a="http://schemas.openxmlformats.org/drawingml/2006/main">
   <dgm:ptLst>
-    <dgm:pt modelId="{412CA174-6061-4106-936C-DB87F631E9EB}" type="doc">
-      <dgm:prSet loTypeId="urn:microsoft.com/office/officeart/2005/8/layout/hList7" loCatId="relationship" qsTypeId="urn:microsoft.com/office/officeart/2005/8/quickstyle/simple1" qsCatId="simple" csTypeId="urn:microsoft.com/office/officeart/2005/8/colors/accent1_5" csCatId="accent1" phldr="1"/>
+    <dgm:pt modelId="{14D10AFA-C144-40A5-BB54-34E338D2F6B8}" type="doc">
+      <dgm:prSet loTypeId="urn:microsoft.com/office/officeart/2005/8/layout/hierarchy1" loCatId="hierarchy" qsTypeId="urn:microsoft.com/office/officeart/2005/8/quickstyle/simple1" qsCatId="simple" csTypeId="urn:microsoft.com/office/officeart/2005/8/colors/colorful1" csCatId="colorful" phldr="1"/>
       <dgm:spPr/>
+      <dgm:t>
+        <a:bodyPr/>
+        <a:lstStyle/>
+        <a:p>
+          <a:endParaRPr lang="en-US"/>
+        </a:p>
+      </dgm:t>
     </dgm:pt>
-    <dgm:pt modelId="{44A36440-C044-4AFC-AC2B-0DB2AC9E191C}">
+    <dgm:pt modelId="{3F2992CC-89E1-4FAA-9211-B5C4726C885A}">
       <dgm:prSet phldrT="[Text]"/>
       <dgm:spPr/>
       <dgm:t>
@@ -12868,12 +13612,12 @@
         <a:p>
           <a:r>
             <a:rPr lang="en-US" dirty="0"/>
-            <a:t>View</a:t>
+            <a:t>UI/Model</a:t>
           </a:r>
         </a:p>
       </dgm:t>
     </dgm:pt>
-    <dgm:pt modelId="{CBB94E3F-99C8-4969-A642-FEC8AAB7122F}" type="parTrans" cxnId="{5EA84D35-BB34-43A0-AC2F-631D5B3D8418}">
+    <dgm:pt modelId="{706A18E7-AAF1-4574-8130-CF9057FD44AB}" type="parTrans" cxnId="{15C8E126-443C-4015-B116-ED23C5944136}">
       <dgm:prSet/>
       <dgm:spPr/>
       <dgm:t>
@@ -12884,7 +13628,7 @@
         </a:p>
       </dgm:t>
     </dgm:pt>
-    <dgm:pt modelId="{7DD77B2A-25F3-4B29-BEC4-780CEE44CB3E}" type="sibTrans" cxnId="{5EA84D35-BB34-43A0-AC2F-631D5B3D8418}">
+    <dgm:pt modelId="{50E18816-0DB6-4D00-9ED9-303F8247D0C0}" type="sibTrans" cxnId="{15C8E126-443C-4015-B116-ED23C5944136}">
       <dgm:prSet/>
       <dgm:spPr/>
       <dgm:t>
@@ -12895,7 +13639,7 @@
         </a:p>
       </dgm:t>
     </dgm:pt>
-    <dgm:pt modelId="{9F365186-9637-40E7-9D94-91FB61CEE4B8}">
+    <dgm:pt modelId="{07D9253A-5107-4A0D-9680-E647F03A5F3E}">
       <dgm:prSet phldrT="[Text]"/>
       <dgm:spPr/>
       <dgm:t>
@@ -12904,12 +13648,12 @@
         <a:p>
           <a:r>
             <a:rPr lang="en-US" dirty="0"/>
-            <a:t>Controller</a:t>
+            <a:t>Contact Service Package (Contact Gateway)</a:t>
           </a:r>
         </a:p>
       </dgm:t>
     </dgm:pt>
-    <dgm:pt modelId="{2DF984F9-6C03-4EEA-910C-6D11A125F593}" type="parTrans" cxnId="{59445B87-6896-4627-942E-D26D11AAB978}">
+    <dgm:pt modelId="{5C3637A1-9D6B-4A74-ABDD-89E86BE7B854}" type="parTrans" cxnId="{BF693BA2-C9C7-43A2-BA57-BBAF8357F855}">
       <dgm:prSet/>
       <dgm:spPr/>
       <dgm:t>
@@ -12920,7 +13664,7 @@
         </a:p>
       </dgm:t>
     </dgm:pt>
-    <dgm:pt modelId="{0AC1CFC1-1CF0-4732-A08D-C8E668C21F15}" type="sibTrans" cxnId="{59445B87-6896-4627-942E-D26D11AAB978}">
+    <dgm:pt modelId="{3B9F8741-E2BD-4991-A673-665D9C3A8F5E}" type="sibTrans" cxnId="{BF693BA2-C9C7-43A2-BA57-BBAF8357F855}">
       <dgm:prSet/>
       <dgm:spPr/>
       <dgm:t>
@@ -12931,7 +13675,7 @@
         </a:p>
       </dgm:t>
     </dgm:pt>
-    <dgm:pt modelId="{564E0BE6-27CD-4894-BC91-F754C4A1AE64}">
+    <dgm:pt modelId="{38E6C891-B51D-49B2-AB21-F1335CED441E}">
       <dgm:prSet phldrT="[Text]"/>
       <dgm:spPr/>
       <dgm:t>
@@ -12940,12 +13684,12 @@
         <a:p>
           <a:r>
             <a:rPr lang="en-US" dirty="0"/>
-            <a:t>Model</a:t>
+            <a:t>Address Service</a:t>
           </a:r>
         </a:p>
       </dgm:t>
     </dgm:pt>
-    <dgm:pt modelId="{FD0D3319-F3FB-403A-BF36-BEDA68D8051C}" type="parTrans" cxnId="{CE3F9EC1-7CCB-4C0C-9CC5-ED735A97D4F5}">
+    <dgm:pt modelId="{65720944-ED2A-4770-9F7A-E04C4EA8B771}" type="parTrans" cxnId="{06979531-A881-453A-8794-26B767244BBC}">
       <dgm:prSet/>
       <dgm:spPr/>
       <dgm:t>
@@ -12956,7 +13700,7 @@
         </a:p>
       </dgm:t>
     </dgm:pt>
-    <dgm:pt modelId="{B6A7000A-A3CA-49AD-BA80-4EAE4C6EE5E7}" type="sibTrans" cxnId="{CE3F9EC1-7CCB-4C0C-9CC5-ED735A97D4F5}">
+    <dgm:pt modelId="{3EE8AFAB-0AD1-40A8-A119-2B253FDBDD5F}" type="sibTrans" cxnId="{06979531-A881-453A-8794-26B767244BBC}">
       <dgm:prSet/>
       <dgm:spPr/>
       <dgm:t>
@@ -12967,156 +13711,513 @@
         </a:p>
       </dgm:t>
     </dgm:pt>
-    <dgm:pt modelId="{2DF4F669-2BA7-4760-9BE5-6E1BC790AB5D}" type="pres">
-      <dgm:prSet presAssocID="{412CA174-6061-4106-936C-DB87F631E9EB}" presName="Name0" presStyleCnt="0">
+    <dgm:pt modelId="{9233E36A-5E91-4CB7-995F-65F756FC73EA}">
+      <dgm:prSet phldrT="[Text]"/>
+      <dgm:spPr/>
+      <dgm:t>
+        <a:bodyPr/>
+        <a:lstStyle/>
+        <a:p>
+          <a:r>
+            <a:rPr lang="en-US" dirty="0"/>
+            <a:t>Person Service</a:t>
+          </a:r>
+        </a:p>
+      </dgm:t>
+    </dgm:pt>
+    <dgm:pt modelId="{2E417344-F381-4307-85D4-19F357778321}" type="parTrans" cxnId="{03494BAE-43E9-4ABA-8455-0B9DDAFDB272}">
+      <dgm:prSet/>
+      <dgm:spPr/>
+      <dgm:t>
+        <a:bodyPr/>
+        <a:lstStyle/>
+        <a:p>
+          <a:endParaRPr lang="en-US"/>
+        </a:p>
+      </dgm:t>
+    </dgm:pt>
+    <dgm:pt modelId="{30CF54C2-80F1-4D92-AD1C-C35B17B82CEB}" type="sibTrans" cxnId="{03494BAE-43E9-4ABA-8455-0B9DDAFDB272}">
+      <dgm:prSet/>
+      <dgm:spPr/>
+      <dgm:t>
+        <a:bodyPr/>
+        <a:lstStyle/>
+        <a:p>
+          <a:endParaRPr lang="en-US"/>
+        </a:p>
+      </dgm:t>
+    </dgm:pt>
+    <dgm:pt modelId="{BD953927-6270-4371-892C-93E2B97944AA}">
+      <dgm:prSet phldrT="[Text]"/>
+      <dgm:spPr/>
+      <dgm:t>
+        <a:bodyPr/>
+        <a:lstStyle/>
+        <a:p>
+          <a:r>
+            <a:rPr lang="en-US" dirty="0" err="1"/>
+            <a:t>Auth</a:t>
+          </a:r>
+          <a:r>
+            <a:rPr lang="en-US" dirty="0"/>
+            <a:t> Service Package (</a:t>
+          </a:r>
+          <a:r>
+            <a:rPr lang="en-US" dirty="0" err="1"/>
+            <a:t>Auth</a:t>
+          </a:r>
+          <a:r>
+            <a:rPr lang="en-US" dirty="0"/>
+            <a:t> Gateway)</a:t>
+          </a:r>
+        </a:p>
+      </dgm:t>
+    </dgm:pt>
+    <dgm:pt modelId="{175D8B1A-9EBE-4AC5-9E62-F8C56429ED9B}" type="parTrans" cxnId="{B54143F2-B02E-4B3A-A31F-19C4C13C2811}">
+      <dgm:prSet/>
+      <dgm:spPr/>
+      <dgm:t>
+        <a:bodyPr/>
+        <a:lstStyle/>
+        <a:p>
+          <a:endParaRPr lang="en-US"/>
+        </a:p>
+      </dgm:t>
+    </dgm:pt>
+    <dgm:pt modelId="{640C8137-54B6-4E33-94F7-6604C30375DE}" type="sibTrans" cxnId="{B54143F2-B02E-4B3A-A31F-19C4C13C2811}">
+      <dgm:prSet/>
+      <dgm:spPr/>
+      <dgm:t>
+        <a:bodyPr/>
+        <a:lstStyle/>
+        <a:p>
+          <a:endParaRPr lang="en-US"/>
+        </a:p>
+      </dgm:t>
+    </dgm:pt>
+    <dgm:pt modelId="{3DA1F64C-2238-43AE-93CD-2E73989E0279}">
+      <dgm:prSet phldrT="[Text]"/>
+      <dgm:spPr/>
+      <dgm:t>
+        <a:bodyPr/>
+        <a:lstStyle/>
+        <a:p>
+          <a:r>
+            <a:rPr lang="en-US" dirty="0"/>
+            <a:t>Login Service</a:t>
+          </a:r>
+        </a:p>
+      </dgm:t>
+    </dgm:pt>
+    <dgm:pt modelId="{9F021D58-D549-466C-B651-524D7F88A508}" type="parTrans" cxnId="{D4FBC10C-8D96-42BA-BEDF-39E5C53A61F0}">
+      <dgm:prSet/>
+      <dgm:spPr/>
+      <dgm:t>
+        <a:bodyPr/>
+        <a:lstStyle/>
+        <a:p>
+          <a:endParaRPr lang="en-US"/>
+        </a:p>
+      </dgm:t>
+    </dgm:pt>
+    <dgm:pt modelId="{2C956213-0DA8-44BB-AEF8-229B651348BF}" type="sibTrans" cxnId="{D4FBC10C-8D96-42BA-BEDF-39E5C53A61F0}">
+      <dgm:prSet/>
+      <dgm:spPr/>
+      <dgm:t>
+        <a:bodyPr/>
+        <a:lstStyle/>
+        <a:p>
+          <a:endParaRPr lang="en-US"/>
+        </a:p>
+      </dgm:t>
+    </dgm:pt>
+    <dgm:pt modelId="{EB0BA624-0FF0-473D-8956-73E42A189BC2}">
+      <dgm:prSet/>
+      <dgm:spPr/>
+      <dgm:t>
+        <a:bodyPr/>
+        <a:lstStyle/>
+        <a:p>
+          <a:r>
+            <a:rPr lang="en-US" dirty="0"/>
+            <a:t>Contact DAL</a:t>
+          </a:r>
+        </a:p>
+      </dgm:t>
+    </dgm:pt>
+    <dgm:pt modelId="{FC48E265-4568-41A6-A7A3-0A0F20809747}" type="parTrans" cxnId="{48832B91-AE2D-49EC-B087-736006B89299}">
+      <dgm:prSet/>
+      <dgm:spPr/>
+      <dgm:t>
+        <a:bodyPr/>
+        <a:lstStyle/>
+        <a:p>
+          <a:endParaRPr lang="en-US"/>
+        </a:p>
+      </dgm:t>
+    </dgm:pt>
+    <dgm:pt modelId="{8E3CCF25-101A-41B8-B116-7903744AF250}" type="sibTrans" cxnId="{48832B91-AE2D-49EC-B087-736006B89299}">
+      <dgm:prSet/>
+      <dgm:spPr/>
+      <dgm:t>
+        <a:bodyPr/>
+        <a:lstStyle/>
+        <a:p>
+          <a:endParaRPr lang="en-US"/>
+        </a:p>
+      </dgm:t>
+    </dgm:pt>
+    <dgm:pt modelId="{A5A7B661-C784-43E9-B071-7C431CCE2880}">
+      <dgm:prSet/>
+      <dgm:spPr/>
+      <dgm:t>
+        <a:bodyPr/>
+        <a:lstStyle/>
+        <a:p>
+          <a:r>
+            <a:rPr lang="en-US" dirty="0" err="1"/>
+            <a:t>Auth</a:t>
+          </a:r>
+          <a:r>
+            <a:rPr lang="en-US" dirty="0"/>
+            <a:t> DAL</a:t>
+          </a:r>
+        </a:p>
+      </dgm:t>
+    </dgm:pt>
+    <dgm:pt modelId="{99ED7E56-9BBA-4EBC-8F3C-3DFECB29117B}" type="parTrans" cxnId="{9A4CC0E3-0E0F-4143-954A-143C518F6AAC}">
+      <dgm:prSet/>
+      <dgm:spPr/>
+      <dgm:t>
+        <a:bodyPr/>
+        <a:lstStyle/>
+        <a:p>
+          <a:endParaRPr lang="en-US"/>
+        </a:p>
+      </dgm:t>
+    </dgm:pt>
+    <dgm:pt modelId="{25868BBE-7A0A-4EDA-92F2-D76EB67AEC2A}" type="sibTrans" cxnId="{9A4CC0E3-0E0F-4143-954A-143C518F6AAC}">
+      <dgm:prSet/>
+      <dgm:spPr/>
+      <dgm:t>
+        <a:bodyPr/>
+        <a:lstStyle/>
+        <a:p>
+          <a:endParaRPr lang="en-US"/>
+        </a:p>
+      </dgm:t>
+    </dgm:pt>
+    <dgm:pt modelId="{4C683338-5076-4135-B727-63F4594F0666}" type="pres">
+      <dgm:prSet presAssocID="{14D10AFA-C144-40A5-BB54-34E338D2F6B8}" presName="hierChild1" presStyleCnt="0">
         <dgm:presLayoutVars>
+          <dgm:chPref val="1"/>
           <dgm:dir/>
-          <dgm:resizeHandles val="exact"/>
+          <dgm:animOne val="branch"/>
+          <dgm:animLvl val="lvl"/>
+          <dgm:resizeHandles/>
         </dgm:presLayoutVars>
       </dgm:prSet>
       <dgm:spPr/>
     </dgm:pt>
-    <dgm:pt modelId="{24076299-3833-45F1-9E72-8B1955D6A58E}" type="pres">
-      <dgm:prSet presAssocID="{412CA174-6061-4106-936C-DB87F631E9EB}" presName="fgShape" presStyleLbl="fgShp" presStyleIdx="0" presStyleCnt="1"/>
+    <dgm:pt modelId="{7846D944-1B51-483B-A25E-3E8BB304CE58}" type="pres">
+      <dgm:prSet presAssocID="{3F2992CC-89E1-4FAA-9211-B5C4726C885A}" presName="hierRoot1" presStyleCnt="0"/>
       <dgm:spPr/>
     </dgm:pt>
-    <dgm:pt modelId="{E0545172-3F79-4957-9EB8-8462F6B778EE}" type="pres">
-      <dgm:prSet presAssocID="{412CA174-6061-4106-936C-DB87F631E9EB}" presName="linComp" presStyleCnt="0"/>
+    <dgm:pt modelId="{D479B051-593A-40A3-821D-29348FC36894}" type="pres">
+      <dgm:prSet presAssocID="{3F2992CC-89E1-4FAA-9211-B5C4726C885A}" presName="composite" presStyleCnt="0"/>
       <dgm:spPr/>
     </dgm:pt>
-    <dgm:pt modelId="{E83A773F-9347-4F44-942D-D1E511034D26}" type="pres">
-      <dgm:prSet presAssocID="{44A36440-C044-4AFC-AC2B-0DB2AC9E191C}" presName="compNode" presStyleCnt="0"/>
+    <dgm:pt modelId="{2EE70F48-90B8-44B5-8396-B2CCE8516F90}" type="pres">
+      <dgm:prSet presAssocID="{3F2992CC-89E1-4FAA-9211-B5C4726C885A}" presName="background" presStyleLbl="node0" presStyleIdx="0" presStyleCnt="1"/>
       <dgm:spPr/>
     </dgm:pt>
-    <dgm:pt modelId="{9DA2373B-2C93-4757-B244-C8D55C880082}" type="pres">
-      <dgm:prSet presAssocID="{44A36440-C044-4AFC-AC2B-0DB2AC9E191C}" presName="bkgdShape" presStyleLbl="node1" presStyleIdx="0" presStyleCnt="3"/>
-      <dgm:spPr/>
-    </dgm:pt>
-    <dgm:pt modelId="{B9698694-1695-4776-A208-6C3936420C05}" type="pres">
-      <dgm:prSet presAssocID="{44A36440-C044-4AFC-AC2B-0DB2AC9E191C}" presName="nodeTx" presStyleLbl="node1" presStyleIdx="0" presStyleCnt="3">
+    <dgm:pt modelId="{FA446246-77D0-49AF-95B8-88802BCA1338}" type="pres">
+      <dgm:prSet presAssocID="{3F2992CC-89E1-4FAA-9211-B5C4726C885A}" presName="text" presStyleLbl="fgAcc0" presStyleIdx="0" presStyleCnt="1" custLinFactNeighborX="1558">
         <dgm:presLayoutVars>
-          <dgm:bulletEnabled val="1"/>
+          <dgm:chPref val="3"/>
         </dgm:presLayoutVars>
       </dgm:prSet>
       <dgm:spPr/>
     </dgm:pt>
-    <dgm:pt modelId="{3C131B49-01FF-43FC-9C1D-27F7117D928E}" type="pres">
-      <dgm:prSet presAssocID="{44A36440-C044-4AFC-AC2B-0DB2AC9E191C}" presName="invisiNode" presStyleLbl="node1" presStyleIdx="0" presStyleCnt="3"/>
+    <dgm:pt modelId="{3B9A40D1-7338-4FD3-8029-72C8C8829C53}" type="pres">
+      <dgm:prSet presAssocID="{3F2992CC-89E1-4FAA-9211-B5C4726C885A}" presName="hierChild2" presStyleCnt="0"/>
       <dgm:spPr/>
     </dgm:pt>
-    <dgm:pt modelId="{D4EB00BB-5881-4D4A-AEC3-F8EBBD35B37F}" type="pres">
-      <dgm:prSet presAssocID="{44A36440-C044-4AFC-AC2B-0DB2AC9E191C}" presName="imagNode" presStyleLbl="fgImgPlace1" presStyleIdx="0" presStyleCnt="3"/>
-      <dgm:spPr>
-        <a:blipFill>
-          <a:blip xmlns:r="http://schemas.openxmlformats.org/officeDocument/2006/relationships" r:embed="rId1">
-            <a:extLst>
-              <a:ext uri="{28A0092B-C50C-407E-A947-70E740481C1C}">
-                <a14:useLocalDpi xmlns:a14="http://schemas.microsoft.com/office/drawing/2010/main" val="0"/>
-              </a:ext>
-            </a:extLst>
-          </a:blip>
-          <a:srcRect/>
-          <a:stretch>
-            <a:fillRect/>
-          </a:stretch>
-        </a:blipFill>
-      </dgm:spPr>
-    </dgm:pt>
-    <dgm:pt modelId="{53D73AAE-F10E-4625-A0A9-A100D42A75CB}" type="pres">
-      <dgm:prSet presAssocID="{7DD77B2A-25F3-4B29-BEC4-780CEE44CB3E}" presName="sibTrans" presStyleLbl="sibTrans2D1" presStyleIdx="0" presStyleCnt="0"/>
+    <dgm:pt modelId="{F2E7EAA0-D0C2-41B3-A3DC-52F91405A5DC}" type="pres">
+      <dgm:prSet presAssocID="{5C3637A1-9D6B-4A74-ABDD-89E86BE7B854}" presName="Name10" presStyleLbl="parChTrans1D2" presStyleIdx="0" presStyleCnt="2"/>
       <dgm:spPr/>
     </dgm:pt>
-    <dgm:pt modelId="{DA5D9ECF-49AA-46AA-B447-B4035C049BE4}" type="pres">
-      <dgm:prSet presAssocID="{9F365186-9637-40E7-9D94-91FB61CEE4B8}" presName="compNode" presStyleCnt="0"/>
+    <dgm:pt modelId="{AD05F214-3FCD-403E-A8D9-BC94A7FFBA79}" type="pres">
+      <dgm:prSet presAssocID="{07D9253A-5107-4A0D-9680-E647F03A5F3E}" presName="hierRoot2" presStyleCnt="0"/>
       <dgm:spPr/>
     </dgm:pt>
-    <dgm:pt modelId="{FB620026-D40C-4000-A51C-CFC7629FD18A}" type="pres">
-      <dgm:prSet presAssocID="{9F365186-9637-40E7-9D94-91FB61CEE4B8}" presName="bkgdShape" presStyleLbl="node1" presStyleIdx="1" presStyleCnt="3"/>
+    <dgm:pt modelId="{3B7C460B-7DB6-466A-A0C8-4CF106E8D817}" type="pres">
+      <dgm:prSet presAssocID="{07D9253A-5107-4A0D-9680-E647F03A5F3E}" presName="composite2" presStyleCnt="0"/>
       <dgm:spPr/>
     </dgm:pt>
-    <dgm:pt modelId="{0AD50BDB-9C7C-4093-9E93-968D31F71BCA}" type="pres">
-      <dgm:prSet presAssocID="{9F365186-9637-40E7-9D94-91FB61CEE4B8}" presName="nodeTx" presStyleLbl="node1" presStyleIdx="1" presStyleCnt="3">
+    <dgm:pt modelId="{0F237E68-2A4A-476B-B85A-693E80D5AB0D}" type="pres">
+      <dgm:prSet presAssocID="{07D9253A-5107-4A0D-9680-E647F03A5F3E}" presName="background2" presStyleLbl="node2" presStyleIdx="0" presStyleCnt="2"/>
+      <dgm:spPr/>
+    </dgm:pt>
+    <dgm:pt modelId="{612BD9D3-2854-41D0-8C53-DD881B328180}" type="pres">
+      <dgm:prSet presAssocID="{07D9253A-5107-4A0D-9680-E647F03A5F3E}" presName="text2" presStyleLbl="fgAcc2" presStyleIdx="0" presStyleCnt="2">
         <dgm:presLayoutVars>
-          <dgm:bulletEnabled val="1"/>
+          <dgm:chPref val="3"/>
         </dgm:presLayoutVars>
       </dgm:prSet>
       <dgm:spPr/>
     </dgm:pt>
-    <dgm:pt modelId="{F30DBA3D-D9FE-4F30-8F3B-B5057ADCB3C2}" type="pres">
-      <dgm:prSet presAssocID="{9F365186-9637-40E7-9D94-91FB61CEE4B8}" presName="invisiNode" presStyleLbl="node1" presStyleIdx="1" presStyleCnt="3"/>
+    <dgm:pt modelId="{A8088733-619F-44AF-9600-2D349B4091D9}" type="pres">
+      <dgm:prSet presAssocID="{07D9253A-5107-4A0D-9680-E647F03A5F3E}" presName="hierChild3" presStyleCnt="0"/>
       <dgm:spPr/>
     </dgm:pt>
-    <dgm:pt modelId="{78B85EB2-B637-4EB4-A139-C1748B11CB08}" type="pres">
-      <dgm:prSet presAssocID="{9F365186-9637-40E7-9D94-91FB61CEE4B8}" presName="imagNode" presStyleLbl="fgImgPlace1" presStyleIdx="1" presStyleCnt="3"/>
+    <dgm:pt modelId="{4A3D12EE-93D8-49ED-AC39-4C96F9FF9094}" type="pres">
+      <dgm:prSet presAssocID="{65720944-ED2A-4770-9F7A-E04C4EA8B771}" presName="Name17" presStyleLbl="parChTrans1D3" presStyleIdx="0" presStyleCnt="3"/>
       <dgm:spPr/>
     </dgm:pt>
-    <dgm:pt modelId="{1B2E1430-4D3C-44A0-B8D5-4551FA9127A4}" type="pres">
-      <dgm:prSet presAssocID="{0AC1CFC1-1CF0-4732-A08D-C8E668C21F15}" presName="sibTrans" presStyleLbl="sibTrans2D1" presStyleIdx="0" presStyleCnt="0"/>
+    <dgm:pt modelId="{0A4C6BD7-32DE-48C0-AD09-F9DA0F298FBB}" type="pres">
+      <dgm:prSet presAssocID="{38E6C891-B51D-49B2-AB21-F1335CED441E}" presName="hierRoot3" presStyleCnt="0"/>
       <dgm:spPr/>
     </dgm:pt>
-    <dgm:pt modelId="{C8029DF6-2FDC-42FA-87E8-EDBAB036087E}" type="pres">
-      <dgm:prSet presAssocID="{564E0BE6-27CD-4894-BC91-F754C4A1AE64}" presName="compNode" presStyleCnt="0"/>
+    <dgm:pt modelId="{BDF158C4-8040-4131-A475-30499FC38CA0}" type="pres">
+      <dgm:prSet presAssocID="{38E6C891-B51D-49B2-AB21-F1335CED441E}" presName="composite3" presStyleCnt="0"/>
       <dgm:spPr/>
     </dgm:pt>
-    <dgm:pt modelId="{B0369BC4-A4EA-4E0C-9F03-4FF2B4EDFD77}" type="pres">
-      <dgm:prSet presAssocID="{564E0BE6-27CD-4894-BC91-F754C4A1AE64}" presName="bkgdShape" presStyleLbl="node1" presStyleIdx="2" presStyleCnt="3" custLinFactNeighborX="67112" custLinFactNeighborY="-1429"/>
+    <dgm:pt modelId="{395BBD5F-FECA-4C36-B2C2-7FBD3303342B}" type="pres">
+      <dgm:prSet presAssocID="{38E6C891-B51D-49B2-AB21-F1335CED441E}" presName="background3" presStyleLbl="node3" presStyleIdx="0" presStyleCnt="3"/>
       <dgm:spPr/>
     </dgm:pt>
-    <dgm:pt modelId="{E4A78685-5900-4D8A-80C4-286B79564E7E}" type="pres">
-      <dgm:prSet presAssocID="{564E0BE6-27CD-4894-BC91-F754C4A1AE64}" presName="nodeTx" presStyleLbl="node1" presStyleIdx="2" presStyleCnt="3">
+    <dgm:pt modelId="{27AD2562-432B-44B3-8AE7-63794B52D1D3}" type="pres">
+      <dgm:prSet presAssocID="{38E6C891-B51D-49B2-AB21-F1335CED441E}" presName="text3" presStyleLbl="fgAcc3" presStyleIdx="0" presStyleCnt="3">
         <dgm:presLayoutVars>
-          <dgm:bulletEnabled val="1"/>
+          <dgm:chPref val="3"/>
         </dgm:presLayoutVars>
       </dgm:prSet>
       <dgm:spPr/>
     </dgm:pt>
-    <dgm:pt modelId="{D47EF028-1D88-4643-9075-310EC2A83233}" type="pres">
-      <dgm:prSet presAssocID="{564E0BE6-27CD-4894-BC91-F754C4A1AE64}" presName="invisiNode" presStyleLbl="node1" presStyleIdx="2" presStyleCnt="3"/>
+    <dgm:pt modelId="{2206B893-816C-41B7-BEF0-522B43892BD8}" type="pres">
+      <dgm:prSet presAssocID="{38E6C891-B51D-49B2-AB21-F1335CED441E}" presName="hierChild4" presStyleCnt="0"/>
       <dgm:spPr/>
     </dgm:pt>
-    <dgm:pt modelId="{130EC317-3B7B-4190-9859-AE03C6549611}" type="pres">
-      <dgm:prSet presAssocID="{564E0BE6-27CD-4894-BC91-F754C4A1AE64}" presName="imagNode" presStyleLbl="fgImgPlace1" presStyleIdx="2" presStyleCnt="3"/>
+    <dgm:pt modelId="{22CC65BA-32C2-461A-8543-6B607003FDF6}" type="pres">
+      <dgm:prSet presAssocID="{2E417344-F381-4307-85D4-19F357778321}" presName="Name17" presStyleLbl="parChTrans1D3" presStyleIdx="1" presStyleCnt="3"/>
+      <dgm:spPr/>
+    </dgm:pt>
+    <dgm:pt modelId="{138F61D8-9D0D-4A99-A0FE-A22899DAD3B8}" type="pres">
+      <dgm:prSet presAssocID="{9233E36A-5E91-4CB7-995F-65F756FC73EA}" presName="hierRoot3" presStyleCnt="0"/>
+      <dgm:spPr/>
+    </dgm:pt>
+    <dgm:pt modelId="{EC64B31B-2B24-498C-8B0B-584E08576942}" type="pres">
+      <dgm:prSet presAssocID="{9233E36A-5E91-4CB7-995F-65F756FC73EA}" presName="composite3" presStyleCnt="0"/>
+      <dgm:spPr/>
+    </dgm:pt>
+    <dgm:pt modelId="{6C4B236C-2144-4A40-AF53-05663930739B}" type="pres">
+      <dgm:prSet presAssocID="{9233E36A-5E91-4CB7-995F-65F756FC73EA}" presName="background3" presStyleLbl="node3" presStyleIdx="1" presStyleCnt="3"/>
+      <dgm:spPr/>
+    </dgm:pt>
+    <dgm:pt modelId="{6B692451-D721-4DE7-9D59-5B28BA443933}" type="pres">
+      <dgm:prSet presAssocID="{9233E36A-5E91-4CB7-995F-65F756FC73EA}" presName="text3" presStyleLbl="fgAcc3" presStyleIdx="1" presStyleCnt="3">
+        <dgm:presLayoutVars>
+          <dgm:chPref val="3"/>
+        </dgm:presLayoutVars>
+      </dgm:prSet>
+      <dgm:spPr/>
+    </dgm:pt>
+    <dgm:pt modelId="{95B85AB4-2603-4315-819E-E8F4F7A542B5}" type="pres">
+      <dgm:prSet presAssocID="{9233E36A-5E91-4CB7-995F-65F756FC73EA}" presName="hierChild4" presStyleCnt="0"/>
+      <dgm:spPr/>
+    </dgm:pt>
+    <dgm:pt modelId="{9FF96586-9D18-46BC-8F71-89D56B7F6656}" type="pres">
+      <dgm:prSet presAssocID="{FC48E265-4568-41A6-A7A3-0A0F20809747}" presName="Name23" presStyleLbl="parChTrans1D4" presStyleIdx="0" presStyleCnt="2"/>
+      <dgm:spPr/>
+    </dgm:pt>
+    <dgm:pt modelId="{D845F8C0-9DCC-4135-9478-513E2B8AE9C6}" type="pres">
+      <dgm:prSet presAssocID="{EB0BA624-0FF0-473D-8956-73E42A189BC2}" presName="hierRoot4" presStyleCnt="0"/>
+      <dgm:spPr/>
+    </dgm:pt>
+    <dgm:pt modelId="{0D11C637-73C9-41FC-BB1F-F70262DCE9D0}" type="pres">
+      <dgm:prSet presAssocID="{EB0BA624-0FF0-473D-8956-73E42A189BC2}" presName="composite4" presStyleCnt="0"/>
+      <dgm:spPr/>
+    </dgm:pt>
+    <dgm:pt modelId="{9B0858AF-B9EB-438F-A582-CBF71236448D}" type="pres">
+      <dgm:prSet presAssocID="{EB0BA624-0FF0-473D-8956-73E42A189BC2}" presName="background4" presStyleLbl="node4" presStyleIdx="0" presStyleCnt="2"/>
+      <dgm:spPr/>
+    </dgm:pt>
+    <dgm:pt modelId="{5A7E0AF9-E0BE-48D9-86D8-183F74599AAF}" type="pres">
+      <dgm:prSet presAssocID="{EB0BA624-0FF0-473D-8956-73E42A189BC2}" presName="text4" presStyleLbl="fgAcc4" presStyleIdx="0" presStyleCnt="2" custLinFactNeighborX="-57005">
+        <dgm:presLayoutVars>
+          <dgm:chPref val="3"/>
+        </dgm:presLayoutVars>
+      </dgm:prSet>
+      <dgm:spPr/>
+    </dgm:pt>
+    <dgm:pt modelId="{59B847ED-3714-4648-AD66-EAF55757346A}" type="pres">
+      <dgm:prSet presAssocID="{EB0BA624-0FF0-473D-8956-73E42A189BC2}" presName="hierChild5" presStyleCnt="0"/>
+      <dgm:spPr/>
+    </dgm:pt>
+    <dgm:pt modelId="{5EFA1CD9-FC2A-427A-AEB1-03F031BE2664}" type="pres">
+      <dgm:prSet presAssocID="{175D8B1A-9EBE-4AC5-9E62-F8C56429ED9B}" presName="Name10" presStyleLbl="parChTrans1D2" presStyleIdx="1" presStyleCnt="2"/>
+      <dgm:spPr/>
+    </dgm:pt>
+    <dgm:pt modelId="{EA83E505-F261-4C12-9A80-0B519EB938F7}" type="pres">
+      <dgm:prSet presAssocID="{BD953927-6270-4371-892C-93E2B97944AA}" presName="hierRoot2" presStyleCnt="0"/>
+      <dgm:spPr/>
+    </dgm:pt>
+    <dgm:pt modelId="{C4C63742-D3FD-40D1-844D-27FD1BD4BB3E}" type="pres">
+      <dgm:prSet presAssocID="{BD953927-6270-4371-892C-93E2B97944AA}" presName="composite2" presStyleCnt="0"/>
+      <dgm:spPr/>
+    </dgm:pt>
+    <dgm:pt modelId="{2E52C573-D661-48C4-A581-249C82FC3773}" type="pres">
+      <dgm:prSet presAssocID="{BD953927-6270-4371-892C-93E2B97944AA}" presName="background2" presStyleLbl="node2" presStyleIdx="1" presStyleCnt="2"/>
+      <dgm:spPr/>
+    </dgm:pt>
+    <dgm:pt modelId="{F44401D9-4B10-4E41-89C2-BEE610EDE56B}" type="pres">
+      <dgm:prSet presAssocID="{BD953927-6270-4371-892C-93E2B97944AA}" presName="text2" presStyleLbl="fgAcc2" presStyleIdx="1" presStyleCnt="2">
+        <dgm:presLayoutVars>
+          <dgm:chPref val="3"/>
+        </dgm:presLayoutVars>
+      </dgm:prSet>
+      <dgm:spPr/>
+    </dgm:pt>
+    <dgm:pt modelId="{5B41A9DA-F861-44AA-866B-C6FE3C40C70E}" type="pres">
+      <dgm:prSet presAssocID="{BD953927-6270-4371-892C-93E2B97944AA}" presName="hierChild3" presStyleCnt="0"/>
+      <dgm:spPr/>
+    </dgm:pt>
+    <dgm:pt modelId="{7920D9F8-D7BC-4070-A723-2876C123EDE8}" type="pres">
+      <dgm:prSet presAssocID="{9F021D58-D549-466C-B651-524D7F88A508}" presName="Name17" presStyleLbl="parChTrans1D3" presStyleIdx="2" presStyleCnt="3"/>
+      <dgm:spPr/>
+    </dgm:pt>
+    <dgm:pt modelId="{07F1C0D3-22C8-4269-A5CA-CE0CAF726EBE}" type="pres">
+      <dgm:prSet presAssocID="{3DA1F64C-2238-43AE-93CD-2E73989E0279}" presName="hierRoot3" presStyleCnt="0"/>
+      <dgm:spPr/>
+    </dgm:pt>
+    <dgm:pt modelId="{E3B22A79-B0E4-417C-825F-54A4E6A713C3}" type="pres">
+      <dgm:prSet presAssocID="{3DA1F64C-2238-43AE-93CD-2E73989E0279}" presName="composite3" presStyleCnt="0"/>
+      <dgm:spPr/>
+    </dgm:pt>
+    <dgm:pt modelId="{B7E38311-1455-47E0-8DE1-5A95DA087420}" type="pres">
+      <dgm:prSet presAssocID="{3DA1F64C-2238-43AE-93CD-2E73989E0279}" presName="background3" presStyleLbl="node3" presStyleIdx="2" presStyleCnt="3"/>
+      <dgm:spPr/>
+    </dgm:pt>
+    <dgm:pt modelId="{EDB5D979-5CB1-44B8-AD67-D8BC2134C57B}" type="pres">
+      <dgm:prSet presAssocID="{3DA1F64C-2238-43AE-93CD-2E73989E0279}" presName="text3" presStyleLbl="fgAcc3" presStyleIdx="2" presStyleCnt="3">
+        <dgm:presLayoutVars>
+          <dgm:chPref val="3"/>
+        </dgm:presLayoutVars>
+      </dgm:prSet>
+      <dgm:spPr/>
+    </dgm:pt>
+    <dgm:pt modelId="{9A79A884-9E88-4EFC-ABD3-0BB0534DFD18}" type="pres">
+      <dgm:prSet presAssocID="{3DA1F64C-2238-43AE-93CD-2E73989E0279}" presName="hierChild4" presStyleCnt="0"/>
+      <dgm:spPr/>
+    </dgm:pt>
+    <dgm:pt modelId="{97366A55-6B3D-4385-8DA8-E1118315CF83}" type="pres">
+      <dgm:prSet presAssocID="{99ED7E56-9BBA-4EBC-8F3C-3DFECB29117B}" presName="Name23" presStyleLbl="parChTrans1D4" presStyleIdx="1" presStyleCnt="2"/>
+      <dgm:spPr/>
+    </dgm:pt>
+    <dgm:pt modelId="{BBF659B0-FC48-49FE-B36D-DDE0FDE57860}" type="pres">
+      <dgm:prSet presAssocID="{A5A7B661-C784-43E9-B071-7C431CCE2880}" presName="hierRoot4" presStyleCnt="0"/>
+      <dgm:spPr/>
+    </dgm:pt>
+    <dgm:pt modelId="{41E9A123-D6A9-4DF2-B4FD-A8FF3A939831}" type="pres">
+      <dgm:prSet presAssocID="{A5A7B661-C784-43E9-B071-7C431CCE2880}" presName="composite4" presStyleCnt="0"/>
+      <dgm:spPr/>
+    </dgm:pt>
+    <dgm:pt modelId="{A9CF1D73-1516-4730-A88D-E28CCA2ADB0D}" type="pres">
+      <dgm:prSet presAssocID="{A5A7B661-C784-43E9-B071-7C431CCE2880}" presName="background4" presStyleLbl="node4" presStyleIdx="1" presStyleCnt="2"/>
+      <dgm:spPr/>
+    </dgm:pt>
+    <dgm:pt modelId="{2C34E5CE-464D-4B2E-864E-8AB93332E208}" type="pres">
+      <dgm:prSet presAssocID="{A5A7B661-C784-43E9-B071-7C431CCE2880}" presName="text4" presStyleLbl="fgAcc4" presStyleIdx="1" presStyleCnt="2">
+        <dgm:presLayoutVars>
+          <dgm:chPref val="3"/>
+        </dgm:presLayoutVars>
+      </dgm:prSet>
+      <dgm:spPr/>
+    </dgm:pt>
+    <dgm:pt modelId="{035FE0E6-F054-4EDA-ACB0-B0CE03EA8198}" type="pres">
+      <dgm:prSet presAssocID="{A5A7B661-C784-43E9-B071-7C431CCE2880}" presName="hierChild5" presStyleCnt="0"/>
       <dgm:spPr/>
     </dgm:pt>
   </dgm:ptLst>
   <dgm:cxnLst>
-    <dgm:cxn modelId="{F31BD098-DE8C-498C-AC74-FF928C715884}" type="presOf" srcId="{9F365186-9637-40E7-9D94-91FB61CEE4B8}" destId="{0AD50BDB-9C7C-4093-9E93-968D31F71BCA}" srcOrd="1" destOrd="0" presId="urn:microsoft.com/office/officeart/2005/8/layout/hList7"/>
-    <dgm:cxn modelId="{B18B5D44-EA9F-43B3-95E0-55979E02A087}" type="presOf" srcId="{44A36440-C044-4AFC-AC2B-0DB2AC9E191C}" destId="{B9698694-1695-4776-A208-6C3936420C05}" srcOrd="1" destOrd="0" presId="urn:microsoft.com/office/officeart/2005/8/layout/hList7"/>
-    <dgm:cxn modelId="{14CC1122-01A4-4FBE-A766-2056825E68EA}" type="presOf" srcId="{9F365186-9637-40E7-9D94-91FB61CEE4B8}" destId="{FB620026-D40C-4000-A51C-CFC7629FD18A}" srcOrd="0" destOrd="0" presId="urn:microsoft.com/office/officeart/2005/8/layout/hList7"/>
-    <dgm:cxn modelId="{DA00E18D-5562-40BE-9D66-F0204F065BAF}" type="presOf" srcId="{44A36440-C044-4AFC-AC2B-0DB2AC9E191C}" destId="{9DA2373B-2C93-4757-B244-C8D55C880082}" srcOrd="0" destOrd="0" presId="urn:microsoft.com/office/officeart/2005/8/layout/hList7"/>
-    <dgm:cxn modelId="{DE9B2352-CE7A-4692-B8D5-BE259D6C61D0}" type="presOf" srcId="{412CA174-6061-4106-936C-DB87F631E9EB}" destId="{2DF4F669-2BA7-4760-9BE5-6E1BC790AB5D}" srcOrd="0" destOrd="0" presId="urn:microsoft.com/office/officeart/2005/8/layout/hList7"/>
-    <dgm:cxn modelId="{E2A97992-ED4C-4FDE-B7B2-8114BF3C0E6A}" type="presOf" srcId="{7DD77B2A-25F3-4B29-BEC4-780CEE44CB3E}" destId="{53D73AAE-F10E-4625-A0A9-A100D42A75CB}" srcOrd="0" destOrd="0" presId="urn:microsoft.com/office/officeart/2005/8/layout/hList7"/>
-    <dgm:cxn modelId="{CE3F9EC1-7CCB-4C0C-9CC5-ED735A97D4F5}" srcId="{412CA174-6061-4106-936C-DB87F631E9EB}" destId="{564E0BE6-27CD-4894-BC91-F754C4A1AE64}" srcOrd="2" destOrd="0" parTransId="{FD0D3319-F3FB-403A-BF36-BEDA68D8051C}" sibTransId="{B6A7000A-A3CA-49AD-BA80-4EAE4C6EE5E7}"/>
-    <dgm:cxn modelId="{59445B87-6896-4627-942E-D26D11AAB978}" srcId="{412CA174-6061-4106-936C-DB87F631E9EB}" destId="{9F365186-9637-40E7-9D94-91FB61CEE4B8}" srcOrd="1" destOrd="0" parTransId="{2DF984F9-6C03-4EEA-910C-6D11A125F593}" sibTransId="{0AC1CFC1-1CF0-4732-A08D-C8E668C21F15}"/>
-    <dgm:cxn modelId="{F43EF4C9-383B-4584-85ED-717C81CCB855}" type="presOf" srcId="{0AC1CFC1-1CF0-4732-A08D-C8E668C21F15}" destId="{1B2E1430-4D3C-44A0-B8D5-4551FA9127A4}" srcOrd="0" destOrd="0" presId="urn:microsoft.com/office/officeart/2005/8/layout/hList7"/>
-    <dgm:cxn modelId="{5EA84D35-BB34-43A0-AC2F-631D5B3D8418}" srcId="{412CA174-6061-4106-936C-DB87F631E9EB}" destId="{44A36440-C044-4AFC-AC2B-0DB2AC9E191C}" srcOrd="0" destOrd="0" parTransId="{CBB94E3F-99C8-4969-A642-FEC8AAB7122F}" sibTransId="{7DD77B2A-25F3-4B29-BEC4-780CEE44CB3E}"/>
-    <dgm:cxn modelId="{8238D9A7-7BFB-4A54-A435-BECB50EB58FD}" type="presOf" srcId="{564E0BE6-27CD-4894-BC91-F754C4A1AE64}" destId="{E4A78685-5900-4D8A-80C4-286B79564E7E}" srcOrd="1" destOrd="0" presId="urn:microsoft.com/office/officeart/2005/8/layout/hList7"/>
-    <dgm:cxn modelId="{9B51F340-5122-4AD7-B6BC-99724B728AB1}" type="presOf" srcId="{564E0BE6-27CD-4894-BC91-F754C4A1AE64}" destId="{B0369BC4-A4EA-4E0C-9F03-4FF2B4EDFD77}" srcOrd="0" destOrd="0" presId="urn:microsoft.com/office/officeart/2005/8/layout/hList7"/>
-    <dgm:cxn modelId="{8B935EFE-552A-4BE2-A318-BBAC150C2A2F}" type="presParOf" srcId="{2DF4F669-2BA7-4760-9BE5-6E1BC790AB5D}" destId="{24076299-3833-45F1-9E72-8B1955D6A58E}" srcOrd="0" destOrd="0" presId="urn:microsoft.com/office/officeart/2005/8/layout/hList7"/>
-    <dgm:cxn modelId="{04515F10-1CD5-44DA-909B-E8B64EB0D42A}" type="presParOf" srcId="{2DF4F669-2BA7-4760-9BE5-6E1BC790AB5D}" destId="{E0545172-3F79-4957-9EB8-8462F6B778EE}" srcOrd="1" destOrd="0" presId="urn:microsoft.com/office/officeart/2005/8/layout/hList7"/>
-    <dgm:cxn modelId="{21C1381A-5730-4EE5-9D16-AE392B03592B}" type="presParOf" srcId="{E0545172-3F79-4957-9EB8-8462F6B778EE}" destId="{E83A773F-9347-4F44-942D-D1E511034D26}" srcOrd="0" destOrd="0" presId="urn:microsoft.com/office/officeart/2005/8/layout/hList7"/>
-    <dgm:cxn modelId="{83727492-5AF2-4B83-8708-83831736F2CF}" type="presParOf" srcId="{E83A773F-9347-4F44-942D-D1E511034D26}" destId="{9DA2373B-2C93-4757-B244-C8D55C880082}" srcOrd="0" destOrd="0" presId="urn:microsoft.com/office/officeart/2005/8/layout/hList7"/>
-    <dgm:cxn modelId="{8D356730-D245-4073-A6E4-516014E7E196}" type="presParOf" srcId="{E83A773F-9347-4F44-942D-D1E511034D26}" destId="{B9698694-1695-4776-A208-6C3936420C05}" srcOrd="1" destOrd="0" presId="urn:microsoft.com/office/officeart/2005/8/layout/hList7"/>
-    <dgm:cxn modelId="{AD6BCAA7-1140-4B01-AAF8-692F9B8E8857}" type="presParOf" srcId="{E83A773F-9347-4F44-942D-D1E511034D26}" destId="{3C131B49-01FF-43FC-9C1D-27F7117D928E}" srcOrd="2" destOrd="0" presId="urn:microsoft.com/office/officeart/2005/8/layout/hList7"/>
-    <dgm:cxn modelId="{FF051AAA-51AE-4CD2-A935-C1B143C87516}" type="presParOf" srcId="{E83A773F-9347-4F44-942D-D1E511034D26}" destId="{D4EB00BB-5881-4D4A-AEC3-F8EBBD35B37F}" srcOrd="3" destOrd="0" presId="urn:microsoft.com/office/officeart/2005/8/layout/hList7"/>
-    <dgm:cxn modelId="{61003D62-AC8E-4AD4-A821-7FAEC7061C57}" type="presParOf" srcId="{E0545172-3F79-4957-9EB8-8462F6B778EE}" destId="{53D73AAE-F10E-4625-A0A9-A100D42A75CB}" srcOrd="1" destOrd="0" presId="urn:microsoft.com/office/officeart/2005/8/layout/hList7"/>
-    <dgm:cxn modelId="{0994C4EA-71BE-41E7-9BC5-34CF2564FF97}" type="presParOf" srcId="{E0545172-3F79-4957-9EB8-8462F6B778EE}" destId="{DA5D9ECF-49AA-46AA-B447-B4035C049BE4}" srcOrd="2" destOrd="0" presId="urn:microsoft.com/office/officeart/2005/8/layout/hList7"/>
-    <dgm:cxn modelId="{DDD1F42F-07CF-4592-ABB5-E2F2DF2BACD2}" type="presParOf" srcId="{DA5D9ECF-49AA-46AA-B447-B4035C049BE4}" destId="{FB620026-D40C-4000-A51C-CFC7629FD18A}" srcOrd="0" destOrd="0" presId="urn:microsoft.com/office/officeart/2005/8/layout/hList7"/>
-    <dgm:cxn modelId="{B70A37EF-C8A5-43AB-A6AF-5BB3C1FAC517}" type="presParOf" srcId="{DA5D9ECF-49AA-46AA-B447-B4035C049BE4}" destId="{0AD50BDB-9C7C-4093-9E93-968D31F71BCA}" srcOrd="1" destOrd="0" presId="urn:microsoft.com/office/officeart/2005/8/layout/hList7"/>
-    <dgm:cxn modelId="{0D6894A6-084C-45A6-B4A7-9A84F27AE93F}" type="presParOf" srcId="{DA5D9ECF-49AA-46AA-B447-B4035C049BE4}" destId="{F30DBA3D-D9FE-4F30-8F3B-B5057ADCB3C2}" srcOrd="2" destOrd="0" presId="urn:microsoft.com/office/officeart/2005/8/layout/hList7"/>
-    <dgm:cxn modelId="{08EBDF94-DBE3-4328-B9E4-714D1183F2AA}" type="presParOf" srcId="{DA5D9ECF-49AA-46AA-B447-B4035C049BE4}" destId="{78B85EB2-B637-4EB4-A139-C1748B11CB08}" srcOrd="3" destOrd="0" presId="urn:microsoft.com/office/officeart/2005/8/layout/hList7"/>
-    <dgm:cxn modelId="{EFEEA3DD-CDDB-4514-93CF-6D21667BAC25}" type="presParOf" srcId="{E0545172-3F79-4957-9EB8-8462F6B778EE}" destId="{1B2E1430-4D3C-44A0-B8D5-4551FA9127A4}" srcOrd="3" destOrd="0" presId="urn:microsoft.com/office/officeart/2005/8/layout/hList7"/>
-    <dgm:cxn modelId="{E95D2884-E2A2-4BD9-AD20-39CDB16448A1}" type="presParOf" srcId="{E0545172-3F79-4957-9EB8-8462F6B778EE}" destId="{C8029DF6-2FDC-42FA-87E8-EDBAB036087E}" srcOrd="4" destOrd="0" presId="urn:microsoft.com/office/officeart/2005/8/layout/hList7"/>
-    <dgm:cxn modelId="{D46910A4-8E75-4110-BC4E-D992F0AB8B62}" type="presParOf" srcId="{C8029DF6-2FDC-42FA-87E8-EDBAB036087E}" destId="{B0369BC4-A4EA-4E0C-9F03-4FF2B4EDFD77}" srcOrd="0" destOrd="0" presId="urn:microsoft.com/office/officeart/2005/8/layout/hList7"/>
-    <dgm:cxn modelId="{CDFBA2FA-0A07-40B6-9B4A-E4D152AA5276}" type="presParOf" srcId="{C8029DF6-2FDC-42FA-87E8-EDBAB036087E}" destId="{E4A78685-5900-4D8A-80C4-286B79564E7E}" srcOrd="1" destOrd="0" presId="urn:microsoft.com/office/officeart/2005/8/layout/hList7"/>
-    <dgm:cxn modelId="{0433C4A0-C03B-488C-B122-A6520B7206FC}" type="presParOf" srcId="{C8029DF6-2FDC-42FA-87E8-EDBAB036087E}" destId="{D47EF028-1D88-4643-9075-310EC2A83233}" srcOrd="2" destOrd="0" presId="urn:microsoft.com/office/officeart/2005/8/layout/hList7"/>
-    <dgm:cxn modelId="{B3E701A0-C719-45F9-B431-D06E9555FB0E}" type="presParOf" srcId="{C8029DF6-2FDC-42FA-87E8-EDBAB036087E}" destId="{130EC317-3B7B-4190-9859-AE03C6549611}" srcOrd="3" destOrd="0" presId="urn:microsoft.com/office/officeart/2005/8/layout/hList7"/>
+    <dgm:cxn modelId="{8E473A25-94F6-4622-BA40-3A4CD8ABBC57}" type="presOf" srcId="{14D10AFA-C144-40A5-BB54-34E338D2F6B8}" destId="{4C683338-5076-4135-B727-63F4594F0666}" srcOrd="0" destOrd="0" presId="urn:microsoft.com/office/officeart/2005/8/layout/hierarchy1"/>
+    <dgm:cxn modelId="{D4FBC10C-8D96-42BA-BEDF-39E5C53A61F0}" srcId="{BD953927-6270-4371-892C-93E2B97944AA}" destId="{3DA1F64C-2238-43AE-93CD-2E73989E0279}" srcOrd="0" destOrd="0" parTransId="{9F021D58-D549-466C-B651-524D7F88A508}" sibTransId="{2C956213-0DA8-44BB-AEF8-229B651348BF}"/>
+    <dgm:cxn modelId="{C4EED8D9-52A7-4D00-82CA-67ED73E41569}" type="presOf" srcId="{38E6C891-B51D-49B2-AB21-F1335CED441E}" destId="{27AD2562-432B-44B3-8AE7-63794B52D1D3}" srcOrd="0" destOrd="0" presId="urn:microsoft.com/office/officeart/2005/8/layout/hierarchy1"/>
+    <dgm:cxn modelId="{679AF843-1C44-4F1C-8710-8BC61F1CD733}" type="presOf" srcId="{FC48E265-4568-41A6-A7A3-0A0F20809747}" destId="{9FF96586-9D18-46BC-8F71-89D56B7F6656}" srcOrd="0" destOrd="0" presId="urn:microsoft.com/office/officeart/2005/8/layout/hierarchy1"/>
+    <dgm:cxn modelId="{A7120FC9-4BAB-4296-822A-7DF015584AF2}" type="presOf" srcId="{9F021D58-D549-466C-B651-524D7F88A508}" destId="{7920D9F8-D7BC-4070-A723-2876C123EDE8}" srcOrd="0" destOrd="0" presId="urn:microsoft.com/office/officeart/2005/8/layout/hierarchy1"/>
+    <dgm:cxn modelId="{1A409DC3-2A63-4B79-BA7F-89007622D2F0}" type="presOf" srcId="{A5A7B661-C784-43E9-B071-7C431CCE2880}" destId="{2C34E5CE-464D-4B2E-864E-8AB93332E208}" srcOrd="0" destOrd="0" presId="urn:microsoft.com/office/officeart/2005/8/layout/hierarchy1"/>
+    <dgm:cxn modelId="{60A3C0EA-0E84-4DFB-B276-2D9A9386B428}" type="presOf" srcId="{9233E36A-5E91-4CB7-995F-65F756FC73EA}" destId="{6B692451-D721-4DE7-9D59-5B28BA443933}" srcOrd="0" destOrd="0" presId="urn:microsoft.com/office/officeart/2005/8/layout/hierarchy1"/>
+    <dgm:cxn modelId="{BF693BA2-C9C7-43A2-BA57-BBAF8357F855}" srcId="{3F2992CC-89E1-4FAA-9211-B5C4726C885A}" destId="{07D9253A-5107-4A0D-9680-E647F03A5F3E}" srcOrd="0" destOrd="0" parTransId="{5C3637A1-9D6B-4A74-ABDD-89E86BE7B854}" sibTransId="{3B9F8741-E2BD-4991-A673-665D9C3A8F5E}"/>
+    <dgm:cxn modelId="{D09011E1-3414-41FA-933A-84817695B169}" type="presOf" srcId="{65720944-ED2A-4770-9F7A-E04C4EA8B771}" destId="{4A3D12EE-93D8-49ED-AC39-4C96F9FF9094}" srcOrd="0" destOrd="0" presId="urn:microsoft.com/office/officeart/2005/8/layout/hierarchy1"/>
+    <dgm:cxn modelId="{AC857B4B-70D6-4DF1-9978-EC85F5173CA4}" type="presOf" srcId="{07D9253A-5107-4A0D-9680-E647F03A5F3E}" destId="{612BD9D3-2854-41D0-8C53-DD881B328180}" srcOrd="0" destOrd="0" presId="urn:microsoft.com/office/officeart/2005/8/layout/hierarchy1"/>
+    <dgm:cxn modelId="{240D1CF0-7A4A-486C-9500-5C2FDBF7FA1B}" type="presOf" srcId="{3DA1F64C-2238-43AE-93CD-2E73989E0279}" destId="{EDB5D979-5CB1-44B8-AD67-D8BC2134C57B}" srcOrd="0" destOrd="0" presId="urn:microsoft.com/office/officeart/2005/8/layout/hierarchy1"/>
+    <dgm:cxn modelId="{03C916CE-4355-430F-9140-A1C31A13FEDE}" type="presOf" srcId="{EB0BA624-0FF0-473D-8956-73E42A189BC2}" destId="{5A7E0AF9-E0BE-48D9-86D8-183F74599AAF}" srcOrd="0" destOrd="0" presId="urn:microsoft.com/office/officeart/2005/8/layout/hierarchy1"/>
+    <dgm:cxn modelId="{CF0B76B5-E241-4F22-A0CA-45792861436D}" type="presOf" srcId="{BD953927-6270-4371-892C-93E2B97944AA}" destId="{F44401D9-4B10-4E41-89C2-BEE610EDE56B}" srcOrd="0" destOrd="0" presId="urn:microsoft.com/office/officeart/2005/8/layout/hierarchy1"/>
+    <dgm:cxn modelId="{15C8E126-443C-4015-B116-ED23C5944136}" srcId="{14D10AFA-C144-40A5-BB54-34E338D2F6B8}" destId="{3F2992CC-89E1-4FAA-9211-B5C4726C885A}" srcOrd="0" destOrd="0" parTransId="{706A18E7-AAF1-4574-8130-CF9057FD44AB}" sibTransId="{50E18816-0DB6-4D00-9ED9-303F8247D0C0}"/>
+    <dgm:cxn modelId="{48832B91-AE2D-49EC-B087-736006B89299}" srcId="{9233E36A-5E91-4CB7-995F-65F756FC73EA}" destId="{EB0BA624-0FF0-473D-8956-73E42A189BC2}" srcOrd="0" destOrd="0" parTransId="{FC48E265-4568-41A6-A7A3-0A0F20809747}" sibTransId="{8E3CCF25-101A-41B8-B116-7903744AF250}"/>
+    <dgm:cxn modelId="{B54143F2-B02E-4B3A-A31F-19C4C13C2811}" srcId="{3F2992CC-89E1-4FAA-9211-B5C4726C885A}" destId="{BD953927-6270-4371-892C-93E2B97944AA}" srcOrd="1" destOrd="0" parTransId="{175D8B1A-9EBE-4AC5-9E62-F8C56429ED9B}" sibTransId="{640C8137-54B6-4E33-94F7-6604C30375DE}"/>
+    <dgm:cxn modelId="{1460E7E3-408E-4F33-A176-3ACD6B1A8718}" type="presOf" srcId="{3F2992CC-89E1-4FAA-9211-B5C4726C885A}" destId="{FA446246-77D0-49AF-95B8-88802BCA1338}" srcOrd="0" destOrd="0" presId="urn:microsoft.com/office/officeart/2005/8/layout/hierarchy1"/>
+    <dgm:cxn modelId="{5A74CD5F-BAE0-44BF-B183-20057B79C91B}" type="presOf" srcId="{5C3637A1-9D6B-4A74-ABDD-89E86BE7B854}" destId="{F2E7EAA0-D0C2-41B3-A3DC-52F91405A5DC}" srcOrd="0" destOrd="0" presId="urn:microsoft.com/office/officeart/2005/8/layout/hierarchy1"/>
+    <dgm:cxn modelId="{9A4CC0E3-0E0F-4143-954A-143C518F6AAC}" srcId="{3DA1F64C-2238-43AE-93CD-2E73989E0279}" destId="{A5A7B661-C784-43E9-B071-7C431CCE2880}" srcOrd="0" destOrd="0" parTransId="{99ED7E56-9BBA-4EBC-8F3C-3DFECB29117B}" sibTransId="{25868BBE-7A0A-4EDA-92F2-D76EB67AEC2A}"/>
+    <dgm:cxn modelId="{CCA26F3C-0538-4D9E-8C55-93CA2AE529C4}" type="presOf" srcId="{99ED7E56-9BBA-4EBC-8F3C-3DFECB29117B}" destId="{97366A55-6B3D-4385-8DA8-E1118315CF83}" srcOrd="0" destOrd="0" presId="urn:microsoft.com/office/officeart/2005/8/layout/hierarchy1"/>
+    <dgm:cxn modelId="{03494BAE-43E9-4ABA-8455-0B9DDAFDB272}" srcId="{07D9253A-5107-4A0D-9680-E647F03A5F3E}" destId="{9233E36A-5E91-4CB7-995F-65F756FC73EA}" srcOrd="1" destOrd="0" parTransId="{2E417344-F381-4307-85D4-19F357778321}" sibTransId="{30CF54C2-80F1-4D92-AD1C-C35B17B82CEB}"/>
+    <dgm:cxn modelId="{06979531-A881-453A-8794-26B767244BBC}" srcId="{07D9253A-5107-4A0D-9680-E647F03A5F3E}" destId="{38E6C891-B51D-49B2-AB21-F1335CED441E}" srcOrd="0" destOrd="0" parTransId="{65720944-ED2A-4770-9F7A-E04C4EA8B771}" sibTransId="{3EE8AFAB-0AD1-40A8-A119-2B253FDBDD5F}"/>
+    <dgm:cxn modelId="{A8B2EECF-B476-49AB-8D2B-AC2A12FA9D28}" type="presOf" srcId="{175D8B1A-9EBE-4AC5-9E62-F8C56429ED9B}" destId="{5EFA1CD9-FC2A-427A-AEB1-03F031BE2664}" srcOrd="0" destOrd="0" presId="urn:microsoft.com/office/officeart/2005/8/layout/hierarchy1"/>
+    <dgm:cxn modelId="{6AF739D2-4E6A-4C09-91F5-BDDECA12BD12}" type="presOf" srcId="{2E417344-F381-4307-85D4-19F357778321}" destId="{22CC65BA-32C2-461A-8543-6B607003FDF6}" srcOrd="0" destOrd="0" presId="urn:microsoft.com/office/officeart/2005/8/layout/hierarchy1"/>
+    <dgm:cxn modelId="{0831A593-5A4F-4EAC-A7E2-BC0B89FBBFE0}" type="presParOf" srcId="{4C683338-5076-4135-B727-63F4594F0666}" destId="{7846D944-1B51-483B-A25E-3E8BB304CE58}" srcOrd="0" destOrd="0" presId="urn:microsoft.com/office/officeart/2005/8/layout/hierarchy1"/>
+    <dgm:cxn modelId="{E6DC6AE0-6C77-48C1-BE89-73C2A6F97DCA}" type="presParOf" srcId="{7846D944-1B51-483B-A25E-3E8BB304CE58}" destId="{D479B051-593A-40A3-821D-29348FC36894}" srcOrd="0" destOrd="0" presId="urn:microsoft.com/office/officeart/2005/8/layout/hierarchy1"/>
+    <dgm:cxn modelId="{F6465B62-7B5B-4F5A-B715-E39B60536C95}" type="presParOf" srcId="{D479B051-593A-40A3-821D-29348FC36894}" destId="{2EE70F48-90B8-44B5-8396-B2CCE8516F90}" srcOrd="0" destOrd="0" presId="urn:microsoft.com/office/officeart/2005/8/layout/hierarchy1"/>
+    <dgm:cxn modelId="{A2B8C320-D3B9-4735-9E41-A8B643A91662}" type="presParOf" srcId="{D479B051-593A-40A3-821D-29348FC36894}" destId="{FA446246-77D0-49AF-95B8-88802BCA1338}" srcOrd="1" destOrd="0" presId="urn:microsoft.com/office/officeart/2005/8/layout/hierarchy1"/>
+    <dgm:cxn modelId="{8CF92F9E-2ABC-4243-ADD7-AD3A0CD6CF66}" type="presParOf" srcId="{7846D944-1B51-483B-A25E-3E8BB304CE58}" destId="{3B9A40D1-7338-4FD3-8029-72C8C8829C53}" srcOrd="1" destOrd="0" presId="urn:microsoft.com/office/officeart/2005/8/layout/hierarchy1"/>
+    <dgm:cxn modelId="{1C994B1E-6488-4EA9-B9D2-D5EA0CFE3532}" type="presParOf" srcId="{3B9A40D1-7338-4FD3-8029-72C8C8829C53}" destId="{F2E7EAA0-D0C2-41B3-A3DC-52F91405A5DC}" srcOrd="0" destOrd="0" presId="urn:microsoft.com/office/officeart/2005/8/layout/hierarchy1"/>
+    <dgm:cxn modelId="{553D0E0E-B091-415D-85C3-4B8DAEC57140}" type="presParOf" srcId="{3B9A40D1-7338-4FD3-8029-72C8C8829C53}" destId="{AD05F214-3FCD-403E-A8D9-BC94A7FFBA79}" srcOrd="1" destOrd="0" presId="urn:microsoft.com/office/officeart/2005/8/layout/hierarchy1"/>
+    <dgm:cxn modelId="{854E504B-CD65-4274-8907-4625833537BA}" type="presParOf" srcId="{AD05F214-3FCD-403E-A8D9-BC94A7FFBA79}" destId="{3B7C460B-7DB6-466A-A0C8-4CF106E8D817}" srcOrd="0" destOrd="0" presId="urn:microsoft.com/office/officeart/2005/8/layout/hierarchy1"/>
+    <dgm:cxn modelId="{DD6CD5E5-57C1-4331-8F1D-DA5EA1BA24BF}" type="presParOf" srcId="{3B7C460B-7DB6-466A-A0C8-4CF106E8D817}" destId="{0F237E68-2A4A-476B-B85A-693E80D5AB0D}" srcOrd="0" destOrd="0" presId="urn:microsoft.com/office/officeart/2005/8/layout/hierarchy1"/>
+    <dgm:cxn modelId="{955E0D8D-DB61-47F7-B730-295E30D77AA5}" type="presParOf" srcId="{3B7C460B-7DB6-466A-A0C8-4CF106E8D817}" destId="{612BD9D3-2854-41D0-8C53-DD881B328180}" srcOrd="1" destOrd="0" presId="urn:microsoft.com/office/officeart/2005/8/layout/hierarchy1"/>
+    <dgm:cxn modelId="{C73F244B-6A46-4BD2-892A-189A9916FA02}" type="presParOf" srcId="{AD05F214-3FCD-403E-A8D9-BC94A7FFBA79}" destId="{A8088733-619F-44AF-9600-2D349B4091D9}" srcOrd="1" destOrd="0" presId="urn:microsoft.com/office/officeart/2005/8/layout/hierarchy1"/>
+    <dgm:cxn modelId="{23FD12F0-3975-444E-848C-DAE87BC762C2}" type="presParOf" srcId="{A8088733-619F-44AF-9600-2D349B4091D9}" destId="{4A3D12EE-93D8-49ED-AC39-4C96F9FF9094}" srcOrd="0" destOrd="0" presId="urn:microsoft.com/office/officeart/2005/8/layout/hierarchy1"/>
+    <dgm:cxn modelId="{5EE2861A-AE4E-4E5D-A275-C8A3F82EB317}" type="presParOf" srcId="{A8088733-619F-44AF-9600-2D349B4091D9}" destId="{0A4C6BD7-32DE-48C0-AD09-F9DA0F298FBB}" srcOrd="1" destOrd="0" presId="urn:microsoft.com/office/officeart/2005/8/layout/hierarchy1"/>
+    <dgm:cxn modelId="{201D7D63-F323-4D38-BC9E-6C086DC498E4}" type="presParOf" srcId="{0A4C6BD7-32DE-48C0-AD09-F9DA0F298FBB}" destId="{BDF158C4-8040-4131-A475-30499FC38CA0}" srcOrd="0" destOrd="0" presId="urn:microsoft.com/office/officeart/2005/8/layout/hierarchy1"/>
+    <dgm:cxn modelId="{4449EABC-4631-4F6C-881E-C357BDA026BE}" type="presParOf" srcId="{BDF158C4-8040-4131-A475-30499FC38CA0}" destId="{395BBD5F-FECA-4C36-B2C2-7FBD3303342B}" srcOrd="0" destOrd="0" presId="urn:microsoft.com/office/officeart/2005/8/layout/hierarchy1"/>
+    <dgm:cxn modelId="{FC2B69E3-156F-4A47-8544-2F12A0C30B96}" type="presParOf" srcId="{BDF158C4-8040-4131-A475-30499FC38CA0}" destId="{27AD2562-432B-44B3-8AE7-63794B52D1D3}" srcOrd="1" destOrd="0" presId="urn:microsoft.com/office/officeart/2005/8/layout/hierarchy1"/>
+    <dgm:cxn modelId="{FF92B965-303B-4EF2-BADA-75C9CC8F509B}" type="presParOf" srcId="{0A4C6BD7-32DE-48C0-AD09-F9DA0F298FBB}" destId="{2206B893-816C-41B7-BEF0-522B43892BD8}" srcOrd="1" destOrd="0" presId="urn:microsoft.com/office/officeart/2005/8/layout/hierarchy1"/>
+    <dgm:cxn modelId="{984ECD9F-A7A9-4890-A0A5-8B1604728954}" type="presParOf" srcId="{A8088733-619F-44AF-9600-2D349B4091D9}" destId="{22CC65BA-32C2-461A-8543-6B607003FDF6}" srcOrd="2" destOrd="0" presId="urn:microsoft.com/office/officeart/2005/8/layout/hierarchy1"/>
+    <dgm:cxn modelId="{394D38C7-87ED-4C72-A387-AA45185E449C}" type="presParOf" srcId="{A8088733-619F-44AF-9600-2D349B4091D9}" destId="{138F61D8-9D0D-4A99-A0FE-A22899DAD3B8}" srcOrd="3" destOrd="0" presId="urn:microsoft.com/office/officeart/2005/8/layout/hierarchy1"/>
+    <dgm:cxn modelId="{9293FF4D-CED6-4C05-A8C1-2329CDEADDF3}" type="presParOf" srcId="{138F61D8-9D0D-4A99-A0FE-A22899DAD3B8}" destId="{EC64B31B-2B24-498C-8B0B-584E08576942}" srcOrd="0" destOrd="0" presId="urn:microsoft.com/office/officeart/2005/8/layout/hierarchy1"/>
+    <dgm:cxn modelId="{3D129BB6-1AA8-46B5-831C-BE09734C78B5}" type="presParOf" srcId="{EC64B31B-2B24-498C-8B0B-584E08576942}" destId="{6C4B236C-2144-4A40-AF53-05663930739B}" srcOrd="0" destOrd="0" presId="urn:microsoft.com/office/officeart/2005/8/layout/hierarchy1"/>
+    <dgm:cxn modelId="{6B5B8252-889A-4F16-BA38-1C72E3A52BF6}" type="presParOf" srcId="{EC64B31B-2B24-498C-8B0B-584E08576942}" destId="{6B692451-D721-4DE7-9D59-5B28BA443933}" srcOrd="1" destOrd="0" presId="urn:microsoft.com/office/officeart/2005/8/layout/hierarchy1"/>
+    <dgm:cxn modelId="{AE74D720-1286-4AD7-92A1-E034F1CEEAB5}" type="presParOf" srcId="{138F61D8-9D0D-4A99-A0FE-A22899DAD3B8}" destId="{95B85AB4-2603-4315-819E-E8F4F7A542B5}" srcOrd="1" destOrd="0" presId="urn:microsoft.com/office/officeart/2005/8/layout/hierarchy1"/>
+    <dgm:cxn modelId="{93A3A345-7430-4CAB-92D5-81053CA24C3B}" type="presParOf" srcId="{95B85AB4-2603-4315-819E-E8F4F7A542B5}" destId="{9FF96586-9D18-46BC-8F71-89D56B7F6656}" srcOrd="0" destOrd="0" presId="urn:microsoft.com/office/officeart/2005/8/layout/hierarchy1"/>
+    <dgm:cxn modelId="{CC56CF4B-6058-4C96-A8CA-F2C12A985C01}" type="presParOf" srcId="{95B85AB4-2603-4315-819E-E8F4F7A542B5}" destId="{D845F8C0-9DCC-4135-9478-513E2B8AE9C6}" srcOrd="1" destOrd="0" presId="urn:microsoft.com/office/officeart/2005/8/layout/hierarchy1"/>
+    <dgm:cxn modelId="{6530FA22-5B5B-4950-A4F9-CE3378D27FC9}" type="presParOf" srcId="{D845F8C0-9DCC-4135-9478-513E2B8AE9C6}" destId="{0D11C637-73C9-41FC-BB1F-F70262DCE9D0}" srcOrd="0" destOrd="0" presId="urn:microsoft.com/office/officeart/2005/8/layout/hierarchy1"/>
+    <dgm:cxn modelId="{29FD42C5-9D43-41AB-BB62-96E04967E785}" type="presParOf" srcId="{0D11C637-73C9-41FC-BB1F-F70262DCE9D0}" destId="{9B0858AF-B9EB-438F-A582-CBF71236448D}" srcOrd="0" destOrd="0" presId="urn:microsoft.com/office/officeart/2005/8/layout/hierarchy1"/>
+    <dgm:cxn modelId="{54CA81ED-ECB0-4B5D-B530-89810F883A10}" type="presParOf" srcId="{0D11C637-73C9-41FC-BB1F-F70262DCE9D0}" destId="{5A7E0AF9-E0BE-48D9-86D8-183F74599AAF}" srcOrd="1" destOrd="0" presId="urn:microsoft.com/office/officeart/2005/8/layout/hierarchy1"/>
+    <dgm:cxn modelId="{3583EAE7-A7FB-43F5-A1ED-C32366579FFF}" type="presParOf" srcId="{D845F8C0-9DCC-4135-9478-513E2B8AE9C6}" destId="{59B847ED-3714-4648-AD66-EAF55757346A}" srcOrd="1" destOrd="0" presId="urn:microsoft.com/office/officeart/2005/8/layout/hierarchy1"/>
+    <dgm:cxn modelId="{FB8BF999-C5E0-4B4E-BD02-15B62BFF6BE9}" type="presParOf" srcId="{3B9A40D1-7338-4FD3-8029-72C8C8829C53}" destId="{5EFA1CD9-FC2A-427A-AEB1-03F031BE2664}" srcOrd="2" destOrd="0" presId="urn:microsoft.com/office/officeart/2005/8/layout/hierarchy1"/>
+    <dgm:cxn modelId="{6C492F5B-C4A6-4B59-BA51-D6F1F82D951B}" type="presParOf" srcId="{3B9A40D1-7338-4FD3-8029-72C8C8829C53}" destId="{EA83E505-F261-4C12-9A80-0B519EB938F7}" srcOrd="3" destOrd="0" presId="urn:microsoft.com/office/officeart/2005/8/layout/hierarchy1"/>
+    <dgm:cxn modelId="{8E614090-0AD7-435E-8B45-87FC2C2A09B3}" type="presParOf" srcId="{EA83E505-F261-4C12-9A80-0B519EB938F7}" destId="{C4C63742-D3FD-40D1-844D-27FD1BD4BB3E}" srcOrd="0" destOrd="0" presId="urn:microsoft.com/office/officeart/2005/8/layout/hierarchy1"/>
+    <dgm:cxn modelId="{36F80AFC-A3AC-4C64-925F-E396692CEA1F}" type="presParOf" srcId="{C4C63742-D3FD-40D1-844D-27FD1BD4BB3E}" destId="{2E52C573-D661-48C4-A581-249C82FC3773}" srcOrd="0" destOrd="0" presId="urn:microsoft.com/office/officeart/2005/8/layout/hierarchy1"/>
+    <dgm:cxn modelId="{58F4650C-3231-4477-BD05-4974DF0A9492}" type="presParOf" srcId="{C4C63742-D3FD-40D1-844D-27FD1BD4BB3E}" destId="{F44401D9-4B10-4E41-89C2-BEE610EDE56B}" srcOrd="1" destOrd="0" presId="urn:microsoft.com/office/officeart/2005/8/layout/hierarchy1"/>
+    <dgm:cxn modelId="{C56A6ABC-370D-472C-866C-7D43EA7F51A9}" type="presParOf" srcId="{EA83E505-F261-4C12-9A80-0B519EB938F7}" destId="{5B41A9DA-F861-44AA-866B-C6FE3C40C70E}" srcOrd="1" destOrd="0" presId="urn:microsoft.com/office/officeart/2005/8/layout/hierarchy1"/>
+    <dgm:cxn modelId="{2E9EA524-95F6-4C3A-ABE6-676EA49F4771}" type="presParOf" srcId="{5B41A9DA-F861-44AA-866B-C6FE3C40C70E}" destId="{7920D9F8-D7BC-4070-A723-2876C123EDE8}" srcOrd="0" destOrd="0" presId="urn:microsoft.com/office/officeart/2005/8/layout/hierarchy1"/>
+    <dgm:cxn modelId="{B1DE4FD4-3BD5-4431-8FEA-25CB0970CA9A}" type="presParOf" srcId="{5B41A9DA-F861-44AA-866B-C6FE3C40C70E}" destId="{07F1C0D3-22C8-4269-A5CA-CE0CAF726EBE}" srcOrd="1" destOrd="0" presId="urn:microsoft.com/office/officeart/2005/8/layout/hierarchy1"/>
+    <dgm:cxn modelId="{3734D3A3-33D6-4996-B83A-8E0320828817}" type="presParOf" srcId="{07F1C0D3-22C8-4269-A5CA-CE0CAF726EBE}" destId="{E3B22A79-B0E4-417C-825F-54A4E6A713C3}" srcOrd="0" destOrd="0" presId="urn:microsoft.com/office/officeart/2005/8/layout/hierarchy1"/>
+    <dgm:cxn modelId="{FB819D20-450F-43A0-98EA-3C0F7FBC5541}" type="presParOf" srcId="{E3B22A79-B0E4-417C-825F-54A4E6A713C3}" destId="{B7E38311-1455-47E0-8DE1-5A95DA087420}" srcOrd="0" destOrd="0" presId="urn:microsoft.com/office/officeart/2005/8/layout/hierarchy1"/>
+    <dgm:cxn modelId="{CD80F079-B336-47F1-9941-D0F090944C1D}" type="presParOf" srcId="{E3B22A79-B0E4-417C-825F-54A4E6A713C3}" destId="{EDB5D979-5CB1-44B8-AD67-D8BC2134C57B}" srcOrd="1" destOrd="0" presId="urn:microsoft.com/office/officeart/2005/8/layout/hierarchy1"/>
+    <dgm:cxn modelId="{812D9C74-26F9-4630-9886-3ABDCD7B7488}" type="presParOf" srcId="{07F1C0D3-22C8-4269-A5CA-CE0CAF726EBE}" destId="{9A79A884-9E88-4EFC-ABD3-0BB0534DFD18}" srcOrd="1" destOrd="0" presId="urn:microsoft.com/office/officeart/2005/8/layout/hierarchy1"/>
+    <dgm:cxn modelId="{B7065D3C-487A-4CD3-BF25-266EB3C0A995}" type="presParOf" srcId="{9A79A884-9E88-4EFC-ABD3-0BB0534DFD18}" destId="{97366A55-6B3D-4385-8DA8-E1118315CF83}" srcOrd="0" destOrd="0" presId="urn:microsoft.com/office/officeart/2005/8/layout/hierarchy1"/>
+    <dgm:cxn modelId="{45B7F47C-3697-47D6-9207-ADE9B4C7499C}" type="presParOf" srcId="{9A79A884-9E88-4EFC-ABD3-0BB0534DFD18}" destId="{BBF659B0-FC48-49FE-B36D-DDE0FDE57860}" srcOrd="1" destOrd="0" presId="urn:microsoft.com/office/officeart/2005/8/layout/hierarchy1"/>
+    <dgm:cxn modelId="{3DBFA70F-6CA4-4B54-AE4B-F166A44E2210}" type="presParOf" srcId="{BBF659B0-FC48-49FE-B36D-DDE0FDE57860}" destId="{41E9A123-D6A9-4DF2-B4FD-A8FF3A939831}" srcOrd="0" destOrd="0" presId="urn:microsoft.com/office/officeart/2005/8/layout/hierarchy1"/>
+    <dgm:cxn modelId="{3C286CBF-A1A6-4380-8BC6-4C90FCD8FFA0}" type="presParOf" srcId="{41E9A123-D6A9-4DF2-B4FD-A8FF3A939831}" destId="{A9CF1D73-1516-4730-A88D-E28CCA2ADB0D}" srcOrd="0" destOrd="0" presId="urn:microsoft.com/office/officeart/2005/8/layout/hierarchy1"/>
+    <dgm:cxn modelId="{B0DF1501-EC77-4D69-8558-9C05D91B44B6}" type="presParOf" srcId="{41E9A123-D6A9-4DF2-B4FD-A8FF3A939831}" destId="{2C34E5CE-464D-4B2E-864E-8AB93332E208}" srcOrd="1" destOrd="0" presId="urn:microsoft.com/office/officeart/2005/8/layout/hierarchy1"/>
+    <dgm:cxn modelId="{1AF5BAD8-444D-409C-B490-37D1DFF8CDDD}" type="presParOf" srcId="{BBF659B0-FC48-49FE-B36D-DDE0FDE57860}" destId="{035FE0E6-F054-4EDA-ACB0-B0CE03EA8198}" srcOrd="1" destOrd="0" presId="urn:microsoft.com/office/officeart/2005/8/layout/hierarchy1"/>
   </dgm:cxnLst>
   <dgm:bg/>
   <dgm:whole/>
   <dgm:extLst>
     <a:ext uri="http://schemas.microsoft.com/office/drawing/2008/diagram">
-      <dsp:dataModelExt xmlns:dsp="http://schemas.microsoft.com/office/drawing/2008/diagram" relId="rId6" minVer="http://schemas.openxmlformats.org/drawingml/2006/diagram"/>
+      <dsp:dataModelExt xmlns:dsp="http://schemas.microsoft.com/office/drawing/2008/diagram" relId="rId11" minVer="http://schemas.openxmlformats.org/drawingml/2006/diagram"/>
     </a:ext>
   </dgm:extLst>
 </dgm:dataModel>
@@ -13515,6 +14616,463 @@
 </file>
 
 <file path=ppt/diagrams/drawing10.xml><?xml version="1.0" encoding="utf-8"?>
+<dsp:drawing xmlns:dgm="http://schemas.openxmlformats.org/drawingml/2006/diagram" xmlns:dsp="http://schemas.microsoft.com/office/drawing/2008/diagram" xmlns:a="http://schemas.openxmlformats.org/drawingml/2006/main">
+  <dsp:spTree>
+    <dsp:nvGrpSpPr>
+      <dsp:cNvPr id="0" name=""/>
+      <dsp:cNvGrpSpPr/>
+    </dsp:nvGrpSpPr>
+    <dsp:grpSpPr/>
+    <dsp:sp modelId="{9DA2373B-2C93-4757-B244-C8D55C880082}">
+      <dsp:nvSpPr>
+        <dsp:cNvPr id="0" name=""/>
+        <dsp:cNvSpPr/>
+      </dsp:nvSpPr>
+      <dsp:spPr>
+        <a:xfrm>
+          <a:off x="1189" y="0"/>
+          <a:ext cx="1849922" cy="3927828"/>
+        </a:xfrm>
+        <a:prstGeom prst="roundRect">
+          <a:avLst>
+            <a:gd name="adj" fmla="val 10000"/>
+          </a:avLst>
+        </a:prstGeom>
+        <a:solidFill>
+          <a:schemeClr val="accent1">
+            <a:alpha val="90000"/>
+            <a:hueOff val="0"/>
+            <a:satOff val="0"/>
+            <a:lumOff val="0"/>
+            <a:alphaOff val="0"/>
+          </a:schemeClr>
+        </a:solidFill>
+        <a:ln w="12700" cap="flat" cmpd="sng" algn="ctr">
+          <a:solidFill>
+            <a:schemeClr val="lt1">
+              <a:hueOff val="0"/>
+              <a:satOff val="0"/>
+              <a:lumOff val="0"/>
+              <a:alphaOff val="0"/>
+            </a:schemeClr>
+          </a:solidFill>
+          <a:prstDash val="solid"/>
+          <a:miter lim="800000"/>
+        </a:ln>
+        <a:effectLst/>
+      </dsp:spPr>
+      <dsp:style>
+        <a:lnRef idx="2">
+          <a:scrgbClr r="0" g="0" b="0"/>
+        </a:lnRef>
+        <a:fillRef idx="1">
+          <a:scrgbClr r="0" g="0" b="0"/>
+        </a:fillRef>
+        <a:effectRef idx="0">
+          <a:scrgbClr r="0" g="0" b="0"/>
+        </a:effectRef>
+        <a:fontRef idx="minor">
+          <a:schemeClr val="lt1"/>
+        </a:fontRef>
+      </dsp:style>
+      <dsp:txBody>
+        <a:bodyPr spcFirstLastPara="0" vert="horz" wrap="square" lIns="192024" tIns="192024" rIns="192024" bIns="192024" numCol="1" spcCol="1270" anchor="ctr" anchorCtr="0">
+          <a:noAutofit/>
+        </a:bodyPr>
+        <a:lstStyle/>
+        <a:p>
+          <a:pPr marL="0" lvl="0" indent="0" algn="ctr" defTabSz="1200150">
+            <a:lnSpc>
+              <a:spcPct val="90000"/>
+            </a:lnSpc>
+            <a:spcBef>
+              <a:spcPct val="0"/>
+            </a:spcBef>
+            <a:spcAft>
+              <a:spcPct val="35000"/>
+            </a:spcAft>
+            <a:buNone/>
+          </a:pPr>
+          <a:r>
+            <a:rPr lang="en-US" sz="2700" kern="1200" dirty="0"/>
+            <a:t>View</a:t>
+          </a:r>
+        </a:p>
+      </dsp:txBody>
+      <dsp:txXfrm>
+        <a:off x="1189" y="1571131"/>
+        <a:ext cx="1849922" cy="1571131"/>
+      </dsp:txXfrm>
+    </dsp:sp>
+    <dsp:sp modelId="{D4EB00BB-5881-4D4A-AEC3-F8EBBD35B37F}">
+      <dsp:nvSpPr>
+        <dsp:cNvPr id="0" name=""/>
+        <dsp:cNvSpPr/>
+      </dsp:nvSpPr>
+      <dsp:spPr>
+        <a:xfrm>
+          <a:off x="272166" y="235669"/>
+          <a:ext cx="1307966" cy="1307966"/>
+        </a:xfrm>
+        <a:prstGeom prst="ellipse">
+          <a:avLst/>
+        </a:prstGeom>
+        <a:blipFill>
+          <a:blip xmlns:r="http://schemas.openxmlformats.org/officeDocument/2006/relationships" r:embed="rId1">
+            <a:extLst>
+              <a:ext uri="{28A0092B-C50C-407E-A947-70E740481C1C}">
+                <a14:useLocalDpi xmlns:a14="http://schemas.microsoft.com/office/drawing/2010/main" val="0"/>
+              </a:ext>
+            </a:extLst>
+          </a:blip>
+          <a:srcRect/>
+          <a:stretch>
+            <a:fillRect/>
+          </a:stretch>
+        </a:blipFill>
+        <a:ln w="12700" cap="flat" cmpd="sng" algn="ctr">
+          <a:solidFill>
+            <a:schemeClr val="lt1">
+              <a:hueOff val="0"/>
+              <a:satOff val="0"/>
+              <a:lumOff val="0"/>
+              <a:alphaOff val="0"/>
+            </a:schemeClr>
+          </a:solidFill>
+          <a:prstDash val="solid"/>
+          <a:miter lim="800000"/>
+        </a:ln>
+        <a:effectLst/>
+      </dsp:spPr>
+      <dsp:style>
+        <a:lnRef idx="2">
+          <a:scrgbClr r="0" g="0" b="0"/>
+        </a:lnRef>
+        <a:fillRef idx="1">
+          <a:scrgbClr r="0" g="0" b="0"/>
+        </a:fillRef>
+        <a:effectRef idx="0">
+          <a:scrgbClr r="0" g="0" b="0"/>
+        </a:effectRef>
+        <a:fontRef idx="minor"/>
+      </dsp:style>
+    </dsp:sp>
+    <dsp:sp modelId="{FB620026-D40C-4000-A51C-CFC7629FD18A}">
+      <dsp:nvSpPr>
+        <dsp:cNvPr id="0" name=""/>
+        <dsp:cNvSpPr/>
+      </dsp:nvSpPr>
+      <dsp:spPr>
+        <a:xfrm>
+          <a:off x="1906609" y="0"/>
+          <a:ext cx="1849922" cy="3927828"/>
+        </a:xfrm>
+        <a:prstGeom prst="roundRect">
+          <a:avLst>
+            <a:gd name="adj" fmla="val 10000"/>
+          </a:avLst>
+        </a:prstGeom>
+        <a:solidFill>
+          <a:schemeClr val="accent1">
+            <a:alpha val="90000"/>
+            <a:hueOff val="0"/>
+            <a:satOff val="0"/>
+            <a:lumOff val="0"/>
+            <a:alphaOff val="-20000"/>
+          </a:schemeClr>
+        </a:solidFill>
+        <a:ln w="12700" cap="flat" cmpd="sng" algn="ctr">
+          <a:solidFill>
+            <a:schemeClr val="lt1">
+              <a:hueOff val="0"/>
+              <a:satOff val="0"/>
+              <a:lumOff val="0"/>
+              <a:alphaOff val="0"/>
+            </a:schemeClr>
+          </a:solidFill>
+          <a:prstDash val="solid"/>
+          <a:miter lim="800000"/>
+        </a:ln>
+        <a:effectLst/>
+      </dsp:spPr>
+      <dsp:style>
+        <a:lnRef idx="2">
+          <a:scrgbClr r="0" g="0" b="0"/>
+        </a:lnRef>
+        <a:fillRef idx="1">
+          <a:scrgbClr r="0" g="0" b="0"/>
+        </a:fillRef>
+        <a:effectRef idx="0">
+          <a:scrgbClr r="0" g="0" b="0"/>
+        </a:effectRef>
+        <a:fontRef idx="minor">
+          <a:schemeClr val="lt1"/>
+        </a:fontRef>
+      </dsp:style>
+      <dsp:txBody>
+        <a:bodyPr spcFirstLastPara="0" vert="horz" wrap="square" lIns="192024" tIns="192024" rIns="192024" bIns="192024" numCol="1" spcCol="1270" anchor="ctr" anchorCtr="0">
+          <a:noAutofit/>
+        </a:bodyPr>
+        <a:lstStyle/>
+        <a:p>
+          <a:pPr marL="0" lvl="0" indent="0" algn="ctr" defTabSz="1200150">
+            <a:lnSpc>
+              <a:spcPct val="90000"/>
+            </a:lnSpc>
+            <a:spcBef>
+              <a:spcPct val="0"/>
+            </a:spcBef>
+            <a:spcAft>
+              <a:spcPct val="35000"/>
+            </a:spcAft>
+            <a:buNone/>
+          </a:pPr>
+          <a:r>
+            <a:rPr lang="en-US" sz="2700" kern="1200" dirty="0"/>
+            <a:t>Controller</a:t>
+          </a:r>
+        </a:p>
+      </dsp:txBody>
+      <dsp:txXfrm>
+        <a:off x="1906609" y="1571131"/>
+        <a:ext cx="1849922" cy="1571131"/>
+      </dsp:txXfrm>
+    </dsp:sp>
+    <dsp:sp modelId="{78B85EB2-B637-4EB4-A139-C1748B11CB08}">
+      <dsp:nvSpPr>
+        <dsp:cNvPr id="0" name=""/>
+        <dsp:cNvSpPr/>
+      </dsp:nvSpPr>
+      <dsp:spPr>
+        <a:xfrm>
+          <a:off x="2177587" y="235669"/>
+          <a:ext cx="1307966" cy="1307966"/>
+        </a:xfrm>
+        <a:prstGeom prst="ellipse">
+          <a:avLst/>
+        </a:prstGeom>
+        <a:solidFill>
+          <a:schemeClr val="accent1">
+            <a:tint val="50000"/>
+            <a:alpha val="90000"/>
+            <a:hueOff val="51683"/>
+            <a:satOff val="0"/>
+            <a:lumOff val="3760"/>
+            <a:alphaOff val="-20000"/>
+          </a:schemeClr>
+        </a:solidFill>
+        <a:ln w="12700" cap="flat" cmpd="sng" algn="ctr">
+          <a:solidFill>
+            <a:schemeClr val="lt1">
+              <a:hueOff val="0"/>
+              <a:satOff val="0"/>
+              <a:lumOff val="0"/>
+              <a:alphaOff val="0"/>
+            </a:schemeClr>
+          </a:solidFill>
+          <a:prstDash val="solid"/>
+          <a:miter lim="800000"/>
+        </a:ln>
+        <a:effectLst/>
+      </dsp:spPr>
+      <dsp:style>
+        <a:lnRef idx="2">
+          <a:scrgbClr r="0" g="0" b="0"/>
+        </a:lnRef>
+        <a:fillRef idx="1">
+          <a:scrgbClr r="0" g="0" b="0"/>
+        </a:fillRef>
+        <a:effectRef idx="0">
+          <a:scrgbClr r="0" g="0" b="0"/>
+        </a:effectRef>
+        <a:fontRef idx="minor"/>
+      </dsp:style>
+    </dsp:sp>
+    <dsp:sp modelId="{B0369BC4-A4EA-4E0C-9F03-4FF2B4EDFD77}">
+      <dsp:nvSpPr>
+        <dsp:cNvPr id="0" name=""/>
+        <dsp:cNvSpPr/>
+      </dsp:nvSpPr>
+      <dsp:spPr>
+        <a:xfrm>
+          <a:off x="3813218" y="0"/>
+          <a:ext cx="1849922" cy="3927828"/>
+        </a:xfrm>
+        <a:prstGeom prst="roundRect">
+          <a:avLst>
+            <a:gd name="adj" fmla="val 10000"/>
+          </a:avLst>
+        </a:prstGeom>
+        <a:solidFill>
+          <a:schemeClr val="accent1">
+            <a:alpha val="90000"/>
+            <a:hueOff val="0"/>
+            <a:satOff val="0"/>
+            <a:lumOff val="0"/>
+            <a:alphaOff val="-40000"/>
+          </a:schemeClr>
+        </a:solidFill>
+        <a:ln w="12700" cap="flat" cmpd="sng" algn="ctr">
+          <a:solidFill>
+            <a:schemeClr val="lt1">
+              <a:hueOff val="0"/>
+              <a:satOff val="0"/>
+              <a:lumOff val="0"/>
+              <a:alphaOff val="0"/>
+            </a:schemeClr>
+          </a:solidFill>
+          <a:prstDash val="solid"/>
+          <a:miter lim="800000"/>
+        </a:ln>
+        <a:effectLst/>
+      </dsp:spPr>
+      <dsp:style>
+        <a:lnRef idx="2">
+          <a:scrgbClr r="0" g="0" b="0"/>
+        </a:lnRef>
+        <a:fillRef idx="1">
+          <a:scrgbClr r="0" g="0" b="0"/>
+        </a:fillRef>
+        <a:effectRef idx="0">
+          <a:scrgbClr r="0" g="0" b="0"/>
+        </a:effectRef>
+        <a:fontRef idx="minor">
+          <a:schemeClr val="lt1"/>
+        </a:fontRef>
+      </dsp:style>
+      <dsp:txBody>
+        <a:bodyPr spcFirstLastPara="0" vert="horz" wrap="square" lIns="192024" tIns="192024" rIns="192024" bIns="192024" numCol="1" spcCol="1270" anchor="ctr" anchorCtr="0">
+          <a:noAutofit/>
+        </a:bodyPr>
+        <a:lstStyle/>
+        <a:p>
+          <a:pPr marL="0" lvl="0" indent="0" algn="ctr" defTabSz="1200150">
+            <a:lnSpc>
+              <a:spcPct val="90000"/>
+            </a:lnSpc>
+            <a:spcBef>
+              <a:spcPct val="0"/>
+            </a:spcBef>
+            <a:spcAft>
+              <a:spcPct val="35000"/>
+            </a:spcAft>
+            <a:buNone/>
+          </a:pPr>
+          <a:r>
+            <a:rPr lang="en-US" sz="2700" kern="1200" dirty="0"/>
+            <a:t>Model</a:t>
+          </a:r>
+        </a:p>
+      </dsp:txBody>
+      <dsp:txXfrm>
+        <a:off x="3813218" y="1571131"/>
+        <a:ext cx="1849922" cy="1571131"/>
+      </dsp:txXfrm>
+    </dsp:sp>
+    <dsp:sp modelId="{130EC317-3B7B-4190-9859-AE03C6549611}">
+      <dsp:nvSpPr>
+        <dsp:cNvPr id="0" name=""/>
+        <dsp:cNvSpPr/>
+      </dsp:nvSpPr>
+      <dsp:spPr>
+        <a:xfrm>
+          <a:off x="4083007" y="235669"/>
+          <a:ext cx="1307966" cy="1307966"/>
+        </a:xfrm>
+        <a:prstGeom prst="ellipse">
+          <a:avLst/>
+        </a:prstGeom>
+        <a:solidFill>
+          <a:schemeClr val="accent1">
+            <a:tint val="50000"/>
+            <a:alpha val="90000"/>
+            <a:hueOff val="103366"/>
+            <a:satOff val="0"/>
+            <a:lumOff val="7519"/>
+            <a:alphaOff val="-40000"/>
+          </a:schemeClr>
+        </a:solidFill>
+        <a:ln w="12700" cap="flat" cmpd="sng" algn="ctr">
+          <a:solidFill>
+            <a:schemeClr val="lt1">
+              <a:hueOff val="0"/>
+              <a:satOff val="0"/>
+              <a:lumOff val="0"/>
+              <a:alphaOff val="0"/>
+            </a:schemeClr>
+          </a:solidFill>
+          <a:prstDash val="solid"/>
+          <a:miter lim="800000"/>
+        </a:ln>
+        <a:effectLst/>
+      </dsp:spPr>
+      <dsp:style>
+        <a:lnRef idx="2">
+          <a:scrgbClr r="0" g="0" b="0"/>
+        </a:lnRef>
+        <a:fillRef idx="1">
+          <a:scrgbClr r="0" g="0" b="0"/>
+        </a:fillRef>
+        <a:effectRef idx="0">
+          <a:scrgbClr r="0" g="0" b="0"/>
+        </a:effectRef>
+        <a:fontRef idx="minor"/>
+      </dsp:style>
+    </dsp:sp>
+    <dsp:sp modelId="{24076299-3833-45F1-9E72-8B1955D6A58E}">
+      <dsp:nvSpPr>
+        <dsp:cNvPr id="0" name=""/>
+        <dsp:cNvSpPr/>
+      </dsp:nvSpPr>
+      <dsp:spPr>
+        <a:xfrm>
+          <a:off x="226525" y="3142262"/>
+          <a:ext cx="5210089" cy="589174"/>
+        </a:xfrm>
+        <a:prstGeom prst="leftRightArrow">
+          <a:avLst/>
+        </a:prstGeom>
+        <a:solidFill>
+          <a:schemeClr val="accent1">
+            <a:tint val="40000"/>
+            <a:hueOff val="0"/>
+            <a:satOff val="0"/>
+            <a:lumOff val="0"/>
+            <a:alphaOff val="0"/>
+          </a:schemeClr>
+        </a:solidFill>
+        <a:ln w="12700" cap="flat" cmpd="sng" algn="ctr">
+          <a:solidFill>
+            <a:schemeClr val="lt1">
+              <a:hueOff val="0"/>
+              <a:satOff val="0"/>
+              <a:lumOff val="0"/>
+              <a:alphaOff val="0"/>
+            </a:schemeClr>
+          </a:solidFill>
+          <a:prstDash val="solid"/>
+          <a:miter lim="800000"/>
+        </a:ln>
+        <a:effectLst/>
+      </dsp:spPr>
+      <dsp:style>
+        <a:lnRef idx="2">
+          <a:scrgbClr r="0" g="0" b="0"/>
+        </a:lnRef>
+        <a:fillRef idx="1">
+          <a:scrgbClr r="0" g="0" b="0"/>
+        </a:fillRef>
+        <a:effectRef idx="0">
+          <a:scrgbClr r="0" g="0" b="0"/>
+        </a:effectRef>
+        <a:fontRef idx="minor"/>
+      </dsp:style>
+    </dsp:sp>
+  </dsp:spTree>
+</dsp:drawing>
+</file>
+
+<file path=ppt/diagrams/drawing11.xml><?xml version="1.0" encoding="utf-8"?>
 <dsp:drawing xmlns:dgm="http://schemas.openxmlformats.org/drawingml/2006/diagram" xmlns:dsp="http://schemas.microsoft.com/office/drawing/2008/diagram" xmlns:a="http://schemas.openxmlformats.org/drawingml/2006/main">
   <dsp:spTree>
     <dsp:nvGrpSpPr>
@@ -18571,15 +20129,137 @@
       <dsp:cNvGrpSpPr/>
     </dsp:nvGrpSpPr>
     <dsp:grpSpPr/>
-    <dsp:sp modelId="{A187A018-A2FE-4E0E-ABC9-2F460E775545}">
+  </dsp:spTree>
+</dsp:drawing>
+</file>
+
+<file path=ppt/diagrams/drawing9.xml><?xml version="1.0" encoding="utf-8"?>
+<dsp:drawing xmlns:dgm="http://schemas.openxmlformats.org/drawingml/2006/diagram" xmlns:dsp="http://schemas.microsoft.com/office/drawing/2008/diagram" xmlns:a="http://schemas.openxmlformats.org/drawingml/2006/main">
+  <dsp:spTree>
+    <dsp:nvGrpSpPr>
+      <dsp:cNvPr id="0" name=""/>
+      <dsp:cNvGrpSpPr/>
+    </dsp:nvGrpSpPr>
+    <dsp:grpSpPr/>
+    <dsp:sp modelId="{97366A55-6B3D-4385-8DA8-E1118315CF83}">
       <dsp:nvSpPr>
         <dsp:cNvPr id="0" name=""/>
         <dsp:cNvSpPr/>
       </dsp:nvSpPr>
       <dsp:spPr>
-        <a:xfrm rot="8432832">
-          <a:off x="2185874" y="2814506"/>
-          <a:ext cx="1178340" cy="0"/>
+        <a:xfrm>
+          <a:off x="5812811" y="3828520"/>
+          <a:ext cx="91440" cy="447614"/>
+        </a:xfrm>
+        <a:custGeom>
+          <a:avLst/>
+          <a:gdLst/>
+          <a:ahLst/>
+          <a:cxnLst/>
+          <a:rect l="0" t="0" r="0" b="0"/>
+          <a:pathLst>
+            <a:path>
+              <a:moveTo>
+                <a:pt x="45720" y="0"/>
+              </a:moveTo>
+              <a:lnTo>
+                <a:pt x="45720" y="447614"/>
+              </a:lnTo>
+            </a:path>
+          </a:pathLst>
+        </a:custGeom>
+        <a:noFill/>
+        <a:ln w="12700" cap="flat" cmpd="sng" algn="ctr">
+          <a:solidFill>
+            <a:schemeClr val="accent4">
+              <a:hueOff val="0"/>
+              <a:satOff val="0"/>
+              <a:lumOff val="0"/>
+              <a:alphaOff val="0"/>
+            </a:schemeClr>
+          </a:solidFill>
+          <a:prstDash val="solid"/>
+          <a:miter lim="800000"/>
+        </a:ln>
+        <a:effectLst/>
+      </dsp:spPr>
+      <dsp:style>
+        <a:lnRef idx="2">
+          <a:scrgbClr r="0" g="0" b="0"/>
+        </a:lnRef>
+        <a:fillRef idx="0">
+          <a:scrgbClr r="0" g="0" b="0"/>
+        </a:fillRef>
+        <a:effectRef idx="0">
+          <a:scrgbClr r="0" g="0" b="0"/>
+        </a:effectRef>
+        <a:fontRef idx="minor"/>
+      </dsp:style>
+    </dsp:sp>
+    <dsp:sp modelId="{7920D9F8-D7BC-4070-A723-2876C123EDE8}">
+      <dsp:nvSpPr>
+        <dsp:cNvPr id="0" name=""/>
+        <dsp:cNvSpPr/>
+      </dsp:nvSpPr>
+      <dsp:spPr>
+        <a:xfrm>
+          <a:off x="5812811" y="2403591"/>
+          <a:ext cx="91440" cy="447614"/>
+        </a:xfrm>
+        <a:custGeom>
+          <a:avLst/>
+          <a:gdLst/>
+          <a:ahLst/>
+          <a:cxnLst/>
+          <a:rect l="0" t="0" r="0" b="0"/>
+          <a:pathLst>
+            <a:path>
+              <a:moveTo>
+                <a:pt x="45720" y="0"/>
+              </a:moveTo>
+              <a:lnTo>
+                <a:pt x="45720" y="447614"/>
+              </a:lnTo>
+            </a:path>
+          </a:pathLst>
+        </a:custGeom>
+        <a:noFill/>
+        <a:ln w="12700" cap="flat" cmpd="sng" algn="ctr">
+          <a:solidFill>
+            <a:schemeClr val="accent3">
+              <a:hueOff val="0"/>
+              <a:satOff val="0"/>
+              <a:lumOff val="0"/>
+              <a:alphaOff val="0"/>
+            </a:schemeClr>
+          </a:solidFill>
+          <a:prstDash val="solid"/>
+          <a:miter lim="800000"/>
+        </a:ln>
+        <a:effectLst/>
+      </dsp:spPr>
+      <dsp:style>
+        <a:lnRef idx="2">
+          <a:scrgbClr r="0" g="0" b="0"/>
+        </a:lnRef>
+        <a:fillRef idx="0">
+          <a:scrgbClr r="0" g="0" b="0"/>
+        </a:fillRef>
+        <a:effectRef idx="0">
+          <a:scrgbClr r="0" g="0" b="0"/>
+        </a:effectRef>
+        <a:fontRef idx="minor"/>
+      </dsp:style>
+    </dsp:sp>
+    <dsp:sp modelId="{5EFA1CD9-FC2A-427A-AEB1-03F031BE2664}">
+      <dsp:nvSpPr>
+        <dsp:cNvPr id="0" name=""/>
+        <dsp:cNvSpPr/>
+      </dsp:nvSpPr>
+      <dsp:spPr>
+        <a:xfrm>
+          <a:off x="4471689" y="978662"/>
+          <a:ext cx="1386841" cy="447614"/>
         </a:xfrm>
         <a:custGeom>
           <a:avLst/>
@@ -18593,7 +20273,13 @@
                 <a:pt x="0" y="0"/>
               </a:moveTo>
               <a:lnTo>
-                <a:pt x="1178340" y="0"/>
+                <a:pt x="0" y="305036"/>
+              </a:lnTo>
+              <a:lnTo>
+                <a:pt x="1386841" y="305036"/>
+              </a:lnTo>
+              <a:lnTo>
+                <a:pt x="1386841" y="447614"/>
               </a:lnTo>
             </a:path>
           </a:pathLst>
@@ -18626,15 +20312,76 @@
         <a:fontRef idx="minor"/>
       </dsp:style>
     </dsp:sp>
-    <dsp:sp modelId="{8AAFC746-5C25-4676-9002-7E295E4FC35D}">
+    <dsp:sp modelId="{9FF96586-9D18-46BC-8F71-89D56B7F6656}">
       <dsp:nvSpPr>
         <dsp:cNvPr id="0" name=""/>
         <dsp:cNvSpPr/>
       </dsp:nvSpPr>
       <dsp:spPr>
-        <a:xfrm rot="2264978">
-          <a:off x="4529976" y="2808136"/>
-          <a:ext cx="1202243" cy="0"/>
+        <a:xfrm>
+          <a:off x="3100086" y="3828520"/>
+          <a:ext cx="877350" cy="447614"/>
+        </a:xfrm>
+        <a:custGeom>
+          <a:avLst/>
+          <a:gdLst/>
+          <a:ahLst/>
+          <a:cxnLst/>
+          <a:rect l="0" t="0" r="0" b="0"/>
+          <a:pathLst>
+            <a:path>
+              <a:moveTo>
+                <a:pt x="877350" y="0"/>
+              </a:moveTo>
+              <a:lnTo>
+                <a:pt x="877350" y="305036"/>
+              </a:lnTo>
+              <a:lnTo>
+                <a:pt x="0" y="305036"/>
+              </a:lnTo>
+              <a:lnTo>
+                <a:pt x="0" y="447614"/>
+              </a:lnTo>
+            </a:path>
+          </a:pathLst>
+        </a:custGeom>
+        <a:noFill/>
+        <a:ln w="12700" cap="flat" cmpd="sng" algn="ctr">
+          <a:solidFill>
+            <a:schemeClr val="accent4">
+              <a:hueOff val="0"/>
+              <a:satOff val="0"/>
+              <a:lumOff val="0"/>
+              <a:alphaOff val="0"/>
+            </a:schemeClr>
+          </a:solidFill>
+          <a:prstDash val="solid"/>
+          <a:miter lim="800000"/>
+        </a:ln>
+        <a:effectLst/>
+      </dsp:spPr>
+      <dsp:style>
+        <a:lnRef idx="2">
+          <a:scrgbClr r="0" g="0" b="0"/>
+        </a:lnRef>
+        <a:fillRef idx="0">
+          <a:scrgbClr r="0" g="0" b="0"/>
+        </a:fillRef>
+        <a:effectRef idx="0">
+          <a:scrgbClr r="0" g="0" b="0"/>
+        </a:effectRef>
+        <a:fontRef idx="minor"/>
+      </dsp:style>
+    </dsp:sp>
+    <dsp:sp modelId="{22CC65BA-32C2-461A-8543-6B607003FDF6}">
+      <dsp:nvSpPr>
+        <dsp:cNvPr id="0" name=""/>
+        <dsp:cNvSpPr/>
+      </dsp:nvSpPr>
+      <dsp:spPr>
+        <a:xfrm>
+          <a:off x="3036890" y="2403591"/>
+          <a:ext cx="940547" cy="447614"/>
         </a:xfrm>
         <a:custGeom>
           <a:avLst/>
@@ -18648,7 +20395,135 @@
                 <a:pt x="0" y="0"/>
               </a:moveTo>
               <a:lnTo>
-                <a:pt x="1202243" y="0"/>
+                <a:pt x="0" y="305036"/>
+              </a:lnTo>
+              <a:lnTo>
+                <a:pt x="940547" y="305036"/>
+              </a:lnTo>
+              <a:lnTo>
+                <a:pt x="940547" y="447614"/>
+              </a:lnTo>
+            </a:path>
+          </a:pathLst>
+        </a:custGeom>
+        <a:noFill/>
+        <a:ln w="12700" cap="flat" cmpd="sng" algn="ctr">
+          <a:solidFill>
+            <a:schemeClr val="accent3">
+              <a:hueOff val="0"/>
+              <a:satOff val="0"/>
+              <a:lumOff val="0"/>
+              <a:alphaOff val="0"/>
+            </a:schemeClr>
+          </a:solidFill>
+          <a:prstDash val="solid"/>
+          <a:miter lim="800000"/>
+        </a:ln>
+        <a:effectLst/>
+      </dsp:spPr>
+      <dsp:style>
+        <a:lnRef idx="2">
+          <a:scrgbClr r="0" g="0" b="0"/>
+        </a:lnRef>
+        <a:fillRef idx="0">
+          <a:scrgbClr r="0" g="0" b="0"/>
+        </a:fillRef>
+        <a:effectRef idx="0">
+          <a:scrgbClr r="0" g="0" b="0"/>
+        </a:effectRef>
+        <a:fontRef idx="minor"/>
+      </dsp:style>
+    </dsp:sp>
+    <dsp:sp modelId="{4A3D12EE-93D8-49ED-AC39-4C96F9FF9094}">
+      <dsp:nvSpPr>
+        <dsp:cNvPr id="0" name=""/>
+        <dsp:cNvSpPr/>
+      </dsp:nvSpPr>
+      <dsp:spPr>
+        <a:xfrm>
+          <a:off x="2096342" y="2403591"/>
+          <a:ext cx="940547" cy="447614"/>
+        </a:xfrm>
+        <a:custGeom>
+          <a:avLst/>
+          <a:gdLst/>
+          <a:ahLst/>
+          <a:cxnLst/>
+          <a:rect l="0" t="0" r="0" b="0"/>
+          <a:pathLst>
+            <a:path>
+              <a:moveTo>
+                <a:pt x="940547" y="0"/>
+              </a:moveTo>
+              <a:lnTo>
+                <a:pt x="940547" y="305036"/>
+              </a:lnTo>
+              <a:lnTo>
+                <a:pt x="0" y="305036"/>
+              </a:lnTo>
+              <a:lnTo>
+                <a:pt x="0" y="447614"/>
+              </a:lnTo>
+            </a:path>
+          </a:pathLst>
+        </a:custGeom>
+        <a:noFill/>
+        <a:ln w="12700" cap="flat" cmpd="sng" algn="ctr">
+          <a:solidFill>
+            <a:schemeClr val="accent3">
+              <a:hueOff val="0"/>
+              <a:satOff val="0"/>
+              <a:lumOff val="0"/>
+              <a:alphaOff val="0"/>
+            </a:schemeClr>
+          </a:solidFill>
+          <a:prstDash val="solid"/>
+          <a:miter lim="800000"/>
+        </a:ln>
+        <a:effectLst/>
+      </dsp:spPr>
+      <dsp:style>
+        <a:lnRef idx="2">
+          <a:scrgbClr r="0" g="0" b="0"/>
+        </a:lnRef>
+        <a:fillRef idx="0">
+          <a:scrgbClr r="0" g="0" b="0"/>
+        </a:fillRef>
+        <a:effectRef idx="0">
+          <a:scrgbClr r="0" g="0" b="0"/>
+        </a:effectRef>
+        <a:fontRef idx="minor"/>
+      </dsp:style>
+    </dsp:sp>
+    <dsp:sp modelId="{F2E7EAA0-D0C2-41B3-A3DC-52F91405A5DC}">
+      <dsp:nvSpPr>
+        <dsp:cNvPr id="0" name=""/>
+        <dsp:cNvSpPr/>
+      </dsp:nvSpPr>
+      <dsp:spPr>
+        <a:xfrm>
+          <a:off x="3036890" y="978662"/>
+          <a:ext cx="1434799" cy="447614"/>
+        </a:xfrm>
+        <a:custGeom>
+          <a:avLst/>
+          <a:gdLst/>
+          <a:ahLst/>
+          <a:cxnLst/>
+          <a:rect l="0" t="0" r="0" b="0"/>
+          <a:pathLst>
+            <a:path>
+              <a:moveTo>
+                <a:pt x="1434799" y="0"/>
+              </a:moveTo>
+              <a:lnTo>
+                <a:pt x="1434799" y="305036"/>
+              </a:lnTo>
+              <a:lnTo>
+                <a:pt x="0" y="305036"/>
+              </a:lnTo>
+              <a:lnTo>
+                <a:pt x="0" y="447614"/>
               </a:lnTo>
             </a:path>
           </a:pathLst>
@@ -18681,37 +20556,32 @@
         <a:fontRef idx="minor"/>
       </dsp:style>
     </dsp:sp>
-    <dsp:sp modelId="{0029EE30-99A9-4ACA-9401-D10F9A46E4E5}">
+    <dsp:sp modelId="{2EE70F48-90B8-44B5-8396-B2CCE8516F90}">
       <dsp:nvSpPr>
         <dsp:cNvPr id="0" name=""/>
         <dsp:cNvSpPr/>
       </dsp:nvSpPr>
       <dsp:spPr>
-        <a:xfrm rot="16270783">
-          <a:off x="3673944" y="1038187"/>
-          <a:ext cx="528733" cy="0"/>
+        <a:xfrm>
+          <a:off x="3702151" y="1348"/>
+          <a:ext cx="1539077" cy="977313"/>
         </a:xfrm>
-        <a:custGeom>
-          <a:avLst/>
-          <a:gdLst/>
-          <a:ahLst/>
-          <a:cxnLst/>
-          <a:rect l="0" t="0" r="0" b="0"/>
-          <a:pathLst>
-            <a:path>
-              <a:moveTo>
-                <a:pt x="0" y="0"/>
-              </a:moveTo>
-              <a:lnTo>
-                <a:pt x="528733" y="0"/>
-              </a:lnTo>
-            </a:path>
-          </a:pathLst>
-        </a:custGeom>
-        <a:noFill/>
+        <a:prstGeom prst="roundRect">
+          <a:avLst>
+            <a:gd name="adj" fmla="val 10000"/>
+          </a:avLst>
+        </a:prstGeom>
+        <a:solidFill>
+          <a:schemeClr val="accent1">
+            <a:hueOff val="0"/>
+            <a:satOff val="0"/>
+            <a:lumOff val="0"/>
+            <a:alphaOff val="0"/>
+          </a:schemeClr>
+        </a:solidFill>
         <a:ln w="12700" cap="flat" cmpd="sng" algn="ctr">
           <a:solidFill>
-            <a:schemeClr val="accent2">
+            <a:schemeClr val="lt1">
               <a:hueOff val="0"/>
               <a:satOff val="0"/>
               <a:lumOff val="0"/>
@@ -18727,7 +20597,60 @@
         <a:lnRef idx="2">
           <a:scrgbClr r="0" g="0" b="0"/>
         </a:lnRef>
-        <a:fillRef idx="0">
+        <a:fillRef idx="1">
+          <a:scrgbClr r="0" g="0" b="0"/>
+        </a:fillRef>
+        <a:effectRef idx="0">
+          <a:scrgbClr r="0" g="0" b="0"/>
+        </a:effectRef>
+        <a:fontRef idx="minor">
+          <a:schemeClr val="lt1"/>
+        </a:fontRef>
+      </dsp:style>
+    </dsp:sp>
+    <dsp:sp modelId="{FA446246-77D0-49AF-95B8-88802BCA1338}">
+      <dsp:nvSpPr>
+        <dsp:cNvPr id="0" name=""/>
+        <dsp:cNvSpPr/>
+      </dsp:nvSpPr>
+      <dsp:spPr>
+        <a:xfrm>
+          <a:off x="3873159" y="163806"/>
+          <a:ext cx="1539077" cy="977313"/>
+        </a:xfrm>
+        <a:prstGeom prst="roundRect">
+          <a:avLst>
+            <a:gd name="adj" fmla="val 10000"/>
+          </a:avLst>
+        </a:prstGeom>
+        <a:solidFill>
+          <a:schemeClr val="lt1">
+            <a:alpha val="90000"/>
+            <a:hueOff val="0"/>
+            <a:satOff val="0"/>
+            <a:lumOff val="0"/>
+            <a:alphaOff val="0"/>
+          </a:schemeClr>
+        </a:solidFill>
+        <a:ln w="12700" cap="flat" cmpd="sng" algn="ctr">
+          <a:solidFill>
+            <a:schemeClr val="accent1">
+              <a:hueOff val="0"/>
+              <a:satOff val="0"/>
+              <a:lumOff val="0"/>
+              <a:alphaOff val="0"/>
+            </a:schemeClr>
+          </a:solidFill>
+          <a:prstDash val="solid"/>
+          <a:miter lim="800000"/>
+        </a:ln>
+        <a:effectLst/>
+      </dsp:spPr>
+      <dsp:style>
+        <a:lnRef idx="2">
+          <a:scrgbClr r="0" g="0" b="0"/>
+        </a:lnRef>
+        <a:fillRef idx="1">
           <a:scrgbClr r="0" g="0" b="0"/>
         </a:fillRef>
         <a:effectRef idx="0">
@@ -18735,19 +20658,49 @@
         </a:effectRef>
         <a:fontRef idx="minor"/>
       </dsp:style>
+      <dsp:txBody>
+        <a:bodyPr spcFirstLastPara="0" vert="horz" wrap="square" lIns="53340" tIns="53340" rIns="53340" bIns="53340" numCol="1" spcCol="1270" anchor="ctr" anchorCtr="0">
+          <a:noAutofit/>
+        </a:bodyPr>
+        <a:lstStyle/>
+        <a:p>
+          <a:pPr marL="0" lvl="0" indent="0" algn="ctr" defTabSz="622300">
+            <a:lnSpc>
+              <a:spcPct val="90000"/>
+            </a:lnSpc>
+            <a:spcBef>
+              <a:spcPct val="0"/>
+            </a:spcBef>
+            <a:spcAft>
+              <a:spcPct val="35000"/>
+            </a:spcAft>
+            <a:buNone/>
+          </a:pPr>
+          <a:r>
+            <a:rPr lang="en-US" sz="1400" kern="1200" dirty="0"/>
+            <a:t>UI/Model</a:t>
+          </a:r>
+        </a:p>
+      </dsp:txBody>
+      <dsp:txXfrm>
+        <a:off x="3901784" y="192431"/>
+        <a:ext cx="1481827" cy="920063"/>
+      </dsp:txXfrm>
     </dsp:sp>
-    <dsp:sp modelId="{34117317-30F9-4207-8DD6-F9B365E3E710}">
+    <dsp:sp modelId="{0F237E68-2A4A-476B-B85A-693E80D5AB0D}">
       <dsp:nvSpPr>
         <dsp:cNvPr id="0" name=""/>
         <dsp:cNvSpPr/>
       </dsp:nvSpPr>
       <dsp:spPr>
         <a:xfrm>
-          <a:off x="2774350" y="1302498"/>
-          <a:ext cx="2293608" cy="1137623"/>
+          <a:off x="2267351" y="1426277"/>
+          <a:ext cx="1539077" cy="977313"/>
         </a:xfrm>
         <a:prstGeom prst="roundRect">
-          <a:avLst/>
+          <a:avLst>
+            <a:gd name="adj" fmla="val 10000"/>
+          </a:avLst>
         </a:prstGeom>
         <a:solidFill>
           <a:schemeClr val="accent2">
@@ -18785,13 +20738,64 @@
           <a:schemeClr val="lt1"/>
         </a:fontRef>
       </dsp:style>
+    </dsp:sp>
+    <dsp:sp modelId="{612BD9D3-2854-41D0-8C53-DD881B328180}">
+      <dsp:nvSpPr>
+        <dsp:cNvPr id="0" name=""/>
+        <dsp:cNvSpPr/>
+      </dsp:nvSpPr>
+      <dsp:spPr>
+        <a:xfrm>
+          <a:off x="2438360" y="1588735"/>
+          <a:ext cx="1539077" cy="977313"/>
+        </a:xfrm>
+        <a:prstGeom prst="roundRect">
+          <a:avLst>
+            <a:gd name="adj" fmla="val 10000"/>
+          </a:avLst>
+        </a:prstGeom>
+        <a:solidFill>
+          <a:schemeClr val="lt1">
+            <a:alpha val="90000"/>
+            <a:hueOff val="0"/>
+            <a:satOff val="0"/>
+            <a:lumOff val="0"/>
+            <a:alphaOff val="0"/>
+          </a:schemeClr>
+        </a:solidFill>
+        <a:ln w="12700" cap="flat" cmpd="sng" algn="ctr">
+          <a:solidFill>
+            <a:schemeClr val="accent2">
+              <a:hueOff val="0"/>
+              <a:satOff val="0"/>
+              <a:lumOff val="0"/>
+              <a:alphaOff val="0"/>
+            </a:schemeClr>
+          </a:solidFill>
+          <a:prstDash val="solid"/>
+          <a:miter lim="800000"/>
+        </a:ln>
+        <a:effectLst/>
+      </dsp:spPr>
+      <dsp:style>
+        <a:lnRef idx="2">
+          <a:scrgbClr r="0" g="0" b="0"/>
+        </a:lnRef>
+        <a:fillRef idx="1">
+          <a:scrgbClr r="0" g="0" b="0"/>
+        </a:fillRef>
+        <a:effectRef idx="0">
+          <a:scrgbClr r="0" g="0" b="0"/>
+        </a:effectRef>
+        <a:fontRef idx="minor"/>
+      </dsp:style>
       <dsp:txBody>
-        <a:bodyPr spcFirstLastPara="0" vert="horz" wrap="square" lIns="50800" tIns="50800" rIns="50800" bIns="50800" numCol="1" spcCol="1270" anchor="ctr" anchorCtr="0">
+        <a:bodyPr spcFirstLastPara="0" vert="horz" wrap="square" lIns="53340" tIns="53340" rIns="53340" bIns="53340" numCol="1" spcCol="1270" anchor="ctr" anchorCtr="0">
           <a:noAutofit/>
         </a:bodyPr>
         <a:lstStyle/>
         <a:p>
-          <a:pPr marL="0" lvl="0" indent="0" algn="ctr" defTabSz="889000">
+          <a:pPr marL="0" lvl="0" indent="0" algn="ctr" defTabSz="622300">
             <a:lnSpc>
               <a:spcPct val="90000"/>
             </a:lnSpc>
@@ -18804,28 +20808,30 @@
             <a:buNone/>
           </a:pPr>
           <a:r>
-            <a:rPr lang="en-US" sz="2000" kern="1200" dirty="0"/>
-            <a:t>Service Factory</a:t>
+            <a:rPr lang="en-US" sz="1400" kern="1200" dirty="0"/>
+            <a:t>Contact Service Package (Contact Gateway)</a:t>
           </a:r>
         </a:p>
       </dsp:txBody>
       <dsp:txXfrm>
-        <a:off x="2829884" y="1358032"/>
-        <a:ext cx="2182540" cy="1026555"/>
+        <a:off x="2466985" y="1617360"/>
+        <a:ext cx="1481827" cy="920063"/>
       </dsp:txXfrm>
     </dsp:sp>
-    <dsp:sp modelId="{931F0AFC-CABD-4C87-8997-1828274455EA}">
+    <dsp:sp modelId="{395BBD5F-FECA-4C36-B2C2-7FBD3303342B}">
       <dsp:nvSpPr>
         <dsp:cNvPr id="0" name=""/>
         <dsp:cNvSpPr/>
       </dsp:nvSpPr>
       <dsp:spPr>
         <a:xfrm>
-          <a:off x="3413265" y="11669"/>
-          <a:ext cx="1076672" cy="762207"/>
+          <a:off x="1326804" y="2851206"/>
+          <a:ext cx="1539077" cy="977313"/>
         </a:xfrm>
         <a:prstGeom prst="roundRect">
-          <a:avLst/>
+          <a:avLst>
+            <a:gd name="adj" fmla="val 10000"/>
+          </a:avLst>
         </a:prstGeom>
         <a:solidFill>
           <a:schemeClr val="accent3">
@@ -18863,56 +20869,34 @@
           <a:schemeClr val="lt1"/>
         </a:fontRef>
       </dsp:style>
-      <dsp:txBody>
-        <a:bodyPr spcFirstLastPara="0" vert="horz" wrap="square" lIns="35560" tIns="35560" rIns="35560" bIns="35560" numCol="1" spcCol="1270" anchor="ctr" anchorCtr="0">
-          <a:noAutofit/>
-        </a:bodyPr>
-        <a:lstStyle/>
-        <a:p>
-          <a:pPr marL="0" lvl="0" indent="0" algn="ctr" defTabSz="622300">
-            <a:lnSpc>
-              <a:spcPct val="90000"/>
-            </a:lnSpc>
-            <a:spcBef>
-              <a:spcPct val="0"/>
-            </a:spcBef>
-            <a:spcAft>
-              <a:spcPct val="35000"/>
-            </a:spcAft>
-            <a:buNone/>
-          </a:pPr>
-          <a:r>
-            <a:rPr lang="en-US" sz="1400" b="1" kern="1200" dirty="0"/>
-            <a:t>UI-Model</a:t>
-          </a:r>
-        </a:p>
-      </dsp:txBody>
-      <dsp:txXfrm>
-        <a:off x="3450473" y="48877"/>
-        <a:ext cx="1002256" cy="687791"/>
-      </dsp:txXfrm>
     </dsp:sp>
-    <dsp:sp modelId="{C7BD3B65-A658-4171-9926-97856AFFC483}">
+    <dsp:sp modelId="{27AD2562-432B-44B3-8AE7-63794B52D1D3}">
       <dsp:nvSpPr>
         <dsp:cNvPr id="0" name=""/>
         <dsp:cNvSpPr/>
       </dsp:nvSpPr>
       <dsp:spPr>
         <a:xfrm>
-          <a:off x="5260299" y="3176150"/>
-          <a:ext cx="1676621" cy="762207"/>
+          <a:off x="1497812" y="3013664"/>
+          <a:ext cx="1539077" cy="977313"/>
         </a:xfrm>
         <a:prstGeom prst="roundRect">
-          <a:avLst/>
+          <a:avLst>
+            <a:gd name="adj" fmla="val 10000"/>
+          </a:avLst>
         </a:prstGeom>
         <a:solidFill>
-          <a:schemeClr val="accent4">
-            <a:lumMod val="75000"/>
+          <a:schemeClr val="lt1">
+            <a:alpha val="90000"/>
+            <a:hueOff val="0"/>
+            <a:satOff val="0"/>
+            <a:lumOff val="0"/>
+            <a:alphaOff val="0"/>
           </a:schemeClr>
         </a:solidFill>
         <a:ln w="12700" cap="flat" cmpd="sng" algn="ctr">
           <a:solidFill>
-            <a:schemeClr val="lt1">
+            <a:schemeClr val="accent3">
               <a:hueOff val="0"/>
               <a:satOff val="0"/>
               <a:lumOff val="0"/>
@@ -18934,12 +20918,10 @@
         <a:effectRef idx="0">
           <a:scrgbClr r="0" g="0" b="0"/>
         </a:effectRef>
-        <a:fontRef idx="minor">
-          <a:schemeClr val="lt1"/>
-        </a:fontRef>
+        <a:fontRef idx="minor"/>
       </dsp:style>
       <dsp:txBody>
-        <a:bodyPr spcFirstLastPara="0" vert="horz" wrap="square" lIns="35560" tIns="35560" rIns="35560" bIns="35560" numCol="1" spcCol="1270" anchor="ctr" anchorCtr="0">
+        <a:bodyPr spcFirstLastPara="0" vert="horz" wrap="square" lIns="53340" tIns="53340" rIns="53340" bIns="53340" numCol="1" spcCol="1270" anchor="ctr" anchorCtr="0">
           <a:noAutofit/>
         </a:bodyPr>
         <a:lstStyle/>
@@ -18957,87 +20939,33 @@
             <a:buNone/>
           </a:pPr>
           <a:r>
-            <a:rPr lang="en-US" sz="1400" kern="1200" dirty="0" err="1"/>
-            <a:t>ParticipantService</a:t>
+            <a:rPr lang="en-US" sz="1400" kern="1200" dirty="0"/>
+            <a:t>Address Service</a:t>
           </a:r>
-          <a:endParaRPr lang="en-US" sz="1400" kern="1200" dirty="0"/>
         </a:p>
       </dsp:txBody>
       <dsp:txXfrm>
-        <a:off x="5297507" y="3213358"/>
-        <a:ext cx="1602205" cy="687791"/>
+        <a:off x="1526437" y="3042289"/>
+        <a:ext cx="1481827" cy="920063"/>
       </dsp:txXfrm>
     </dsp:sp>
-    <dsp:sp modelId="{30544185-3D79-4597-AA1C-AAE1A22E0024}">
-      <dsp:nvSpPr>
-        <dsp:cNvPr id="0" name=""/>
-        <dsp:cNvSpPr/>
-      </dsp:nvSpPr>
-      <dsp:spPr>
-        <a:xfrm rot="3627246">
-          <a:off x="6111877" y="4286346"/>
-          <a:ext cx="800008" cy="0"/>
-        </a:xfrm>
-        <a:custGeom>
-          <a:avLst/>
-          <a:gdLst/>
-          <a:ahLst/>
-          <a:cxnLst/>
-          <a:rect l="0" t="0" r="0" b="0"/>
-          <a:pathLst>
-            <a:path>
-              <a:moveTo>
-                <a:pt x="0" y="0"/>
-              </a:moveTo>
-              <a:lnTo>
-                <a:pt x="800008" y="0"/>
-              </a:lnTo>
-            </a:path>
-          </a:pathLst>
-        </a:custGeom>
-        <a:noFill/>
-        <a:ln w="12700" cap="flat" cmpd="sng" algn="ctr">
-          <a:solidFill>
-            <a:schemeClr val="accent3">
-              <a:hueOff val="0"/>
-              <a:satOff val="0"/>
-              <a:lumOff val="0"/>
-              <a:alphaOff val="0"/>
-            </a:schemeClr>
-          </a:solidFill>
-          <a:prstDash val="solid"/>
-          <a:miter lim="800000"/>
-        </a:ln>
-        <a:effectLst/>
-      </dsp:spPr>
-      <dsp:style>
-        <a:lnRef idx="2">
-          <a:scrgbClr r="0" g="0" b="0"/>
-        </a:lnRef>
-        <a:fillRef idx="0">
-          <a:scrgbClr r="0" g="0" b="0"/>
-        </a:fillRef>
-        <a:effectRef idx="0">
-          <a:scrgbClr r="0" g="0" b="0"/>
-        </a:effectRef>
-        <a:fontRef idx="minor"/>
-      </dsp:style>
-    </dsp:sp>
-    <dsp:sp modelId="{1417C9D0-0C0D-47F6-9ADE-BF8BF541D001}">
+    <dsp:sp modelId="{6C4B236C-2144-4A40-AF53-05663930739B}">
       <dsp:nvSpPr>
         <dsp:cNvPr id="0" name=""/>
         <dsp:cNvSpPr/>
       </dsp:nvSpPr>
       <dsp:spPr>
         <a:xfrm>
-          <a:off x="6391855" y="4634334"/>
-          <a:ext cx="1066595" cy="762207"/>
+          <a:off x="3207898" y="2851206"/>
+          <a:ext cx="1539077" cy="977313"/>
         </a:xfrm>
         <a:prstGeom prst="roundRect">
-          <a:avLst/>
+          <a:avLst>
+            <a:gd name="adj" fmla="val 10000"/>
+          </a:avLst>
         </a:prstGeom>
         <a:solidFill>
-          <a:schemeClr val="accent5">
+          <a:schemeClr val="accent3">
             <a:hueOff val="0"/>
             <a:satOff val="0"/>
             <a:lumOff val="0"/>
@@ -19072,112 +21000,34 @@
           <a:schemeClr val="lt1"/>
         </a:fontRef>
       </dsp:style>
-      <dsp:txBody>
-        <a:bodyPr spcFirstLastPara="0" vert="horz" wrap="square" lIns="35560" tIns="35560" rIns="35560" bIns="35560" numCol="1" spcCol="1270" anchor="ctr" anchorCtr="0">
-          <a:noAutofit/>
-        </a:bodyPr>
-        <a:lstStyle/>
-        <a:p>
-          <a:pPr marL="0" lvl="0" indent="0" algn="ctr" defTabSz="622300">
-            <a:lnSpc>
-              <a:spcPct val="90000"/>
-            </a:lnSpc>
-            <a:spcBef>
-              <a:spcPct val="0"/>
-            </a:spcBef>
-            <a:spcAft>
-              <a:spcPct val="35000"/>
-            </a:spcAft>
-            <a:buNone/>
-          </a:pPr>
-          <a:r>
-            <a:rPr lang="en-US" sz="1400" kern="1200" dirty="0" err="1"/>
-            <a:t>OtherDAL</a:t>
-          </a:r>
-          <a:endParaRPr lang="en-US" sz="1400" kern="1200" dirty="0"/>
-        </a:p>
-      </dsp:txBody>
-      <dsp:txXfrm>
-        <a:off x="6429063" y="4671542"/>
-        <a:ext cx="992179" cy="687791"/>
-      </dsp:txXfrm>
     </dsp:sp>
-    <dsp:sp modelId="{BE40EC45-9D70-458A-823C-D37069004C48}">
-      <dsp:nvSpPr>
-        <dsp:cNvPr id="0" name=""/>
-        <dsp:cNvSpPr/>
-      </dsp:nvSpPr>
-      <dsp:spPr>
-        <a:xfrm rot="6753670">
-          <a:off x="5418867" y="4286349"/>
-          <a:ext cx="753658" cy="0"/>
-        </a:xfrm>
-        <a:custGeom>
-          <a:avLst/>
-          <a:gdLst/>
-          <a:ahLst/>
-          <a:cxnLst/>
-          <a:rect l="0" t="0" r="0" b="0"/>
-          <a:pathLst>
-            <a:path>
-              <a:moveTo>
-                <a:pt x="0" y="0"/>
-              </a:moveTo>
-              <a:lnTo>
-                <a:pt x="753658" y="0"/>
-              </a:lnTo>
-            </a:path>
-          </a:pathLst>
-        </a:custGeom>
-        <a:noFill/>
-        <a:ln w="12700" cap="flat" cmpd="sng" algn="ctr">
-          <a:solidFill>
-            <a:schemeClr val="accent3">
-              <a:hueOff val="0"/>
-              <a:satOff val="0"/>
-              <a:lumOff val="0"/>
-              <a:alphaOff val="0"/>
-            </a:schemeClr>
-          </a:solidFill>
-          <a:prstDash val="solid"/>
-          <a:miter lim="800000"/>
-        </a:ln>
-        <a:effectLst/>
-      </dsp:spPr>
-      <dsp:style>
-        <a:lnRef idx="2">
-          <a:scrgbClr r="0" g="0" b="0"/>
-        </a:lnRef>
-        <a:fillRef idx="0">
-          <a:scrgbClr r="0" g="0" b="0"/>
-        </a:fillRef>
-        <a:effectRef idx="0">
-          <a:scrgbClr r="0" g="0" b="0"/>
-        </a:effectRef>
-        <a:fontRef idx="minor"/>
-      </dsp:style>
-    </dsp:sp>
-    <dsp:sp modelId="{E0FC7542-81EA-4CDC-A1E2-52CD3151F316}">
+    <dsp:sp modelId="{6B692451-D721-4DE7-9D59-5B28BA443933}">
       <dsp:nvSpPr>
         <dsp:cNvPr id="0" name=""/>
         <dsp:cNvSpPr/>
       </dsp:nvSpPr>
       <dsp:spPr>
         <a:xfrm>
-          <a:off x="4818130" y="4634339"/>
-          <a:ext cx="1349306" cy="762207"/>
+          <a:off x="3378907" y="3013664"/>
+          <a:ext cx="1539077" cy="977313"/>
         </a:xfrm>
         <a:prstGeom prst="roundRect">
-          <a:avLst/>
+          <a:avLst>
+            <a:gd name="adj" fmla="val 10000"/>
+          </a:avLst>
         </a:prstGeom>
         <a:solidFill>
-          <a:schemeClr val="accent1">
-            <a:lumMod val="75000"/>
+          <a:schemeClr val="lt1">
+            <a:alpha val="90000"/>
+            <a:hueOff val="0"/>
+            <a:satOff val="0"/>
+            <a:lumOff val="0"/>
+            <a:alphaOff val="0"/>
           </a:schemeClr>
         </a:solidFill>
         <a:ln w="12700" cap="flat" cmpd="sng" algn="ctr">
           <a:solidFill>
-            <a:schemeClr val="lt1">
+            <a:schemeClr val="accent3">
               <a:hueOff val="0"/>
               <a:satOff val="0"/>
               <a:lumOff val="0"/>
@@ -19199,12 +21049,10 @@
         <a:effectRef idx="0">
           <a:scrgbClr r="0" g="0" b="0"/>
         </a:effectRef>
-        <a:fontRef idx="minor">
-          <a:schemeClr val="lt1"/>
-        </a:fontRef>
+        <a:fontRef idx="minor"/>
       </dsp:style>
       <dsp:txBody>
-        <a:bodyPr spcFirstLastPara="0" vert="horz" wrap="square" lIns="35560" tIns="35560" rIns="35560" bIns="35560" numCol="1" spcCol="1270" anchor="ctr" anchorCtr="0">
+        <a:bodyPr spcFirstLastPara="0" vert="horz" wrap="square" lIns="53340" tIns="53340" rIns="53340" bIns="53340" numCol="1" spcCol="1270" anchor="ctr" anchorCtr="0">
           <a:noAutofit/>
         </a:bodyPr>
         <a:lstStyle/>
@@ -19222,375 +21070,25 @@
             <a:buNone/>
           </a:pPr>
           <a:r>
-            <a:rPr lang="en-US" sz="1400" kern="1200" dirty="0" err="1"/>
-            <a:t>ParticipantDAL</a:t>
+            <a:rPr lang="en-US" sz="1400" kern="1200" dirty="0"/>
+            <a:t>Person Service</a:t>
           </a:r>
-          <a:endParaRPr lang="en-US" sz="1400" kern="1200" dirty="0"/>
         </a:p>
       </dsp:txBody>
       <dsp:txXfrm>
-        <a:off x="4855338" y="4671547"/>
-        <a:ext cx="1274890" cy="687791"/>
+        <a:off x="3407532" y="3042289"/>
+        <a:ext cx="1481827" cy="920063"/>
       </dsp:txXfrm>
     </dsp:sp>
-    <dsp:sp modelId="{5086B03C-8A4C-4146-892A-3607E0D0784A}">
-      <dsp:nvSpPr>
-        <dsp:cNvPr id="0" name=""/>
-        <dsp:cNvSpPr/>
-      </dsp:nvSpPr>
-      <dsp:spPr>
-        <a:xfrm rot="10275385">
-          <a:off x="4471759" y="3746471"/>
-          <a:ext cx="793149" cy="0"/>
-        </a:xfrm>
-        <a:custGeom>
-          <a:avLst/>
-          <a:gdLst/>
-          <a:ahLst/>
-          <a:cxnLst/>
-          <a:rect l="0" t="0" r="0" b="0"/>
-          <a:pathLst>
-            <a:path>
-              <a:moveTo>
-                <a:pt x="0" y="0"/>
-              </a:moveTo>
-              <a:lnTo>
-                <a:pt x="793149" y="0"/>
-              </a:lnTo>
-            </a:path>
-          </a:pathLst>
-        </a:custGeom>
-        <a:noFill/>
-        <a:ln w="12700" cap="flat" cmpd="sng" algn="ctr">
-          <a:solidFill>
-            <a:schemeClr val="accent3">
-              <a:hueOff val="0"/>
-              <a:satOff val="0"/>
-              <a:lumOff val="0"/>
-              <a:alphaOff val="0"/>
-            </a:schemeClr>
-          </a:solidFill>
-          <a:prstDash val="solid"/>
-          <a:miter lim="800000"/>
-        </a:ln>
-        <a:effectLst/>
-      </dsp:spPr>
-      <dsp:style>
-        <a:lnRef idx="2">
-          <a:scrgbClr r="0" g="0" b="0"/>
-        </a:lnRef>
-        <a:fillRef idx="0">
-          <a:scrgbClr r="0" g="0" b="0"/>
-        </a:fillRef>
-        <a:effectRef idx="0">
-          <a:scrgbClr r="0" g="0" b="0"/>
-        </a:effectRef>
-        <a:fontRef idx="minor"/>
-      </dsp:style>
-    </dsp:sp>
-    <dsp:sp modelId="{2F4F44BE-3A73-445E-8E95-31F0F5C677CB}">
+    <dsp:sp modelId="{9B0858AF-B9EB-438F-A582-CBF71236448D}">
       <dsp:nvSpPr>
         <dsp:cNvPr id="0" name=""/>
         <dsp:cNvSpPr/>
       </dsp:nvSpPr>
       <dsp:spPr>
         <a:xfrm>
-          <a:off x="3343650" y="3512757"/>
-          <a:ext cx="1132717" cy="762207"/>
-        </a:xfrm>
-        <a:prstGeom prst="roundRect">
-          <a:avLst/>
-        </a:prstGeom>
-        <a:solidFill>
-          <a:schemeClr val="accent4">
-            <a:lumMod val="75000"/>
-          </a:schemeClr>
-        </a:solidFill>
-        <a:ln w="12700" cap="flat" cmpd="sng" algn="ctr">
-          <a:solidFill>
-            <a:schemeClr val="lt1">
-              <a:hueOff val="0"/>
-              <a:satOff val="0"/>
-              <a:lumOff val="0"/>
-              <a:alphaOff val="0"/>
-            </a:schemeClr>
-          </a:solidFill>
-          <a:prstDash val="solid"/>
-          <a:miter lim="800000"/>
-        </a:ln>
-        <a:effectLst/>
-      </dsp:spPr>
-      <dsp:style>
-        <a:lnRef idx="2">
-          <a:scrgbClr r="0" g="0" b="0"/>
-        </a:lnRef>
-        <a:fillRef idx="1">
-          <a:scrgbClr r="0" g="0" b="0"/>
-        </a:fillRef>
-        <a:effectRef idx="0">
-          <a:scrgbClr r="0" g="0" b="0"/>
-        </a:effectRef>
-        <a:fontRef idx="minor">
-          <a:schemeClr val="lt1"/>
-        </a:fontRef>
-      </dsp:style>
-      <dsp:txBody>
-        <a:bodyPr spcFirstLastPara="0" vert="horz" wrap="square" lIns="30480" tIns="30480" rIns="30480" bIns="30480" numCol="1" spcCol="1270" anchor="ctr" anchorCtr="0">
-          <a:noAutofit/>
-        </a:bodyPr>
-        <a:lstStyle/>
-        <a:p>
-          <a:pPr marL="0" lvl="0" indent="0" algn="ctr" defTabSz="533400">
-            <a:lnSpc>
-              <a:spcPct val="90000"/>
-            </a:lnSpc>
-            <a:spcBef>
-              <a:spcPct val="0"/>
-            </a:spcBef>
-            <a:spcAft>
-              <a:spcPct val="35000"/>
-            </a:spcAft>
-            <a:buNone/>
-          </a:pPr>
-          <a:r>
-            <a:rPr lang="en-US" sz="1200" kern="1200" dirty="0"/>
-            <a:t>Validation</a:t>
-          </a:r>
-        </a:p>
-      </dsp:txBody>
-      <dsp:txXfrm>
-        <a:off x="3380858" y="3549965"/>
-        <a:ext cx="1058301" cy="687791"/>
-      </dsp:txXfrm>
-    </dsp:sp>
-    <dsp:sp modelId="{746B77A9-9790-4C8D-8C2C-5B3E397CF404}">
-      <dsp:nvSpPr>
-        <dsp:cNvPr id="0" name=""/>
-        <dsp:cNvSpPr/>
-      </dsp:nvSpPr>
-      <dsp:spPr>
-        <a:xfrm>
-          <a:off x="1175641" y="3188889"/>
-          <a:ext cx="1362766" cy="762207"/>
-        </a:xfrm>
-        <a:prstGeom prst="roundRect">
-          <a:avLst/>
-        </a:prstGeom>
-        <a:solidFill>
-          <a:schemeClr val="accent4">
-            <a:lumMod val="75000"/>
-          </a:schemeClr>
-        </a:solidFill>
-        <a:ln w="12700" cap="flat" cmpd="sng" algn="ctr">
-          <a:solidFill>
-            <a:schemeClr val="lt1">
-              <a:hueOff val="0"/>
-              <a:satOff val="0"/>
-              <a:lumOff val="0"/>
-              <a:alphaOff val="0"/>
-            </a:schemeClr>
-          </a:solidFill>
-          <a:prstDash val="solid"/>
-          <a:miter lim="800000"/>
-        </a:ln>
-        <a:effectLst/>
-      </dsp:spPr>
-      <dsp:style>
-        <a:lnRef idx="2">
-          <a:scrgbClr r="0" g="0" b="0"/>
-        </a:lnRef>
-        <a:fillRef idx="1">
-          <a:scrgbClr r="0" g="0" b="0"/>
-        </a:fillRef>
-        <a:effectRef idx="0">
-          <a:scrgbClr r="0" g="0" b="0"/>
-        </a:effectRef>
-        <a:fontRef idx="minor">
-          <a:schemeClr val="lt1"/>
-        </a:fontRef>
-      </dsp:style>
-      <dsp:txBody>
-        <a:bodyPr spcFirstLastPara="0" vert="horz" wrap="square" lIns="35560" tIns="35560" rIns="35560" bIns="35560" numCol="1" spcCol="1270" anchor="ctr" anchorCtr="0">
-          <a:noAutofit/>
-        </a:bodyPr>
-        <a:lstStyle/>
-        <a:p>
-          <a:pPr marL="0" lvl="0" indent="0" algn="ctr" defTabSz="622300">
-            <a:lnSpc>
-              <a:spcPct val="90000"/>
-            </a:lnSpc>
-            <a:spcBef>
-              <a:spcPct val="0"/>
-            </a:spcBef>
-            <a:spcAft>
-              <a:spcPct val="35000"/>
-            </a:spcAft>
-            <a:buNone/>
-          </a:pPr>
-          <a:r>
-            <a:rPr lang="en-US" sz="1400" kern="1200" dirty="0" err="1"/>
-            <a:t>LectureService</a:t>
-          </a:r>
-          <a:endParaRPr lang="en-US" sz="1400" kern="1200" dirty="0"/>
-        </a:p>
-      </dsp:txBody>
-      <dsp:txXfrm>
-        <a:off x="1212849" y="3226097"/>
-        <a:ext cx="1288350" cy="687791"/>
-      </dsp:txXfrm>
-    </dsp:sp>
-    <dsp:sp modelId="{819724BE-D2AD-440E-9667-338BFC30A3A1}">
-      <dsp:nvSpPr>
-        <dsp:cNvPr id="0" name=""/>
-        <dsp:cNvSpPr/>
-      </dsp:nvSpPr>
-      <dsp:spPr>
-        <a:xfrm rot="3904051">
-          <a:off x="1809665" y="4303072"/>
-          <a:ext cx="776297" cy="0"/>
-        </a:xfrm>
-        <a:custGeom>
-          <a:avLst/>
-          <a:gdLst/>
-          <a:ahLst/>
-          <a:cxnLst/>
-          <a:rect l="0" t="0" r="0" b="0"/>
-          <a:pathLst>
-            <a:path>
-              <a:moveTo>
-                <a:pt x="0" y="0"/>
-              </a:moveTo>
-              <a:lnTo>
-                <a:pt x="776297" y="0"/>
-              </a:lnTo>
-            </a:path>
-          </a:pathLst>
-        </a:custGeom>
-        <a:noFill/>
-        <a:ln w="12700" cap="flat" cmpd="sng" algn="ctr">
-          <a:solidFill>
-            <a:schemeClr val="accent3">
-              <a:hueOff val="0"/>
-              <a:satOff val="0"/>
-              <a:lumOff val="0"/>
-              <a:alphaOff val="0"/>
-            </a:schemeClr>
-          </a:solidFill>
-          <a:prstDash val="solid"/>
-          <a:miter lim="800000"/>
-        </a:ln>
-        <a:effectLst/>
-      </dsp:spPr>
-      <dsp:style>
-        <a:lnRef idx="2">
-          <a:scrgbClr r="0" g="0" b="0"/>
-        </a:lnRef>
-        <a:fillRef idx="0">
-          <a:scrgbClr r="0" g="0" b="0"/>
-        </a:fillRef>
-        <a:effectRef idx="0">
-          <a:scrgbClr r="0" g="0" b="0"/>
-        </a:effectRef>
-        <a:fontRef idx="minor"/>
-      </dsp:style>
-    </dsp:sp>
-    <dsp:sp modelId="{0BF2BC5F-9205-41B0-948B-04C6BEAF1321}">
-      <dsp:nvSpPr>
-        <dsp:cNvPr id="0" name=""/>
-        <dsp:cNvSpPr/>
-      </dsp:nvSpPr>
-      <dsp:spPr>
-        <a:xfrm>
-          <a:off x="1962020" y="4655048"/>
-          <a:ext cx="1153167" cy="762207"/>
-        </a:xfrm>
-        <a:prstGeom prst="roundRect">
-          <a:avLst/>
-        </a:prstGeom>
-        <a:solidFill>
-          <a:schemeClr val="accent1">
-            <a:lumMod val="75000"/>
-          </a:schemeClr>
-        </a:solidFill>
-        <a:ln w="12700" cap="flat" cmpd="sng" algn="ctr">
-          <a:solidFill>
-            <a:schemeClr val="lt1">
-              <a:hueOff val="0"/>
-              <a:satOff val="0"/>
-              <a:lumOff val="0"/>
-              <a:alphaOff val="0"/>
-            </a:schemeClr>
-          </a:solidFill>
-          <a:prstDash val="solid"/>
-          <a:miter lim="800000"/>
-        </a:ln>
-        <a:effectLst/>
-      </dsp:spPr>
-      <dsp:style>
-        <a:lnRef idx="2">
-          <a:scrgbClr r="0" g="0" b="0"/>
-        </a:lnRef>
-        <a:fillRef idx="1">
-          <a:scrgbClr r="0" g="0" b="0"/>
-        </a:fillRef>
-        <a:effectRef idx="0">
-          <a:scrgbClr r="0" g="0" b="0"/>
-        </a:effectRef>
-        <a:fontRef idx="minor">
-          <a:schemeClr val="lt1"/>
-        </a:fontRef>
-      </dsp:style>
-      <dsp:txBody>
-        <a:bodyPr spcFirstLastPara="0" vert="horz" wrap="square" lIns="35560" tIns="35560" rIns="35560" bIns="35560" numCol="1" spcCol="1270" anchor="ctr" anchorCtr="0">
-          <a:noAutofit/>
-        </a:bodyPr>
-        <a:lstStyle/>
-        <a:p>
-          <a:pPr marL="0" lvl="0" indent="0" algn="ctr" defTabSz="622300">
-            <a:lnSpc>
-              <a:spcPct val="90000"/>
-            </a:lnSpc>
-            <a:spcBef>
-              <a:spcPct val="0"/>
-            </a:spcBef>
-            <a:spcAft>
-              <a:spcPct val="35000"/>
-            </a:spcAft>
-            <a:buNone/>
-          </a:pPr>
-          <a:r>
-            <a:rPr lang="en-US" sz="1400" kern="1200" dirty="0" err="1"/>
-            <a:t>LectureDAL</a:t>
-          </a:r>
-          <a:endParaRPr lang="en-US" sz="1400" kern="1200" dirty="0"/>
-        </a:p>
-      </dsp:txBody>
-      <dsp:txXfrm>
-        <a:off x="1999228" y="4692256"/>
-        <a:ext cx="1078751" cy="687791"/>
-      </dsp:txXfrm>
-    </dsp:sp>
-  </dsp:spTree>
-</dsp:drawing>
-</file>
-
-<file path=ppt/diagrams/drawing9.xml><?xml version="1.0" encoding="utf-8"?>
-<dsp:drawing xmlns:dgm="http://schemas.openxmlformats.org/drawingml/2006/diagram" xmlns:dsp="http://schemas.microsoft.com/office/drawing/2008/diagram" xmlns:a="http://schemas.openxmlformats.org/drawingml/2006/main">
-  <dsp:spTree>
-    <dsp:nvGrpSpPr>
-      <dsp:cNvPr id="0" name=""/>
-      <dsp:cNvGrpSpPr/>
-    </dsp:nvGrpSpPr>
-    <dsp:grpSpPr/>
-    <dsp:sp modelId="{9DA2373B-2C93-4757-B244-C8D55C880082}">
-      <dsp:nvSpPr>
-        <dsp:cNvPr id="0" name=""/>
-        <dsp:cNvSpPr/>
-      </dsp:nvSpPr>
-      <dsp:spPr>
-        <a:xfrm>
-          <a:off x="1189" y="0"/>
-          <a:ext cx="1849922" cy="3927828"/>
+          <a:off x="2330547" y="4276135"/>
+          <a:ext cx="1539077" cy="977313"/>
         </a:xfrm>
         <a:prstGeom prst="roundRect">
           <a:avLst>
@@ -19598,8 +21096,7 @@
           </a:avLst>
         </a:prstGeom>
         <a:solidFill>
-          <a:schemeClr val="accent1">
-            <a:alpha val="90000"/>
+          <a:schemeClr val="accent4">
             <a:hueOff val="0"/>
             <a:satOff val="0"/>
             <a:lumOff val="0"/>
@@ -19634,64 +21131,34 @@
           <a:schemeClr val="lt1"/>
         </a:fontRef>
       </dsp:style>
-      <dsp:txBody>
-        <a:bodyPr spcFirstLastPara="0" vert="horz" wrap="square" lIns="192024" tIns="192024" rIns="192024" bIns="192024" numCol="1" spcCol="1270" anchor="ctr" anchorCtr="0">
-          <a:noAutofit/>
-        </a:bodyPr>
-        <a:lstStyle/>
-        <a:p>
-          <a:pPr marL="0" lvl="0" indent="0" algn="ctr" defTabSz="1200150">
-            <a:lnSpc>
-              <a:spcPct val="90000"/>
-            </a:lnSpc>
-            <a:spcBef>
-              <a:spcPct val="0"/>
-            </a:spcBef>
-            <a:spcAft>
-              <a:spcPct val="35000"/>
-            </a:spcAft>
-            <a:buNone/>
-          </a:pPr>
-          <a:r>
-            <a:rPr lang="en-US" sz="2700" kern="1200" dirty="0"/>
-            <a:t>View</a:t>
-          </a:r>
-        </a:p>
-      </dsp:txBody>
-      <dsp:txXfrm>
-        <a:off x="1189" y="1571131"/>
-        <a:ext cx="1849922" cy="1571131"/>
-      </dsp:txXfrm>
     </dsp:sp>
-    <dsp:sp modelId="{D4EB00BB-5881-4D4A-AEC3-F8EBBD35B37F}">
+    <dsp:sp modelId="{5A7E0AF9-E0BE-48D9-86D8-183F74599AAF}">
       <dsp:nvSpPr>
         <dsp:cNvPr id="0" name=""/>
         <dsp:cNvSpPr/>
       </dsp:nvSpPr>
       <dsp:spPr>
         <a:xfrm>
-          <a:off x="272166" y="235669"/>
-          <a:ext cx="1307966" cy="1307966"/>
+          <a:off x="2501556" y="4438593"/>
+          <a:ext cx="1539077" cy="977313"/>
         </a:xfrm>
-        <a:prstGeom prst="ellipse">
-          <a:avLst/>
+        <a:prstGeom prst="roundRect">
+          <a:avLst>
+            <a:gd name="adj" fmla="val 10000"/>
+          </a:avLst>
         </a:prstGeom>
-        <a:blipFill>
-          <a:blip xmlns:r="http://schemas.openxmlformats.org/officeDocument/2006/relationships" r:embed="rId1">
-            <a:extLst>
-              <a:ext uri="{28A0092B-C50C-407E-A947-70E740481C1C}">
-                <a14:useLocalDpi xmlns:a14="http://schemas.microsoft.com/office/drawing/2010/main" val="0"/>
-              </a:ext>
-            </a:extLst>
-          </a:blip>
-          <a:srcRect/>
-          <a:stretch>
-            <a:fillRect/>
-          </a:stretch>
-        </a:blipFill>
+        <a:solidFill>
+          <a:schemeClr val="lt1">
+            <a:alpha val="90000"/>
+            <a:hueOff val="0"/>
+            <a:satOff val="0"/>
+            <a:lumOff val="0"/>
+            <a:alphaOff val="0"/>
+          </a:schemeClr>
+        </a:solidFill>
         <a:ln w="12700" cap="flat" cmpd="sng" algn="ctr">
           <a:solidFill>
-            <a:schemeClr val="lt1">
+            <a:schemeClr val="accent4">
               <a:hueOff val="0"/>
               <a:satOff val="0"/>
               <a:lumOff val="0"/>
@@ -19715,16 +21182,44 @@
         </a:effectRef>
         <a:fontRef idx="minor"/>
       </dsp:style>
+      <dsp:txBody>
+        <a:bodyPr spcFirstLastPara="0" vert="horz" wrap="square" lIns="53340" tIns="53340" rIns="53340" bIns="53340" numCol="1" spcCol="1270" anchor="ctr" anchorCtr="0">
+          <a:noAutofit/>
+        </a:bodyPr>
+        <a:lstStyle/>
+        <a:p>
+          <a:pPr marL="0" lvl="0" indent="0" algn="ctr" defTabSz="622300">
+            <a:lnSpc>
+              <a:spcPct val="90000"/>
+            </a:lnSpc>
+            <a:spcBef>
+              <a:spcPct val="0"/>
+            </a:spcBef>
+            <a:spcAft>
+              <a:spcPct val="35000"/>
+            </a:spcAft>
+            <a:buNone/>
+          </a:pPr>
+          <a:r>
+            <a:rPr lang="en-US" sz="1400" kern="1200" dirty="0"/>
+            <a:t>Contact DAL</a:t>
+          </a:r>
+        </a:p>
+      </dsp:txBody>
+      <dsp:txXfrm>
+        <a:off x="2530181" y="4467218"/>
+        <a:ext cx="1481827" cy="920063"/>
+      </dsp:txXfrm>
     </dsp:sp>
-    <dsp:sp modelId="{FB620026-D40C-4000-A51C-CFC7629FD18A}">
+    <dsp:sp modelId="{2E52C573-D661-48C4-A581-249C82FC3773}">
       <dsp:nvSpPr>
         <dsp:cNvPr id="0" name=""/>
         <dsp:cNvSpPr/>
       </dsp:nvSpPr>
       <dsp:spPr>
         <a:xfrm>
-          <a:off x="1906609" y="0"/>
-          <a:ext cx="1849922" cy="3927828"/>
+          <a:off x="5088992" y="1426277"/>
+          <a:ext cx="1539077" cy="977313"/>
         </a:xfrm>
         <a:prstGeom prst="roundRect">
           <a:avLst>
@@ -19732,12 +21227,11 @@
           </a:avLst>
         </a:prstGeom>
         <a:solidFill>
-          <a:schemeClr val="accent1">
-            <a:alpha val="90000"/>
+          <a:schemeClr val="accent2">
             <a:hueOff val="0"/>
             <a:satOff val="0"/>
             <a:lumOff val="0"/>
-            <a:alphaOff val="-20000"/>
+            <a:alphaOff val="0"/>
           </a:schemeClr>
         </a:solidFill>
         <a:ln w="12700" cap="flat" cmpd="sng" algn="ctr">
@@ -19768,61 +21262,34 @@
           <a:schemeClr val="lt1"/>
         </a:fontRef>
       </dsp:style>
-      <dsp:txBody>
-        <a:bodyPr spcFirstLastPara="0" vert="horz" wrap="square" lIns="192024" tIns="192024" rIns="192024" bIns="192024" numCol="1" spcCol="1270" anchor="ctr" anchorCtr="0">
-          <a:noAutofit/>
-        </a:bodyPr>
-        <a:lstStyle/>
-        <a:p>
-          <a:pPr marL="0" lvl="0" indent="0" algn="ctr" defTabSz="1200150">
-            <a:lnSpc>
-              <a:spcPct val="90000"/>
-            </a:lnSpc>
-            <a:spcBef>
-              <a:spcPct val="0"/>
-            </a:spcBef>
-            <a:spcAft>
-              <a:spcPct val="35000"/>
-            </a:spcAft>
-            <a:buNone/>
-          </a:pPr>
-          <a:r>
-            <a:rPr lang="en-US" sz="2700" kern="1200" dirty="0"/>
-            <a:t>Controller</a:t>
-          </a:r>
-        </a:p>
-      </dsp:txBody>
-      <dsp:txXfrm>
-        <a:off x="1906609" y="1571131"/>
-        <a:ext cx="1849922" cy="1571131"/>
-      </dsp:txXfrm>
     </dsp:sp>
-    <dsp:sp modelId="{78B85EB2-B637-4EB4-A139-C1748B11CB08}">
+    <dsp:sp modelId="{F44401D9-4B10-4E41-89C2-BEE610EDE56B}">
       <dsp:nvSpPr>
         <dsp:cNvPr id="0" name=""/>
         <dsp:cNvSpPr/>
       </dsp:nvSpPr>
       <dsp:spPr>
         <a:xfrm>
-          <a:off x="2177587" y="235669"/>
-          <a:ext cx="1307966" cy="1307966"/>
+          <a:off x="5260001" y="1588735"/>
+          <a:ext cx="1539077" cy="977313"/>
         </a:xfrm>
-        <a:prstGeom prst="ellipse">
-          <a:avLst/>
+        <a:prstGeom prst="roundRect">
+          <a:avLst>
+            <a:gd name="adj" fmla="val 10000"/>
+          </a:avLst>
         </a:prstGeom>
         <a:solidFill>
-          <a:schemeClr val="accent1">
-            <a:tint val="50000"/>
+          <a:schemeClr val="lt1">
             <a:alpha val="90000"/>
-            <a:hueOff val="51683"/>
+            <a:hueOff val="0"/>
             <a:satOff val="0"/>
-            <a:lumOff val="3760"/>
-            <a:alphaOff val="-20000"/>
+            <a:lumOff val="0"/>
+            <a:alphaOff val="0"/>
           </a:schemeClr>
         </a:solidFill>
         <a:ln w="12700" cap="flat" cmpd="sng" algn="ctr">
           <a:solidFill>
-            <a:schemeClr val="lt1">
+            <a:schemeClr val="accent2">
               <a:hueOff val="0"/>
               <a:satOff val="0"/>
               <a:lumOff val="0"/>
@@ -19846,16 +21313,56 @@
         </a:effectRef>
         <a:fontRef idx="minor"/>
       </dsp:style>
+      <dsp:txBody>
+        <a:bodyPr spcFirstLastPara="0" vert="horz" wrap="square" lIns="53340" tIns="53340" rIns="53340" bIns="53340" numCol="1" spcCol="1270" anchor="ctr" anchorCtr="0">
+          <a:noAutofit/>
+        </a:bodyPr>
+        <a:lstStyle/>
+        <a:p>
+          <a:pPr marL="0" lvl="0" indent="0" algn="ctr" defTabSz="622300">
+            <a:lnSpc>
+              <a:spcPct val="90000"/>
+            </a:lnSpc>
+            <a:spcBef>
+              <a:spcPct val="0"/>
+            </a:spcBef>
+            <a:spcAft>
+              <a:spcPct val="35000"/>
+            </a:spcAft>
+            <a:buNone/>
+          </a:pPr>
+          <a:r>
+            <a:rPr lang="en-US" sz="1400" kern="1200" dirty="0" err="1"/>
+            <a:t>Auth</a:t>
+          </a:r>
+          <a:r>
+            <a:rPr lang="en-US" sz="1400" kern="1200" dirty="0"/>
+            <a:t> Service Package (</a:t>
+          </a:r>
+          <a:r>
+            <a:rPr lang="en-US" sz="1400" kern="1200" dirty="0" err="1"/>
+            <a:t>Auth</a:t>
+          </a:r>
+          <a:r>
+            <a:rPr lang="en-US" sz="1400" kern="1200" dirty="0"/>
+            <a:t> Gateway)</a:t>
+          </a:r>
+        </a:p>
+      </dsp:txBody>
+      <dsp:txXfrm>
+        <a:off x="5288626" y="1617360"/>
+        <a:ext cx="1481827" cy="920063"/>
+      </dsp:txXfrm>
     </dsp:sp>
-    <dsp:sp modelId="{B0369BC4-A4EA-4E0C-9F03-4FF2B4EDFD77}">
+    <dsp:sp modelId="{B7E38311-1455-47E0-8DE1-5A95DA087420}">
       <dsp:nvSpPr>
         <dsp:cNvPr id="0" name=""/>
         <dsp:cNvSpPr/>
       </dsp:nvSpPr>
       <dsp:spPr>
         <a:xfrm>
-          <a:off x="3813218" y="0"/>
-          <a:ext cx="1849922" cy="3927828"/>
+          <a:off x="5088992" y="2851206"/>
+          <a:ext cx="1539077" cy="977313"/>
         </a:xfrm>
         <a:prstGeom prst="roundRect">
           <a:avLst>
@@ -19863,12 +21370,11 @@
           </a:avLst>
         </a:prstGeom>
         <a:solidFill>
-          <a:schemeClr val="accent1">
-            <a:alpha val="90000"/>
+          <a:schemeClr val="accent3">
             <a:hueOff val="0"/>
             <a:satOff val="0"/>
             <a:lumOff val="0"/>
-            <a:alphaOff val="-40000"/>
+            <a:alphaOff val="0"/>
           </a:schemeClr>
         </a:solidFill>
         <a:ln w="12700" cap="flat" cmpd="sng" algn="ctr">
@@ -19899,61 +21405,34 @@
           <a:schemeClr val="lt1"/>
         </a:fontRef>
       </dsp:style>
-      <dsp:txBody>
-        <a:bodyPr spcFirstLastPara="0" vert="horz" wrap="square" lIns="192024" tIns="192024" rIns="192024" bIns="192024" numCol="1" spcCol="1270" anchor="ctr" anchorCtr="0">
-          <a:noAutofit/>
-        </a:bodyPr>
-        <a:lstStyle/>
-        <a:p>
-          <a:pPr marL="0" lvl="0" indent="0" algn="ctr" defTabSz="1200150">
-            <a:lnSpc>
-              <a:spcPct val="90000"/>
-            </a:lnSpc>
-            <a:spcBef>
-              <a:spcPct val="0"/>
-            </a:spcBef>
-            <a:spcAft>
-              <a:spcPct val="35000"/>
-            </a:spcAft>
-            <a:buNone/>
-          </a:pPr>
-          <a:r>
-            <a:rPr lang="en-US" sz="2700" kern="1200" dirty="0"/>
-            <a:t>Model</a:t>
-          </a:r>
-        </a:p>
-      </dsp:txBody>
-      <dsp:txXfrm>
-        <a:off x="3813218" y="1571131"/>
-        <a:ext cx="1849922" cy="1571131"/>
-      </dsp:txXfrm>
     </dsp:sp>
-    <dsp:sp modelId="{130EC317-3B7B-4190-9859-AE03C6549611}">
+    <dsp:sp modelId="{EDB5D979-5CB1-44B8-AD67-D8BC2134C57B}">
       <dsp:nvSpPr>
         <dsp:cNvPr id="0" name=""/>
         <dsp:cNvSpPr/>
       </dsp:nvSpPr>
       <dsp:spPr>
         <a:xfrm>
-          <a:off x="4083007" y="235669"/>
-          <a:ext cx="1307966" cy="1307966"/>
+          <a:off x="5260001" y="3013664"/>
+          <a:ext cx="1539077" cy="977313"/>
         </a:xfrm>
-        <a:prstGeom prst="ellipse">
-          <a:avLst/>
+        <a:prstGeom prst="roundRect">
+          <a:avLst>
+            <a:gd name="adj" fmla="val 10000"/>
+          </a:avLst>
         </a:prstGeom>
         <a:solidFill>
-          <a:schemeClr val="accent1">
-            <a:tint val="50000"/>
+          <a:schemeClr val="lt1">
             <a:alpha val="90000"/>
-            <a:hueOff val="103366"/>
+            <a:hueOff val="0"/>
             <a:satOff val="0"/>
-            <a:lumOff val="7519"/>
-            <a:alphaOff val="-40000"/>
+            <a:lumOff val="0"/>
+            <a:alphaOff val="0"/>
           </a:schemeClr>
         </a:solidFill>
         <a:ln w="12700" cap="flat" cmpd="sng" algn="ctr">
           <a:solidFill>
-            <a:schemeClr val="lt1">
+            <a:schemeClr val="accent3">
               <a:hueOff val="0"/>
               <a:satOff val="0"/>
               <a:lumOff val="0"/>
@@ -19977,23 +21456,52 @@
         </a:effectRef>
         <a:fontRef idx="minor"/>
       </dsp:style>
+      <dsp:txBody>
+        <a:bodyPr spcFirstLastPara="0" vert="horz" wrap="square" lIns="53340" tIns="53340" rIns="53340" bIns="53340" numCol="1" spcCol="1270" anchor="ctr" anchorCtr="0">
+          <a:noAutofit/>
+        </a:bodyPr>
+        <a:lstStyle/>
+        <a:p>
+          <a:pPr marL="0" lvl="0" indent="0" algn="ctr" defTabSz="622300">
+            <a:lnSpc>
+              <a:spcPct val="90000"/>
+            </a:lnSpc>
+            <a:spcBef>
+              <a:spcPct val="0"/>
+            </a:spcBef>
+            <a:spcAft>
+              <a:spcPct val="35000"/>
+            </a:spcAft>
+            <a:buNone/>
+          </a:pPr>
+          <a:r>
+            <a:rPr lang="en-US" sz="1400" kern="1200" dirty="0"/>
+            <a:t>Login Service</a:t>
+          </a:r>
+        </a:p>
+      </dsp:txBody>
+      <dsp:txXfrm>
+        <a:off x="5288626" y="3042289"/>
+        <a:ext cx="1481827" cy="920063"/>
+      </dsp:txXfrm>
     </dsp:sp>
-    <dsp:sp modelId="{24076299-3833-45F1-9E72-8B1955D6A58E}">
+    <dsp:sp modelId="{A9CF1D73-1516-4730-A88D-E28CCA2ADB0D}">
       <dsp:nvSpPr>
         <dsp:cNvPr id="0" name=""/>
         <dsp:cNvSpPr/>
       </dsp:nvSpPr>
       <dsp:spPr>
         <a:xfrm>
-          <a:off x="226525" y="3142262"/>
-          <a:ext cx="5210089" cy="589174"/>
+          <a:off x="5088992" y="4276135"/>
+          <a:ext cx="1539077" cy="977313"/>
         </a:xfrm>
-        <a:prstGeom prst="leftRightArrow">
-          <a:avLst/>
+        <a:prstGeom prst="roundRect">
+          <a:avLst>
+            <a:gd name="adj" fmla="val 10000"/>
+          </a:avLst>
         </a:prstGeom>
         <a:solidFill>
-          <a:schemeClr val="accent1">
-            <a:tint val="40000"/>
+          <a:schemeClr val="accent4">
             <a:hueOff val="0"/>
             <a:satOff val="0"/>
             <a:lumOff val="0"/>
@@ -20024,8 +21532,93 @@
         <a:effectRef idx="0">
           <a:scrgbClr r="0" g="0" b="0"/>
         </a:effectRef>
+        <a:fontRef idx="minor">
+          <a:schemeClr val="lt1"/>
+        </a:fontRef>
+      </dsp:style>
+    </dsp:sp>
+    <dsp:sp modelId="{2C34E5CE-464D-4B2E-864E-8AB93332E208}">
+      <dsp:nvSpPr>
+        <dsp:cNvPr id="0" name=""/>
+        <dsp:cNvSpPr/>
+      </dsp:nvSpPr>
+      <dsp:spPr>
+        <a:xfrm>
+          <a:off x="5260001" y="4438593"/>
+          <a:ext cx="1539077" cy="977313"/>
+        </a:xfrm>
+        <a:prstGeom prst="roundRect">
+          <a:avLst>
+            <a:gd name="adj" fmla="val 10000"/>
+          </a:avLst>
+        </a:prstGeom>
+        <a:solidFill>
+          <a:schemeClr val="lt1">
+            <a:alpha val="90000"/>
+            <a:hueOff val="0"/>
+            <a:satOff val="0"/>
+            <a:lumOff val="0"/>
+            <a:alphaOff val="0"/>
+          </a:schemeClr>
+        </a:solidFill>
+        <a:ln w="12700" cap="flat" cmpd="sng" algn="ctr">
+          <a:solidFill>
+            <a:schemeClr val="accent4">
+              <a:hueOff val="0"/>
+              <a:satOff val="0"/>
+              <a:lumOff val="0"/>
+              <a:alphaOff val="0"/>
+            </a:schemeClr>
+          </a:solidFill>
+          <a:prstDash val="solid"/>
+          <a:miter lim="800000"/>
+        </a:ln>
+        <a:effectLst/>
+      </dsp:spPr>
+      <dsp:style>
+        <a:lnRef idx="2">
+          <a:scrgbClr r="0" g="0" b="0"/>
+        </a:lnRef>
+        <a:fillRef idx="1">
+          <a:scrgbClr r="0" g="0" b="0"/>
+        </a:fillRef>
+        <a:effectRef idx="0">
+          <a:scrgbClr r="0" g="0" b="0"/>
+        </a:effectRef>
         <a:fontRef idx="minor"/>
       </dsp:style>
+      <dsp:txBody>
+        <a:bodyPr spcFirstLastPara="0" vert="horz" wrap="square" lIns="53340" tIns="53340" rIns="53340" bIns="53340" numCol="1" spcCol="1270" anchor="ctr" anchorCtr="0">
+          <a:noAutofit/>
+        </a:bodyPr>
+        <a:lstStyle/>
+        <a:p>
+          <a:pPr marL="0" lvl="0" indent="0" algn="ctr" defTabSz="622300">
+            <a:lnSpc>
+              <a:spcPct val="90000"/>
+            </a:lnSpc>
+            <a:spcBef>
+              <a:spcPct val="0"/>
+            </a:spcBef>
+            <a:spcAft>
+              <a:spcPct val="35000"/>
+            </a:spcAft>
+            <a:buNone/>
+          </a:pPr>
+          <a:r>
+            <a:rPr lang="en-US" sz="1400" kern="1200" dirty="0" err="1"/>
+            <a:t>Auth</a:t>
+          </a:r>
+          <a:r>
+            <a:rPr lang="en-US" sz="1400" kern="1200" dirty="0"/>
+            <a:t> DAL</a:t>
+          </a:r>
+        </a:p>
+      </dsp:txBody>
+      <dsp:txXfrm>
+        <a:off x="5288626" y="4467218"/>
+        <a:ext cx="1481827" cy="920063"/>
+      </dsp:txXfrm>
     </dsp:sp>
   </dsp:spTree>
 </dsp:drawing>
@@ -20178,6 +21771,201 @@
 </file>
 
 <file path=ppt/diagrams/layout10.xml><?xml version="1.0" encoding="utf-8"?>
+<dgm:layoutDef xmlns:dgm="http://schemas.openxmlformats.org/drawingml/2006/diagram" xmlns:a="http://schemas.openxmlformats.org/drawingml/2006/main" uniqueId="urn:microsoft.com/office/officeart/2005/8/layout/hList7">
+  <dgm:title val=""/>
+  <dgm:desc val=""/>
+  <dgm:catLst>
+    <dgm:cat type="list" pri="12000"/>
+    <dgm:cat type="process" pri="20000"/>
+    <dgm:cat type="relationship" pri="14000"/>
+    <dgm:cat type="convert" pri="8000"/>
+    <dgm:cat type="picture" pri="25000"/>
+    <dgm:cat type="pictureconvert" pri="25000"/>
+  </dgm:catLst>
+  <dgm:sampData useDef="1">
+    <dgm:dataModel>
+      <dgm:ptLst/>
+      <dgm:bg/>
+      <dgm:whole/>
+    </dgm:dataModel>
+  </dgm:sampData>
+  <dgm:styleData>
+    <dgm:dataModel>
+      <dgm:ptLst>
+        <dgm:pt modelId="0" type="doc"/>
+        <dgm:pt modelId="1"/>
+        <dgm:pt modelId="2"/>
+      </dgm:ptLst>
+      <dgm:cxnLst>
+        <dgm:cxn modelId="3" srcId="0" destId="1" srcOrd="0" destOrd="0"/>
+        <dgm:cxn modelId="4" srcId="0" destId="2" srcOrd="1" destOrd="0"/>
+      </dgm:cxnLst>
+      <dgm:bg/>
+      <dgm:whole/>
+    </dgm:dataModel>
+  </dgm:styleData>
+  <dgm:clrData>
+    <dgm:dataModel>
+      <dgm:ptLst>
+        <dgm:pt modelId="0" type="doc"/>
+        <dgm:pt modelId="1"/>
+        <dgm:pt modelId="2"/>
+        <dgm:pt modelId="3"/>
+        <dgm:pt modelId="4"/>
+      </dgm:ptLst>
+      <dgm:cxnLst>
+        <dgm:cxn modelId="5" srcId="0" destId="1" srcOrd="0" destOrd="0"/>
+        <dgm:cxn modelId="6" srcId="0" destId="2" srcOrd="1" destOrd="0"/>
+        <dgm:cxn modelId="7" srcId="0" destId="3" srcOrd="2" destOrd="0"/>
+        <dgm:cxn modelId="8" srcId="0" destId="4" srcOrd="3" destOrd="0"/>
+      </dgm:cxnLst>
+      <dgm:bg/>
+      <dgm:whole/>
+    </dgm:dataModel>
+  </dgm:clrData>
+  <dgm:layoutNode name="Name0">
+    <dgm:varLst>
+      <dgm:dir/>
+      <dgm:resizeHandles val="exact"/>
+    </dgm:varLst>
+    <dgm:alg type="composite"/>
+    <dgm:shape xmlns:r="http://schemas.openxmlformats.org/officeDocument/2006/relationships" r:blip="">
+      <dgm:adjLst/>
+    </dgm:shape>
+    <dgm:presOf/>
+    <dgm:constrLst>
+      <dgm:constr type="w" for="ch" forName="fgShape" refType="w" fact="0.92"/>
+      <dgm:constr type="h" for="ch" forName="fgShape" refType="h" fact="0.15"/>
+      <dgm:constr type="b" for="ch" forName="fgShape" refType="h" fact="0.95"/>
+      <dgm:constr type="ctrX" for="ch" forName="fgShape" refType="w" fact="0.5"/>
+      <dgm:constr type="w" for="ch" forName="linComp" refType="w"/>
+      <dgm:constr type="h" for="ch" forName="linComp" refType="h"/>
+      <dgm:constr type="ctrX" for="ch" forName="linComp" refType="w" fact="0.5"/>
+    </dgm:constrLst>
+    <dgm:ruleLst/>
+    <dgm:layoutNode name="fgShape" styleLbl="fgShp">
+      <dgm:alg type="sp"/>
+      <dgm:shape xmlns:r="http://schemas.openxmlformats.org/officeDocument/2006/relationships" type="leftRightArrow" r:blip="" zOrderOff="99999">
+        <dgm:adjLst/>
+      </dgm:shape>
+      <dgm:presOf/>
+      <dgm:constrLst/>
+      <dgm:ruleLst/>
+    </dgm:layoutNode>
+    <dgm:layoutNode name="linComp">
+      <dgm:choose name="Name1">
+        <dgm:if name="Name2" func="var" arg="dir" op="equ" val="norm">
+          <dgm:alg type="lin"/>
+        </dgm:if>
+        <dgm:else name="Name3">
+          <dgm:alg type="lin">
+            <dgm:param type="linDir" val="fromR"/>
+          </dgm:alg>
+        </dgm:else>
+      </dgm:choose>
+      <dgm:shape xmlns:r="http://schemas.openxmlformats.org/officeDocument/2006/relationships" r:blip="">
+        <dgm:adjLst/>
+      </dgm:shape>
+      <dgm:presOf/>
+      <dgm:constrLst>
+        <dgm:constr type="w" for="ch" forName="compNode" refType="w"/>
+        <dgm:constr type="h" for="ch" forName="compNode" refType="h"/>
+        <dgm:constr type="w" for="ch" ptType="sibTrans" refType="w" refFor="ch" refForName="compNode" fact="0.03"/>
+        <dgm:constr type="primFontSz" for="des" ptType="node" op="equ" val="65"/>
+      </dgm:constrLst>
+      <dgm:ruleLst/>
+      <dgm:forEach name="nodesForEach" axis="ch" ptType="node">
+        <dgm:layoutNode name="compNode">
+          <dgm:alg type="composite"/>
+          <dgm:shape xmlns:r="http://schemas.openxmlformats.org/officeDocument/2006/relationships" r:blip="">
+            <dgm:adjLst/>
+          </dgm:shape>
+          <dgm:presOf/>
+          <dgm:constrLst>
+            <dgm:constr type="w" for="ch" forName="bkgdShape" refType="w"/>
+            <dgm:constr type="h" for="ch" forName="bkgdShape" refType="h"/>
+            <dgm:constr type="w" for="ch" forName="nodeTx" refType="w"/>
+            <dgm:constr type="h" for="ch" forName="nodeTx" refType="h" fact="0.4"/>
+            <dgm:constr type="b" for="ch" forName="nodeTx" refType="h" fact="0.8"/>
+            <dgm:constr type="w" for="ch" forName="invisiNode" refType="w" fact="0.01"/>
+            <dgm:constr type="h" for="ch" forName="invisiNode" refType="h" fact="0.06"/>
+            <dgm:constr type="t" for="ch" forName="invisiNode"/>
+            <dgm:constr type="ctrX" for="ch" forName="invisiNode" refType="w" fact="0.5"/>
+            <dgm:constr type="h" for="ch" forName="imagNode" refType="h" fact="0.333"/>
+            <dgm:constr type="w" for="ch" forName="imagNode" refType="h" refFor="ch" refForName="imagNode"/>
+            <dgm:constr type="ctrX" for="ch" forName="imagNode" refType="w" fact="0.5"/>
+            <dgm:constr type="t" for="ch" forName="imagNode" refType="h" fact="0.06"/>
+            <dgm:constr type="w" for="ch" forName="imagNode" refType="w" op="lte" fact="0.94"/>
+          </dgm:constrLst>
+          <dgm:ruleLst/>
+          <dgm:layoutNode name="bkgdShape">
+            <dgm:alg type="sp"/>
+            <dgm:shape xmlns:r="http://schemas.openxmlformats.org/officeDocument/2006/relationships" type="roundRect" r:blip="">
+              <dgm:adjLst>
+                <dgm:adj idx="1" val="0.1"/>
+              </dgm:adjLst>
+            </dgm:shape>
+            <dgm:presOf axis="desOrSelf" ptType="node"/>
+            <dgm:constrLst/>
+            <dgm:ruleLst/>
+          </dgm:layoutNode>
+          <dgm:layoutNode name="nodeTx">
+            <dgm:varLst>
+              <dgm:bulletEnabled val="1"/>
+            </dgm:varLst>
+            <dgm:alg type="tx">
+              <dgm:param type="txAnchorVert" val="mid"/>
+              <dgm:param type="txAnchorHorzCh" val="ctr"/>
+              <dgm:param type="stBulletLvl" val="2"/>
+            </dgm:alg>
+            <dgm:shape xmlns:r="http://schemas.openxmlformats.org/officeDocument/2006/relationships" type="rect" r:blip="" hideGeom="1">
+              <dgm:adjLst/>
+            </dgm:shape>
+            <dgm:presOf axis="desOrSelf" ptType="node"/>
+            <dgm:constrLst/>
+            <dgm:ruleLst>
+              <dgm:rule type="primFontSz" val="5" fact="NaN" max="NaN"/>
+            </dgm:ruleLst>
+          </dgm:layoutNode>
+          <dgm:layoutNode name="invisiNode">
+            <dgm:alg type="sp"/>
+            <dgm:shape xmlns:r="http://schemas.openxmlformats.org/officeDocument/2006/relationships" type="roundRect" r:blip="" hideGeom="1">
+              <dgm:adjLst>
+                <dgm:adj idx="1" val="0.1"/>
+              </dgm:adjLst>
+            </dgm:shape>
+            <dgm:presOf/>
+            <dgm:constrLst/>
+            <dgm:ruleLst/>
+          </dgm:layoutNode>
+          <dgm:layoutNode name="imagNode" styleLbl="fgImgPlace1">
+            <dgm:alg type="sp"/>
+            <dgm:shape xmlns:r="http://schemas.openxmlformats.org/officeDocument/2006/relationships" type="ellipse" r:blip="" blipPhldr="1">
+              <dgm:adjLst/>
+            </dgm:shape>
+            <dgm:presOf/>
+            <dgm:constrLst/>
+            <dgm:ruleLst/>
+          </dgm:layoutNode>
+        </dgm:layoutNode>
+        <dgm:forEach name="sibTransForEach" axis="followSib" ptType="sibTrans" cnt="1">
+          <dgm:layoutNode name="sibTrans">
+            <dgm:alg type="sp"/>
+            <dgm:shape xmlns:r="http://schemas.openxmlformats.org/officeDocument/2006/relationships" type="rect" r:blip="" hideGeom="1">
+              <dgm:adjLst/>
+            </dgm:shape>
+            <dgm:presOf axis="self"/>
+            <dgm:constrLst/>
+            <dgm:ruleLst/>
+          </dgm:layoutNode>
+        </dgm:forEach>
+      </dgm:forEach>
+    </dgm:layoutNode>
+  </dgm:layoutNode>
+</dgm:layoutDef>
+</file>
+
+<file path=ppt/diagrams/layout11.xml><?xml version="1.0" encoding="utf-8"?>
 <dgm:layoutDef xmlns:dgm="http://schemas.openxmlformats.org/drawingml/2006/diagram" xmlns:a="http://schemas.openxmlformats.org/drawingml/2006/main" uniqueId="urn:microsoft.com/office/officeart/2005/8/layout/bProcess4">
   <dgm:title val=""/>
   <dgm:desc val=""/>
@@ -27953,20 +29741,43 @@
 </file>
 
 <file path=ppt/diagrams/layout9.xml><?xml version="1.0" encoding="utf-8"?>
-<dgm:layoutDef xmlns:dgm="http://schemas.openxmlformats.org/drawingml/2006/diagram" xmlns:a="http://schemas.openxmlformats.org/drawingml/2006/main" uniqueId="urn:microsoft.com/office/officeart/2005/8/layout/hList7">
+<dgm:layoutDef xmlns:dgm="http://schemas.openxmlformats.org/drawingml/2006/diagram" xmlns:a="http://schemas.openxmlformats.org/drawingml/2006/main" uniqueId="urn:microsoft.com/office/officeart/2005/8/layout/hierarchy1">
   <dgm:title val=""/>
   <dgm:desc val=""/>
   <dgm:catLst>
-    <dgm:cat type="list" pri="12000"/>
-    <dgm:cat type="process" pri="20000"/>
-    <dgm:cat type="relationship" pri="14000"/>
-    <dgm:cat type="convert" pri="8000"/>
-    <dgm:cat type="picture" pri="25000"/>
-    <dgm:cat type="pictureconvert" pri="25000"/>
+    <dgm:cat type="hierarchy" pri="2000"/>
   </dgm:catLst>
-  <dgm:sampData useDef="1">
+  <dgm:sampData>
     <dgm:dataModel>
-      <dgm:ptLst/>
+      <dgm:ptLst>
+        <dgm:pt modelId="0" type="doc"/>
+        <dgm:pt modelId="1">
+          <dgm:prSet phldr="1"/>
+        </dgm:pt>
+        <dgm:pt modelId="2">
+          <dgm:prSet phldr="1"/>
+        </dgm:pt>
+        <dgm:pt modelId="21">
+          <dgm:prSet phldr="1"/>
+        </dgm:pt>
+        <dgm:pt modelId="22">
+          <dgm:prSet phldr="1"/>
+        </dgm:pt>
+        <dgm:pt modelId="3">
+          <dgm:prSet phldr="1"/>
+        </dgm:pt>
+        <dgm:pt modelId="31">
+          <dgm:prSet phldr="1"/>
+        </dgm:pt>
+      </dgm:ptLst>
+      <dgm:cxnLst>
+        <dgm:cxn modelId="4" srcId="0" destId="1" srcOrd="0" destOrd="0"/>
+        <dgm:cxn modelId="5" srcId="1" destId="2" srcOrd="0" destOrd="0"/>
+        <dgm:cxn modelId="6" srcId="1" destId="3" srcOrd="1" destOrd="0"/>
+        <dgm:cxn modelId="23" srcId="2" destId="21" srcOrd="0" destOrd="0"/>
+        <dgm:cxn modelId="24" srcId="2" destId="22" srcOrd="1" destOrd="0"/>
+        <dgm:cxn modelId="33" srcId="3" destId="31" srcOrd="0" destOrd="0"/>
+      </dgm:cxnLst>
       <dgm:bg/>
       <dgm:whole/>
     </dgm:dataModel>
@@ -27976,11 +29787,13 @@
       <dgm:ptLst>
         <dgm:pt modelId="0" type="doc"/>
         <dgm:pt modelId="1"/>
-        <dgm:pt modelId="2"/>
+        <dgm:pt modelId="11"/>
+        <dgm:pt modelId="12"/>
       </dgm:ptLst>
       <dgm:cxnLst>
-        <dgm:cxn modelId="3" srcId="0" destId="1" srcOrd="0" destOrd="0"/>
-        <dgm:cxn modelId="4" srcId="0" destId="2" srcOrd="1" destOrd="0"/>
+        <dgm:cxn modelId="2" srcId="0" destId="1" srcOrd="0" destOrd="0"/>
+        <dgm:cxn modelId="13" srcId="1" destId="11" srcOrd="0" destOrd="0"/>
+        <dgm:cxn modelId="14" srcId="1" destId="12" srcOrd="1" destOrd="0"/>
       </dgm:cxnLst>
       <dgm:bg/>
       <dgm:whole/>
@@ -27992,157 +29805,500 @@
         <dgm:pt modelId="0" type="doc"/>
         <dgm:pt modelId="1"/>
         <dgm:pt modelId="2"/>
+        <dgm:pt modelId="21"/>
+        <dgm:pt modelId="211"/>
         <dgm:pt modelId="3"/>
-        <dgm:pt modelId="4"/>
+        <dgm:pt modelId="31"/>
+        <dgm:pt modelId="311"/>
       </dgm:ptLst>
       <dgm:cxnLst>
-        <dgm:cxn modelId="5" srcId="0" destId="1" srcOrd="0" destOrd="0"/>
-        <dgm:cxn modelId="6" srcId="0" destId="2" srcOrd="1" destOrd="0"/>
-        <dgm:cxn modelId="7" srcId="0" destId="3" srcOrd="2" destOrd="0"/>
-        <dgm:cxn modelId="8" srcId="0" destId="4" srcOrd="3" destOrd="0"/>
+        <dgm:cxn modelId="4" srcId="0" destId="1" srcOrd="0" destOrd="0"/>
+        <dgm:cxn modelId="5" srcId="1" destId="2" srcOrd="0" destOrd="0"/>
+        <dgm:cxn modelId="6" srcId="1" destId="3" srcOrd="1" destOrd="0"/>
+        <dgm:cxn modelId="23" srcId="2" destId="21" srcOrd="0" destOrd="0"/>
+        <dgm:cxn modelId="24" srcId="21" destId="211" srcOrd="0" destOrd="0"/>
+        <dgm:cxn modelId="33" srcId="3" destId="31" srcOrd="0" destOrd="0"/>
+        <dgm:cxn modelId="34" srcId="31" destId="311" srcOrd="0" destOrd="0"/>
       </dgm:cxnLst>
       <dgm:bg/>
       <dgm:whole/>
     </dgm:dataModel>
   </dgm:clrData>
-  <dgm:layoutNode name="Name0">
+  <dgm:layoutNode name="hierChild1">
     <dgm:varLst>
+      <dgm:chPref val="1"/>
       <dgm:dir/>
-      <dgm:resizeHandles val="exact"/>
+      <dgm:animOne val="branch"/>
+      <dgm:animLvl val="lvl"/>
+      <dgm:resizeHandles/>
     </dgm:varLst>
-    <dgm:alg type="composite"/>
+    <dgm:choose name="Name0">
+      <dgm:if name="Name1" func="var" arg="dir" op="equ" val="norm">
+        <dgm:alg type="hierChild">
+          <dgm:param type="linDir" val="fromL"/>
+        </dgm:alg>
+      </dgm:if>
+      <dgm:else name="Name2">
+        <dgm:alg type="hierChild">
+          <dgm:param type="linDir" val="fromR"/>
+        </dgm:alg>
+      </dgm:else>
+    </dgm:choose>
     <dgm:shape xmlns:r="http://schemas.openxmlformats.org/officeDocument/2006/relationships" r:blip="">
       <dgm:adjLst/>
     </dgm:shape>
     <dgm:presOf/>
     <dgm:constrLst>
-      <dgm:constr type="w" for="ch" forName="fgShape" refType="w" fact="0.92"/>
-      <dgm:constr type="h" for="ch" forName="fgShape" refType="h" fact="0.15"/>
-      <dgm:constr type="b" for="ch" forName="fgShape" refType="h" fact="0.95"/>
-      <dgm:constr type="ctrX" for="ch" forName="fgShape" refType="w" fact="0.5"/>
-      <dgm:constr type="w" for="ch" forName="linComp" refType="w"/>
-      <dgm:constr type="h" for="ch" forName="linComp" refType="h"/>
-      <dgm:constr type="ctrX" for="ch" forName="linComp" refType="w" fact="0.5"/>
+      <dgm:constr type="primFontSz" for="des" ptType="node" op="equ" val="65"/>
+      <dgm:constr type="w" for="des" forName="composite" refType="w"/>
+      <dgm:constr type="h" for="des" forName="composite" refType="w" refFor="des" refForName="composite" fact="0.667"/>
+      <dgm:constr type="w" for="des" forName="composite2" refType="w" refFor="des" refForName="composite"/>
+      <dgm:constr type="h" for="des" forName="composite2" refType="h" refFor="des" refForName="composite"/>
+      <dgm:constr type="w" for="des" forName="composite3" refType="w" refFor="des" refForName="composite"/>
+      <dgm:constr type="h" for="des" forName="composite3" refType="h" refFor="des" refForName="composite"/>
+      <dgm:constr type="w" for="des" forName="composite4" refType="w" refFor="des" refForName="composite"/>
+      <dgm:constr type="h" for="des" forName="composite4" refType="h" refFor="des" refForName="composite"/>
+      <dgm:constr type="w" for="des" forName="composite5" refType="w" refFor="des" refForName="composite"/>
+      <dgm:constr type="h" for="des" forName="composite5" refType="h" refFor="des" refForName="composite"/>
+      <dgm:constr type="sibSp" refType="w" refFor="des" refForName="composite" fact="0.1"/>
+      <dgm:constr type="sibSp" for="des" forName="hierChild2" refType="sibSp"/>
+      <dgm:constr type="sibSp" for="des" forName="hierChild3" refType="sibSp"/>
+      <dgm:constr type="sibSp" for="des" forName="hierChild4" refType="sibSp"/>
+      <dgm:constr type="sibSp" for="des" forName="hierChild5" refType="sibSp"/>
+      <dgm:constr type="sibSp" for="des" forName="hierChild6" refType="sibSp"/>
+      <dgm:constr type="sp" for="des" forName="hierRoot1" refType="h" refFor="des" refForName="composite" fact="0.25"/>
+      <dgm:constr type="sp" for="des" forName="hierRoot2" refType="sp" refFor="des" refForName="hierRoot1"/>
+      <dgm:constr type="sp" for="des" forName="hierRoot3" refType="sp" refFor="des" refForName="hierRoot1"/>
+      <dgm:constr type="sp" for="des" forName="hierRoot4" refType="sp" refFor="des" refForName="hierRoot1"/>
+      <dgm:constr type="sp" for="des" forName="hierRoot5" refType="sp" refFor="des" refForName="hierRoot1"/>
     </dgm:constrLst>
     <dgm:ruleLst/>
-    <dgm:layoutNode name="fgShape" styleLbl="fgShp">
-      <dgm:alg type="sp"/>
-      <dgm:shape xmlns:r="http://schemas.openxmlformats.org/officeDocument/2006/relationships" type="leftRightArrow" r:blip="" zOrderOff="99999">
-        <dgm:adjLst/>
-      </dgm:shape>
-      <dgm:presOf/>
-      <dgm:constrLst/>
-      <dgm:ruleLst/>
-    </dgm:layoutNode>
-    <dgm:layoutNode name="linComp">
-      <dgm:choose name="Name1">
-        <dgm:if name="Name2" func="var" arg="dir" op="equ" val="norm">
-          <dgm:alg type="lin"/>
-        </dgm:if>
-        <dgm:else name="Name3">
-          <dgm:alg type="lin">
-            <dgm:param type="linDir" val="fromR"/>
-          </dgm:alg>
-        </dgm:else>
-      </dgm:choose>
-      <dgm:shape xmlns:r="http://schemas.openxmlformats.org/officeDocument/2006/relationships" r:blip="">
-        <dgm:adjLst/>
-      </dgm:shape>
-      <dgm:presOf/>
-      <dgm:constrLst>
-        <dgm:constr type="w" for="ch" forName="compNode" refType="w"/>
-        <dgm:constr type="h" for="ch" forName="compNode" refType="h"/>
-        <dgm:constr type="w" for="ch" ptType="sibTrans" refType="w" refFor="ch" refForName="compNode" fact="0.03"/>
-        <dgm:constr type="primFontSz" for="des" ptType="node" op="equ" val="65"/>
-      </dgm:constrLst>
-      <dgm:ruleLst/>
-      <dgm:forEach name="nodesForEach" axis="ch" ptType="node">
-        <dgm:layoutNode name="compNode">
-          <dgm:alg type="composite"/>
+    <dgm:forEach name="Name3" axis="ch">
+      <dgm:forEach name="Name4" axis="self" ptType="node">
+        <dgm:layoutNode name="hierRoot1">
+          <dgm:alg type="hierRoot"/>
           <dgm:shape xmlns:r="http://schemas.openxmlformats.org/officeDocument/2006/relationships" r:blip="">
             <dgm:adjLst/>
           </dgm:shape>
           <dgm:presOf/>
           <dgm:constrLst>
-            <dgm:constr type="w" for="ch" forName="bkgdShape" refType="w"/>
-            <dgm:constr type="h" for="ch" forName="bkgdShape" refType="h"/>
-            <dgm:constr type="w" for="ch" forName="nodeTx" refType="w"/>
-            <dgm:constr type="h" for="ch" forName="nodeTx" refType="h" fact="0.4"/>
-            <dgm:constr type="b" for="ch" forName="nodeTx" refType="h" fact="0.8"/>
-            <dgm:constr type="w" for="ch" forName="invisiNode" refType="w" fact="0.01"/>
-            <dgm:constr type="h" for="ch" forName="invisiNode" refType="h" fact="0.06"/>
-            <dgm:constr type="t" for="ch" forName="invisiNode"/>
-            <dgm:constr type="ctrX" for="ch" forName="invisiNode" refType="w" fact="0.5"/>
-            <dgm:constr type="h" for="ch" forName="imagNode" refType="h" fact="0.333"/>
-            <dgm:constr type="w" for="ch" forName="imagNode" refType="h" refFor="ch" refForName="imagNode"/>
-            <dgm:constr type="ctrX" for="ch" forName="imagNode" refType="w" fact="0.5"/>
-            <dgm:constr type="t" for="ch" forName="imagNode" refType="h" fact="0.06"/>
-            <dgm:constr type="w" for="ch" forName="imagNode" refType="w" op="lte" fact="0.94"/>
+            <dgm:constr type="bendDist" for="des" ptType="parTrans" refType="sp" fact="0.5"/>
           </dgm:constrLst>
           <dgm:ruleLst/>
-          <dgm:layoutNode name="bkgdShape">
-            <dgm:alg type="sp"/>
-            <dgm:shape xmlns:r="http://schemas.openxmlformats.org/officeDocument/2006/relationships" type="roundRect" r:blip="">
-              <dgm:adjLst>
-                <dgm:adj idx="1" val="0.1"/>
-              </dgm:adjLst>
-            </dgm:shape>
-            <dgm:presOf axis="desOrSelf" ptType="node"/>
-            <dgm:constrLst/>
-            <dgm:ruleLst/>
-          </dgm:layoutNode>
-          <dgm:layoutNode name="nodeTx">
-            <dgm:varLst>
-              <dgm:bulletEnabled val="1"/>
-            </dgm:varLst>
-            <dgm:alg type="tx">
-              <dgm:param type="txAnchorVert" val="mid"/>
-              <dgm:param type="txAnchorHorzCh" val="ctr"/>
-              <dgm:param type="stBulletLvl" val="2"/>
-            </dgm:alg>
-            <dgm:shape xmlns:r="http://schemas.openxmlformats.org/officeDocument/2006/relationships" type="rect" r:blip="" hideGeom="1">
+          <dgm:layoutNode name="composite">
+            <dgm:alg type="composite"/>
+            <dgm:shape xmlns:r="http://schemas.openxmlformats.org/officeDocument/2006/relationships" r:blip="">
               <dgm:adjLst/>
             </dgm:shape>
-            <dgm:presOf axis="desOrSelf" ptType="node"/>
-            <dgm:constrLst/>
-            <dgm:ruleLst>
-              <dgm:rule type="primFontSz" val="5" fact="NaN" max="NaN"/>
-            </dgm:ruleLst>
+            <dgm:presOf/>
+            <dgm:constrLst>
+              <dgm:constr type="w" for="ch" forName="background" refType="w" fact="0.9"/>
+              <dgm:constr type="h" for="ch" forName="background" refType="w" refFor="ch" refForName="background" fact="0.635"/>
+              <dgm:constr type="t" for="ch" forName="background"/>
+              <dgm:constr type="l" for="ch" forName="background"/>
+              <dgm:constr type="w" for="ch" forName="text" refType="w" fact="0.9"/>
+              <dgm:constr type="h" for="ch" forName="text" refType="w" refFor="ch" refForName="text" fact="0.635"/>
+              <dgm:constr type="t" for="ch" forName="text" refType="w" fact="0.095"/>
+              <dgm:constr type="l" for="ch" forName="text" refType="w" fact="0.1"/>
+            </dgm:constrLst>
+            <dgm:ruleLst/>
+            <dgm:layoutNode name="background" styleLbl="node0" moveWith="text">
+              <dgm:alg type="sp"/>
+              <dgm:shape xmlns:r="http://schemas.openxmlformats.org/officeDocument/2006/relationships" type="roundRect" r:blip="">
+                <dgm:adjLst>
+                  <dgm:adj idx="1" val="0.1"/>
+                </dgm:adjLst>
+              </dgm:shape>
+              <dgm:presOf/>
+              <dgm:constrLst/>
+              <dgm:ruleLst/>
+            </dgm:layoutNode>
+            <dgm:layoutNode name="text" styleLbl="fgAcc0">
+              <dgm:varLst>
+                <dgm:chPref val="3"/>
+              </dgm:varLst>
+              <dgm:alg type="tx"/>
+              <dgm:shape xmlns:r="http://schemas.openxmlformats.org/officeDocument/2006/relationships" type="roundRect" r:blip="">
+                <dgm:adjLst>
+                  <dgm:adj idx="1" val="0.1"/>
+                </dgm:adjLst>
+              </dgm:shape>
+              <dgm:presOf axis="self"/>
+              <dgm:constrLst>
+                <dgm:constr type="tMarg" refType="primFontSz" fact="0.3"/>
+                <dgm:constr type="bMarg" refType="primFontSz" fact="0.3"/>
+                <dgm:constr type="lMarg" refType="primFontSz" fact="0.3"/>
+                <dgm:constr type="rMarg" refType="primFontSz" fact="0.3"/>
+              </dgm:constrLst>
+              <dgm:ruleLst>
+                <dgm:rule type="primFontSz" val="5" fact="NaN" max="NaN"/>
+              </dgm:ruleLst>
+            </dgm:layoutNode>
           </dgm:layoutNode>
-          <dgm:layoutNode name="invisiNode">
-            <dgm:alg type="sp"/>
-            <dgm:shape xmlns:r="http://schemas.openxmlformats.org/officeDocument/2006/relationships" type="roundRect" r:blip="" hideGeom="1">
-              <dgm:adjLst>
-                <dgm:adj idx="1" val="0.1"/>
-              </dgm:adjLst>
-            </dgm:shape>
-            <dgm:presOf/>
-            <dgm:constrLst/>
-            <dgm:ruleLst/>
-          </dgm:layoutNode>
-          <dgm:layoutNode name="imagNode" styleLbl="fgImgPlace1">
-            <dgm:alg type="sp"/>
-            <dgm:shape xmlns:r="http://schemas.openxmlformats.org/officeDocument/2006/relationships" type="ellipse" r:blip="" blipPhldr="1">
+          <dgm:layoutNode name="hierChild2">
+            <dgm:choose name="Name5">
+              <dgm:if name="Name6" func="var" arg="dir" op="equ" val="norm">
+                <dgm:alg type="hierChild">
+                  <dgm:param type="linDir" val="fromL"/>
+                </dgm:alg>
+              </dgm:if>
+              <dgm:else name="Name7">
+                <dgm:alg type="hierChild">
+                  <dgm:param type="linDir" val="fromR"/>
+                </dgm:alg>
+              </dgm:else>
+            </dgm:choose>
+            <dgm:shape xmlns:r="http://schemas.openxmlformats.org/officeDocument/2006/relationships" r:blip="">
               <dgm:adjLst/>
             </dgm:shape>
             <dgm:presOf/>
             <dgm:constrLst/>
             <dgm:ruleLst/>
+            <dgm:forEach name="Name8" axis="ch">
+              <dgm:forEach name="Name9" axis="self" ptType="parTrans" cnt="1">
+                <dgm:layoutNode name="Name10">
+                  <dgm:alg type="conn">
+                    <dgm:param type="dim" val="1D"/>
+                    <dgm:param type="endSty" val="noArr"/>
+                    <dgm:param type="connRout" val="bend"/>
+                    <dgm:param type="bendPt" val="end"/>
+                    <dgm:param type="begPts" val="bCtr"/>
+                    <dgm:param type="endPts" val="tCtr"/>
+                    <dgm:param type="srcNode" val="background"/>
+                    <dgm:param type="dstNode" val="background2"/>
+                  </dgm:alg>
+                  <dgm:shape xmlns:r="http://schemas.openxmlformats.org/officeDocument/2006/relationships" type="conn" r:blip="" zOrderOff="-999">
+                    <dgm:adjLst/>
+                  </dgm:shape>
+                  <dgm:presOf axis="self"/>
+                  <dgm:constrLst>
+                    <dgm:constr type="begPad"/>
+                    <dgm:constr type="endPad"/>
+                  </dgm:constrLst>
+                  <dgm:ruleLst/>
+                </dgm:layoutNode>
+              </dgm:forEach>
+              <dgm:forEach name="Name11" axis="self" ptType="node">
+                <dgm:layoutNode name="hierRoot2">
+                  <dgm:alg type="hierRoot"/>
+                  <dgm:shape xmlns:r="http://schemas.openxmlformats.org/officeDocument/2006/relationships" r:blip="">
+                    <dgm:adjLst/>
+                  </dgm:shape>
+                  <dgm:presOf/>
+                  <dgm:constrLst>
+                    <dgm:constr type="bendDist" for="des" ptType="parTrans" refType="sp" fact="0.5"/>
+                  </dgm:constrLst>
+                  <dgm:ruleLst/>
+                  <dgm:layoutNode name="composite2">
+                    <dgm:alg type="composite"/>
+                    <dgm:shape xmlns:r="http://schemas.openxmlformats.org/officeDocument/2006/relationships" r:blip="">
+                      <dgm:adjLst/>
+                    </dgm:shape>
+                    <dgm:presOf/>
+                    <dgm:constrLst>
+                      <dgm:constr type="w" for="ch" forName="background2" refType="w" fact="0.9"/>
+                      <dgm:constr type="h" for="ch" forName="background2" refType="w" refFor="ch" refForName="background2" fact="0.635"/>
+                      <dgm:constr type="t" for="ch" forName="background2"/>
+                      <dgm:constr type="l" for="ch" forName="background2"/>
+                      <dgm:constr type="w" for="ch" forName="text2" refType="w" fact="0.9"/>
+                      <dgm:constr type="h" for="ch" forName="text2" refType="w" refFor="ch" refForName="text2" fact="0.635"/>
+                      <dgm:constr type="t" for="ch" forName="text2" refType="w" fact="0.095"/>
+                      <dgm:constr type="l" for="ch" forName="text2" refType="w" fact="0.1"/>
+                    </dgm:constrLst>
+                    <dgm:ruleLst/>
+                    <dgm:layoutNode name="background2" moveWith="text2">
+                      <dgm:alg type="sp"/>
+                      <dgm:shape xmlns:r="http://schemas.openxmlformats.org/officeDocument/2006/relationships" type="roundRect" r:blip="">
+                        <dgm:adjLst>
+                          <dgm:adj idx="1" val="0.1"/>
+                        </dgm:adjLst>
+                      </dgm:shape>
+                      <dgm:presOf/>
+                      <dgm:constrLst/>
+                      <dgm:ruleLst/>
+                    </dgm:layoutNode>
+                    <dgm:layoutNode name="text2" styleLbl="fgAcc2">
+                      <dgm:varLst>
+                        <dgm:chPref val="3"/>
+                      </dgm:varLst>
+                      <dgm:alg type="tx"/>
+                      <dgm:shape xmlns:r="http://schemas.openxmlformats.org/officeDocument/2006/relationships" type="roundRect" r:blip="">
+                        <dgm:adjLst>
+                          <dgm:adj idx="1" val="0.1"/>
+                        </dgm:adjLst>
+                      </dgm:shape>
+                      <dgm:presOf axis="self"/>
+                      <dgm:constrLst>
+                        <dgm:constr type="tMarg" refType="primFontSz" fact="0.3"/>
+                        <dgm:constr type="bMarg" refType="primFontSz" fact="0.3"/>
+                        <dgm:constr type="lMarg" refType="primFontSz" fact="0.3"/>
+                        <dgm:constr type="rMarg" refType="primFontSz" fact="0.3"/>
+                      </dgm:constrLst>
+                      <dgm:ruleLst>
+                        <dgm:rule type="primFontSz" val="5" fact="NaN" max="NaN"/>
+                      </dgm:ruleLst>
+                    </dgm:layoutNode>
+                  </dgm:layoutNode>
+                  <dgm:layoutNode name="hierChild3">
+                    <dgm:choose name="Name12">
+                      <dgm:if name="Name13" func="var" arg="dir" op="equ" val="norm">
+                        <dgm:alg type="hierChild">
+                          <dgm:param type="linDir" val="fromL"/>
+                        </dgm:alg>
+                      </dgm:if>
+                      <dgm:else name="Name14">
+                        <dgm:alg type="hierChild">
+                          <dgm:param type="linDir" val="fromR"/>
+                        </dgm:alg>
+                      </dgm:else>
+                    </dgm:choose>
+                    <dgm:shape xmlns:r="http://schemas.openxmlformats.org/officeDocument/2006/relationships" r:blip="">
+                      <dgm:adjLst/>
+                    </dgm:shape>
+                    <dgm:presOf/>
+                    <dgm:constrLst/>
+                    <dgm:ruleLst/>
+                    <dgm:forEach name="Name15" axis="ch">
+                      <dgm:forEach name="Name16" axis="self" ptType="parTrans" cnt="1">
+                        <dgm:layoutNode name="Name17">
+                          <dgm:alg type="conn">
+                            <dgm:param type="dim" val="1D"/>
+                            <dgm:param type="endSty" val="noArr"/>
+                            <dgm:param type="connRout" val="bend"/>
+                            <dgm:param type="bendPt" val="end"/>
+                            <dgm:param type="begPts" val="bCtr"/>
+                            <dgm:param type="endPts" val="tCtr"/>
+                            <dgm:param type="srcNode" val="background2"/>
+                            <dgm:param type="dstNode" val="background3"/>
+                          </dgm:alg>
+                          <dgm:shape xmlns:r="http://schemas.openxmlformats.org/officeDocument/2006/relationships" type="conn" r:blip="" zOrderOff="-999">
+                            <dgm:adjLst/>
+                          </dgm:shape>
+                          <dgm:presOf axis="self"/>
+                          <dgm:constrLst>
+                            <dgm:constr type="begPad"/>
+                            <dgm:constr type="endPad"/>
+                          </dgm:constrLst>
+                          <dgm:ruleLst/>
+                        </dgm:layoutNode>
+                      </dgm:forEach>
+                      <dgm:forEach name="Name18" axis="self" ptType="node">
+                        <dgm:layoutNode name="hierRoot3">
+                          <dgm:alg type="hierRoot"/>
+                          <dgm:shape xmlns:r="http://schemas.openxmlformats.org/officeDocument/2006/relationships" r:blip="">
+                            <dgm:adjLst/>
+                          </dgm:shape>
+                          <dgm:presOf/>
+                          <dgm:constrLst>
+                            <dgm:constr type="bendDist" for="des" ptType="parTrans" refType="sp" fact="0.5"/>
+                          </dgm:constrLst>
+                          <dgm:ruleLst/>
+                          <dgm:layoutNode name="composite3">
+                            <dgm:alg type="composite"/>
+                            <dgm:shape xmlns:r="http://schemas.openxmlformats.org/officeDocument/2006/relationships" r:blip="">
+                              <dgm:adjLst/>
+                            </dgm:shape>
+                            <dgm:presOf/>
+                            <dgm:constrLst>
+                              <dgm:constr type="w" for="ch" forName="background3" refType="w" fact="0.9"/>
+                              <dgm:constr type="h" for="ch" forName="background3" refType="w" refFor="ch" refForName="background3" fact="0.635"/>
+                              <dgm:constr type="t" for="ch" forName="background3"/>
+                              <dgm:constr type="l" for="ch" forName="background3"/>
+                              <dgm:constr type="w" for="ch" forName="text3" refType="w" fact="0.9"/>
+                              <dgm:constr type="h" for="ch" forName="text3" refType="w" refFor="ch" refForName="text3" fact="0.635"/>
+                              <dgm:constr type="t" for="ch" forName="text3" refType="w" fact="0.095"/>
+                              <dgm:constr type="l" for="ch" forName="text3" refType="w" fact="0.1"/>
+                            </dgm:constrLst>
+                            <dgm:ruleLst/>
+                            <dgm:layoutNode name="background3" moveWith="text3">
+                              <dgm:alg type="sp"/>
+                              <dgm:shape xmlns:r="http://schemas.openxmlformats.org/officeDocument/2006/relationships" type="roundRect" r:blip="">
+                                <dgm:adjLst>
+                                  <dgm:adj idx="1" val="0.1"/>
+                                </dgm:adjLst>
+                              </dgm:shape>
+                              <dgm:presOf/>
+                              <dgm:constrLst/>
+                              <dgm:ruleLst/>
+                            </dgm:layoutNode>
+                            <dgm:layoutNode name="text3" styleLbl="fgAcc3">
+                              <dgm:varLst>
+                                <dgm:chPref val="3"/>
+                              </dgm:varLst>
+                              <dgm:alg type="tx"/>
+                              <dgm:shape xmlns:r="http://schemas.openxmlformats.org/officeDocument/2006/relationships" type="roundRect" r:blip="">
+                                <dgm:adjLst>
+                                  <dgm:adj idx="1" val="0.1"/>
+                                </dgm:adjLst>
+                              </dgm:shape>
+                              <dgm:presOf axis="self"/>
+                              <dgm:constrLst>
+                                <dgm:constr type="tMarg" refType="primFontSz" fact="0.3"/>
+                                <dgm:constr type="bMarg" refType="primFontSz" fact="0.3"/>
+                                <dgm:constr type="lMarg" refType="primFontSz" fact="0.3"/>
+                                <dgm:constr type="rMarg" refType="primFontSz" fact="0.3"/>
+                              </dgm:constrLst>
+                              <dgm:ruleLst>
+                                <dgm:rule type="primFontSz" val="5" fact="NaN" max="NaN"/>
+                              </dgm:ruleLst>
+                            </dgm:layoutNode>
+                          </dgm:layoutNode>
+                          <dgm:layoutNode name="hierChild4">
+                            <dgm:choose name="Name19">
+                              <dgm:if name="Name20" func="var" arg="dir" op="equ" val="norm">
+                                <dgm:alg type="hierChild">
+                                  <dgm:param type="linDir" val="fromL"/>
+                                </dgm:alg>
+                              </dgm:if>
+                              <dgm:else name="Name21">
+                                <dgm:alg type="hierChild">
+                                  <dgm:param type="linDir" val="fromR"/>
+                                </dgm:alg>
+                              </dgm:else>
+                            </dgm:choose>
+                            <dgm:shape xmlns:r="http://schemas.openxmlformats.org/officeDocument/2006/relationships" r:blip="">
+                              <dgm:adjLst/>
+                            </dgm:shape>
+                            <dgm:presOf/>
+                            <dgm:constrLst/>
+                            <dgm:ruleLst/>
+                            <dgm:forEach name="repeat" axis="ch">
+                              <dgm:forEach name="Name22" axis="self" ptType="parTrans" cnt="1">
+                                <dgm:layoutNode name="Name23">
+                                  <dgm:choose name="Name24">
+                                    <dgm:if name="Name25" axis="self" func="depth" op="lte" val="4">
+                                      <dgm:alg type="conn">
+                                        <dgm:param type="dim" val="1D"/>
+                                        <dgm:param type="endSty" val="noArr"/>
+                                        <dgm:param type="connRout" val="bend"/>
+                                        <dgm:param type="bendPt" val="end"/>
+                                        <dgm:param type="begPts" val="bCtr"/>
+                                        <dgm:param type="endPts" val="tCtr"/>
+                                        <dgm:param type="srcNode" val="background3"/>
+                                        <dgm:param type="dstNode" val="background4"/>
+                                      </dgm:alg>
+                                    </dgm:if>
+                                    <dgm:else name="Name26">
+                                      <dgm:alg type="conn">
+                                        <dgm:param type="dim" val="1D"/>
+                                        <dgm:param type="endSty" val="noArr"/>
+                                        <dgm:param type="connRout" val="bend"/>
+                                        <dgm:param type="bendPt" val="end"/>
+                                        <dgm:param type="begPts" val="bCtr"/>
+                                        <dgm:param type="endPts" val="tCtr"/>
+                                        <dgm:param type="srcNode" val="background4"/>
+                                        <dgm:param type="dstNode" val="background4"/>
+                                      </dgm:alg>
+                                    </dgm:else>
+                                  </dgm:choose>
+                                  <dgm:shape xmlns:r="http://schemas.openxmlformats.org/officeDocument/2006/relationships" type="conn" r:blip="" zOrderOff="-999">
+                                    <dgm:adjLst/>
+                                  </dgm:shape>
+                                  <dgm:presOf axis="self"/>
+                                  <dgm:constrLst>
+                                    <dgm:constr type="begPad"/>
+                                    <dgm:constr type="endPad"/>
+                                  </dgm:constrLst>
+                                  <dgm:ruleLst/>
+                                </dgm:layoutNode>
+                              </dgm:forEach>
+                              <dgm:forEach name="Name27" axis="self" ptType="node">
+                                <dgm:layoutNode name="hierRoot4">
+                                  <dgm:alg type="hierRoot"/>
+                                  <dgm:shape xmlns:r="http://schemas.openxmlformats.org/officeDocument/2006/relationships" r:blip="">
+                                    <dgm:adjLst/>
+                                  </dgm:shape>
+                                  <dgm:presOf/>
+                                  <dgm:constrLst>
+                                    <dgm:constr type="bendDist" for="des" ptType="parTrans" refType="sp" fact="0.5"/>
+                                  </dgm:constrLst>
+                                  <dgm:ruleLst/>
+                                  <dgm:layoutNode name="composite4">
+                                    <dgm:alg type="composite"/>
+                                    <dgm:shape xmlns:r="http://schemas.openxmlformats.org/officeDocument/2006/relationships" r:blip="">
+                                      <dgm:adjLst/>
+                                    </dgm:shape>
+                                    <dgm:presOf/>
+                                    <dgm:constrLst>
+                                      <dgm:constr type="w" for="ch" forName="background4" refType="w" fact="0.9"/>
+                                      <dgm:constr type="h" for="ch" forName="background4" refType="w" refFor="ch" refForName="background4" fact="0.635"/>
+                                      <dgm:constr type="t" for="ch" forName="background4"/>
+                                      <dgm:constr type="l" for="ch" forName="background4"/>
+                                      <dgm:constr type="w" for="ch" forName="text4" refType="w" fact="0.9"/>
+                                      <dgm:constr type="h" for="ch" forName="text4" refType="w" refFor="ch" refForName="text4" fact="0.635"/>
+                                      <dgm:constr type="t" for="ch" forName="text4" refType="w" fact="0.095"/>
+                                      <dgm:constr type="l" for="ch" forName="text4" refType="w" fact="0.1"/>
+                                    </dgm:constrLst>
+                                    <dgm:ruleLst/>
+                                    <dgm:layoutNode name="background4" moveWith="text4">
+                                      <dgm:alg type="sp"/>
+                                      <dgm:shape xmlns:r="http://schemas.openxmlformats.org/officeDocument/2006/relationships" type="roundRect" r:blip="">
+                                        <dgm:adjLst>
+                                          <dgm:adj idx="1" val="0.1"/>
+                                        </dgm:adjLst>
+                                      </dgm:shape>
+                                      <dgm:presOf/>
+                                      <dgm:constrLst/>
+                                      <dgm:ruleLst/>
+                                    </dgm:layoutNode>
+                                    <dgm:layoutNode name="text4" styleLbl="fgAcc4">
+                                      <dgm:varLst>
+                                        <dgm:chPref val="3"/>
+                                      </dgm:varLst>
+                                      <dgm:alg type="tx"/>
+                                      <dgm:shape xmlns:r="http://schemas.openxmlformats.org/officeDocument/2006/relationships" type="roundRect" r:blip="">
+                                        <dgm:adjLst>
+                                          <dgm:adj idx="1" val="0.1"/>
+                                        </dgm:adjLst>
+                                      </dgm:shape>
+                                      <dgm:presOf axis="self"/>
+                                      <dgm:constrLst>
+                                        <dgm:constr type="tMarg" refType="primFontSz" fact="0.3"/>
+                                        <dgm:constr type="bMarg" refType="primFontSz" fact="0.3"/>
+                                        <dgm:constr type="lMarg" refType="primFontSz" fact="0.3"/>
+                                        <dgm:constr type="rMarg" refType="primFontSz" fact="0.3"/>
+                                      </dgm:constrLst>
+                                      <dgm:ruleLst>
+                                        <dgm:rule type="primFontSz" val="5" fact="NaN" max="NaN"/>
+                                      </dgm:ruleLst>
+                                    </dgm:layoutNode>
+                                  </dgm:layoutNode>
+                                  <dgm:layoutNode name="hierChild5">
+                                    <dgm:choose name="Name28">
+                                      <dgm:if name="Name29" func="var" arg="dir" op="equ" val="norm">
+                                        <dgm:alg type="hierChild">
+                                          <dgm:param type="linDir" val="fromL"/>
+                                        </dgm:alg>
+                                      </dgm:if>
+                                      <dgm:else name="Name30">
+                                        <dgm:alg type="hierChild">
+                                          <dgm:param type="linDir" val="fromR"/>
+                                        </dgm:alg>
+                                      </dgm:else>
+                                    </dgm:choose>
+                                    <dgm:shape xmlns:r="http://schemas.openxmlformats.org/officeDocument/2006/relationships" r:blip="">
+                                      <dgm:adjLst/>
+                                    </dgm:shape>
+                                    <dgm:presOf/>
+                                    <dgm:constrLst/>
+                                    <dgm:ruleLst/>
+                                    <dgm:forEach name="Name31" ref="repeat"/>
+                                  </dgm:layoutNode>
+                                </dgm:layoutNode>
+                              </dgm:forEach>
+                            </dgm:forEach>
+                          </dgm:layoutNode>
+                        </dgm:layoutNode>
+                      </dgm:forEach>
+                    </dgm:forEach>
+                  </dgm:layoutNode>
+                </dgm:layoutNode>
+              </dgm:forEach>
+            </dgm:forEach>
           </dgm:layoutNode>
         </dgm:layoutNode>
-        <dgm:forEach name="sibTransForEach" axis="followSib" ptType="sibTrans" cnt="1">
-          <dgm:layoutNode name="sibTrans">
-            <dgm:alg type="sp"/>
-            <dgm:shape xmlns:r="http://schemas.openxmlformats.org/officeDocument/2006/relationships" type="rect" r:blip="" hideGeom="1">
-              <dgm:adjLst/>
-            </dgm:shape>
-            <dgm:presOf axis="self"/>
-            <dgm:constrLst/>
-            <dgm:ruleLst/>
-          </dgm:layoutNode>
-        </dgm:forEach>
       </dgm:forEach>
-    </dgm:layoutNode>
+    </dgm:forEach>
   </dgm:layoutNode>
 </dgm:layoutDef>
 </file>
@@ -29182,6 +31338,1040 @@
 </file>
 
 <file path=ppt/diagrams/quickStyle10.xml><?xml version="1.0" encoding="utf-8"?>
+<dgm:styleDef xmlns:dgm="http://schemas.openxmlformats.org/drawingml/2006/diagram" xmlns:a="http://schemas.openxmlformats.org/drawingml/2006/main" uniqueId="urn:microsoft.com/office/officeart/2005/8/quickstyle/simple1">
+  <dgm:title val=""/>
+  <dgm:desc val=""/>
+  <dgm:catLst>
+    <dgm:cat type="simple" pri="10100"/>
+  </dgm:catLst>
+  <dgm:scene3d>
+    <a:camera prst="orthographicFront"/>
+    <a:lightRig rig="threePt" dir="t"/>
+  </dgm:scene3d>
+  <dgm:styleLbl name="node0">
+    <dgm:scene3d>
+      <a:camera prst="orthographicFront"/>
+      <a:lightRig rig="threePt" dir="t"/>
+    </dgm:scene3d>
+    <dgm:sp3d/>
+    <dgm:txPr/>
+    <dgm:style>
+      <a:lnRef idx="2">
+        <a:scrgbClr r="0" g="0" b="0"/>
+      </a:lnRef>
+      <a:fillRef idx="1">
+        <a:scrgbClr r="0" g="0" b="0"/>
+      </a:fillRef>
+      <a:effectRef idx="0">
+        <a:scrgbClr r="0" g="0" b="0"/>
+      </a:effectRef>
+      <a:fontRef idx="minor">
+        <a:schemeClr val="lt1"/>
+      </a:fontRef>
+    </dgm:style>
+  </dgm:styleLbl>
+  <dgm:styleLbl name="lnNode1">
+    <dgm:scene3d>
+      <a:camera prst="orthographicFront"/>
+      <a:lightRig rig="threePt" dir="t"/>
+    </dgm:scene3d>
+    <dgm:sp3d/>
+    <dgm:txPr/>
+    <dgm:style>
+      <a:lnRef idx="2">
+        <a:scrgbClr r="0" g="0" b="0"/>
+      </a:lnRef>
+      <a:fillRef idx="1">
+        <a:scrgbClr r="0" g="0" b="0"/>
+      </a:fillRef>
+      <a:effectRef idx="0">
+        <a:scrgbClr r="0" g="0" b="0"/>
+      </a:effectRef>
+      <a:fontRef idx="minor">
+        <a:schemeClr val="lt1"/>
+      </a:fontRef>
+    </dgm:style>
+  </dgm:styleLbl>
+  <dgm:styleLbl name="vennNode1">
+    <dgm:scene3d>
+      <a:camera prst="orthographicFront"/>
+      <a:lightRig rig="threePt" dir="t"/>
+    </dgm:scene3d>
+    <dgm:sp3d/>
+    <dgm:txPr/>
+    <dgm:style>
+      <a:lnRef idx="2">
+        <a:scrgbClr r="0" g="0" b="0"/>
+      </a:lnRef>
+      <a:fillRef idx="1">
+        <a:scrgbClr r="0" g="0" b="0"/>
+      </a:fillRef>
+      <a:effectRef idx="0">
+        <a:scrgbClr r="0" g="0" b="0"/>
+      </a:effectRef>
+      <a:fontRef idx="minor">
+        <a:schemeClr val="tx1"/>
+      </a:fontRef>
+    </dgm:style>
+  </dgm:styleLbl>
+  <dgm:styleLbl name="alignNode1">
+    <dgm:scene3d>
+      <a:camera prst="orthographicFront"/>
+      <a:lightRig rig="threePt" dir="t"/>
+    </dgm:scene3d>
+    <dgm:sp3d/>
+    <dgm:txPr/>
+    <dgm:style>
+      <a:lnRef idx="2">
+        <a:scrgbClr r="0" g="0" b="0"/>
+      </a:lnRef>
+      <a:fillRef idx="1">
+        <a:scrgbClr r="0" g="0" b="0"/>
+      </a:fillRef>
+      <a:effectRef idx="0">
+        <a:scrgbClr r="0" g="0" b="0"/>
+      </a:effectRef>
+      <a:fontRef idx="minor">
+        <a:schemeClr val="lt1"/>
+      </a:fontRef>
+    </dgm:style>
+  </dgm:styleLbl>
+  <dgm:styleLbl name="node1">
+    <dgm:scene3d>
+      <a:camera prst="orthographicFront"/>
+      <a:lightRig rig="threePt" dir="t"/>
+    </dgm:scene3d>
+    <dgm:sp3d/>
+    <dgm:txPr/>
+    <dgm:style>
+      <a:lnRef idx="2">
+        <a:scrgbClr r="0" g="0" b="0"/>
+      </a:lnRef>
+      <a:fillRef idx="1">
+        <a:scrgbClr r="0" g="0" b="0"/>
+      </a:fillRef>
+      <a:effectRef idx="0">
+        <a:scrgbClr r="0" g="0" b="0"/>
+      </a:effectRef>
+      <a:fontRef idx="minor">
+        <a:schemeClr val="lt1"/>
+      </a:fontRef>
+    </dgm:style>
+  </dgm:styleLbl>
+  <dgm:styleLbl name="node2">
+    <dgm:scene3d>
+      <a:camera prst="orthographicFront"/>
+      <a:lightRig rig="threePt" dir="t"/>
+    </dgm:scene3d>
+    <dgm:sp3d/>
+    <dgm:txPr/>
+    <dgm:style>
+      <a:lnRef idx="2">
+        <a:scrgbClr r="0" g="0" b="0"/>
+      </a:lnRef>
+      <a:fillRef idx="1">
+        <a:scrgbClr r="0" g="0" b="0"/>
+      </a:fillRef>
+      <a:effectRef idx="0">
+        <a:scrgbClr r="0" g="0" b="0"/>
+      </a:effectRef>
+      <a:fontRef idx="minor">
+        <a:schemeClr val="lt1"/>
+      </a:fontRef>
+    </dgm:style>
+  </dgm:styleLbl>
+  <dgm:styleLbl name="node3">
+    <dgm:scene3d>
+      <a:camera prst="orthographicFront"/>
+      <a:lightRig rig="threePt" dir="t"/>
+    </dgm:scene3d>
+    <dgm:sp3d/>
+    <dgm:txPr/>
+    <dgm:style>
+      <a:lnRef idx="2">
+        <a:scrgbClr r="0" g="0" b="0"/>
+      </a:lnRef>
+      <a:fillRef idx="1">
+        <a:scrgbClr r="0" g="0" b="0"/>
+      </a:fillRef>
+      <a:effectRef idx="0">
+        <a:scrgbClr r="0" g="0" b="0"/>
+      </a:effectRef>
+      <a:fontRef idx="minor">
+        <a:schemeClr val="lt1"/>
+      </a:fontRef>
+    </dgm:style>
+  </dgm:styleLbl>
+  <dgm:styleLbl name="node4">
+    <dgm:scene3d>
+      <a:camera prst="orthographicFront"/>
+      <a:lightRig rig="threePt" dir="t"/>
+    </dgm:scene3d>
+    <dgm:sp3d/>
+    <dgm:txPr/>
+    <dgm:style>
+      <a:lnRef idx="2">
+        <a:scrgbClr r="0" g="0" b="0"/>
+      </a:lnRef>
+      <a:fillRef idx="1">
+        <a:scrgbClr r="0" g="0" b="0"/>
+      </a:fillRef>
+      <a:effectRef idx="0">
+        <a:scrgbClr r="0" g="0" b="0"/>
+      </a:effectRef>
+      <a:fontRef idx="minor">
+        <a:schemeClr val="lt1"/>
+      </a:fontRef>
+    </dgm:style>
+  </dgm:styleLbl>
+  <dgm:styleLbl name="fgImgPlace1">
+    <dgm:scene3d>
+      <a:camera prst="orthographicFront"/>
+      <a:lightRig rig="threePt" dir="t"/>
+    </dgm:scene3d>
+    <dgm:sp3d/>
+    <dgm:txPr/>
+    <dgm:style>
+      <a:lnRef idx="2">
+        <a:scrgbClr r="0" g="0" b="0"/>
+      </a:lnRef>
+      <a:fillRef idx="1">
+        <a:scrgbClr r="0" g="0" b="0"/>
+      </a:fillRef>
+      <a:effectRef idx="0">
+        <a:scrgbClr r="0" g="0" b="0"/>
+      </a:effectRef>
+      <a:fontRef idx="minor"/>
+    </dgm:style>
+  </dgm:styleLbl>
+  <dgm:styleLbl name="alignImgPlace1">
+    <dgm:scene3d>
+      <a:camera prst="orthographicFront"/>
+      <a:lightRig rig="threePt" dir="t"/>
+    </dgm:scene3d>
+    <dgm:sp3d/>
+    <dgm:txPr/>
+    <dgm:style>
+      <a:lnRef idx="2">
+        <a:scrgbClr r="0" g="0" b="0"/>
+      </a:lnRef>
+      <a:fillRef idx="1">
+        <a:scrgbClr r="0" g="0" b="0"/>
+      </a:fillRef>
+      <a:effectRef idx="0">
+        <a:scrgbClr r="0" g="0" b="0"/>
+      </a:effectRef>
+      <a:fontRef idx="minor"/>
+    </dgm:style>
+  </dgm:styleLbl>
+  <dgm:styleLbl name="bgImgPlace1">
+    <dgm:scene3d>
+      <a:camera prst="orthographicFront"/>
+      <a:lightRig rig="threePt" dir="t"/>
+    </dgm:scene3d>
+    <dgm:sp3d/>
+    <dgm:txPr/>
+    <dgm:style>
+      <a:lnRef idx="2">
+        <a:scrgbClr r="0" g="0" b="0"/>
+      </a:lnRef>
+      <a:fillRef idx="1">
+        <a:scrgbClr r="0" g="0" b="0"/>
+      </a:fillRef>
+      <a:effectRef idx="0">
+        <a:scrgbClr r="0" g="0" b="0"/>
+      </a:effectRef>
+      <a:fontRef idx="minor"/>
+    </dgm:style>
+  </dgm:styleLbl>
+  <dgm:styleLbl name="sibTrans2D1">
+    <dgm:scene3d>
+      <a:camera prst="orthographicFront"/>
+      <a:lightRig rig="threePt" dir="t"/>
+    </dgm:scene3d>
+    <dgm:sp3d/>
+    <dgm:txPr/>
+    <dgm:style>
+      <a:lnRef idx="0">
+        <a:scrgbClr r="0" g="0" b="0"/>
+      </a:lnRef>
+      <a:fillRef idx="1">
+        <a:scrgbClr r="0" g="0" b="0"/>
+      </a:fillRef>
+      <a:effectRef idx="0">
+        <a:scrgbClr r="0" g="0" b="0"/>
+      </a:effectRef>
+      <a:fontRef idx="minor">
+        <a:schemeClr val="lt1"/>
+      </a:fontRef>
+    </dgm:style>
+  </dgm:styleLbl>
+  <dgm:styleLbl name="fgSibTrans2D1">
+    <dgm:scene3d>
+      <a:camera prst="orthographicFront"/>
+      <a:lightRig rig="threePt" dir="t"/>
+    </dgm:scene3d>
+    <dgm:sp3d/>
+    <dgm:txPr/>
+    <dgm:style>
+      <a:lnRef idx="0">
+        <a:scrgbClr r="0" g="0" b="0"/>
+      </a:lnRef>
+      <a:fillRef idx="1">
+        <a:scrgbClr r="0" g="0" b="0"/>
+      </a:fillRef>
+      <a:effectRef idx="0">
+        <a:scrgbClr r="0" g="0" b="0"/>
+      </a:effectRef>
+      <a:fontRef idx="minor">
+        <a:schemeClr val="lt1"/>
+      </a:fontRef>
+    </dgm:style>
+  </dgm:styleLbl>
+  <dgm:styleLbl name="bgSibTrans2D1">
+    <dgm:scene3d>
+      <a:camera prst="orthographicFront"/>
+      <a:lightRig rig="threePt" dir="t"/>
+    </dgm:scene3d>
+    <dgm:sp3d/>
+    <dgm:txPr/>
+    <dgm:style>
+      <a:lnRef idx="0">
+        <a:scrgbClr r="0" g="0" b="0"/>
+      </a:lnRef>
+      <a:fillRef idx="1">
+        <a:scrgbClr r="0" g="0" b="0"/>
+      </a:fillRef>
+      <a:effectRef idx="0">
+        <a:scrgbClr r="0" g="0" b="0"/>
+      </a:effectRef>
+      <a:fontRef idx="minor">
+        <a:schemeClr val="lt1"/>
+      </a:fontRef>
+    </dgm:style>
+  </dgm:styleLbl>
+  <dgm:styleLbl name="sibTrans1D1">
+    <dgm:scene3d>
+      <a:camera prst="orthographicFront"/>
+      <a:lightRig rig="threePt" dir="t"/>
+    </dgm:scene3d>
+    <dgm:sp3d/>
+    <dgm:txPr/>
+    <dgm:style>
+      <a:lnRef idx="1">
+        <a:scrgbClr r="0" g="0" b="0"/>
+      </a:lnRef>
+      <a:fillRef idx="0">
+        <a:scrgbClr r="0" g="0" b="0"/>
+      </a:fillRef>
+      <a:effectRef idx="0">
+        <a:scrgbClr r="0" g="0" b="0"/>
+      </a:effectRef>
+      <a:fontRef idx="minor"/>
+    </dgm:style>
+  </dgm:styleLbl>
+  <dgm:styleLbl name="callout">
+    <dgm:scene3d>
+      <a:camera prst="orthographicFront"/>
+      <a:lightRig rig="threePt" dir="t"/>
+    </dgm:scene3d>
+    <dgm:sp3d/>
+    <dgm:txPr/>
+    <dgm:style>
+      <a:lnRef idx="2">
+        <a:scrgbClr r="0" g="0" b="0"/>
+      </a:lnRef>
+      <a:fillRef idx="1">
+        <a:scrgbClr r="0" g="0" b="0"/>
+      </a:fillRef>
+      <a:effectRef idx="0">
+        <a:scrgbClr r="0" g="0" b="0"/>
+      </a:effectRef>
+      <a:fontRef idx="minor"/>
+    </dgm:style>
+  </dgm:styleLbl>
+  <dgm:styleLbl name="asst0">
+    <dgm:scene3d>
+      <a:camera prst="orthographicFront"/>
+      <a:lightRig rig="threePt" dir="t"/>
+    </dgm:scene3d>
+    <dgm:sp3d/>
+    <dgm:txPr/>
+    <dgm:style>
+      <a:lnRef idx="2">
+        <a:scrgbClr r="0" g="0" b="0"/>
+      </a:lnRef>
+      <a:fillRef idx="1">
+        <a:scrgbClr r="0" g="0" b="0"/>
+      </a:fillRef>
+      <a:effectRef idx="0">
+        <a:scrgbClr r="0" g="0" b="0"/>
+      </a:effectRef>
+      <a:fontRef idx="minor">
+        <a:schemeClr val="lt1"/>
+      </a:fontRef>
+    </dgm:style>
+  </dgm:styleLbl>
+  <dgm:styleLbl name="asst1">
+    <dgm:scene3d>
+      <a:camera prst="orthographicFront"/>
+      <a:lightRig rig="threePt" dir="t"/>
+    </dgm:scene3d>
+    <dgm:sp3d/>
+    <dgm:txPr/>
+    <dgm:style>
+      <a:lnRef idx="2">
+        <a:scrgbClr r="0" g="0" b="0"/>
+      </a:lnRef>
+      <a:fillRef idx="1">
+        <a:scrgbClr r="0" g="0" b="0"/>
+      </a:fillRef>
+      <a:effectRef idx="0">
+        <a:scrgbClr r="0" g="0" b="0"/>
+      </a:effectRef>
+      <a:fontRef idx="minor">
+        <a:schemeClr val="lt1"/>
+      </a:fontRef>
+    </dgm:style>
+  </dgm:styleLbl>
+  <dgm:styleLbl name="asst2">
+    <dgm:scene3d>
+      <a:camera prst="orthographicFront"/>
+      <a:lightRig rig="threePt" dir="t"/>
+    </dgm:scene3d>
+    <dgm:sp3d/>
+    <dgm:txPr/>
+    <dgm:style>
+      <a:lnRef idx="2">
+        <a:scrgbClr r="0" g="0" b="0"/>
+      </a:lnRef>
+      <a:fillRef idx="1">
+        <a:scrgbClr r="0" g="0" b="0"/>
+      </a:fillRef>
+      <a:effectRef idx="0">
+        <a:scrgbClr r="0" g="0" b="0"/>
+      </a:effectRef>
+      <a:fontRef idx="minor">
+        <a:schemeClr val="lt1"/>
+      </a:fontRef>
+    </dgm:style>
+  </dgm:styleLbl>
+  <dgm:styleLbl name="asst3">
+    <dgm:scene3d>
+      <a:camera prst="orthographicFront"/>
+      <a:lightRig rig="threePt" dir="t"/>
+    </dgm:scene3d>
+    <dgm:sp3d/>
+    <dgm:txPr/>
+    <dgm:style>
+      <a:lnRef idx="2">
+        <a:scrgbClr r="0" g="0" b="0"/>
+      </a:lnRef>
+      <a:fillRef idx="1">
+        <a:scrgbClr r="0" g="0" b="0"/>
+      </a:fillRef>
+      <a:effectRef idx="0">
+        <a:scrgbClr r="0" g="0" b="0"/>
+      </a:effectRef>
+      <a:fontRef idx="minor">
+        <a:schemeClr val="lt1"/>
+      </a:fontRef>
+    </dgm:style>
+  </dgm:styleLbl>
+  <dgm:styleLbl name="asst4">
+    <dgm:scene3d>
+      <a:camera prst="orthographicFront"/>
+      <a:lightRig rig="threePt" dir="t"/>
+    </dgm:scene3d>
+    <dgm:sp3d/>
+    <dgm:txPr/>
+    <dgm:style>
+      <a:lnRef idx="2">
+        <a:scrgbClr r="0" g="0" b="0"/>
+      </a:lnRef>
+      <a:fillRef idx="1">
+        <a:scrgbClr r="0" g="0" b="0"/>
+      </a:fillRef>
+      <a:effectRef idx="0">
+        <a:scrgbClr r="0" g="0" b="0"/>
+      </a:effectRef>
+      <a:fontRef idx="minor">
+        <a:schemeClr val="lt1"/>
+      </a:fontRef>
+    </dgm:style>
+  </dgm:styleLbl>
+  <dgm:styleLbl name="parChTrans2D1">
+    <dgm:scene3d>
+      <a:camera prst="orthographicFront"/>
+      <a:lightRig rig="threePt" dir="t"/>
+    </dgm:scene3d>
+    <dgm:sp3d/>
+    <dgm:txPr/>
+    <dgm:style>
+      <a:lnRef idx="2">
+        <a:scrgbClr r="0" g="0" b="0"/>
+      </a:lnRef>
+      <a:fillRef idx="1">
+        <a:scrgbClr r="0" g="0" b="0"/>
+      </a:fillRef>
+      <a:effectRef idx="0">
+        <a:scrgbClr r="0" g="0" b="0"/>
+      </a:effectRef>
+      <a:fontRef idx="minor">
+        <a:schemeClr val="lt1"/>
+      </a:fontRef>
+    </dgm:style>
+  </dgm:styleLbl>
+  <dgm:styleLbl name="parChTrans2D2">
+    <dgm:scene3d>
+      <a:camera prst="orthographicFront"/>
+      <a:lightRig rig="threePt" dir="t"/>
+    </dgm:scene3d>
+    <dgm:sp3d/>
+    <dgm:txPr/>
+    <dgm:style>
+      <a:lnRef idx="2">
+        <a:scrgbClr r="0" g="0" b="0"/>
+      </a:lnRef>
+      <a:fillRef idx="1">
+        <a:scrgbClr r="0" g="0" b="0"/>
+      </a:fillRef>
+      <a:effectRef idx="0">
+        <a:scrgbClr r="0" g="0" b="0"/>
+      </a:effectRef>
+      <a:fontRef idx="minor">
+        <a:schemeClr val="lt1"/>
+      </a:fontRef>
+    </dgm:style>
+  </dgm:styleLbl>
+  <dgm:styleLbl name="parChTrans2D3">
+    <dgm:scene3d>
+      <a:camera prst="orthographicFront"/>
+      <a:lightRig rig="threePt" dir="t"/>
+    </dgm:scene3d>
+    <dgm:sp3d/>
+    <dgm:txPr/>
+    <dgm:style>
+      <a:lnRef idx="2">
+        <a:scrgbClr r="0" g="0" b="0"/>
+      </a:lnRef>
+      <a:fillRef idx="1">
+        <a:scrgbClr r="0" g="0" b="0"/>
+      </a:fillRef>
+      <a:effectRef idx="0">
+        <a:scrgbClr r="0" g="0" b="0"/>
+      </a:effectRef>
+      <a:fontRef idx="minor">
+        <a:schemeClr val="lt1"/>
+      </a:fontRef>
+    </dgm:style>
+  </dgm:styleLbl>
+  <dgm:styleLbl name="parChTrans2D4">
+    <dgm:scene3d>
+      <a:camera prst="orthographicFront"/>
+      <a:lightRig rig="threePt" dir="t"/>
+    </dgm:scene3d>
+    <dgm:sp3d/>
+    <dgm:txPr/>
+    <dgm:style>
+      <a:lnRef idx="2">
+        <a:scrgbClr r="0" g="0" b="0"/>
+      </a:lnRef>
+      <a:fillRef idx="1">
+        <a:scrgbClr r="0" g="0" b="0"/>
+      </a:fillRef>
+      <a:effectRef idx="0">
+        <a:scrgbClr r="0" g="0" b="0"/>
+      </a:effectRef>
+      <a:fontRef idx="minor">
+        <a:schemeClr val="lt1"/>
+      </a:fontRef>
+    </dgm:style>
+  </dgm:styleLbl>
+  <dgm:styleLbl name="parChTrans1D1">
+    <dgm:scene3d>
+      <a:camera prst="orthographicFront"/>
+      <a:lightRig rig="threePt" dir="t"/>
+    </dgm:scene3d>
+    <dgm:sp3d/>
+    <dgm:txPr/>
+    <dgm:style>
+      <a:lnRef idx="2">
+        <a:scrgbClr r="0" g="0" b="0"/>
+      </a:lnRef>
+      <a:fillRef idx="0">
+        <a:scrgbClr r="0" g="0" b="0"/>
+      </a:fillRef>
+      <a:effectRef idx="0">
+        <a:scrgbClr r="0" g="0" b="0"/>
+      </a:effectRef>
+      <a:fontRef idx="minor"/>
+    </dgm:style>
+  </dgm:styleLbl>
+  <dgm:styleLbl name="parChTrans1D2">
+    <dgm:scene3d>
+      <a:camera prst="orthographicFront"/>
+      <a:lightRig rig="threePt" dir="t"/>
+    </dgm:scene3d>
+    <dgm:sp3d/>
+    <dgm:txPr/>
+    <dgm:style>
+      <a:lnRef idx="2">
+        <a:scrgbClr r="0" g="0" b="0"/>
+      </a:lnRef>
+      <a:fillRef idx="0">
+        <a:scrgbClr r="0" g="0" b="0"/>
+      </a:fillRef>
+      <a:effectRef idx="0">
+        <a:scrgbClr r="0" g="0" b="0"/>
+      </a:effectRef>
+      <a:fontRef idx="minor"/>
+    </dgm:style>
+  </dgm:styleLbl>
+  <dgm:styleLbl name="parChTrans1D3">
+    <dgm:scene3d>
+      <a:camera prst="orthographicFront"/>
+      <a:lightRig rig="threePt" dir="t"/>
+    </dgm:scene3d>
+    <dgm:sp3d/>
+    <dgm:txPr/>
+    <dgm:style>
+      <a:lnRef idx="2">
+        <a:scrgbClr r="0" g="0" b="0"/>
+      </a:lnRef>
+      <a:fillRef idx="0">
+        <a:scrgbClr r="0" g="0" b="0"/>
+      </a:fillRef>
+      <a:effectRef idx="0">
+        <a:scrgbClr r="0" g="0" b="0"/>
+      </a:effectRef>
+      <a:fontRef idx="minor"/>
+    </dgm:style>
+  </dgm:styleLbl>
+  <dgm:styleLbl name="parChTrans1D4">
+    <dgm:scene3d>
+      <a:camera prst="orthographicFront"/>
+      <a:lightRig rig="threePt" dir="t"/>
+    </dgm:scene3d>
+    <dgm:sp3d/>
+    <dgm:txPr/>
+    <dgm:style>
+      <a:lnRef idx="2">
+        <a:scrgbClr r="0" g="0" b="0"/>
+      </a:lnRef>
+      <a:fillRef idx="0">
+        <a:scrgbClr r="0" g="0" b="0"/>
+      </a:fillRef>
+      <a:effectRef idx="0">
+        <a:scrgbClr r="0" g="0" b="0"/>
+      </a:effectRef>
+      <a:fontRef idx="minor"/>
+    </dgm:style>
+  </dgm:styleLbl>
+  <dgm:styleLbl name="fgAcc1">
+    <dgm:scene3d>
+      <a:camera prst="orthographicFront"/>
+      <a:lightRig rig="threePt" dir="t"/>
+    </dgm:scene3d>
+    <dgm:sp3d/>
+    <dgm:txPr/>
+    <dgm:style>
+      <a:lnRef idx="2">
+        <a:scrgbClr r="0" g="0" b="0"/>
+      </a:lnRef>
+      <a:fillRef idx="1">
+        <a:scrgbClr r="0" g="0" b="0"/>
+      </a:fillRef>
+      <a:effectRef idx="0">
+        <a:scrgbClr r="0" g="0" b="0"/>
+      </a:effectRef>
+      <a:fontRef idx="minor"/>
+    </dgm:style>
+  </dgm:styleLbl>
+  <dgm:styleLbl name="conFgAcc1">
+    <dgm:scene3d>
+      <a:camera prst="orthographicFront"/>
+      <a:lightRig rig="threePt" dir="t"/>
+    </dgm:scene3d>
+    <dgm:sp3d/>
+    <dgm:txPr/>
+    <dgm:style>
+      <a:lnRef idx="2">
+        <a:scrgbClr r="0" g="0" b="0"/>
+      </a:lnRef>
+      <a:fillRef idx="1">
+        <a:scrgbClr r="0" g="0" b="0"/>
+      </a:fillRef>
+      <a:effectRef idx="0">
+        <a:scrgbClr r="0" g="0" b="0"/>
+      </a:effectRef>
+      <a:fontRef idx="minor"/>
+    </dgm:style>
+  </dgm:styleLbl>
+  <dgm:styleLbl name="alignAcc1">
+    <dgm:scene3d>
+      <a:camera prst="orthographicFront"/>
+      <a:lightRig rig="threePt" dir="t"/>
+    </dgm:scene3d>
+    <dgm:sp3d/>
+    <dgm:txPr/>
+    <dgm:style>
+      <a:lnRef idx="2">
+        <a:scrgbClr r="0" g="0" b="0"/>
+      </a:lnRef>
+      <a:fillRef idx="1">
+        <a:scrgbClr r="0" g="0" b="0"/>
+      </a:fillRef>
+      <a:effectRef idx="0">
+        <a:scrgbClr r="0" g="0" b="0"/>
+      </a:effectRef>
+      <a:fontRef idx="minor"/>
+    </dgm:style>
+  </dgm:styleLbl>
+  <dgm:styleLbl name="trAlignAcc1">
+    <dgm:scene3d>
+      <a:camera prst="orthographicFront"/>
+      <a:lightRig rig="threePt" dir="t"/>
+    </dgm:scene3d>
+    <dgm:sp3d/>
+    <dgm:txPr/>
+    <dgm:style>
+      <a:lnRef idx="1">
+        <a:scrgbClr r="0" g="0" b="0"/>
+      </a:lnRef>
+      <a:fillRef idx="1">
+        <a:scrgbClr r="0" g="0" b="0"/>
+      </a:fillRef>
+      <a:effectRef idx="0">
+        <a:scrgbClr r="0" g="0" b="0"/>
+      </a:effectRef>
+      <a:fontRef idx="minor"/>
+    </dgm:style>
+  </dgm:styleLbl>
+  <dgm:styleLbl name="bgAcc1">
+    <dgm:scene3d>
+      <a:camera prst="orthographicFront"/>
+      <a:lightRig rig="threePt" dir="t"/>
+    </dgm:scene3d>
+    <dgm:sp3d/>
+    <dgm:txPr/>
+    <dgm:style>
+      <a:lnRef idx="2">
+        <a:scrgbClr r="0" g="0" b="0"/>
+      </a:lnRef>
+      <a:fillRef idx="1">
+        <a:scrgbClr r="0" g="0" b="0"/>
+      </a:fillRef>
+      <a:effectRef idx="0">
+        <a:scrgbClr r="0" g="0" b="0"/>
+      </a:effectRef>
+      <a:fontRef idx="minor"/>
+    </dgm:style>
+  </dgm:styleLbl>
+  <dgm:styleLbl name="solidFgAcc1">
+    <dgm:scene3d>
+      <a:camera prst="orthographicFront"/>
+      <a:lightRig rig="threePt" dir="t"/>
+    </dgm:scene3d>
+    <dgm:sp3d/>
+    <dgm:txPr/>
+    <dgm:style>
+      <a:lnRef idx="2">
+        <a:scrgbClr r="0" g="0" b="0"/>
+      </a:lnRef>
+      <a:fillRef idx="1">
+        <a:scrgbClr r="0" g="0" b="0"/>
+      </a:fillRef>
+      <a:effectRef idx="0">
+        <a:scrgbClr r="0" g="0" b="0"/>
+      </a:effectRef>
+      <a:fontRef idx="minor"/>
+    </dgm:style>
+  </dgm:styleLbl>
+  <dgm:styleLbl name="solidAlignAcc1">
+    <dgm:scene3d>
+      <a:camera prst="orthographicFront"/>
+      <a:lightRig rig="threePt" dir="t"/>
+    </dgm:scene3d>
+    <dgm:sp3d/>
+    <dgm:txPr/>
+    <dgm:style>
+      <a:lnRef idx="2">
+        <a:scrgbClr r="0" g="0" b="0"/>
+      </a:lnRef>
+      <a:fillRef idx="1">
+        <a:scrgbClr r="0" g="0" b="0"/>
+      </a:fillRef>
+      <a:effectRef idx="0">
+        <a:scrgbClr r="0" g="0" b="0"/>
+      </a:effectRef>
+      <a:fontRef idx="minor"/>
+    </dgm:style>
+  </dgm:styleLbl>
+  <dgm:styleLbl name="solidBgAcc1">
+    <dgm:scene3d>
+      <a:camera prst="orthographicFront"/>
+      <a:lightRig rig="threePt" dir="t"/>
+    </dgm:scene3d>
+    <dgm:sp3d/>
+    <dgm:txPr/>
+    <dgm:style>
+      <a:lnRef idx="2">
+        <a:scrgbClr r="0" g="0" b="0"/>
+      </a:lnRef>
+      <a:fillRef idx="1">
+        <a:scrgbClr r="0" g="0" b="0"/>
+      </a:fillRef>
+      <a:effectRef idx="0">
+        <a:scrgbClr r="0" g="0" b="0"/>
+      </a:effectRef>
+      <a:fontRef idx="minor"/>
+    </dgm:style>
+  </dgm:styleLbl>
+  <dgm:styleLbl name="fgAccFollowNode1">
+    <dgm:scene3d>
+      <a:camera prst="orthographicFront"/>
+      <a:lightRig rig="threePt" dir="t"/>
+    </dgm:scene3d>
+    <dgm:sp3d/>
+    <dgm:txPr/>
+    <dgm:style>
+      <a:lnRef idx="2">
+        <a:scrgbClr r="0" g="0" b="0"/>
+      </a:lnRef>
+      <a:fillRef idx="1">
+        <a:scrgbClr r="0" g="0" b="0"/>
+      </a:fillRef>
+      <a:effectRef idx="0">
+        <a:scrgbClr r="0" g="0" b="0"/>
+      </a:effectRef>
+      <a:fontRef idx="minor"/>
+    </dgm:style>
+  </dgm:styleLbl>
+  <dgm:styleLbl name="alignAccFollowNode1">
+    <dgm:scene3d>
+      <a:camera prst="orthographicFront"/>
+      <a:lightRig rig="threePt" dir="t"/>
+    </dgm:scene3d>
+    <dgm:sp3d/>
+    <dgm:txPr/>
+    <dgm:style>
+      <a:lnRef idx="2">
+        <a:scrgbClr r="0" g="0" b="0"/>
+      </a:lnRef>
+      <a:fillRef idx="1">
+        <a:scrgbClr r="0" g="0" b="0"/>
+      </a:fillRef>
+      <a:effectRef idx="0">
+        <a:scrgbClr r="0" g="0" b="0"/>
+      </a:effectRef>
+      <a:fontRef idx="minor"/>
+    </dgm:style>
+  </dgm:styleLbl>
+  <dgm:styleLbl name="bgAccFollowNode1">
+    <dgm:scene3d>
+      <a:camera prst="orthographicFront"/>
+      <a:lightRig rig="threePt" dir="t"/>
+    </dgm:scene3d>
+    <dgm:sp3d/>
+    <dgm:txPr/>
+    <dgm:style>
+      <a:lnRef idx="2">
+        <a:scrgbClr r="0" g="0" b="0"/>
+      </a:lnRef>
+      <a:fillRef idx="1">
+        <a:scrgbClr r="0" g="0" b="0"/>
+      </a:fillRef>
+      <a:effectRef idx="0">
+        <a:scrgbClr r="0" g="0" b="0"/>
+      </a:effectRef>
+      <a:fontRef idx="minor"/>
+    </dgm:style>
+  </dgm:styleLbl>
+  <dgm:styleLbl name="fgAcc0">
+    <dgm:scene3d>
+      <a:camera prst="orthographicFront"/>
+      <a:lightRig rig="threePt" dir="t"/>
+    </dgm:scene3d>
+    <dgm:sp3d/>
+    <dgm:txPr/>
+    <dgm:style>
+      <a:lnRef idx="2">
+        <a:scrgbClr r="0" g="0" b="0"/>
+      </a:lnRef>
+      <a:fillRef idx="1">
+        <a:scrgbClr r="0" g="0" b="0"/>
+      </a:fillRef>
+      <a:effectRef idx="0">
+        <a:scrgbClr r="0" g="0" b="0"/>
+      </a:effectRef>
+      <a:fontRef idx="minor"/>
+    </dgm:style>
+  </dgm:styleLbl>
+  <dgm:styleLbl name="fgAcc2">
+    <dgm:scene3d>
+      <a:camera prst="orthographicFront"/>
+      <a:lightRig rig="threePt" dir="t"/>
+    </dgm:scene3d>
+    <dgm:sp3d/>
+    <dgm:txPr/>
+    <dgm:style>
+      <a:lnRef idx="2">
+        <a:scrgbClr r="0" g="0" b="0"/>
+      </a:lnRef>
+      <a:fillRef idx="1">
+        <a:scrgbClr r="0" g="0" b="0"/>
+      </a:fillRef>
+      <a:effectRef idx="0">
+        <a:scrgbClr r="0" g="0" b="0"/>
+      </a:effectRef>
+      <a:fontRef idx="minor"/>
+    </dgm:style>
+  </dgm:styleLbl>
+  <dgm:styleLbl name="fgAcc3">
+    <dgm:scene3d>
+      <a:camera prst="orthographicFront"/>
+      <a:lightRig rig="threePt" dir="t"/>
+    </dgm:scene3d>
+    <dgm:sp3d/>
+    <dgm:txPr/>
+    <dgm:style>
+      <a:lnRef idx="2">
+        <a:scrgbClr r="0" g="0" b="0"/>
+      </a:lnRef>
+      <a:fillRef idx="1">
+        <a:scrgbClr r="0" g="0" b="0"/>
+      </a:fillRef>
+      <a:effectRef idx="0">
+        <a:scrgbClr r="0" g="0" b="0"/>
+      </a:effectRef>
+      <a:fontRef idx="minor"/>
+    </dgm:style>
+  </dgm:styleLbl>
+  <dgm:styleLbl name="fgAcc4">
+    <dgm:scene3d>
+      <a:camera prst="orthographicFront"/>
+      <a:lightRig rig="threePt" dir="t"/>
+    </dgm:scene3d>
+    <dgm:sp3d/>
+    <dgm:txPr/>
+    <dgm:style>
+      <a:lnRef idx="2">
+        <a:scrgbClr r="0" g="0" b="0"/>
+      </a:lnRef>
+      <a:fillRef idx="1">
+        <a:scrgbClr r="0" g="0" b="0"/>
+      </a:fillRef>
+      <a:effectRef idx="0">
+        <a:scrgbClr r="0" g="0" b="0"/>
+      </a:effectRef>
+      <a:fontRef idx="minor"/>
+    </dgm:style>
+  </dgm:styleLbl>
+  <dgm:styleLbl name="bgShp">
+    <dgm:scene3d>
+      <a:camera prst="orthographicFront"/>
+      <a:lightRig rig="threePt" dir="t"/>
+    </dgm:scene3d>
+    <dgm:sp3d/>
+    <dgm:txPr/>
+    <dgm:style>
+      <a:lnRef idx="0">
+        <a:scrgbClr r="0" g="0" b="0"/>
+      </a:lnRef>
+      <a:fillRef idx="1">
+        <a:scrgbClr r="0" g="0" b="0"/>
+      </a:fillRef>
+      <a:effectRef idx="0">
+        <a:scrgbClr r="0" g="0" b="0"/>
+      </a:effectRef>
+      <a:fontRef idx="minor"/>
+    </dgm:style>
+  </dgm:styleLbl>
+  <dgm:styleLbl name="dkBgShp">
+    <dgm:scene3d>
+      <a:camera prst="orthographicFront"/>
+      <a:lightRig rig="threePt" dir="t"/>
+    </dgm:scene3d>
+    <dgm:sp3d/>
+    <dgm:txPr/>
+    <dgm:style>
+      <a:lnRef idx="0">
+        <a:scrgbClr r="0" g="0" b="0"/>
+      </a:lnRef>
+      <a:fillRef idx="1">
+        <a:scrgbClr r="0" g="0" b="0"/>
+      </a:fillRef>
+      <a:effectRef idx="0">
+        <a:scrgbClr r="0" g="0" b="0"/>
+      </a:effectRef>
+      <a:fontRef idx="minor"/>
+    </dgm:style>
+  </dgm:styleLbl>
+  <dgm:styleLbl name="trBgShp">
+    <dgm:scene3d>
+      <a:camera prst="orthographicFront"/>
+      <a:lightRig rig="threePt" dir="t"/>
+    </dgm:scene3d>
+    <dgm:sp3d/>
+    <dgm:txPr/>
+    <dgm:style>
+      <a:lnRef idx="0">
+        <a:scrgbClr r="0" g="0" b="0"/>
+      </a:lnRef>
+      <a:fillRef idx="1">
+        <a:scrgbClr r="0" g="0" b="0"/>
+      </a:fillRef>
+      <a:effectRef idx="0">
+        <a:scrgbClr r="0" g="0" b="0"/>
+      </a:effectRef>
+      <a:fontRef idx="minor"/>
+    </dgm:style>
+  </dgm:styleLbl>
+  <dgm:styleLbl name="fgShp">
+    <dgm:scene3d>
+      <a:camera prst="orthographicFront"/>
+      <a:lightRig rig="threePt" dir="t"/>
+    </dgm:scene3d>
+    <dgm:sp3d/>
+    <dgm:txPr/>
+    <dgm:style>
+      <a:lnRef idx="2">
+        <a:scrgbClr r="0" g="0" b="0"/>
+      </a:lnRef>
+      <a:fillRef idx="1">
+        <a:scrgbClr r="0" g="0" b="0"/>
+      </a:fillRef>
+      <a:effectRef idx="0">
+        <a:scrgbClr r="0" g="0" b="0"/>
+      </a:effectRef>
+      <a:fontRef idx="minor"/>
+    </dgm:style>
+  </dgm:styleLbl>
+  <dgm:styleLbl name="revTx">
+    <dgm:scene3d>
+      <a:camera prst="orthographicFront"/>
+      <a:lightRig rig="threePt" dir="t"/>
+    </dgm:scene3d>
+    <dgm:sp3d/>
+    <dgm:txPr/>
+    <dgm:style>
+      <a:lnRef idx="0">
+        <a:scrgbClr r="0" g="0" b="0"/>
+      </a:lnRef>
+      <a:fillRef idx="0">
+        <a:scrgbClr r="0" g="0" b="0"/>
+      </a:fillRef>
+      <a:effectRef idx="0">
+        <a:scrgbClr r="0" g="0" b="0"/>
+      </a:effectRef>
+      <a:fontRef idx="minor"/>
+    </dgm:style>
+  </dgm:styleLbl>
+</dgm:styleDef>
+</file>
+
+<file path=ppt/diagrams/quickStyle11.xml><?xml version="1.0" encoding="utf-8"?>
 <dgm:styleDef xmlns:dgm="http://schemas.openxmlformats.org/drawingml/2006/diagram" xmlns:a="http://schemas.openxmlformats.org/drawingml/2006/main" uniqueId="urn:microsoft.com/office/officeart/2005/8/quickstyle/3d5">
   <dgm:title val=""/>
   <dgm:desc val=""/>
@@ -38673,7 +41863,7 @@
           <a:p>
             <a:fld id="{59088EAF-6ECA-4616-85EF-35AA19C641F3}" type="datetimeFigureOut">
               <a:rPr lang="en-US"/>
-              <a:t>8/8/2016</a:t>
+              <a:t>8/14/2016</a:t>
             </a:fld>
             <a:endParaRPr/>
           </a:p>
@@ -38838,7 +42028,7 @@
           <a:p>
             <a:fld id="{3ABD2D7A-D230-4F91-BD59-0A39C2703BA8}" type="datetimeFigureOut">
               <a:rPr lang="en-US"/>
-              <a:t>8/8/2016</a:t>
+              <a:t>8/14/2016</a:t>
             </a:fld>
             <a:endParaRPr/>
           </a:p>
@@ -39433,7 +42623,7 @@
           <a:p>
             <a:fld id="{03F41C87-7AD9-4845-A077-840E4A0F3F06}" type="datetimeFigureOut">
               <a:rPr lang="en-US"/>
-              <a:t>8/8/2016</a:t>
+              <a:t>8/14/2016</a:t>
             </a:fld>
             <a:endParaRPr/>
           </a:p>
@@ -39625,7 +42815,7 @@
           <a:p>
             <a:fld id="{03F41C87-7AD9-4845-A077-840E4A0F3F06}" type="datetimeFigureOut">
               <a:rPr lang="en-US"/>
-              <a:t>8/8/2016</a:t>
+              <a:t>8/14/2016</a:t>
             </a:fld>
             <a:endParaRPr/>
           </a:p>
@@ -39814,7 +43004,7 @@
           <a:p>
             <a:fld id="{03F41C87-7AD9-4845-A077-840E4A0F3F06}" type="datetimeFigureOut">
               <a:rPr lang="en-US"/>
-              <a:t>8/8/2016</a:t>
+              <a:t>8/14/2016</a:t>
             </a:fld>
             <a:endParaRPr/>
           </a:p>
@@ -40094,7 +43284,7 @@
           <a:p>
             <a:fld id="{03F41C87-7AD9-4845-A077-840E4A0F3F06}" type="datetimeFigureOut">
               <a:rPr lang="en-US"/>
-              <a:t>8/8/2016</a:t>
+              <a:t>8/14/2016</a:t>
             </a:fld>
             <a:endParaRPr/>
           </a:p>
@@ -40398,7 +43588,7 @@
           <a:p>
             <a:fld id="{03F41C87-7AD9-4845-A077-840E4A0F3F06}" type="datetimeFigureOut">
               <a:rPr lang="en-US"/>
-              <a:t>8/8/2016</a:t>
+              <a:t>8/14/2016</a:t>
             </a:fld>
             <a:endParaRPr/>
           </a:p>
@@ -40854,7 +44044,7 @@
           <a:p>
             <a:fld id="{03F41C87-7AD9-4845-A077-840E4A0F3F06}" type="datetimeFigureOut">
               <a:rPr lang="en-US"/>
-              <a:t>8/8/2016</a:t>
+              <a:t>8/14/2016</a:t>
             </a:fld>
             <a:endParaRPr/>
           </a:p>
@@ -40984,7 +44174,7 @@
           <a:p>
             <a:fld id="{03F41C87-7AD9-4845-A077-840E4A0F3F06}" type="datetimeFigureOut">
               <a:rPr lang="en-US"/>
-              <a:t>8/8/2016</a:t>
+              <a:t>8/14/2016</a:t>
             </a:fld>
             <a:endParaRPr/>
           </a:p>
@@ -41099,7 +44289,7 @@
           <a:p>
             <a:fld id="{03F41C87-7AD9-4845-A077-840E4A0F3F06}" type="datetimeFigureOut">
               <a:rPr lang="en-US"/>
-              <a:t>8/8/2016</a:t>
+              <a:t>8/14/2016</a:t>
             </a:fld>
             <a:endParaRPr/>
           </a:p>
@@ -41421,7 +44611,7 @@
           <a:p>
             <a:fld id="{03F41C87-7AD9-4845-A077-840E4A0F3F06}" type="datetimeFigureOut">
               <a:rPr lang="en-US"/>
-              <a:t>8/8/2016</a:t>
+              <a:t>8/14/2016</a:t>
             </a:fld>
             <a:endParaRPr/>
           </a:p>
@@ -41733,7 +44923,7 @@
             <a:fld id="{03F41C87-7AD9-4845-A077-840E4A0F3F06}" type="datetimeFigureOut">
               <a:rPr lang="en-US"/>
               <a:pPr/>
-              <a:t>8/8/2016</a:t>
+              <a:t>8/14/2016</a:t>
             </a:fld>
             <a:endParaRPr/>
           </a:p>
@@ -41969,7 +45159,7 @@
             <a:fld id="{03F41C87-7AD9-4845-A077-840E4A0F3F06}" type="datetimeFigureOut">
               <a:rPr lang="en-US"/>
               <a:pPr/>
-              <a:t>8/8/2016</a:t>
+              <a:t>8/14/2016</a:t>
             </a:fld>
             <a:endParaRPr/>
           </a:p>
@@ -44696,13 +47886,13 @@
   <p:clrMapOvr>
     <a:masterClrMapping/>
   </p:clrMapOvr>
-  <mc:AlternateContent xmlns:mc="http://schemas.openxmlformats.org/markup-compatibility/2006" xmlns:p14="http://schemas.microsoft.com/office/powerpoint/2010/main">
-    <mc:Choice Requires="p14">
+  <mc:AlternateContent xmlns:mc="http://schemas.openxmlformats.org/markup-compatibility/2006">
+    <mc:Choice xmlns:p14="http://schemas.microsoft.com/office/powerpoint/2010/main" Requires="p14">
       <p:transition spd="med" p14:dur="700">
         <p:fade/>
       </p:transition>
     </mc:Choice>
-    <mc:Fallback xmlns="">
+    <mc:Fallback>
       <p:transition spd="med">
         <p:fade/>
       </p:transition>
@@ -44790,7 +47980,7 @@
           <a:p>
             <a:r>
               <a:rPr lang="en-US" dirty="0"/>
-              <a:t>Sr. Software Solution Architect</a:t>
+              <a:t>Enterprise Solution Architect</a:t>
             </a:r>
           </a:p>
           <a:p>
@@ -49475,6 +52665,35 @@
           </a:fontRef>
         </p:style>
       </p:cxnSp>
+      <p:sp>
+        <p:nvSpPr>
+          <p:cNvPr id="10" name="TextBox 9"/>
+          <p:cNvSpPr txBox="1"/>
+          <p:nvPr/>
+        </p:nvSpPr>
+        <p:spPr>
+          <a:xfrm>
+            <a:off x="9437339" y="6541297"/>
+            <a:ext cx="1707519" cy="246221"/>
+          </a:xfrm>
+          <a:prstGeom prst="rect">
+            <a:avLst/>
+          </a:prstGeom>
+          <a:noFill/>
+        </p:spPr>
+        <p:txBody>
+          <a:bodyPr wrap="none" rtlCol="0">
+            <a:spAutoFit/>
+          </a:bodyPr>
+          <a:lstStyle/>
+          <a:p>
+            <a:r>
+              <a:rPr lang="en-US" sz="1000" dirty="0"/>
+              <a:t>See Architect 03 source code</a:t>
+            </a:r>
+          </a:p>
+        </p:txBody>
+      </p:sp>
     </p:spTree>
     <p:extLst>
       <p:ext uri="{BB962C8B-B14F-4D97-AF65-F5344CB8AC3E}">
@@ -49569,7 +52788,7 @@
         <p:spPr>
           <a:xfrm>
             <a:off x="1522413" y="1904999"/>
-            <a:ext cx="8915399" cy="2362201"/>
+            <a:ext cx="8915399" cy="1752601"/>
           </a:xfrm>
         </p:spPr>
         <p:txBody>
@@ -49593,12 +52812,6 @@
             <a:r>
               <a:rPr lang="en-US" dirty="0"/>
               <a:t>Software architect vs code</a:t>
-            </a:r>
-          </a:p>
-          <a:p>
-            <a:r>
-              <a:rPr lang="en-US" dirty="0"/>
-              <a:t>My top 10 recommendations for successful ColdFusion application.</a:t>
             </a:r>
           </a:p>
         </p:txBody>
@@ -50061,6 +53274,35 @@
           </a:fontRef>
         </p:style>
       </p:cxnSp>
+      <p:sp>
+        <p:nvSpPr>
+          <p:cNvPr id="12" name="TextBox 11"/>
+          <p:cNvSpPr txBox="1"/>
+          <p:nvPr/>
+        </p:nvSpPr>
+        <p:spPr>
+          <a:xfrm>
+            <a:off x="9469638" y="6527990"/>
+            <a:ext cx="1707519" cy="246221"/>
+          </a:xfrm>
+          <a:prstGeom prst="rect">
+            <a:avLst/>
+          </a:prstGeom>
+          <a:noFill/>
+        </p:spPr>
+        <p:txBody>
+          <a:bodyPr wrap="none" rtlCol="0">
+            <a:spAutoFit/>
+          </a:bodyPr>
+          <a:lstStyle/>
+          <a:p>
+            <a:r>
+              <a:rPr lang="en-US" sz="1000" dirty="0"/>
+              <a:t>See Architect 04 source code</a:t>
+            </a:r>
+          </a:p>
+        </p:txBody>
+      </p:sp>
     </p:spTree>
     <p:extLst>
       <p:ext uri="{BB962C8B-B14F-4D97-AF65-F5344CB8AC3E}">
@@ -50316,49 +53558,16 @@
           </a:p>
         </p:txBody>
       </p:sp>
-      <p:pic>
-        <p:nvPicPr>
-          <p:cNvPr id="3" name="Picture 2"/>
-          <p:cNvPicPr>
-            <a:picLocks noChangeAspect="1"/>
-          </p:cNvPicPr>
-          <p:nvPr/>
-        </p:nvPicPr>
-        <p:blipFill>
-          <a:blip r:embed="rId2"/>
-          <a:stretch>
-            <a:fillRect/>
-          </a:stretch>
-        </p:blipFill>
-        <p:spPr>
-          <a:xfrm>
-            <a:off x="868509" y="1096341"/>
-            <a:ext cx="2066667" cy="4647619"/>
-          </a:xfrm>
-          <a:prstGeom prst="roundRect">
-            <a:avLst>
-              <a:gd name="adj" fmla="val 8594"/>
-            </a:avLst>
-          </a:prstGeom>
-          <a:solidFill>
-            <a:srgbClr val="FFFFFF">
-              <a:shade val="85000"/>
-            </a:srgbClr>
-          </a:solidFill>
-          <a:ln>
-            <a:noFill/>
-          </a:ln>
-          <a:effectLst>
-            <a:reflection blurRad="12700" stA="38000" endPos="28000" dist="5000" dir="5400000" sy="-100000" algn="bl" rotWithShape="0"/>
-          </a:effectLst>
-        </p:spPr>
-      </p:pic>
       <p:graphicFrame>
         <p:nvGraphicFramePr>
           <p:cNvPr id="4" name="Diagram 3"/>
           <p:cNvGraphicFramePr/>
           <p:nvPr>
-            <p:extLst/>
+            <p:extLst>
+              <p:ext uri="{D42A27DB-BD31-4B8C-83A1-F6EECF244321}">
+                <p14:modId xmlns:p14="http://schemas.microsoft.com/office/powerpoint/2010/main" val="1079817200"/>
+              </p:ext>
+            </p:extLst>
           </p:nvPr>
         </p:nvGraphicFramePr>
         <p:xfrm>
@@ -50367,40 +53576,10 @@
         </p:xfrm>
         <a:graphic>
           <a:graphicData uri="http://schemas.openxmlformats.org/drawingml/2006/diagram">
-            <dgm:relIds xmlns:dgm="http://schemas.openxmlformats.org/drawingml/2006/diagram" xmlns:r="http://schemas.openxmlformats.org/officeDocument/2006/relationships" r:dm="rId3" r:lo="rId4" r:qs="rId5" r:cs="rId6"/>
+            <dgm:relIds xmlns:dgm="http://schemas.openxmlformats.org/drawingml/2006/diagram" xmlns:r="http://schemas.openxmlformats.org/officeDocument/2006/relationships" r:dm="rId2" r:lo="rId3" r:qs="rId4" r:cs="rId5"/>
           </a:graphicData>
         </a:graphic>
       </p:graphicFrame>
-      <p:cxnSp>
-        <p:nvCxnSpPr>
-          <p:cNvPr id="7" name="Straight Connector 6"/>
-          <p:cNvCxnSpPr/>
-          <p:nvPr/>
-        </p:nvCxnSpPr>
-        <p:spPr>
-          <a:xfrm>
-            <a:off x="5637212" y="4593512"/>
-            <a:ext cx="762000" cy="228600"/>
-          </a:xfrm>
-          <a:prstGeom prst="line">
-            <a:avLst/>
-          </a:prstGeom>
-        </p:spPr>
-        <p:style>
-          <a:lnRef idx="1">
-            <a:schemeClr val="accent1"/>
-          </a:lnRef>
-          <a:fillRef idx="0">
-            <a:schemeClr val="accent1"/>
-          </a:fillRef>
-          <a:effectRef idx="0">
-            <a:schemeClr val="accent1"/>
-          </a:effectRef>
-          <a:fontRef idx="minor">
-            <a:schemeClr val="tx1"/>
-          </a:fontRef>
-        </p:style>
-      </p:cxnSp>
       <p:cxnSp>
         <p:nvCxnSpPr>
           <p:cNvPr id="10" name="Straight Connector 9"/>
@@ -50409,8 +53588,8 @@
         </p:nvCxnSpPr>
         <p:spPr>
           <a:xfrm>
-            <a:off x="3765704" y="1981200"/>
-            <a:ext cx="6705600" cy="0"/>
+            <a:off x="3765704" y="1905000"/>
+            <a:ext cx="7415742" cy="0"/>
           </a:xfrm>
           <a:prstGeom prst="line">
             <a:avLst/>
@@ -50446,9 +53625,9 @@
           <p:nvPr/>
         </p:nvCxnSpPr>
         <p:spPr>
-          <a:xfrm>
-            <a:off x="3808412" y="3654867"/>
-            <a:ext cx="6705600" cy="0"/>
+          <a:xfrm flipV="1">
+            <a:off x="3808412" y="3315735"/>
+            <a:ext cx="7373034" cy="17983"/>
           </a:xfrm>
           <a:prstGeom prst="line">
             <a:avLst/>
@@ -50485,8 +53664,8 @@
         </p:nvCxnSpPr>
         <p:spPr>
           <a:xfrm>
-            <a:off x="3808412" y="5334000"/>
-            <a:ext cx="6705600" cy="0"/>
+            <a:off x="3808412" y="4767044"/>
+            <a:ext cx="7373034" cy="0"/>
           </a:xfrm>
           <a:prstGeom prst="line">
             <a:avLst/>
@@ -50515,6 +53694,57 @@
           </a:fontRef>
         </p:style>
       </p:cxnSp>
+      <p:sp>
+        <p:nvSpPr>
+          <p:cNvPr id="12" name="TextBox 11"/>
+          <p:cNvSpPr txBox="1"/>
+          <p:nvPr/>
+        </p:nvSpPr>
+        <p:spPr>
+          <a:xfrm>
+            <a:off x="9512026" y="6508501"/>
+            <a:ext cx="1707519" cy="246221"/>
+          </a:xfrm>
+          <a:prstGeom prst="rect">
+            <a:avLst/>
+          </a:prstGeom>
+          <a:noFill/>
+        </p:spPr>
+        <p:txBody>
+          <a:bodyPr wrap="none" rtlCol="0">
+            <a:spAutoFit/>
+          </a:bodyPr>
+          <a:lstStyle/>
+          <a:p>
+            <a:r>
+              <a:rPr lang="en-US" sz="1000" dirty="0"/>
+              <a:t>See Architect 05 source code</a:t>
+            </a:r>
+          </a:p>
+        </p:txBody>
+      </p:sp>
+      <p:graphicFrame>
+        <p:nvGraphicFramePr>
+          <p:cNvPr id="2" name="Diagram 1"/>
+          <p:cNvGraphicFramePr/>
+          <p:nvPr>
+            <p:extLst>
+              <p:ext uri="{D42A27DB-BD31-4B8C-83A1-F6EECF244321}">
+                <p14:modId xmlns:p14="http://schemas.microsoft.com/office/powerpoint/2010/main" val="613489030"/>
+              </p:ext>
+            </p:extLst>
+          </p:nvPr>
+        </p:nvGraphicFramePr>
+        <p:xfrm>
+          <a:off x="2769129" y="711522"/>
+          <a:ext cx="8125883" cy="5417256"/>
+        </p:xfrm>
+        <a:graphic>
+          <a:graphicData uri="http://schemas.openxmlformats.org/drawingml/2006/diagram">
+            <dgm:relIds xmlns:dgm="http://schemas.openxmlformats.org/drawingml/2006/diagram" xmlns:r="http://schemas.openxmlformats.org/officeDocument/2006/relationships" r:dm="rId7" r:lo="rId8" r:qs="rId9" r:cs="rId10"/>
+          </a:graphicData>
+        </a:graphic>
+      </p:graphicFrame>
     </p:spTree>
     <p:extLst>
       <p:ext uri="{BB962C8B-B14F-4D97-AF65-F5344CB8AC3E}">
